--- a/Lectures/6 Exploration.pptx
+++ b/Lectures/6 Exploration.pptx
@@ -5,10 +5,10 @@
     <p:sldMasterId id="2147483648" r:id="rId1"/>
   </p:sldMasterIdLst>
   <p:notesMasterIdLst>
-    <p:notesMasterId r:id="rId37"/>
+    <p:notesMasterId r:id="rId38"/>
   </p:notesMasterIdLst>
   <p:handoutMasterIdLst>
-    <p:handoutMasterId r:id="rId38"/>
+    <p:handoutMasterId r:id="rId39"/>
   </p:handoutMasterIdLst>
   <p:sldIdLst>
     <p:sldId id="258" r:id="rId2"/>
@@ -28,24 +28,25 @@
     <p:sldId id="301" r:id="rId16"/>
     <p:sldId id="303" r:id="rId17"/>
     <p:sldId id="304" r:id="rId18"/>
-    <p:sldId id="305" r:id="rId19"/>
-    <p:sldId id="309" r:id="rId20"/>
-    <p:sldId id="308" r:id="rId21"/>
-    <p:sldId id="310" r:id="rId22"/>
-    <p:sldId id="311" r:id="rId23"/>
-    <p:sldId id="313" r:id="rId24"/>
-    <p:sldId id="314" r:id="rId25"/>
-    <p:sldId id="315" r:id="rId26"/>
-    <p:sldId id="316" r:id="rId27"/>
-    <p:sldId id="317" r:id="rId28"/>
-    <p:sldId id="318" r:id="rId29"/>
-    <p:sldId id="319" r:id="rId30"/>
-    <p:sldId id="320" r:id="rId31"/>
-    <p:sldId id="321" r:id="rId32"/>
-    <p:sldId id="322" r:id="rId33"/>
-    <p:sldId id="323" r:id="rId34"/>
-    <p:sldId id="324" r:id="rId35"/>
-    <p:sldId id="294" r:id="rId36"/>
+    <p:sldId id="325" r:id="rId19"/>
+    <p:sldId id="305" r:id="rId20"/>
+    <p:sldId id="309" r:id="rId21"/>
+    <p:sldId id="308" r:id="rId22"/>
+    <p:sldId id="310" r:id="rId23"/>
+    <p:sldId id="311" r:id="rId24"/>
+    <p:sldId id="313" r:id="rId25"/>
+    <p:sldId id="314" r:id="rId26"/>
+    <p:sldId id="315" r:id="rId27"/>
+    <p:sldId id="316" r:id="rId28"/>
+    <p:sldId id="317" r:id="rId29"/>
+    <p:sldId id="318" r:id="rId30"/>
+    <p:sldId id="319" r:id="rId31"/>
+    <p:sldId id="320" r:id="rId32"/>
+    <p:sldId id="321" r:id="rId33"/>
+    <p:sldId id="322" r:id="rId34"/>
+    <p:sldId id="323" r:id="rId35"/>
+    <p:sldId id="324" r:id="rId36"/>
+    <p:sldId id="294" r:id="rId37"/>
   </p:sldIdLst>
   <p:sldSz cx="9144000" cy="6858000" type="screen4x3"/>
   <p:notesSz cx="6858000" cy="9144000"/>
@@ -1992,1073 +1993,6 @@
       <dsp:cNvGrpSpPr/>
     </dsp:nvGrpSpPr>
     <dsp:grpSpPr/>
-    <dsp:sp modelId="{5E1494A8-77FB-CC45-AD26-121A0E33EB57}">
-      <dsp:nvSpPr>
-        <dsp:cNvPr id="0" name=""/>
-        <dsp:cNvSpPr/>
-      </dsp:nvSpPr>
-      <dsp:spPr>
-        <a:xfrm>
-          <a:off x="6557" y="1595804"/>
-          <a:ext cx="1440811" cy="1188367"/>
-        </a:xfrm>
-        <a:prstGeom prst="roundRect">
-          <a:avLst>
-            <a:gd name="adj" fmla="val 10000"/>
-          </a:avLst>
-        </a:prstGeom>
-        <a:solidFill>
-          <a:schemeClr val="lt1">
-            <a:alpha val="90000"/>
-            <a:hueOff val="0"/>
-            <a:satOff val="0"/>
-            <a:lumOff val="0"/>
-            <a:alphaOff val="0"/>
-          </a:schemeClr>
-        </a:solidFill>
-        <a:ln w="25400" cap="flat" cmpd="sng" algn="ctr">
-          <a:solidFill>
-            <a:schemeClr val="accent1">
-              <a:hueOff val="0"/>
-              <a:satOff val="0"/>
-              <a:lumOff val="0"/>
-              <a:alphaOff val="0"/>
-            </a:schemeClr>
-          </a:solidFill>
-          <a:prstDash val="solid"/>
-        </a:ln>
-        <a:effectLst/>
-      </dsp:spPr>
-      <dsp:style>
-        <a:lnRef idx="2">
-          <a:scrgbClr r="0" g="0" b="0"/>
-        </a:lnRef>
-        <a:fillRef idx="1">
-          <a:scrgbClr r="0" g="0" b="0"/>
-        </a:fillRef>
-        <a:effectRef idx="0">
-          <a:scrgbClr r="0" g="0" b="0"/>
-        </a:effectRef>
-        <a:fontRef idx="minor"/>
-      </dsp:style>
-      <dsp:txBody>
-        <a:bodyPr spcFirstLastPara="0" vert="horz" wrap="square" lIns="20955" tIns="20955" rIns="20955" bIns="20955" numCol="1" spcCol="1270" anchor="t" anchorCtr="0">
-          <a:noAutofit/>
-        </a:bodyPr>
-        <a:lstStyle/>
-        <a:p>
-          <a:pPr marL="57150" lvl="1" indent="-57150" algn="l" defTabSz="488950">
-            <a:lnSpc>
-              <a:spcPct val="90000"/>
-            </a:lnSpc>
-            <a:spcBef>
-              <a:spcPct val="0"/>
-            </a:spcBef>
-            <a:spcAft>
-              <a:spcPct val="15000"/>
-            </a:spcAft>
-            <a:buChar char="••"/>
-          </a:pPr>
-          <a:r>
-            <a:rPr lang="en-US" sz="1100" kern="1200" dirty="0" smtClean="0"/>
-            <a:t>Is it the right question?</a:t>
-          </a:r>
-          <a:endParaRPr lang="en-US" sz="1100" kern="1200" dirty="0"/>
-        </a:p>
-        <a:p>
-          <a:pPr marL="57150" lvl="1" indent="-57150" algn="l" defTabSz="488950">
-            <a:lnSpc>
-              <a:spcPct val="90000"/>
-            </a:lnSpc>
-            <a:spcBef>
-              <a:spcPct val="0"/>
-            </a:spcBef>
-            <a:spcAft>
-              <a:spcPct val="15000"/>
-            </a:spcAft>
-            <a:buChar char="••"/>
-          </a:pPr>
-          <a:r>
-            <a:rPr lang="en-US" sz="1100" kern="1200" dirty="0" smtClean="0"/>
-            <a:t>Is it answerable?</a:t>
-          </a:r>
-          <a:endParaRPr lang="en-US" sz="1100" kern="1200" dirty="0"/>
-        </a:p>
-      </dsp:txBody>
-      <dsp:txXfrm>
-        <a:off x="33905" y="1623152"/>
-        <a:ext cx="1386115" cy="879021"/>
-      </dsp:txXfrm>
-    </dsp:sp>
-    <dsp:sp modelId="{C34A02AC-E43B-E64A-98B7-D7F0F68A5B18}">
-      <dsp:nvSpPr>
-        <dsp:cNvPr id="0" name=""/>
-        <dsp:cNvSpPr/>
-      </dsp:nvSpPr>
-      <dsp:spPr>
-        <a:xfrm>
-          <a:off x="812945" y="1866947"/>
-          <a:ext cx="1606511" cy="1606511"/>
-        </a:xfrm>
-        <a:prstGeom prst="leftCircularArrow">
-          <a:avLst>
-            <a:gd name="adj1" fmla="val 3263"/>
-            <a:gd name="adj2" fmla="val 402578"/>
-            <a:gd name="adj3" fmla="val 2178089"/>
-            <a:gd name="adj4" fmla="val 9024489"/>
-            <a:gd name="adj5" fmla="val 3807"/>
-          </a:avLst>
-        </a:prstGeom>
-        <a:solidFill>
-          <a:schemeClr val="accent1">
-            <a:tint val="60000"/>
-            <a:hueOff val="0"/>
-            <a:satOff val="0"/>
-            <a:lumOff val="0"/>
-            <a:alphaOff val="0"/>
-          </a:schemeClr>
-        </a:solidFill>
-        <a:ln>
-          <a:noFill/>
-        </a:ln>
-        <a:effectLst/>
-      </dsp:spPr>
-      <dsp:style>
-        <a:lnRef idx="0">
-          <a:scrgbClr r="0" g="0" b="0"/>
-        </a:lnRef>
-        <a:fillRef idx="1">
-          <a:scrgbClr r="0" g="0" b="0"/>
-        </a:fillRef>
-        <a:effectRef idx="0">
-          <a:scrgbClr r="0" g="0" b="0"/>
-        </a:effectRef>
-        <a:fontRef idx="minor">
-          <a:schemeClr val="lt1"/>
-        </a:fontRef>
-      </dsp:style>
-    </dsp:sp>
-    <dsp:sp modelId="{76846BB1-C877-DA42-B78C-85598899D6F0}">
-      <dsp:nvSpPr>
-        <dsp:cNvPr id="0" name=""/>
-        <dsp:cNvSpPr/>
-      </dsp:nvSpPr>
-      <dsp:spPr>
-        <a:xfrm>
-          <a:off x="326738" y="2529521"/>
-          <a:ext cx="1280721" cy="509300"/>
-        </a:xfrm>
-        <a:prstGeom prst="roundRect">
-          <a:avLst>
-            <a:gd name="adj" fmla="val 10000"/>
-          </a:avLst>
-        </a:prstGeom>
-        <a:solidFill>
-          <a:schemeClr val="accent1">
-            <a:hueOff val="0"/>
-            <a:satOff val="0"/>
-            <a:lumOff val="0"/>
-            <a:alphaOff val="0"/>
-          </a:schemeClr>
-        </a:solidFill>
-        <a:ln w="25400" cap="flat" cmpd="sng" algn="ctr">
-          <a:solidFill>
-            <a:schemeClr val="lt1">
-              <a:hueOff val="0"/>
-              <a:satOff val="0"/>
-              <a:lumOff val="0"/>
-              <a:alphaOff val="0"/>
-            </a:schemeClr>
-          </a:solidFill>
-          <a:prstDash val="solid"/>
-        </a:ln>
-        <a:effectLst/>
-      </dsp:spPr>
-      <dsp:style>
-        <a:lnRef idx="2">
-          <a:scrgbClr r="0" g="0" b="0"/>
-        </a:lnRef>
-        <a:fillRef idx="1">
-          <a:scrgbClr r="0" g="0" b="0"/>
-        </a:fillRef>
-        <a:effectRef idx="0">
-          <a:scrgbClr r="0" g="0" b="0"/>
-        </a:effectRef>
-        <a:fontRef idx="minor">
-          <a:schemeClr val="lt1"/>
-        </a:fontRef>
-      </dsp:style>
-      <dsp:txBody>
-        <a:bodyPr spcFirstLastPara="0" vert="horz" wrap="square" lIns="34290" tIns="22860" rIns="34290" bIns="22860" numCol="1" spcCol="1270" anchor="ctr" anchorCtr="0">
-          <a:noAutofit/>
-        </a:bodyPr>
-        <a:lstStyle/>
-        <a:p>
-          <a:pPr lvl="0" algn="ctr" defTabSz="800100">
-            <a:lnSpc>
-              <a:spcPct val="90000"/>
-            </a:lnSpc>
-            <a:spcBef>
-              <a:spcPct val="0"/>
-            </a:spcBef>
-            <a:spcAft>
-              <a:spcPct val="35000"/>
-            </a:spcAft>
-          </a:pPr>
-          <a:r>
-            <a:rPr lang="en-US" sz="1800" kern="1200" smtClean="0"/>
-            <a:t>Question</a:t>
-          </a:r>
-          <a:endParaRPr lang="en-US" sz="1800" kern="1200" dirty="0"/>
-        </a:p>
-      </dsp:txBody>
-      <dsp:txXfrm>
-        <a:off x="341655" y="2544438"/>
-        <a:ext cx="1250887" cy="479466"/>
-      </dsp:txXfrm>
-    </dsp:sp>
-    <dsp:sp modelId="{D8D23966-ECBC-C144-B897-AFC029FA32FB}">
-      <dsp:nvSpPr>
-        <dsp:cNvPr id="0" name=""/>
-        <dsp:cNvSpPr/>
-      </dsp:nvSpPr>
-      <dsp:spPr>
-        <a:xfrm>
-          <a:off x="1857074" y="1595804"/>
-          <a:ext cx="1440811" cy="1188367"/>
-        </a:xfrm>
-        <a:prstGeom prst="roundRect">
-          <a:avLst>
-            <a:gd name="adj" fmla="val 10000"/>
-          </a:avLst>
-        </a:prstGeom>
-        <a:solidFill>
-          <a:schemeClr val="lt1">
-            <a:alpha val="90000"/>
-            <a:hueOff val="0"/>
-            <a:satOff val="0"/>
-            <a:lumOff val="0"/>
-            <a:alphaOff val="0"/>
-          </a:schemeClr>
-        </a:solidFill>
-        <a:ln w="25400" cap="flat" cmpd="sng" algn="ctr">
-          <a:solidFill>
-            <a:schemeClr val="accent1">
-              <a:hueOff val="0"/>
-              <a:satOff val="0"/>
-              <a:lumOff val="0"/>
-              <a:alphaOff val="0"/>
-            </a:schemeClr>
-          </a:solidFill>
-          <a:prstDash val="solid"/>
-        </a:ln>
-        <a:effectLst/>
-      </dsp:spPr>
-      <dsp:style>
-        <a:lnRef idx="2">
-          <a:scrgbClr r="0" g="0" b="0"/>
-        </a:lnRef>
-        <a:fillRef idx="1">
-          <a:scrgbClr r="0" g="0" b="0"/>
-        </a:fillRef>
-        <a:effectRef idx="0">
-          <a:scrgbClr r="0" g="0" b="0"/>
-        </a:effectRef>
-        <a:fontRef idx="minor"/>
-      </dsp:style>
-      <dsp:txBody>
-        <a:bodyPr spcFirstLastPara="0" vert="horz" wrap="square" lIns="20955" tIns="20955" rIns="20955" bIns="20955" numCol="1" spcCol="1270" anchor="t" anchorCtr="0">
-          <a:noAutofit/>
-        </a:bodyPr>
-        <a:lstStyle/>
-        <a:p>
-          <a:pPr marL="57150" lvl="1" indent="-57150" algn="l" defTabSz="488950">
-            <a:lnSpc>
-              <a:spcPct val="90000"/>
-            </a:lnSpc>
-            <a:spcBef>
-              <a:spcPct val="0"/>
-            </a:spcBef>
-            <a:spcAft>
-              <a:spcPct val="15000"/>
-            </a:spcAft>
-            <a:buChar char="••"/>
-          </a:pPr>
-          <a:r>
-            <a:rPr lang="en-US" sz="1100" kern="1200" dirty="0" smtClean="0"/>
-            <a:t>Is it the right data for the question?</a:t>
-          </a:r>
-          <a:endParaRPr lang="en-US" sz="1100" kern="1200" dirty="0"/>
-        </a:p>
-        <a:p>
-          <a:pPr marL="57150" lvl="1" indent="-57150" algn="l" defTabSz="488950">
-            <a:lnSpc>
-              <a:spcPct val="90000"/>
-            </a:lnSpc>
-            <a:spcBef>
-              <a:spcPct val="0"/>
-            </a:spcBef>
-            <a:spcAft>
-              <a:spcPct val="15000"/>
-            </a:spcAft>
-            <a:buChar char="••"/>
-          </a:pPr>
-          <a:r>
-            <a:rPr lang="en-US" sz="1100" kern="1200" dirty="0" smtClean="0"/>
-            <a:t>How hard/easy is it to collect?</a:t>
-          </a:r>
-          <a:endParaRPr lang="en-US" sz="1100" kern="1200" dirty="0"/>
-        </a:p>
-        <a:p>
-          <a:pPr marL="57150" lvl="1" indent="-57150" algn="l" defTabSz="488950">
-            <a:lnSpc>
-              <a:spcPct val="90000"/>
-            </a:lnSpc>
-            <a:spcBef>
-              <a:spcPct val="0"/>
-            </a:spcBef>
-            <a:spcAft>
-              <a:spcPct val="15000"/>
-            </a:spcAft>
-            <a:buChar char="••"/>
-          </a:pPr>
-          <a:r>
-            <a:rPr lang="en-US" sz="1100" kern="1200" dirty="0" smtClean="0"/>
-            <a:t>Understand the fields</a:t>
-          </a:r>
-          <a:endParaRPr lang="en-US" sz="1100" kern="1200" dirty="0"/>
-        </a:p>
-      </dsp:txBody>
-      <dsp:txXfrm>
-        <a:off x="1884422" y="1877802"/>
-        <a:ext cx="1386115" cy="879021"/>
-      </dsp:txXfrm>
-    </dsp:sp>
-    <dsp:sp modelId="{AF52B1F5-AB63-0D48-B810-E413F876CDB0}">
-      <dsp:nvSpPr>
-        <dsp:cNvPr id="0" name=""/>
-        <dsp:cNvSpPr/>
-      </dsp:nvSpPr>
-      <dsp:spPr>
-        <a:xfrm>
-          <a:off x="2651455" y="859922"/>
-          <a:ext cx="1790614" cy="1790614"/>
-        </a:xfrm>
-        <a:prstGeom prst="circularArrow">
-          <a:avLst>
-            <a:gd name="adj1" fmla="val 2927"/>
-            <a:gd name="adj2" fmla="val 358341"/>
-            <a:gd name="adj3" fmla="val 19466149"/>
-            <a:gd name="adj4" fmla="val 12575511"/>
-            <a:gd name="adj5" fmla="val 3415"/>
-          </a:avLst>
-        </a:prstGeom>
-        <a:solidFill>
-          <a:schemeClr val="accent1">
-            <a:tint val="60000"/>
-            <a:hueOff val="0"/>
-            <a:satOff val="0"/>
-            <a:lumOff val="0"/>
-            <a:alphaOff val="0"/>
-          </a:schemeClr>
-        </a:solidFill>
-        <a:ln>
-          <a:noFill/>
-        </a:ln>
-        <a:effectLst/>
-      </dsp:spPr>
-      <dsp:style>
-        <a:lnRef idx="0">
-          <a:scrgbClr r="0" g="0" b="0"/>
-        </a:lnRef>
-        <a:fillRef idx="1">
-          <a:scrgbClr r="0" g="0" b="0"/>
-        </a:fillRef>
-        <a:effectRef idx="0">
-          <a:scrgbClr r="0" g="0" b="0"/>
-        </a:effectRef>
-        <a:fontRef idx="minor">
-          <a:schemeClr val="lt1"/>
-        </a:fontRef>
-      </dsp:style>
-    </dsp:sp>
-    <dsp:sp modelId="{0A1C6453-319F-7146-9DCF-C8845C38D472}">
-      <dsp:nvSpPr>
-        <dsp:cNvPr id="0" name=""/>
-        <dsp:cNvSpPr/>
-      </dsp:nvSpPr>
-      <dsp:spPr>
-        <a:xfrm>
-          <a:off x="2177254" y="1341153"/>
-          <a:ext cx="1280721" cy="509300"/>
-        </a:xfrm>
-        <a:prstGeom prst="roundRect">
-          <a:avLst>
-            <a:gd name="adj" fmla="val 10000"/>
-          </a:avLst>
-        </a:prstGeom>
-        <a:solidFill>
-          <a:schemeClr val="accent1">
-            <a:hueOff val="0"/>
-            <a:satOff val="0"/>
-            <a:lumOff val="0"/>
-            <a:alphaOff val="0"/>
-          </a:schemeClr>
-        </a:solidFill>
-        <a:ln w="25400" cap="flat" cmpd="sng" algn="ctr">
-          <a:solidFill>
-            <a:schemeClr val="lt1">
-              <a:hueOff val="0"/>
-              <a:satOff val="0"/>
-              <a:lumOff val="0"/>
-              <a:alphaOff val="0"/>
-            </a:schemeClr>
-          </a:solidFill>
-          <a:prstDash val="solid"/>
-        </a:ln>
-        <a:effectLst/>
-      </dsp:spPr>
-      <dsp:style>
-        <a:lnRef idx="2">
-          <a:scrgbClr r="0" g="0" b="0"/>
-        </a:lnRef>
-        <a:fillRef idx="1">
-          <a:scrgbClr r="0" g="0" b="0"/>
-        </a:fillRef>
-        <a:effectRef idx="0">
-          <a:scrgbClr r="0" g="0" b="0"/>
-        </a:effectRef>
-        <a:fontRef idx="minor">
-          <a:schemeClr val="lt1"/>
-        </a:fontRef>
-      </dsp:style>
-      <dsp:txBody>
-        <a:bodyPr spcFirstLastPara="0" vert="horz" wrap="square" lIns="34290" tIns="22860" rIns="34290" bIns="22860" numCol="1" spcCol="1270" anchor="ctr" anchorCtr="0">
-          <a:noAutofit/>
-        </a:bodyPr>
-        <a:lstStyle/>
-        <a:p>
-          <a:pPr lvl="0" algn="ctr" defTabSz="800100">
-            <a:lnSpc>
-              <a:spcPct val="90000"/>
-            </a:lnSpc>
-            <a:spcBef>
-              <a:spcPct val="0"/>
-            </a:spcBef>
-            <a:spcAft>
-              <a:spcPct val="35000"/>
-            </a:spcAft>
-          </a:pPr>
-          <a:r>
-            <a:rPr lang="en-US" sz="1800" kern="1200" dirty="0" smtClean="0"/>
-            <a:t>Collect Data </a:t>
-          </a:r>
-          <a:endParaRPr lang="en-US" sz="1800" kern="1200" dirty="0"/>
-        </a:p>
-      </dsp:txBody>
-      <dsp:txXfrm>
-        <a:off x="2192171" y="1356070"/>
-        <a:ext cx="1250887" cy="479466"/>
-      </dsp:txXfrm>
-    </dsp:sp>
-    <dsp:sp modelId="{D6870E45-591C-7C42-BE64-B49D1CBE90D5}">
-      <dsp:nvSpPr>
-        <dsp:cNvPr id="0" name=""/>
-        <dsp:cNvSpPr/>
-      </dsp:nvSpPr>
-      <dsp:spPr>
-        <a:xfrm>
-          <a:off x="3707590" y="1595804"/>
-          <a:ext cx="1440811" cy="1188367"/>
-        </a:xfrm>
-        <a:prstGeom prst="roundRect">
-          <a:avLst>
-            <a:gd name="adj" fmla="val 10000"/>
-          </a:avLst>
-        </a:prstGeom>
-        <a:solidFill>
-          <a:schemeClr val="lt1">
-            <a:alpha val="90000"/>
-            <a:hueOff val="0"/>
-            <a:satOff val="0"/>
-            <a:lumOff val="0"/>
-            <a:alphaOff val="0"/>
-          </a:schemeClr>
-        </a:solidFill>
-        <a:ln w="25400" cap="flat" cmpd="sng" algn="ctr">
-          <a:solidFill>
-            <a:schemeClr val="accent1">
-              <a:hueOff val="0"/>
-              <a:satOff val="0"/>
-              <a:lumOff val="0"/>
-              <a:alphaOff val="0"/>
-            </a:schemeClr>
-          </a:solidFill>
-          <a:prstDash val="solid"/>
-        </a:ln>
-        <a:effectLst/>
-      </dsp:spPr>
-      <dsp:style>
-        <a:lnRef idx="2">
-          <a:scrgbClr r="0" g="0" b="0"/>
-        </a:lnRef>
-        <a:fillRef idx="1">
-          <a:scrgbClr r="0" g="0" b="0"/>
-        </a:fillRef>
-        <a:effectRef idx="0">
-          <a:scrgbClr r="0" g="0" b="0"/>
-        </a:effectRef>
-        <a:fontRef idx="minor"/>
-      </dsp:style>
-      <dsp:txBody>
-        <a:bodyPr spcFirstLastPara="0" vert="horz" wrap="square" lIns="20955" tIns="20955" rIns="20955" bIns="20955" numCol="1" spcCol="1270" anchor="t" anchorCtr="0">
-          <a:noAutofit/>
-        </a:bodyPr>
-        <a:lstStyle/>
-        <a:p>
-          <a:pPr marL="57150" lvl="1" indent="-57150" algn="l" defTabSz="488950">
-            <a:lnSpc>
-              <a:spcPct val="90000"/>
-            </a:lnSpc>
-            <a:spcBef>
-              <a:spcPct val="0"/>
-            </a:spcBef>
-            <a:spcAft>
-              <a:spcPct val="15000"/>
-            </a:spcAft>
-            <a:buChar char="••"/>
-          </a:pPr>
-          <a:r>
-            <a:rPr lang="en-US" sz="1100" kern="1200" dirty="0" smtClean="0"/>
-            <a:t>What flaws exist in the data?</a:t>
-          </a:r>
-          <a:endParaRPr lang="en-US" sz="1100" kern="1200" dirty="0"/>
-        </a:p>
-        <a:p>
-          <a:pPr marL="57150" lvl="1" indent="-57150" algn="l" defTabSz="488950">
-            <a:lnSpc>
-              <a:spcPct val="90000"/>
-            </a:lnSpc>
-            <a:spcBef>
-              <a:spcPct val="0"/>
-            </a:spcBef>
-            <a:spcAft>
-              <a:spcPct val="15000"/>
-            </a:spcAft>
-            <a:buChar char="••"/>
-          </a:pPr>
-          <a:r>
-            <a:rPr lang="en-US" sz="1100" kern="1200" dirty="0" smtClean="0"/>
-            <a:t>Check and address the four Cs</a:t>
-          </a:r>
-          <a:endParaRPr lang="en-US" sz="1100" kern="1200" dirty="0"/>
-        </a:p>
-      </dsp:txBody>
-      <dsp:txXfrm>
-        <a:off x="3734938" y="1623152"/>
-        <a:ext cx="1386115" cy="879021"/>
-      </dsp:txXfrm>
-    </dsp:sp>
-    <dsp:sp modelId="{4CAF90A0-856A-FD40-B080-658D7F5A9A85}">
-      <dsp:nvSpPr>
-        <dsp:cNvPr id="0" name=""/>
-        <dsp:cNvSpPr/>
-      </dsp:nvSpPr>
-      <dsp:spPr>
-        <a:xfrm>
-          <a:off x="4513978" y="1866947"/>
-          <a:ext cx="1606511" cy="1606511"/>
-        </a:xfrm>
-        <a:prstGeom prst="leftCircularArrow">
-          <a:avLst>
-            <a:gd name="adj1" fmla="val 3263"/>
-            <a:gd name="adj2" fmla="val 402578"/>
-            <a:gd name="adj3" fmla="val 2178089"/>
-            <a:gd name="adj4" fmla="val 9024489"/>
-            <a:gd name="adj5" fmla="val 3807"/>
-          </a:avLst>
-        </a:prstGeom>
-        <a:solidFill>
-          <a:schemeClr val="accent1">
-            <a:tint val="60000"/>
-            <a:hueOff val="0"/>
-            <a:satOff val="0"/>
-            <a:lumOff val="0"/>
-            <a:alphaOff val="0"/>
-          </a:schemeClr>
-        </a:solidFill>
-        <a:ln>
-          <a:noFill/>
-        </a:ln>
-        <a:effectLst/>
-      </dsp:spPr>
-      <dsp:style>
-        <a:lnRef idx="0">
-          <a:scrgbClr r="0" g="0" b="0"/>
-        </a:lnRef>
-        <a:fillRef idx="1">
-          <a:scrgbClr r="0" g="0" b="0"/>
-        </a:fillRef>
-        <a:effectRef idx="0">
-          <a:scrgbClr r="0" g="0" b="0"/>
-        </a:effectRef>
-        <a:fontRef idx="minor">
-          <a:schemeClr val="lt1"/>
-        </a:fontRef>
-      </dsp:style>
-    </dsp:sp>
-    <dsp:sp modelId="{28D77D5E-313D-6148-8C77-DA201CE1F97F}">
-      <dsp:nvSpPr>
-        <dsp:cNvPr id="0" name=""/>
-        <dsp:cNvSpPr/>
-      </dsp:nvSpPr>
-      <dsp:spPr>
-        <a:xfrm>
-          <a:off x="4027771" y="2529521"/>
-          <a:ext cx="1280721" cy="509300"/>
-        </a:xfrm>
-        <a:prstGeom prst="roundRect">
-          <a:avLst>
-            <a:gd name="adj" fmla="val 10000"/>
-          </a:avLst>
-        </a:prstGeom>
-        <a:solidFill>
-          <a:schemeClr val="accent1">
-            <a:hueOff val="0"/>
-            <a:satOff val="0"/>
-            <a:lumOff val="0"/>
-            <a:alphaOff val="0"/>
-          </a:schemeClr>
-        </a:solidFill>
-        <a:ln w="25400" cap="flat" cmpd="sng" algn="ctr">
-          <a:solidFill>
-            <a:schemeClr val="lt1">
-              <a:hueOff val="0"/>
-              <a:satOff val="0"/>
-              <a:lumOff val="0"/>
-              <a:alphaOff val="0"/>
-            </a:schemeClr>
-          </a:solidFill>
-          <a:prstDash val="solid"/>
-        </a:ln>
-        <a:effectLst/>
-      </dsp:spPr>
-      <dsp:style>
-        <a:lnRef idx="2">
-          <a:scrgbClr r="0" g="0" b="0"/>
-        </a:lnRef>
-        <a:fillRef idx="1">
-          <a:scrgbClr r="0" g="0" b="0"/>
-        </a:fillRef>
-        <a:effectRef idx="0">
-          <a:scrgbClr r="0" g="0" b="0"/>
-        </a:effectRef>
-        <a:fontRef idx="minor">
-          <a:schemeClr val="lt1"/>
-        </a:fontRef>
-      </dsp:style>
-      <dsp:txBody>
-        <a:bodyPr spcFirstLastPara="0" vert="horz" wrap="square" lIns="34290" tIns="22860" rIns="34290" bIns="22860" numCol="1" spcCol="1270" anchor="ctr" anchorCtr="0">
-          <a:noAutofit/>
-        </a:bodyPr>
-        <a:lstStyle/>
-        <a:p>
-          <a:pPr lvl="0" algn="ctr" defTabSz="800100">
-            <a:lnSpc>
-              <a:spcPct val="90000"/>
-            </a:lnSpc>
-            <a:spcBef>
-              <a:spcPct val="0"/>
-            </a:spcBef>
-            <a:spcAft>
-              <a:spcPct val="35000"/>
-            </a:spcAft>
-          </a:pPr>
-          <a:r>
-            <a:rPr lang="en-US" sz="1800" kern="1200" dirty="0" smtClean="0"/>
-            <a:t>Clean Data</a:t>
-          </a:r>
-          <a:endParaRPr lang="en-US" sz="1800" kern="1200" dirty="0"/>
-        </a:p>
-      </dsp:txBody>
-      <dsp:txXfrm>
-        <a:off x="4042688" y="2544438"/>
-        <a:ext cx="1250887" cy="479466"/>
-      </dsp:txXfrm>
-    </dsp:sp>
-    <dsp:sp modelId="{B0DDEC13-ACE4-4742-AF15-9777191C54CE}">
-      <dsp:nvSpPr>
-        <dsp:cNvPr id="0" name=""/>
-        <dsp:cNvSpPr/>
-      </dsp:nvSpPr>
-      <dsp:spPr>
-        <a:xfrm>
-          <a:off x="5558107" y="1595804"/>
-          <a:ext cx="1440811" cy="1188367"/>
-        </a:xfrm>
-        <a:prstGeom prst="roundRect">
-          <a:avLst>
-            <a:gd name="adj" fmla="val 10000"/>
-          </a:avLst>
-        </a:prstGeom>
-        <a:solidFill>
-          <a:schemeClr val="lt1">
-            <a:alpha val="90000"/>
-            <a:hueOff val="0"/>
-            <a:satOff val="0"/>
-            <a:lumOff val="0"/>
-            <a:alphaOff val="0"/>
-          </a:schemeClr>
-        </a:solidFill>
-        <a:ln w="25400" cap="flat" cmpd="sng" algn="ctr">
-          <a:solidFill>
-            <a:schemeClr val="accent1">
-              <a:hueOff val="0"/>
-              <a:satOff val="0"/>
-              <a:lumOff val="0"/>
-              <a:alphaOff val="0"/>
-            </a:schemeClr>
-          </a:solidFill>
-          <a:prstDash val="solid"/>
-        </a:ln>
-        <a:effectLst/>
-      </dsp:spPr>
-      <dsp:style>
-        <a:lnRef idx="2">
-          <a:scrgbClr r="0" g="0" b="0"/>
-        </a:lnRef>
-        <a:fillRef idx="1">
-          <a:scrgbClr r="0" g="0" b="0"/>
-        </a:fillRef>
-        <a:effectRef idx="0">
-          <a:scrgbClr r="0" g="0" b="0"/>
-        </a:effectRef>
-        <a:fontRef idx="minor"/>
-      </dsp:style>
-      <dsp:txBody>
-        <a:bodyPr spcFirstLastPara="0" vert="horz" wrap="square" lIns="20955" tIns="20955" rIns="20955" bIns="20955" numCol="1" spcCol="1270" anchor="t" anchorCtr="0">
-          <a:noAutofit/>
-        </a:bodyPr>
-        <a:lstStyle/>
-        <a:p>
-          <a:pPr marL="57150" lvl="1" indent="-57150" algn="l" defTabSz="488950">
-            <a:lnSpc>
-              <a:spcPct val="90000"/>
-            </a:lnSpc>
-            <a:spcBef>
-              <a:spcPct val="0"/>
-            </a:spcBef>
-            <a:spcAft>
-              <a:spcPct val="15000"/>
-            </a:spcAft>
-            <a:buChar char="••"/>
-          </a:pPr>
-          <a:r>
-            <a:rPr lang="en-US" sz="1100" kern="1200" dirty="0" smtClean="0"/>
-            <a:t>Transform / delete variables</a:t>
-          </a:r>
-          <a:endParaRPr lang="en-US" sz="1100" kern="1200" dirty="0"/>
-        </a:p>
-        <a:p>
-          <a:pPr marL="57150" lvl="1" indent="-57150" algn="l" defTabSz="488950">
-            <a:lnSpc>
-              <a:spcPct val="90000"/>
-            </a:lnSpc>
-            <a:spcBef>
-              <a:spcPct val="0"/>
-            </a:spcBef>
-            <a:spcAft>
-              <a:spcPct val="15000"/>
-            </a:spcAft>
-            <a:buChar char="••"/>
-          </a:pPr>
-          <a:r>
-            <a:rPr lang="en-US" sz="1100" kern="1200" dirty="0" smtClean="0"/>
-            <a:t>Create subsets / views</a:t>
-          </a:r>
-          <a:endParaRPr lang="en-US" sz="1100" kern="1200" dirty="0"/>
-        </a:p>
-        <a:p>
-          <a:pPr marL="57150" lvl="1" indent="-57150" algn="l" defTabSz="488950">
-            <a:lnSpc>
-              <a:spcPct val="90000"/>
-            </a:lnSpc>
-            <a:spcBef>
-              <a:spcPct val="0"/>
-            </a:spcBef>
-            <a:spcAft>
-              <a:spcPct val="15000"/>
-            </a:spcAft>
-            <a:buChar char="••"/>
-          </a:pPr>
-          <a:r>
-            <a:rPr lang="en-US" sz="1100" kern="1200" dirty="0" smtClean="0"/>
-            <a:t>Visualize</a:t>
-          </a:r>
-          <a:endParaRPr lang="en-US" sz="1100" kern="1200" dirty="0"/>
-        </a:p>
-      </dsp:txBody>
-      <dsp:txXfrm>
-        <a:off x="5585455" y="1877802"/>
-        <a:ext cx="1386115" cy="879021"/>
-      </dsp:txXfrm>
-    </dsp:sp>
-    <dsp:sp modelId="{1924B303-8A8F-D04A-9B5A-F833EB6F6268}">
-      <dsp:nvSpPr>
-        <dsp:cNvPr id="0" name=""/>
-        <dsp:cNvSpPr/>
-      </dsp:nvSpPr>
-      <dsp:spPr>
-        <a:xfrm>
-          <a:off x="6352488" y="859922"/>
-          <a:ext cx="1790614" cy="1790614"/>
-        </a:xfrm>
-        <a:prstGeom prst="circularArrow">
-          <a:avLst>
-            <a:gd name="adj1" fmla="val 2927"/>
-            <a:gd name="adj2" fmla="val 358341"/>
-            <a:gd name="adj3" fmla="val 19466149"/>
-            <a:gd name="adj4" fmla="val 12575511"/>
-            <a:gd name="adj5" fmla="val 3415"/>
-          </a:avLst>
-        </a:prstGeom>
-        <a:solidFill>
-          <a:srgbClr val="FFFFFF"/>
-        </a:solidFill>
-        <a:ln>
-          <a:solidFill>
-            <a:srgbClr val="FFFFFF"/>
-          </a:solidFill>
-        </a:ln>
-        <a:effectLst/>
-      </dsp:spPr>
-      <dsp:style>
-        <a:lnRef idx="0">
-          <a:scrgbClr r="0" g="0" b="0"/>
-        </a:lnRef>
-        <a:fillRef idx="1">
-          <a:scrgbClr r="0" g="0" b="0"/>
-        </a:fillRef>
-        <a:effectRef idx="0">
-          <a:scrgbClr r="0" g="0" b="0"/>
-        </a:effectRef>
-        <a:fontRef idx="minor">
-          <a:schemeClr val="lt1"/>
-        </a:fontRef>
-      </dsp:style>
-    </dsp:sp>
-    <dsp:sp modelId="{961E70B4-4CE0-EC49-99DE-1D5C9F9F9D7C}">
-      <dsp:nvSpPr>
-        <dsp:cNvPr id="0" name=""/>
-        <dsp:cNvSpPr/>
-      </dsp:nvSpPr>
-      <dsp:spPr>
-        <a:xfrm>
-          <a:off x="5878287" y="1341153"/>
-          <a:ext cx="1280721" cy="509300"/>
-        </a:xfrm>
-        <a:prstGeom prst="roundRect">
-          <a:avLst>
-            <a:gd name="adj" fmla="val 10000"/>
-          </a:avLst>
-        </a:prstGeom>
-        <a:solidFill>
-          <a:schemeClr val="accent1">
-            <a:hueOff val="0"/>
-            <a:satOff val="0"/>
-            <a:lumOff val="0"/>
-            <a:alphaOff val="0"/>
-          </a:schemeClr>
-        </a:solidFill>
-        <a:ln w="25400" cap="flat" cmpd="sng" algn="ctr">
-          <a:solidFill>
-            <a:schemeClr val="lt1">
-              <a:hueOff val="0"/>
-              <a:satOff val="0"/>
-              <a:lumOff val="0"/>
-              <a:alphaOff val="0"/>
-            </a:schemeClr>
-          </a:solidFill>
-          <a:prstDash val="solid"/>
-        </a:ln>
-        <a:effectLst/>
-      </dsp:spPr>
-      <dsp:style>
-        <a:lnRef idx="2">
-          <a:scrgbClr r="0" g="0" b="0"/>
-        </a:lnRef>
-        <a:fillRef idx="1">
-          <a:scrgbClr r="0" g="0" b="0"/>
-        </a:fillRef>
-        <a:effectRef idx="0">
-          <a:scrgbClr r="0" g="0" b="0"/>
-        </a:effectRef>
-        <a:fontRef idx="minor">
-          <a:schemeClr val="lt1"/>
-        </a:fontRef>
-      </dsp:style>
-      <dsp:txBody>
-        <a:bodyPr spcFirstLastPara="0" vert="horz" wrap="square" lIns="34290" tIns="22860" rIns="34290" bIns="22860" numCol="1" spcCol="1270" anchor="ctr" anchorCtr="0">
-          <a:noAutofit/>
-        </a:bodyPr>
-        <a:lstStyle/>
-        <a:p>
-          <a:pPr lvl="0" algn="ctr" defTabSz="800100">
-            <a:lnSpc>
-              <a:spcPct val="90000"/>
-            </a:lnSpc>
-            <a:spcBef>
-              <a:spcPct val="0"/>
-            </a:spcBef>
-            <a:spcAft>
-              <a:spcPct val="35000"/>
-            </a:spcAft>
-          </a:pPr>
-          <a:r>
-            <a:rPr lang="en-US" sz="1800" kern="1200" dirty="0" smtClean="0"/>
-            <a:t>Explore Data</a:t>
-          </a:r>
-          <a:endParaRPr lang="en-US" sz="1800" kern="1200" dirty="0"/>
-        </a:p>
-      </dsp:txBody>
-      <dsp:txXfrm>
-        <a:off x="5893204" y="1356070"/>
-        <a:ext cx="1250887" cy="479466"/>
-      </dsp:txXfrm>
-    </dsp:sp>
-    <dsp:sp modelId="{EC4E25C6-C3D7-4B4B-8BC5-92A960D631E0}">
-      <dsp:nvSpPr>
-        <dsp:cNvPr id="0" name=""/>
-        <dsp:cNvSpPr/>
-      </dsp:nvSpPr>
-      <dsp:spPr>
-        <a:xfrm>
-          <a:off x="7408623" y="1595804"/>
-          <a:ext cx="1440811" cy="1188367"/>
-        </a:xfrm>
-        <a:prstGeom prst="roundRect">
-          <a:avLst>
-            <a:gd name="adj" fmla="val 10000"/>
-          </a:avLst>
-        </a:prstGeom>
-        <a:solidFill>
-          <a:srgbClr val="FFFFFF"/>
-        </a:solidFill>
-        <a:ln w="25400" cap="flat" cmpd="sng" algn="ctr">
-          <a:solidFill>
-            <a:srgbClr val="FFFFFF"/>
-          </a:solidFill>
-          <a:prstDash val="solid"/>
-        </a:ln>
-        <a:effectLst/>
-      </dsp:spPr>
-      <dsp:style>
-        <a:lnRef idx="2">
-          <a:scrgbClr r="0" g="0" b="0"/>
-        </a:lnRef>
-        <a:fillRef idx="1">
-          <a:scrgbClr r="0" g="0" b="0"/>
-        </a:fillRef>
-        <a:effectRef idx="0">
-          <a:scrgbClr r="0" g="0" b="0"/>
-        </a:effectRef>
-        <a:fontRef idx="minor"/>
-      </dsp:style>
-      <dsp:txBody>
-        <a:bodyPr spcFirstLastPara="0" vert="horz" wrap="square" lIns="20955" tIns="20955" rIns="20955" bIns="20955" numCol="1" spcCol="1270" anchor="t" anchorCtr="0">
-          <a:noAutofit/>
-        </a:bodyPr>
-        <a:lstStyle/>
-        <a:p>
-          <a:pPr marL="57150" lvl="1" indent="-57150" algn="l" defTabSz="488950">
-            <a:lnSpc>
-              <a:spcPct val="90000"/>
-            </a:lnSpc>
-            <a:spcBef>
-              <a:spcPct val="0"/>
-            </a:spcBef>
-            <a:spcAft>
-              <a:spcPct val="15000"/>
-            </a:spcAft>
-            <a:buChar char="••"/>
-          </a:pPr>
-          <a:endParaRPr lang="en-US" sz="1100" kern="1200" dirty="0"/>
-        </a:p>
-      </dsp:txBody>
-      <dsp:txXfrm>
-        <a:off x="7435971" y="1623152"/>
-        <a:ext cx="1386115" cy="879021"/>
-      </dsp:txXfrm>
-    </dsp:sp>
-    <dsp:sp modelId="{AF6505CF-267F-3E45-B6F3-BA7036ABB4F7}">
-      <dsp:nvSpPr>
-        <dsp:cNvPr id="0" name=""/>
-        <dsp:cNvSpPr/>
-      </dsp:nvSpPr>
-      <dsp:spPr>
-        <a:xfrm>
-          <a:off x="7728804" y="2529521"/>
-          <a:ext cx="1280721" cy="509300"/>
-        </a:xfrm>
-        <a:prstGeom prst="roundRect">
-          <a:avLst>
-            <a:gd name="adj" fmla="val 10000"/>
-          </a:avLst>
-        </a:prstGeom>
-        <a:solidFill>
-          <a:srgbClr val="FFFFFF"/>
-        </a:solidFill>
-        <a:ln w="25400" cap="flat" cmpd="sng" algn="ctr">
-          <a:solidFill>
-            <a:srgbClr val="FFFFFF"/>
-          </a:solidFill>
-          <a:prstDash val="solid"/>
-        </a:ln>
-        <a:effectLst/>
-      </dsp:spPr>
-      <dsp:style>
-        <a:lnRef idx="2">
-          <a:scrgbClr r="0" g="0" b="0"/>
-        </a:lnRef>
-        <a:fillRef idx="1">
-          <a:scrgbClr r="0" g="0" b="0"/>
-        </a:fillRef>
-        <a:effectRef idx="0">
-          <a:scrgbClr r="0" g="0" b="0"/>
-        </a:effectRef>
-        <a:fontRef idx="minor">
-          <a:schemeClr val="lt1"/>
-        </a:fontRef>
-      </dsp:style>
-      <dsp:txBody>
-        <a:bodyPr spcFirstLastPara="0" vert="horz" wrap="square" lIns="34290" tIns="22860" rIns="34290" bIns="22860" numCol="1" spcCol="1270" anchor="ctr" anchorCtr="0">
-          <a:noAutofit/>
-        </a:bodyPr>
-        <a:lstStyle/>
-        <a:p>
-          <a:pPr lvl="0" algn="ctr" defTabSz="800100">
-            <a:lnSpc>
-              <a:spcPct val="90000"/>
-            </a:lnSpc>
-            <a:spcBef>
-              <a:spcPct val="0"/>
-            </a:spcBef>
-            <a:spcAft>
-              <a:spcPct val="35000"/>
-            </a:spcAft>
-          </a:pPr>
-          <a:r>
-            <a:rPr lang="en-US" sz="1800" kern="1200" dirty="0" smtClean="0"/>
-            <a:t>Use data</a:t>
-          </a:r>
-          <a:endParaRPr lang="en-US" sz="1800" kern="1200" dirty="0"/>
-        </a:p>
-      </dsp:txBody>
-      <dsp:txXfrm>
-        <a:off x="7743721" y="2544438"/>
-        <a:ext cx="1250887" cy="479466"/>
-      </dsp:txXfrm>
-    </dsp:sp>
   </dsp:spTree>
 </dsp:drawing>
 </file>
@@ -4723,7 +3657,7 @@
           <a:p>
             <a:fld id="{D3AAB66F-B1B7-D045-B4E8-4F60236F228D}" type="datetimeFigureOut">
               <a:rPr lang="en-US" smtClean="0"/>
-              <a:t>1/26/14</a:t>
+              <a:t>1/27/14</a:t>
             </a:fld>
             <a:endParaRPr lang="en-US"/>
           </a:p>
@@ -4889,7 +3823,7 @@
           <a:p>
             <a:fld id="{BCCF8E76-06A6-164E-A6FA-EC32C13EB232}" type="datetimeFigureOut">
               <a:rPr lang="en-US" smtClean="0"/>
-              <a:t>1/26/14</a:t>
+              <a:t>1/27/14</a:t>
             </a:fld>
             <a:endParaRPr lang="en-US"/>
           </a:p>
@@ -5300,7 +4234,14 @@
           <a:p>
             <a:r>
               <a:rPr lang="en-US" dirty="0" smtClean="0"/>
-              <a:t>Example </a:t>
+              <a:t>Same boxplots with lots of outliers (prior to cleaning)</a:t>
+            </a:r>
+            <a:endParaRPr lang="en-US" baseline="0" dirty="0" smtClean="0"/>
+          </a:p>
+          <a:p>
+            <a:r>
+              <a:rPr lang="en-US" baseline="0" dirty="0" smtClean="0"/>
+              <a:t>Also – is this even an appropriate display for zips</a:t>
             </a:r>
             <a:endParaRPr lang="en-US" dirty="0"/>
           </a:p>
@@ -5323,7 +4264,7 @@
           <a:p>
             <a:fld id="{FD66F34B-9C4D-8640-BB34-4C24A79C9FFB}" type="slidenum">
               <a:rPr lang="en-US" smtClean="0"/>
-              <a:t>24</a:t>
+              <a:t>23</a:t>
             </a:fld>
             <a:endParaRPr lang="en-US"/>
           </a:p>
@@ -5332,7 +4273,7 @@
     </p:spTree>
     <p:extLst>
       <p:ext uri="{BB962C8B-B14F-4D97-AF65-F5344CB8AC3E}">
-        <p14:creationId xmlns:p14="http://schemas.microsoft.com/office/powerpoint/2010/main" val="3163214532"/>
+        <p14:creationId xmlns:p14="http://schemas.microsoft.com/office/powerpoint/2010/main" val="654282882"/>
       </p:ext>
     </p:extLst>
   </p:cSld>
@@ -5476,54 +4417,9 @@
           <a:p>
             <a:r>
               <a:rPr lang="en-US" dirty="0" smtClean="0"/>
-              <a:t>http://</a:t>
-            </a:r>
-            <a:r>
-              <a:rPr lang="en-US" dirty="0" err="1" smtClean="0"/>
-              <a:t>www.physics.csbsju.edu</a:t>
-            </a:r>
-            <a:r>
-              <a:rPr lang="en-US" dirty="0" smtClean="0"/>
-              <a:t>/stats/KS-</a:t>
-            </a:r>
-            <a:r>
-              <a:rPr lang="en-US" dirty="0" err="1" smtClean="0"/>
-              <a:t>test.html</a:t>
-            </a:r>
-            <a:endParaRPr lang="en-US" dirty="0" smtClean="0"/>
-          </a:p>
-          <a:p>
-            <a:endParaRPr lang="en-US" dirty="0" smtClean="0"/>
-          </a:p>
-          <a:p>
-            <a:r>
-              <a:rPr lang="en-US" dirty="0" smtClean="0"/>
-              <a:t>One of the advantages of the KS-test is that it leads to a graphical presentation of the data, which enables the user to detect normal distributions (see below). The KS-test is a robust test that cares only about the relative distribution of the data. In the above case, use of the log scales just moved the important region so the user could see the distribution of the data. There are a couple of reasons for preferring percentile plots to cumulative fractions plots. It turns out that the percentile plot is a better estimate of the distribution function (if you know what that is). And plotting percentiles allows you to use "probability graph paper"...plots with specially scaled axis divisions. Probability scales on the y-axis allows you to see how "normal" the data is. Normally distributed data will plot as a straight line on probability paper. Lognormal data will plot as a straight line with probability-log scaled axes. (</a:t>
-            </a:r>
-            <a:r>
-              <a:rPr lang="en-US" dirty="0" err="1" smtClean="0"/>
-              <a:t>Incidently</a:t>
-            </a:r>
-            <a:r>
-              <a:rPr lang="en-US" dirty="0" smtClean="0"/>
-              <a:t> uniformly distributed data will plot as a straight line using the usual linear y-scale.) Note that the KS-test reports that both </a:t>
-            </a:r>
-            <a:r>
-              <a:rPr lang="en-US" dirty="0" err="1" smtClean="0"/>
-              <a:t>treatmentB</a:t>
-            </a:r>
-            <a:r>
-              <a:rPr lang="en-US" dirty="0" smtClean="0"/>
-              <a:t> and </a:t>
-            </a:r>
-            <a:r>
-              <a:rPr lang="en-US" dirty="0" err="1" smtClean="0"/>
-              <a:t>controlB</a:t>
-            </a:r>
-            <a:r>
-              <a:rPr lang="en-US" dirty="0" smtClean="0"/>
-              <a:t> data are approximately lognormal. Thus you could take the log of all the data, and use the resulting data in a t-test. Since the t-test is a quite sensitive test when applied to appropriate data this would be the best strategy</a:t>
-            </a:r>
+              <a:t>Example </a:t>
+            </a:r>
+            <a:endParaRPr lang="en-US" dirty="0"/>
           </a:p>
         </p:txBody>
       </p:sp>
@@ -5544,7 +4440,7 @@
           <a:p>
             <a:fld id="{FD66F34B-9C4D-8640-BB34-4C24A79C9FFB}" type="slidenum">
               <a:rPr lang="en-US" smtClean="0"/>
-              <a:t>28</a:t>
+              <a:t>26</a:t>
             </a:fld>
             <a:endParaRPr lang="en-US"/>
           </a:p>
@@ -5553,7 +4449,7 @@
     </p:spTree>
     <p:extLst>
       <p:ext uri="{BB962C8B-B14F-4D97-AF65-F5344CB8AC3E}">
-        <p14:creationId xmlns:p14="http://schemas.microsoft.com/office/powerpoint/2010/main" val="4269850727"/>
+        <p14:creationId xmlns:p14="http://schemas.microsoft.com/office/powerpoint/2010/main" val="3163214532"/>
       </p:ext>
     </p:extLst>
   </p:cSld>
@@ -5607,60 +4503,56 @@
           <a:bodyPr/>
           <a:lstStyle/>
           <a:p>
-            <a:pPr lvl="1"/>
-            <a:r>
-              <a:rPr lang="en-US" dirty="0" smtClean="0"/>
-              <a:t>Discrete values (“Probability Mass Function”) - typically values and weights</a:t>
-            </a:r>
-          </a:p>
-          <a:p>
-            <a:pPr lvl="1"/>
-            <a:r>
-              <a:rPr lang="en-US" dirty="0" smtClean="0"/>
-              <a:t>Continues values (“Probability Density Function”) – typically a function</a:t>
-            </a:r>
-          </a:p>
-          <a:p>
-            <a:pPr marL="457200" marR="0" lvl="1" indent="0" algn="l" defTabSz="457200" rtl="0" eaLnBrk="1" fontAlgn="auto" latinLnBrk="0" hangingPunct="1">
-              <a:lnSpc>
-                <a:spcPct val="100000"/>
-              </a:lnSpc>
-              <a:spcBef>
-                <a:spcPts val="0"/>
-              </a:spcBef>
-              <a:spcAft>
-                <a:spcPts val="0"/>
-              </a:spcAft>
-              <a:buClrTx/>
-              <a:buSzTx/>
-              <a:buFontTx/>
-              <a:buNone/>
-              <a:tabLst/>
-              <a:defRPr/>
-            </a:pPr>
-            <a:r>
-              <a:rPr lang="en-US" dirty="0" smtClean="0"/>
-              <a:t>Affects how we model the variable </a:t>
-            </a:r>
-          </a:p>
-          <a:p>
-            <a:pPr lvl="1"/>
-            <a:r>
-              <a:rPr lang="en-US" dirty="0" smtClean="0"/>
-              <a:t>Insurance</a:t>
-            </a:r>
-            <a:r>
-              <a:rPr lang="en-US" baseline="0" dirty="0" smtClean="0"/>
-              <a:t> claims: Not independent when an epidemic hits the local population (common location affects health)</a:t>
-            </a:r>
-          </a:p>
-          <a:p>
-            <a:pPr lvl="1"/>
-            <a:r>
-              <a:rPr lang="en-US" baseline="0" dirty="0" smtClean="0"/>
-              <a:t>Identical distributions not the same in terms of chance of being sick when one person has higher likelihood of inheriting a disease or is in a socioeconomic class more at risk for disease</a:t>
+            <a:r>
+              <a:rPr lang="en-US" dirty="0" smtClean="0"/>
+              <a:t>http://</a:t>
+            </a:r>
+            <a:r>
+              <a:rPr lang="en-US" dirty="0" err="1" smtClean="0"/>
+              <a:t>www.physics.csbsju.edu</a:t>
+            </a:r>
+            <a:r>
+              <a:rPr lang="en-US" dirty="0" smtClean="0"/>
+              <a:t>/stats/KS-</a:t>
+            </a:r>
+            <a:r>
+              <a:rPr lang="en-US" dirty="0" err="1" smtClean="0"/>
+              <a:t>test.html</a:t>
             </a:r>
             <a:endParaRPr lang="en-US" dirty="0" smtClean="0"/>
+          </a:p>
+          <a:p>
+            <a:endParaRPr lang="en-US" dirty="0" smtClean="0"/>
+          </a:p>
+          <a:p>
+            <a:r>
+              <a:rPr lang="en-US" dirty="0" smtClean="0"/>
+              <a:t>One of the advantages of the KS-test is that it leads to a graphical presentation of the data, which enables the user to detect normal distributions (see below). The KS-test is a robust test that cares only about the relative distribution of the data. In the above case, use of the log scales just moved the important region so the user could see the distribution of the data. There are a couple of reasons for preferring percentile plots to cumulative fractions plots. It turns out that the percentile plot is a better estimate of the distribution function (if you know what that is). And plotting percentiles allows you to use "probability graph paper"...plots with specially scaled axis divisions. Probability scales on the y-axis allows you to see how "normal" the data is. Normally distributed data will plot as a straight line on probability paper. Lognormal data will plot as a straight line with probability-log scaled axes. (</a:t>
+            </a:r>
+            <a:r>
+              <a:rPr lang="en-US" dirty="0" err="1" smtClean="0"/>
+              <a:t>Incidently</a:t>
+            </a:r>
+            <a:r>
+              <a:rPr lang="en-US" dirty="0" smtClean="0"/>
+              <a:t> uniformly distributed data will plot as a straight line using the usual linear y-scale.) Note that the KS-test reports that both </a:t>
+            </a:r>
+            <a:r>
+              <a:rPr lang="en-US" dirty="0" err="1" smtClean="0"/>
+              <a:t>treatmentB</a:t>
+            </a:r>
+            <a:r>
+              <a:rPr lang="en-US" dirty="0" smtClean="0"/>
+              <a:t> and </a:t>
+            </a:r>
+            <a:r>
+              <a:rPr lang="en-US" dirty="0" err="1" smtClean="0"/>
+              <a:t>controlB</a:t>
+            </a:r>
+            <a:r>
+              <a:rPr lang="en-US" dirty="0" smtClean="0"/>
+              <a:t> data are approximately lognormal. Thus you could take the log of all the data, and use the resulting data in a t-test. Since the t-test is a quite sensitive test when applied to appropriate data this would be the best strategy</a:t>
+            </a:r>
           </a:p>
         </p:txBody>
       </p:sp>
@@ -5690,7 +4582,7 @@
     </p:spTree>
     <p:extLst>
       <p:ext uri="{BB962C8B-B14F-4D97-AF65-F5344CB8AC3E}">
-        <p14:creationId xmlns:p14="http://schemas.microsoft.com/office/powerpoint/2010/main" val="3238829522"/>
+        <p14:creationId xmlns:p14="http://schemas.microsoft.com/office/powerpoint/2010/main" val="4269850727"/>
       </p:ext>
     </p:extLst>
   </p:cSld>
@@ -5744,11 +4636,60 @@
           <a:bodyPr/>
           <a:lstStyle/>
           <a:p>
-            <a:r>
-              <a:rPr lang="en-US" dirty="0" smtClean="0"/>
-              <a:t>Example </a:t>
-            </a:r>
-            <a:endParaRPr lang="en-US" dirty="0"/>
+            <a:pPr lvl="1"/>
+            <a:r>
+              <a:rPr lang="en-US" dirty="0" smtClean="0"/>
+              <a:t>Discrete values (“Probability Mass Function”) - typically values and weights</a:t>
+            </a:r>
+          </a:p>
+          <a:p>
+            <a:pPr lvl="1"/>
+            <a:r>
+              <a:rPr lang="en-US" dirty="0" smtClean="0"/>
+              <a:t>Continues values (“Probability Density Function”) – typically a function</a:t>
+            </a:r>
+          </a:p>
+          <a:p>
+            <a:pPr marL="457200" marR="0" lvl="1" indent="0" algn="l" defTabSz="457200" rtl="0" eaLnBrk="1" fontAlgn="auto" latinLnBrk="0" hangingPunct="1">
+              <a:lnSpc>
+                <a:spcPct val="100000"/>
+              </a:lnSpc>
+              <a:spcBef>
+                <a:spcPts val="0"/>
+              </a:spcBef>
+              <a:spcAft>
+                <a:spcPts val="0"/>
+              </a:spcAft>
+              <a:buClrTx/>
+              <a:buSzTx/>
+              <a:buFontTx/>
+              <a:buNone/>
+              <a:tabLst/>
+              <a:defRPr/>
+            </a:pPr>
+            <a:r>
+              <a:rPr lang="en-US" dirty="0" smtClean="0"/>
+              <a:t>Affects how we model the variable </a:t>
+            </a:r>
+          </a:p>
+          <a:p>
+            <a:pPr lvl="1"/>
+            <a:r>
+              <a:rPr lang="en-US" dirty="0" smtClean="0"/>
+              <a:t>Insurance</a:t>
+            </a:r>
+            <a:r>
+              <a:rPr lang="en-US" baseline="0" dirty="0" smtClean="0"/>
+              <a:t> claims: Not independent when an epidemic hits the local population (common location affects health)</a:t>
+            </a:r>
+          </a:p>
+          <a:p>
+            <a:pPr lvl="1"/>
+            <a:r>
+              <a:rPr lang="en-US" baseline="0" dirty="0" smtClean="0"/>
+              <a:t>Identical distributions not the same in terms of chance of being sick when one person has higher likelihood of inheriting a disease or is in a socioeconomic class more at risk for disease</a:t>
+            </a:r>
+            <a:endParaRPr lang="en-US" dirty="0" smtClean="0"/>
           </a:p>
         </p:txBody>
       </p:sp>
@@ -5778,7 +4719,7 @@
     </p:spTree>
     <p:extLst>
       <p:ext uri="{BB962C8B-B14F-4D97-AF65-F5344CB8AC3E}">
-        <p14:creationId xmlns:p14="http://schemas.microsoft.com/office/powerpoint/2010/main" val="3163214532"/>
+        <p14:creationId xmlns:p14="http://schemas.microsoft.com/office/powerpoint/2010/main" val="3238829522"/>
       </p:ext>
     </p:extLst>
   </p:cSld>
@@ -5832,125 +4773,10 @@
           <a:bodyPr/>
           <a:lstStyle/>
           <a:p>
-            <a:pPr marL="0" marR="0" indent="0" algn="l" defTabSz="457200" rtl="0" eaLnBrk="1" fontAlgn="auto" latinLnBrk="0" hangingPunct="1">
-              <a:lnSpc>
-                <a:spcPct val="100000"/>
-              </a:lnSpc>
-              <a:spcBef>
-                <a:spcPts val="0"/>
-              </a:spcBef>
-              <a:spcAft>
-                <a:spcPts val="0"/>
-              </a:spcAft>
-              <a:buClrTx/>
-              <a:buSzTx/>
-              <a:buFontTx/>
-              <a:buNone/>
-              <a:tabLst/>
-              <a:defRPr/>
-            </a:pPr>
-            <a:r>
-              <a:rPr lang="en-US" dirty="0" smtClean="0"/>
-              <a:t>A variable might be modeled as log-normal if it can be thought of as the multiplicative product of many independent random variables each of which is positive. (This is justified by considering the central limit theorem in the log-domain.) For example, in finance, the variable could represent the compound return from a sequence of many trades (each expressed as its return + 1); or a long-term discount factor can be derived from the product of short-term discount factors. In wireless communication, the </a:t>
-            </a:r>
-            <a:r>
-              <a:rPr lang="en-US" dirty="0" err="1" smtClean="0"/>
-              <a:t>sas</a:t>
-            </a:r>
-            <a:r>
-              <a:rPr lang="en-US" dirty="0" smtClean="0"/>
-              <a:t> caused by shadowing or slow fading from random objects is often assumed to be log-normally distributed: see log-distance path loss model.</a:t>
-            </a:r>
-          </a:p>
-          <a:p>
-            <a:pPr marL="0" marR="0" indent="0" algn="l" defTabSz="457200" rtl="0" eaLnBrk="1" fontAlgn="auto" latinLnBrk="0" hangingPunct="1">
-              <a:lnSpc>
-                <a:spcPct val="100000"/>
-              </a:lnSpc>
-              <a:spcBef>
-                <a:spcPts val="0"/>
-              </a:spcBef>
-              <a:spcAft>
-                <a:spcPts val="0"/>
-              </a:spcAft>
-              <a:buClrTx/>
-              <a:buSzTx/>
-              <a:buFontTx/>
-              <a:buNone/>
-              <a:tabLst/>
-              <a:defRPr/>
-            </a:pPr>
-            <a:endParaRPr lang="en-US" dirty="0" smtClean="0"/>
-          </a:p>
-          <a:p>
-            <a:pPr marL="0" marR="0" indent="0" algn="l" defTabSz="457200" rtl="0" eaLnBrk="1" fontAlgn="auto" latinLnBrk="0" hangingPunct="1">
-              <a:lnSpc>
-                <a:spcPct val="100000"/>
-              </a:lnSpc>
-              <a:spcBef>
-                <a:spcPts val="0"/>
-              </a:spcBef>
-              <a:spcAft>
-                <a:spcPts val="0"/>
-              </a:spcAft>
-              <a:buClrTx/>
-              <a:buSzTx/>
-              <a:buFontTx/>
-              <a:buNone/>
-              <a:tabLst/>
-              <a:defRPr/>
-            </a:pPr>
-            <a:endParaRPr lang="en-US" dirty="0" smtClean="0"/>
-          </a:p>
-          <a:p>
-            <a:pPr marL="0" marR="0" indent="0" algn="l" defTabSz="457200" rtl="0" eaLnBrk="1" fontAlgn="auto" latinLnBrk="0" hangingPunct="1">
-              <a:lnSpc>
-                <a:spcPct val="100000"/>
-              </a:lnSpc>
-              <a:spcBef>
-                <a:spcPts val="0"/>
-              </a:spcBef>
-              <a:spcAft>
-                <a:spcPts val="0"/>
-              </a:spcAft>
-              <a:buClrTx/>
-              <a:buSzTx/>
-              <a:buFontTx/>
-              <a:buNone/>
-              <a:tabLst/>
-              <a:defRPr/>
-            </a:pPr>
-            <a:r>
-              <a:rPr lang="en-US" dirty="0" smtClean="0"/>
-              <a:t>What part of </a:t>
-            </a:r>
-            <a:r>
-              <a:rPr lang="en-US" dirty="0" err="1" smtClean="0"/>
-              <a:t>amy’s</a:t>
-            </a:r>
-            <a:r>
-              <a:rPr lang="en-US" dirty="0" smtClean="0"/>
-              <a:t> data might match a log distribution?</a:t>
-            </a:r>
-          </a:p>
-          <a:p>
-            <a:pPr marL="0" marR="0" indent="0" algn="l" defTabSz="457200" rtl="0" eaLnBrk="1" fontAlgn="auto" latinLnBrk="0" hangingPunct="1">
-              <a:lnSpc>
-                <a:spcPct val="100000"/>
-              </a:lnSpc>
-              <a:spcBef>
-                <a:spcPts val="0"/>
-              </a:spcBef>
-              <a:spcAft>
-                <a:spcPts val="0"/>
-              </a:spcAft>
-              <a:buClrTx/>
-              <a:buSzTx/>
-              <a:buFontTx/>
-              <a:buNone/>
-              <a:tabLst/>
-              <a:defRPr/>
-            </a:pPr>
+            <a:r>
+              <a:rPr lang="en-US" dirty="0" smtClean="0"/>
+              <a:t>Example </a:t>
+            </a:r>
             <a:endParaRPr lang="en-US" dirty="0"/>
           </a:p>
         </p:txBody>
@@ -6035,23 +4861,125 @@
           <a:bodyPr/>
           <a:lstStyle/>
           <a:p>
-            <a:r>
-              <a:rPr lang="en-US" dirty="0" smtClean="0"/>
-              <a:t>For instance, suppose someone typically gets 4 pieces of mail per day on average. There will be, however, a certain spread: sometimes a little more, sometimes a little fewer, once in a while nothing at all.[2] Given only the average rate, for a certain period of observation (pieces of mail per day, </a:t>
+            <a:pPr marL="0" marR="0" indent="0" algn="l" defTabSz="457200" rtl="0" eaLnBrk="1" fontAlgn="auto" latinLnBrk="0" hangingPunct="1">
+              <a:lnSpc>
+                <a:spcPct val="100000"/>
+              </a:lnSpc>
+              <a:spcBef>
+                <a:spcPts val="0"/>
+              </a:spcBef>
+              <a:spcAft>
+                <a:spcPts val="0"/>
+              </a:spcAft>
+              <a:buClrTx/>
+              <a:buSzTx/>
+              <a:buFontTx/>
+              <a:buNone/>
+              <a:tabLst/>
+              <a:defRPr/>
+            </a:pPr>
+            <a:r>
+              <a:rPr lang="en-US" dirty="0" smtClean="0"/>
+              <a:t>A variable might be modeled as log-normal if it can be thought of as the multiplicative product of many independent random variables each of which is positive. (This is justified by considering the central limit theorem in the log-domain.) For example, in finance, the variable could represent the compound return from a sequence of many trades (each expressed as its return + 1); or a long-term discount factor can be derived from the product of short-term discount factors. In wireless communication, the </a:t>
             </a:r>
             <a:r>
               <a:rPr lang="en-US" dirty="0" err="1" smtClean="0"/>
-              <a:t>phonecalls</a:t>
-            </a:r>
-            <a:r>
-              <a:rPr lang="en-US" dirty="0" smtClean="0"/>
-              <a:t> per hour, etc.), and assuming that the process, or mix of processes, that produces the event flow is essentially random, the Poisson distribution specifies how likely it is that the count will be 3, or 5, or 10, or any other number, during one period of observation. That is, it predicts the degree of spread around a known average rate of occurrence.[2]</a:t>
-            </a:r>
-          </a:p>
-          <a:p>
+              <a:t>sas</a:t>
+            </a:r>
+            <a:r>
+              <a:rPr lang="en-US" dirty="0" smtClean="0"/>
+              <a:t> caused by shadowing or slow fading from random objects is often assumed to be log-normally distributed: see log-distance path loss model.</a:t>
+            </a:r>
+          </a:p>
+          <a:p>
+            <a:pPr marL="0" marR="0" indent="0" algn="l" defTabSz="457200" rtl="0" eaLnBrk="1" fontAlgn="auto" latinLnBrk="0" hangingPunct="1">
+              <a:lnSpc>
+                <a:spcPct val="100000"/>
+              </a:lnSpc>
+              <a:spcBef>
+                <a:spcPts val="0"/>
+              </a:spcBef>
+              <a:spcAft>
+                <a:spcPts val="0"/>
+              </a:spcAft>
+              <a:buClrTx/>
+              <a:buSzTx/>
+              <a:buFontTx/>
+              <a:buNone/>
+              <a:tabLst/>
+              <a:defRPr/>
+            </a:pPr>
             <a:endParaRPr lang="en-US" dirty="0" smtClean="0"/>
           </a:p>
           <a:p>
+            <a:pPr marL="0" marR="0" indent="0" algn="l" defTabSz="457200" rtl="0" eaLnBrk="1" fontAlgn="auto" latinLnBrk="0" hangingPunct="1">
+              <a:lnSpc>
+                <a:spcPct val="100000"/>
+              </a:lnSpc>
+              <a:spcBef>
+                <a:spcPts val="0"/>
+              </a:spcBef>
+              <a:spcAft>
+                <a:spcPts val="0"/>
+              </a:spcAft>
+              <a:buClrTx/>
+              <a:buSzTx/>
+              <a:buFontTx/>
+              <a:buNone/>
+              <a:tabLst/>
+              <a:defRPr/>
+            </a:pPr>
+            <a:endParaRPr lang="en-US" dirty="0" smtClean="0"/>
+          </a:p>
+          <a:p>
+            <a:pPr marL="0" marR="0" indent="0" algn="l" defTabSz="457200" rtl="0" eaLnBrk="1" fontAlgn="auto" latinLnBrk="0" hangingPunct="1">
+              <a:lnSpc>
+                <a:spcPct val="100000"/>
+              </a:lnSpc>
+              <a:spcBef>
+                <a:spcPts val="0"/>
+              </a:spcBef>
+              <a:spcAft>
+                <a:spcPts val="0"/>
+              </a:spcAft>
+              <a:buClrTx/>
+              <a:buSzTx/>
+              <a:buFontTx/>
+              <a:buNone/>
+              <a:tabLst/>
+              <a:defRPr/>
+            </a:pPr>
+            <a:r>
+              <a:rPr lang="en-US" dirty="0" smtClean="0"/>
+              <a:t>What part of </a:t>
+            </a:r>
+            <a:r>
+              <a:rPr lang="en-US" dirty="0" err="1" smtClean="0"/>
+              <a:t>amy’s</a:t>
+            </a:r>
+            <a:r>
+              <a:rPr lang="en-US" dirty="0" smtClean="0"/>
+              <a:t> data might match a log distribution?</a:t>
+            </a:r>
+          </a:p>
+          <a:p>
+            <a:pPr marL="0" marR="0" indent="0" algn="l" defTabSz="457200" rtl="0" eaLnBrk="1" fontAlgn="auto" latinLnBrk="0" hangingPunct="1">
+              <a:lnSpc>
+                <a:spcPct val="100000"/>
+              </a:lnSpc>
+              <a:spcBef>
+                <a:spcPts val="0"/>
+              </a:spcBef>
+              <a:spcAft>
+                <a:spcPts val="0"/>
+              </a:spcAft>
+              <a:buClrTx/>
+              <a:buSzTx/>
+              <a:buFontTx/>
+              <a:buNone/>
+              <a:tabLst/>
+              <a:defRPr/>
+            </a:pPr>
             <a:endParaRPr lang="en-US" dirty="0"/>
           </a:p>
         </p:txBody>
@@ -6138,42 +5066,19 @@
           <a:p>
             <a:r>
               <a:rPr lang="en-US" dirty="0" smtClean="0"/>
-              <a:t>Fig. 17. Velocity proﬁles over time using the mouse for (</a:t>
+              <a:t>For instance, suppose someone typically gets 4 pieces of mail per day on average. There will be, however, a certain spread: sometimes a little more, sometimes a little fewer, once in a while nothing at all.[2] Given only the average rate, for a certain period of observation (pieces of mail per day, </a:t>
             </a:r>
             <a:r>
               <a:rPr lang="en-US" dirty="0" err="1" smtClean="0"/>
-              <a:t>a,b</a:t>
-            </a:r>
-            <a:r>
-              <a:rPr lang="en-US" dirty="0" smtClean="0"/>
-              <a:t>) able-bodied participants and (</a:t>
-            </a:r>
-            <a:r>
-              <a:rPr lang="en-US" dirty="0" err="1" smtClean="0"/>
-              <a:t>c,d</a:t>
-            </a:r>
-            <a:r>
-              <a:rPr lang="en-US" dirty="0" smtClean="0"/>
-              <a:t>)</a:t>
+              <a:t>phonecalls</a:t>
+            </a:r>
+            <a:r>
+              <a:rPr lang="en-US" dirty="0" smtClean="0"/>
+              <a:t> per hour, etc.), and assuming that the process, or mix of processes, that produces the event flow is essentially random, the Poisson distribution specifies how likely it is that the count will be 3, or 5, or 10, or any other number, during one period of observation. That is, it predicts the degree of spread around a known average rate of occurrence.[2]</a:t>
             </a:r>
           </a:p>
           <a:p>
             <a:endParaRPr lang="en-US" dirty="0" smtClean="0"/>
-          </a:p>
-          <a:p>
-            <a:r>
-              <a:rPr lang="en-US" dirty="0" smtClean="0"/>
-              <a:t>motor-impaired participants. The dot represents the click or crossing event. The graphs on the</a:t>
-            </a:r>
-          </a:p>
-          <a:p>
-            <a:endParaRPr lang="en-US" dirty="0" smtClean="0"/>
-          </a:p>
-          <a:p>
-            <a:r>
-              <a:rPr lang="en-US" dirty="0" smtClean="0"/>
-              <a:t>left are for area pointing. The graphs on the right are for goal crossing.</a:t>
-            </a:r>
           </a:p>
           <a:p>
             <a:endParaRPr lang="en-US" dirty="0"/>
@@ -6198,6 +5103,130 @@
             <a:fld id="{FD66F34B-9C4D-8640-BB34-4C24A79C9FFB}" type="slidenum">
               <a:rPr lang="en-US" smtClean="0"/>
               <a:t>33</a:t>
+            </a:fld>
+            <a:endParaRPr lang="en-US"/>
+          </a:p>
+        </p:txBody>
+      </p:sp>
+    </p:spTree>
+    <p:extLst>
+      <p:ext uri="{BB962C8B-B14F-4D97-AF65-F5344CB8AC3E}">
+        <p14:creationId xmlns:p14="http://schemas.microsoft.com/office/powerpoint/2010/main" val="3163214532"/>
+      </p:ext>
+    </p:extLst>
+  </p:cSld>
+  <p:clrMapOvr>
+    <a:masterClrMapping/>
+  </p:clrMapOvr>
+</p:notes>
+</file>
+
+<file path=ppt/notesSlides/notesSlide18.xml><?xml version="1.0" encoding="utf-8"?>
+<p:notes xmlns:a="http://schemas.openxmlformats.org/drawingml/2006/main" xmlns:r="http://schemas.openxmlformats.org/officeDocument/2006/relationships" xmlns:p="http://schemas.openxmlformats.org/presentationml/2006/main">
+  <p:cSld>
+    <p:spTree>
+      <p:nvGrpSpPr>
+        <p:cNvPr id="1" name=""/>
+        <p:cNvGrpSpPr/>
+        <p:nvPr/>
+      </p:nvGrpSpPr>
+      <p:grpSpPr>
+        <a:xfrm>
+          <a:off x="0" y="0"/>
+          <a:ext cx="0" cy="0"/>
+          <a:chOff x="0" y="0"/>
+          <a:chExt cx="0" cy="0"/>
+        </a:xfrm>
+      </p:grpSpPr>
+      <p:sp>
+        <p:nvSpPr>
+          <p:cNvPr id="2" name="Slide Image Placeholder 1"/>
+          <p:cNvSpPr>
+            <a:spLocks noGrp="1" noRot="1" noChangeAspect="1"/>
+          </p:cNvSpPr>
+          <p:nvPr>
+            <p:ph type="sldImg"/>
+          </p:nvPr>
+        </p:nvSpPr>
+        <p:spPr/>
+      </p:sp>
+      <p:sp>
+        <p:nvSpPr>
+          <p:cNvPr id="3" name="Notes Placeholder 2"/>
+          <p:cNvSpPr>
+            <a:spLocks noGrp="1"/>
+          </p:cNvSpPr>
+          <p:nvPr>
+            <p:ph type="body" idx="1"/>
+          </p:nvPr>
+        </p:nvSpPr>
+        <p:spPr/>
+        <p:txBody>
+          <a:bodyPr/>
+          <a:lstStyle/>
+          <a:p>
+            <a:r>
+              <a:rPr lang="en-US" dirty="0" smtClean="0"/>
+              <a:t>Fig. 17. Velocity proﬁles over time using the mouse for (</a:t>
+            </a:r>
+            <a:r>
+              <a:rPr lang="en-US" dirty="0" err="1" smtClean="0"/>
+              <a:t>a,b</a:t>
+            </a:r>
+            <a:r>
+              <a:rPr lang="en-US" dirty="0" smtClean="0"/>
+              <a:t>) able-bodied participants and (</a:t>
+            </a:r>
+            <a:r>
+              <a:rPr lang="en-US" dirty="0" err="1" smtClean="0"/>
+              <a:t>c,d</a:t>
+            </a:r>
+            <a:r>
+              <a:rPr lang="en-US" dirty="0" smtClean="0"/>
+              <a:t>)</a:t>
+            </a:r>
+          </a:p>
+          <a:p>
+            <a:endParaRPr lang="en-US" dirty="0" smtClean="0"/>
+          </a:p>
+          <a:p>
+            <a:r>
+              <a:rPr lang="en-US" dirty="0" smtClean="0"/>
+              <a:t>motor-impaired participants. The dot represents the click or crossing event. The graphs on the</a:t>
+            </a:r>
+          </a:p>
+          <a:p>
+            <a:endParaRPr lang="en-US" dirty="0" smtClean="0"/>
+          </a:p>
+          <a:p>
+            <a:r>
+              <a:rPr lang="en-US" dirty="0" smtClean="0"/>
+              <a:t>left are for area pointing. The graphs on the right are for goal crossing.</a:t>
+            </a:r>
+          </a:p>
+          <a:p>
+            <a:endParaRPr lang="en-US" dirty="0"/>
+          </a:p>
+        </p:txBody>
+      </p:sp>
+      <p:sp>
+        <p:nvSpPr>
+          <p:cNvPr id="4" name="Slide Number Placeholder 3"/>
+          <p:cNvSpPr>
+            <a:spLocks noGrp="1"/>
+          </p:cNvSpPr>
+          <p:nvPr>
+            <p:ph type="sldNum" sz="quarter" idx="10"/>
+          </p:nvPr>
+        </p:nvSpPr>
+        <p:spPr/>
+        <p:txBody>
+          <a:bodyPr/>
+          <a:lstStyle/>
+          <a:p>
+            <a:fld id="{FD66F34B-9C4D-8640-BB34-4C24A79C9FFB}" type="slidenum">
+              <a:rPr lang="en-US" smtClean="0"/>
+              <a:t>34</a:t>
             </a:fld>
             <a:endParaRPr lang="en-US"/>
           </a:p>
@@ -6762,28 +5791,6 @@
           <a:bodyPr/>
           <a:lstStyle/>
           <a:p>
-            <a:r>
-              <a:rPr lang="en-US" dirty="0" smtClean="0"/>
-              <a:t>-</a:t>
-            </a:r>
-            <a:r>
-              <a:rPr lang="en-US" baseline="0" dirty="0" smtClean="0"/>
-              <a:t> C</a:t>
-            </a:r>
-            <a:r>
-              <a:rPr lang="en-US" dirty="0" smtClean="0"/>
-              <a:t>ould represent using 10s or 100s per ‘digit’ (but what</a:t>
-            </a:r>
-            <a:r>
-              <a:rPr lang="en-US" baseline="0" dirty="0" smtClean="0"/>
-              <a:t> do we do about 2 digits in this case? Round to 0?) </a:t>
-            </a:r>
-          </a:p>
-          <a:p>
-            <a:r>
-              <a:rPr lang="en-US" baseline="0" dirty="0" smtClean="0"/>
-              <a:t>- Other ideas?</a:t>
-            </a:r>
             <a:endParaRPr lang="en-US" dirty="0"/>
           </a:p>
         </p:txBody>
@@ -6868,32 +5875,6 @@
           <a:bodyPr/>
           <a:lstStyle/>
           <a:p>
-            <a:r>
-              <a:rPr lang="en-US" dirty="0" smtClean="0"/>
-              <a:t>Note:</a:t>
-            </a:r>
-            <a:r>
-              <a:rPr lang="en-US" baseline="0" dirty="0" smtClean="0"/>
-              <a:t> this is after cleaning… </a:t>
-            </a:r>
-          </a:p>
-          <a:p>
-            <a:r>
-              <a:rPr lang="en-US" baseline="0" dirty="0" smtClean="0"/>
-              <a:t>Also – is this even an appropriate display for zips</a:t>
-            </a:r>
-          </a:p>
-          <a:p>
-            <a:r>
-              <a:rPr lang="en-US" baseline="0" dirty="0" smtClean="0"/>
-              <a:t>Boxplots make comparison really easy … </a:t>
-            </a:r>
-          </a:p>
-          <a:p>
-            <a:r>
-              <a:rPr lang="en-US" baseline="0" dirty="0" smtClean="0"/>
-              <a:t>Can also show certain types of unexpected structure (e.g. variance variance)</a:t>
-            </a:r>
             <a:endParaRPr lang="en-US" dirty="0"/>
           </a:p>
         </p:txBody>
@@ -6915,7 +5896,7 @@
           <a:p>
             <a:fld id="{FD66F34B-9C4D-8640-BB34-4C24A79C9FFB}" type="slidenum">
               <a:rPr lang="en-US" smtClean="0"/>
-              <a:t>21</a:t>
+              <a:t>18</a:t>
             </a:fld>
             <a:endParaRPr lang="en-US"/>
           </a:p>
@@ -6924,7 +5905,7 @@
     </p:spTree>
     <p:extLst>
       <p:ext uri="{BB962C8B-B14F-4D97-AF65-F5344CB8AC3E}">
-        <p14:creationId xmlns:p14="http://schemas.microsoft.com/office/powerpoint/2010/main" val="654282882"/>
+        <p14:creationId xmlns:p14="http://schemas.microsoft.com/office/powerpoint/2010/main" val="352581229"/>
       </p:ext>
     </p:extLst>
   </p:cSld>
@@ -6980,14 +5961,29 @@
           <a:p>
             <a:r>
               <a:rPr lang="en-US" dirty="0" smtClean="0"/>
-              <a:t>Same boxplots with lots of outliers (prior to cleaning)</a:t>
-            </a:r>
-            <a:endParaRPr lang="en-US" baseline="0" dirty="0" smtClean="0"/>
+              <a:t>Note:</a:t>
+            </a:r>
+            <a:r>
+              <a:rPr lang="en-US" baseline="0" dirty="0" smtClean="0"/>
+              <a:t> this is after cleaning… </a:t>
+            </a:r>
           </a:p>
           <a:p>
             <a:r>
               <a:rPr lang="en-US" baseline="0" dirty="0" smtClean="0"/>
               <a:t>Also – is this even an appropriate display for zips</a:t>
+            </a:r>
+          </a:p>
+          <a:p>
+            <a:r>
+              <a:rPr lang="en-US" baseline="0" dirty="0" smtClean="0"/>
+              <a:t>Boxplots make comparison really easy … </a:t>
+            </a:r>
+          </a:p>
+          <a:p>
+            <a:r>
+              <a:rPr lang="en-US" baseline="0" dirty="0" smtClean="0"/>
+              <a:t>Can also show certain types of unexpected structure (e.g. variance variance)</a:t>
             </a:r>
             <a:endParaRPr lang="en-US" dirty="0"/>
           </a:p>
@@ -7546,7 +6542,7 @@
             <a:fld id="{FA3C144B-2939-9A49-B014-915EC3E81866}" type="datetime1">
               <a:rPr lang="en-US" smtClean="0"/>
               <a:pPr/>
-              <a:t>1/26/14</a:t>
+              <a:t>1/27/14</a:t>
             </a:fld>
             <a:endParaRPr lang="en-US" dirty="0"/>
           </a:p>
@@ -7975,7 +6971,7 @@
           <a:p>
             <a:fld id="{76838339-A875-5E45-AB3F-AAABD270346A}" type="datetime1">
               <a:rPr lang="en-US" smtClean="0"/>
-              <a:t>1/26/14</a:t>
+              <a:t>1/27/14</a:t>
             </a:fld>
             <a:endParaRPr lang="en-US"/>
           </a:p>
@@ -8261,7 +7257,7 @@
             <a:fld id="{FA3C144B-2939-9A49-B014-915EC3E81866}" type="datetime1">
               <a:rPr lang="en-US" smtClean="0"/>
               <a:pPr/>
-              <a:t>1/26/14</a:t>
+              <a:t>1/27/14</a:t>
             </a:fld>
             <a:endParaRPr lang="en-US" dirty="0"/>
           </a:p>
@@ -8743,7 +7739,7 @@
           <a:p>
             <a:fld id="{A73F672F-A5FB-5745-934A-1BF51CA5539C}" type="datetime1">
               <a:rPr lang="en-US" smtClean="0"/>
-              <a:t>1/26/14</a:t>
+              <a:t>1/27/14</a:t>
             </a:fld>
             <a:endParaRPr lang="en-US"/>
           </a:p>
@@ -9085,7 +8081,7 @@
             <a:fld id="{FA3C144B-2939-9A49-B014-915EC3E81866}" type="datetime1">
               <a:rPr lang="en-US" smtClean="0"/>
               <a:pPr/>
-              <a:t>1/26/14</a:t>
+              <a:t>1/27/14</a:t>
             </a:fld>
             <a:endParaRPr lang="en-US" dirty="0"/>
           </a:p>
@@ -9549,7 +8545,7 @@
           <a:p>
             <a:fld id="{6AFE6A63-5EBE-3E48-B0AE-DF655A1ECE76}" type="datetime1">
               <a:rPr lang="en-US" smtClean="0"/>
-              <a:t>1/26/14</a:t>
+              <a:t>1/27/14</a:t>
             </a:fld>
             <a:endParaRPr lang="en-US"/>
           </a:p>
@@ -9868,7 +8864,7 @@
           <a:p>
             <a:fld id="{4A019F0C-9D18-B54A-9AC9-18AA74EDB034}" type="datetime1">
               <a:rPr lang="en-US" smtClean="0"/>
-              <a:t>1/26/14</a:t>
+              <a:t>1/27/14</a:t>
             </a:fld>
             <a:endParaRPr lang="en-US"/>
           </a:p>
@@ -10178,7 +9174,7 @@
             <a:fld id="{FA3C144B-2939-9A49-B014-915EC3E81866}" type="datetime1">
               <a:rPr lang="en-US" smtClean="0"/>
               <a:pPr/>
-              <a:t>1/26/14</a:t>
+              <a:t>1/27/14</a:t>
             </a:fld>
             <a:endParaRPr lang="en-US" dirty="0"/>
           </a:p>
@@ -10441,7 +9437,7 @@
           <a:p>
             <a:fld id="{FA3C144B-2939-9A49-B014-915EC3E81866}" type="datetime1">
               <a:rPr lang="en-US" smtClean="0"/>
-              <a:t>1/26/14</a:t>
+              <a:t>1/27/14</a:t>
             </a:fld>
             <a:endParaRPr lang="en-US" dirty="0"/>
           </a:p>
@@ -10809,7 +9805,7 @@
           <a:p>
             <a:fld id="{7053BEFA-1175-F644-B249-7D41D72BD3FF}" type="datetime1">
               <a:rPr lang="en-US" smtClean="0"/>
-              <a:t>1/26/14</a:t>
+              <a:t>1/27/14</a:t>
             </a:fld>
             <a:endParaRPr lang="en-US"/>
           </a:p>
@@ -10928,7 +9924,7 @@
             <a:fld id="{FA3C144B-2939-9A49-B014-915EC3E81866}" type="datetime1">
               <a:rPr lang="en-US" smtClean="0"/>
               <a:pPr/>
-              <a:t>1/26/14</a:t>
+              <a:t>1/27/14</a:t>
             </a:fld>
             <a:endParaRPr lang="en-US" dirty="0"/>
           </a:p>
@@ -11145,7 +10141,7 @@
             <a:fld id="{FA3C144B-2939-9A49-B014-915EC3E81866}" type="datetime1">
               <a:rPr lang="en-US" smtClean="0"/>
               <a:pPr/>
-              <a:t>1/26/14</a:t>
+              <a:t>1/27/14</a:t>
             </a:fld>
             <a:endParaRPr lang="en-US" dirty="0"/>
           </a:p>
@@ -11390,7 +10386,7 @@
             <a:fld id="{FA3C144B-2939-9A49-B014-915EC3E81866}" type="datetime1">
               <a:rPr lang="en-US" smtClean="0"/>
               <a:pPr/>
-              <a:t>1/26/14</a:t>
+              <a:t>1/27/14</a:t>
             </a:fld>
             <a:endParaRPr lang="en-US" dirty="0"/>
           </a:p>
@@ -11768,7 +10764,7 @@
           <a:p>
             <a:fld id="{111EEF3B-ABF2-AA4E-9E24-0C6256942674}" type="datetime1">
               <a:rPr lang="en-US" smtClean="0"/>
-              <a:t>1/26/14</a:t>
+              <a:t>1/27/14</a:t>
             </a:fld>
             <a:endParaRPr lang="en-US"/>
           </a:p>
@@ -11932,7 +10928,7 @@
             <a:fld id="{FA3C144B-2939-9A49-B014-915EC3E81866}" type="datetime1">
               <a:rPr lang="en-US" smtClean="0"/>
               <a:pPr/>
-              <a:t>1/26/14</a:t>
+              <a:t>1/27/14</a:t>
             </a:fld>
             <a:endParaRPr lang="en-US" dirty="0"/>
           </a:p>
@@ -12349,7 +11345,7 @@
             <a:fld id="{FA3C144B-2939-9A49-B014-915EC3E81866}" type="datetime1">
               <a:rPr lang="en-US" smtClean="0"/>
               <a:pPr/>
-              <a:t>1/26/14</a:t>
+              <a:t>1/27/14</a:t>
             </a:fld>
             <a:endParaRPr lang="en-US" dirty="0"/>
           </a:p>
@@ -12665,7 +11661,7 @@
             <a:fld id="{FA3C144B-2939-9A49-B014-915EC3E81866}" type="datetime1">
               <a:rPr lang="en-US" smtClean="0"/>
               <a:pPr/>
-              <a:t>1/26/14</a:t>
+              <a:t>1/27/14</a:t>
             </a:fld>
             <a:endParaRPr lang="en-US" dirty="0"/>
           </a:p>
@@ -13331,7 +12327,7 @@
             <a:fld id="{FA3C144B-2939-9A49-B014-915EC3E81866}" type="datetime1">
               <a:rPr lang="en-US" smtClean="0"/>
               <a:pPr/>
-              <a:t>1/26/14</a:t>
+              <a:t>1/27/14</a:t>
             </a:fld>
             <a:endParaRPr lang="en-US" dirty="0"/>
           </a:p>
@@ -14532,7 +13528,7 @@
           <a:p>
             <a:fld id="{7053BEFA-1175-F644-B249-7D41D72BD3FF}" type="datetime1">
               <a:rPr lang="en-US" smtClean="0"/>
-              <a:t>1/26/14</a:t>
+              <a:t>1/27/14</a:t>
             </a:fld>
             <a:endParaRPr lang="en-US"/>
           </a:p>
@@ -14739,7 +13735,7 @@
           <a:p>
             <a:fld id="{7053BEFA-1175-F644-B249-7D41D72BD3FF}" type="datetime1">
               <a:rPr lang="en-US" smtClean="0"/>
-              <a:t>1/26/14</a:t>
+              <a:t>1/27/14</a:t>
             </a:fld>
             <a:endParaRPr lang="en-US"/>
           </a:p>
@@ -14882,7 +13878,7 @@
           <a:p>
             <a:fld id="{7053BEFA-1175-F644-B249-7D41D72BD3FF}" type="datetime1">
               <a:rPr lang="en-US" smtClean="0"/>
-              <a:t>1/26/14</a:t>
+              <a:t>1/27/14</a:t>
             </a:fld>
             <a:endParaRPr lang="en-US"/>
           </a:p>
@@ -15015,13 +14011,8 @@
             </a:pPr>
             <a:r>
               <a:rPr lang="en-US" dirty="0" smtClean="0"/>
-              <a:t>			Alternat</a:t>
-            </a:r>
-            <a:r>
-              <a:rPr lang="en-US" dirty="0" smtClean="0"/>
-              <a:t>e Summary [after sorting]</a:t>
-            </a:r>
-            <a:endParaRPr lang="en-US" dirty="0" smtClean="0"/>
+              <a:t>			Alternate Summary [after sorting]</a:t>
+            </a:r>
           </a:p>
           <a:p>
             <a:pPr marL="0" indent="0">
@@ -15148,7 +14139,7 @@
           <a:p>
             <a:fld id="{7053BEFA-1175-F644-B249-7D41D72BD3FF}" type="datetime1">
               <a:rPr lang="en-US" smtClean="0"/>
-              <a:t>1/26/14</a:t>
+              <a:t>1/27/14</a:t>
             </a:fld>
             <a:endParaRPr lang="en-US"/>
           </a:p>
@@ -15348,7 +14339,7 @@
           <a:p>
             <a:fld id="{7053BEFA-1175-F644-B249-7D41D72BD3FF}" type="datetime1">
               <a:rPr lang="en-US" smtClean="0"/>
-              <a:t>1/26/14</a:t>
+              <a:t>1/27/14</a:t>
             </a:fld>
             <a:endParaRPr lang="en-US"/>
           </a:p>
@@ -15554,7 +14545,7 @@
           <a:p>
             <a:fld id="{7053BEFA-1175-F644-B249-7D41D72BD3FF}" type="datetime1">
               <a:rPr lang="en-US" smtClean="0"/>
-              <a:t>1/26/14</a:t>
+              <a:t>1/27/14</a:t>
             </a:fld>
             <a:endParaRPr lang="en-US"/>
           </a:p>
@@ -16382,7 +15373,7 @@
           <a:p>
             <a:fld id="{7053BEFA-1175-F644-B249-7D41D72BD3FF}" type="datetime1">
               <a:rPr lang="en-US" smtClean="0"/>
-              <a:t>1/26/14</a:t>
+              <a:t>1/27/14</a:t>
             </a:fld>
             <a:endParaRPr lang="en-US"/>
           </a:p>
@@ -17676,6 +16667,1557 @@
 </file>
 
 <file path=ppt/slides/slide18.xml><?xml version="1.0" encoding="utf-8"?>
+<p:sld xmlns:a="http://schemas.openxmlformats.org/drawingml/2006/main" xmlns:r="http://schemas.openxmlformats.org/officeDocument/2006/relationships" xmlns:p="http://schemas.openxmlformats.org/presentationml/2006/main">
+  <p:cSld>
+    <p:spTree>
+      <p:nvGrpSpPr>
+        <p:cNvPr id="1" name=""/>
+        <p:cNvGrpSpPr/>
+        <p:nvPr/>
+      </p:nvGrpSpPr>
+      <p:grpSpPr>
+        <a:xfrm>
+          <a:off x="0" y="0"/>
+          <a:ext cx="0" cy="0"/>
+          <a:chOff x="0" y="0"/>
+          <a:chExt cx="0" cy="0"/>
+        </a:xfrm>
+      </p:grpSpPr>
+      <p:sp>
+        <p:nvSpPr>
+          <p:cNvPr id="2" name="Title 1"/>
+          <p:cNvSpPr>
+            <a:spLocks noGrp="1"/>
+          </p:cNvSpPr>
+          <p:nvPr>
+            <p:ph type="title"/>
+          </p:nvPr>
+        </p:nvSpPr>
+        <p:spPr/>
+        <p:txBody>
+          <a:bodyPr/>
+          <a:lstStyle/>
+          <a:p>
+            <a:r>
+              <a:rPr lang="en-US" dirty="0" smtClean="0"/>
+              <a:t>Exercise: Stem and Leaf of Zip?</a:t>
+            </a:r>
+            <a:endParaRPr lang="en-US" dirty="0"/>
+          </a:p>
+        </p:txBody>
+      </p:sp>
+      <p:sp>
+        <p:nvSpPr>
+          <p:cNvPr id="3" name="Content Placeholder 2"/>
+          <p:cNvSpPr>
+            <a:spLocks noGrp="1"/>
+          </p:cNvSpPr>
+          <p:nvPr>
+            <p:ph idx="1"/>
+          </p:nvPr>
+        </p:nvSpPr>
+        <p:spPr>
+          <a:xfrm>
+            <a:off x="176526" y="1847153"/>
+            <a:ext cx="9215503" cy="4379976"/>
+          </a:xfrm>
+        </p:spPr>
+        <p:txBody>
+          <a:bodyPr/>
+          <a:lstStyle/>
+          <a:p>
+            <a:pPr marL="0" indent="0">
+              <a:buNone/>
+            </a:pPr>
+            <a:endParaRPr lang="en-US" dirty="0"/>
+          </a:p>
+          <a:p>
+            <a:pPr marL="0" indent="0">
+              <a:buNone/>
+            </a:pPr>
+            <a:r>
+              <a:rPr lang="en-US" dirty="0" smtClean="0"/>
+              <a:t>4011*: 8 8 8 8 8 8 8 8 8 8 8 8 8 … 147 times 9 9 </a:t>
+            </a:r>
+          </a:p>
+          <a:p>
+            <a:pPr marL="0" indent="0">
+              <a:buNone/>
+            </a:pPr>
+            <a:endParaRPr lang="en-US" dirty="0" smtClean="0"/>
+          </a:p>
+          <a:p>
+            <a:pPr marL="0" indent="0">
+              <a:buNone/>
+            </a:pPr>
+            <a:r>
+              <a:rPr lang="en-US" dirty="0" smtClean="0"/>
+              <a:t>10s (rounding up always)</a:t>
+            </a:r>
+          </a:p>
+          <a:p>
+            <a:pPr marL="0" indent="0">
+              <a:buNone/>
+            </a:pPr>
+            <a:r>
+              <a:rPr lang="en-US" dirty="0" smtClean="0"/>
+              <a:t>4011*: 8 8 8 8 8 8 8 8 8 8 8 8 8 8 8 9</a:t>
+            </a:r>
+          </a:p>
+          <a:p>
+            <a:pPr marL="0" indent="0">
+              <a:buNone/>
+            </a:pPr>
+            <a:endParaRPr lang="en-US" dirty="0"/>
+          </a:p>
+          <a:p>
+            <a:pPr marL="0" indent="0">
+              <a:buNone/>
+            </a:pPr>
+            <a:r>
+              <a:rPr lang="en-US" dirty="0" smtClean="0"/>
+              <a:t>‘visual’ 10s </a:t>
+            </a:r>
+          </a:p>
+          <a:p>
+            <a:pPr marL="0" indent="0">
+              <a:buNone/>
+            </a:pPr>
+            <a:r>
+              <a:rPr lang="en-US" dirty="0" smtClean="0"/>
+              <a:t>4011*: 8 ☐☐☐☐☐☐☐☐☐☐☐☐☐☐☐ 9 . .</a:t>
+            </a:r>
+          </a:p>
+          <a:p>
+            <a:pPr marL="0" indent="0">
+              <a:buNone/>
+            </a:pPr>
+            <a:endParaRPr lang="en-US" dirty="0" smtClean="0"/>
+          </a:p>
+          <a:p>
+            <a:pPr marL="0" indent="0">
+              <a:buNone/>
+            </a:pPr>
+            <a:endParaRPr lang="en-US" dirty="0" smtClean="0"/>
+          </a:p>
+          <a:p>
+            <a:pPr marL="0" indent="0">
+              <a:buNone/>
+            </a:pPr>
+            <a:r>
+              <a:rPr lang="en-US" dirty="0" smtClean="0"/>
+              <a:t> </a:t>
+            </a:r>
+            <a:endParaRPr lang="en-US" dirty="0"/>
+          </a:p>
+        </p:txBody>
+      </p:sp>
+      <p:sp>
+        <p:nvSpPr>
+          <p:cNvPr id="4" name="Date Placeholder 3"/>
+          <p:cNvSpPr>
+            <a:spLocks noGrp="1"/>
+          </p:cNvSpPr>
+          <p:nvPr>
+            <p:ph type="dt" sz="half" idx="10"/>
+          </p:nvPr>
+        </p:nvSpPr>
+        <p:spPr/>
+        <p:txBody>
+          <a:bodyPr/>
+          <a:lstStyle/>
+          <a:p>
+            <a:fld id="{7053BEFA-1175-F644-B249-7D41D72BD3FF}" type="datetime1">
+              <a:rPr lang="en-US" smtClean="0"/>
+              <a:t>1/27/14</a:t>
+            </a:fld>
+            <a:endParaRPr lang="en-US"/>
+          </a:p>
+        </p:txBody>
+      </p:sp>
+      <p:sp>
+        <p:nvSpPr>
+          <p:cNvPr id="5" name="Footer Placeholder 4"/>
+          <p:cNvSpPr>
+            <a:spLocks noGrp="1"/>
+          </p:cNvSpPr>
+          <p:nvPr>
+            <p:ph type="ftr" sz="quarter" idx="11"/>
+          </p:nvPr>
+        </p:nvSpPr>
+        <p:spPr/>
+        <p:txBody>
+          <a:bodyPr/>
+          <a:lstStyle/>
+          <a:p>
+            <a:endParaRPr lang="en-US" dirty="0"/>
+          </a:p>
+        </p:txBody>
+      </p:sp>
+      <p:sp>
+        <p:nvSpPr>
+          <p:cNvPr id="6" name="Slide Number Placeholder 5"/>
+          <p:cNvSpPr>
+            <a:spLocks noGrp="1"/>
+          </p:cNvSpPr>
+          <p:nvPr>
+            <p:ph type="sldNum" sz="quarter" idx="12"/>
+          </p:nvPr>
+        </p:nvSpPr>
+        <p:spPr/>
+        <p:txBody>
+          <a:bodyPr/>
+          <a:lstStyle/>
+          <a:p>
+            <a:fld id="{17E276FA-8F89-B34D-A726-BE3FA1F8DD97}" type="slidenum">
+              <a:rPr lang="en-US" smtClean="0"/>
+              <a:t>18</a:t>
+            </a:fld>
+            <a:endParaRPr lang="en-US" dirty="0"/>
+          </a:p>
+        </p:txBody>
+      </p:sp>
+      <p:grpSp>
+        <p:nvGrpSpPr>
+          <p:cNvPr id="14" name="Group 13"/>
+          <p:cNvGrpSpPr/>
+          <p:nvPr/>
+        </p:nvGrpSpPr>
+        <p:grpSpPr>
+          <a:xfrm>
+            <a:off x="1628775" y="5635665"/>
+            <a:ext cx="241300" cy="246024"/>
+            <a:chOff x="1628775" y="5635665"/>
+            <a:chExt cx="241300" cy="246024"/>
+          </a:xfrm>
+        </p:grpSpPr>
+        <p:cxnSp>
+          <p:nvCxnSpPr>
+            <p:cNvPr id="8" name="Straight Connector 7"/>
+            <p:cNvCxnSpPr/>
+            <p:nvPr/>
+          </p:nvCxnSpPr>
+          <p:spPr>
+            <a:xfrm>
+              <a:off x="1628775" y="5635665"/>
+              <a:ext cx="238125" cy="244435"/>
+            </a:xfrm>
+            <a:prstGeom prst="line">
+              <a:avLst/>
+            </a:prstGeom>
+            <a:ln>
+              <a:solidFill>
+                <a:schemeClr val="accent3"/>
+              </a:solidFill>
+            </a:ln>
+          </p:spPr>
+          <p:style>
+            <a:lnRef idx="1">
+              <a:schemeClr val="dk1"/>
+            </a:lnRef>
+            <a:fillRef idx="0">
+              <a:schemeClr val="dk1"/>
+            </a:fillRef>
+            <a:effectRef idx="0">
+              <a:schemeClr val="dk1"/>
+            </a:effectRef>
+            <a:fontRef idx="minor">
+              <a:schemeClr val="tx1"/>
+            </a:fontRef>
+          </p:style>
+        </p:cxnSp>
+        <p:cxnSp>
+          <p:nvCxnSpPr>
+            <p:cNvPr id="9" name="Straight Connector 8"/>
+            <p:cNvCxnSpPr/>
+            <p:nvPr/>
+          </p:nvCxnSpPr>
+          <p:spPr>
+            <a:xfrm flipV="1">
+              <a:off x="1631950" y="5635665"/>
+              <a:ext cx="238125" cy="246024"/>
+            </a:xfrm>
+            <a:prstGeom prst="line">
+              <a:avLst/>
+            </a:prstGeom>
+            <a:ln>
+              <a:solidFill>
+                <a:schemeClr val="accent3"/>
+              </a:solidFill>
+            </a:ln>
+          </p:spPr>
+          <p:style>
+            <a:lnRef idx="1">
+              <a:schemeClr val="dk1"/>
+            </a:lnRef>
+            <a:fillRef idx="0">
+              <a:schemeClr val="dk1"/>
+            </a:fillRef>
+            <a:effectRef idx="0">
+              <a:schemeClr val="dk1"/>
+            </a:effectRef>
+            <a:fontRef idx="minor">
+              <a:schemeClr val="tx1"/>
+            </a:fontRef>
+          </p:style>
+        </p:cxnSp>
+      </p:grpSp>
+      <p:grpSp>
+        <p:nvGrpSpPr>
+          <p:cNvPr id="15" name="Group 14"/>
+          <p:cNvGrpSpPr/>
+          <p:nvPr/>
+        </p:nvGrpSpPr>
+        <p:grpSpPr>
+          <a:xfrm>
+            <a:off x="1984375" y="5645190"/>
+            <a:ext cx="241300" cy="246024"/>
+            <a:chOff x="1628775" y="5635665"/>
+            <a:chExt cx="241300" cy="246024"/>
+          </a:xfrm>
+        </p:grpSpPr>
+        <p:cxnSp>
+          <p:nvCxnSpPr>
+            <p:cNvPr id="16" name="Straight Connector 15"/>
+            <p:cNvCxnSpPr/>
+            <p:nvPr/>
+          </p:nvCxnSpPr>
+          <p:spPr>
+            <a:xfrm>
+              <a:off x="1628775" y="5635665"/>
+              <a:ext cx="238125" cy="244435"/>
+            </a:xfrm>
+            <a:prstGeom prst="line">
+              <a:avLst/>
+            </a:prstGeom>
+            <a:ln>
+              <a:solidFill>
+                <a:schemeClr val="accent3"/>
+              </a:solidFill>
+            </a:ln>
+          </p:spPr>
+          <p:style>
+            <a:lnRef idx="1">
+              <a:schemeClr val="dk1"/>
+            </a:lnRef>
+            <a:fillRef idx="0">
+              <a:schemeClr val="dk1"/>
+            </a:fillRef>
+            <a:effectRef idx="0">
+              <a:schemeClr val="dk1"/>
+            </a:effectRef>
+            <a:fontRef idx="minor">
+              <a:schemeClr val="tx1"/>
+            </a:fontRef>
+          </p:style>
+        </p:cxnSp>
+        <p:cxnSp>
+          <p:nvCxnSpPr>
+            <p:cNvPr id="17" name="Straight Connector 16"/>
+            <p:cNvCxnSpPr/>
+            <p:nvPr/>
+          </p:nvCxnSpPr>
+          <p:spPr>
+            <a:xfrm flipV="1">
+              <a:off x="1631950" y="5635665"/>
+              <a:ext cx="238125" cy="246024"/>
+            </a:xfrm>
+            <a:prstGeom prst="line">
+              <a:avLst/>
+            </a:prstGeom>
+            <a:ln>
+              <a:solidFill>
+                <a:schemeClr val="accent3"/>
+              </a:solidFill>
+            </a:ln>
+          </p:spPr>
+          <p:style>
+            <a:lnRef idx="1">
+              <a:schemeClr val="dk1"/>
+            </a:lnRef>
+            <a:fillRef idx="0">
+              <a:schemeClr val="dk1"/>
+            </a:fillRef>
+            <a:effectRef idx="0">
+              <a:schemeClr val="dk1"/>
+            </a:effectRef>
+            <a:fontRef idx="minor">
+              <a:schemeClr val="tx1"/>
+            </a:fontRef>
+          </p:style>
+        </p:cxnSp>
+      </p:grpSp>
+      <p:grpSp>
+        <p:nvGrpSpPr>
+          <p:cNvPr id="18" name="Group 17"/>
+          <p:cNvGrpSpPr/>
+          <p:nvPr/>
+        </p:nvGrpSpPr>
+        <p:grpSpPr>
+          <a:xfrm>
+            <a:off x="2339975" y="5643601"/>
+            <a:ext cx="241300" cy="246024"/>
+            <a:chOff x="1628775" y="5635665"/>
+            <a:chExt cx="241300" cy="246024"/>
+          </a:xfrm>
+        </p:grpSpPr>
+        <p:cxnSp>
+          <p:nvCxnSpPr>
+            <p:cNvPr id="19" name="Straight Connector 18"/>
+            <p:cNvCxnSpPr/>
+            <p:nvPr/>
+          </p:nvCxnSpPr>
+          <p:spPr>
+            <a:xfrm>
+              <a:off x="1628775" y="5635665"/>
+              <a:ext cx="238125" cy="244435"/>
+            </a:xfrm>
+            <a:prstGeom prst="line">
+              <a:avLst/>
+            </a:prstGeom>
+            <a:ln>
+              <a:solidFill>
+                <a:schemeClr val="accent3"/>
+              </a:solidFill>
+            </a:ln>
+          </p:spPr>
+          <p:style>
+            <a:lnRef idx="1">
+              <a:schemeClr val="dk1"/>
+            </a:lnRef>
+            <a:fillRef idx="0">
+              <a:schemeClr val="dk1"/>
+            </a:fillRef>
+            <a:effectRef idx="0">
+              <a:schemeClr val="dk1"/>
+            </a:effectRef>
+            <a:fontRef idx="minor">
+              <a:schemeClr val="tx1"/>
+            </a:fontRef>
+          </p:style>
+        </p:cxnSp>
+        <p:cxnSp>
+          <p:nvCxnSpPr>
+            <p:cNvPr id="20" name="Straight Connector 19"/>
+            <p:cNvCxnSpPr/>
+            <p:nvPr/>
+          </p:nvCxnSpPr>
+          <p:spPr>
+            <a:xfrm flipV="1">
+              <a:off x="1631950" y="5635665"/>
+              <a:ext cx="238125" cy="246024"/>
+            </a:xfrm>
+            <a:prstGeom prst="line">
+              <a:avLst/>
+            </a:prstGeom>
+            <a:ln>
+              <a:solidFill>
+                <a:schemeClr val="accent3"/>
+              </a:solidFill>
+            </a:ln>
+          </p:spPr>
+          <p:style>
+            <a:lnRef idx="1">
+              <a:schemeClr val="dk1"/>
+            </a:lnRef>
+            <a:fillRef idx="0">
+              <a:schemeClr val="dk1"/>
+            </a:fillRef>
+            <a:effectRef idx="0">
+              <a:schemeClr val="dk1"/>
+            </a:effectRef>
+            <a:fontRef idx="minor">
+              <a:schemeClr val="tx1"/>
+            </a:fontRef>
+          </p:style>
+        </p:cxnSp>
+      </p:grpSp>
+      <p:grpSp>
+        <p:nvGrpSpPr>
+          <p:cNvPr id="21" name="Group 20"/>
+          <p:cNvGrpSpPr/>
+          <p:nvPr/>
+        </p:nvGrpSpPr>
+        <p:grpSpPr>
+          <a:xfrm>
+            <a:off x="2692400" y="5645190"/>
+            <a:ext cx="241300" cy="246024"/>
+            <a:chOff x="1628775" y="5635665"/>
+            <a:chExt cx="241300" cy="246024"/>
+          </a:xfrm>
+        </p:grpSpPr>
+        <p:cxnSp>
+          <p:nvCxnSpPr>
+            <p:cNvPr id="22" name="Straight Connector 21"/>
+            <p:cNvCxnSpPr/>
+            <p:nvPr/>
+          </p:nvCxnSpPr>
+          <p:spPr>
+            <a:xfrm>
+              <a:off x="1628775" y="5635665"/>
+              <a:ext cx="238125" cy="244435"/>
+            </a:xfrm>
+            <a:prstGeom prst="line">
+              <a:avLst/>
+            </a:prstGeom>
+            <a:ln>
+              <a:solidFill>
+                <a:schemeClr val="accent3"/>
+              </a:solidFill>
+            </a:ln>
+          </p:spPr>
+          <p:style>
+            <a:lnRef idx="1">
+              <a:schemeClr val="dk1"/>
+            </a:lnRef>
+            <a:fillRef idx="0">
+              <a:schemeClr val="dk1"/>
+            </a:fillRef>
+            <a:effectRef idx="0">
+              <a:schemeClr val="dk1"/>
+            </a:effectRef>
+            <a:fontRef idx="minor">
+              <a:schemeClr val="tx1"/>
+            </a:fontRef>
+          </p:style>
+        </p:cxnSp>
+        <p:cxnSp>
+          <p:nvCxnSpPr>
+            <p:cNvPr id="23" name="Straight Connector 22"/>
+            <p:cNvCxnSpPr/>
+            <p:nvPr/>
+          </p:nvCxnSpPr>
+          <p:spPr>
+            <a:xfrm flipV="1">
+              <a:off x="1631950" y="5635665"/>
+              <a:ext cx="238125" cy="246024"/>
+            </a:xfrm>
+            <a:prstGeom prst="line">
+              <a:avLst/>
+            </a:prstGeom>
+            <a:ln>
+              <a:solidFill>
+                <a:schemeClr val="accent3"/>
+              </a:solidFill>
+            </a:ln>
+          </p:spPr>
+          <p:style>
+            <a:lnRef idx="1">
+              <a:schemeClr val="dk1"/>
+            </a:lnRef>
+            <a:fillRef idx="0">
+              <a:schemeClr val="dk1"/>
+            </a:fillRef>
+            <a:effectRef idx="0">
+              <a:schemeClr val="dk1"/>
+            </a:effectRef>
+            <a:fontRef idx="minor">
+              <a:schemeClr val="tx1"/>
+            </a:fontRef>
+          </p:style>
+        </p:cxnSp>
+      </p:grpSp>
+      <p:grpSp>
+        <p:nvGrpSpPr>
+          <p:cNvPr id="24" name="Group 23"/>
+          <p:cNvGrpSpPr/>
+          <p:nvPr/>
+        </p:nvGrpSpPr>
+        <p:grpSpPr>
+          <a:xfrm>
+            <a:off x="3048000" y="5638800"/>
+            <a:ext cx="241300" cy="246024"/>
+            <a:chOff x="1628775" y="5635665"/>
+            <a:chExt cx="241300" cy="246024"/>
+          </a:xfrm>
+        </p:grpSpPr>
+        <p:cxnSp>
+          <p:nvCxnSpPr>
+            <p:cNvPr id="25" name="Straight Connector 24"/>
+            <p:cNvCxnSpPr/>
+            <p:nvPr/>
+          </p:nvCxnSpPr>
+          <p:spPr>
+            <a:xfrm>
+              <a:off x="1628775" y="5635665"/>
+              <a:ext cx="238125" cy="244435"/>
+            </a:xfrm>
+            <a:prstGeom prst="line">
+              <a:avLst/>
+            </a:prstGeom>
+            <a:ln>
+              <a:solidFill>
+                <a:schemeClr val="accent3"/>
+              </a:solidFill>
+            </a:ln>
+          </p:spPr>
+          <p:style>
+            <a:lnRef idx="1">
+              <a:schemeClr val="dk1"/>
+            </a:lnRef>
+            <a:fillRef idx="0">
+              <a:schemeClr val="dk1"/>
+            </a:fillRef>
+            <a:effectRef idx="0">
+              <a:schemeClr val="dk1"/>
+            </a:effectRef>
+            <a:fontRef idx="minor">
+              <a:schemeClr val="tx1"/>
+            </a:fontRef>
+          </p:style>
+        </p:cxnSp>
+        <p:cxnSp>
+          <p:nvCxnSpPr>
+            <p:cNvPr id="26" name="Straight Connector 25"/>
+            <p:cNvCxnSpPr/>
+            <p:nvPr/>
+          </p:nvCxnSpPr>
+          <p:spPr>
+            <a:xfrm flipV="1">
+              <a:off x="1631950" y="5635665"/>
+              <a:ext cx="238125" cy="246024"/>
+            </a:xfrm>
+            <a:prstGeom prst="line">
+              <a:avLst/>
+            </a:prstGeom>
+            <a:ln>
+              <a:solidFill>
+                <a:schemeClr val="accent3"/>
+              </a:solidFill>
+            </a:ln>
+          </p:spPr>
+          <p:style>
+            <a:lnRef idx="1">
+              <a:schemeClr val="dk1"/>
+            </a:lnRef>
+            <a:fillRef idx="0">
+              <a:schemeClr val="dk1"/>
+            </a:fillRef>
+            <a:effectRef idx="0">
+              <a:schemeClr val="dk1"/>
+            </a:effectRef>
+            <a:fontRef idx="minor">
+              <a:schemeClr val="tx1"/>
+            </a:fontRef>
+          </p:style>
+        </p:cxnSp>
+      </p:grpSp>
+      <p:grpSp>
+        <p:nvGrpSpPr>
+          <p:cNvPr id="27" name="Group 26"/>
+          <p:cNvGrpSpPr/>
+          <p:nvPr/>
+        </p:nvGrpSpPr>
+        <p:grpSpPr>
+          <a:xfrm>
+            <a:off x="3403600" y="5645190"/>
+            <a:ext cx="241300" cy="246024"/>
+            <a:chOff x="1628775" y="5635665"/>
+            <a:chExt cx="241300" cy="246024"/>
+          </a:xfrm>
+        </p:grpSpPr>
+        <p:cxnSp>
+          <p:nvCxnSpPr>
+            <p:cNvPr id="28" name="Straight Connector 27"/>
+            <p:cNvCxnSpPr/>
+            <p:nvPr/>
+          </p:nvCxnSpPr>
+          <p:spPr>
+            <a:xfrm>
+              <a:off x="1628775" y="5635665"/>
+              <a:ext cx="238125" cy="244435"/>
+            </a:xfrm>
+            <a:prstGeom prst="line">
+              <a:avLst/>
+            </a:prstGeom>
+            <a:ln>
+              <a:solidFill>
+                <a:schemeClr val="accent3"/>
+              </a:solidFill>
+            </a:ln>
+          </p:spPr>
+          <p:style>
+            <a:lnRef idx="1">
+              <a:schemeClr val="dk1"/>
+            </a:lnRef>
+            <a:fillRef idx="0">
+              <a:schemeClr val="dk1"/>
+            </a:fillRef>
+            <a:effectRef idx="0">
+              <a:schemeClr val="dk1"/>
+            </a:effectRef>
+            <a:fontRef idx="minor">
+              <a:schemeClr val="tx1"/>
+            </a:fontRef>
+          </p:style>
+        </p:cxnSp>
+        <p:cxnSp>
+          <p:nvCxnSpPr>
+            <p:cNvPr id="29" name="Straight Connector 28"/>
+            <p:cNvCxnSpPr/>
+            <p:nvPr/>
+          </p:nvCxnSpPr>
+          <p:spPr>
+            <a:xfrm flipV="1">
+              <a:off x="1631950" y="5635665"/>
+              <a:ext cx="238125" cy="246024"/>
+            </a:xfrm>
+            <a:prstGeom prst="line">
+              <a:avLst/>
+            </a:prstGeom>
+            <a:ln>
+              <a:solidFill>
+                <a:schemeClr val="accent3"/>
+              </a:solidFill>
+            </a:ln>
+          </p:spPr>
+          <p:style>
+            <a:lnRef idx="1">
+              <a:schemeClr val="dk1"/>
+            </a:lnRef>
+            <a:fillRef idx="0">
+              <a:schemeClr val="dk1"/>
+            </a:fillRef>
+            <a:effectRef idx="0">
+              <a:schemeClr val="dk1"/>
+            </a:effectRef>
+            <a:fontRef idx="minor">
+              <a:schemeClr val="tx1"/>
+            </a:fontRef>
+          </p:style>
+        </p:cxnSp>
+      </p:grpSp>
+      <p:grpSp>
+        <p:nvGrpSpPr>
+          <p:cNvPr id="30" name="Group 29"/>
+          <p:cNvGrpSpPr/>
+          <p:nvPr/>
+        </p:nvGrpSpPr>
+        <p:grpSpPr>
+          <a:xfrm>
+            <a:off x="3762375" y="5642012"/>
+            <a:ext cx="241300" cy="246024"/>
+            <a:chOff x="1628775" y="5635665"/>
+            <a:chExt cx="241300" cy="246024"/>
+          </a:xfrm>
+        </p:grpSpPr>
+        <p:cxnSp>
+          <p:nvCxnSpPr>
+            <p:cNvPr id="31" name="Straight Connector 30"/>
+            <p:cNvCxnSpPr/>
+            <p:nvPr/>
+          </p:nvCxnSpPr>
+          <p:spPr>
+            <a:xfrm>
+              <a:off x="1628775" y="5635665"/>
+              <a:ext cx="238125" cy="244435"/>
+            </a:xfrm>
+            <a:prstGeom prst="line">
+              <a:avLst/>
+            </a:prstGeom>
+            <a:ln>
+              <a:solidFill>
+                <a:schemeClr val="accent3"/>
+              </a:solidFill>
+            </a:ln>
+          </p:spPr>
+          <p:style>
+            <a:lnRef idx="1">
+              <a:schemeClr val="dk1"/>
+            </a:lnRef>
+            <a:fillRef idx="0">
+              <a:schemeClr val="dk1"/>
+            </a:fillRef>
+            <a:effectRef idx="0">
+              <a:schemeClr val="dk1"/>
+            </a:effectRef>
+            <a:fontRef idx="minor">
+              <a:schemeClr val="tx1"/>
+            </a:fontRef>
+          </p:style>
+        </p:cxnSp>
+        <p:cxnSp>
+          <p:nvCxnSpPr>
+            <p:cNvPr id="32" name="Straight Connector 31"/>
+            <p:cNvCxnSpPr/>
+            <p:nvPr/>
+          </p:nvCxnSpPr>
+          <p:spPr>
+            <a:xfrm flipV="1">
+              <a:off x="1631950" y="5635665"/>
+              <a:ext cx="238125" cy="246024"/>
+            </a:xfrm>
+            <a:prstGeom prst="line">
+              <a:avLst/>
+            </a:prstGeom>
+            <a:ln>
+              <a:solidFill>
+                <a:schemeClr val="accent3"/>
+              </a:solidFill>
+            </a:ln>
+          </p:spPr>
+          <p:style>
+            <a:lnRef idx="1">
+              <a:schemeClr val="dk1"/>
+            </a:lnRef>
+            <a:fillRef idx="0">
+              <a:schemeClr val="dk1"/>
+            </a:fillRef>
+            <a:effectRef idx="0">
+              <a:schemeClr val="dk1"/>
+            </a:effectRef>
+            <a:fontRef idx="minor">
+              <a:schemeClr val="tx1"/>
+            </a:fontRef>
+          </p:style>
+        </p:cxnSp>
+      </p:grpSp>
+      <p:grpSp>
+        <p:nvGrpSpPr>
+          <p:cNvPr id="33" name="Group 32"/>
+          <p:cNvGrpSpPr/>
+          <p:nvPr/>
+        </p:nvGrpSpPr>
+        <p:grpSpPr>
+          <a:xfrm>
+            <a:off x="4114800" y="5638800"/>
+            <a:ext cx="241300" cy="246024"/>
+            <a:chOff x="1628775" y="5635665"/>
+            <a:chExt cx="241300" cy="246024"/>
+          </a:xfrm>
+        </p:grpSpPr>
+        <p:cxnSp>
+          <p:nvCxnSpPr>
+            <p:cNvPr id="34" name="Straight Connector 33"/>
+            <p:cNvCxnSpPr/>
+            <p:nvPr/>
+          </p:nvCxnSpPr>
+          <p:spPr>
+            <a:xfrm>
+              <a:off x="1628775" y="5635665"/>
+              <a:ext cx="238125" cy="244435"/>
+            </a:xfrm>
+            <a:prstGeom prst="line">
+              <a:avLst/>
+            </a:prstGeom>
+            <a:ln>
+              <a:solidFill>
+                <a:schemeClr val="accent3"/>
+              </a:solidFill>
+            </a:ln>
+          </p:spPr>
+          <p:style>
+            <a:lnRef idx="1">
+              <a:schemeClr val="dk1"/>
+            </a:lnRef>
+            <a:fillRef idx="0">
+              <a:schemeClr val="dk1"/>
+            </a:fillRef>
+            <a:effectRef idx="0">
+              <a:schemeClr val="dk1"/>
+            </a:effectRef>
+            <a:fontRef idx="minor">
+              <a:schemeClr val="tx1"/>
+            </a:fontRef>
+          </p:style>
+        </p:cxnSp>
+        <p:cxnSp>
+          <p:nvCxnSpPr>
+            <p:cNvPr id="35" name="Straight Connector 34"/>
+            <p:cNvCxnSpPr/>
+            <p:nvPr/>
+          </p:nvCxnSpPr>
+          <p:spPr>
+            <a:xfrm flipV="1">
+              <a:off x="1631950" y="5635665"/>
+              <a:ext cx="238125" cy="246024"/>
+            </a:xfrm>
+            <a:prstGeom prst="line">
+              <a:avLst/>
+            </a:prstGeom>
+            <a:ln>
+              <a:solidFill>
+                <a:schemeClr val="accent3"/>
+              </a:solidFill>
+            </a:ln>
+          </p:spPr>
+          <p:style>
+            <a:lnRef idx="1">
+              <a:schemeClr val="dk1"/>
+            </a:lnRef>
+            <a:fillRef idx="0">
+              <a:schemeClr val="dk1"/>
+            </a:fillRef>
+            <a:effectRef idx="0">
+              <a:schemeClr val="dk1"/>
+            </a:effectRef>
+            <a:fontRef idx="minor">
+              <a:schemeClr val="tx1"/>
+            </a:fontRef>
+          </p:style>
+        </p:cxnSp>
+      </p:grpSp>
+      <p:grpSp>
+        <p:nvGrpSpPr>
+          <p:cNvPr id="36" name="Group 35"/>
+          <p:cNvGrpSpPr/>
+          <p:nvPr/>
+        </p:nvGrpSpPr>
+        <p:grpSpPr>
+          <a:xfrm>
+            <a:off x="4473575" y="5638800"/>
+            <a:ext cx="241300" cy="246024"/>
+            <a:chOff x="1628775" y="5635665"/>
+            <a:chExt cx="241300" cy="246024"/>
+          </a:xfrm>
+        </p:grpSpPr>
+        <p:cxnSp>
+          <p:nvCxnSpPr>
+            <p:cNvPr id="37" name="Straight Connector 36"/>
+            <p:cNvCxnSpPr/>
+            <p:nvPr/>
+          </p:nvCxnSpPr>
+          <p:spPr>
+            <a:xfrm>
+              <a:off x="1628775" y="5635665"/>
+              <a:ext cx="238125" cy="244435"/>
+            </a:xfrm>
+            <a:prstGeom prst="line">
+              <a:avLst/>
+            </a:prstGeom>
+            <a:ln>
+              <a:solidFill>
+                <a:schemeClr val="accent3"/>
+              </a:solidFill>
+            </a:ln>
+          </p:spPr>
+          <p:style>
+            <a:lnRef idx="1">
+              <a:schemeClr val="dk1"/>
+            </a:lnRef>
+            <a:fillRef idx="0">
+              <a:schemeClr val="dk1"/>
+            </a:fillRef>
+            <a:effectRef idx="0">
+              <a:schemeClr val="dk1"/>
+            </a:effectRef>
+            <a:fontRef idx="minor">
+              <a:schemeClr val="tx1"/>
+            </a:fontRef>
+          </p:style>
+        </p:cxnSp>
+        <p:cxnSp>
+          <p:nvCxnSpPr>
+            <p:cNvPr id="38" name="Straight Connector 37"/>
+            <p:cNvCxnSpPr/>
+            <p:nvPr/>
+          </p:nvCxnSpPr>
+          <p:spPr>
+            <a:xfrm flipV="1">
+              <a:off x="1631950" y="5635665"/>
+              <a:ext cx="238125" cy="246024"/>
+            </a:xfrm>
+            <a:prstGeom prst="line">
+              <a:avLst/>
+            </a:prstGeom>
+            <a:ln>
+              <a:solidFill>
+                <a:schemeClr val="accent3"/>
+              </a:solidFill>
+            </a:ln>
+          </p:spPr>
+          <p:style>
+            <a:lnRef idx="1">
+              <a:schemeClr val="dk1"/>
+            </a:lnRef>
+            <a:fillRef idx="0">
+              <a:schemeClr val="dk1"/>
+            </a:fillRef>
+            <a:effectRef idx="0">
+              <a:schemeClr val="dk1"/>
+            </a:effectRef>
+            <a:fontRef idx="minor">
+              <a:schemeClr val="tx1"/>
+            </a:fontRef>
+          </p:style>
+        </p:cxnSp>
+      </p:grpSp>
+      <p:grpSp>
+        <p:nvGrpSpPr>
+          <p:cNvPr id="39" name="Group 38"/>
+          <p:cNvGrpSpPr/>
+          <p:nvPr/>
+        </p:nvGrpSpPr>
+        <p:grpSpPr>
+          <a:xfrm>
+            <a:off x="4832350" y="5638800"/>
+            <a:ext cx="241300" cy="246024"/>
+            <a:chOff x="1628775" y="5635665"/>
+            <a:chExt cx="241300" cy="246024"/>
+          </a:xfrm>
+        </p:grpSpPr>
+        <p:cxnSp>
+          <p:nvCxnSpPr>
+            <p:cNvPr id="40" name="Straight Connector 39"/>
+            <p:cNvCxnSpPr/>
+            <p:nvPr/>
+          </p:nvCxnSpPr>
+          <p:spPr>
+            <a:xfrm>
+              <a:off x="1628775" y="5635665"/>
+              <a:ext cx="238125" cy="244435"/>
+            </a:xfrm>
+            <a:prstGeom prst="line">
+              <a:avLst/>
+            </a:prstGeom>
+            <a:ln>
+              <a:solidFill>
+                <a:schemeClr val="accent3"/>
+              </a:solidFill>
+            </a:ln>
+          </p:spPr>
+          <p:style>
+            <a:lnRef idx="1">
+              <a:schemeClr val="dk1"/>
+            </a:lnRef>
+            <a:fillRef idx="0">
+              <a:schemeClr val="dk1"/>
+            </a:fillRef>
+            <a:effectRef idx="0">
+              <a:schemeClr val="dk1"/>
+            </a:effectRef>
+            <a:fontRef idx="minor">
+              <a:schemeClr val="tx1"/>
+            </a:fontRef>
+          </p:style>
+        </p:cxnSp>
+        <p:cxnSp>
+          <p:nvCxnSpPr>
+            <p:cNvPr id="41" name="Straight Connector 40"/>
+            <p:cNvCxnSpPr/>
+            <p:nvPr/>
+          </p:nvCxnSpPr>
+          <p:spPr>
+            <a:xfrm flipV="1">
+              <a:off x="1631950" y="5635665"/>
+              <a:ext cx="238125" cy="246024"/>
+            </a:xfrm>
+            <a:prstGeom prst="line">
+              <a:avLst/>
+            </a:prstGeom>
+            <a:ln>
+              <a:solidFill>
+                <a:schemeClr val="accent3"/>
+              </a:solidFill>
+            </a:ln>
+          </p:spPr>
+          <p:style>
+            <a:lnRef idx="1">
+              <a:schemeClr val="dk1"/>
+            </a:lnRef>
+            <a:fillRef idx="0">
+              <a:schemeClr val="dk1"/>
+            </a:fillRef>
+            <a:effectRef idx="0">
+              <a:schemeClr val="dk1"/>
+            </a:effectRef>
+            <a:fontRef idx="minor">
+              <a:schemeClr val="tx1"/>
+            </a:fontRef>
+          </p:style>
+        </p:cxnSp>
+      </p:grpSp>
+      <p:grpSp>
+        <p:nvGrpSpPr>
+          <p:cNvPr id="42" name="Group 41"/>
+          <p:cNvGrpSpPr/>
+          <p:nvPr/>
+        </p:nvGrpSpPr>
+        <p:grpSpPr>
+          <a:xfrm>
+            <a:off x="5184775" y="5638800"/>
+            <a:ext cx="241300" cy="246024"/>
+            <a:chOff x="1628775" y="5635665"/>
+            <a:chExt cx="241300" cy="246024"/>
+          </a:xfrm>
+        </p:grpSpPr>
+        <p:cxnSp>
+          <p:nvCxnSpPr>
+            <p:cNvPr id="43" name="Straight Connector 42"/>
+            <p:cNvCxnSpPr/>
+            <p:nvPr/>
+          </p:nvCxnSpPr>
+          <p:spPr>
+            <a:xfrm>
+              <a:off x="1628775" y="5635665"/>
+              <a:ext cx="238125" cy="244435"/>
+            </a:xfrm>
+            <a:prstGeom prst="line">
+              <a:avLst/>
+            </a:prstGeom>
+            <a:ln>
+              <a:solidFill>
+                <a:schemeClr val="accent3"/>
+              </a:solidFill>
+            </a:ln>
+          </p:spPr>
+          <p:style>
+            <a:lnRef idx="1">
+              <a:schemeClr val="dk1"/>
+            </a:lnRef>
+            <a:fillRef idx="0">
+              <a:schemeClr val="dk1"/>
+            </a:fillRef>
+            <a:effectRef idx="0">
+              <a:schemeClr val="dk1"/>
+            </a:effectRef>
+            <a:fontRef idx="minor">
+              <a:schemeClr val="tx1"/>
+            </a:fontRef>
+          </p:style>
+        </p:cxnSp>
+        <p:cxnSp>
+          <p:nvCxnSpPr>
+            <p:cNvPr id="44" name="Straight Connector 43"/>
+            <p:cNvCxnSpPr/>
+            <p:nvPr/>
+          </p:nvCxnSpPr>
+          <p:spPr>
+            <a:xfrm flipV="1">
+              <a:off x="1631950" y="5635665"/>
+              <a:ext cx="238125" cy="246024"/>
+            </a:xfrm>
+            <a:prstGeom prst="line">
+              <a:avLst/>
+            </a:prstGeom>
+            <a:ln>
+              <a:solidFill>
+                <a:schemeClr val="accent3"/>
+              </a:solidFill>
+            </a:ln>
+          </p:spPr>
+          <p:style>
+            <a:lnRef idx="1">
+              <a:schemeClr val="dk1"/>
+            </a:lnRef>
+            <a:fillRef idx="0">
+              <a:schemeClr val="dk1"/>
+            </a:fillRef>
+            <a:effectRef idx="0">
+              <a:schemeClr val="dk1"/>
+            </a:effectRef>
+            <a:fontRef idx="minor">
+              <a:schemeClr val="tx1"/>
+            </a:fontRef>
+          </p:style>
+        </p:cxnSp>
+      </p:grpSp>
+      <p:grpSp>
+        <p:nvGrpSpPr>
+          <p:cNvPr id="45" name="Group 44"/>
+          <p:cNvGrpSpPr/>
+          <p:nvPr/>
+        </p:nvGrpSpPr>
+        <p:grpSpPr>
+          <a:xfrm>
+            <a:off x="5543550" y="5638800"/>
+            <a:ext cx="241300" cy="246024"/>
+            <a:chOff x="1628775" y="5635665"/>
+            <a:chExt cx="241300" cy="246024"/>
+          </a:xfrm>
+        </p:grpSpPr>
+        <p:cxnSp>
+          <p:nvCxnSpPr>
+            <p:cNvPr id="46" name="Straight Connector 45"/>
+            <p:cNvCxnSpPr/>
+            <p:nvPr/>
+          </p:nvCxnSpPr>
+          <p:spPr>
+            <a:xfrm>
+              <a:off x="1628775" y="5635665"/>
+              <a:ext cx="238125" cy="244435"/>
+            </a:xfrm>
+            <a:prstGeom prst="line">
+              <a:avLst/>
+            </a:prstGeom>
+            <a:ln>
+              <a:solidFill>
+                <a:schemeClr val="accent3"/>
+              </a:solidFill>
+            </a:ln>
+          </p:spPr>
+          <p:style>
+            <a:lnRef idx="1">
+              <a:schemeClr val="dk1"/>
+            </a:lnRef>
+            <a:fillRef idx="0">
+              <a:schemeClr val="dk1"/>
+            </a:fillRef>
+            <a:effectRef idx="0">
+              <a:schemeClr val="dk1"/>
+            </a:effectRef>
+            <a:fontRef idx="minor">
+              <a:schemeClr val="tx1"/>
+            </a:fontRef>
+          </p:style>
+        </p:cxnSp>
+        <p:cxnSp>
+          <p:nvCxnSpPr>
+            <p:cNvPr id="47" name="Straight Connector 46"/>
+            <p:cNvCxnSpPr/>
+            <p:nvPr/>
+          </p:nvCxnSpPr>
+          <p:spPr>
+            <a:xfrm flipV="1">
+              <a:off x="1631950" y="5635665"/>
+              <a:ext cx="238125" cy="246024"/>
+            </a:xfrm>
+            <a:prstGeom prst="line">
+              <a:avLst/>
+            </a:prstGeom>
+            <a:ln>
+              <a:solidFill>
+                <a:schemeClr val="accent3"/>
+              </a:solidFill>
+            </a:ln>
+          </p:spPr>
+          <p:style>
+            <a:lnRef idx="1">
+              <a:schemeClr val="dk1"/>
+            </a:lnRef>
+            <a:fillRef idx="0">
+              <a:schemeClr val="dk1"/>
+            </a:fillRef>
+            <a:effectRef idx="0">
+              <a:schemeClr val="dk1"/>
+            </a:effectRef>
+            <a:fontRef idx="minor">
+              <a:schemeClr val="tx1"/>
+            </a:fontRef>
+          </p:style>
+        </p:cxnSp>
+      </p:grpSp>
+      <p:grpSp>
+        <p:nvGrpSpPr>
+          <p:cNvPr id="48" name="Group 47"/>
+          <p:cNvGrpSpPr/>
+          <p:nvPr/>
+        </p:nvGrpSpPr>
+        <p:grpSpPr>
+          <a:xfrm>
+            <a:off x="5899150" y="5638800"/>
+            <a:ext cx="241300" cy="246024"/>
+            <a:chOff x="1628775" y="5635665"/>
+            <a:chExt cx="241300" cy="246024"/>
+          </a:xfrm>
+        </p:grpSpPr>
+        <p:cxnSp>
+          <p:nvCxnSpPr>
+            <p:cNvPr id="49" name="Straight Connector 48"/>
+            <p:cNvCxnSpPr/>
+            <p:nvPr/>
+          </p:nvCxnSpPr>
+          <p:spPr>
+            <a:xfrm>
+              <a:off x="1628775" y="5635665"/>
+              <a:ext cx="238125" cy="244435"/>
+            </a:xfrm>
+            <a:prstGeom prst="line">
+              <a:avLst/>
+            </a:prstGeom>
+            <a:ln>
+              <a:solidFill>
+                <a:schemeClr val="accent3"/>
+              </a:solidFill>
+            </a:ln>
+          </p:spPr>
+          <p:style>
+            <a:lnRef idx="1">
+              <a:schemeClr val="dk1"/>
+            </a:lnRef>
+            <a:fillRef idx="0">
+              <a:schemeClr val="dk1"/>
+            </a:fillRef>
+            <a:effectRef idx="0">
+              <a:schemeClr val="dk1"/>
+            </a:effectRef>
+            <a:fontRef idx="minor">
+              <a:schemeClr val="tx1"/>
+            </a:fontRef>
+          </p:style>
+        </p:cxnSp>
+        <p:cxnSp>
+          <p:nvCxnSpPr>
+            <p:cNvPr id="50" name="Straight Connector 49"/>
+            <p:cNvCxnSpPr/>
+            <p:nvPr/>
+          </p:nvCxnSpPr>
+          <p:spPr>
+            <a:xfrm flipV="1">
+              <a:off x="1631950" y="5635665"/>
+              <a:ext cx="238125" cy="246024"/>
+            </a:xfrm>
+            <a:prstGeom prst="line">
+              <a:avLst/>
+            </a:prstGeom>
+            <a:ln>
+              <a:solidFill>
+                <a:schemeClr val="accent3"/>
+              </a:solidFill>
+            </a:ln>
+          </p:spPr>
+          <p:style>
+            <a:lnRef idx="1">
+              <a:schemeClr val="dk1"/>
+            </a:lnRef>
+            <a:fillRef idx="0">
+              <a:schemeClr val="dk1"/>
+            </a:fillRef>
+            <a:effectRef idx="0">
+              <a:schemeClr val="dk1"/>
+            </a:effectRef>
+            <a:fontRef idx="minor">
+              <a:schemeClr val="tx1"/>
+            </a:fontRef>
+          </p:style>
+        </p:cxnSp>
+      </p:grpSp>
+      <p:grpSp>
+        <p:nvGrpSpPr>
+          <p:cNvPr id="51" name="Group 50"/>
+          <p:cNvGrpSpPr/>
+          <p:nvPr/>
+        </p:nvGrpSpPr>
+        <p:grpSpPr>
+          <a:xfrm>
+            <a:off x="6251575" y="5645190"/>
+            <a:ext cx="241300" cy="246024"/>
+            <a:chOff x="1628775" y="5635665"/>
+            <a:chExt cx="241300" cy="246024"/>
+          </a:xfrm>
+        </p:grpSpPr>
+        <p:cxnSp>
+          <p:nvCxnSpPr>
+            <p:cNvPr id="52" name="Straight Connector 51"/>
+            <p:cNvCxnSpPr/>
+            <p:nvPr/>
+          </p:nvCxnSpPr>
+          <p:spPr>
+            <a:xfrm>
+              <a:off x="1628775" y="5635665"/>
+              <a:ext cx="238125" cy="244435"/>
+            </a:xfrm>
+            <a:prstGeom prst="line">
+              <a:avLst/>
+            </a:prstGeom>
+            <a:ln>
+              <a:solidFill>
+                <a:schemeClr val="accent3"/>
+              </a:solidFill>
+            </a:ln>
+          </p:spPr>
+          <p:style>
+            <a:lnRef idx="1">
+              <a:schemeClr val="dk1"/>
+            </a:lnRef>
+            <a:fillRef idx="0">
+              <a:schemeClr val="dk1"/>
+            </a:fillRef>
+            <a:effectRef idx="0">
+              <a:schemeClr val="dk1"/>
+            </a:effectRef>
+            <a:fontRef idx="minor">
+              <a:schemeClr val="tx1"/>
+            </a:fontRef>
+          </p:style>
+        </p:cxnSp>
+        <p:cxnSp>
+          <p:nvCxnSpPr>
+            <p:cNvPr id="53" name="Straight Connector 52"/>
+            <p:cNvCxnSpPr/>
+            <p:nvPr/>
+          </p:nvCxnSpPr>
+          <p:spPr>
+            <a:xfrm flipV="1">
+              <a:off x="1631950" y="5635665"/>
+              <a:ext cx="238125" cy="246024"/>
+            </a:xfrm>
+            <a:prstGeom prst="line">
+              <a:avLst/>
+            </a:prstGeom>
+            <a:ln>
+              <a:solidFill>
+                <a:schemeClr val="accent3"/>
+              </a:solidFill>
+            </a:ln>
+          </p:spPr>
+          <p:style>
+            <a:lnRef idx="1">
+              <a:schemeClr val="dk1"/>
+            </a:lnRef>
+            <a:fillRef idx="0">
+              <a:schemeClr val="dk1"/>
+            </a:fillRef>
+            <a:effectRef idx="0">
+              <a:schemeClr val="dk1"/>
+            </a:effectRef>
+            <a:fontRef idx="minor">
+              <a:schemeClr val="tx1"/>
+            </a:fontRef>
+          </p:style>
+        </p:cxnSp>
+      </p:grpSp>
+      <p:cxnSp>
+        <p:nvCxnSpPr>
+          <p:cNvPr id="55" name="Straight Connector 54"/>
+          <p:cNvCxnSpPr/>
+          <p:nvPr/>
+        </p:nvCxnSpPr>
+        <p:spPr>
+          <a:xfrm>
+            <a:off x="6616700" y="5889622"/>
+            <a:ext cx="222250" cy="0"/>
+          </a:xfrm>
+          <a:prstGeom prst="line">
+            <a:avLst/>
+          </a:prstGeom>
+          <a:ln w="76200" cmpd="sng">
+            <a:solidFill>
+              <a:srgbClr val="FFFFFF"/>
+            </a:solidFill>
+          </a:ln>
+        </p:spPr>
+        <p:style>
+          <a:lnRef idx="1">
+            <a:schemeClr val="accent6"/>
+          </a:lnRef>
+          <a:fillRef idx="0">
+            <a:schemeClr val="accent6"/>
+          </a:fillRef>
+          <a:effectRef idx="0">
+            <a:schemeClr val="accent6"/>
+          </a:effectRef>
+          <a:fontRef idx="minor">
+            <a:schemeClr val="tx1"/>
+          </a:fontRef>
+        </p:style>
+      </p:cxnSp>
+      <p:sp>
+        <p:nvSpPr>
+          <p:cNvPr id="54" name="Rectangle 53"/>
+          <p:cNvSpPr/>
+          <p:nvPr/>
+        </p:nvSpPr>
+        <p:spPr>
+          <a:xfrm>
+            <a:off x="1210233" y="831396"/>
+            <a:ext cx="6541498" cy="4044061"/>
+          </a:xfrm>
+          <a:prstGeom prst="rect">
+            <a:avLst/>
+          </a:prstGeom>
+        </p:spPr>
+        <p:style>
+          <a:lnRef idx="2">
+            <a:schemeClr val="accent1">
+              <a:shade val="50000"/>
+            </a:schemeClr>
+          </a:lnRef>
+          <a:fillRef idx="1">
+            <a:schemeClr val="accent1"/>
+          </a:fillRef>
+          <a:effectRef idx="0">
+            <a:schemeClr val="accent1"/>
+          </a:effectRef>
+          <a:fontRef idx="minor">
+            <a:schemeClr val="lt1"/>
+          </a:fontRef>
+        </p:style>
+        <p:txBody>
+          <a:bodyPr rtlCol="0" anchor="ctr"/>
+          <a:lstStyle/>
+          <a:p>
+            <a:r>
+              <a:rPr lang="en-US" sz="2800" dirty="0" smtClean="0"/>
+              <a:t>Now you do it…</a:t>
+            </a:r>
+            <a:br>
+              <a:rPr lang="en-US" sz="2800" dirty="0" smtClean="0"/>
+            </a:br>
+            <a:r>
+              <a:rPr lang="en-US" sz="2800" dirty="0" smtClean="0"/>
+              <a:t/>
+            </a:r>
+            <a:br>
+              <a:rPr lang="en-US" sz="2800" dirty="0" smtClean="0"/>
+            </a:br>
+            <a:r>
+              <a:rPr lang="en-US" sz="2800" dirty="0" smtClean="0"/>
+              <a:t/>
+            </a:r>
+            <a:br>
+              <a:rPr lang="en-US" sz="2800" dirty="0" smtClean="0"/>
+            </a:br>
+            <a:r>
+              <a:rPr lang="en-US" sz="2800" dirty="0" smtClean="0"/>
+              <a:t/>
+            </a:r>
+            <a:br>
+              <a:rPr lang="en-US" sz="2800" dirty="0" smtClean="0"/>
+            </a:br>
+            <a:r>
+              <a:rPr lang="en-US" sz="2800" dirty="0" smtClean="0"/>
+              <a:t/>
+            </a:r>
+            <a:br>
+              <a:rPr lang="en-US" sz="2800" dirty="0" smtClean="0"/>
+            </a:br>
+            <a:r>
+              <a:rPr lang="en-US" sz="2800" dirty="0" smtClean="0"/>
+              <a:t/>
+            </a:r>
+            <a:br>
+              <a:rPr lang="en-US" sz="2800" dirty="0" smtClean="0"/>
+            </a:br>
+            <a:r>
+              <a:rPr lang="en-US" sz="2800" dirty="0" smtClean="0"/>
+              <a:t/>
+            </a:r>
+            <a:br>
+              <a:rPr lang="en-US" sz="2800" dirty="0" smtClean="0"/>
+            </a:br>
+            <a:r>
+              <a:rPr lang="en-US" sz="2800" dirty="0" smtClean="0"/>
+              <a:t/>
+            </a:r>
+            <a:br>
+              <a:rPr lang="en-US" sz="2800" dirty="0" smtClean="0"/>
+            </a:br>
+            <a:endParaRPr lang="en-US" dirty="0"/>
+          </a:p>
+        </p:txBody>
+      </p:sp>
+    </p:spTree>
+    <p:extLst>
+      <p:ext uri="{BB962C8B-B14F-4D97-AF65-F5344CB8AC3E}">
+        <p14:creationId xmlns:p14="http://schemas.microsoft.com/office/powerpoint/2010/main" val="958134986"/>
+      </p:ext>
+    </p:extLst>
+  </p:cSld>
+  <p:clrMapOvr>
+    <a:masterClrMapping/>
+  </p:clrMapOvr>
+  <p:timing>
+    <p:tnLst>
+      <p:par>
+        <p:cTn xmlns:p14="http://schemas.microsoft.com/office/powerpoint/2010/main" id="1" dur="indefinite" restart="never" nodeType="tmRoot"/>
+      </p:par>
+    </p:tnLst>
+  </p:timing>
+</p:sld>
+</file>
+
+<file path=ppt/slides/slide19.xml><?xml version="1.0" encoding="utf-8"?>
 <p:sld xmlns:a="http://schemas.openxmlformats.org/drawingml/2006/main" xmlns:r="http://schemas.openxmlformats.org/officeDocument/2006/relationships" xmlns:p="http://schemas.openxmlformats.org/presentationml/2006/main">
   <p:cSld>
     <p:spTree>
@@ -19234,7 +19776,6 @@
                         <a:rPr lang="en-US" dirty="0" smtClean="0"/>
                         <a:t>☒</a:t>
                       </a:r>
-                      <a:endParaRPr lang="en-US" dirty="0" smtClean="0"/>
                     </a:p>
                     <a:p>
                       <a:pPr marL="0" marR="0" indent="0" algn="l" defTabSz="457200" rtl="0" eaLnBrk="1" fontAlgn="auto" latinLnBrk="0" hangingPunct="1">
@@ -20158,7 +20699,7 @@
           <a:p>
             <a:fld id="{7053BEFA-1175-F644-B249-7D41D72BD3FF}" type="datetime1">
               <a:rPr lang="en-US" smtClean="0"/>
-              <a:t>1/26/14</a:t>
+              <a:t>1/27/14</a:t>
             </a:fld>
             <a:endParaRPr lang="en-US"/>
           </a:p>
@@ -20200,7 +20741,7 @@
           <a:p>
             <a:fld id="{17E276FA-8F89-B34D-A726-BE3FA1F8DD97}" type="slidenum">
               <a:rPr lang="en-US" smtClean="0"/>
-              <a:t>18</a:t>
+              <a:t>19</a:t>
             </a:fld>
             <a:endParaRPr lang="en-US" dirty="0"/>
           </a:p>
@@ -20226,149 +20767,6 @@
 </p:sld>
 </file>
 
-<file path=ppt/slides/slide19.xml><?xml version="1.0" encoding="utf-8"?>
-<p:sld xmlns:a="http://schemas.openxmlformats.org/drawingml/2006/main" xmlns:r="http://schemas.openxmlformats.org/officeDocument/2006/relationships" xmlns:p="http://schemas.openxmlformats.org/presentationml/2006/main">
-  <p:cSld>
-    <p:spTree>
-      <p:nvGrpSpPr>
-        <p:cNvPr id="1" name=""/>
-        <p:cNvGrpSpPr/>
-        <p:nvPr/>
-      </p:nvGrpSpPr>
-      <p:grpSpPr>
-        <a:xfrm>
-          <a:off x="0" y="0"/>
-          <a:ext cx="0" cy="0"/>
-          <a:chOff x="0" y="0"/>
-          <a:chExt cx="0" cy="0"/>
-        </a:xfrm>
-      </p:grpSpPr>
-      <p:sp>
-        <p:nvSpPr>
-          <p:cNvPr id="2" name="Title 1"/>
-          <p:cNvSpPr>
-            <a:spLocks noGrp="1"/>
-          </p:cNvSpPr>
-          <p:nvPr>
-            <p:ph type="title"/>
-          </p:nvPr>
-        </p:nvSpPr>
-        <p:spPr/>
-        <p:txBody>
-          <a:bodyPr/>
-          <a:lstStyle/>
-          <a:p>
-            <a:r>
-              <a:rPr lang="en-US" dirty="0" smtClean="0"/>
-              <a:t>Example of comparison</a:t>
-            </a:r>
-            <a:endParaRPr lang="en-US" dirty="0"/>
-          </a:p>
-        </p:txBody>
-      </p:sp>
-      <p:pic>
-        <p:nvPicPr>
-          <p:cNvPr id="7" name="Content Placeholder 6" descr="Screen Shot 2014-01-26 at 9.49.16 PM.png"/>
-          <p:cNvPicPr>
-            <a:picLocks noGrp="1" noChangeAspect="1"/>
-          </p:cNvPicPr>
-          <p:nvPr>
-            <p:ph idx="1"/>
-          </p:nvPr>
-        </p:nvPicPr>
-        <p:blipFill>
-          <a:blip r:embed="rId2">
-            <a:extLst>
-              <a:ext uri="{28A0092B-C50C-407E-A947-70E740481C1C}">
-                <a14:useLocalDpi xmlns:a14="http://schemas.microsoft.com/office/drawing/2010/main" val="0"/>
-              </a:ext>
-            </a:extLst>
-          </a:blip>
-          <a:srcRect l="5818" r="5818"/>
-          <a:stretch>
-            <a:fillRect/>
-          </a:stretch>
-        </p:blipFill>
-        <p:spPr/>
-      </p:pic>
-      <p:sp>
-        <p:nvSpPr>
-          <p:cNvPr id="4" name="Date Placeholder 3"/>
-          <p:cNvSpPr>
-            <a:spLocks noGrp="1"/>
-          </p:cNvSpPr>
-          <p:nvPr>
-            <p:ph type="dt" sz="half" idx="10"/>
-          </p:nvPr>
-        </p:nvSpPr>
-        <p:spPr/>
-        <p:txBody>
-          <a:bodyPr/>
-          <a:lstStyle/>
-          <a:p>
-            <a:fld id="{7053BEFA-1175-F644-B249-7D41D72BD3FF}" type="datetime1">
-              <a:rPr lang="en-US" smtClean="0"/>
-              <a:t>1/26/14</a:t>
-            </a:fld>
-            <a:endParaRPr lang="en-US"/>
-          </a:p>
-        </p:txBody>
-      </p:sp>
-      <p:sp>
-        <p:nvSpPr>
-          <p:cNvPr id="5" name="Footer Placeholder 4"/>
-          <p:cNvSpPr>
-            <a:spLocks noGrp="1"/>
-          </p:cNvSpPr>
-          <p:nvPr>
-            <p:ph type="ftr" sz="quarter" idx="11"/>
-          </p:nvPr>
-        </p:nvSpPr>
-        <p:spPr/>
-        <p:txBody>
-          <a:bodyPr/>
-          <a:lstStyle/>
-          <a:p>
-            <a:endParaRPr lang="en-US" dirty="0"/>
-          </a:p>
-        </p:txBody>
-      </p:sp>
-      <p:sp>
-        <p:nvSpPr>
-          <p:cNvPr id="6" name="Slide Number Placeholder 5"/>
-          <p:cNvSpPr>
-            <a:spLocks noGrp="1"/>
-          </p:cNvSpPr>
-          <p:nvPr>
-            <p:ph type="sldNum" sz="quarter" idx="12"/>
-          </p:nvPr>
-        </p:nvSpPr>
-        <p:spPr/>
-        <p:txBody>
-          <a:bodyPr/>
-          <a:lstStyle/>
-          <a:p>
-            <a:fld id="{17E276FA-8F89-B34D-A726-BE3FA1F8DD97}" type="slidenum">
-              <a:rPr lang="en-US" smtClean="0"/>
-              <a:t>19</a:t>
-            </a:fld>
-            <a:endParaRPr lang="en-US" dirty="0"/>
-          </a:p>
-        </p:txBody>
-      </p:sp>
-    </p:spTree>
-    <p:extLst>
-      <p:ext uri="{BB962C8B-B14F-4D97-AF65-F5344CB8AC3E}">
-        <p14:creationId xmlns:p14="http://schemas.microsoft.com/office/powerpoint/2010/main" val="1712180392"/>
-      </p:ext>
-    </p:extLst>
-  </p:cSld>
-  <p:clrMapOvr>
-    <a:masterClrMapping/>
-  </p:clrMapOvr>
-</p:sld>
-</file>
-
 <file path=ppt/slides/slide2.xml><?xml version="1.0" encoding="utf-8"?>
 <p:sld xmlns:a="http://schemas.openxmlformats.org/drawingml/2006/main" xmlns:r="http://schemas.openxmlformats.org/officeDocument/2006/relationships" xmlns:p="http://schemas.openxmlformats.org/presentationml/2006/main">
   <p:cSld>
@@ -20445,7 +20843,7 @@
           <a:p>
             <a:fld id="{111EEF3B-ABF2-AA4E-9E24-0C6256942674}" type="datetime1">
               <a:rPr lang="en-US" smtClean="0"/>
-              <a:t>1/26/14</a:t>
+              <a:t>1/27/14</a:t>
             </a:fld>
             <a:endParaRPr lang="en-US"/>
           </a:p>
@@ -20521,89 +20919,37 @@
           <a:p>
             <a:r>
               <a:rPr lang="en-US" dirty="0" smtClean="0"/>
-              <a:t>Benefits of Steam + Leaf</a:t>
+              <a:t>Example of comparison</a:t>
             </a:r>
             <a:endParaRPr lang="en-US" dirty="0"/>
           </a:p>
         </p:txBody>
       </p:sp>
-      <p:sp>
-        <p:nvSpPr>
-          <p:cNvPr id="3" name="Content Placeholder 2"/>
-          <p:cNvSpPr>
-            <a:spLocks noGrp="1"/>
-          </p:cNvSpPr>
+      <p:pic>
+        <p:nvPicPr>
+          <p:cNvPr id="7" name="Content Placeholder 6" descr="Screen Shot 2014-01-26 at 9.49.16 PM.png"/>
+          <p:cNvPicPr>
+            <a:picLocks noGrp="1" noChangeAspect="1"/>
+          </p:cNvPicPr>
           <p:nvPr>
             <p:ph idx="1"/>
           </p:nvPr>
-        </p:nvSpPr>
+        </p:nvPicPr>
+        <p:blipFill>
+          <a:blip r:embed="rId2">
+            <a:extLst>
+              <a:ext uri="{28A0092B-C50C-407E-A947-70E740481C1C}">
+                <a14:useLocalDpi xmlns:a14="http://schemas.microsoft.com/office/drawing/2010/main" val="0"/>
+              </a:ext>
+            </a:extLst>
+          </a:blip>
+          <a:srcRect l="5818" r="5818"/>
+          <a:stretch>
+            <a:fillRect/>
+          </a:stretch>
+        </p:blipFill>
         <p:spPr/>
-        <p:txBody>
-          <a:bodyPr/>
-          <a:lstStyle/>
-          <a:p>
-            <a:r>
-              <a:rPr lang="en-US" dirty="0" smtClean="0"/>
-              <a:t>Quick &amp; easy to produce; very flexible</a:t>
-            </a:r>
-          </a:p>
-          <a:p>
-            <a:r>
-              <a:rPr lang="en-US" dirty="0" smtClean="0"/>
-              <a:t>Easy to annotate in all sorts of ways; use for comparison (of different samples); </a:t>
-            </a:r>
-            <a:r>
-              <a:rPr lang="en-US" dirty="0" err="1" smtClean="0"/>
-              <a:t>etc</a:t>
-            </a:r>
-            <a:endParaRPr lang="en-US" dirty="0" smtClean="0"/>
-          </a:p>
-          <a:p>
-            <a:endParaRPr lang="en-US" dirty="0" smtClean="0"/>
-          </a:p>
-          <a:p>
-            <a:r>
-              <a:rPr lang="en-US" dirty="0" smtClean="0"/>
-              <a:t>Help to highlight </a:t>
-            </a:r>
-            <a:r>
-              <a:rPr lang="en-US" dirty="0" err="1" smtClean="0"/>
-              <a:t>unsymmetric</a:t>
-            </a:r>
-            <a:r>
-              <a:rPr lang="en-US" dirty="0" smtClean="0"/>
-              <a:t> trailing off</a:t>
-            </a:r>
-          </a:p>
-          <a:p>
-            <a:r>
-              <a:rPr lang="en-US" dirty="0" smtClean="0"/>
-              <a:t>Help to highlight popular/unpopular values</a:t>
-            </a:r>
-          </a:p>
-          <a:p>
-            <a:r>
-              <a:rPr lang="en-US" dirty="0" smtClean="0"/>
-              <a:t>About where values are ‘centered’</a:t>
-            </a:r>
-          </a:p>
-          <a:p>
-            <a:r>
-              <a:rPr lang="en-US" dirty="0" smtClean="0"/>
-              <a:t>About how widely values are ‘spread’</a:t>
-            </a:r>
-          </a:p>
-          <a:p>
-            <a:endParaRPr lang="en-US" dirty="0"/>
-          </a:p>
-          <a:p>
-            <a:pPr marL="0" indent="0">
-              <a:buNone/>
-            </a:pPr>
-            <a:endParaRPr lang="en-US" dirty="0"/>
-          </a:p>
-        </p:txBody>
-      </p:sp>
+      </p:pic>
       <p:sp>
         <p:nvSpPr>
           <p:cNvPr id="4" name="Date Placeholder 3"/>
@@ -20621,7 +20967,7 @@
           <a:p>
             <a:fld id="{7053BEFA-1175-F644-B249-7D41D72BD3FF}" type="datetime1">
               <a:rPr lang="en-US" smtClean="0"/>
-              <a:t>1/26/14</a:t>
+              <a:t>1/27/14</a:t>
             </a:fld>
             <a:endParaRPr lang="en-US"/>
           </a:p>
@@ -20672,7 +21018,7 @@
     </p:spTree>
     <p:extLst>
       <p:ext uri="{BB962C8B-B14F-4D97-AF65-F5344CB8AC3E}">
-        <p14:creationId xmlns:p14="http://schemas.microsoft.com/office/powerpoint/2010/main" val="310164472"/>
+        <p14:creationId xmlns:p14="http://schemas.microsoft.com/office/powerpoint/2010/main" val="1712180392"/>
       </p:ext>
     </p:extLst>
   </p:cSld>
@@ -20716,8 +21062,85 @@
           <a:p>
             <a:r>
               <a:rPr lang="en-US" dirty="0" smtClean="0"/>
-              <a:t>Boxplot</a:t>
-            </a:r>
+              <a:t>Benefits of Steam + Leaf</a:t>
+            </a:r>
+            <a:endParaRPr lang="en-US" dirty="0"/>
+          </a:p>
+        </p:txBody>
+      </p:sp>
+      <p:sp>
+        <p:nvSpPr>
+          <p:cNvPr id="3" name="Content Placeholder 2"/>
+          <p:cNvSpPr>
+            <a:spLocks noGrp="1"/>
+          </p:cNvSpPr>
+          <p:nvPr>
+            <p:ph idx="1"/>
+          </p:nvPr>
+        </p:nvSpPr>
+        <p:spPr/>
+        <p:txBody>
+          <a:bodyPr/>
+          <a:lstStyle/>
+          <a:p>
+            <a:r>
+              <a:rPr lang="en-US" dirty="0" smtClean="0"/>
+              <a:t>Quick &amp; easy to produce; very flexible</a:t>
+            </a:r>
+          </a:p>
+          <a:p>
+            <a:r>
+              <a:rPr lang="en-US" dirty="0" smtClean="0"/>
+              <a:t>Easy to annotate in all sorts of ways; use for comparison (of different samples); </a:t>
+            </a:r>
+            <a:r>
+              <a:rPr lang="en-US" dirty="0" err="1" smtClean="0"/>
+              <a:t>etc</a:t>
+            </a:r>
+            <a:endParaRPr lang="en-US" dirty="0" smtClean="0"/>
+          </a:p>
+          <a:p>
+            <a:endParaRPr lang="en-US" dirty="0" smtClean="0"/>
+          </a:p>
+          <a:p>
+            <a:r>
+              <a:rPr lang="en-US" dirty="0" smtClean="0"/>
+              <a:t>Help to highlight </a:t>
+            </a:r>
+            <a:r>
+              <a:rPr lang="en-US" dirty="0" err="1" smtClean="0"/>
+              <a:t>unsymmetric</a:t>
+            </a:r>
+            <a:r>
+              <a:rPr lang="en-US" dirty="0" smtClean="0"/>
+              <a:t> trailing off</a:t>
+            </a:r>
+          </a:p>
+          <a:p>
+            <a:r>
+              <a:rPr lang="en-US" dirty="0" smtClean="0"/>
+              <a:t>Help to highlight popular/unpopular values</a:t>
+            </a:r>
+          </a:p>
+          <a:p>
+            <a:r>
+              <a:rPr lang="en-US" dirty="0" smtClean="0"/>
+              <a:t>About where values are ‘centered’</a:t>
+            </a:r>
+          </a:p>
+          <a:p>
+            <a:r>
+              <a:rPr lang="en-US" dirty="0" smtClean="0"/>
+              <a:t>About how widely values are ‘spread’</a:t>
+            </a:r>
+          </a:p>
+          <a:p>
+            <a:endParaRPr lang="en-US" dirty="0"/>
+          </a:p>
+          <a:p>
+            <a:pPr marL="0" indent="0">
+              <a:buNone/>
+            </a:pPr>
             <a:endParaRPr lang="en-US" dirty="0"/>
           </a:p>
         </p:txBody>
@@ -20739,7 +21162,7 @@
           <a:p>
             <a:fld id="{7053BEFA-1175-F644-B249-7D41D72BD3FF}" type="datetime1">
               <a:rPr lang="en-US" smtClean="0"/>
-              <a:t>1/26/14</a:t>
+              <a:t>1/27/14</a:t>
             </a:fld>
             <a:endParaRPr lang="en-US"/>
           </a:p>
@@ -20782,6 +21205,124 @@
             <a:fld id="{17E276FA-8F89-B34D-A726-BE3FA1F8DD97}" type="slidenum">
               <a:rPr lang="en-US" smtClean="0"/>
               <a:t>21</a:t>
+            </a:fld>
+            <a:endParaRPr lang="en-US" dirty="0"/>
+          </a:p>
+        </p:txBody>
+      </p:sp>
+    </p:spTree>
+    <p:extLst>
+      <p:ext uri="{BB962C8B-B14F-4D97-AF65-F5344CB8AC3E}">
+        <p14:creationId xmlns:p14="http://schemas.microsoft.com/office/powerpoint/2010/main" val="310164472"/>
+      </p:ext>
+    </p:extLst>
+  </p:cSld>
+  <p:clrMapOvr>
+    <a:masterClrMapping/>
+  </p:clrMapOvr>
+</p:sld>
+</file>
+
+<file path=ppt/slides/slide22.xml><?xml version="1.0" encoding="utf-8"?>
+<p:sld xmlns:a="http://schemas.openxmlformats.org/drawingml/2006/main" xmlns:r="http://schemas.openxmlformats.org/officeDocument/2006/relationships" xmlns:p="http://schemas.openxmlformats.org/presentationml/2006/main">
+  <p:cSld>
+    <p:spTree>
+      <p:nvGrpSpPr>
+        <p:cNvPr id="1" name=""/>
+        <p:cNvGrpSpPr/>
+        <p:nvPr/>
+      </p:nvGrpSpPr>
+      <p:grpSpPr>
+        <a:xfrm>
+          <a:off x="0" y="0"/>
+          <a:ext cx="0" cy="0"/>
+          <a:chOff x="0" y="0"/>
+          <a:chExt cx="0" cy="0"/>
+        </a:xfrm>
+      </p:grpSpPr>
+      <p:sp>
+        <p:nvSpPr>
+          <p:cNvPr id="2" name="Title 1"/>
+          <p:cNvSpPr>
+            <a:spLocks noGrp="1"/>
+          </p:cNvSpPr>
+          <p:nvPr>
+            <p:ph type="title"/>
+          </p:nvPr>
+        </p:nvSpPr>
+        <p:spPr/>
+        <p:txBody>
+          <a:bodyPr/>
+          <a:lstStyle/>
+          <a:p>
+            <a:r>
+              <a:rPr lang="en-US" dirty="0" smtClean="0"/>
+              <a:t>Boxplot</a:t>
+            </a:r>
+            <a:endParaRPr lang="en-US" dirty="0"/>
+          </a:p>
+        </p:txBody>
+      </p:sp>
+      <p:sp>
+        <p:nvSpPr>
+          <p:cNvPr id="4" name="Date Placeholder 3"/>
+          <p:cNvSpPr>
+            <a:spLocks noGrp="1"/>
+          </p:cNvSpPr>
+          <p:nvPr>
+            <p:ph type="dt" sz="half" idx="10"/>
+          </p:nvPr>
+        </p:nvSpPr>
+        <p:spPr/>
+        <p:txBody>
+          <a:bodyPr/>
+          <a:lstStyle/>
+          <a:p>
+            <a:fld id="{7053BEFA-1175-F644-B249-7D41D72BD3FF}" type="datetime1">
+              <a:rPr lang="en-US" smtClean="0"/>
+              <a:t>1/27/14</a:t>
+            </a:fld>
+            <a:endParaRPr lang="en-US"/>
+          </a:p>
+        </p:txBody>
+      </p:sp>
+      <p:sp>
+        <p:nvSpPr>
+          <p:cNvPr id="5" name="Footer Placeholder 4"/>
+          <p:cNvSpPr>
+            <a:spLocks noGrp="1"/>
+          </p:cNvSpPr>
+          <p:nvPr>
+            <p:ph type="ftr" sz="quarter" idx="11"/>
+          </p:nvPr>
+        </p:nvSpPr>
+        <p:spPr/>
+        <p:txBody>
+          <a:bodyPr/>
+          <a:lstStyle/>
+          <a:p>
+            <a:endParaRPr lang="en-US" dirty="0"/>
+          </a:p>
+        </p:txBody>
+      </p:sp>
+      <p:sp>
+        <p:nvSpPr>
+          <p:cNvPr id="6" name="Slide Number Placeholder 5"/>
+          <p:cNvSpPr>
+            <a:spLocks noGrp="1"/>
+          </p:cNvSpPr>
+          <p:nvPr>
+            <p:ph type="sldNum" sz="quarter" idx="12"/>
+          </p:nvPr>
+        </p:nvSpPr>
+        <p:spPr/>
+        <p:txBody>
+          <a:bodyPr/>
+          <a:lstStyle/>
+          <a:p>
+            <a:fld id="{17E276FA-8F89-B34D-A726-BE3FA1F8DD97}" type="slidenum">
+              <a:rPr lang="en-US" smtClean="0"/>
+              <a:t>22</a:t>
             </a:fld>
             <a:endParaRPr lang="en-US" dirty="0"/>
           </a:p>
@@ -20825,7 +21366,7 @@
 </p:sld>
 </file>
 
-<file path=ppt/slides/slide22.xml><?xml version="1.0" encoding="utf-8"?>
+<file path=ppt/slides/slide23.xml><?xml version="1.0" encoding="utf-8"?>
 <p:sld xmlns:a="http://schemas.openxmlformats.org/drawingml/2006/main" xmlns:r="http://schemas.openxmlformats.org/officeDocument/2006/relationships" xmlns:p="http://schemas.openxmlformats.org/presentationml/2006/main">
   <p:cSld>
     <p:spTree>
@@ -20882,7 +21423,7 @@
           <a:p>
             <a:fld id="{7053BEFA-1175-F644-B249-7D41D72BD3FF}" type="datetime1">
               <a:rPr lang="en-US" smtClean="0"/>
-              <a:t>1/26/14</a:t>
+              <a:t>1/27/14</a:t>
             </a:fld>
             <a:endParaRPr lang="en-US"/>
           </a:p>
@@ -20924,7 +21465,7 @@
           <a:p>
             <a:fld id="{17E276FA-8F89-B34D-A726-BE3FA1F8DD97}" type="slidenum">
               <a:rPr lang="en-US" smtClean="0"/>
-              <a:t>22</a:t>
+              <a:t>23</a:t>
             </a:fld>
             <a:endParaRPr lang="en-US" dirty="0"/>
           </a:p>
@@ -20968,155 +21509,6 @@
 </p:sld>
 </file>
 
-<file path=ppt/slides/slide23.xml><?xml version="1.0" encoding="utf-8"?>
-<p:sld xmlns:a="http://schemas.openxmlformats.org/drawingml/2006/main" xmlns:r="http://schemas.openxmlformats.org/officeDocument/2006/relationships" xmlns:p="http://schemas.openxmlformats.org/presentationml/2006/main">
-  <p:cSld>
-    <p:spTree>
-      <p:nvGrpSpPr>
-        <p:cNvPr id="1" name=""/>
-        <p:cNvGrpSpPr/>
-        <p:nvPr/>
-      </p:nvGrpSpPr>
-      <p:grpSpPr>
-        <a:xfrm>
-          <a:off x="0" y="0"/>
-          <a:ext cx="0" cy="0"/>
-          <a:chOff x="0" y="0"/>
-          <a:chExt cx="0" cy="0"/>
-        </a:xfrm>
-      </p:grpSpPr>
-      <p:sp>
-        <p:nvSpPr>
-          <p:cNvPr id="2" name="Title 1"/>
-          <p:cNvSpPr>
-            <a:spLocks noGrp="1"/>
-          </p:cNvSpPr>
-          <p:nvPr>
-            <p:ph type="title"/>
-          </p:nvPr>
-        </p:nvSpPr>
-        <p:spPr/>
-        <p:txBody>
-          <a:bodyPr/>
-          <a:lstStyle/>
-          <a:p>
-            <a:r>
-              <a:rPr lang="en-US" dirty="0" smtClean="0"/>
-              <a:t>Boxplots good/bad</a:t>
-            </a:r>
-            <a:endParaRPr lang="en-US" dirty="0"/>
-          </a:p>
-        </p:txBody>
-      </p:sp>
-      <p:sp>
-        <p:nvSpPr>
-          <p:cNvPr id="3" name="Content Placeholder 2"/>
-          <p:cNvSpPr>
-            <a:spLocks noGrp="1"/>
-          </p:cNvSpPr>
-          <p:nvPr>
-            <p:ph idx="1"/>
-          </p:nvPr>
-        </p:nvSpPr>
-        <p:spPr/>
-        <p:txBody>
-          <a:bodyPr/>
-          <a:lstStyle/>
-          <a:p>
-            <a:r>
-              <a:rPr lang="en-US" dirty="0"/>
-              <a:t>Boxplots make comparison really easy … </a:t>
-            </a:r>
-          </a:p>
-          <a:p>
-            <a:r>
-              <a:rPr lang="en-US" dirty="0"/>
-              <a:t>Can also show certain types of unexpected structure (e.g. variance variance)</a:t>
-            </a:r>
-          </a:p>
-          <a:p>
-            <a:endParaRPr lang="en-US" dirty="0"/>
-          </a:p>
-        </p:txBody>
-      </p:sp>
-      <p:sp>
-        <p:nvSpPr>
-          <p:cNvPr id="4" name="Date Placeholder 3"/>
-          <p:cNvSpPr>
-            <a:spLocks noGrp="1"/>
-          </p:cNvSpPr>
-          <p:nvPr>
-            <p:ph type="dt" sz="half" idx="10"/>
-          </p:nvPr>
-        </p:nvSpPr>
-        <p:spPr/>
-        <p:txBody>
-          <a:bodyPr/>
-          <a:lstStyle/>
-          <a:p>
-            <a:fld id="{7053BEFA-1175-F644-B249-7D41D72BD3FF}" type="datetime1">
-              <a:rPr lang="en-US" smtClean="0"/>
-              <a:t>1/26/14</a:t>
-            </a:fld>
-            <a:endParaRPr lang="en-US"/>
-          </a:p>
-        </p:txBody>
-      </p:sp>
-      <p:sp>
-        <p:nvSpPr>
-          <p:cNvPr id="5" name="Footer Placeholder 4"/>
-          <p:cNvSpPr>
-            <a:spLocks noGrp="1"/>
-          </p:cNvSpPr>
-          <p:nvPr>
-            <p:ph type="ftr" sz="quarter" idx="11"/>
-          </p:nvPr>
-        </p:nvSpPr>
-        <p:spPr/>
-        <p:txBody>
-          <a:bodyPr/>
-          <a:lstStyle/>
-          <a:p>
-            <a:endParaRPr lang="en-US" dirty="0"/>
-          </a:p>
-        </p:txBody>
-      </p:sp>
-      <p:sp>
-        <p:nvSpPr>
-          <p:cNvPr id="6" name="Slide Number Placeholder 5"/>
-          <p:cNvSpPr>
-            <a:spLocks noGrp="1"/>
-          </p:cNvSpPr>
-          <p:nvPr>
-            <p:ph type="sldNum" sz="quarter" idx="12"/>
-          </p:nvPr>
-        </p:nvSpPr>
-        <p:spPr/>
-        <p:txBody>
-          <a:bodyPr/>
-          <a:lstStyle/>
-          <a:p>
-            <a:fld id="{17E276FA-8F89-B34D-A726-BE3FA1F8DD97}" type="slidenum">
-              <a:rPr lang="en-US" smtClean="0"/>
-              <a:t>23</a:t>
-            </a:fld>
-            <a:endParaRPr lang="en-US" dirty="0"/>
-          </a:p>
-        </p:txBody>
-      </p:sp>
-    </p:spTree>
-    <p:extLst>
-      <p:ext uri="{BB962C8B-B14F-4D97-AF65-F5344CB8AC3E}">
-        <p14:creationId xmlns:p14="http://schemas.microsoft.com/office/powerpoint/2010/main" val="1856013120"/>
-      </p:ext>
-    </p:extLst>
-  </p:cSld>
-  <p:clrMapOvr>
-    <a:masterClrMapping/>
-  </p:clrMapOvr>
-</p:sld>
-</file>
-
 <file path=ppt/slides/slide24.xml><?xml version="1.0" encoding="utf-8"?>
 <p:sld xmlns:a="http://schemas.openxmlformats.org/drawingml/2006/main" xmlns:r="http://schemas.openxmlformats.org/officeDocument/2006/relationships" xmlns:p="http://schemas.openxmlformats.org/presentationml/2006/main">
   <p:cSld>
@@ -21144,6 +21536,155 @@
             <p:ph type="title"/>
           </p:nvPr>
         </p:nvSpPr>
+        <p:spPr/>
+        <p:txBody>
+          <a:bodyPr/>
+          <a:lstStyle/>
+          <a:p>
+            <a:r>
+              <a:rPr lang="en-US" dirty="0" smtClean="0"/>
+              <a:t>Boxplots good/bad</a:t>
+            </a:r>
+            <a:endParaRPr lang="en-US" dirty="0"/>
+          </a:p>
+        </p:txBody>
+      </p:sp>
+      <p:sp>
+        <p:nvSpPr>
+          <p:cNvPr id="3" name="Content Placeholder 2"/>
+          <p:cNvSpPr>
+            <a:spLocks noGrp="1"/>
+          </p:cNvSpPr>
+          <p:nvPr>
+            <p:ph idx="1"/>
+          </p:nvPr>
+        </p:nvSpPr>
+        <p:spPr/>
+        <p:txBody>
+          <a:bodyPr/>
+          <a:lstStyle/>
+          <a:p>
+            <a:r>
+              <a:rPr lang="en-US" dirty="0"/>
+              <a:t>Boxplots make comparison really easy … </a:t>
+            </a:r>
+          </a:p>
+          <a:p>
+            <a:r>
+              <a:rPr lang="en-US" dirty="0"/>
+              <a:t>Can also show certain types of unexpected structure (e.g. variance variance)</a:t>
+            </a:r>
+          </a:p>
+          <a:p>
+            <a:endParaRPr lang="en-US" dirty="0"/>
+          </a:p>
+        </p:txBody>
+      </p:sp>
+      <p:sp>
+        <p:nvSpPr>
+          <p:cNvPr id="4" name="Date Placeholder 3"/>
+          <p:cNvSpPr>
+            <a:spLocks noGrp="1"/>
+          </p:cNvSpPr>
+          <p:nvPr>
+            <p:ph type="dt" sz="half" idx="10"/>
+          </p:nvPr>
+        </p:nvSpPr>
+        <p:spPr/>
+        <p:txBody>
+          <a:bodyPr/>
+          <a:lstStyle/>
+          <a:p>
+            <a:fld id="{7053BEFA-1175-F644-B249-7D41D72BD3FF}" type="datetime1">
+              <a:rPr lang="en-US" smtClean="0"/>
+              <a:t>1/27/14</a:t>
+            </a:fld>
+            <a:endParaRPr lang="en-US"/>
+          </a:p>
+        </p:txBody>
+      </p:sp>
+      <p:sp>
+        <p:nvSpPr>
+          <p:cNvPr id="5" name="Footer Placeholder 4"/>
+          <p:cNvSpPr>
+            <a:spLocks noGrp="1"/>
+          </p:cNvSpPr>
+          <p:nvPr>
+            <p:ph type="ftr" sz="quarter" idx="11"/>
+          </p:nvPr>
+        </p:nvSpPr>
+        <p:spPr/>
+        <p:txBody>
+          <a:bodyPr/>
+          <a:lstStyle/>
+          <a:p>
+            <a:endParaRPr lang="en-US" dirty="0"/>
+          </a:p>
+        </p:txBody>
+      </p:sp>
+      <p:sp>
+        <p:nvSpPr>
+          <p:cNvPr id="6" name="Slide Number Placeholder 5"/>
+          <p:cNvSpPr>
+            <a:spLocks noGrp="1"/>
+          </p:cNvSpPr>
+          <p:nvPr>
+            <p:ph type="sldNum" sz="quarter" idx="12"/>
+          </p:nvPr>
+        </p:nvSpPr>
+        <p:spPr/>
+        <p:txBody>
+          <a:bodyPr/>
+          <a:lstStyle/>
+          <a:p>
+            <a:fld id="{17E276FA-8F89-B34D-A726-BE3FA1F8DD97}" type="slidenum">
+              <a:rPr lang="en-US" smtClean="0"/>
+              <a:t>24</a:t>
+            </a:fld>
+            <a:endParaRPr lang="en-US" dirty="0"/>
+          </a:p>
+        </p:txBody>
+      </p:sp>
+    </p:spTree>
+    <p:extLst>
+      <p:ext uri="{BB962C8B-B14F-4D97-AF65-F5344CB8AC3E}">
+        <p14:creationId xmlns:p14="http://schemas.microsoft.com/office/powerpoint/2010/main" val="1856013120"/>
+      </p:ext>
+    </p:extLst>
+  </p:cSld>
+  <p:clrMapOvr>
+    <a:masterClrMapping/>
+  </p:clrMapOvr>
+</p:sld>
+</file>
+
+<file path=ppt/slides/slide25.xml><?xml version="1.0" encoding="utf-8"?>
+<p:sld xmlns:a="http://schemas.openxmlformats.org/drawingml/2006/main" xmlns:r="http://schemas.openxmlformats.org/officeDocument/2006/relationships" xmlns:p="http://schemas.openxmlformats.org/presentationml/2006/main">
+  <p:cSld>
+    <p:spTree>
+      <p:nvGrpSpPr>
+        <p:cNvPr id="1" name=""/>
+        <p:cNvGrpSpPr/>
+        <p:nvPr/>
+      </p:nvGrpSpPr>
+      <p:grpSpPr>
+        <a:xfrm>
+          <a:off x="0" y="0"/>
+          <a:ext cx="0" cy="0"/>
+          <a:chOff x="0" y="0"/>
+          <a:chExt cx="0" cy="0"/>
+        </a:xfrm>
+      </p:grpSpPr>
+      <p:sp>
+        <p:nvSpPr>
+          <p:cNvPr id="2" name="Title 1"/>
+          <p:cNvSpPr>
+            <a:spLocks noGrp="1"/>
+          </p:cNvSpPr>
+          <p:nvPr>
+            <p:ph type="title"/>
+          </p:nvPr>
+        </p:nvSpPr>
         <p:spPr>
           <a:xfrm>
             <a:off x="954132" y="310162"/>
@@ -21190,11 +21731,7 @@
           <a:p>
             <a:r>
               <a:rPr lang="en-US" dirty="0" smtClean="0"/>
-              <a:t>Example </a:t>
-            </a:r>
-            <a:r>
-              <a:rPr lang="en-US" dirty="0" smtClean="0"/>
-              <a:t>distributions: </a:t>
+              <a:t>Example distributions: </a:t>
             </a:r>
             <a:endParaRPr lang="en-US" dirty="0"/>
           </a:p>
@@ -21217,7 +21754,7 @@
           <a:p>
             <a:fld id="{7053BEFA-1175-F644-B249-7D41D72BD3FF}" type="datetime1">
               <a:rPr lang="en-US" smtClean="0"/>
-              <a:t>1/26/14</a:t>
+              <a:t>1/27/14</a:t>
             </a:fld>
             <a:endParaRPr lang="en-US"/>
           </a:p>
@@ -21259,7 +21796,7 @@
           <a:p>
             <a:fld id="{17E276FA-8F89-B34D-A726-BE3FA1F8DD97}" type="slidenum">
               <a:rPr lang="en-US" smtClean="0"/>
-              <a:t>24</a:t>
+              <a:t>25</a:t>
             </a:fld>
             <a:endParaRPr lang="en-US" dirty="0"/>
           </a:p>
@@ -21447,7 +21984,7 @@
 </p:sld>
 </file>
 
-<file path=ppt/slides/slide25.xml><?xml version="1.0" encoding="utf-8"?>
+<file path=ppt/slides/slide26.xml><?xml version="1.0" encoding="utf-8"?>
 <p:sld xmlns:a="http://schemas.openxmlformats.org/drawingml/2006/main" xmlns:r="http://schemas.openxmlformats.org/officeDocument/2006/relationships" xmlns:p="http://schemas.openxmlformats.org/presentationml/2006/main">
   <p:cSld>
     <p:spTree>
@@ -21504,7 +22041,7 @@
           <a:p>
             <a:fld id="{7053BEFA-1175-F644-B249-7D41D72BD3FF}" type="datetime1">
               <a:rPr lang="en-US" smtClean="0"/>
-              <a:t>1/26/14</a:t>
+              <a:t>1/27/14</a:t>
             </a:fld>
             <a:endParaRPr lang="en-US"/>
           </a:p>
@@ -21546,7 +22083,7 @@
           <a:p>
             <a:fld id="{17E276FA-8F89-B34D-A726-BE3FA1F8DD97}" type="slidenum">
               <a:rPr lang="en-US" smtClean="0"/>
-              <a:t>25</a:t>
+              <a:t>26</a:t>
             </a:fld>
             <a:endParaRPr lang="en-US" dirty="0"/>
           </a:p>
@@ -21733,175 +22270,6 @@
 </p:sld>
 </file>
 
-<file path=ppt/slides/slide26.xml><?xml version="1.0" encoding="utf-8"?>
-<p:sld xmlns:a="http://schemas.openxmlformats.org/drawingml/2006/main" xmlns:r="http://schemas.openxmlformats.org/officeDocument/2006/relationships" xmlns:p="http://schemas.openxmlformats.org/presentationml/2006/main">
-  <p:cSld>
-    <p:spTree>
-      <p:nvGrpSpPr>
-        <p:cNvPr id="1" name=""/>
-        <p:cNvGrpSpPr/>
-        <p:nvPr/>
-      </p:nvGrpSpPr>
-      <p:grpSpPr>
-        <a:xfrm>
-          <a:off x="0" y="0"/>
-          <a:ext cx="0" cy="0"/>
-          <a:chOff x="0" y="0"/>
-          <a:chExt cx="0" cy="0"/>
-        </a:xfrm>
-      </p:grpSpPr>
-      <p:sp>
-        <p:nvSpPr>
-          <p:cNvPr id="2" name="Title 1"/>
-          <p:cNvSpPr>
-            <a:spLocks noGrp="1"/>
-          </p:cNvSpPr>
-          <p:nvPr>
-            <p:ph type="title"/>
-          </p:nvPr>
-        </p:nvSpPr>
-        <p:spPr/>
-        <p:txBody>
-          <a:bodyPr/>
-          <a:lstStyle/>
-          <a:p>
-            <a:r>
-              <a:rPr lang="en-US" dirty="0" smtClean="0"/>
-              <a:t>When might we expect a Normal distribution?</a:t>
-            </a:r>
-            <a:endParaRPr lang="en-US" dirty="0"/>
-          </a:p>
-        </p:txBody>
-      </p:sp>
-      <p:sp>
-        <p:nvSpPr>
-          <p:cNvPr id="7" name="Content Placeholder 6"/>
-          <p:cNvSpPr>
-            <a:spLocks noGrp="1"/>
-          </p:cNvSpPr>
-          <p:nvPr>
-            <p:ph idx="1"/>
-          </p:nvPr>
-        </p:nvSpPr>
-        <p:spPr/>
-        <p:txBody>
-          <a:bodyPr/>
-          <a:lstStyle/>
-          <a:p>
-            <a:pPr marL="0" indent="0">
-              <a:buNone/>
-            </a:pPr>
-            <a:r>
-              <a:rPr lang="en-US" dirty="0"/>
-              <a:t>Central limit theorem: Sum of </a:t>
-            </a:r>
-            <a:r>
-              <a:rPr lang="en-US" i="1" dirty="0"/>
-              <a:t>independent </a:t>
-            </a:r>
-            <a:r>
-              <a:rPr lang="en-US" dirty="0"/>
-              <a:t>and </a:t>
-            </a:r>
-            <a:r>
-              <a:rPr lang="en-US" i="1" dirty="0"/>
-              <a:t>identically distributed </a:t>
-            </a:r>
-            <a:r>
-              <a:rPr lang="en-US" b="1" i="1" dirty="0"/>
-              <a:t>random variables </a:t>
-            </a:r>
-            <a:r>
-              <a:rPr lang="en-US" dirty="0"/>
-              <a:t>will converge to normal</a:t>
-            </a:r>
-          </a:p>
-          <a:p>
-            <a:pPr marL="0" indent="0">
-              <a:buNone/>
-            </a:pPr>
-            <a:endParaRPr lang="en-US" dirty="0"/>
-          </a:p>
-        </p:txBody>
-      </p:sp>
-      <p:sp>
-        <p:nvSpPr>
-          <p:cNvPr id="4" name="Date Placeholder 3"/>
-          <p:cNvSpPr>
-            <a:spLocks noGrp="1"/>
-          </p:cNvSpPr>
-          <p:nvPr>
-            <p:ph type="dt" sz="half" idx="10"/>
-          </p:nvPr>
-        </p:nvSpPr>
-        <p:spPr/>
-        <p:txBody>
-          <a:bodyPr/>
-          <a:lstStyle/>
-          <a:p>
-            <a:fld id="{7053BEFA-1175-F644-B249-7D41D72BD3FF}" type="datetime1">
-              <a:rPr lang="en-US" smtClean="0"/>
-              <a:t>1/26/14</a:t>
-            </a:fld>
-            <a:endParaRPr lang="en-US"/>
-          </a:p>
-        </p:txBody>
-      </p:sp>
-      <p:sp>
-        <p:nvSpPr>
-          <p:cNvPr id="5" name="Footer Placeholder 4"/>
-          <p:cNvSpPr>
-            <a:spLocks noGrp="1"/>
-          </p:cNvSpPr>
-          <p:nvPr>
-            <p:ph type="ftr" sz="quarter" idx="11"/>
-          </p:nvPr>
-        </p:nvSpPr>
-        <p:spPr/>
-        <p:txBody>
-          <a:bodyPr/>
-          <a:lstStyle/>
-          <a:p>
-            <a:endParaRPr lang="en-US" dirty="0"/>
-          </a:p>
-        </p:txBody>
-      </p:sp>
-      <p:sp>
-        <p:nvSpPr>
-          <p:cNvPr id="6" name="Slide Number Placeholder 5"/>
-          <p:cNvSpPr>
-            <a:spLocks noGrp="1"/>
-          </p:cNvSpPr>
-          <p:nvPr>
-            <p:ph type="sldNum" sz="quarter" idx="12"/>
-          </p:nvPr>
-        </p:nvSpPr>
-        <p:spPr/>
-        <p:txBody>
-          <a:bodyPr/>
-          <a:lstStyle/>
-          <a:p>
-            <a:fld id="{17E276FA-8F89-B34D-A726-BE3FA1F8DD97}" type="slidenum">
-              <a:rPr lang="en-US" smtClean="0"/>
-              <a:t>26</a:t>
-            </a:fld>
-            <a:endParaRPr lang="en-US" dirty="0"/>
-          </a:p>
-        </p:txBody>
-      </p:sp>
-    </p:spTree>
-    <p:extLst>
-      <p:ext uri="{BB962C8B-B14F-4D97-AF65-F5344CB8AC3E}">
-        <p14:creationId xmlns:p14="http://schemas.microsoft.com/office/powerpoint/2010/main" val="384715267"/>
-      </p:ext>
-    </p:extLst>
-  </p:cSld>
-  <p:clrMapOvr>
-    <a:masterClrMapping/>
-  </p:clrMapOvr>
-</p:sld>
-</file>
-
 <file path=ppt/slides/slide27.xml><?xml version="1.0" encoding="utf-8"?>
 <p:sld xmlns:a="http://schemas.openxmlformats.org/drawingml/2006/main" xmlns:r="http://schemas.openxmlformats.org/officeDocument/2006/relationships" xmlns:p="http://schemas.openxmlformats.org/presentationml/2006/main">
   <p:cSld>
@@ -21936,7 +22304,7 @@
           <a:p>
             <a:r>
               <a:rPr lang="en-US" dirty="0" smtClean="0"/>
-              <a:t>Random Variable</a:t>
+              <a:t>When might we expect a Normal distribution?</a:t>
             </a:r>
             <a:endParaRPr lang="en-US" dirty="0"/>
           </a:p>
@@ -21944,7 +22312,7 @@
       </p:sp>
       <p:sp>
         <p:nvSpPr>
-          <p:cNvPr id="3" name="Content Placeholder 2"/>
+          <p:cNvPr id="7" name="Content Placeholder 6"/>
           <p:cNvSpPr>
             <a:spLocks noGrp="1"/>
           </p:cNvSpPr>
@@ -21952,12 +22320,7 @@
             <p:ph idx="1"/>
           </p:nvPr>
         </p:nvSpPr>
-        <p:spPr>
-          <a:xfrm>
-            <a:off x="954132" y="1847153"/>
-            <a:ext cx="7223615" cy="4379976"/>
-          </a:xfrm>
-        </p:spPr>
+        <p:spPr/>
         <p:txBody>
           <a:bodyPr/>
           <a:lstStyle/>
@@ -21966,44 +22329,35 @@
               <a:buNone/>
             </a:pPr>
             <a:r>
-              <a:rPr lang="en-US" dirty="0" smtClean="0"/>
-              <a:t>Value varies (</a:t>
-            </a:r>
-            <a:r>
-              <a:rPr lang="en-US" i="1" dirty="0" smtClean="0"/>
-              <a:t>e.g. </a:t>
-            </a:r>
-            <a:r>
-              <a:rPr lang="en-US" dirty="0" smtClean="0"/>
-              <a:t>possible outcomes of an experiment)</a:t>
+              <a:rPr lang="en-US" dirty="0"/>
+              <a:t>Central limit theorem: Sum of </a:t>
+            </a:r>
+            <a:r>
+              <a:rPr lang="en-US" i="1" dirty="0"/>
+              <a:t>independent </a:t>
+            </a:r>
+            <a:r>
+              <a:rPr lang="en-US" dirty="0"/>
+              <a:t>and </a:t>
+            </a:r>
+            <a:r>
+              <a:rPr lang="en-US" i="1" dirty="0"/>
+              <a:t>identically distributed </a:t>
+            </a:r>
+            <a:r>
+              <a:rPr lang="en-US" b="1" i="1" dirty="0"/>
+              <a:t>random variables </a:t>
+            </a:r>
+            <a:r>
+              <a:rPr lang="en-US" dirty="0"/>
+              <a:t>will converge to normal</a:t>
             </a:r>
           </a:p>
           <a:p>
             <a:pPr marL="0" indent="0">
               <a:buNone/>
             </a:pPr>
-            <a:r>
-              <a:rPr lang="en-US" dirty="0" smtClean="0"/>
-              <a:t>Modeled as a </a:t>
-            </a:r>
-            <a:r>
-              <a:rPr lang="en-US" i="1" dirty="0" smtClean="0"/>
-              <a:t>distribution</a:t>
-            </a:r>
-          </a:p>
-          <a:p>
-            <a:pPr lvl="1"/>
-            <a:r>
-              <a:rPr lang="en-US" dirty="0" smtClean="0"/>
-              <a:t>Discrete values (“Probability Mass Function”) - typically values and weights</a:t>
-            </a:r>
-          </a:p>
-          <a:p>
-            <a:pPr lvl="1"/>
-            <a:r>
-              <a:rPr lang="en-US" dirty="0" smtClean="0"/>
-              <a:t>Continues values (“Probability Density Function”) – typically a function</a:t>
-            </a:r>
+            <a:endParaRPr lang="en-US" dirty="0"/>
           </a:p>
         </p:txBody>
       </p:sp>
@@ -22024,7 +22378,7 @@
           <a:p>
             <a:fld id="{7053BEFA-1175-F644-B249-7D41D72BD3FF}" type="datetime1">
               <a:rPr lang="en-US" smtClean="0"/>
-              <a:t>1/26/14</a:t>
+              <a:t>1/27/14</a:t>
             </a:fld>
             <a:endParaRPr lang="en-US"/>
           </a:p>
@@ -22075,7 +22429,7 @@
     </p:spTree>
     <p:extLst>
       <p:ext uri="{BB962C8B-B14F-4D97-AF65-F5344CB8AC3E}">
-        <p14:creationId xmlns:p14="http://schemas.microsoft.com/office/powerpoint/2010/main" val="3092281358"/>
+        <p14:creationId xmlns:p14="http://schemas.microsoft.com/office/powerpoint/2010/main" val="384715267"/>
       </p:ext>
     </p:extLst>
   </p:cSld>
@@ -22104,43 +22458,43 @@
       </p:grpSpPr>
       <p:sp>
         <p:nvSpPr>
-          <p:cNvPr id="10" name="Title 9"/>
+          <p:cNvPr id="2" name="Title 1"/>
           <p:cNvSpPr>
             <a:spLocks noGrp="1"/>
           </p:cNvSpPr>
           <p:nvPr>
             <p:ph type="title"/>
+          </p:nvPr>
+        </p:nvSpPr>
+        <p:spPr/>
+        <p:txBody>
+          <a:bodyPr/>
+          <a:lstStyle/>
+          <a:p>
+            <a:r>
+              <a:rPr lang="en-US" dirty="0" smtClean="0"/>
+              <a:t>Random Variable</a:t>
+            </a:r>
+            <a:endParaRPr lang="en-US" dirty="0"/>
+          </a:p>
+        </p:txBody>
+      </p:sp>
+      <p:sp>
+        <p:nvSpPr>
+          <p:cNvPr id="3" name="Content Placeholder 2"/>
+          <p:cNvSpPr>
+            <a:spLocks noGrp="1"/>
+          </p:cNvSpPr>
+          <p:nvPr>
+            <p:ph idx="1"/>
           </p:nvPr>
         </p:nvSpPr>
         <p:spPr>
           <a:xfrm>
-            <a:off x="465996" y="310162"/>
-            <a:ext cx="7882681" cy="990107"/>
+            <a:off x="954132" y="1847153"/>
+            <a:ext cx="7223615" cy="4379976"/>
           </a:xfrm>
         </p:spPr>
-        <p:txBody>
-          <a:bodyPr/>
-          <a:lstStyle/>
-          <a:p>
-            <a:r>
-              <a:rPr lang="en-US" dirty="0" smtClean="0"/>
-              <a:t>Independent				Identically Distributed</a:t>
-            </a:r>
-            <a:endParaRPr lang="en-US" dirty="0"/>
-          </a:p>
-        </p:txBody>
-      </p:sp>
-      <p:sp>
-        <p:nvSpPr>
-          <p:cNvPr id="3" name="Content Placeholder 2"/>
-          <p:cNvSpPr>
-            <a:spLocks noGrp="1"/>
-          </p:cNvSpPr>
-          <p:nvPr>
-            <p:ph sz="half" idx="1"/>
-          </p:nvPr>
-        </p:nvSpPr>
-        <p:spPr/>
         <p:txBody>
           <a:bodyPr/>
           <a:lstStyle/>
@@ -22149,79 +22503,44 @@
               <a:buNone/>
             </a:pPr>
             <a:r>
-              <a:rPr lang="en-US" sz="2800" dirty="0" smtClean="0"/>
-              <a:t>Are the observations independent of each other? </a:t>
-            </a:r>
-          </a:p>
-          <a:p>
-            <a:pPr lvl="1"/>
-            <a:r>
-              <a:rPr lang="en-US" sz="2400" dirty="0" smtClean="0"/>
-              <a:t>Do they directly influence each other </a:t>
-            </a:r>
-          </a:p>
-          <a:p>
-            <a:pPr lvl="1"/>
-            <a:r>
-              <a:rPr lang="en-US" sz="2400" dirty="0" smtClean="0"/>
-              <a:t>Are they both influenced by a shared hidden confounding variable?</a:t>
-            </a:r>
-          </a:p>
-        </p:txBody>
-      </p:sp>
-      <p:sp>
-        <p:nvSpPr>
-          <p:cNvPr id="9" name="Content Placeholder 8"/>
-          <p:cNvSpPr>
-            <a:spLocks noGrp="1"/>
-          </p:cNvSpPr>
-          <p:nvPr>
-            <p:ph sz="half" idx="2"/>
-          </p:nvPr>
-        </p:nvSpPr>
-        <p:spPr/>
-        <p:txBody>
-          <a:bodyPr/>
-          <a:lstStyle/>
+              <a:rPr lang="en-US" dirty="0" smtClean="0"/>
+              <a:t>Value varies (</a:t>
+            </a:r>
+            <a:r>
+              <a:rPr lang="en-US" i="1" dirty="0" smtClean="0"/>
+              <a:t>e.g. </a:t>
+            </a:r>
+            <a:r>
+              <a:rPr lang="en-US" dirty="0" smtClean="0"/>
+              <a:t>possible outcomes of an experiment)</a:t>
+            </a:r>
+          </a:p>
           <a:p>
             <a:pPr marL="0" indent="0">
               <a:buNone/>
             </a:pPr>
             <a:r>
-              <a:rPr lang="en-US" sz="2800" dirty="0" smtClean="0"/>
-              <a:t>Are the random variables identically distributed? </a:t>
-            </a:r>
-          </a:p>
-          <a:p>
-            <a:pPr lvl="2"/>
-            <a:r>
-              <a:rPr lang="en-US" sz="2400" dirty="0" smtClean="0"/>
-              <a:t>Is the variance equivalent</a:t>
-            </a:r>
-          </a:p>
-          <a:p>
-            <a:pPr lvl="2"/>
-            <a:r>
-              <a:rPr lang="en-US" sz="2400" dirty="0" smtClean="0"/>
-              <a:t>Are the min/max/SD equivalent</a:t>
-            </a:r>
-          </a:p>
-          <a:p>
-            <a:pPr lvl="2"/>
-            <a:r>
-              <a:rPr lang="en-US" sz="2400" dirty="0" smtClean="0"/>
-              <a:t>Kolmogorov-Smirnov Test</a:t>
-            </a:r>
-          </a:p>
-          <a:p>
-            <a:pPr lvl="2"/>
-            <a:endParaRPr lang="en-US" sz="2400" dirty="0" smtClean="0"/>
-          </a:p>
-          <a:p>
-            <a:pPr marL="0" indent="0">
-              <a:buNone/>
-            </a:pPr>
-            <a:endParaRPr lang="en-US" sz="2800" dirty="0"/>
+              <a:rPr lang="en-US" dirty="0" smtClean="0"/>
+              <a:t>Modeled as a </a:t>
+            </a:r>
+            <a:r>
+              <a:rPr lang="en-US" i="1" dirty="0" smtClean="0"/>
+              <a:t>distribution</a:t>
+            </a:r>
+          </a:p>
+          <a:p>
+            <a:pPr lvl="1"/>
+            <a:r>
+              <a:rPr lang="en-US" dirty="0" smtClean="0"/>
+              <a:t>Discrete values (“Probability Mass Function”) - typically values and weights</a:t>
+            </a:r>
+          </a:p>
+          <a:p>
+            <a:pPr lvl="1"/>
+            <a:r>
+              <a:rPr lang="en-US" dirty="0" smtClean="0"/>
+              <a:t>Continues values (“Probability Density Function”) – typically a function</a:t>
+            </a:r>
           </a:p>
         </p:txBody>
       </p:sp>
@@ -22242,7 +22561,7 @@
           <a:p>
             <a:fld id="{7053BEFA-1175-F644-B249-7D41D72BD3FF}" type="datetime1">
               <a:rPr lang="en-US" smtClean="0"/>
-              <a:t>1/26/14</a:t>
+              <a:t>1/27/14</a:t>
             </a:fld>
             <a:endParaRPr lang="en-US"/>
           </a:p>
@@ -22293,7 +22612,7 @@
     </p:spTree>
     <p:extLst>
       <p:ext uri="{BB962C8B-B14F-4D97-AF65-F5344CB8AC3E}">
-        <p14:creationId xmlns:p14="http://schemas.microsoft.com/office/powerpoint/2010/main" val="168153640"/>
+        <p14:creationId xmlns:p14="http://schemas.microsoft.com/office/powerpoint/2010/main" val="3092281358"/>
       </p:ext>
     </p:extLst>
   </p:cSld>
@@ -22330,32 +22649,35 @@
             <p:ph type="title"/>
           </p:nvPr>
         </p:nvSpPr>
+        <p:spPr>
+          <a:xfrm>
+            <a:off x="465996" y="310162"/>
+            <a:ext cx="7882681" cy="990107"/>
+          </a:xfrm>
+        </p:spPr>
+        <p:txBody>
+          <a:bodyPr/>
+          <a:lstStyle/>
+          <a:p>
+            <a:r>
+              <a:rPr lang="en-US" dirty="0" smtClean="0"/>
+              <a:t>Independent				Identically Distributed</a:t>
+            </a:r>
+            <a:endParaRPr lang="en-US" dirty="0"/>
+          </a:p>
+        </p:txBody>
+      </p:sp>
+      <p:sp>
+        <p:nvSpPr>
+          <p:cNvPr id="3" name="Content Placeholder 2"/>
+          <p:cNvSpPr>
+            <a:spLocks noGrp="1"/>
+          </p:cNvSpPr>
+          <p:nvPr>
+            <p:ph sz="half" idx="1"/>
+          </p:nvPr>
+        </p:nvSpPr>
         <p:spPr/>
-        <p:txBody>
-          <a:bodyPr/>
-          <a:lstStyle/>
-          <a:p>
-            <a:r>
-              <a:rPr lang="en-US" dirty="0" smtClean="0"/>
-              <a:t>Example: Mouse Motion Length</a:t>
-            </a:r>
-            <a:endParaRPr lang="en-US" dirty="0"/>
-          </a:p>
-        </p:txBody>
-      </p:sp>
-      <p:sp>
-        <p:nvSpPr>
-          <p:cNvPr id="16" name="Content Placeholder 15"/>
-          <p:cNvSpPr>
-            <a:spLocks noGrp="1"/>
-          </p:cNvSpPr>
-          <p:nvPr>
-            <p:ph idx="1"/>
-          </p:nvPr>
-        </p:nvSpPr>
-        <p:spPr>
-          <a:noFill/>
-        </p:spPr>
         <p:txBody>
           <a:bodyPr/>
           <a:lstStyle/>
@@ -22364,88 +22686,85 @@
               <a:buNone/>
             </a:pPr>
             <a:r>
-              <a:rPr lang="en-US" sz="3200" dirty="0"/>
-              <a:t>Normal Distribution: </a:t>
-            </a:r>
-            <a:r>
-              <a:rPr lang="en-US" sz="3200" dirty="0" smtClean="0"/>
-              <a:t>Mouse Motion Length across all interactions</a:t>
-            </a:r>
-            <a:endParaRPr lang="en-US" sz="3200" dirty="0"/>
-          </a:p>
+              <a:rPr lang="en-US" sz="2800" dirty="0" smtClean="0"/>
+              <a:t>Are the observations independent of each other? </a:t>
+            </a:r>
+          </a:p>
+          <a:p>
+            <a:pPr lvl="1"/>
+            <a:r>
+              <a:rPr lang="en-US" sz="2400" dirty="0" smtClean="0"/>
+              <a:t>Do they directly influence each other </a:t>
+            </a:r>
+          </a:p>
+          <a:p>
+            <a:pPr lvl="1"/>
+            <a:r>
+              <a:rPr lang="en-US" sz="2400" dirty="0" smtClean="0"/>
+              <a:t>Are they both influenced by a shared hidden confounding variable?</a:t>
+            </a:r>
+          </a:p>
+        </p:txBody>
+      </p:sp>
+      <p:sp>
+        <p:nvSpPr>
+          <p:cNvPr id="9" name="Content Placeholder 8"/>
+          <p:cNvSpPr>
+            <a:spLocks noGrp="1"/>
+          </p:cNvSpPr>
+          <p:nvPr>
+            <p:ph sz="half" idx="2"/>
+          </p:nvPr>
+        </p:nvSpPr>
+        <p:spPr/>
+        <p:txBody>
+          <a:bodyPr/>
+          <a:lstStyle/>
           <a:p>
             <a:pPr marL="0" indent="0">
               <a:buNone/>
             </a:pPr>
             <a:r>
-              <a:rPr lang="en-US" sz="3200" dirty="0" smtClean="0"/>
-              <a:t>Random Variable:  An interaction</a:t>
-            </a:r>
+              <a:rPr lang="en-US" sz="2800" dirty="0" smtClean="0"/>
+              <a:t>Are the random variables identically distributed? </a:t>
+            </a:r>
+          </a:p>
+          <a:p>
+            <a:pPr lvl="2"/>
+            <a:r>
+              <a:rPr lang="en-US" sz="2400" dirty="0" smtClean="0"/>
+              <a:t>Is the variance equivalent</a:t>
+            </a:r>
+          </a:p>
+          <a:p>
+            <a:pPr lvl="2"/>
+            <a:r>
+              <a:rPr lang="en-US" sz="2400" dirty="0" smtClean="0"/>
+              <a:t>Are the min/max/SD equivalent</a:t>
+            </a:r>
+          </a:p>
+          <a:p>
+            <a:pPr lvl="2"/>
+            <a:r>
+              <a:rPr lang="en-US" sz="2400" dirty="0" smtClean="0"/>
+              <a:t>Kolmogorov-Smirnov Test</a:t>
+            </a:r>
+          </a:p>
+          <a:p>
+            <a:pPr lvl="2"/>
+            <a:endParaRPr lang="en-US" sz="2400" dirty="0" smtClean="0"/>
           </a:p>
           <a:p>
             <a:pPr marL="0" indent="0">
               <a:buNone/>
             </a:pPr>
-            <a:r>
-              <a:rPr lang="en-US" sz="3200" dirty="0"/>
-              <a:t>	</a:t>
-            </a:r>
-            <a:r>
-              <a:rPr lang="en-US" sz="3200" i="1" dirty="0" smtClean="0"/>
-              <a:t>Discrete </a:t>
-            </a:r>
-            <a:r>
-              <a:rPr lang="en-US" sz="3200" dirty="0" smtClean="0"/>
-              <a:t>or </a:t>
-            </a:r>
-            <a:r>
-              <a:rPr lang="en-US" sz="3200" i="1" dirty="0" smtClean="0"/>
-              <a:t>Continuous?</a:t>
-            </a:r>
-            <a:endParaRPr lang="en-US" sz="3200" dirty="0" smtClean="0"/>
-          </a:p>
-          <a:p>
-            <a:pPr marL="0" indent="0">
-              <a:buNone/>
-            </a:pPr>
-            <a:r>
-              <a:rPr lang="en-US" sz="3200" dirty="0" smtClean="0"/>
-              <a:t>Independence? </a:t>
-            </a:r>
-            <a:br>
-              <a:rPr lang="en-US" sz="3200" dirty="0" smtClean="0"/>
-            </a:br>
-            <a:r>
-              <a:rPr lang="en-US" sz="3200" dirty="0" smtClean="0"/>
-              <a:t>	When might this be true/untrue?</a:t>
-            </a:r>
-          </a:p>
-          <a:p>
-            <a:pPr marL="0" indent="0">
-              <a:buNone/>
-            </a:pPr>
-            <a:r>
-              <a:rPr lang="en-US" sz="3200" dirty="0" smtClean="0"/>
-              <a:t>Identical Distributions?</a:t>
-            </a:r>
-          </a:p>
-          <a:p>
-            <a:pPr marL="0" indent="0">
-              <a:buNone/>
-            </a:pPr>
-            <a:endParaRPr lang="en-US" sz="3200" dirty="0" smtClean="0"/>
-          </a:p>
-          <a:p>
-            <a:pPr marL="0" indent="0">
-              <a:buNone/>
-            </a:pPr>
-            <a:endParaRPr lang="en-US" sz="3200" dirty="0"/>
-          </a:p>
-        </p:txBody>
-      </p:sp>
-      <p:sp>
-        <p:nvSpPr>
-          <p:cNvPr id="7" name="Date Placeholder 6"/>
+            <a:endParaRPr lang="en-US" sz="2800" dirty="0"/>
+          </a:p>
+        </p:txBody>
+      </p:sp>
+      <p:sp>
+        <p:nvSpPr>
+          <p:cNvPr id="4" name="Date Placeholder 3"/>
           <p:cNvSpPr>
             <a:spLocks noGrp="1"/>
           </p:cNvSpPr>
@@ -22458,10 +22777,9 @@
           <a:bodyPr/>
           <a:lstStyle/>
           <a:p>
-            <a:fld id="{A73F672F-A5FB-5745-934A-1BF51CA5539C}" type="datetime1">
+            <a:fld id="{7053BEFA-1175-F644-B249-7D41D72BD3FF}" type="datetime1">
               <a:rPr lang="en-US" smtClean="0"/>
-              <a:pPr/>
-              <a:t>1/26/14</a:t>
+              <a:t>1/27/14</a:t>
             </a:fld>
             <a:endParaRPr lang="en-US"/>
           </a:p>
@@ -22469,7 +22787,7 @@
       </p:sp>
       <p:sp>
         <p:nvSpPr>
-          <p:cNvPr id="8" name="Footer Placeholder 7"/>
+          <p:cNvPr id="5" name="Footer Placeholder 4"/>
           <p:cNvSpPr>
             <a:spLocks noGrp="1"/>
           </p:cNvSpPr>
@@ -22488,7 +22806,7 @@
       </p:sp>
       <p:sp>
         <p:nvSpPr>
-          <p:cNvPr id="9" name="Slide Number Placeholder 8"/>
+          <p:cNvPr id="6" name="Slide Number Placeholder 5"/>
           <p:cNvSpPr>
             <a:spLocks noGrp="1"/>
           </p:cNvSpPr>
@@ -22503,7 +22821,6 @@
           <a:p>
             <a:fld id="{17E276FA-8F89-B34D-A726-BE3FA1F8DD97}" type="slidenum">
               <a:rPr lang="en-US" smtClean="0"/>
-              <a:pPr/>
               <a:t>29</a:t>
             </a:fld>
             <a:endParaRPr lang="en-US" dirty="0"/>
@@ -22513,7 +22830,7 @@
     </p:spTree>
     <p:extLst>
       <p:ext uri="{BB962C8B-B14F-4D97-AF65-F5344CB8AC3E}">
-        <p14:creationId xmlns:p14="http://schemas.microsoft.com/office/powerpoint/2010/main" val="1535357585"/>
+        <p14:creationId xmlns:p14="http://schemas.microsoft.com/office/powerpoint/2010/main" val="168153640"/>
       </p:ext>
     </p:extLst>
   </p:cSld>
@@ -22666,7 +22983,7 @@
           <a:p>
             <a:fld id="{7053BEFA-1175-F644-B249-7D41D72BD3FF}" type="datetime1">
               <a:rPr lang="en-US" smtClean="0"/>
-              <a:t>1/26/14</a:t>
+              <a:t>1/27/14</a:t>
             </a:fld>
             <a:endParaRPr lang="en-US"/>
           </a:p>
@@ -22753,6 +23070,226 @@
       </p:grpSpPr>
       <p:sp>
         <p:nvSpPr>
+          <p:cNvPr id="10" name="Title 9"/>
+          <p:cNvSpPr>
+            <a:spLocks noGrp="1"/>
+          </p:cNvSpPr>
+          <p:nvPr>
+            <p:ph type="title"/>
+          </p:nvPr>
+        </p:nvSpPr>
+        <p:spPr/>
+        <p:txBody>
+          <a:bodyPr/>
+          <a:lstStyle/>
+          <a:p>
+            <a:r>
+              <a:rPr lang="en-US" dirty="0" smtClean="0"/>
+              <a:t>Example: Mouse Motion Length</a:t>
+            </a:r>
+            <a:endParaRPr lang="en-US" dirty="0"/>
+          </a:p>
+        </p:txBody>
+      </p:sp>
+      <p:sp>
+        <p:nvSpPr>
+          <p:cNvPr id="16" name="Content Placeholder 15"/>
+          <p:cNvSpPr>
+            <a:spLocks noGrp="1"/>
+          </p:cNvSpPr>
+          <p:nvPr>
+            <p:ph idx="1"/>
+          </p:nvPr>
+        </p:nvSpPr>
+        <p:spPr>
+          <a:noFill/>
+        </p:spPr>
+        <p:txBody>
+          <a:bodyPr/>
+          <a:lstStyle/>
+          <a:p>
+            <a:pPr marL="0" indent="0">
+              <a:buNone/>
+            </a:pPr>
+            <a:r>
+              <a:rPr lang="en-US" sz="3200" dirty="0"/>
+              <a:t>Normal Distribution: </a:t>
+            </a:r>
+            <a:r>
+              <a:rPr lang="en-US" sz="3200" dirty="0" smtClean="0"/>
+              <a:t>Mouse Motion Length across all interactions</a:t>
+            </a:r>
+            <a:endParaRPr lang="en-US" sz="3200" dirty="0"/>
+          </a:p>
+          <a:p>
+            <a:pPr marL="0" indent="0">
+              <a:buNone/>
+            </a:pPr>
+            <a:r>
+              <a:rPr lang="en-US" sz="3200" dirty="0" smtClean="0"/>
+              <a:t>Random Variable:  An interaction</a:t>
+            </a:r>
+          </a:p>
+          <a:p>
+            <a:pPr marL="0" indent="0">
+              <a:buNone/>
+            </a:pPr>
+            <a:r>
+              <a:rPr lang="en-US" sz="3200" dirty="0"/>
+              <a:t>	</a:t>
+            </a:r>
+            <a:r>
+              <a:rPr lang="en-US" sz="3200" i="1" dirty="0" smtClean="0"/>
+              <a:t>Discrete </a:t>
+            </a:r>
+            <a:r>
+              <a:rPr lang="en-US" sz="3200" dirty="0" smtClean="0"/>
+              <a:t>or </a:t>
+            </a:r>
+            <a:r>
+              <a:rPr lang="en-US" sz="3200" i="1" dirty="0" smtClean="0"/>
+              <a:t>Continuous?</a:t>
+            </a:r>
+            <a:endParaRPr lang="en-US" sz="3200" dirty="0" smtClean="0"/>
+          </a:p>
+          <a:p>
+            <a:pPr marL="0" indent="0">
+              <a:buNone/>
+            </a:pPr>
+            <a:r>
+              <a:rPr lang="en-US" sz="3200" dirty="0" smtClean="0"/>
+              <a:t>Independence? </a:t>
+            </a:r>
+            <a:br>
+              <a:rPr lang="en-US" sz="3200" dirty="0" smtClean="0"/>
+            </a:br>
+            <a:r>
+              <a:rPr lang="en-US" sz="3200" dirty="0" smtClean="0"/>
+              <a:t>	When might this be true/untrue?</a:t>
+            </a:r>
+          </a:p>
+          <a:p>
+            <a:pPr marL="0" indent="0">
+              <a:buNone/>
+            </a:pPr>
+            <a:r>
+              <a:rPr lang="en-US" sz="3200" dirty="0" smtClean="0"/>
+              <a:t>Identical Distributions?</a:t>
+            </a:r>
+          </a:p>
+          <a:p>
+            <a:pPr marL="0" indent="0">
+              <a:buNone/>
+            </a:pPr>
+            <a:endParaRPr lang="en-US" sz="3200" dirty="0" smtClean="0"/>
+          </a:p>
+          <a:p>
+            <a:pPr marL="0" indent="0">
+              <a:buNone/>
+            </a:pPr>
+            <a:endParaRPr lang="en-US" sz="3200" dirty="0"/>
+          </a:p>
+        </p:txBody>
+      </p:sp>
+      <p:sp>
+        <p:nvSpPr>
+          <p:cNvPr id="7" name="Date Placeholder 6"/>
+          <p:cNvSpPr>
+            <a:spLocks noGrp="1"/>
+          </p:cNvSpPr>
+          <p:nvPr>
+            <p:ph type="dt" sz="half" idx="10"/>
+          </p:nvPr>
+        </p:nvSpPr>
+        <p:spPr/>
+        <p:txBody>
+          <a:bodyPr/>
+          <a:lstStyle/>
+          <a:p>
+            <a:fld id="{A73F672F-A5FB-5745-934A-1BF51CA5539C}" type="datetime1">
+              <a:rPr lang="en-US" smtClean="0"/>
+              <a:pPr/>
+              <a:t>1/27/14</a:t>
+            </a:fld>
+            <a:endParaRPr lang="en-US"/>
+          </a:p>
+        </p:txBody>
+      </p:sp>
+      <p:sp>
+        <p:nvSpPr>
+          <p:cNvPr id="8" name="Footer Placeholder 7"/>
+          <p:cNvSpPr>
+            <a:spLocks noGrp="1"/>
+          </p:cNvSpPr>
+          <p:nvPr>
+            <p:ph type="ftr" sz="quarter" idx="11"/>
+          </p:nvPr>
+        </p:nvSpPr>
+        <p:spPr/>
+        <p:txBody>
+          <a:bodyPr/>
+          <a:lstStyle/>
+          <a:p>
+            <a:endParaRPr lang="en-US" dirty="0"/>
+          </a:p>
+        </p:txBody>
+      </p:sp>
+      <p:sp>
+        <p:nvSpPr>
+          <p:cNvPr id="9" name="Slide Number Placeholder 8"/>
+          <p:cNvSpPr>
+            <a:spLocks noGrp="1"/>
+          </p:cNvSpPr>
+          <p:nvPr>
+            <p:ph type="sldNum" sz="quarter" idx="12"/>
+          </p:nvPr>
+        </p:nvSpPr>
+        <p:spPr/>
+        <p:txBody>
+          <a:bodyPr/>
+          <a:lstStyle/>
+          <a:p>
+            <a:fld id="{17E276FA-8F89-B34D-A726-BE3FA1F8DD97}" type="slidenum">
+              <a:rPr lang="en-US" smtClean="0"/>
+              <a:pPr/>
+              <a:t>30</a:t>
+            </a:fld>
+            <a:endParaRPr lang="en-US" dirty="0"/>
+          </a:p>
+        </p:txBody>
+      </p:sp>
+    </p:spTree>
+    <p:extLst>
+      <p:ext uri="{BB962C8B-B14F-4D97-AF65-F5344CB8AC3E}">
+        <p14:creationId xmlns:p14="http://schemas.microsoft.com/office/powerpoint/2010/main" val="1535357585"/>
+      </p:ext>
+    </p:extLst>
+  </p:cSld>
+  <p:clrMapOvr>
+    <a:masterClrMapping/>
+  </p:clrMapOvr>
+</p:sld>
+</file>
+
+<file path=ppt/slides/slide31.xml><?xml version="1.0" encoding="utf-8"?>
+<p:sld xmlns:a="http://schemas.openxmlformats.org/drawingml/2006/main" xmlns:r="http://schemas.openxmlformats.org/officeDocument/2006/relationships" xmlns:p="http://schemas.openxmlformats.org/presentationml/2006/main">
+  <p:cSld>
+    <p:spTree>
+      <p:nvGrpSpPr>
+        <p:cNvPr id="1" name=""/>
+        <p:cNvGrpSpPr/>
+        <p:nvPr/>
+      </p:nvGrpSpPr>
+      <p:grpSpPr>
+        <a:xfrm>
+          <a:off x="0" y="0"/>
+          <a:ext cx="0" cy="0"/>
+          <a:chOff x="0" y="0"/>
+          <a:chExt cx="0" cy="0"/>
+        </a:xfrm>
+      </p:grpSpPr>
+      <p:sp>
+        <p:nvSpPr>
           <p:cNvPr id="2" name="Title 1"/>
           <p:cNvSpPr>
             <a:spLocks noGrp="1"/>
@@ -22791,7 +23328,7 @@
           <a:p>
             <a:fld id="{7053BEFA-1175-F644-B249-7D41D72BD3FF}" type="datetime1">
               <a:rPr lang="en-US" smtClean="0"/>
-              <a:t>1/26/14</a:t>
+              <a:t>1/27/14</a:t>
             </a:fld>
             <a:endParaRPr lang="en-US"/>
           </a:p>
@@ -22833,7 +23370,7 @@
           <a:p>
             <a:fld id="{17E276FA-8F89-B34D-A726-BE3FA1F8DD97}" type="slidenum">
               <a:rPr lang="en-US" smtClean="0"/>
-              <a:t>30</a:t>
+              <a:t>31</a:t>
             </a:fld>
             <a:endParaRPr lang="en-US" dirty="0"/>
           </a:p>
@@ -23285,7 +23822,7 @@
 </p:sld>
 </file>
 
-<file path=ppt/slides/slide31.xml><?xml version="1.0" encoding="utf-8"?>
+<file path=ppt/slides/slide32.xml><?xml version="1.0" encoding="utf-8"?>
 <p:sld xmlns:a="http://schemas.openxmlformats.org/drawingml/2006/main" xmlns:r="http://schemas.openxmlformats.org/officeDocument/2006/relationships" xmlns:p="http://schemas.openxmlformats.org/presentationml/2006/main">
   <p:cSld>
     <p:spTree>
@@ -23349,7 +23886,7 @@
           <a:p>
             <a:fld id="{7053BEFA-1175-F644-B249-7D41D72BD3FF}" type="datetime1">
               <a:rPr lang="en-US" smtClean="0"/>
-              <a:t>1/26/14</a:t>
+              <a:t>1/27/14</a:t>
             </a:fld>
             <a:endParaRPr lang="en-US"/>
           </a:p>
@@ -23391,7 +23928,7 @@
           <a:p>
             <a:fld id="{17E276FA-8F89-B34D-A726-BE3FA1F8DD97}" type="slidenum">
               <a:rPr lang="en-US" smtClean="0"/>
-              <a:t>31</a:t>
+              <a:t>32</a:t>
             </a:fld>
             <a:endParaRPr lang="en-US" dirty="0"/>
           </a:p>
@@ -23797,7 +24334,7 @@
 </p:sld>
 </file>
 
-<file path=ppt/slides/slide32.xml><?xml version="1.0" encoding="utf-8"?>
+<file path=ppt/slides/slide33.xml><?xml version="1.0" encoding="utf-8"?>
 <p:sld xmlns:a="http://schemas.openxmlformats.org/drawingml/2006/main" xmlns:r="http://schemas.openxmlformats.org/officeDocument/2006/relationships" xmlns:p="http://schemas.openxmlformats.org/presentationml/2006/main">
   <p:cSld>
     <p:spTree>
@@ -23854,7 +24391,7 @@
           <a:p>
             <a:fld id="{7053BEFA-1175-F644-B249-7D41D72BD3FF}" type="datetime1">
               <a:rPr lang="en-US" smtClean="0"/>
-              <a:t>1/26/14</a:t>
+              <a:t>1/27/14</a:t>
             </a:fld>
             <a:endParaRPr lang="en-US"/>
           </a:p>
@@ -23896,7 +24433,7 @@
           <a:p>
             <a:fld id="{17E276FA-8F89-B34D-A726-BE3FA1F8DD97}" type="slidenum">
               <a:rPr lang="en-US" smtClean="0"/>
-              <a:t>32</a:t>
+              <a:t>33</a:t>
             </a:fld>
             <a:endParaRPr lang="en-US" dirty="0"/>
           </a:p>
@@ -24277,7 +24814,7 @@
 </p:sld>
 </file>
 
-<file path=ppt/slides/slide33.xml><?xml version="1.0" encoding="utf-8"?>
+<file path=ppt/slides/slide34.xml><?xml version="1.0" encoding="utf-8"?>
 <p:sld xmlns:a="http://schemas.openxmlformats.org/drawingml/2006/main" xmlns:r="http://schemas.openxmlformats.org/officeDocument/2006/relationships" xmlns:p="http://schemas.openxmlformats.org/presentationml/2006/main">
   <p:cSld>
     <p:spTree>
@@ -24365,7 +24902,7 @@
             <a:fld id="{FA3C144B-2939-9A49-B014-915EC3E81866}" type="datetime1">
               <a:rPr lang="en-US" smtClean="0"/>
               <a:pPr/>
-              <a:t>1/26/14</a:t>
+              <a:t>1/27/14</a:t>
             </a:fld>
             <a:endParaRPr lang="en-US" dirty="0"/>
           </a:p>
@@ -24408,7 +24945,7 @@
             <a:fld id="{17E276FA-8F89-B34D-A726-BE3FA1F8DD97}" type="slidenum">
               <a:rPr lang="en-US" smtClean="0"/>
               <a:pPr/>
-              <a:t>33</a:t>
+              <a:t>34</a:t>
             </a:fld>
             <a:endParaRPr lang="en-US" dirty="0"/>
           </a:p>
@@ -24486,167 +25023,6 @@
     <p:extLst>
       <p:ext uri="{BB962C8B-B14F-4D97-AF65-F5344CB8AC3E}">
         <p14:creationId xmlns:p14="http://schemas.microsoft.com/office/powerpoint/2010/main" val="2762598272"/>
-      </p:ext>
-    </p:extLst>
-  </p:cSld>
-  <p:clrMapOvr>
-    <a:masterClrMapping/>
-  </p:clrMapOvr>
-</p:sld>
-</file>
-
-<file path=ppt/slides/slide34.xml><?xml version="1.0" encoding="utf-8"?>
-<p:sld xmlns:a="http://schemas.openxmlformats.org/drawingml/2006/main" xmlns:r="http://schemas.openxmlformats.org/officeDocument/2006/relationships" xmlns:p="http://schemas.openxmlformats.org/presentationml/2006/main">
-  <p:cSld>
-    <p:spTree>
-      <p:nvGrpSpPr>
-        <p:cNvPr id="1" name=""/>
-        <p:cNvGrpSpPr/>
-        <p:nvPr/>
-      </p:nvGrpSpPr>
-      <p:grpSpPr>
-        <a:xfrm>
-          <a:off x="0" y="0"/>
-          <a:ext cx="0" cy="0"/>
-          <a:chOff x="0" y="0"/>
-          <a:chExt cx="0" cy="0"/>
-        </a:xfrm>
-      </p:grpSpPr>
-      <p:sp>
-        <p:nvSpPr>
-          <p:cNvPr id="2" name="Title 1"/>
-          <p:cNvSpPr>
-            <a:spLocks noGrp="1"/>
-          </p:cNvSpPr>
-          <p:nvPr>
-            <p:ph type="title"/>
-          </p:nvPr>
-        </p:nvSpPr>
-        <p:spPr/>
-        <p:txBody>
-          <a:bodyPr/>
-          <a:lstStyle/>
-          <a:p>
-            <a:r>
-              <a:rPr lang="en-US" dirty="0" smtClean="0"/>
-              <a:t>Value of Histograms</a:t>
-            </a:r>
-            <a:endParaRPr lang="en-US" dirty="0"/>
-          </a:p>
-        </p:txBody>
-      </p:sp>
-      <p:sp>
-        <p:nvSpPr>
-          <p:cNvPr id="3" name="Content Placeholder 2"/>
-          <p:cNvSpPr>
-            <a:spLocks noGrp="1"/>
-          </p:cNvSpPr>
-          <p:nvPr>
-            <p:ph idx="1"/>
-          </p:nvPr>
-        </p:nvSpPr>
-        <p:spPr/>
-        <p:txBody>
-          <a:bodyPr/>
-          <a:lstStyle/>
-          <a:p>
-            <a:pPr marL="0" indent="0">
-              <a:buNone/>
-            </a:pPr>
-            <a:r>
-              <a:rPr lang="en-US" dirty="0" smtClean="0"/>
-              <a:t>Helps you check: Do assumptions match your data?</a:t>
-            </a:r>
-          </a:p>
-          <a:p>
-            <a:pPr marL="0" indent="0">
-              <a:buNone/>
-            </a:pPr>
-            <a:r>
-              <a:rPr lang="en-US" dirty="0" smtClean="0"/>
-              <a:t>Gives a sense of the distribution</a:t>
-            </a:r>
-          </a:p>
-          <a:p>
-            <a:pPr marL="0" indent="0">
-              <a:buNone/>
-            </a:pPr>
-            <a:endParaRPr lang="en-US" dirty="0" smtClean="0"/>
-          </a:p>
-          <a:p>
-            <a:endParaRPr lang="en-US" dirty="0"/>
-          </a:p>
-        </p:txBody>
-      </p:sp>
-      <p:sp>
-        <p:nvSpPr>
-          <p:cNvPr id="4" name="Date Placeholder 3"/>
-          <p:cNvSpPr>
-            <a:spLocks noGrp="1"/>
-          </p:cNvSpPr>
-          <p:nvPr>
-            <p:ph type="dt" sz="half" idx="10"/>
-          </p:nvPr>
-        </p:nvSpPr>
-        <p:spPr/>
-        <p:txBody>
-          <a:bodyPr/>
-          <a:lstStyle/>
-          <a:p>
-            <a:fld id="{7053BEFA-1175-F644-B249-7D41D72BD3FF}" type="datetime1">
-              <a:rPr lang="en-US" smtClean="0"/>
-              <a:t>1/26/14</a:t>
-            </a:fld>
-            <a:endParaRPr lang="en-US"/>
-          </a:p>
-        </p:txBody>
-      </p:sp>
-      <p:sp>
-        <p:nvSpPr>
-          <p:cNvPr id="5" name="Footer Placeholder 4"/>
-          <p:cNvSpPr>
-            <a:spLocks noGrp="1"/>
-          </p:cNvSpPr>
-          <p:nvPr>
-            <p:ph type="ftr" sz="quarter" idx="11"/>
-          </p:nvPr>
-        </p:nvSpPr>
-        <p:spPr/>
-        <p:txBody>
-          <a:bodyPr/>
-          <a:lstStyle/>
-          <a:p>
-            <a:endParaRPr lang="en-US" dirty="0"/>
-          </a:p>
-        </p:txBody>
-      </p:sp>
-      <p:sp>
-        <p:nvSpPr>
-          <p:cNvPr id="6" name="Slide Number Placeholder 5"/>
-          <p:cNvSpPr>
-            <a:spLocks noGrp="1"/>
-          </p:cNvSpPr>
-          <p:nvPr>
-            <p:ph type="sldNum" sz="quarter" idx="12"/>
-          </p:nvPr>
-        </p:nvSpPr>
-        <p:spPr/>
-        <p:txBody>
-          <a:bodyPr/>
-          <a:lstStyle/>
-          <a:p>
-            <a:fld id="{17E276FA-8F89-B34D-A726-BE3FA1F8DD97}" type="slidenum">
-              <a:rPr lang="en-US" smtClean="0"/>
-              <a:t>34</a:t>
-            </a:fld>
-            <a:endParaRPr lang="en-US" dirty="0"/>
-          </a:p>
-        </p:txBody>
-      </p:sp>
-    </p:spTree>
-    <p:extLst>
-      <p:ext uri="{BB962C8B-B14F-4D97-AF65-F5344CB8AC3E}">
-        <p14:creationId xmlns:p14="http://schemas.microsoft.com/office/powerpoint/2010/main" val="721130924"/>
       </p:ext>
     </p:extLst>
   </p:cSld>
@@ -24689,9 +25065,53 @@
           <a:lstStyle/>
           <a:p>
             <a:r>
-              <a:rPr lang="en-US" dirty="0"/>
-              <a:t>Summary: Steps So Far</a:t>
-            </a:r>
+              <a:rPr lang="en-US" dirty="0" smtClean="0"/>
+              <a:t>Value of Histograms</a:t>
+            </a:r>
+            <a:endParaRPr lang="en-US" dirty="0"/>
+          </a:p>
+        </p:txBody>
+      </p:sp>
+      <p:sp>
+        <p:nvSpPr>
+          <p:cNvPr id="3" name="Content Placeholder 2"/>
+          <p:cNvSpPr>
+            <a:spLocks noGrp="1"/>
+          </p:cNvSpPr>
+          <p:nvPr>
+            <p:ph idx="1"/>
+          </p:nvPr>
+        </p:nvSpPr>
+        <p:spPr/>
+        <p:txBody>
+          <a:bodyPr/>
+          <a:lstStyle/>
+          <a:p>
+            <a:pPr marL="0" indent="0">
+              <a:buNone/>
+            </a:pPr>
+            <a:r>
+              <a:rPr lang="en-US" dirty="0" smtClean="0"/>
+              <a:t>Helps you check: Do assumptions match your data?</a:t>
+            </a:r>
+          </a:p>
+          <a:p>
+            <a:pPr marL="0" indent="0">
+              <a:buNone/>
+            </a:pPr>
+            <a:r>
+              <a:rPr lang="en-US" dirty="0" smtClean="0"/>
+              <a:t>Gives a sense of the distribution</a:t>
+            </a:r>
+          </a:p>
+          <a:p>
+            <a:pPr marL="0" indent="0">
+              <a:buNone/>
+            </a:pPr>
+            <a:endParaRPr lang="en-US" dirty="0" smtClean="0"/>
+          </a:p>
+          <a:p>
+            <a:endParaRPr lang="en-US" dirty="0"/>
           </a:p>
         </p:txBody>
       </p:sp>
@@ -24712,7 +25132,7 @@
           <a:p>
             <a:fld id="{7053BEFA-1175-F644-B249-7D41D72BD3FF}" type="datetime1">
               <a:rPr lang="en-US" smtClean="0"/>
-              <a:t>1/26/14</a:t>
+              <a:t>1/27/14</a:t>
             </a:fld>
             <a:endParaRPr lang="en-US"/>
           </a:p>
@@ -24755,6 +25175,123 @@
             <a:fld id="{17E276FA-8F89-B34D-A726-BE3FA1F8DD97}" type="slidenum">
               <a:rPr lang="en-US" smtClean="0"/>
               <a:t>35</a:t>
+            </a:fld>
+            <a:endParaRPr lang="en-US" dirty="0"/>
+          </a:p>
+        </p:txBody>
+      </p:sp>
+    </p:spTree>
+    <p:extLst>
+      <p:ext uri="{BB962C8B-B14F-4D97-AF65-F5344CB8AC3E}">
+        <p14:creationId xmlns:p14="http://schemas.microsoft.com/office/powerpoint/2010/main" val="721130924"/>
+      </p:ext>
+    </p:extLst>
+  </p:cSld>
+  <p:clrMapOvr>
+    <a:masterClrMapping/>
+  </p:clrMapOvr>
+</p:sld>
+</file>
+
+<file path=ppt/slides/slide36.xml><?xml version="1.0" encoding="utf-8"?>
+<p:sld xmlns:a="http://schemas.openxmlformats.org/drawingml/2006/main" xmlns:r="http://schemas.openxmlformats.org/officeDocument/2006/relationships" xmlns:p="http://schemas.openxmlformats.org/presentationml/2006/main">
+  <p:cSld>
+    <p:spTree>
+      <p:nvGrpSpPr>
+        <p:cNvPr id="1" name=""/>
+        <p:cNvGrpSpPr/>
+        <p:nvPr/>
+      </p:nvGrpSpPr>
+      <p:grpSpPr>
+        <a:xfrm>
+          <a:off x="0" y="0"/>
+          <a:ext cx="0" cy="0"/>
+          <a:chOff x="0" y="0"/>
+          <a:chExt cx="0" cy="0"/>
+        </a:xfrm>
+      </p:grpSpPr>
+      <p:sp>
+        <p:nvSpPr>
+          <p:cNvPr id="2" name="Title 1"/>
+          <p:cNvSpPr>
+            <a:spLocks noGrp="1"/>
+          </p:cNvSpPr>
+          <p:nvPr>
+            <p:ph type="title"/>
+          </p:nvPr>
+        </p:nvSpPr>
+        <p:spPr/>
+        <p:txBody>
+          <a:bodyPr/>
+          <a:lstStyle/>
+          <a:p>
+            <a:r>
+              <a:rPr lang="en-US" dirty="0"/>
+              <a:t>Summary: Steps So Far</a:t>
+            </a:r>
+          </a:p>
+        </p:txBody>
+      </p:sp>
+      <p:sp>
+        <p:nvSpPr>
+          <p:cNvPr id="4" name="Date Placeholder 3"/>
+          <p:cNvSpPr>
+            <a:spLocks noGrp="1"/>
+          </p:cNvSpPr>
+          <p:nvPr>
+            <p:ph type="dt" sz="half" idx="10"/>
+          </p:nvPr>
+        </p:nvSpPr>
+        <p:spPr/>
+        <p:txBody>
+          <a:bodyPr/>
+          <a:lstStyle/>
+          <a:p>
+            <a:fld id="{7053BEFA-1175-F644-B249-7D41D72BD3FF}" type="datetime1">
+              <a:rPr lang="en-US" smtClean="0"/>
+              <a:t>1/27/14</a:t>
+            </a:fld>
+            <a:endParaRPr lang="en-US"/>
+          </a:p>
+        </p:txBody>
+      </p:sp>
+      <p:sp>
+        <p:nvSpPr>
+          <p:cNvPr id="5" name="Footer Placeholder 4"/>
+          <p:cNvSpPr>
+            <a:spLocks noGrp="1"/>
+          </p:cNvSpPr>
+          <p:nvPr>
+            <p:ph type="ftr" sz="quarter" idx="11"/>
+          </p:nvPr>
+        </p:nvSpPr>
+        <p:spPr/>
+        <p:txBody>
+          <a:bodyPr/>
+          <a:lstStyle/>
+          <a:p>
+            <a:endParaRPr lang="en-US" dirty="0"/>
+          </a:p>
+        </p:txBody>
+      </p:sp>
+      <p:sp>
+        <p:nvSpPr>
+          <p:cNvPr id="6" name="Slide Number Placeholder 5"/>
+          <p:cNvSpPr>
+            <a:spLocks noGrp="1"/>
+          </p:cNvSpPr>
+          <p:nvPr>
+            <p:ph type="sldNum" sz="quarter" idx="12"/>
+          </p:nvPr>
+        </p:nvSpPr>
+        <p:spPr/>
+        <p:txBody>
+          <a:bodyPr/>
+          <a:lstStyle/>
+          <a:p>
+            <a:fld id="{17E276FA-8F89-B34D-A726-BE3FA1F8DD97}" type="slidenum">
+              <a:rPr lang="en-US" smtClean="0"/>
+              <a:t>36</a:t>
             </a:fld>
             <a:endParaRPr lang="en-US" dirty="0"/>
           </a:p>
@@ -24913,7 +25450,7 @@
           <a:p>
             <a:fld id="{111EEF3B-ABF2-AA4E-9E24-0C6256942674}" type="datetime1">
               <a:rPr lang="en-US" smtClean="0"/>
-              <a:t>1/26/14</a:t>
+              <a:t>1/27/14</a:t>
             </a:fld>
             <a:endParaRPr lang="en-US"/>
           </a:p>
@@ -25103,7 +25640,7 @@
           <a:p>
             <a:fld id="{111EEF3B-ABF2-AA4E-9E24-0C6256942674}" type="datetime1">
               <a:rPr lang="en-US" smtClean="0"/>
-              <a:t>1/26/14</a:t>
+              <a:t>1/27/14</a:t>
             </a:fld>
             <a:endParaRPr lang="en-US"/>
           </a:p>
@@ -25258,7 +25795,7 @@
           <a:p>
             <a:fld id="{7053BEFA-1175-F644-B249-7D41D72BD3FF}" type="datetime1">
               <a:rPr lang="en-US" smtClean="0"/>
-              <a:t>1/26/14</a:t>
+              <a:t>1/27/14</a:t>
             </a:fld>
             <a:endParaRPr lang="en-US"/>
           </a:p>
@@ -25395,7 +25932,7 @@
           <a:p>
             <a:fld id="{7053BEFA-1175-F644-B249-7D41D72BD3FF}" type="datetime1">
               <a:rPr lang="en-US" smtClean="0"/>
-              <a:t>1/26/14</a:t>
+              <a:t>1/27/14</a:t>
             </a:fld>
             <a:endParaRPr lang="en-US"/>
           </a:p>
@@ -25539,7 +26076,7 @@
           <a:p>
             <a:fld id="{7053BEFA-1175-F644-B249-7D41D72BD3FF}" type="datetime1">
               <a:rPr lang="en-US" smtClean="0"/>
-              <a:t>1/26/14</a:t>
+              <a:t>1/27/14</a:t>
             </a:fld>
             <a:endParaRPr lang="en-US"/>
           </a:p>
@@ -25615,15 +26152,7 @@
           <a:p>
             <a:r>
               <a:rPr lang="en-US" dirty="0" smtClean="0"/>
-              <a:t>Visual Tool </a:t>
-            </a:r>
-            <a:r>
-              <a:rPr lang="en-US" dirty="0" smtClean="0"/>
-              <a:t>Chest</a:t>
-            </a:r>
-            <a:r>
-              <a:rPr lang="en-US" dirty="0" smtClean="0"/>
-              <a:t>: Stem and Leaf</a:t>
+              <a:t>Visual Tool Chest: Stem and Leaf</a:t>
             </a:r>
             <a:endParaRPr lang="en-US" dirty="0"/>
           </a:p>
@@ -25707,7 +26236,7 @@
           <a:p>
             <a:fld id="{7053BEFA-1175-F644-B249-7D41D72BD3FF}" type="datetime1">
               <a:rPr lang="en-US" smtClean="0"/>
-              <a:t>1/26/14</a:t>
+              <a:t>1/27/14</a:t>
             </a:fld>
             <a:endParaRPr lang="en-US"/>
           </a:p>

--- a/Lectures/6 Exploration.pptx
+++ b/Lectures/6 Exploration.pptx
@@ -1993,6 +1993,1073 @@
       <dsp:cNvGrpSpPr/>
     </dsp:nvGrpSpPr>
     <dsp:grpSpPr/>
+    <dsp:sp modelId="{5E1494A8-77FB-CC45-AD26-121A0E33EB57}">
+      <dsp:nvSpPr>
+        <dsp:cNvPr id="0" name=""/>
+        <dsp:cNvSpPr/>
+      </dsp:nvSpPr>
+      <dsp:spPr>
+        <a:xfrm>
+          <a:off x="6557" y="1595804"/>
+          <a:ext cx="1440811" cy="1188367"/>
+        </a:xfrm>
+        <a:prstGeom prst="roundRect">
+          <a:avLst>
+            <a:gd name="adj" fmla="val 10000"/>
+          </a:avLst>
+        </a:prstGeom>
+        <a:solidFill>
+          <a:schemeClr val="lt1">
+            <a:alpha val="90000"/>
+            <a:hueOff val="0"/>
+            <a:satOff val="0"/>
+            <a:lumOff val="0"/>
+            <a:alphaOff val="0"/>
+          </a:schemeClr>
+        </a:solidFill>
+        <a:ln w="25400" cap="flat" cmpd="sng" algn="ctr">
+          <a:solidFill>
+            <a:schemeClr val="accent1">
+              <a:hueOff val="0"/>
+              <a:satOff val="0"/>
+              <a:lumOff val="0"/>
+              <a:alphaOff val="0"/>
+            </a:schemeClr>
+          </a:solidFill>
+          <a:prstDash val="solid"/>
+        </a:ln>
+        <a:effectLst/>
+      </dsp:spPr>
+      <dsp:style>
+        <a:lnRef idx="2">
+          <a:scrgbClr r="0" g="0" b="0"/>
+        </a:lnRef>
+        <a:fillRef idx="1">
+          <a:scrgbClr r="0" g="0" b="0"/>
+        </a:fillRef>
+        <a:effectRef idx="0">
+          <a:scrgbClr r="0" g="0" b="0"/>
+        </a:effectRef>
+        <a:fontRef idx="minor"/>
+      </dsp:style>
+      <dsp:txBody>
+        <a:bodyPr spcFirstLastPara="0" vert="horz" wrap="square" lIns="20955" tIns="20955" rIns="20955" bIns="20955" numCol="1" spcCol="1270" anchor="t" anchorCtr="0">
+          <a:noAutofit/>
+        </a:bodyPr>
+        <a:lstStyle/>
+        <a:p>
+          <a:pPr marL="57150" lvl="1" indent="-57150" algn="l" defTabSz="488950">
+            <a:lnSpc>
+              <a:spcPct val="90000"/>
+            </a:lnSpc>
+            <a:spcBef>
+              <a:spcPct val="0"/>
+            </a:spcBef>
+            <a:spcAft>
+              <a:spcPct val="15000"/>
+            </a:spcAft>
+            <a:buChar char="••"/>
+          </a:pPr>
+          <a:r>
+            <a:rPr lang="en-US" sz="1100" kern="1200" dirty="0" smtClean="0"/>
+            <a:t>Is it the right question?</a:t>
+          </a:r>
+          <a:endParaRPr lang="en-US" sz="1100" kern="1200" dirty="0"/>
+        </a:p>
+        <a:p>
+          <a:pPr marL="57150" lvl="1" indent="-57150" algn="l" defTabSz="488950">
+            <a:lnSpc>
+              <a:spcPct val="90000"/>
+            </a:lnSpc>
+            <a:spcBef>
+              <a:spcPct val="0"/>
+            </a:spcBef>
+            <a:spcAft>
+              <a:spcPct val="15000"/>
+            </a:spcAft>
+            <a:buChar char="••"/>
+          </a:pPr>
+          <a:r>
+            <a:rPr lang="en-US" sz="1100" kern="1200" dirty="0" smtClean="0"/>
+            <a:t>Is it answerable?</a:t>
+          </a:r>
+          <a:endParaRPr lang="en-US" sz="1100" kern="1200" dirty="0"/>
+        </a:p>
+      </dsp:txBody>
+      <dsp:txXfrm>
+        <a:off x="33905" y="1623152"/>
+        <a:ext cx="1386115" cy="879021"/>
+      </dsp:txXfrm>
+    </dsp:sp>
+    <dsp:sp modelId="{C34A02AC-E43B-E64A-98B7-D7F0F68A5B18}">
+      <dsp:nvSpPr>
+        <dsp:cNvPr id="0" name=""/>
+        <dsp:cNvSpPr/>
+      </dsp:nvSpPr>
+      <dsp:spPr>
+        <a:xfrm>
+          <a:off x="812945" y="1866947"/>
+          <a:ext cx="1606511" cy="1606511"/>
+        </a:xfrm>
+        <a:prstGeom prst="leftCircularArrow">
+          <a:avLst>
+            <a:gd name="adj1" fmla="val 3263"/>
+            <a:gd name="adj2" fmla="val 402578"/>
+            <a:gd name="adj3" fmla="val 2178089"/>
+            <a:gd name="adj4" fmla="val 9024489"/>
+            <a:gd name="adj5" fmla="val 3807"/>
+          </a:avLst>
+        </a:prstGeom>
+        <a:solidFill>
+          <a:schemeClr val="accent1">
+            <a:tint val="60000"/>
+            <a:hueOff val="0"/>
+            <a:satOff val="0"/>
+            <a:lumOff val="0"/>
+            <a:alphaOff val="0"/>
+          </a:schemeClr>
+        </a:solidFill>
+        <a:ln>
+          <a:noFill/>
+        </a:ln>
+        <a:effectLst/>
+      </dsp:spPr>
+      <dsp:style>
+        <a:lnRef idx="0">
+          <a:scrgbClr r="0" g="0" b="0"/>
+        </a:lnRef>
+        <a:fillRef idx="1">
+          <a:scrgbClr r="0" g="0" b="0"/>
+        </a:fillRef>
+        <a:effectRef idx="0">
+          <a:scrgbClr r="0" g="0" b="0"/>
+        </a:effectRef>
+        <a:fontRef idx="minor">
+          <a:schemeClr val="lt1"/>
+        </a:fontRef>
+      </dsp:style>
+    </dsp:sp>
+    <dsp:sp modelId="{76846BB1-C877-DA42-B78C-85598899D6F0}">
+      <dsp:nvSpPr>
+        <dsp:cNvPr id="0" name=""/>
+        <dsp:cNvSpPr/>
+      </dsp:nvSpPr>
+      <dsp:spPr>
+        <a:xfrm>
+          <a:off x="326738" y="2529521"/>
+          <a:ext cx="1280721" cy="509300"/>
+        </a:xfrm>
+        <a:prstGeom prst="roundRect">
+          <a:avLst>
+            <a:gd name="adj" fmla="val 10000"/>
+          </a:avLst>
+        </a:prstGeom>
+        <a:solidFill>
+          <a:schemeClr val="accent1">
+            <a:hueOff val="0"/>
+            <a:satOff val="0"/>
+            <a:lumOff val="0"/>
+            <a:alphaOff val="0"/>
+          </a:schemeClr>
+        </a:solidFill>
+        <a:ln w="25400" cap="flat" cmpd="sng" algn="ctr">
+          <a:solidFill>
+            <a:schemeClr val="lt1">
+              <a:hueOff val="0"/>
+              <a:satOff val="0"/>
+              <a:lumOff val="0"/>
+              <a:alphaOff val="0"/>
+            </a:schemeClr>
+          </a:solidFill>
+          <a:prstDash val="solid"/>
+        </a:ln>
+        <a:effectLst/>
+      </dsp:spPr>
+      <dsp:style>
+        <a:lnRef idx="2">
+          <a:scrgbClr r="0" g="0" b="0"/>
+        </a:lnRef>
+        <a:fillRef idx="1">
+          <a:scrgbClr r="0" g="0" b="0"/>
+        </a:fillRef>
+        <a:effectRef idx="0">
+          <a:scrgbClr r="0" g="0" b="0"/>
+        </a:effectRef>
+        <a:fontRef idx="minor">
+          <a:schemeClr val="lt1"/>
+        </a:fontRef>
+      </dsp:style>
+      <dsp:txBody>
+        <a:bodyPr spcFirstLastPara="0" vert="horz" wrap="square" lIns="34290" tIns="22860" rIns="34290" bIns="22860" numCol="1" spcCol="1270" anchor="ctr" anchorCtr="0">
+          <a:noAutofit/>
+        </a:bodyPr>
+        <a:lstStyle/>
+        <a:p>
+          <a:pPr lvl="0" algn="ctr" defTabSz="800100">
+            <a:lnSpc>
+              <a:spcPct val="90000"/>
+            </a:lnSpc>
+            <a:spcBef>
+              <a:spcPct val="0"/>
+            </a:spcBef>
+            <a:spcAft>
+              <a:spcPct val="35000"/>
+            </a:spcAft>
+          </a:pPr>
+          <a:r>
+            <a:rPr lang="en-US" sz="1800" kern="1200" smtClean="0"/>
+            <a:t>Question</a:t>
+          </a:r>
+          <a:endParaRPr lang="en-US" sz="1800" kern="1200" dirty="0"/>
+        </a:p>
+      </dsp:txBody>
+      <dsp:txXfrm>
+        <a:off x="341655" y="2544438"/>
+        <a:ext cx="1250887" cy="479466"/>
+      </dsp:txXfrm>
+    </dsp:sp>
+    <dsp:sp modelId="{D8D23966-ECBC-C144-B897-AFC029FA32FB}">
+      <dsp:nvSpPr>
+        <dsp:cNvPr id="0" name=""/>
+        <dsp:cNvSpPr/>
+      </dsp:nvSpPr>
+      <dsp:spPr>
+        <a:xfrm>
+          <a:off x="1857074" y="1595804"/>
+          <a:ext cx="1440811" cy="1188367"/>
+        </a:xfrm>
+        <a:prstGeom prst="roundRect">
+          <a:avLst>
+            <a:gd name="adj" fmla="val 10000"/>
+          </a:avLst>
+        </a:prstGeom>
+        <a:solidFill>
+          <a:schemeClr val="lt1">
+            <a:alpha val="90000"/>
+            <a:hueOff val="0"/>
+            <a:satOff val="0"/>
+            <a:lumOff val="0"/>
+            <a:alphaOff val="0"/>
+          </a:schemeClr>
+        </a:solidFill>
+        <a:ln w="25400" cap="flat" cmpd="sng" algn="ctr">
+          <a:solidFill>
+            <a:schemeClr val="accent1">
+              <a:hueOff val="0"/>
+              <a:satOff val="0"/>
+              <a:lumOff val="0"/>
+              <a:alphaOff val="0"/>
+            </a:schemeClr>
+          </a:solidFill>
+          <a:prstDash val="solid"/>
+        </a:ln>
+        <a:effectLst/>
+      </dsp:spPr>
+      <dsp:style>
+        <a:lnRef idx="2">
+          <a:scrgbClr r="0" g="0" b="0"/>
+        </a:lnRef>
+        <a:fillRef idx="1">
+          <a:scrgbClr r="0" g="0" b="0"/>
+        </a:fillRef>
+        <a:effectRef idx="0">
+          <a:scrgbClr r="0" g="0" b="0"/>
+        </a:effectRef>
+        <a:fontRef idx="minor"/>
+      </dsp:style>
+      <dsp:txBody>
+        <a:bodyPr spcFirstLastPara="0" vert="horz" wrap="square" lIns="20955" tIns="20955" rIns="20955" bIns="20955" numCol="1" spcCol="1270" anchor="t" anchorCtr="0">
+          <a:noAutofit/>
+        </a:bodyPr>
+        <a:lstStyle/>
+        <a:p>
+          <a:pPr marL="57150" lvl="1" indent="-57150" algn="l" defTabSz="488950">
+            <a:lnSpc>
+              <a:spcPct val="90000"/>
+            </a:lnSpc>
+            <a:spcBef>
+              <a:spcPct val="0"/>
+            </a:spcBef>
+            <a:spcAft>
+              <a:spcPct val="15000"/>
+            </a:spcAft>
+            <a:buChar char="••"/>
+          </a:pPr>
+          <a:r>
+            <a:rPr lang="en-US" sz="1100" kern="1200" dirty="0" smtClean="0"/>
+            <a:t>Is it the right data for the question?</a:t>
+          </a:r>
+          <a:endParaRPr lang="en-US" sz="1100" kern="1200" dirty="0"/>
+        </a:p>
+        <a:p>
+          <a:pPr marL="57150" lvl="1" indent="-57150" algn="l" defTabSz="488950">
+            <a:lnSpc>
+              <a:spcPct val="90000"/>
+            </a:lnSpc>
+            <a:spcBef>
+              <a:spcPct val="0"/>
+            </a:spcBef>
+            <a:spcAft>
+              <a:spcPct val="15000"/>
+            </a:spcAft>
+            <a:buChar char="••"/>
+          </a:pPr>
+          <a:r>
+            <a:rPr lang="en-US" sz="1100" kern="1200" dirty="0" smtClean="0"/>
+            <a:t>How hard/easy is it to collect?</a:t>
+          </a:r>
+          <a:endParaRPr lang="en-US" sz="1100" kern="1200" dirty="0"/>
+        </a:p>
+        <a:p>
+          <a:pPr marL="57150" lvl="1" indent="-57150" algn="l" defTabSz="488950">
+            <a:lnSpc>
+              <a:spcPct val="90000"/>
+            </a:lnSpc>
+            <a:spcBef>
+              <a:spcPct val="0"/>
+            </a:spcBef>
+            <a:spcAft>
+              <a:spcPct val="15000"/>
+            </a:spcAft>
+            <a:buChar char="••"/>
+          </a:pPr>
+          <a:r>
+            <a:rPr lang="en-US" sz="1100" kern="1200" dirty="0" smtClean="0"/>
+            <a:t>Understand the fields</a:t>
+          </a:r>
+          <a:endParaRPr lang="en-US" sz="1100" kern="1200" dirty="0"/>
+        </a:p>
+      </dsp:txBody>
+      <dsp:txXfrm>
+        <a:off x="1884422" y="1877802"/>
+        <a:ext cx="1386115" cy="879021"/>
+      </dsp:txXfrm>
+    </dsp:sp>
+    <dsp:sp modelId="{AF52B1F5-AB63-0D48-B810-E413F876CDB0}">
+      <dsp:nvSpPr>
+        <dsp:cNvPr id="0" name=""/>
+        <dsp:cNvSpPr/>
+      </dsp:nvSpPr>
+      <dsp:spPr>
+        <a:xfrm>
+          <a:off x="2651455" y="859922"/>
+          <a:ext cx="1790614" cy="1790614"/>
+        </a:xfrm>
+        <a:prstGeom prst="circularArrow">
+          <a:avLst>
+            <a:gd name="adj1" fmla="val 2927"/>
+            <a:gd name="adj2" fmla="val 358341"/>
+            <a:gd name="adj3" fmla="val 19466149"/>
+            <a:gd name="adj4" fmla="val 12575511"/>
+            <a:gd name="adj5" fmla="val 3415"/>
+          </a:avLst>
+        </a:prstGeom>
+        <a:solidFill>
+          <a:schemeClr val="accent1">
+            <a:tint val="60000"/>
+            <a:hueOff val="0"/>
+            <a:satOff val="0"/>
+            <a:lumOff val="0"/>
+            <a:alphaOff val="0"/>
+          </a:schemeClr>
+        </a:solidFill>
+        <a:ln>
+          <a:noFill/>
+        </a:ln>
+        <a:effectLst/>
+      </dsp:spPr>
+      <dsp:style>
+        <a:lnRef idx="0">
+          <a:scrgbClr r="0" g="0" b="0"/>
+        </a:lnRef>
+        <a:fillRef idx="1">
+          <a:scrgbClr r="0" g="0" b="0"/>
+        </a:fillRef>
+        <a:effectRef idx="0">
+          <a:scrgbClr r="0" g="0" b="0"/>
+        </a:effectRef>
+        <a:fontRef idx="minor">
+          <a:schemeClr val="lt1"/>
+        </a:fontRef>
+      </dsp:style>
+    </dsp:sp>
+    <dsp:sp modelId="{0A1C6453-319F-7146-9DCF-C8845C38D472}">
+      <dsp:nvSpPr>
+        <dsp:cNvPr id="0" name=""/>
+        <dsp:cNvSpPr/>
+      </dsp:nvSpPr>
+      <dsp:spPr>
+        <a:xfrm>
+          <a:off x="2177254" y="1341153"/>
+          <a:ext cx="1280721" cy="509300"/>
+        </a:xfrm>
+        <a:prstGeom prst="roundRect">
+          <a:avLst>
+            <a:gd name="adj" fmla="val 10000"/>
+          </a:avLst>
+        </a:prstGeom>
+        <a:solidFill>
+          <a:schemeClr val="accent1">
+            <a:hueOff val="0"/>
+            <a:satOff val="0"/>
+            <a:lumOff val="0"/>
+            <a:alphaOff val="0"/>
+          </a:schemeClr>
+        </a:solidFill>
+        <a:ln w="25400" cap="flat" cmpd="sng" algn="ctr">
+          <a:solidFill>
+            <a:schemeClr val="lt1">
+              <a:hueOff val="0"/>
+              <a:satOff val="0"/>
+              <a:lumOff val="0"/>
+              <a:alphaOff val="0"/>
+            </a:schemeClr>
+          </a:solidFill>
+          <a:prstDash val="solid"/>
+        </a:ln>
+        <a:effectLst/>
+      </dsp:spPr>
+      <dsp:style>
+        <a:lnRef idx="2">
+          <a:scrgbClr r="0" g="0" b="0"/>
+        </a:lnRef>
+        <a:fillRef idx="1">
+          <a:scrgbClr r="0" g="0" b="0"/>
+        </a:fillRef>
+        <a:effectRef idx="0">
+          <a:scrgbClr r="0" g="0" b="0"/>
+        </a:effectRef>
+        <a:fontRef idx="minor">
+          <a:schemeClr val="lt1"/>
+        </a:fontRef>
+      </dsp:style>
+      <dsp:txBody>
+        <a:bodyPr spcFirstLastPara="0" vert="horz" wrap="square" lIns="34290" tIns="22860" rIns="34290" bIns="22860" numCol="1" spcCol="1270" anchor="ctr" anchorCtr="0">
+          <a:noAutofit/>
+        </a:bodyPr>
+        <a:lstStyle/>
+        <a:p>
+          <a:pPr lvl="0" algn="ctr" defTabSz="800100">
+            <a:lnSpc>
+              <a:spcPct val="90000"/>
+            </a:lnSpc>
+            <a:spcBef>
+              <a:spcPct val="0"/>
+            </a:spcBef>
+            <a:spcAft>
+              <a:spcPct val="35000"/>
+            </a:spcAft>
+          </a:pPr>
+          <a:r>
+            <a:rPr lang="en-US" sz="1800" kern="1200" dirty="0" smtClean="0"/>
+            <a:t>Collect Data </a:t>
+          </a:r>
+          <a:endParaRPr lang="en-US" sz="1800" kern="1200" dirty="0"/>
+        </a:p>
+      </dsp:txBody>
+      <dsp:txXfrm>
+        <a:off x="2192171" y="1356070"/>
+        <a:ext cx="1250887" cy="479466"/>
+      </dsp:txXfrm>
+    </dsp:sp>
+    <dsp:sp modelId="{D6870E45-591C-7C42-BE64-B49D1CBE90D5}">
+      <dsp:nvSpPr>
+        <dsp:cNvPr id="0" name=""/>
+        <dsp:cNvSpPr/>
+      </dsp:nvSpPr>
+      <dsp:spPr>
+        <a:xfrm>
+          <a:off x="3707590" y="1595804"/>
+          <a:ext cx="1440811" cy="1188367"/>
+        </a:xfrm>
+        <a:prstGeom prst="roundRect">
+          <a:avLst>
+            <a:gd name="adj" fmla="val 10000"/>
+          </a:avLst>
+        </a:prstGeom>
+        <a:solidFill>
+          <a:schemeClr val="lt1">
+            <a:alpha val="90000"/>
+            <a:hueOff val="0"/>
+            <a:satOff val="0"/>
+            <a:lumOff val="0"/>
+            <a:alphaOff val="0"/>
+          </a:schemeClr>
+        </a:solidFill>
+        <a:ln w="25400" cap="flat" cmpd="sng" algn="ctr">
+          <a:solidFill>
+            <a:schemeClr val="accent1">
+              <a:hueOff val="0"/>
+              <a:satOff val="0"/>
+              <a:lumOff val="0"/>
+              <a:alphaOff val="0"/>
+            </a:schemeClr>
+          </a:solidFill>
+          <a:prstDash val="solid"/>
+        </a:ln>
+        <a:effectLst/>
+      </dsp:spPr>
+      <dsp:style>
+        <a:lnRef idx="2">
+          <a:scrgbClr r="0" g="0" b="0"/>
+        </a:lnRef>
+        <a:fillRef idx="1">
+          <a:scrgbClr r="0" g="0" b="0"/>
+        </a:fillRef>
+        <a:effectRef idx="0">
+          <a:scrgbClr r="0" g="0" b="0"/>
+        </a:effectRef>
+        <a:fontRef idx="minor"/>
+      </dsp:style>
+      <dsp:txBody>
+        <a:bodyPr spcFirstLastPara="0" vert="horz" wrap="square" lIns="20955" tIns="20955" rIns="20955" bIns="20955" numCol="1" spcCol="1270" anchor="t" anchorCtr="0">
+          <a:noAutofit/>
+        </a:bodyPr>
+        <a:lstStyle/>
+        <a:p>
+          <a:pPr marL="57150" lvl="1" indent="-57150" algn="l" defTabSz="488950">
+            <a:lnSpc>
+              <a:spcPct val="90000"/>
+            </a:lnSpc>
+            <a:spcBef>
+              <a:spcPct val="0"/>
+            </a:spcBef>
+            <a:spcAft>
+              <a:spcPct val="15000"/>
+            </a:spcAft>
+            <a:buChar char="••"/>
+          </a:pPr>
+          <a:r>
+            <a:rPr lang="en-US" sz="1100" kern="1200" dirty="0" smtClean="0"/>
+            <a:t>What flaws exist in the data?</a:t>
+          </a:r>
+          <a:endParaRPr lang="en-US" sz="1100" kern="1200" dirty="0"/>
+        </a:p>
+        <a:p>
+          <a:pPr marL="57150" lvl="1" indent="-57150" algn="l" defTabSz="488950">
+            <a:lnSpc>
+              <a:spcPct val="90000"/>
+            </a:lnSpc>
+            <a:spcBef>
+              <a:spcPct val="0"/>
+            </a:spcBef>
+            <a:spcAft>
+              <a:spcPct val="15000"/>
+            </a:spcAft>
+            <a:buChar char="••"/>
+          </a:pPr>
+          <a:r>
+            <a:rPr lang="en-US" sz="1100" kern="1200" dirty="0" smtClean="0"/>
+            <a:t>Check and address the four Cs</a:t>
+          </a:r>
+          <a:endParaRPr lang="en-US" sz="1100" kern="1200" dirty="0"/>
+        </a:p>
+      </dsp:txBody>
+      <dsp:txXfrm>
+        <a:off x="3734938" y="1623152"/>
+        <a:ext cx="1386115" cy="879021"/>
+      </dsp:txXfrm>
+    </dsp:sp>
+    <dsp:sp modelId="{4CAF90A0-856A-FD40-B080-658D7F5A9A85}">
+      <dsp:nvSpPr>
+        <dsp:cNvPr id="0" name=""/>
+        <dsp:cNvSpPr/>
+      </dsp:nvSpPr>
+      <dsp:spPr>
+        <a:xfrm>
+          <a:off x="4513978" y="1866947"/>
+          <a:ext cx="1606511" cy="1606511"/>
+        </a:xfrm>
+        <a:prstGeom prst="leftCircularArrow">
+          <a:avLst>
+            <a:gd name="adj1" fmla="val 3263"/>
+            <a:gd name="adj2" fmla="val 402578"/>
+            <a:gd name="adj3" fmla="val 2178089"/>
+            <a:gd name="adj4" fmla="val 9024489"/>
+            <a:gd name="adj5" fmla="val 3807"/>
+          </a:avLst>
+        </a:prstGeom>
+        <a:solidFill>
+          <a:schemeClr val="accent1">
+            <a:tint val="60000"/>
+            <a:hueOff val="0"/>
+            <a:satOff val="0"/>
+            <a:lumOff val="0"/>
+            <a:alphaOff val="0"/>
+          </a:schemeClr>
+        </a:solidFill>
+        <a:ln>
+          <a:noFill/>
+        </a:ln>
+        <a:effectLst/>
+      </dsp:spPr>
+      <dsp:style>
+        <a:lnRef idx="0">
+          <a:scrgbClr r="0" g="0" b="0"/>
+        </a:lnRef>
+        <a:fillRef idx="1">
+          <a:scrgbClr r="0" g="0" b="0"/>
+        </a:fillRef>
+        <a:effectRef idx="0">
+          <a:scrgbClr r="0" g="0" b="0"/>
+        </a:effectRef>
+        <a:fontRef idx="minor">
+          <a:schemeClr val="lt1"/>
+        </a:fontRef>
+      </dsp:style>
+    </dsp:sp>
+    <dsp:sp modelId="{28D77D5E-313D-6148-8C77-DA201CE1F97F}">
+      <dsp:nvSpPr>
+        <dsp:cNvPr id="0" name=""/>
+        <dsp:cNvSpPr/>
+      </dsp:nvSpPr>
+      <dsp:spPr>
+        <a:xfrm>
+          <a:off x="4027771" y="2529521"/>
+          <a:ext cx="1280721" cy="509300"/>
+        </a:xfrm>
+        <a:prstGeom prst="roundRect">
+          <a:avLst>
+            <a:gd name="adj" fmla="val 10000"/>
+          </a:avLst>
+        </a:prstGeom>
+        <a:solidFill>
+          <a:schemeClr val="accent1">
+            <a:hueOff val="0"/>
+            <a:satOff val="0"/>
+            <a:lumOff val="0"/>
+            <a:alphaOff val="0"/>
+          </a:schemeClr>
+        </a:solidFill>
+        <a:ln w="25400" cap="flat" cmpd="sng" algn="ctr">
+          <a:solidFill>
+            <a:schemeClr val="lt1">
+              <a:hueOff val="0"/>
+              <a:satOff val="0"/>
+              <a:lumOff val="0"/>
+              <a:alphaOff val="0"/>
+            </a:schemeClr>
+          </a:solidFill>
+          <a:prstDash val="solid"/>
+        </a:ln>
+        <a:effectLst/>
+      </dsp:spPr>
+      <dsp:style>
+        <a:lnRef idx="2">
+          <a:scrgbClr r="0" g="0" b="0"/>
+        </a:lnRef>
+        <a:fillRef idx="1">
+          <a:scrgbClr r="0" g="0" b="0"/>
+        </a:fillRef>
+        <a:effectRef idx="0">
+          <a:scrgbClr r="0" g="0" b="0"/>
+        </a:effectRef>
+        <a:fontRef idx="minor">
+          <a:schemeClr val="lt1"/>
+        </a:fontRef>
+      </dsp:style>
+      <dsp:txBody>
+        <a:bodyPr spcFirstLastPara="0" vert="horz" wrap="square" lIns="34290" tIns="22860" rIns="34290" bIns="22860" numCol="1" spcCol="1270" anchor="ctr" anchorCtr="0">
+          <a:noAutofit/>
+        </a:bodyPr>
+        <a:lstStyle/>
+        <a:p>
+          <a:pPr lvl="0" algn="ctr" defTabSz="800100">
+            <a:lnSpc>
+              <a:spcPct val="90000"/>
+            </a:lnSpc>
+            <a:spcBef>
+              <a:spcPct val="0"/>
+            </a:spcBef>
+            <a:spcAft>
+              <a:spcPct val="35000"/>
+            </a:spcAft>
+          </a:pPr>
+          <a:r>
+            <a:rPr lang="en-US" sz="1800" kern="1200" dirty="0" smtClean="0"/>
+            <a:t>Clean Data</a:t>
+          </a:r>
+          <a:endParaRPr lang="en-US" sz="1800" kern="1200" dirty="0"/>
+        </a:p>
+      </dsp:txBody>
+      <dsp:txXfrm>
+        <a:off x="4042688" y="2544438"/>
+        <a:ext cx="1250887" cy="479466"/>
+      </dsp:txXfrm>
+    </dsp:sp>
+    <dsp:sp modelId="{B0DDEC13-ACE4-4742-AF15-9777191C54CE}">
+      <dsp:nvSpPr>
+        <dsp:cNvPr id="0" name=""/>
+        <dsp:cNvSpPr/>
+      </dsp:nvSpPr>
+      <dsp:spPr>
+        <a:xfrm>
+          <a:off x="5558107" y="1595804"/>
+          <a:ext cx="1440811" cy="1188367"/>
+        </a:xfrm>
+        <a:prstGeom prst="roundRect">
+          <a:avLst>
+            <a:gd name="adj" fmla="val 10000"/>
+          </a:avLst>
+        </a:prstGeom>
+        <a:solidFill>
+          <a:schemeClr val="lt1">
+            <a:alpha val="90000"/>
+            <a:hueOff val="0"/>
+            <a:satOff val="0"/>
+            <a:lumOff val="0"/>
+            <a:alphaOff val="0"/>
+          </a:schemeClr>
+        </a:solidFill>
+        <a:ln w="25400" cap="flat" cmpd="sng" algn="ctr">
+          <a:solidFill>
+            <a:schemeClr val="accent1">
+              <a:hueOff val="0"/>
+              <a:satOff val="0"/>
+              <a:lumOff val="0"/>
+              <a:alphaOff val="0"/>
+            </a:schemeClr>
+          </a:solidFill>
+          <a:prstDash val="solid"/>
+        </a:ln>
+        <a:effectLst/>
+      </dsp:spPr>
+      <dsp:style>
+        <a:lnRef idx="2">
+          <a:scrgbClr r="0" g="0" b="0"/>
+        </a:lnRef>
+        <a:fillRef idx="1">
+          <a:scrgbClr r="0" g="0" b="0"/>
+        </a:fillRef>
+        <a:effectRef idx="0">
+          <a:scrgbClr r="0" g="0" b="0"/>
+        </a:effectRef>
+        <a:fontRef idx="minor"/>
+      </dsp:style>
+      <dsp:txBody>
+        <a:bodyPr spcFirstLastPara="0" vert="horz" wrap="square" lIns="20955" tIns="20955" rIns="20955" bIns="20955" numCol="1" spcCol="1270" anchor="t" anchorCtr="0">
+          <a:noAutofit/>
+        </a:bodyPr>
+        <a:lstStyle/>
+        <a:p>
+          <a:pPr marL="57150" lvl="1" indent="-57150" algn="l" defTabSz="488950">
+            <a:lnSpc>
+              <a:spcPct val="90000"/>
+            </a:lnSpc>
+            <a:spcBef>
+              <a:spcPct val="0"/>
+            </a:spcBef>
+            <a:spcAft>
+              <a:spcPct val="15000"/>
+            </a:spcAft>
+            <a:buChar char="••"/>
+          </a:pPr>
+          <a:r>
+            <a:rPr lang="en-US" sz="1100" kern="1200" dirty="0" smtClean="0"/>
+            <a:t>Transform / delete variables</a:t>
+          </a:r>
+          <a:endParaRPr lang="en-US" sz="1100" kern="1200" dirty="0"/>
+        </a:p>
+        <a:p>
+          <a:pPr marL="57150" lvl="1" indent="-57150" algn="l" defTabSz="488950">
+            <a:lnSpc>
+              <a:spcPct val="90000"/>
+            </a:lnSpc>
+            <a:spcBef>
+              <a:spcPct val="0"/>
+            </a:spcBef>
+            <a:spcAft>
+              <a:spcPct val="15000"/>
+            </a:spcAft>
+            <a:buChar char="••"/>
+          </a:pPr>
+          <a:r>
+            <a:rPr lang="en-US" sz="1100" kern="1200" dirty="0" smtClean="0"/>
+            <a:t>Create subsets / views</a:t>
+          </a:r>
+          <a:endParaRPr lang="en-US" sz="1100" kern="1200" dirty="0"/>
+        </a:p>
+        <a:p>
+          <a:pPr marL="57150" lvl="1" indent="-57150" algn="l" defTabSz="488950">
+            <a:lnSpc>
+              <a:spcPct val="90000"/>
+            </a:lnSpc>
+            <a:spcBef>
+              <a:spcPct val="0"/>
+            </a:spcBef>
+            <a:spcAft>
+              <a:spcPct val="15000"/>
+            </a:spcAft>
+            <a:buChar char="••"/>
+          </a:pPr>
+          <a:r>
+            <a:rPr lang="en-US" sz="1100" kern="1200" dirty="0" smtClean="0"/>
+            <a:t>Visualize</a:t>
+          </a:r>
+          <a:endParaRPr lang="en-US" sz="1100" kern="1200" dirty="0"/>
+        </a:p>
+      </dsp:txBody>
+      <dsp:txXfrm>
+        <a:off x="5585455" y="1877802"/>
+        <a:ext cx="1386115" cy="879021"/>
+      </dsp:txXfrm>
+    </dsp:sp>
+    <dsp:sp modelId="{1924B303-8A8F-D04A-9B5A-F833EB6F6268}">
+      <dsp:nvSpPr>
+        <dsp:cNvPr id="0" name=""/>
+        <dsp:cNvSpPr/>
+      </dsp:nvSpPr>
+      <dsp:spPr>
+        <a:xfrm>
+          <a:off x="6352488" y="859922"/>
+          <a:ext cx="1790614" cy="1790614"/>
+        </a:xfrm>
+        <a:prstGeom prst="circularArrow">
+          <a:avLst>
+            <a:gd name="adj1" fmla="val 2927"/>
+            <a:gd name="adj2" fmla="val 358341"/>
+            <a:gd name="adj3" fmla="val 19466149"/>
+            <a:gd name="adj4" fmla="val 12575511"/>
+            <a:gd name="adj5" fmla="val 3415"/>
+          </a:avLst>
+        </a:prstGeom>
+        <a:solidFill>
+          <a:srgbClr val="FFFFFF"/>
+        </a:solidFill>
+        <a:ln>
+          <a:solidFill>
+            <a:srgbClr val="FFFFFF"/>
+          </a:solidFill>
+        </a:ln>
+        <a:effectLst/>
+      </dsp:spPr>
+      <dsp:style>
+        <a:lnRef idx="0">
+          <a:scrgbClr r="0" g="0" b="0"/>
+        </a:lnRef>
+        <a:fillRef idx="1">
+          <a:scrgbClr r="0" g="0" b="0"/>
+        </a:fillRef>
+        <a:effectRef idx="0">
+          <a:scrgbClr r="0" g="0" b="0"/>
+        </a:effectRef>
+        <a:fontRef idx="minor">
+          <a:schemeClr val="lt1"/>
+        </a:fontRef>
+      </dsp:style>
+    </dsp:sp>
+    <dsp:sp modelId="{961E70B4-4CE0-EC49-99DE-1D5C9F9F9D7C}">
+      <dsp:nvSpPr>
+        <dsp:cNvPr id="0" name=""/>
+        <dsp:cNvSpPr/>
+      </dsp:nvSpPr>
+      <dsp:spPr>
+        <a:xfrm>
+          <a:off x="5878287" y="1341153"/>
+          <a:ext cx="1280721" cy="509300"/>
+        </a:xfrm>
+        <a:prstGeom prst="roundRect">
+          <a:avLst>
+            <a:gd name="adj" fmla="val 10000"/>
+          </a:avLst>
+        </a:prstGeom>
+        <a:solidFill>
+          <a:schemeClr val="accent1">
+            <a:hueOff val="0"/>
+            <a:satOff val="0"/>
+            <a:lumOff val="0"/>
+            <a:alphaOff val="0"/>
+          </a:schemeClr>
+        </a:solidFill>
+        <a:ln w="25400" cap="flat" cmpd="sng" algn="ctr">
+          <a:solidFill>
+            <a:schemeClr val="lt1">
+              <a:hueOff val="0"/>
+              <a:satOff val="0"/>
+              <a:lumOff val="0"/>
+              <a:alphaOff val="0"/>
+            </a:schemeClr>
+          </a:solidFill>
+          <a:prstDash val="solid"/>
+        </a:ln>
+        <a:effectLst/>
+      </dsp:spPr>
+      <dsp:style>
+        <a:lnRef idx="2">
+          <a:scrgbClr r="0" g="0" b="0"/>
+        </a:lnRef>
+        <a:fillRef idx="1">
+          <a:scrgbClr r="0" g="0" b="0"/>
+        </a:fillRef>
+        <a:effectRef idx="0">
+          <a:scrgbClr r="0" g="0" b="0"/>
+        </a:effectRef>
+        <a:fontRef idx="minor">
+          <a:schemeClr val="lt1"/>
+        </a:fontRef>
+      </dsp:style>
+      <dsp:txBody>
+        <a:bodyPr spcFirstLastPara="0" vert="horz" wrap="square" lIns="34290" tIns="22860" rIns="34290" bIns="22860" numCol="1" spcCol="1270" anchor="ctr" anchorCtr="0">
+          <a:noAutofit/>
+        </a:bodyPr>
+        <a:lstStyle/>
+        <a:p>
+          <a:pPr lvl="0" algn="ctr" defTabSz="800100">
+            <a:lnSpc>
+              <a:spcPct val="90000"/>
+            </a:lnSpc>
+            <a:spcBef>
+              <a:spcPct val="0"/>
+            </a:spcBef>
+            <a:spcAft>
+              <a:spcPct val="35000"/>
+            </a:spcAft>
+          </a:pPr>
+          <a:r>
+            <a:rPr lang="en-US" sz="1800" kern="1200" dirty="0" smtClean="0"/>
+            <a:t>Explore Data</a:t>
+          </a:r>
+          <a:endParaRPr lang="en-US" sz="1800" kern="1200" dirty="0"/>
+        </a:p>
+      </dsp:txBody>
+      <dsp:txXfrm>
+        <a:off x="5893204" y="1356070"/>
+        <a:ext cx="1250887" cy="479466"/>
+      </dsp:txXfrm>
+    </dsp:sp>
+    <dsp:sp modelId="{EC4E25C6-C3D7-4B4B-8BC5-92A960D631E0}">
+      <dsp:nvSpPr>
+        <dsp:cNvPr id="0" name=""/>
+        <dsp:cNvSpPr/>
+      </dsp:nvSpPr>
+      <dsp:spPr>
+        <a:xfrm>
+          <a:off x="7408623" y="1595804"/>
+          <a:ext cx="1440811" cy="1188367"/>
+        </a:xfrm>
+        <a:prstGeom prst="roundRect">
+          <a:avLst>
+            <a:gd name="adj" fmla="val 10000"/>
+          </a:avLst>
+        </a:prstGeom>
+        <a:solidFill>
+          <a:srgbClr val="FFFFFF"/>
+        </a:solidFill>
+        <a:ln w="25400" cap="flat" cmpd="sng" algn="ctr">
+          <a:solidFill>
+            <a:srgbClr val="FFFFFF"/>
+          </a:solidFill>
+          <a:prstDash val="solid"/>
+        </a:ln>
+        <a:effectLst/>
+      </dsp:spPr>
+      <dsp:style>
+        <a:lnRef idx="2">
+          <a:scrgbClr r="0" g="0" b="0"/>
+        </a:lnRef>
+        <a:fillRef idx="1">
+          <a:scrgbClr r="0" g="0" b="0"/>
+        </a:fillRef>
+        <a:effectRef idx="0">
+          <a:scrgbClr r="0" g="0" b="0"/>
+        </a:effectRef>
+        <a:fontRef idx="minor"/>
+      </dsp:style>
+      <dsp:txBody>
+        <a:bodyPr spcFirstLastPara="0" vert="horz" wrap="square" lIns="20955" tIns="20955" rIns="20955" bIns="20955" numCol="1" spcCol="1270" anchor="t" anchorCtr="0">
+          <a:noAutofit/>
+        </a:bodyPr>
+        <a:lstStyle/>
+        <a:p>
+          <a:pPr marL="57150" lvl="1" indent="-57150" algn="l" defTabSz="488950">
+            <a:lnSpc>
+              <a:spcPct val="90000"/>
+            </a:lnSpc>
+            <a:spcBef>
+              <a:spcPct val="0"/>
+            </a:spcBef>
+            <a:spcAft>
+              <a:spcPct val="15000"/>
+            </a:spcAft>
+            <a:buChar char="••"/>
+          </a:pPr>
+          <a:endParaRPr lang="en-US" sz="1100" kern="1200" dirty="0"/>
+        </a:p>
+      </dsp:txBody>
+      <dsp:txXfrm>
+        <a:off x="7435971" y="1623152"/>
+        <a:ext cx="1386115" cy="879021"/>
+      </dsp:txXfrm>
+    </dsp:sp>
+    <dsp:sp modelId="{AF6505CF-267F-3E45-B6F3-BA7036ABB4F7}">
+      <dsp:nvSpPr>
+        <dsp:cNvPr id="0" name=""/>
+        <dsp:cNvSpPr/>
+      </dsp:nvSpPr>
+      <dsp:spPr>
+        <a:xfrm>
+          <a:off x="7728804" y="2529521"/>
+          <a:ext cx="1280721" cy="509300"/>
+        </a:xfrm>
+        <a:prstGeom prst="roundRect">
+          <a:avLst>
+            <a:gd name="adj" fmla="val 10000"/>
+          </a:avLst>
+        </a:prstGeom>
+        <a:solidFill>
+          <a:srgbClr val="FFFFFF"/>
+        </a:solidFill>
+        <a:ln w="25400" cap="flat" cmpd="sng" algn="ctr">
+          <a:solidFill>
+            <a:srgbClr val="FFFFFF"/>
+          </a:solidFill>
+          <a:prstDash val="solid"/>
+        </a:ln>
+        <a:effectLst/>
+      </dsp:spPr>
+      <dsp:style>
+        <a:lnRef idx="2">
+          <a:scrgbClr r="0" g="0" b="0"/>
+        </a:lnRef>
+        <a:fillRef idx="1">
+          <a:scrgbClr r="0" g="0" b="0"/>
+        </a:fillRef>
+        <a:effectRef idx="0">
+          <a:scrgbClr r="0" g="0" b="0"/>
+        </a:effectRef>
+        <a:fontRef idx="minor">
+          <a:schemeClr val="lt1"/>
+        </a:fontRef>
+      </dsp:style>
+      <dsp:txBody>
+        <a:bodyPr spcFirstLastPara="0" vert="horz" wrap="square" lIns="34290" tIns="22860" rIns="34290" bIns="22860" numCol="1" spcCol="1270" anchor="ctr" anchorCtr="0">
+          <a:noAutofit/>
+        </a:bodyPr>
+        <a:lstStyle/>
+        <a:p>
+          <a:pPr lvl="0" algn="ctr" defTabSz="800100">
+            <a:lnSpc>
+              <a:spcPct val="90000"/>
+            </a:lnSpc>
+            <a:spcBef>
+              <a:spcPct val="0"/>
+            </a:spcBef>
+            <a:spcAft>
+              <a:spcPct val="35000"/>
+            </a:spcAft>
+          </a:pPr>
+          <a:r>
+            <a:rPr lang="en-US" sz="1800" kern="1200" dirty="0" smtClean="0"/>
+            <a:t>Use data</a:t>
+          </a:r>
+          <a:endParaRPr lang="en-US" sz="1800" kern="1200" dirty="0"/>
+        </a:p>
+      </dsp:txBody>
+      <dsp:txXfrm>
+        <a:off x="7743721" y="2544438"/>
+        <a:ext cx="1250887" cy="479466"/>
+      </dsp:txXfrm>
+    </dsp:sp>
   </dsp:spTree>
 </dsp:drawing>
 </file>
@@ -3657,7 +4724,7 @@
           <a:p>
             <a:fld id="{D3AAB66F-B1B7-D045-B4E8-4F60236F228D}" type="datetimeFigureOut">
               <a:rPr lang="en-US" smtClean="0"/>
-              <a:t>1/27/14</a:t>
+              <a:t>1/29/14</a:t>
             </a:fld>
             <a:endParaRPr lang="en-US"/>
           </a:p>
@@ -3823,7 +4890,7 @@
           <a:p>
             <a:fld id="{BCCF8E76-06A6-164E-A6FA-EC32C13EB232}" type="datetimeFigureOut">
               <a:rPr lang="en-US" smtClean="0"/>
-              <a:t>1/27/14</a:t>
+              <a:t>1/29/14</a:t>
             </a:fld>
             <a:endParaRPr lang="en-US"/>
           </a:p>
@@ -6542,7 +7609,7 @@
             <a:fld id="{FA3C144B-2939-9A49-B014-915EC3E81866}" type="datetime1">
               <a:rPr lang="en-US" smtClean="0"/>
               <a:pPr/>
-              <a:t>1/27/14</a:t>
+              <a:t>1/29/14</a:t>
             </a:fld>
             <a:endParaRPr lang="en-US" dirty="0"/>
           </a:p>
@@ -6971,7 +8038,7 @@
           <a:p>
             <a:fld id="{76838339-A875-5E45-AB3F-AAABD270346A}" type="datetime1">
               <a:rPr lang="en-US" smtClean="0"/>
-              <a:t>1/27/14</a:t>
+              <a:t>1/29/14</a:t>
             </a:fld>
             <a:endParaRPr lang="en-US"/>
           </a:p>
@@ -7257,7 +8324,7 @@
             <a:fld id="{FA3C144B-2939-9A49-B014-915EC3E81866}" type="datetime1">
               <a:rPr lang="en-US" smtClean="0"/>
               <a:pPr/>
-              <a:t>1/27/14</a:t>
+              <a:t>1/29/14</a:t>
             </a:fld>
             <a:endParaRPr lang="en-US" dirty="0"/>
           </a:p>
@@ -7739,7 +8806,7 @@
           <a:p>
             <a:fld id="{A73F672F-A5FB-5745-934A-1BF51CA5539C}" type="datetime1">
               <a:rPr lang="en-US" smtClean="0"/>
-              <a:t>1/27/14</a:t>
+              <a:t>1/29/14</a:t>
             </a:fld>
             <a:endParaRPr lang="en-US"/>
           </a:p>
@@ -8081,7 +9148,7 @@
             <a:fld id="{FA3C144B-2939-9A49-B014-915EC3E81866}" type="datetime1">
               <a:rPr lang="en-US" smtClean="0"/>
               <a:pPr/>
-              <a:t>1/27/14</a:t>
+              <a:t>1/29/14</a:t>
             </a:fld>
             <a:endParaRPr lang="en-US" dirty="0"/>
           </a:p>
@@ -8545,7 +9612,7 @@
           <a:p>
             <a:fld id="{6AFE6A63-5EBE-3E48-B0AE-DF655A1ECE76}" type="datetime1">
               <a:rPr lang="en-US" smtClean="0"/>
-              <a:t>1/27/14</a:t>
+              <a:t>1/29/14</a:t>
             </a:fld>
             <a:endParaRPr lang="en-US"/>
           </a:p>
@@ -8864,7 +9931,7 @@
           <a:p>
             <a:fld id="{4A019F0C-9D18-B54A-9AC9-18AA74EDB034}" type="datetime1">
               <a:rPr lang="en-US" smtClean="0"/>
-              <a:t>1/27/14</a:t>
+              <a:t>1/29/14</a:t>
             </a:fld>
             <a:endParaRPr lang="en-US"/>
           </a:p>
@@ -9174,7 +10241,7 @@
             <a:fld id="{FA3C144B-2939-9A49-B014-915EC3E81866}" type="datetime1">
               <a:rPr lang="en-US" smtClean="0"/>
               <a:pPr/>
-              <a:t>1/27/14</a:t>
+              <a:t>1/29/14</a:t>
             </a:fld>
             <a:endParaRPr lang="en-US" dirty="0"/>
           </a:p>
@@ -9437,7 +10504,7 @@
           <a:p>
             <a:fld id="{FA3C144B-2939-9A49-B014-915EC3E81866}" type="datetime1">
               <a:rPr lang="en-US" smtClean="0"/>
-              <a:t>1/27/14</a:t>
+              <a:t>1/29/14</a:t>
             </a:fld>
             <a:endParaRPr lang="en-US" dirty="0"/>
           </a:p>
@@ -9805,7 +10872,7 @@
           <a:p>
             <a:fld id="{7053BEFA-1175-F644-B249-7D41D72BD3FF}" type="datetime1">
               <a:rPr lang="en-US" smtClean="0"/>
-              <a:t>1/27/14</a:t>
+              <a:t>1/29/14</a:t>
             </a:fld>
             <a:endParaRPr lang="en-US"/>
           </a:p>
@@ -9924,7 +10991,7 @@
             <a:fld id="{FA3C144B-2939-9A49-B014-915EC3E81866}" type="datetime1">
               <a:rPr lang="en-US" smtClean="0"/>
               <a:pPr/>
-              <a:t>1/27/14</a:t>
+              <a:t>1/29/14</a:t>
             </a:fld>
             <a:endParaRPr lang="en-US" dirty="0"/>
           </a:p>
@@ -10141,7 +11208,7 @@
             <a:fld id="{FA3C144B-2939-9A49-B014-915EC3E81866}" type="datetime1">
               <a:rPr lang="en-US" smtClean="0"/>
               <a:pPr/>
-              <a:t>1/27/14</a:t>
+              <a:t>1/29/14</a:t>
             </a:fld>
             <a:endParaRPr lang="en-US" dirty="0"/>
           </a:p>
@@ -10386,7 +11453,7 @@
             <a:fld id="{FA3C144B-2939-9A49-B014-915EC3E81866}" type="datetime1">
               <a:rPr lang="en-US" smtClean="0"/>
               <a:pPr/>
-              <a:t>1/27/14</a:t>
+              <a:t>1/29/14</a:t>
             </a:fld>
             <a:endParaRPr lang="en-US" dirty="0"/>
           </a:p>
@@ -10764,7 +11831,7 @@
           <a:p>
             <a:fld id="{111EEF3B-ABF2-AA4E-9E24-0C6256942674}" type="datetime1">
               <a:rPr lang="en-US" smtClean="0"/>
-              <a:t>1/27/14</a:t>
+              <a:t>1/29/14</a:t>
             </a:fld>
             <a:endParaRPr lang="en-US"/>
           </a:p>
@@ -10928,7 +11995,7 @@
             <a:fld id="{FA3C144B-2939-9A49-B014-915EC3E81866}" type="datetime1">
               <a:rPr lang="en-US" smtClean="0"/>
               <a:pPr/>
-              <a:t>1/27/14</a:t>
+              <a:t>1/29/14</a:t>
             </a:fld>
             <a:endParaRPr lang="en-US" dirty="0"/>
           </a:p>
@@ -11345,7 +12412,7 @@
             <a:fld id="{FA3C144B-2939-9A49-B014-915EC3E81866}" type="datetime1">
               <a:rPr lang="en-US" smtClean="0"/>
               <a:pPr/>
-              <a:t>1/27/14</a:t>
+              <a:t>1/29/14</a:t>
             </a:fld>
             <a:endParaRPr lang="en-US" dirty="0"/>
           </a:p>
@@ -11661,7 +12728,7 @@
             <a:fld id="{FA3C144B-2939-9A49-B014-915EC3E81866}" type="datetime1">
               <a:rPr lang="en-US" smtClean="0"/>
               <a:pPr/>
-              <a:t>1/27/14</a:t>
+              <a:t>1/29/14</a:t>
             </a:fld>
             <a:endParaRPr lang="en-US" dirty="0"/>
           </a:p>
@@ -12327,7 +13394,7 @@
             <a:fld id="{FA3C144B-2939-9A49-B014-915EC3E81866}" type="datetime1">
               <a:rPr lang="en-US" smtClean="0"/>
               <a:pPr/>
-              <a:t>1/27/14</a:t>
+              <a:t>1/29/14</a:t>
             </a:fld>
             <a:endParaRPr lang="en-US" dirty="0"/>
           </a:p>
@@ -13528,7 +14595,7 @@
           <a:p>
             <a:fld id="{7053BEFA-1175-F644-B249-7D41D72BD3FF}" type="datetime1">
               <a:rPr lang="en-US" smtClean="0"/>
-              <a:t>1/27/14</a:t>
+              <a:t>1/29/14</a:t>
             </a:fld>
             <a:endParaRPr lang="en-US"/>
           </a:p>
@@ -13735,7 +14802,7 @@
           <a:p>
             <a:fld id="{7053BEFA-1175-F644-B249-7D41D72BD3FF}" type="datetime1">
               <a:rPr lang="en-US" smtClean="0"/>
-              <a:t>1/27/14</a:t>
+              <a:t>1/29/14</a:t>
             </a:fld>
             <a:endParaRPr lang="en-US"/>
           </a:p>
@@ -13878,7 +14945,7 @@
           <a:p>
             <a:fld id="{7053BEFA-1175-F644-B249-7D41D72BD3FF}" type="datetime1">
               <a:rPr lang="en-US" smtClean="0"/>
-              <a:t>1/27/14</a:t>
+              <a:t>1/29/14</a:t>
             </a:fld>
             <a:endParaRPr lang="en-US"/>
           </a:p>
@@ -14139,7 +15206,7 @@
           <a:p>
             <a:fld id="{7053BEFA-1175-F644-B249-7D41D72BD3FF}" type="datetime1">
               <a:rPr lang="en-US" smtClean="0"/>
-              <a:t>1/27/14</a:t>
+              <a:t>1/29/14</a:t>
             </a:fld>
             <a:endParaRPr lang="en-US"/>
           </a:p>
@@ -14339,7 +15406,7 @@
           <a:p>
             <a:fld id="{7053BEFA-1175-F644-B249-7D41D72BD3FF}" type="datetime1">
               <a:rPr lang="en-US" smtClean="0"/>
-              <a:t>1/27/14</a:t>
+              <a:t>1/29/14</a:t>
             </a:fld>
             <a:endParaRPr lang="en-US"/>
           </a:p>
@@ -14545,7 +15612,7 @@
           <a:p>
             <a:fld id="{7053BEFA-1175-F644-B249-7D41D72BD3FF}" type="datetime1">
               <a:rPr lang="en-US" smtClean="0"/>
-              <a:t>1/27/14</a:t>
+              <a:t>1/29/14</a:t>
             </a:fld>
             <a:endParaRPr lang="en-US"/>
           </a:p>
@@ -15373,7 +16440,7 @@
           <a:p>
             <a:fld id="{7053BEFA-1175-F644-B249-7D41D72BD3FF}" type="datetime1">
               <a:rPr lang="en-US" smtClean="0"/>
-              <a:t>1/27/14</a:t>
+              <a:t>1/29/14</a:t>
             </a:fld>
             <a:endParaRPr lang="en-US"/>
           </a:p>
@@ -16829,7 +17896,7 @@
           <a:p>
             <a:fld id="{7053BEFA-1175-F644-B249-7D41D72BD3FF}" type="datetime1">
               <a:rPr lang="en-US" smtClean="0"/>
-              <a:t>1/27/14</a:t>
+              <a:t>1/29/14</a:t>
             </a:fld>
             <a:endParaRPr lang="en-US"/>
           </a:p>
@@ -20699,7 +21766,7 @@
           <a:p>
             <a:fld id="{7053BEFA-1175-F644-B249-7D41D72BD3FF}" type="datetime1">
               <a:rPr lang="en-US" smtClean="0"/>
-              <a:t>1/27/14</a:t>
+              <a:t>1/29/14</a:t>
             </a:fld>
             <a:endParaRPr lang="en-US"/>
           </a:p>
@@ -20843,7 +21910,7 @@
           <a:p>
             <a:fld id="{111EEF3B-ABF2-AA4E-9E24-0C6256942674}" type="datetime1">
               <a:rPr lang="en-US" smtClean="0"/>
-              <a:t>1/27/14</a:t>
+              <a:t>1/29/14</a:t>
             </a:fld>
             <a:endParaRPr lang="en-US"/>
           </a:p>
@@ -20967,7 +22034,7 @@
           <a:p>
             <a:fld id="{7053BEFA-1175-F644-B249-7D41D72BD3FF}" type="datetime1">
               <a:rPr lang="en-US" smtClean="0"/>
-              <a:t>1/27/14</a:t>
+              <a:t>1/29/14</a:t>
             </a:fld>
             <a:endParaRPr lang="en-US"/>
           </a:p>
@@ -21162,7 +22229,7 @@
           <a:p>
             <a:fld id="{7053BEFA-1175-F644-B249-7D41D72BD3FF}" type="datetime1">
               <a:rPr lang="en-US" smtClean="0"/>
-              <a:t>1/27/14</a:t>
+              <a:t>1/29/14</a:t>
             </a:fld>
             <a:endParaRPr lang="en-US"/>
           </a:p>
@@ -21280,7 +22347,7 @@
           <a:p>
             <a:fld id="{7053BEFA-1175-F644-B249-7D41D72BD3FF}" type="datetime1">
               <a:rPr lang="en-US" smtClean="0"/>
-              <a:t>1/27/14</a:t>
+              <a:t>1/29/14</a:t>
             </a:fld>
             <a:endParaRPr lang="en-US"/>
           </a:p>
@@ -21423,7 +22490,7 @@
           <a:p>
             <a:fld id="{7053BEFA-1175-F644-B249-7D41D72BD3FF}" type="datetime1">
               <a:rPr lang="en-US" smtClean="0"/>
-              <a:t>1/27/14</a:t>
+              <a:t>1/29/14</a:t>
             </a:fld>
             <a:endParaRPr lang="en-US"/>
           </a:p>
@@ -21597,7 +22664,7 @@
           <a:p>
             <a:fld id="{7053BEFA-1175-F644-B249-7D41D72BD3FF}" type="datetime1">
               <a:rPr lang="en-US" smtClean="0"/>
-              <a:t>1/27/14</a:t>
+              <a:t>1/29/14</a:t>
             </a:fld>
             <a:endParaRPr lang="en-US"/>
           </a:p>
@@ -21754,7 +22821,7 @@
           <a:p>
             <a:fld id="{7053BEFA-1175-F644-B249-7D41D72BD3FF}" type="datetime1">
               <a:rPr lang="en-US" smtClean="0"/>
-              <a:t>1/27/14</a:t>
+              <a:t>1/29/14</a:t>
             </a:fld>
             <a:endParaRPr lang="en-US"/>
           </a:p>
@@ -22041,7 +23108,7 @@
           <a:p>
             <a:fld id="{7053BEFA-1175-F644-B249-7D41D72BD3FF}" type="datetime1">
               <a:rPr lang="en-US" smtClean="0"/>
-              <a:t>1/27/14</a:t>
+              <a:t>1/29/14</a:t>
             </a:fld>
             <a:endParaRPr lang="en-US"/>
           </a:p>
@@ -22378,7 +23445,7 @@
           <a:p>
             <a:fld id="{7053BEFA-1175-F644-B249-7D41D72BD3FF}" type="datetime1">
               <a:rPr lang="en-US" smtClean="0"/>
-              <a:t>1/27/14</a:t>
+              <a:t>1/29/14</a:t>
             </a:fld>
             <a:endParaRPr lang="en-US"/>
           </a:p>
@@ -22561,7 +23628,7 @@
           <a:p>
             <a:fld id="{7053BEFA-1175-F644-B249-7D41D72BD3FF}" type="datetime1">
               <a:rPr lang="en-US" smtClean="0"/>
-              <a:t>1/27/14</a:t>
+              <a:t>1/29/14</a:t>
             </a:fld>
             <a:endParaRPr lang="en-US"/>
           </a:p>
@@ -22779,7 +23846,7 @@
           <a:p>
             <a:fld id="{7053BEFA-1175-F644-B249-7D41D72BD3FF}" type="datetime1">
               <a:rPr lang="en-US" smtClean="0"/>
-              <a:t>1/27/14</a:t>
+              <a:t>1/29/14</a:t>
             </a:fld>
             <a:endParaRPr lang="en-US"/>
           </a:p>
@@ -22983,7 +24050,7 @@
           <a:p>
             <a:fld id="{7053BEFA-1175-F644-B249-7D41D72BD3FF}" type="datetime1">
               <a:rPr lang="en-US" smtClean="0"/>
-              <a:t>1/27/14</a:t>
+              <a:t>1/29/14</a:t>
             </a:fld>
             <a:endParaRPr lang="en-US"/>
           </a:p>
@@ -23209,7 +24276,7 @@
             <a:fld id="{A73F672F-A5FB-5745-934A-1BF51CA5539C}" type="datetime1">
               <a:rPr lang="en-US" smtClean="0"/>
               <a:pPr/>
-              <a:t>1/27/14</a:t>
+              <a:t>1/29/14</a:t>
             </a:fld>
             <a:endParaRPr lang="en-US"/>
           </a:p>
@@ -23328,7 +24395,7 @@
           <a:p>
             <a:fld id="{7053BEFA-1175-F644-B249-7D41D72BD3FF}" type="datetime1">
               <a:rPr lang="en-US" smtClean="0"/>
-              <a:t>1/27/14</a:t>
+              <a:t>1/29/14</a:t>
             </a:fld>
             <a:endParaRPr lang="en-US"/>
           </a:p>
@@ -23886,7 +24953,7 @@
           <a:p>
             <a:fld id="{7053BEFA-1175-F644-B249-7D41D72BD3FF}" type="datetime1">
               <a:rPr lang="en-US" smtClean="0"/>
-              <a:t>1/27/14</a:t>
+              <a:t>1/29/14</a:t>
             </a:fld>
             <a:endParaRPr lang="en-US"/>
           </a:p>
@@ -24391,7 +25458,7 @@
           <a:p>
             <a:fld id="{7053BEFA-1175-F644-B249-7D41D72BD3FF}" type="datetime1">
               <a:rPr lang="en-US" smtClean="0"/>
-              <a:t>1/27/14</a:t>
+              <a:t>1/29/14</a:t>
             </a:fld>
             <a:endParaRPr lang="en-US"/>
           </a:p>
@@ -24902,7 +25969,7 @@
             <a:fld id="{FA3C144B-2939-9A49-B014-915EC3E81866}" type="datetime1">
               <a:rPr lang="en-US" smtClean="0"/>
               <a:pPr/>
-              <a:t>1/27/14</a:t>
+              <a:t>1/29/14</a:t>
             </a:fld>
             <a:endParaRPr lang="en-US" dirty="0"/>
           </a:p>
@@ -25132,7 +26199,7 @@
           <a:p>
             <a:fld id="{7053BEFA-1175-F644-B249-7D41D72BD3FF}" type="datetime1">
               <a:rPr lang="en-US" smtClean="0"/>
-              <a:t>1/27/14</a:t>
+              <a:t>1/29/14</a:t>
             </a:fld>
             <a:endParaRPr lang="en-US"/>
           </a:p>
@@ -25249,7 +26316,7 @@
           <a:p>
             <a:fld id="{7053BEFA-1175-F644-B249-7D41D72BD3FF}" type="datetime1">
               <a:rPr lang="en-US" smtClean="0"/>
-              <a:t>1/27/14</a:t>
+              <a:t>1/29/14</a:t>
             </a:fld>
             <a:endParaRPr lang="en-US"/>
           </a:p>
@@ -25450,7 +26517,7 @@
           <a:p>
             <a:fld id="{111EEF3B-ABF2-AA4E-9E24-0C6256942674}" type="datetime1">
               <a:rPr lang="en-US" smtClean="0"/>
-              <a:t>1/27/14</a:t>
+              <a:t>1/29/14</a:t>
             </a:fld>
             <a:endParaRPr lang="en-US"/>
           </a:p>
@@ -25640,7 +26707,7 @@
           <a:p>
             <a:fld id="{111EEF3B-ABF2-AA4E-9E24-0C6256942674}" type="datetime1">
               <a:rPr lang="en-US" smtClean="0"/>
-              <a:t>1/27/14</a:t>
+              <a:t>1/29/14</a:t>
             </a:fld>
             <a:endParaRPr lang="en-US"/>
           </a:p>
@@ -25795,7 +26862,7 @@
           <a:p>
             <a:fld id="{7053BEFA-1175-F644-B249-7D41D72BD3FF}" type="datetime1">
               <a:rPr lang="en-US" smtClean="0"/>
-              <a:t>1/27/14</a:t>
+              <a:t>1/29/14</a:t>
             </a:fld>
             <a:endParaRPr lang="en-US"/>
           </a:p>
@@ -25932,7 +26999,7 @@
           <a:p>
             <a:fld id="{7053BEFA-1175-F644-B249-7D41D72BD3FF}" type="datetime1">
               <a:rPr lang="en-US" smtClean="0"/>
-              <a:t>1/27/14</a:t>
+              <a:t>1/29/14</a:t>
             </a:fld>
             <a:endParaRPr lang="en-US"/>
           </a:p>
@@ -26076,7 +27143,7 @@
           <a:p>
             <a:fld id="{7053BEFA-1175-F644-B249-7D41D72BD3FF}" type="datetime1">
               <a:rPr lang="en-US" smtClean="0"/>
-              <a:t>1/27/14</a:t>
+              <a:t>1/29/14</a:t>
             </a:fld>
             <a:endParaRPr lang="en-US"/>
           </a:p>
@@ -26236,7 +27303,7 @@
           <a:p>
             <a:fld id="{7053BEFA-1175-F644-B249-7D41D72BD3FF}" type="datetime1">
               <a:rPr lang="en-US" smtClean="0"/>
-              <a:t>1/27/14</a:t>
+              <a:t>1/29/14</a:t>
             </a:fld>
             <a:endParaRPr lang="en-US"/>
           </a:p>

--- a/Lectures/6 Exploration.pptx
+++ b/Lectures/6 Exploration.pptx
@@ -4724,7 +4724,7 @@
           <a:p>
             <a:fld id="{D3AAB66F-B1B7-D045-B4E8-4F60236F228D}" type="datetimeFigureOut">
               <a:rPr lang="en-US" smtClean="0"/>
-              <a:t>1/29/14</a:t>
+              <a:t>1/30/14</a:t>
             </a:fld>
             <a:endParaRPr lang="en-US"/>
           </a:p>
@@ -4890,7 +4890,7 @@
           <a:p>
             <a:fld id="{BCCF8E76-06A6-164E-A6FA-EC32C13EB232}" type="datetimeFigureOut">
               <a:rPr lang="en-US" smtClean="0"/>
-              <a:t>1/29/14</a:t>
+              <a:t>1/30/14</a:t>
             </a:fld>
             <a:endParaRPr lang="en-US"/>
           </a:p>
@@ -5301,16 +5301,17 @@
           <a:p>
             <a:r>
               <a:rPr lang="en-US" dirty="0" smtClean="0"/>
-              <a:t>Same boxplots with lots of outliers (prior to cleaning)</a:t>
+              <a:t>Same boxplots with lots of outliers (prior to </a:t>
+            </a:r>
+            <a:r>
+              <a:rPr lang="en-US" smtClean="0"/>
+              <a:t>cleaning</a:t>
+            </a:r>
+            <a:r>
+              <a:rPr lang="en-US" smtClean="0"/>
+              <a:t>)</a:t>
             </a:r>
             <a:endParaRPr lang="en-US" baseline="0" dirty="0" smtClean="0"/>
-          </a:p>
-          <a:p>
-            <a:r>
-              <a:rPr lang="en-US" baseline="0" dirty="0" smtClean="0"/>
-              <a:t>Also – is this even an appropriate display for zips</a:t>
-            </a:r>
-            <a:endParaRPr lang="en-US" dirty="0"/>
           </a:p>
         </p:txBody>
       </p:sp>
@@ -7038,13 +7039,11 @@
           <a:p>
             <a:r>
               <a:rPr lang="en-US" baseline="0" dirty="0" smtClean="0"/>
-              <a:t>Also – is this even an appropriate display for zips</a:t>
-            </a:r>
-          </a:p>
-          <a:p>
+              <a:t>Boxplots </a:t>
+            </a:r>
             <a:r>
               <a:rPr lang="en-US" baseline="0" dirty="0" smtClean="0"/>
-              <a:t>Boxplots make comparison really easy … </a:t>
+              <a:t>make comparison really easy … </a:t>
             </a:r>
           </a:p>
           <a:p>
@@ -7609,7 +7608,7 @@
             <a:fld id="{FA3C144B-2939-9A49-B014-915EC3E81866}" type="datetime1">
               <a:rPr lang="en-US" smtClean="0"/>
               <a:pPr/>
-              <a:t>1/29/14</a:t>
+              <a:t>1/30/14</a:t>
             </a:fld>
             <a:endParaRPr lang="en-US" dirty="0"/>
           </a:p>
@@ -8038,7 +8037,7 @@
           <a:p>
             <a:fld id="{76838339-A875-5E45-AB3F-AAABD270346A}" type="datetime1">
               <a:rPr lang="en-US" smtClean="0"/>
-              <a:t>1/29/14</a:t>
+              <a:t>1/30/14</a:t>
             </a:fld>
             <a:endParaRPr lang="en-US"/>
           </a:p>
@@ -8324,7 +8323,7 @@
             <a:fld id="{FA3C144B-2939-9A49-B014-915EC3E81866}" type="datetime1">
               <a:rPr lang="en-US" smtClean="0"/>
               <a:pPr/>
-              <a:t>1/29/14</a:t>
+              <a:t>1/30/14</a:t>
             </a:fld>
             <a:endParaRPr lang="en-US" dirty="0"/>
           </a:p>
@@ -8806,7 +8805,7 @@
           <a:p>
             <a:fld id="{A73F672F-A5FB-5745-934A-1BF51CA5539C}" type="datetime1">
               <a:rPr lang="en-US" smtClean="0"/>
-              <a:t>1/29/14</a:t>
+              <a:t>1/30/14</a:t>
             </a:fld>
             <a:endParaRPr lang="en-US"/>
           </a:p>
@@ -9148,7 +9147,7 @@
             <a:fld id="{FA3C144B-2939-9A49-B014-915EC3E81866}" type="datetime1">
               <a:rPr lang="en-US" smtClean="0"/>
               <a:pPr/>
-              <a:t>1/29/14</a:t>
+              <a:t>1/30/14</a:t>
             </a:fld>
             <a:endParaRPr lang="en-US" dirty="0"/>
           </a:p>
@@ -9612,7 +9611,7 @@
           <a:p>
             <a:fld id="{6AFE6A63-5EBE-3E48-B0AE-DF655A1ECE76}" type="datetime1">
               <a:rPr lang="en-US" smtClean="0"/>
-              <a:t>1/29/14</a:t>
+              <a:t>1/30/14</a:t>
             </a:fld>
             <a:endParaRPr lang="en-US"/>
           </a:p>
@@ -9931,7 +9930,7 @@
           <a:p>
             <a:fld id="{4A019F0C-9D18-B54A-9AC9-18AA74EDB034}" type="datetime1">
               <a:rPr lang="en-US" smtClean="0"/>
-              <a:t>1/29/14</a:t>
+              <a:t>1/30/14</a:t>
             </a:fld>
             <a:endParaRPr lang="en-US"/>
           </a:p>
@@ -10241,7 +10240,7 @@
             <a:fld id="{FA3C144B-2939-9A49-B014-915EC3E81866}" type="datetime1">
               <a:rPr lang="en-US" smtClean="0"/>
               <a:pPr/>
-              <a:t>1/29/14</a:t>
+              <a:t>1/30/14</a:t>
             </a:fld>
             <a:endParaRPr lang="en-US" dirty="0"/>
           </a:p>
@@ -10504,7 +10503,7 @@
           <a:p>
             <a:fld id="{FA3C144B-2939-9A49-B014-915EC3E81866}" type="datetime1">
               <a:rPr lang="en-US" smtClean="0"/>
-              <a:t>1/29/14</a:t>
+              <a:t>1/30/14</a:t>
             </a:fld>
             <a:endParaRPr lang="en-US" dirty="0"/>
           </a:p>
@@ -10872,7 +10871,7 @@
           <a:p>
             <a:fld id="{7053BEFA-1175-F644-B249-7D41D72BD3FF}" type="datetime1">
               <a:rPr lang="en-US" smtClean="0"/>
-              <a:t>1/29/14</a:t>
+              <a:t>1/30/14</a:t>
             </a:fld>
             <a:endParaRPr lang="en-US"/>
           </a:p>
@@ -10991,7 +10990,7 @@
             <a:fld id="{FA3C144B-2939-9A49-B014-915EC3E81866}" type="datetime1">
               <a:rPr lang="en-US" smtClean="0"/>
               <a:pPr/>
-              <a:t>1/29/14</a:t>
+              <a:t>1/30/14</a:t>
             </a:fld>
             <a:endParaRPr lang="en-US" dirty="0"/>
           </a:p>
@@ -11208,7 +11207,7 @@
             <a:fld id="{FA3C144B-2939-9A49-B014-915EC3E81866}" type="datetime1">
               <a:rPr lang="en-US" smtClean="0"/>
               <a:pPr/>
-              <a:t>1/29/14</a:t>
+              <a:t>1/30/14</a:t>
             </a:fld>
             <a:endParaRPr lang="en-US" dirty="0"/>
           </a:p>
@@ -11453,7 +11452,7 @@
             <a:fld id="{FA3C144B-2939-9A49-B014-915EC3E81866}" type="datetime1">
               <a:rPr lang="en-US" smtClean="0"/>
               <a:pPr/>
-              <a:t>1/29/14</a:t>
+              <a:t>1/30/14</a:t>
             </a:fld>
             <a:endParaRPr lang="en-US" dirty="0"/>
           </a:p>
@@ -11831,7 +11830,7 @@
           <a:p>
             <a:fld id="{111EEF3B-ABF2-AA4E-9E24-0C6256942674}" type="datetime1">
               <a:rPr lang="en-US" smtClean="0"/>
-              <a:t>1/29/14</a:t>
+              <a:t>1/30/14</a:t>
             </a:fld>
             <a:endParaRPr lang="en-US"/>
           </a:p>
@@ -11995,7 +11994,7 @@
             <a:fld id="{FA3C144B-2939-9A49-B014-915EC3E81866}" type="datetime1">
               <a:rPr lang="en-US" smtClean="0"/>
               <a:pPr/>
-              <a:t>1/29/14</a:t>
+              <a:t>1/30/14</a:t>
             </a:fld>
             <a:endParaRPr lang="en-US" dirty="0"/>
           </a:p>
@@ -12412,7 +12411,7 @@
             <a:fld id="{FA3C144B-2939-9A49-B014-915EC3E81866}" type="datetime1">
               <a:rPr lang="en-US" smtClean="0"/>
               <a:pPr/>
-              <a:t>1/29/14</a:t>
+              <a:t>1/30/14</a:t>
             </a:fld>
             <a:endParaRPr lang="en-US" dirty="0"/>
           </a:p>
@@ -12728,7 +12727,7 @@
             <a:fld id="{FA3C144B-2939-9A49-B014-915EC3E81866}" type="datetime1">
               <a:rPr lang="en-US" smtClean="0"/>
               <a:pPr/>
-              <a:t>1/29/14</a:t>
+              <a:t>1/30/14</a:t>
             </a:fld>
             <a:endParaRPr lang="en-US" dirty="0"/>
           </a:p>
@@ -13394,7 +13393,7 @@
             <a:fld id="{FA3C144B-2939-9A49-B014-915EC3E81866}" type="datetime1">
               <a:rPr lang="en-US" smtClean="0"/>
               <a:pPr/>
-              <a:t>1/29/14</a:t>
+              <a:t>1/30/14</a:t>
             </a:fld>
             <a:endParaRPr lang="en-US" dirty="0"/>
           </a:p>
@@ -14438,6 +14437,13 @@
   <p:clrMapOvr>
     <a:masterClrMapping/>
   </p:clrMapOvr>
+  <p:timing>
+    <p:tnLst>
+      <p:par>
+        <p:cTn xmlns:p14="http://schemas.microsoft.com/office/powerpoint/2010/main" id="1" dur="indefinite" restart="never" nodeType="tmRoot"/>
+      </p:par>
+    </p:tnLst>
+  </p:timing>
 </p:sld>
 </file>
 
@@ -14595,7 +14601,7 @@
           <a:p>
             <a:fld id="{7053BEFA-1175-F644-B249-7D41D72BD3FF}" type="datetime1">
               <a:rPr lang="en-US" smtClean="0"/>
-              <a:t>1/29/14</a:t>
+              <a:t>1/30/14</a:t>
             </a:fld>
             <a:endParaRPr lang="en-US"/>
           </a:p>
@@ -14653,6 +14659,13 @@
   <p:clrMapOvr>
     <a:masterClrMapping/>
   </p:clrMapOvr>
+  <p:timing>
+    <p:tnLst>
+      <p:par>
+        <p:cTn xmlns:p14="http://schemas.microsoft.com/office/powerpoint/2010/main" id="1" dur="indefinite" restart="never" nodeType="tmRoot"/>
+      </p:par>
+    </p:tnLst>
+  </p:timing>
 </p:sld>
 </file>
 
@@ -14802,7 +14815,7 @@
           <a:p>
             <a:fld id="{7053BEFA-1175-F644-B249-7D41D72BD3FF}" type="datetime1">
               <a:rPr lang="en-US" smtClean="0"/>
-              <a:t>1/29/14</a:t>
+              <a:t>1/30/14</a:t>
             </a:fld>
             <a:endParaRPr lang="en-US"/>
           </a:p>
@@ -14860,6 +14873,13 @@
   <p:clrMapOvr>
     <a:masterClrMapping/>
   </p:clrMapOvr>
+  <p:timing>
+    <p:tnLst>
+      <p:par>
+        <p:cTn xmlns:p14="http://schemas.microsoft.com/office/powerpoint/2010/main" id="1" dur="indefinite" restart="never" nodeType="tmRoot"/>
+      </p:par>
+    </p:tnLst>
+  </p:timing>
 </p:sld>
 </file>
 
@@ -14945,7 +14965,7 @@
           <a:p>
             <a:fld id="{7053BEFA-1175-F644-B249-7D41D72BD3FF}" type="datetime1">
               <a:rPr lang="en-US" smtClean="0"/>
-              <a:t>1/29/14</a:t>
+              <a:t>1/30/14</a:t>
             </a:fld>
             <a:endParaRPr lang="en-US"/>
           </a:p>
@@ -15206,7 +15226,7 @@
           <a:p>
             <a:fld id="{7053BEFA-1175-F644-B249-7D41D72BD3FF}" type="datetime1">
               <a:rPr lang="en-US" smtClean="0"/>
-              <a:t>1/29/14</a:t>
+              <a:t>1/30/14</a:t>
             </a:fld>
             <a:endParaRPr lang="en-US"/>
           </a:p>
@@ -15264,6 +15284,13 @@
   <p:clrMapOvr>
     <a:masterClrMapping/>
   </p:clrMapOvr>
+  <p:timing>
+    <p:tnLst>
+      <p:par>
+        <p:cTn xmlns:p14="http://schemas.microsoft.com/office/powerpoint/2010/main" id="1" dur="indefinite" restart="never" nodeType="tmRoot"/>
+      </p:par>
+    </p:tnLst>
+  </p:timing>
 </p:sld>
 </file>
 
@@ -15406,7 +15433,7 @@
           <a:p>
             <a:fld id="{7053BEFA-1175-F644-B249-7D41D72BD3FF}" type="datetime1">
               <a:rPr lang="en-US" smtClean="0"/>
-              <a:t>1/29/14</a:t>
+              <a:t>1/30/14</a:t>
             </a:fld>
             <a:endParaRPr lang="en-US"/>
           </a:p>
@@ -15464,6 +15491,13 @@
   <p:clrMapOvr>
     <a:masterClrMapping/>
   </p:clrMapOvr>
+  <p:timing>
+    <p:tnLst>
+      <p:par>
+        <p:cTn xmlns:p14="http://schemas.microsoft.com/office/powerpoint/2010/main" id="1" dur="indefinite" restart="never" nodeType="tmRoot"/>
+      </p:par>
+    </p:tnLst>
+  </p:timing>
 </p:sld>
 </file>
 
@@ -15612,7 +15646,7 @@
           <a:p>
             <a:fld id="{7053BEFA-1175-F644-B249-7D41D72BD3FF}" type="datetime1">
               <a:rPr lang="en-US" smtClean="0"/>
-              <a:t>1/29/14</a:t>
+              <a:t>1/30/14</a:t>
             </a:fld>
             <a:endParaRPr lang="en-US"/>
           </a:p>
@@ -16440,7 +16474,7 @@
           <a:p>
             <a:fld id="{7053BEFA-1175-F644-B249-7D41D72BD3FF}" type="datetime1">
               <a:rPr lang="en-US" smtClean="0"/>
-              <a:t>1/29/14</a:t>
+              <a:t>1/30/14</a:t>
             </a:fld>
             <a:endParaRPr lang="en-US"/>
           </a:p>
@@ -17896,7 +17930,7 @@
           <a:p>
             <a:fld id="{7053BEFA-1175-F644-B249-7D41D72BD3FF}" type="datetime1">
               <a:rPr lang="en-US" smtClean="0"/>
-              <a:t>1/29/14</a:t>
+              <a:t>1/30/14</a:t>
             </a:fld>
             <a:endParaRPr lang="en-US"/>
           </a:p>
@@ -21766,7 +21800,7 @@
           <a:p>
             <a:fld id="{7053BEFA-1175-F644-B249-7D41D72BD3FF}" type="datetime1">
               <a:rPr lang="en-US" smtClean="0"/>
-              <a:t>1/29/14</a:t>
+              <a:t>1/30/14</a:t>
             </a:fld>
             <a:endParaRPr lang="en-US"/>
           </a:p>
@@ -21910,7 +21944,7 @@
           <a:p>
             <a:fld id="{111EEF3B-ABF2-AA4E-9E24-0C6256942674}" type="datetime1">
               <a:rPr lang="en-US" smtClean="0"/>
-              <a:t>1/29/14</a:t>
+              <a:t>1/30/14</a:t>
             </a:fld>
             <a:endParaRPr lang="en-US"/>
           </a:p>
@@ -21949,6 +21983,13 @@
   <p:clrMapOvr>
     <a:masterClrMapping/>
   </p:clrMapOvr>
+  <p:timing>
+    <p:tnLst>
+      <p:par>
+        <p:cTn xmlns:p14="http://schemas.microsoft.com/office/powerpoint/2010/main" id="1" dur="indefinite" restart="never" nodeType="tmRoot"/>
+      </p:par>
+    </p:tnLst>
+  </p:timing>
 </p:sld>
 </file>
 
@@ -22034,7 +22075,7 @@
           <a:p>
             <a:fld id="{7053BEFA-1175-F644-B249-7D41D72BD3FF}" type="datetime1">
               <a:rPr lang="en-US" smtClean="0"/>
-              <a:t>1/29/14</a:t>
+              <a:t>1/30/14</a:t>
             </a:fld>
             <a:endParaRPr lang="en-US"/>
           </a:p>
@@ -22092,6 +22133,13 @@
   <p:clrMapOvr>
     <a:masterClrMapping/>
   </p:clrMapOvr>
+  <p:timing>
+    <p:tnLst>
+      <p:par>
+        <p:cTn xmlns:p14="http://schemas.microsoft.com/office/powerpoint/2010/main" id="1" dur="indefinite" restart="never" nodeType="tmRoot"/>
+      </p:par>
+    </p:tnLst>
+  </p:timing>
 </p:sld>
 </file>
 
@@ -22229,7 +22277,7 @@
           <a:p>
             <a:fld id="{7053BEFA-1175-F644-B249-7D41D72BD3FF}" type="datetime1">
               <a:rPr lang="en-US" smtClean="0"/>
-              <a:t>1/29/14</a:t>
+              <a:t>1/30/14</a:t>
             </a:fld>
             <a:endParaRPr lang="en-US"/>
           </a:p>
@@ -22287,6 +22335,13 @@
   <p:clrMapOvr>
     <a:masterClrMapping/>
   </p:clrMapOvr>
+  <p:timing>
+    <p:tnLst>
+      <p:par>
+        <p:cTn xmlns:p14="http://schemas.microsoft.com/office/powerpoint/2010/main" id="1" dur="indefinite" restart="never" nodeType="tmRoot"/>
+      </p:par>
+    </p:tnLst>
+  </p:timing>
 </p:sld>
 </file>
 
@@ -22324,7 +22379,7 @@
           <a:p>
             <a:r>
               <a:rPr lang="en-US" dirty="0" smtClean="0"/>
-              <a:t>Boxplot</a:t>
+              <a:t>Boxplot [Data Source Unspecified]</a:t>
             </a:r>
             <a:endParaRPr lang="en-US" dirty="0"/>
           </a:p>
@@ -22347,7 +22402,7 @@
           <a:p>
             <a:fld id="{7053BEFA-1175-F644-B249-7D41D72BD3FF}" type="datetime1">
               <a:rPr lang="en-US" smtClean="0"/>
-              <a:t>1/29/14</a:t>
+              <a:t>1/30/14</a:t>
             </a:fld>
             <a:endParaRPr lang="en-US"/>
           </a:p>
@@ -22430,6 +22485,13 @@
   <p:clrMapOvr>
     <a:masterClrMapping/>
   </p:clrMapOvr>
+  <p:timing>
+    <p:tnLst>
+      <p:par>
+        <p:cTn xmlns:p14="http://schemas.microsoft.com/office/powerpoint/2010/main" id="1" dur="indefinite" restart="never" nodeType="tmRoot"/>
+      </p:par>
+    </p:tnLst>
+  </p:timing>
 </p:sld>
 </file>
 
@@ -22467,7 +22529,11 @@
           <a:p>
             <a:r>
               <a:rPr lang="en-US" dirty="0" smtClean="0"/>
-              <a:t>Boxplot</a:t>
+              <a:t>Boxplot [Data </a:t>
+            </a:r>
+            <a:r>
+              <a:rPr lang="en-US" smtClean="0"/>
+              <a:t>Source Unspecified]</a:t>
             </a:r>
             <a:endParaRPr lang="en-US" dirty="0"/>
           </a:p>
@@ -22490,7 +22556,7 @@
           <a:p>
             <a:fld id="{7053BEFA-1175-F644-B249-7D41D72BD3FF}" type="datetime1">
               <a:rPr lang="en-US" smtClean="0"/>
-              <a:t>1/29/14</a:t>
+              <a:t>1/30/14</a:t>
             </a:fld>
             <a:endParaRPr lang="en-US"/>
           </a:p>
@@ -22573,6 +22639,13 @@
   <p:clrMapOvr>
     <a:masterClrMapping/>
   </p:clrMapOvr>
+  <p:timing>
+    <p:tnLst>
+      <p:par>
+        <p:cTn xmlns:p14="http://schemas.microsoft.com/office/powerpoint/2010/main" id="1" dur="indefinite" restart="never" nodeType="tmRoot"/>
+      </p:par>
+    </p:tnLst>
+  </p:timing>
 </p:sld>
 </file>
 
@@ -22664,7 +22737,7 @@
           <a:p>
             <a:fld id="{7053BEFA-1175-F644-B249-7D41D72BD3FF}" type="datetime1">
               <a:rPr lang="en-US" smtClean="0"/>
-              <a:t>1/29/14</a:t>
+              <a:t>1/30/14</a:t>
             </a:fld>
             <a:endParaRPr lang="en-US"/>
           </a:p>
@@ -22722,6 +22795,13 @@
   <p:clrMapOvr>
     <a:masterClrMapping/>
   </p:clrMapOvr>
+  <p:timing>
+    <p:tnLst>
+      <p:par>
+        <p:cTn xmlns:p14="http://schemas.microsoft.com/office/powerpoint/2010/main" id="1" dur="indefinite" restart="never" nodeType="tmRoot"/>
+      </p:par>
+    </p:tnLst>
+  </p:timing>
 </p:sld>
 </file>
 
@@ -22821,7 +22901,7 @@
           <a:p>
             <a:fld id="{7053BEFA-1175-F644-B249-7D41D72BD3FF}" type="datetime1">
               <a:rPr lang="en-US" smtClean="0"/>
-              <a:t>1/29/14</a:t>
+              <a:t>1/30/14</a:t>
             </a:fld>
             <a:endParaRPr lang="en-US"/>
           </a:p>
@@ -23108,7 +23188,7 @@
           <a:p>
             <a:fld id="{7053BEFA-1175-F644-B249-7D41D72BD3FF}" type="datetime1">
               <a:rPr lang="en-US" smtClean="0"/>
-              <a:t>1/29/14</a:t>
+              <a:t>1/30/14</a:t>
             </a:fld>
             <a:endParaRPr lang="en-US"/>
           </a:p>
@@ -23445,7 +23525,7 @@
           <a:p>
             <a:fld id="{7053BEFA-1175-F644-B249-7D41D72BD3FF}" type="datetime1">
               <a:rPr lang="en-US" smtClean="0"/>
-              <a:t>1/29/14</a:t>
+              <a:t>1/30/14</a:t>
             </a:fld>
             <a:endParaRPr lang="en-US"/>
           </a:p>
@@ -23503,6 +23583,13 @@
   <p:clrMapOvr>
     <a:masterClrMapping/>
   </p:clrMapOvr>
+  <p:timing>
+    <p:tnLst>
+      <p:par>
+        <p:cTn xmlns:p14="http://schemas.microsoft.com/office/powerpoint/2010/main" id="1" dur="indefinite" restart="never" nodeType="tmRoot"/>
+      </p:par>
+    </p:tnLst>
+  </p:timing>
 </p:sld>
 </file>
 
@@ -23628,7 +23715,7 @@
           <a:p>
             <a:fld id="{7053BEFA-1175-F644-B249-7D41D72BD3FF}" type="datetime1">
               <a:rPr lang="en-US" smtClean="0"/>
-              <a:t>1/29/14</a:t>
+              <a:t>1/30/14</a:t>
             </a:fld>
             <a:endParaRPr lang="en-US"/>
           </a:p>
@@ -23686,6 +23773,13 @@
   <p:clrMapOvr>
     <a:masterClrMapping/>
   </p:clrMapOvr>
+  <p:timing>
+    <p:tnLst>
+      <p:par>
+        <p:cTn xmlns:p14="http://schemas.microsoft.com/office/powerpoint/2010/main" id="1" dur="indefinite" restart="never" nodeType="tmRoot"/>
+      </p:par>
+    </p:tnLst>
+  </p:timing>
 </p:sld>
 </file>
 
@@ -23846,7 +23940,7 @@
           <a:p>
             <a:fld id="{7053BEFA-1175-F644-B249-7D41D72BD3FF}" type="datetime1">
               <a:rPr lang="en-US" smtClean="0"/>
-              <a:t>1/29/14</a:t>
+              <a:t>1/30/14</a:t>
             </a:fld>
             <a:endParaRPr lang="en-US"/>
           </a:p>
@@ -23904,6 +23998,13 @@
   <p:clrMapOvr>
     <a:masterClrMapping/>
   </p:clrMapOvr>
+  <p:timing>
+    <p:tnLst>
+      <p:par>
+        <p:cTn xmlns:p14="http://schemas.microsoft.com/office/powerpoint/2010/main" id="1" dur="indefinite" restart="never" nodeType="tmRoot"/>
+      </p:par>
+    </p:tnLst>
+  </p:timing>
 </p:sld>
 </file>
 
@@ -24050,7 +24151,7 @@
           <a:p>
             <a:fld id="{7053BEFA-1175-F644-B249-7D41D72BD3FF}" type="datetime1">
               <a:rPr lang="en-US" smtClean="0"/>
-              <a:t>1/29/14</a:t>
+              <a:t>1/30/14</a:t>
             </a:fld>
             <a:endParaRPr lang="en-US"/>
           </a:p>
@@ -24276,7 +24377,7 @@
             <a:fld id="{A73F672F-A5FB-5745-934A-1BF51CA5539C}" type="datetime1">
               <a:rPr lang="en-US" smtClean="0"/>
               <a:pPr/>
-              <a:t>1/29/14</a:t>
+              <a:t>1/30/14</a:t>
             </a:fld>
             <a:endParaRPr lang="en-US"/>
           </a:p>
@@ -24335,6 +24436,13 @@
   <p:clrMapOvr>
     <a:masterClrMapping/>
   </p:clrMapOvr>
+  <p:timing>
+    <p:tnLst>
+      <p:par>
+        <p:cTn xmlns:p14="http://schemas.microsoft.com/office/powerpoint/2010/main" id="1" dur="indefinite" restart="never" nodeType="tmRoot"/>
+      </p:par>
+    </p:tnLst>
+  </p:timing>
 </p:sld>
 </file>
 
@@ -24395,7 +24503,7 @@
           <a:p>
             <a:fld id="{7053BEFA-1175-F644-B249-7D41D72BD3FF}" type="datetime1">
               <a:rPr lang="en-US" smtClean="0"/>
-              <a:t>1/29/14</a:t>
+              <a:t>1/30/14</a:t>
             </a:fld>
             <a:endParaRPr lang="en-US"/>
           </a:p>
@@ -24953,7 +25061,7 @@
           <a:p>
             <a:fld id="{7053BEFA-1175-F644-B249-7D41D72BD3FF}" type="datetime1">
               <a:rPr lang="en-US" smtClean="0"/>
-              <a:t>1/29/14</a:t>
+              <a:t>1/30/14</a:t>
             </a:fld>
             <a:endParaRPr lang="en-US"/>
           </a:p>
@@ -25458,7 +25566,7 @@
           <a:p>
             <a:fld id="{7053BEFA-1175-F644-B249-7D41D72BD3FF}" type="datetime1">
               <a:rPr lang="en-US" smtClean="0"/>
-              <a:t>1/29/14</a:t>
+              <a:t>1/30/14</a:t>
             </a:fld>
             <a:endParaRPr lang="en-US"/>
           </a:p>
@@ -25969,7 +26077,7 @@
             <a:fld id="{FA3C144B-2939-9A49-B014-915EC3E81866}" type="datetime1">
               <a:rPr lang="en-US" smtClean="0"/>
               <a:pPr/>
-              <a:t>1/29/14</a:t>
+              <a:t>1/30/14</a:t>
             </a:fld>
             <a:endParaRPr lang="en-US" dirty="0"/>
           </a:p>
@@ -26096,6 +26204,13 @@
   <p:clrMapOvr>
     <a:masterClrMapping/>
   </p:clrMapOvr>
+  <p:timing>
+    <p:tnLst>
+      <p:par>
+        <p:cTn xmlns:p14="http://schemas.microsoft.com/office/powerpoint/2010/main" id="1" dur="indefinite" restart="never" nodeType="tmRoot"/>
+      </p:par>
+    </p:tnLst>
+  </p:timing>
 </p:sld>
 </file>
 
@@ -26199,7 +26314,7 @@
           <a:p>
             <a:fld id="{7053BEFA-1175-F644-B249-7D41D72BD3FF}" type="datetime1">
               <a:rPr lang="en-US" smtClean="0"/>
-              <a:t>1/29/14</a:t>
+              <a:t>1/30/14</a:t>
             </a:fld>
             <a:endParaRPr lang="en-US"/>
           </a:p>
@@ -26257,6 +26372,13 @@
   <p:clrMapOvr>
     <a:masterClrMapping/>
   </p:clrMapOvr>
+  <p:timing>
+    <p:tnLst>
+      <p:par>
+        <p:cTn xmlns:p14="http://schemas.microsoft.com/office/powerpoint/2010/main" id="1" dur="indefinite" restart="never" nodeType="tmRoot"/>
+      </p:par>
+    </p:tnLst>
+  </p:timing>
 </p:sld>
 </file>
 
@@ -26316,7 +26438,7 @@
           <a:p>
             <a:fld id="{7053BEFA-1175-F644-B249-7D41D72BD3FF}" type="datetime1">
               <a:rPr lang="en-US" smtClean="0"/>
-              <a:t>1/29/14</a:t>
+              <a:t>1/30/14</a:t>
             </a:fld>
             <a:endParaRPr lang="en-US"/>
           </a:p>
@@ -26517,7 +26639,7 @@
           <a:p>
             <a:fld id="{111EEF3B-ABF2-AA4E-9E24-0C6256942674}" type="datetime1">
               <a:rPr lang="en-US" smtClean="0"/>
-              <a:t>1/29/14</a:t>
+              <a:t>1/30/14</a:t>
             </a:fld>
             <a:endParaRPr lang="en-US"/>
           </a:p>
@@ -26707,7 +26829,7 @@
           <a:p>
             <a:fld id="{111EEF3B-ABF2-AA4E-9E24-0C6256942674}" type="datetime1">
               <a:rPr lang="en-US" smtClean="0"/>
-              <a:t>1/29/14</a:t>
+              <a:t>1/30/14</a:t>
             </a:fld>
             <a:endParaRPr lang="en-US"/>
           </a:p>
@@ -26862,7 +26984,7 @@
           <a:p>
             <a:fld id="{7053BEFA-1175-F644-B249-7D41D72BD3FF}" type="datetime1">
               <a:rPr lang="en-US" smtClean="0"/>
-              <a:t>1/29/14</a:t>
+              <a:t>1/30/14</a:t>
             </a:fld>
             <a:endParaRPr lang="en-US"/>
           </a:p>
@@ -26920,6 +27042,13 @@
   <p:clrMapOvr>
     <a:masterClrMapping/>
   </p:clrMapOvr>
+  <p:timing>
+    <p:tnLst>
+      <p:par>
+        <p:cTn xmlns:p14="http://schemas.microsoft.com/office/powerpoint/2010/main" id="1" dur="indefinite" restart="never" nodeType="tmRoot"/>
+      </p:par>
+    </p:tnLst>
+  </p:timing>
 </p:sld>
 </file>
 
@@ -26999,7 +27128,7 @@
           <a:p>
             <a:fld id="{7053BEFA-1175-F644-B249-7D41D72BD3FF}" type="datetime1">
               <a:rPr lang="en-US" smtClean="0"/>
-              <a:t>1/29/14</a:t>
+              <a:t>1/30/14</a:t>
             </a:fld>
             <a:endParaRPr lang="en-US"/>
           </a:p>
@@ -27143,7 +27272,7 @@
           <a:p>
             <a:fld id="{7053BEFA-1175-F644-B249-7D41D72BD3FF}" type="datetime1">
               <a:rPr lang="en-US" smtClean="0"/>
-              <a:t>1/29/14</a:t>
+              <a:t>1/30/14</a:t>
             </a:fld>
             <a:endParaRPr lang="en-US"/>
           </a:p>
@@ -27182,6 +27311,13 @@
   <p:clrMapOvr>
     <a:masterClrMapping/>
   </p:clrMapOvr>
+  <p:timing>
+    <p:tnLst>
+      <p:par>
+        <p:cTn xmlns:p14="http://schemas.microsoft.com/office/powerpoint/2010/main" id="1" dur="indefinite" restart="never" nodeType="tmRoot"/>
+      </p:par>
+    </p:tnLst>
+  </p:timing>
 </p:sld>
 </file>
 
@@ -27303,7 +27439,7 @@
           <a:p>
             <a:fld id="{7053BEFA-1175-F644-B249-7D41D72BD3FF}" type="datetime1">
               <a:rPr lang="en-US" smtClean="0"/>
-              <a:t>1/29/14</a:t>
+              <a:t>1/30/14</a:t>
             </a:fld>
             <a:endParaRPr lang="en-US"/>
           </a:p>

--- a/Lectures/6 Exploration.pptx
+++ b/Lectures/6 Exploration.pptx
@@ -5,10 +5,10 @@
     <p:sldMasterId id="2147483648" r:id="rId1"/>
   </p:sldMasterIdLst>
   <p:notesMasterIdLst>
-    <p:notesMasterId r:id="rId38"/>
+    <p:notesMasterId r:id="rId37"/>
   </p:notesMasterIdLst>
   <p:handoutMasterIdLst>
-    <p:handoutMasterId r:id="rId39"/>
+    <p:handoutMasterId r:id="rId38"/>
   </p:handoutMasterIdLst>
   <p:sldIdLst>
     <p:sldId id="258" r:id="rId2"/>
@@ -33,20 +33,19 @@
     <p:sldId id="309" r:id="rId21"/>
     <p:sldId id="308" r:id="rId22"/>
     <p:sldId id="310" r:id="rId23"/>
-    <p:sldId id="311" r:id="rId24"/>
-    <p:sldId id="313" r:id="rId25"/>
-    <p:sldId id="314" r:id="rId26"/>
-    <p:sldId id="315" r:id="rId27"/>
-    <p:sldId id="316" r:id="rId28"/>
-    <p:sldId id="317" r:id="rId29"/>
-    <p:sldId id="318" r:id="rId30"/>
-    <p:sldId id="319" r:id="rId31"/>
-    <p:sldId id="320" r:id="rId32"/>
-    <p:sldId id="321" r:id="rId33"/>
-    <p:sldId id="322" r:id="rId34"/>
-    <p:sldId id="323" r:id="rId35"/>
-    <p:sldId id="324" r:id="rId36"/>
-    <p:sldId id="294" r:id="rId37"/>
+    <p:sldId id="313" r:id="rId24"/>
+    <p:sldId id="314" r:id="rId25"/>
+    <p:sldId id="315" r:id="rId26"/>
+    <p:sldId id="316" r:id="rId27"/>
+    <p:sldId id="317" r:id="rId28"/>
+    <p:sldId id="318" r:id="rId29"/>
+    <p:sldId id="319" r:id="rId30"/>
+    <p:sldId id="320" r:id="rId31"/>
+    <p:sldId id="321" r:id="rId32"/>
+    <p:sldId id="322" r:id="rId33"/>
+    <p:sldId id="323" r:id="rId34"/>
+    <p:sldId id="324" r:id="rId35"/>
+    <p:sldId id="294" r:id="rId36"/>
   </p:sldIdLst>
   <p:sldSz cx="9144000" cy="6858000" type="screen4x3"/>
   <p:notesSz cx="6858000" cy="9144000"/>
@@ -5301,17 +5300,9 @@
           <a:p>
             <a:r>
               <a:rPr lang="en-US" dirty="0" smtClean="0"/>
-              <a:t>Same boxplots with lots of outliers (prior to </a:t>
-            </a:r>
-            <a:r>
-              <a:rPr lang="en-US" smtClean="0"/>
-              <a:t>cleaning</a:t>
-            </a:r>
-            <a:r>
-              <a:rPr lang="en-US" smtClean="0"/>
-              <a:t>)</a:t>
-            </a:r>
-            <a:endParaRPr lang="en-US" baseline="0" dirty="0" smtClean="0"/>
+              <a:t>Example </a:t>
+            </a:r>
+            <a:endParaRPr lang="en-US" dirty="0"/>
           </a:p>
         </p:txBody>
       </p:sp>
@@ -5332,7 +5323,7 @@
           <a:p>
             <a:fld id="{FD66F34B-9C4D-8640-BB34-4C24A79C9FFB}" type="slidenum">
               <a:rPr lang="en-US" smtClean="0"/>
-              <a:t>23</a:t>
+              <a:t>24</a:t>
             </a:fld>
             <a:endParaRPr lang="en-US"/>
           </a:p>
@@ -5341,7 +5332,7 @@
     </p:spTree>
     <p:extLst>
       <p:ext uri="{BB962C8B-B14F-4D97-AF65-F5344CB8AC3E}">
-        <p14:creationId xmlns:p14="http://schemas.microsoft.com/office/powerpoint/2010/main" val="654282882"/>
+        <p14:creationId xmlns:p14="http://schemas.microsoft.com/office/powerpoint/2010/main" val="3163214532"/>
       </p:ext>
     </p:extLst>
   </p:cSld>
@@ -5485,9 +5476,54 @@
           <a:p>
             <a:r>
               <a:rPr lang="en-US" dirty="0" smtClean="0"/>
-              <a:t>Example </a:t>
-            </a:r>
-            <a:endParaRPr lang="en-US" dirty="0"/>
+              <a:t>http://</a:t>
+            </a:r>
+            <a:r>
+              <a:rPr lang="en-US" dirty="0" err="1" smtClean="0"/>
+              <a:t>www.physics.csbsju.edu</a:t>
+            </a:r>
+            <a:r>
+              <a:rPr lang="en-US" dirty="0" smtClean="0"/>
+              <a:t>/stats/KS-</a:t>
+            </a:r>
+            <a:r>
+              <a:rPr lang="en-US" dirty="0" err="1" smtClean="0"/>
+              <a:t>test.html</a:t>
+            </a:r>
+            <a:endParaRPr lang="en-US" dirty="0" smtClean="0"/>
+          </a:p>
+          <a:p>
+            <a:endParaRPr lang="en-US" dirty="0" smtClean="0"/>
+          </a:p>
+          <a:p>
+            <a:r>
+              <a:rPr lang="en-US" dirty="0" smtClean="0"/>
+              <a:t>One of the advantages of the KS-test is that it leads to a graphical presentation of the data, which enables the user to detect normal distributions (see below). The KS-test is a robust test that cares only about the relative distribution of the data. In the above case, use of the log scales just moved the important region so the user could see the distribution of the data. There are a couple of reasons for preferring percentile plots to cumulative fractions plots. It turns out that the percentile plot is a better estimate of the distribution function (if you know what that is). And plotting percentiles allows you to use "probability graph paper"...plots with specially scaled axis divisions. Probability scales on the y-axis allows you to see how "normal" the data is. Normally distributed data will plot as a straight line on probability paper. Lognormal data will plot as a straight line with probability-log scaled axes. (</a:t>
+            </a:r>
+            <a:r>
+              <a:rPr lang="en-US" dirty="0" err="1" smtClean="0"/>
+              <a:t>Incidently</a:t>
+            </a:r>
+            <a:r>
+              <a:rPr lang="en-US" dirty="0" smtClean="0"/>
+              <a:t> uniformly distributed data will plot as a straight line using the usual linear y-scale.) Note that the KS-test reports that both </a:t>
+            </a:r>
+            <a:r>
+              <a:rPr lang="en-US" dirty="0" err="1" smtClean="0"/>
+              <a:t>treatmentB</a:t>
+            </a:r>
+            <a:r>
+              <a:rPr lang="en-US" dirty="0" smtClean="0"/>
+              <a:t> and </a:t>
+            </a:r>
+            <a:r>
+              <a:rPr lang="en-US" dirty="0" err="1" smtClean="0"/>
+              <a:t>controlB</a:t>
+            </a:r>
+            <a:r>
+              <a:rPr lang="en-US" dirty="0" smtClean="0"/>
+              <a:t> data are approximately lognormal. Thus you could take the log of all the data, and use the resulting data in a t-test. Since the t-test is a quite sensitive test when applied to appropriate data this would be the best strategy</a:t>
+            </a:r>
           </a:p>
         </p:txBody>
       </p:sp>
@@ -5508,7 +5544,7 @@
           <a:p>
             <a:fld id="{FD66F34B-9C4D-8640-BB34-4C24A79C9FFB}" type="slidenum">
               <a:rPr lang="en-US" smtClean="0"/>
-              <a:t>26</a:t>
+              <a:t>28</a:t>
             </a:fld>
             <a:endParaRPr lang="en-US"/>
           </a:p>
@@ -5517,7 +5553,7 @@
     </p:spTree>
     <p:extLst>
       <p:ext uri="{BB962C8B-B14F-4D97-AF65-F5344CB8AC3E}">
-        <p14:creationId xmlns:p14="http://schemas.microsoft.com/office/powerpoint/2010/main" val="3163214532"/>
+        <p14:creationId xmlns:p14="http://schemas.microsoft.com/office/powerpoint/2010/main" val="4269850727"/>
       </p:ext>
     </p:extLst>
   </p:cSld>
@@ -5571,56 +5607,60 @@
           <a:bodyPr/>
           <a:lstStyle/>
           <a:p>
+            <a:pPr lvl="1"/>
             <a:r>
               <a:rPr lang="en-US" dirty="0" smtClean="0"/>
-              <a:t>http://</a:t>
-            </a:r>
-            <a:r>
-              <a:rPr lang="en-US" dirty="0" err="1" smtClean="0"/>
-              <a:t>www.physics.csbsju.edu</a:t>
-            </a:r>
+              <a:t>Discrete values (“Probability Mass Function”) - typically values and weights</a:t>
+            </a:r>
+          </a:p>
+          <a:p>
+            <a:pPr lvl="1"/>
             <a:r>
               <a:rPr lang="en-US" dirty="0" smtClean="0"/>
-              <a:t>/stats/KS-</a:t>
-            </a:r>
-            <a:r>
-              <a:rPr lang="en-US" dirty="0" err="1" smtClean="0"/>
-              <a:t>test.html</a:t>
+              <a:t>Continues values (“Probability Density Function”) – typically a function</a:t>
+            </a:r>
+          </a:p>
+          <a:p>
+            <a:pPr marL="457200" marR="0" lvl="1" indent="0" algn="l" defTabSz="457200" rtl="0" eaLnBrk="1" fontAlgn="auto" latinLnBrk="0" hangingPunct="1">
+              <a:lnSpc>
+                <a:spcPct val="100000"/>
+              </a:lnSpc>
+              <a:spcBef>
+                <a:spcPts val="0"/>
+              </a:spcBef>
+              <a:spcAft>
+                <a:spcPts val="0"/>
+              </a:spcAft>
+              <a:buClrTx/>
+              <a:buSzTx/>
+              <a:buFontTx/>
+              <a:buNone/>
+              <a:tabLst/>
+              <a:defRPr/>
+            </a:pPr>
+            <a:r>
+              <a:rPr lang="en-US" dirty="0" smtClean="0"/>
+              <a:t>Affects how we model the variable </a:t>
+            </a:r>
+          </a:p>
+          <a:p>
+            <a:pPr lvl="1"/>
+            <a:r>
+              <a:rPr lang="en-US" dirty="0" smtClean="0"/>
+              <a:t>Insurance</a:t>
+            </a:r>
+            <a:r>
+              <a:rPr lang="en-US" baseline="0" dirty="0" smtClean="0"/>
+              <a:t> claims: Not independent when an epidemic hits the local population (common location affects health)</a:t>
+            </a:r>
+          </a:p>
+          <a:p>
+            <a:pPr lvl="1"/>
+            <a:r>
+              <a:rPr lang="en-US" baseline="0" dirty="0" smtClean="0"/>
+              <a:t>Identical distributions not the same in terms of chance of being sick when one person has higher likelihood of inheriting a disease or is in a socioeconomic class more at risk for disease</a:t>
             </a:r>
             <a:endParaRPr lang="en-US" dirty="0" smtClean="0"/>
-          </a:p>
-          <a:p>
-            <a:endParaRPr lang="en-US" dirty="0" smtClean="0"/>
-          </a:p>
-          <a:p>
-            <a:r>
-              <a:rPr lang="en-US" dirty="0" smtClean="0"/>
-              <a:t>One of the advantages of the KS-test is that it leads to a graphical presentation of the data, which enables the user to detect normal distributions (see below). The KS-test is a robust test that cares only about the relative distribution of the data. In the above case, use of the log scales just moved the important region so the user could see the distribution of the data. There are a couple of reasons for preferring percentile plots to cumulative fractions plots. It turns out that the percentile plot is a better estimate of the distribution function (if you know what that is). And plotting percentiles allows you to use "probability graph paper"...plots with specially scaled axis divisions. Probability scales on the y-axis allows you to see how "normal" the data is. Normally distributed data will plot as a straight line on probability paper. Lognormal data will plot as a straight line with probability-log scaled axes. (</a:t>
-            </a:r>
-            <a:r>
-              <a:rPr lang="en-US" dirty="0" err="1" smtClean="0"/>
-              <a:t>Incidently</a:t>
-            </a:r>
-            <a:r>
-              <a:rPr lang="en-US" dirty="0" smtClean="0"/>
-              <a:t> uniformly distributed data will plot as a straight line using the usual linear y-scale.) Note that the KS-test reports that both </a:t>
-            </a:r>
-            <a:r>
-              <a:rPr lang="en-US" dirty="0" err="1" smtClean="0"/>
-              <a:t>treatmentB</a:t>
-            </a:r>
-            <a:r>
-              <a:rPr lang="en-US" dirty="0" smtClean="0"/>
-              <a:t> and </a:t>
-            </a:r>
-            <a:r>
-              <a:rPr lang="en-US" dirty="0" err="1" smtClean="0"/>
-              <a:t>controlB</a:t>
-            </a:r>
-            <a:r>
-              <a:rPr lang="en-US" dirty="0" smtClean="0"/>
-              <a:t> data are approximately lognormal. Thus you could take the log of all the data, and use the resulting data in a t-test. Since the t-test is a quite sensitive test when applied to appropriate data this would be the best strategy</a:t>
-            </a:r>
           </a:p>
         </p:txBody>
       </p:sp>
@@ -5650,7 +5690,7 @@
     </p:spTree>
     <p:extLst>
       <p:ext uri="{BB962C8B-B14F-4D97-AF65-F5344CB8AC3E}">
-        <p14:creationId xmlns:p14="http://schemas.microsoft.com/office/powerpoint/2010/main" val="4269850727"/>
+        <p14:creationId xmlns:p14="http://schemas.microsoft.com/office/powerpoint/2010/main" val="3238829522"/>
       </p:ext>
     </p:extLst>
   </p:cSld>
@@ -5704,60 +5744,11 @@
           <a:bodyPr/>
           <a:lstStyle/>
           <a:p>
-            <a:pPr lvl="1"/>
             <a:r>
               <a:rPr lang="en-US" dirty="0" smtClean="0"/>
-              <a:t>Discrete values (“Probability Mass Function”) - typically values and weights</a:t>
-            </a:r>
-          </a:p>
-          <a:p>
-            <a:pPr lvl="1"/>
-            <a:r>
-              <a:rPr lang="en-US" dirty="0" smtClean="0"/>
-              <a:t>Continues values (“Probability Density Function”) – typically a function</a:t>
-            </a:r>
-          </a:p>
-          <a:p>
-            <a:pPr marL="457200" marR="0" lvl="1" indent="0" algn="l" defTabSz="457200" rtl="0" eaLnBrk="1" fontAlgn="auto" latinLnBrk="0" hangingPunct="1">
-              <a:lnSpc>
-                <a:spcPct val="100000"/>
-              </a:lnSpc>
-              <a:spcBef>
-                <a:spcPts val="0"/>
-              </a:spcBef>
-              <a:spcAft>
-                <a:spcPts val="0"/>
-              </a:spcAft>
-              <a:buClrTx/>
-              <a:buSzTx/>
-              <a:buFontTx/>
-              <a:buNone/>
-              <a:tabLst/>
-              <a:defRPr/>
-            </a:pPr>
-            <a:r>
-              <a:rPr lang="en-US" dirty="0" smtClean="0"/>
-              <a:t>Affects how we model the variable </a:t>
-            </a:r>
-          </a:p>
-          <a:p>
-            <a:pPr lvl="1"/>
-            <a:r>
-              <a:rPr lang="en-US" dirty="0" smtClean="0"/>
-              <a:t>Insurance</a:t>
-            </a:r>
-            <a:r>
-              <a:rPr lang="en-US" baseline="0" dirty="0" smtClean="0"/>
-              <a:t> claims: Not independent when an epidemic hits the local population (common location affects health)</a:t>
-            </a:r>
-          </a:p>
-          <a:p>
-            <a:pPr lvl="1"/>
-            <a:r>
-              <a:rPr lang="en-US" baseline="0" dirty="0" smtClean="0"/>
-              <a:t>Identical distributions not the same in terms of chance of being sick when one person has higher likelihood of inheriting a disease or is in a socioeconomic class more at risk for disease</a:t>
-            </a:r>
-            <a:endParaRPr lang="en-US" dirty="0" smtClean="0"/>
+              <a:t>Example </a:t>
+            </a:r>
+            <a:endParaRPr lang="en-US" dirty="0"/>
           </a:p>
         </p:txBody>
       </p:sp>
@@ -5787,7 +5778,7 @@
     </p:spTree>
     <p:extLst>
       <p:ext uri="{BB962C8B-B14F-4D97-AF65-F5344CB8AC3E}">
-        <p14:creationId xmlns:p14="http://schemas.microsoft.com/office/powerpoint/2010/main" val="3238829522"/>
+        <p14:creationId xmlns:p14="http://schemas.microsoft.com/office/powerpoint/2010/main" val="3163214532"/>
       </p:ext>
     </p:extLst>
   </p:cSld>
@@ -5841,10 +5832,125 @@
           <a:bodyPr/>
           <a:lstStyle/>
           <a:p>
+            <a:pPr marL="0" marR="0" indent="0" algn="l" defTabSz="457200" rtl="0" eaLnBrk="1" fontAlgn="auto" latinLnBrk="0" hangingPunct="1">
+              <a:lnSpc>
+                <a:spcPct val="100000"/>
+              </a:lnSpc>
+              <a:spcBef>
+                <a:spcPts val="0"/>
+              </a:spcBef>
+              <a:spcAft>
+                <a:spcPts val="0"/>
+              </a:spcAft>
+              <a:buClrTx/>
+              <a:buSzTx/>
+              <a:buFontTx/>
+              <a:buNone/>
+              <a:tabLst/>
+              <a:defRPr/>
+            </a:pPr>
             <a:r>
               <a:rPr lang="en-US" dirty="0" smtClean="0"/>
-              <a:t>Example </a:t>
-            </a:r>
+              <a:t>A variable might be modeled as log-normal if it can be thought of as the multiplicative product of many independent random variables each of which is positive. (This is justified by considering the central limit theorem in the log-domain.) For example, in finance, the variable could represent the compound return from a sequence of many trades (each expressed as its return + 1); or a long-term discount factor can be derived from the product of short-term discount factors. In wireless communication, the </a:t>
+            </a:r>
+            <a:r>
+              <a:rPr lang="en-US" dirty="0" err="1" smtClean="0"/>
+              <a:t>sas</a:t>
+            </a:r>
+            <a:r>
+              <a:rPr lang="en-US" dirty="0" smtClean="0"/>
+              <a:t> caused by shadowing or slow fading from random objects is often assumed to be log-normally distributed: see log-distance path loss model.</a:t>
+            </a:r>
+          </a:p>
+          <a:p>
+            <a:pPr marL="0" marR="0" indent="0" algn="l" defTabSz="457200" rtl="0" eaLnBrk="1" fontAlgn="auto" latinLnBrk="0" hangingPunct="1">
+              <a:lnSpc>
+                <a:spcPct val="100000"/>
+              </a:lnSpc>
+              <a:spcBef>
+                <a:spcPts val="0"/>
+              </a:spcBef>
+              <a:spcAft>
+                <a:spcPts val="0"/>
+              </a:spcAft>
+              <a:buClrTx/>
+              <a:buSzTx/>
+              <a:buFontTx/>
+              <a:buNone/>
+              <a:tabLst/>
+              <a:defRPr/>
+            </a:pPr>
+            <a:endParaRPr lang="en-US" dirty="0" smtClean="0"/>
+          </a:p>
+          <a:p>
+            <a:pPr marL="0" marR="0" indent="0" algn="l" defTabSz="457200" rtl="0" eaLnBrk="1" fontAlgn="auto" latinLnBrk="0" hangingPunct="1">
+              <a:lnSpc>
+                <a:spcPct val="100000"/>
+              </a:lnSpc>
+              <a:spcBef>
+                <a:spcPts val="0"/>
+              </a:spcBef>
+              <a:spcAft>
+                <a:spcPts val="0"/>
+              </a:spcAft>
+              <a:buClrTx/>
+              <a:buSzTx/>
+              <a:buFontTx/>
+              <a:buNone/>
+              <a:tabLst/>
+              <a:defRPr/>
+            </a:pPr>
+            <a:endParaRPr lang="en-US" dirty="0" smtClean="0"/>
+          </a:p>
+          <a:p>
+            <a:pPr marL="0" marR="0" indent="0" algn="l" defTabSz="457200" rtl="0" eaLnBrk="1" fontAlgn="auto" latinLnBrk="0" hangingPunct="1">
+              <a:lnSpc>
+                <a:spcPct val="100000"/>
+              </a:lnSpc>
+              <a:spcBef>
+                <a:spcPts val="0"/>
+              </a:spcBef>
+              <a:spcAft>
+                <a:spcPts val="0"/>
+              </a:spcAft>
+              <a:buClrTx/>
+              <a:buSzTx/>
+              <a:buFontTx/>
+              <a:buNone/>
+              <a:tabLst/>
+              <a:defRPr/>
+            </a:pPr>
+            <a:r>
+              <a:rPr lang="en-US" dirty="0" smtClean="0"/>
+              <a:t>What part of </a:t>
+            </a:r>
+            <a:r>
+              <a:rPr lang="en-US" dirty="0" err="1" smtClean="0"/>
+              <a:t>amy’s</a:t>
+            </a:r>
+            <a:r>
+              <a:rPr lang="en-US" dirty="0" smtClean="0"/>
+              <a:t> data might match a log distribution?</a:t>
+            </a:r>
+          </a:p>
+          <a:p>
+            <a:pPr marL="0" marR="0" indent="0" algn="l" defTabSz="457200" rtl="0" eaLnBrk="1" fontAlgn="auto" latinLnBrk="0" hangingPunct="1">
+              <a:lnSpc>
+                <a:spcPct val="100000"/>
+              </a:lnSpc>
+              <a:spcBef>
+                <a:spcPts val="0"/>
+              </a:spcBef>
+              <a:spcAft>
+                <a:spcPts val="0"/>
+              </a:spcAft>
+              <a:buClrTx/>
+              <a:buSzTx/>
+              <a:buFontTx/>
+              <a:buNone/>
+              <a:tabLst/>
+              <a:defRPr/>
+            </a:pPr>
             <a:endParaRPr lang="en-US" dirty="0"/>
           </a:p>
         </p:txBody>
@@ -5929,125 +6035,23 @@
           <a:bodyPr/>
           <a:lstStyle/>
           <a:p>
-            <a:pPr marL="0" marR="0" indent="0" algn="l" defTabSz="457200" rtl="0" eaLnBrk="1" fontAlgn="auto" latinLnBrk="0" hangingPunct="1">
-              <a:lnSpc>
-                <a:spcPct val="100000"/>
-              </a:lnSpc>
-              <a:spcBef>
-                <a:spcPts val="0"/>
-              </a:spcBef>
-              <a:spcAft>
-                <a:spcPts val="0"/>
-              </a:spcAft>
-              <a:buClrTx/>
-              <a:buSzTx/>
-              <a:buFontTx/>
-              <a:buNone/>
-              <a:tabLst/>
-              <a:defRPr/>
-            </a:pPr>
             <a:r>
               <a:rPr lang="en-US" dirty="0" smtClean="0"/>
-              <a:t>A variable might be modeled as log-normal if it can be thought of as the multiplicative product of many independent random variables each of which is positive. (This is justified by considering the central limit theorem in the log-domain.) For example, in finance, the variable could represent the compound return from a sequence of many trades (each expressed as its return + 1); or a long-term discount factor can be derived from the product of short-term discount factors. In wireless communication, the </a:t>
+              <a:t>For instance, suppose someone typically gets 4 pieces of mail per day on average. There will be, however, a certain spread: sometimes a little more, sometimes a little fewer, once in a while nothing at all.[2] Given only the average rate, for a certain period of observation (pieces of mail per day, </a:t>
             </a:r>
             <a:r>
               <a:rPr lang="en-US" dirty="0" err="1" smtClean="0"/>
-              <a:t>sas</a:t>
+              <a:t>phonecalls</a:t>
             </a:r>
             <a:r>
               <a:rPr lang="en-US" dirty="0" smtClean="0"/>
-              <a:t> caused by shadowing or slow fading from random objects is often assumed to be log-normally distributed: see log-distance path loss model.</a:t>
-            </a:r>
-          </a:p>
-          <a:p>
-            <a:pPr marL="0" marR="0" indent="0" algn="l" defTabSz="457200" rtl="0" eaLnBrk="1" fontAlgn="auto" latinLnBrk="0" hangingPunct="1">
-              <a:lnSpc>
-                <a:spcPct val="100000"/>
-              </a:lnSpc>
-              <a:spcBef>
-                <a:spcPts val="0"/>
-              </a:spcBef>
-              <a:spcAft>
-                <a:spcPts val="0"/>
-              </a:spcAft>
-              <a:buClrTx/>
-              <a:buSzTx/>
-              <a:buFontTx/>
-              <a:buNone/>
-              <a:tabLst/>
-              <a:defRPr/>
-            </a:pPr>
+              <a:t> per hour, etc.), and assuming that the process, or mix of processes, that produces the event flow is essentially random, the Poisson distribution specifies how likely it is that the count will be 3, or 5, or 10, or any other number, during one period of observation. That is, it predicts the degree of spread around a known average rate of occurrence.[2]</a:t>
+            </a:r>
+          </a:p>
+          <a:p>
             <a:endParaRPr lang="en-US" dirty="0" smtClean="0"/>
           </a:p>
           <a:p>
-            <a:pPr marL="0" marR="0" indent="0" algn="l" defTabSz="457200" rtl="0" eaLnBrk="1" fontAlgn="auto" latinLnBrk="0" hangingPunct="1">
-              <a:lnSpc>
-                <a:spcPct val="100000"/>
-              </a:lnSpc>
-              <a:spcBef>
-                <a:spcPts val="0"/>
-              </a:spcBef>
-              <a:spcAft>
-                <a:spcPts val="0"/>
-              </a:spcAft>
-              <a:buClrTx/>
-              <a:buSzTx/>
-              <a:buFontTx/>
-              <a:buNone/>
-              <a:tabLst/>
-              <a:defRPr/>
-            </a:pPr>
-            <a:endParaRPr lang="en-US" dirty="0" smtClean="0"/>
-          </a:p>
-          <a:p>
-            <a:pPr marL="0" marR="0" indent="0" algn="l" defTabSz="457200" rtl="0" eaLnBrk="1" fontAlgn="auto" latinLnBrk="0" hangingPunct="1">
-              <a:lnSpc>
-                <a:spcPct val="100000"/>
-              </a:lnSpc>
-              <a:spcBef>
-                <a:spcPts val="0"/>
-              </a:spcBef>
-              <a:spcAft>
-                <a:spcPts val="0"/>
-              </a:spcAft>
-              <a:buClrTx/>
-              <a:buSzTx/>
-              <a:buFontTx/>
-              <a:buNone/>
-              <a:tabLst/>
-              <a:defRPr/>
-            </a:pPr>
-            <a:r>
-              <a:rPr lang="en-US" dirty="0" smtClean="0"/>
-              <a:t>What part of </a:t>
-            </a:r>
-            <a:r>
-              <a:rPr lang="en-US" dirty="0" err="1" smtClean="0"/>
-              <a:t>amy’s</a:t>
-            </a:r>
-            <a:r>
-              <a:rPr lang="en-US" dirty="0" smtClean="0"/>
-              <a:t> data might match a log distribution?</a:t>
-            </a:r>
-          </a:p>
-          <a:p>
-            <a:pPr marL="0" marR="0" indent="0" algn="l" defTabSz="457200" rtl="0" eaLnBrk="1" fontAlgn="auto" latinLnBrk="0" hangingPunct="1">
-              <a:lnSpc>
-                <a:spcPct val="100000"/>
-              </a:lnSpc>
-              <a:spcBef>
-                <a:spcPts val="0"/>
-              </a:spcBef>
-              <a:spcAft>
-                <a:spcPts val="0"/>
-              </a:spcAft>
-              <a:buClrTx/>
-              <a:buSzTx/>
-              <a:buFontTx/>
-              <a:buNone/>
-              <a:tabLst/>
-              <a:defRPr/>
-            </a:pPr>
             <a:endParaRPr lang="en-US" dirty="0"/>
           </a:p>
         </p:txBody>
@@ -6134,19 +6138,42 @@
           <a:p>
             <a:r>
               <a:rPr lang="en-US" dirty="0" smtClean="0"/>
-              <a:t>For instance, suppose someone typically gets 4 pieces of mail per day on average. There will be, however, a certain spread: sometimes a little more, sometimes a little fewer, once in a while nothing at all.[2] Given only the average rate, for a certain period of observation (pieces of mail per day, </a:t>
+              <a:t>Fig. 17. Velocity proﬁles over time using the mouse for (</a:t>
             </a:r>
             <a:r>
               <a:rPr lang="en-US" dirty="0" err="1" smtClean="0"/>
-              <a:t>phonecalls</a:t>
+              <a:t>a,b</a:t>
             </a:r>
             <a:r>
               <a:rPr lang="en-US" dirty="0" smtClean="0"/>
-              <a:t> per hour, etc.), and assuming that the process, or mix of processes, that produces the event flow is essentially random, the Poisson distribution specifies how likely it is that the count will be 3, or 5, or 10, or any other number, during one period of observation. That is, it predicts the degree of spread around a known average rate of occurrence.[2]</a:t>
+              <a:t>) able-bodied participants and (</a:t>
+            </a:r>
+            <a:r>
+              <a:rPr lang="en-US" dirty="0" err="1" smtClean="0"/>
+              <a:t>c,d</a:t>
+            </a:r>
+            <a:r>
+              <a:rPr lang="en-US" dirty="0" smtClean="0"/>
+              <a:t>)</a:t>
             </a:r>
           </a:p>
           <a:p>
             <a:endParaRPr lang="en-US" dirty="0" smtClean="0"/>
+          </a:p>
+          <a:p>
+            <a:r>
+              <a:rPr lang="en-US" dirty="0" smtClean="0"/>
+              <a:t>motor-impaired participants. The dot represents the click or crossing event. The graphs on the</a:t>
+            </a:r>
+          </a:p>
+          <a:p>
+            <a:endParaRPr lang="en-US" dirty="0" smtClean="0"/>
+          </a:p>
+          <a:p>
+            <a:r>
+              <a:rPr lang="en-US" dirty="0" smtClean="0"/>
+              <a:t>left are for area pointing. The graphs on the right are for goal crossing.</a:t>
+            </a:r>
           </a:p>
           <a:p>
             <a:endParaRPr lang="en-US" dirty="0"/>
@@ -6171,130 +6198,6 @@
             <a:fld id="{FD66F34B-9C4D-8640-BB34-4C24A79C9FFB}" type="slidenum">
               <a:rPr lang="en-US" smtClean="0"/>
               <a:t>33</a:t>
-            </a:fld>
-            <a:endParaRPr lang="en-US"/>
-          </a:p>
-        </p:txBody>
-      </p:sp>
-    </p:spTree>
-    <p:extLst>
-      <p:ext uri="{BB962C8B-B14F-4D97-AF65-F5344CB8AC3E}">
-        <p14:creationId xmlns:p14="http://schemas.microsoft.com/office/powerpoint/2010/main" val="3163214532"/>
-      </p:ext>
-    </p:extLst>
-  </p:cSld>
-  <p:clrMapOvr>
-    <a:masterClrMapping/>
-  </p:clrMapOvr>
-</p:notes>
-</file>
-
-<file path=ppt/notesSlides/notesSlide18.xml><?xml version="1.0" encoding="utf-8"?>
-<p:notes xmlns:a="http://schemas.openxmlformats.org/drawingml/2006/main" xmlns:r="http://schemas.openxmlformats.org/officeDocument/2006/relationships" xmlns:p="http://schemas.openxmlformats.org/presentationml/2006/main">
-  <p:cSld>
-    <p:spTree>
-      <p:nvGrpSpPr>
-        <p:cNvPr id="1" name=""/>
-        <p:cNvGrpSpPr/>
-        <p:nvPr/>
-      </p:nvGrpSpPr>
-      <p:grpSpPr>
-        <a:xfrm>
-          <a:off x="0" y="0"/>
-          <a:ext cx="0" cy="0"/>
-          <a:chOff x="0" y="0"/>
-          <a:chExt cx="0" cy="0"/>
-        </a:xfrm>
-      </p:grpSpPr>
-      <p:sp>
-        <p:nvSpPr>
-          <p:cNvPr id="2" name="Slide Image Placeholder 1"/>
-          <p:cNvSpPr>
-            <a:spLocks noGrp="1" noRot="1" noChangeAspect="1"/>
-          </p:cNvSpPr>
-          <p:nvPr>
-            <p:ph type="sldImg"/>
-          </p:nvPr>
-        </p:nvSpPr>
-        <p:spPr/>
-      </p:sp>
-      <p:sp>
-        <p:nvSpPr>
-          <p:cNvPr id="3" name="Notes Placeholder 2"/>
-          <p:cNvSpPr>
-            <a:spLocks noGrp="1"/>
-          </p:cNvSpPr>
-          <p:nvPr>
-            <p:ph type="body" idx="1"/>
-          </p:nvPr>
-        </p:nvSpPr>
-        <p:spPr/>
-        <p:txBody>
-          <a:bodyPr/>
-          <a:lstStyle/>
-          <a:p>
-            <a:r>
-              <a:rPr lang="en-US" dirty="0" smtClean="0"/>
-              <a:t>Fig. 17. Velocity proﬁles over time using the mouse for (</a:t>
-            </a:r>
-            <a:r>
-              <a:rPr lang="en-US" dirty="0" err="1" smtClean="0"/>
-              <a:t>a,b</a:t>
-            </a:r>
-            <a:r>
-              <a:rPr lang="en-US" dirty="0" smtClean="0"/>
-              <a:t>) able-bodied participants and (</a:t>
-            </a:r>
-            <a:r>
-              <a:rPr lang="en-US" dirty="0" err="1" smtClean="0"/>
-              <a:t>c,d</a:t>
-            </a:r>
-            <a:r>
-              <a:rPr lang="en-US" dirty="0" smtClean="0"/>
-              <a:t>)</a:t>
-            </a:r>
-          </a:p>
-          <a:p>
-            <a:endParaRPr lang="en-US" dirty="0" smtClean="0"/>
-          </a:p>
-          <a:p>
-            <a:r>
-              <a:rPr lang="en-US" dirty="0" smtClean="0"/>
-              <a:t>motor-impaired participants. The dot represents the click or crossing event. The graphs on the</a:t>
-            </a:r>
-          </a:p>
-          <a:p>
-            <a:endParaRPr lang="en-US" dirty="0" smtClean="0"/>
-          </a:p>
-          <a:p>
-            <a:r>
-              <a:rPr lang="en-US" dirty="0" smtClean="0"/>
-              <a:t>left are for area pointing. The graphs on the right are for goal crossing.</a:t>
-            </a:r>
-          </a:p>
-          <a:p>
-            <a:endParaRPr lang="en-US" dirty="0"/>
-          </a:p>
-        </p:txBody>
-      </p:sp>
-      <p:sp>
-        <p:nvSpPr>
-          <p:cNvPr id="4" name="Slide Number Placeholder 3"/>
-          <p:cNvSpPr>
-            <a:spLocks noGrp="1"/>
-          </p:cNvSpPr>
-          <p:nvPr>
-            <p:ph type="sldNum" sz="quarter" idx="10"/>
-          </p:nvPr>
-        </p:nvSpPr>
-        <p:spPr/>
-        <p:txBody>
-          <a:bodyPr/>
-          <a:lstStyle/>
-          <a:p>
-            <a:fld id="{FD66F34B-9C4D-8640-BB34-4C24A79C9FFB}" type="slidenum">
-              <a:rPr lang="en-US" smtClean="0"/>
-              <a:t>34</a:t>
             </a:fld>
             <a:endParaRPr lang="en-US"/>
           </a:p>
@@ -7039,17 +6942,31 @@
           <a:p>
             <a:r>
               <a:rPr lang="en-US" baseline="0" dirty="0" smtClean="0"/>
-              <a:t>Boxplots </a:t>
-            </a:r>
+              <a:t>Boxplots make comparison really easy … </a:t>
+            </a:r>
+          </a:p>
+          <a:p>
             <a:r>
               <a:rPr lang="en-US" baseline="0" dirty="0" smtClean="0"/>
-              <a:t>make comparison really easy … </a:t>
-            </a:r>
-          </a:p>
-          <a:p>
+              <a:t>Can also show certain types of unexpected structure (e.g. variance variance</a:t>
+            </a:r>
             <a:r>
               <a:rPr lang="en-US" baseline="0" dirty="0" smtClean="0"/>
-              <a:t>Can also show certain types of unexpected structure (e.g. variance variance)</a:t>
+              <a:t>)</a:t>
+            </a:r>
+          </a:p>
+          <a:p>
+            <a:r>
+              <a:rPr lang="en-US" baseline="0" dirty="0" smtClean="0"/>
+              <a:t>Created with ‘boxplot-</a:t>
+            </a:r>
+            <a:r>
+              <a:rPr lang="en-US" baseline="0" dirty="0" err="1" smtClean="0"/>
+              <a:t>demo.py</a:t>
+            </a:r>
+            <a:r>
+              <a:rPr lang="en-US" baseline="0" dirty="0" smtClean="0"/>
+              <a:t>’</a:t>
             </a:r>
             <a:endParaRPr lang="en-US" dirty="0"/>
           </a:p>
@@ -22379,7 +22296,11 @@
           <a:p>
             <a:r>
               <a:rPr lang="en-US" dirty="0" smtClean="0"/>
-              <a:t>Boxplot [Data Source Unspecified]</a:t>
+              <a:t>Boxplot </a:t>
+            </a:r>
+            <a:r>
+              <a:rPr lang="en-US" dirty="0" smtClean="0"/>
+              <a:t>[Random Data; 3 times]</a:t>
             </a:r>
             <a:endParaRPr lang="en-US" dirty="0"/>
           </a:p>
@@ -22452,7 +22373,7 @@
       </p:sp>
       <p:pic>
         <p:nvPicPr>
-          <p:cNvPr id="11" name="Content Placeholder 10" descr="Screen Shot 2014-01-26 at 9.58.43 PM.png"/>
+          <p:cNvPr id="8" name="Content Placeholder 7" descr="Screen Shot 2014-01-30 at 10.56.45 AM.png"/>
           <p:cNvPicPr>
             <a:picLocks noGrp="1" noChangeAspect="1"/>
           </p:cNvPicPr>
@@ -22460,7 +22381,7 @@
             <p:ph idx="1"/>
           </p:nvPr>
         </p:nvPicPr>
-        <p:blipFill>
+        <p:blipFill rotWithShape="1">
           <a:blip r:embed="rId3">
             <a:extLst>
               <a:ext uri="{28A0092B-C50C-407E-A947-70E740481C1C}">
@@ -22468,12 +22389,15 @@
               </a:ext>
             </a:extLst>
           </a:blip>
-          <a:srcRect t="7905" b="7905"/>
-          <a:stretch>
-            <a:fillRect/>
-          </a:stretch>
+          <a:srcRect l="4761" r="43772" b="24225"/>
+          <a:stretch/>
         </p:blipFill>
-        <p:spPr/>
+        <p:spPr>
+          <a:xfrm>
+            <a:off x="1128943" y="1534736"/>
+            <a:ext cx="6105630" cy="5053862"/>
+          </a:xfrm>
+        </p:spPr>
       </p:pic>
     </p:spTree>
     <p:extLst>
@@ -22529,12 +22453,39 @@
           <a:p>
             <a:r>
               <a:rPr lang="en-US" dirty="0" smtClean="0"/>
-              <a:t>Boxplot [Data </a:t>
-            </a:r>
-            <a:r>
-              <a:rPr lang="en-US" smtClean="0"/>
-              <a:t>Source Unspecified]</a:t>
-            </a:r>
+              <a:t>Boxplots good/bad</a:t>
+            </a:r>
+            <a:endParaRPr lang="en-US" dirty="0"/>
+          </a:p>
+        </p:txBody>
+      </p:sp>
+      <p:sp>
+        <p:nvSpPr>
+          <p:cNvPr id="3" name="Content Placeholder 2"/>
+          <p:cNvSpPr>
+            <a:spLocks noGrp="1"/>
+          </p:cNvSpPr>
+          <p:nvPr>
+            <p:ph idx="1"/>
+          </p:nvPr>
+        </p:nvSpPr>
+        <p:spPr/>
+        <p:txBody>
+          <a:bodyPr/>
+          <a:lstStyle/>
+          <a:p>
+            <a:r>
+              <a:rPr lang="en-US" dirty="0"/>
+              <a:t>Boxplots make comparison really easy … </a:t>
+            </a:r>
+          </a:p>
+          <a:p>
+            <a:r>
+              <a:rPr lang="en-US" dirty="0"/>
+              <a:t>Can also show certain types of unexpected structure (e.g. variance variance)</a:t>
+            </a:r>
+          </a:p>
+          <a:p>
             <a:endParaRPr lang="en-US" dirty="0"/>
           </a:p>
         </p:txBody>
@@ -22604,35 +22555,10 @@
           </a:p>
         </p:txBody>
       </p:sp>
-      <p:pic>
-        <p:nvPicPr>
-          <p:cNvPr id="7" name="Content Placeholder 6" descr="Screen Shot 2014-01-26 at 9.56.32 PM.png"/>
-          <p:cNvPicPr>
-            <a:picLocks noGrp="1" noChangeAspect="1"/>
-          </p:cNvPicPr>
-          <p:nvPr>
-            <p:ph idx="1"/>
-          </p:nvPr>
-        </p:nvPicPr>
-        <p:blipFill>
-          <a:blip r:embed="rId3">
-            <a:extLst>
-              <a:ext uri="{28A0092B-C50C-407E-A947-70E740481C1C}">
-                <a14:useLocalDpi xmlns:a14="http://schemas.microsoft.com/office/drawing/2010/main" val="0"/>
-              </a:ext>
-            </a:extLst>
-          </a:blip>
-          <a:srcRect t="6502" b="6502"/>
-          <a:stretch>
-            <a:fillRect/>
-          </a:stretch>
-        </p:blipFill>
-        <p:spPr/>
-      </p:pic>
     </p:spTree>
     <p:extLst>
       <p:ext uri="{BB962C8B-B14F-4D97-AF65-F5344CB8AC3E}">
-        <p14:creationId xmlns:p14="http://schemas.microsoft.com/office/powerpoint/2010/main" val="2922795962"/>
+        <p14:creationId xmlns:p14="http://schemas.microsoft.com/office/powerpoint/2010/main" val="1856013120"/>
       </p:ext>
     </p:extLst>
   </p:cSld>
@@ -22676,162 +22602,6 @@
             <p:ph type="title"/>
           </p:nvPr>
         </p:nvSpPr>
-        <p:spPr/>
-        <p:txBody>
-          <a:bodyPr/>
-          <a:lstStyle/>
-          <a:p>
-            <a:r>
-              <a:rPr lang="en-US" dirty="0" smtClean="0"/>
-              <a:t>Boxplots good/bad</a:t>
-            </a:r>
-            <a:endParaRPr lang="en-US" dirty="0"/>
-          </a:p>
-        </p:txBody>
-      </p:sp>
-      <p:sp>
-        <p:nvSpPr>
-          <p:cNvPr id="3" name="Content Placeholder 2"/>
-          <p:cNvSpPr>
-            <a:spLocks noGrp="1"/>
-          </p:cNvSpPr>
-          <p:nvPr>
-            <p:ph idx="1"/>
-          </p:nvPr>
-        </p:nvSpPr>
-        <p:spPr/>
-        <p:txBody>
-          <a:bodyPr/>
-          <a:lstStyle/>
-          <a:p>
-            <a:r>
-              <a:rPr lang="en-US" dirty="0"/>
-              <a:t>Boxplots make comparison really easy … </a:t>
-            </a:r>
-          </a:p>
-          <a:p>
-            <a:r>
-              <a:rPr lang="en-US" dirty="0"/>
-              <a:t>Can also show certain types of unexpected structure (e.g. variance variance)</a:t>
-            </a:r>
-          </a:p>
-          <a:p>
-            <a:endParaRPr lang="en-US" dirty="0"/>
-          </a:p>
-        </p:txBody>
-      </p:sp>
-      <p:sp>
-        <p:nvSpPr>
-          <p:cNvPr id="4" name="Date Placeholder 3"/>
-          <p:cNvSpPr>
-            <a:spLocks noGrp="1"/>
-          </p:cNvSpPr>
-          <p:nvPr>
-            <p:ph type="dt" sz="half" idx="10"/>
-          </p:nvPr>
-        </p:nvSpPr>
-        <p:spPr/>
-        <p:txBody>
-          <a:bodyPr/>
-          <a:lstStyle/>
-          <a:p>
-            <a:fld id="{7053BEFA-1175-F644-B249-7D41D72BD3FF}" type="datetime1">
-              <a:rPr lang="en-US" smtClean="0"/>
-              <a:t>1/30/14</a:t>
-            </a:fld>
-            <a:endParaRPr lang="en-US"/>
-          </a:p>
-        </p:txBody>
-      </p:sp>
-      <p:sp>
-        <p:nvSpPr>
-          <p:cNvPr id="5" name="Footer Placeholder 4"/>
-          <p:cNvSpPr>
-            <a:spLocks noGrp="1"/>
-          </p:cNvSpPr>
-          <p:nvPr>
-            <p:ph type="ftr" sz="quarter" idx="11"/>
-          </p:nvPr>
-        </p:nvSpPr>
-        <p:spPr/>
-        <p:txBody>
-          <a:bodyPr/>
-          <a:lstStyle/>
-          <a:p>
-            <a:endParaRPr lang="en-US" dirty="0"/>
-          </a:p>
-        </p:txBody>
-      </p:sp>
-      <p:sp>
-        <p:nvSpPr>
-          <p:cNvPr id="6" name="Slide Number Placeholder 5"/>
-          <p:cNvSpPr>
-            <a:spLocks noGrp="1"/>
-          </p:cNvSpPr>
-          <p:nvPr>
-            <p:ph type="sldNum" sz="quarter" idx="12"/>
-          </p:nvPr>
-        </p:nvSpPr>
-        <p:spPr/>
-        <p:txBody>
-          <a:bodyPr/>
-          <a:lstStyle/>
-          <a:p>
-            <a:fld id="{17E276FA-8F89-B34D-A726-BE3FA1F8DD97}" type="slidenum">
-              <a:rPr lang="en-US" smtClean="0"/>
-              <a:t>24</a:t>
-            </a:fld>
-            <a:endParaRPr lang="en-US" dirty="0"/>
-          </a:p>
-        </p:txBody>
-      </p:sp>
-    </p:spTree>
-    <p:extLst>
-      <p:ext uri="{BB962C8B-B14F-4D97-AF65-F5344CB8AC3E}">
-        <p14:creationId xmlns:p14="http://schemas.microsoft.com/office/powerpoint/2010/main" val="1856013120"/>
-      </p:ext>
-    </p:extLst>
-  </p:cSld>
-  <p:clrMapOvr>
-    <a:masterClrMapping/>
-  </p:clrMapOvr>
-  <p:timing>
-    <p:tnLst>
-      <p:par>
-        <p:cTn xmlns:p14="http://schemas.microsoft.com/office/powerpoint/2010/main" id="1" dur="indefinite" restart="never" nodeType="tmRoot"/>
-      </p:par>
-    </p:tnLst>
-  </p:timing>
-</p:sld>
-</file>
-
-<file path=ppt/slides/slide25.xml><?xml version="1.0" encoding="utf-8"?>
-<p:sld xmlns:a="http://schemas.openxmlformats.org/drawingml/2006/main" xmlns:r="http://schemas.openxmlformats.org/officeDocument/2006/relationships" xmlns:p="http://schemas.openxmlformats.org/presentationml/2006/main">
-  <p:cSld>
-    <p:spTree>
-      <p:nvGrpSpPr>
-        <p:cNvPr id="1" name=""/>
-        <p:cNvGrpSpPr/>
-        <p:nvPr/>
-      </p:nvGrpSpPr>
-      <p:grpSpPr>
-        <a:xfrm>
-          <a:off x="0" y="0"/>
-          <a:ext cx="0" cy="0"/>
-          <a:chOff x="0" y="0"/>
-          <a:chExt cx="0" cy="0"/>
-        </a:xfrm>
-      </p:grpSpPr>
-      <p:sp>
-        <p:nvSpPr>
-          <p:cNvPr id="2" name="Title 1"/>
-          <p:cNvSpPr>
-            <a:spLocks noGrp="1"/>
-          </p:cNvSpPr>
-          <p:nvPr>
-            <p:ph type="title"/>
-          </p:nvPr>
-        </p:nvSpPr>
         <p:spPr>
           <a:xfrm>
             <a:off x="954132" y="310162"/>
@@ -22943,7 +22713,7 @@
           <a:p>
             <a:fld id="{17E276FA-8F89-B34D-A726-BE3FA1F8DD97}" type="slidenum">
               <a:rPr lang="en-US" smtClean="0"/>
-              <a:t>25</a:t>
+              <a:t>24</a:t>
             </a:fld>
             <a:endParaRPr lang="en-US" dirty="0"/>
           </a:p>
@@ -23131,7 +22901,7 @@
 </p:sld>
 </file>
 
-<file path=ppt/slides/slide26.xml><?xml version="1.0" encoding="utf-8"?>
+<file path=ppt/slides/slide25.xml><?xml version="1.0" encoding="utf-8"?>
 <p:sld xmlns:a="http://schemas.openxmlformats.org/drawingml/2006/main" xmlns:r="http://schemas.openxmlformats.org/officeDocument/2006/relationships" xmlns:p="http://schemas.openxmlformats.org/presentationml/2006/main">
   <p:cSld>
     <p:spTree>
@@ -23230,7 +23000,7 @@
           <a:p>
             <a:fld id="{17E276FA-8F89-B34D-A726-BE3FA1F8DD97}" type="slidenum">
               <a:rPr lang="en-US" smtClean="0"/>
-              <a:t>26</a:t>
+              <a:t>25</a:t>
             </a:fld>
             <a:endParaRPr lang="en-US" dirty="0"/>
           </a:p>
@@ -23401,6 +23171,182 @@
     <p:extLst>
       <p:ext uri="{BB962C8B-B14F-4D97-AF65-F5344CB8AC3E}">
         <p14:creationId xmlns:p14="http://schemas.microsoft.com/office/powerpoint/2010/main" val="3035987725"/>
+      </p:ext>
+    </p:extLst>
+  </p:cSld>
+  <p:clrMapOvr>
+    <a:masterClrMapping/>
+  </p:clrMapOvr>
+  <p:timing>
+    <p:tnLst>
+      <p:par>
+        <p:cTn xmlns:p14="http://schemas.microsoft.com/office/powerpoint/2010/main" id="1" dur="indefinite" restart="never" nodeType="tmRoot"/>
+      </p:par>
+    </p:tnLst>
+  </p:timing>
+</p:sld>
+</file>
+
+<file path=ppt/slides/slide26.xml><?xml version="1.0" encoding="utf-8"?>
+<p:sld xmlns:a="http://schemas.openxmlformats.org/drawingml/2006/main" xmlns:r="http://schemas.openxmlformats.org/officeDocument/2006/relationships" xmlns:p="http://schemas.openxmlformats.org/presentationml/2006/main">
+  <p:cSld>
+    <p:spTree>
+      <p:nvGrpSpPr>
+        <p:cNvPr id="1" name=""/>
+        <p:cNvGrpSpPr/>
+        <p:nvPr/>
+      </p:nvGrpSpPr>
+      <p:grpSpPr>
+        <a:xfrm>
+          <a:off x="0" y="0"/>
+          <a:ext cx="0" cy="0"/>
+          <a:chOff x="0" y="0"/>
+          <a:chExt cx="0" cy="0"/>
+        </a:xfrm>
+      </p:grpSpPr>
+      <p:sp>
+        <p:nvSpPr>
+          <p:cNvPr id="2" name="Title 1"/>
+          <p:cNvSpPr>
+            <a:spLocks noGrp="1"/>
+          </p:cNvSpPr>
+          <p:nvPr>
+            <p:ph type="title"/>
+          </p:nvPr>
+        </p:nvSpPr>
+        <p:spPr/>
+        <p:txBody>
+          <a:bodyPr/>
+          <a:lstStyle/>
+          <a:p>
+            <a:r>
+              <a:rPr lang="en-US" dirty="0" smtClean="0"/>
+              <a:t>When might we expect a Normal distribution?</a:t>
+            </a:r>
+            <a:endParaRPr lang="en-US" dirty="0"/>
+          </a:p>
+        </p:txBody>
+      </p:sp>
+      <p:sp>
+        <p:nvSpPr>
+          <p:cNvPr id="7" name="Content Placeholder 6"/>
+          <p:cNvSpPr>
+            <a:spLocks noGrp="1"/>
+          </p:cNvSpPr>
+          <p:nvPr>
+            <p:ph idx="1"/>
+          </p:nvPr>
+        </p:nvSpPr>
+        <p:spPr/>
+        <p:txBody>
+          <a:bodyPr/>
+          <a:lstStyle/>
+          <a:p>
+            <a:pPr marL="0" indent="0">
+              <a:buNone/>
+            </a:pPr>
+            <a:r>
+              <a:rPr lang="en-US" dirty="0"/>
+              <a:t>Central limit theorem: Sum of </a:t>
+            </a:r>
+            <a:r>
+              <a:rPr lang="en-US" i="1" dirty="0"/>
+              <a:t>independent </a:t>
+            </a:r>
+            <a:r>
+              <a:rPr lang="en-US" dirty="0"/>
+              <a:t>and </a:t>
+            </a:r>
+            <a:r>
+              <a:rPr lang="en-US" i="1" dirty="0"/>
+              <a:t>identically distributed </a:t>
+            </a:r>
+            <a:r>
+              <a:rPr lang="en-US" b="1" i="1" dirty="0"/>
+              <a:t>random variables </a:t>
+            </a:r>
+            <a:r>
+              <a:rPr lang="en-US" dirty="0"/>
+              <a:t>will converge to normal</a:t>
+            </a:r>
+          </a:p>
+          <a:p>
+            <a:pPr marL="0" indent="0">
+              <a:buNone/>
+            </a:pPr>
+            <a:endParaRPr lang="en-US" dirty="0"/>
+          </a:p>
+        </p:txBody>
+      </p:sp>
+      <p:sp>
+        <p:nvSpPr>
+          <p:cNvPr id="4" name="Date Placeholder 3"/>
+          <p:cNvSpPr>
+            <a:spLocks noGrp="1"/>
+          </p:cNvSpPr>
+          <p:nvPr>
+            <p:ph type="dt" sz="half" idx="10"/>
+          </p:nvPr>
+        </p:nvSpPr>
+        <p:spPr/>
+        <p:txBody>
+          <a:bodyPr/>
+          <a:lstStyle/>
+          <a:p>
+            <a:fld id="{7053BEFA-1175-F644-B249-7D41D72BD3FF}" type="datetime1">
+              <a:rPr lang="en-US" smtClean="0"/>
+              <a:t>1/30/14</a:t>
+            </a:fld>
+            <a:endParaRPr lang="en-US"/>
+          </a:p>
+        </p:txBody>
+      </p:sp>
+      <p:sp>
+        <p:nvSpPr>
+          <p:cNvPr id="5" name="Footer Placeholder 4"/>
+          <p:cNvSpPr>
+            <a:spLocks noGrp="1"/>
+          </p:cNvSpPr>
+          <p:nvPr>
+            <p:ph type="ftr" sz="quarter" idx="11"/>
+          </p:nvPr>
+        </p:nvSpPr>
+        <p:spPr/>
+        <p:txBody>
+          <a:bodyPr/>
+          <a:lstStyle/>
+          <a:p>
+            <a:endParaRPr lang="en-US" dirty="0"/>
+          </a:p>
+        </p:txBody>
+      </p:sp>
+      <p:sp>
+        <p:nvSpPr>
+          <p:cNvPr id="6" name="Slide Number Placeholder 5"/>
+          <p:cNvSpPr>
+            <a:spLocks noGrp="1"/>
+          </p:cNvSpPr>
+          <p:nvPr>
+            <p:ph type="sldNum" sz="quarter" idx="12"/>
+          </p:nvPr>
+        </p:nvSpPr>
+        <p:spPr/>
+        <p:txBody>
+          <a:bodyPr/>
+          <a:lstStyle/>
+          <a:p>
+            <a:fld id="{17E276FA-8F89-B34D-A726-BE3FA1F8DD97}" type="slidenum">
+              <a:rPr lang="en-US" smtClean="0"/>
+              <a:t>26</a:t>
+            </a:fld>
+            <a:endParaRPr lang="en-US" dirty="0"/>
+          </a:p>
+        </p:txBody>
+      </p:sp>
+    </p:spTree>
+    <p:extLst>
+      <p:ext uri="{BB962C8B-B14F-4D97-AF65-F5344CB8AC3E}">
+        <p14:creationId xmlns:p14="http://schemas.microsoft.com/office/powerpoint/2010/main" val="384715267"/>
       </p:ext>
     </p:extLst>
   </p:cSld>
@@ -23451,7 +23397,7 @@
           <a:p>
             <a:r>
               <a:rPr lang="en-US" dirty="0" smtClean="0"/>
-              <a:t>When might we expect a Normal distribution?</a:t>
+              <a:t>Random Variable</a:t>
             </a:r>
             <a:endParaRPr lang="en-US" dirty="0"/>
           </a:p>
@@ -23459,7 +23405,7 @@
       </p:sp>
       <p:sp>
         <p:nvSpPr>
-          <p:cNvPr id="7" name="Content Placeholder 6"/>
+          <p:cNvPr id="3" name="Content Placeholder 2"/>
           <p:cNvSpPr>
             <a:spLocks noGrp="1"/>
           </p:cNvSpPr>
@@ -23467,7 +23413,12 @@
             <p:ph idx="1"/>
           </p:nvPr>
         </p:nvSpPr>
-        <p:spPr/>
+        <p:spPr>
+          <a:xfrm>
+            <a:off x="954132" y="1847153"/>
+            <a:ext cx="7223615" cy="4379976"/>
+          </a:xfrm>
+        </p:spPr>
         <p:txBody>
           <a:bodyPr/>
           <a:lstStyle/>
@@ -23476,35 +23427,44 @@
               <a:buNone/>
             </a:pPr>
             <a:r>
-              <a:rPr lang="en-US" dirty="0"/>
-              <a:t>Central limit theorem: Sum of </a:t>
-            </a:r>
-            <a:r>
-              <a:rPr lang="en-US" i="1" dirty="0"/>
-              <a:t>independent </a:t>
-            </a:r>
-            <a:r>
-              <a:rPr lang="en-US" dirty="0"/>
-              <a:t>and </a:t>
-            </a:r>
-            <a:r>
-              <a:rPr lang="en-US" i="1" dirty="0"/>
-              <a:t>identically distributed </a:t>
-            </a:r>
-            <a:r>
-              <a:rPr lang="en-US" b="1" i="1" dirty="0"/>
-              <a:t>random variables </a:t>
-            </a:r>
-            <a:r>
-              <a:rPr lang="en-US" dirty="0"/>
-              <a:t>will converge to normal</a:t>
+              <a:rPr lang="en-US" dirty="0" smtClean="0"/>
+              <a:t>Value varies (</a:t>
+            </a:r>
+            <a:r>
+              <a:rPr lang="en-US" i="1" dirty="0" smtClean="0"/>
+              <a:t>e.g. </a:t>
+            </a:r>
+            <a:r>
+              <a:rPr lang="en-US" dirty="0" smtClean="0"/>
+              <a:t>possible outcomes of an experiment)</a:t>
             </a:r>
           </a:p>
           <a:p>
             <a:pPr marL="0" indent="0">
               <a:buNone/>
             </a:pPr>
-            <a:endParaRPr lang="en-US" dirty="0"/>
+            <a:r>
+              <a:rPr lang="en-US" dirty="0" smtClean="0"/>
+              <a:t>Modeled as a </a:t>
+            </a:r>
+            <a:r>
+              <a:rPr lang="en-US" i="1" dirty="0" smtClean="0"/>
+              <a:t>distribution</a:t>
+            </a:r>
+          </a:p>
+          <a:p>
+            <a:pPr lvl="1"/>
+            <a:r>
+              <a:rPr lang="en-US" dirty="0" smtClean="0"/>
+              <a:t>Discrete values (“Probability Mass Function”) - typically values and weights</a:t>
+            </a:r>
+          </a:p>
+          <a:p>
+            <a:pPr lvl="1"/>
+            <a:r>
+              <a:rPr lang="en-US" dirty="0" smtClean="0"/>
+              <a:t>Continues values (“Probability Density Function”) – typically a function</a:t>
+            </a:r>
           </a:p>
         </p:txBody>
       </p:sp>
@@ -23576,7 +23536,7 @@
     </p:spTree>
     <p:extLst>
       <p:ext uri="{BB962C8B-B14F-4D97-AF65-F5344CB8AC3E}">
-        <p14:creationId xmlns:p14="http://schemas.microsoft.com/office/powerpoint/2010/main" val="384715267"/>
+        <p14:creationId xmlns:p14="http://schemas.microsoft.com/office/powerpoint/2010/main" val="3092281358"/>
       </p:ext>
     </p:extLst>
   </p:cSld>
@@ -23612,43 +23572,43 @@
       </p:grpSpPr>
       <p:sp>
         <p:nvSpPr>
-          <p:cNvPr id="2" name="Title 1"/>
+          <p:cNvPr id="10" name="Title 9"/>
           <p:cNvSpPr>
             <a:spLocks noGrp="1"/>
           </p:cNvSpPr>
           <p:nvPr>
             <p:ph type="title"/>
-          </p:nvPr>
-        </p:nvSpPr>
-        <p:spPr/>
-        <p:txBody>
-          <a:bodyPr/>
-          <a:lstStyle/>
-          <a:p>
-            <a:r>
-              <a:rPr lang="en-US" dirty="0" smtClean="0"/>
-              <a:t>Random Variable</a:t>
-            </a:r>
-            <a:endParaRPr lang="en-US" dirty="0"/>
-          </a:p>
-        </p:txBody>
-      </p:sp>
-      <p:sp>
-        <p:nvSpPr>
-          <p:cNvPr id="3" name="Content Placeholder 2"/>
-          <p:cNvSpPr>
-            <a:spLocks noGrp="1"/>
-          </p:cNvSpPr>
-          <p:nvPr>
-            <p:ph idx="1"/>
           </p:nvPr>
         </p:nvSpPr>
         <p:spPr>
           <a:xfrm>
-            <a:off x="954132" y="1847153"/>
-            <a:ext cx="7223615" cy="4379976"/>
+            <a:off x="465996" y="310162"/>
+            <a:ext cx="7882681" cy="990107"/>
           </a:xfrm>
         </p:spPr>
+        <p:txBody>
+          <a:bodyPr/>
+          <a:lstStyle/>
+          <a:p>
+            <a:r>
+              <a:rPr lang="en-US" dirty="0" smtClean="0"/>
+              <a:t>Independent				Identically Distributed</a:t>
+            </a:r>
+            <a:endParaRPr lang="en-US" dirty="0"/>
+          </a:p>
+        </p:txBody>
+      </p:sp>
+      <p:sp>
+        <p:nvSpPr>
+          <p:cNvPr id="3" name="Content Placeholder 2"/>
+          <p:cNvSpPr>
+            <a:spLocks noGrp="1"/>
+          </p:cNvSpPr>
+          <p:nvPr>
+            <p:ph sz="half" idx="1"/>
+          </p:nvPr>
+        </p:nvSpPr>
+        <p:spPr/>
         <p:txBody>
           <a:bodyPr/>
           <a:lstStyle/>
@@ -23657,44 +23617,79 @@
               <a:buNone/>
             </a:pPr>
             <a:r>
-              <a:rPr lang="en-US" dirty="0" smtClean="0"/>
-              <a:t>Value varies (</a:t>
-            </a:r>
-            <a:r>
-              <a:rPr lang="en-US" i="1" dirty="0" smtClean="0"/>
-              <a:t>e.g. </a:t>
-            </a:r>
-            <a:r>
-              <a:rPr lang="en-US" dirty="0" smtClean="0"/>
-              <a:t>possible outcomes of an experiment)</a:t>
-            </a:r>
-          </a:p>
+              <a:rPr lang="en-US" sz="2800" dirty="0" smtClean="0"/>
+              <a:t>Are the observations independent of each other? </a:t>
+            </a:r>
+          </a:p>
+          <a:p>
+            <a:pPr lvl="1"/>
+            <a:r>
+              <a:rPr lang="en-US" sz="2400" dirty="0" smtClean="0"/>
+              <a:t>Do they directly influence each other </a:t>
+            </a:r>
+          </a:p>
+          <a:p>
+            <a:pPr lvl="1"/>
+            <a:r>
+              <a:rPr lang="en-US" sz="2400" dirty="0" smtClean="0"/>
+              <a:t>Are they both influenced by a shared hidden confounding variable?</a:t>
+            </a:r>
+          </a:p>
+        </p:txBody>
+      </p:sp>
+      <p:sp>
+        <p:nvSpPr>
+          <p:cNvPr id="9" name="Content Placeholder 8"/>
+          <p:cNvSpPr>
+            <a:spLocks noGrp="1"/>
+          </p:cNvSpPr>
+          <p:nvPr>
+            <p:ph sz="half" idx="2"/>
+          </p:nvPr>
+        </p:nvSpPr>
+        <p:spPr/>
+        <p:txBody>
+          <a:bodyPr/>
+          <a:lstStyle/>
           <a:p>
             <a:pPr marL="0" indent="0">
               <a:buNone/>
             </a:pPr>
             <a:r>
-              <a:rPr lang="en-US" dirty="0" smtClean="0"/>
-              <a:t>Modeled as a </a:t>
-            </a:r>
-            <a:r>
-              <a:rPr lang="en-US" i="1" dirty="0" smtClean="0"/>
-              <a:t>distribution</a:t>
-            </a:r>
-          </a:p>
-          <a:p>
-            <a:pPr lvl="1"/>
-            <a:r>
-              <a:rPr lang="en-US" dirty="0" smtClean="0"/>
-              <a:t>Discrete values (“Probability Mass Function”) - typically values and weights</a:t>
-            </a:r>
-          </a:p>
-          <a:p>
-            <a:pPr lvl="1"/>
-            <a:r>
-              <a:rPr lang="en-US" dirty="0" smtClean="0"/>
-              <a:t>Continues values (“Probability Density Function”) – typically a function</a:t>
-            </a:r>
+              <a:rPr lang="en-US" sz="2800" dirty="0" smtClean="0"/>
+              <a:t>Are the random variables identically distributed? </a:t>
+            </a:r>
+          </a:p>
+          <a:p>
+            <a:pPr lvl="2"/>
+            <a:r>
+              <a:rPr lang="en-US" sz="2400" dirty="0" smtClean="0"/>
+              <a:t>Is the variance equivalent</a:t>
+            </a:r>
+          </a:p>
+          <a:p>
+            <a:pPr lvl="2"/>
+            <a:r>
+              <a:rPr lang="en-US" sz="2400" dirty="0" smtClean="0"/>
+              <a:t>Are the min/max/SD equivalent</a:t>
+            </a:r>
+          </a:p>
+          <a:p>
+            <a:pPr lvl="2"/>
+            <a:r>
+              <a:rPr lang="en-US" sz="2400" dirty="0" smtClean="0"/>
+              <a:t>Kolmogorov-Smirnov Test</a:t>
+            </a:r>
+          </a:p>
+          <a:p>
+            <a:pPr lvl="2"/>
+            <a:endParaRPr lang="en-US" sz="2400" dirty="0" smtClean="0"/>
+          </a:p>
+          <a:p>
+            <a:pPr marL="0" indent="0">
+              <a:buNone/>
+            </a:pPr>
+            <a:endParaRPr lang="en-US" sz="2800" dirty="0"/>
           </a:p>
         </p:txBody>
       </p:sp>
@@ -23766,7 +23761,7 @@
     </p:spTree>
     <p:extLst>
       <p:ext uri="{BB962C8B-B14F-4D97-AF65-F5344CB8AC3E}">
-        <p14:creationId xmlns:p14="http://schemas.microsoft.com/office/powerpoint/2010/main" val="3092281358"/>
+        <p14:creationId xmlns:p14="http://schemas.microsoft.com/office/powerpoint/2010/main" val="168153640"/>
       </p:ext>
     </p:extLst>
   </p:cSld>
@@ -23810,35 +23805,32 @@
             <p:ph type="title"/>
           </p:nvPr>
         </p:nvSpPr>
+        <p:spPr/>
+        <p:txBody>
+          <a:bodyPr/>
+          <a:lstStyle/>
+          <a:p>
+            <a:r>
+              <a:rPr lang="en-US" dirty="0" smtClean="0"/>
+              <a:t>Example: Mouse Motion Length</a:t>
+            </a:r>
+            <a:endParaRPr lang="en-US" dirty="0"/>
+          </a:p>
+        </p:txBody>
+      </p:sp>
+      <p:sp>
+        <p:nvSpPr>
+          <p:cNvPr id="16" name="Content Placeholder 15"/>
+          <p:cNvSpPr>
+            <a:spLocks noGrp="1"/>
+          </p:cNvSpPr>
+          <p:nvPr>
+            <p:ph idx="1"/>
+          </p:nvPr>
+        </p:nvSpPr>
         <p:spPr>
-          <a:xfrm>
-            <a:off x="465996" y="310162"/>
-            <a:ext cx="7882681" cy="990107"/>
-          </a:xfrm>
+          <a:noFill/>
         </p:spPr>
-        <p:txBody>
-          <a:bodyPr/>
-          <a:lstStyle/>
-          <a:p>
-            <a:r>
-              <a:rPr lang="en-US" dirty="0" smtClean="0"/>
-              <a:t>Independent				Identically Distributed</a:t>
-            </a:r>
-            <a:endParaRPr lang="en-US" dirty="0"/>
-          </a:p>
-        </p:txBody>
-      </p:sp>
-      <p:sp>
-        <p:nvSpPr>
-          <p:cNvPr id="3" name="Content Placeholder 2"/>
-          <p:cNvSpPr>
-            <a:spLocks noGrp="1"/>
-          </p:cNvSpPr>
-          <p:nvPr>
-            <p:ph sz="half" idx="1"/>
-          </p:nvPr>
-        </p:nvSpPr>
-        <p:spPr/>
         <p:txBody>
           <a:bodyPr/>
           <a:lstStyle/>
@@ -23847,85 +23839,88 @@
               <a:buNone/>
             </a:pPr>
             <a:r>
-              <a:rPr lang="en-US" sz="2800" dirty="0" smtClean="0"/>
-              <a:t>Are the observations independent of each other? </a:t>
-            </a:r>
-          </a:p>
-          <a:p>
-            <a:pPr lvl="1"/>
-            <a:r>
-              <a:rPr lang="en-US" sz="2400" dirty="0" smtClean="0"/>
-              <a:t>Do they directly influence each other </a:t>
-            </a:r>
-          </a:p>
-          <a:p>
-            <a:pPr lvl="1"/>
-            <a:r>
-              <a:rPr lang="en-US" sz="2400" dirty="0" smtClean="0"/>
-              <a:t>Are they both influenced by a shared hidden confounding variable?</a:t>
-            </a:r>
-          </a:p>
-        </p:txBody>
-      </p:sp>
-      <p:sp>
-        <p:nvSpPr>
-          <p:cNvPr id="9" name="Content Placeholder 8"/>
-          <p:cNvSpPr>
-            <a:spLocks noGrp="1"/>
-          </p:cNvSpPr>
-          <p:nvPr>
-            <p:ph sz="half" idx="2"/>
-          </p:nvPr>
-        </p:nvSpPr>
-        <p:spPr/>
-        <p:txBody>
-          <a:bodyPr/>
-          <a:lstStyle/>
+              <a:rPr lang="en-US" sz="3200" dirty="0"/>
+              <a:t>Normal Distribution: </a:t>
+            </a:r>
+            <a:r>
+              <a:rPr lang="en-US" sz="3200" dirty="0" smtClean="0"/>
+              <a:t>Mouse Motion Length across all interactions</a:t>
+            </a:r>
+            <a:endParaRPr lang="en-US" sz="3200" dirty="0"/>
+          </a:p>
           <a:p>
             <a:pPr marL="0" indent="0">
               <a:buNone/>
             </a:pPr>
             <a:r>
-              <a:rPr lang="en-US" sz="2800" dirty="0" smtClean="0"/>
-              <a:t>Are the random variables identically distributed? </a:t>
-            </a:r>
-          </a:p>
-          <a:p>
-            <a:pPr lvl="2"/>
-            <a:r>
-              <a:rPr lang="en-US" sz="2400" dirty="0" smtClean="0"/>
-              <a:t>Is the variance equivalent</a:t>
-            </a:r>
-          </a:p>
-          <a:p>
-            <a:pPr lvl="2"/>
-            <a:r>
-              <a:rPr lang="en-US" sz="2400" dirty="0" smtClean="0"/>
-              <a:t>Are the min/max/SD equivalent</a:t>
-            </a:r>
-          </a:p>
-          <a:p>
-            <a:pPr lvl="2"/>
-            <a:r>
-              <a:rPr lang="en-US" sz="2400" dirty="0" smtClean="0"/>
-              <a:t>Kolmogorov-Smirnov Test</a:t>
-            </a:r>
-          </a:p>
-          <a:p>
-            <a:pPr lvl="2"/>
-            <a:endParaRPr lang="en-US" sz="2400" dirty="0" smtClean="0"/>
+              <a:rPr lang="en-US" sz="3200" dirty="0" smtClean="0"/>
+              <a:t>Random Variable:  An interaction</a:t>
+            </a:r>
           </a:p>
           <a:p>
             <a:pPr marL="0" indent="0">
               <a:buNone/>
             </a:pPr>
-            <a:endParaRPr lang="en-US" sz="2800" dirty="0"/>
-          </a:p>
-        </p:txBody>
-      </p:sp>
-      <p:sp>
-        <p:nvSpPr>
-          <p:cNvPr id="4" name="Date Placeholder 3"/>
+            <a:r>
+              <a:rPr lang="en-US" sz="3200" dirty="0"/>
+              <a:t>	</a:t>
+            </a:r>
+            <a:r>
+              <a:rPr lang="en-US" sz="3200" i="1" dirty="0" smtClean="0"/>
+              <a:t>Discrete </a:t>
+            </a:r>
+            <a:r>
+              <a:rPr lang="en-US" sz="3200" dirty="0" smtClean="0"/>
+              <a:t>or </a:t>
+            </a:r>
+            <a:r>
+              <a:rPr lang="en-US" sz="3200" i="1" dirty="0" smtClean="0"/>
+              <a:t>Continuous?</a:t>
+            </a:r>
+            <a:endParaRPr lang="en-US" sz="3200" dirty="0" smtClean="0"/>
+          </a:p>
+          <a:p>
+            <a:pPr marL="0" indent="0">
+              <a:buNone/>
+            </a:pPr>
+            <a:r>
+              <a:rPr lang="en-US" sz="3200" dirty="0" smtClean="0"/>
+              <a:t>Independence? </a:t>
+            </a:r>
+            <a:br>
+              <a:rPr lang="en-US" sz="3200" dirty="0" smtClean="0"/>
+            </a:br>
+            <a:r>
+              <a:rPr lang="en-US" sz="3200" dirty="0" smtClean="0"/>
+              <a:t>	When might this be true/untrue?</a:t>
+            </a:r>
+          </a:p>
+          <a:p>
+            <a:pPr marL="0" indent="0">
+              <a:buNone/>
+            </a:pPr>
+            <a:r>
+              <a:rPr lang="en-US" sz="3200" dirty="0" smtClean="0"/>
+              <a:t>Identical Distributions?</a:t>
+            </a:r>
+          </a:p>
+          <a:p>
+            <a:pPr marL="0" indent="0">
+              <a:buNone/>
+            </a:pPr>
+            <a:endParaRPr lang="en-US" sz="3200" dirty="0" smtClean="0"/>
+          </a:p>
+          <a:p>
+            <a:pPr marL="0" indent="0">
+              <a:buNone/>
+            </a:pPr>
+            <a:endParaRPr lang="en-US" sz="3200" dirty="0"/>
+          </a:p>
+        </p:txBody>
+      </p:sp>
+      <p:sp>
+        <p:nvSpPr>
+          <p:cNvPr id="7" name="Date Placeholder 6"/>
           <p:cNvSpPr>
             <a:spLocks noGrp="1"/>
           </p:cNvSpPr>
@@ -23938,8 +23933,9 @@
           <a:bodyPr/>
           <a:lstStyle/>
           <a:p>
-            <a:fld id="{7053BEFA-1175-F644-B249-7D41D72BD3FF}" type="datetime1">
+            <a:fld id="{A73F672F-A5FB-5745-934A-1BF51CA5539C}" type="datetime1">
               <a:rPr lang="en-US" smtClean="0"/>
+              <a:pPr/>
               <a:t>1/30/14</a:t>
             </a:fld>
             <a:endParaRPr lang="en-US"/>
@@ -23948,7 +23944,7 @@
       </p:sp>
       <p:sp>
         <p:nvSpPr>
-          <p:cNvPr id="5" name="Footer Placeholder 4"/>
+          <p:cNvPr id="8" name="Footer Placeholder 7"/>
           <p:cNvSpPr>
             <a:spLocks noGrp="1"/>
           </p:cNvSpPr>
@@ -23967,7 +23963,7 @@
       </p:sp>
       <p:sp>
         <p:nvSpPr>
-          <p:cNvPr id="6" name="Slide Number Placeholder 5"/>
+          <p:cNvPr id="9" name="Slide Number Placeholder 8"/>
           <p:cNvSpPr>
             <a:spLocks noGrp="1"/>
           </p:cNvSpPr>
@@ -23982,6 +23978,7 @@
           <a:p>
             <a:fld id="{17E276FA-8F89-B34D-A726-BE3FA1F8DD97}" type="slidenum">
               <a:rPr lang="en-US" smtClean="0"/>
+              <a:pPr/>
               <a:t>29</a:t>
             </a:fld>
             <a:endParaRPr lang="en-US" dirty="0"/>
@@ -23991,7 +23988,7 @@
     </p:spTree>
     <p:extLst>
       <p:ext uri="{BB962C8B-B14F-4D97-AF65-F5344CB8AC3E}">
-        <p14:creationId xmlns:p14="http://schemas.microsoft.com/office/powerpoint/2010/main" val="168153640"/>
+        <p14:creationId xmlns:p14="http://schemas.microsoft.com/office/powerpoint/2010/main" val="1535357585"/>
       </p:ext>
     </p:extLst>
   </p:cSld>
@@ -24238,233 +24235,6 @@
       </p:grpSpPr>
       <p:sp>
         <p:nvSpPr>
-          <p:cNvPr id="10" name="Title 9"/>
-          <p:cNvSpPr>
-            <a:spLocks noGrp="1"/>
-          </p:cNvSpPr>
-          <p:nvPr>
-            <p:ph type="title"/>
-          </p:nvPr>
-        </p:nvSpPr>
-        <p:spPr/>
-        <p:txBody>
-          <a:bodyPr/>
-          <a:lstStyle/>
-          <a:p>
-            <a:r>
-              <a:rPr lang="en-US" dirty="0" smtClean="0"/>
-              <a:t>Example: Mouse Motion Length</a:t>
-            </a:r>
-            <a:endParaRPr lang="en-US" dirty="0"/>
-          </a:p>
-        </p:txBody>
-      </p:sp>
-      <p:sp>
-        <p:nvSpPr>
-          <p:cNvPr id="16" name="Content Placeholder 15"/>
-          <p:cNvSpPr>
-            <a:spLocks noGrp="1"/>
-          </p:cNvSpPr>
-          <p:nvPr>
-            <p:ph idx="1"/>
-          </p:nvPr>
-        </p:nvSpPr>
-        <p:spPr>
-          <a:noFill/>
-        </p:spPr>
-        <p:txBody>
-          <a:bodyPr/>
-          <a:lstStyle/>
-          <a:p>
-            <a:pPr marL="0" indent="0">
-              <a:buNone/>
-            </a:pPr>
-            <a:r>
-              <a:rPr lang="en-US" sz="3200" dirty="0"/>
-              <a:t>Normal Distribution: </a:t>
-            </a:r>
-            <a:r>
-              <a:rPr lang="en-US" sz="3200" dirty="0" smtClean="0"/>
-              <a:t>Mouse Motion Length across all interactions</a:t>
-            </a:r>
-            <a:endParaRPr lang="en-US" sz="3200" dirty="0"/>
-          </a:p>
-          <a:p>
-            <a:pPr marL="0" indent="0">
-              <a:buNone/>
-            </a:pPr>
-            <a:r>
-              <a:rPr lang="en-US" sz="3200" dirty="0" smtClean="0"/>
-              <a:t>Random Variable:  An interaction</a:t>
-            </a:r>
-          </a:p>
-          <a:p>
-            <a:pPr marL="0" indent="0">
-              <a:buNone/>
-            </a:pPr>
-            <a:r>
-              <a:rPr lang="en-US" sz="3200" dirty="0"/>
-              <a:t>	</a:t>
-            </a:r>
-            <a:r>
-              <a:rPr lang="en-US" sz="3200" i="1" dirty="0" smtClean="0"/>
-              <a:t>Discrete </a:t>
-            </a:r>
-            <a:r>
-              <a:rPr lang="en-US" sz="3200" dirty="0" smtClean="0"/>
-              <a:t>or </a:t>
-            </a:r>
-            <a:r>
-              <a:rPr lang="en-US" sz="3200" i="1" dirty="0" smtClean="0"/>
-              <a:t>Continuous?</a:t>
-            </a:r>
-            <a:endParaRPr lang="en-US" sz="3200" dirty="0" smtClean="0"/>
-          </a:p>
-          <a:p>
-            <a:pPr marL="0" indent="0">
-              <a:buNone/>
-            </a:pPr>
-            <a:r>
-              <a:rPr lang="en-US" sz="3200" dirty="0" smtClean="0"/>
-              <a:t>Independence? </a:t>
-            </a:r>
-            <a:br>
-              <a:rPr lang="en-US" sz="3200" dirty="0" smtClean="0"/>
-            </a:br>
-            <a:r>
-              <a:rPr lang="en-US" sz="3200" dirty="0" smtClean="0"/>
-              <a:t>	When might this be true/untrue?</a:t>
-            </a:r>
-          </a:p>
-          <a:p>
-            <a:pPr marL="0" indent="0">
-              <a:buNone/>
-            </a:pPr>
-            <a:r>
-              <a:rPr lang="en-US" sz="3200" dirty="0" smtClean="0"/>
-              <a:t>Identical Distributions?</a:t>
-            </a:r>
-          </a:p>
-          <a:p>
-            <a:pPr marL="0" indent="0">
-              <a:buNone/>
-            </a:pPr>
-            <a:endParaRPr lang="en-US" sz="3200" dirty="0" smtClean="0"/>
-          </a:p>
-          <a:p>
-            <a:pPr marL="0" indent="0">
-              <a:buNone/>
-            </a:pPr>
-            <a:endParaRPr lang="en-US" sz="3200" dirty="0"/>
-          </a:p>
-        </p:txBody>
-      </p:sp>
-      <p:sp>
-        <p:nvSpPr>
-          <p:cNvPr id="7" name="Date Placeholder 6"/>
-          <p:cNvSpPr>
-            <a:spLocks noGrp="1"/>
-          </p:cNvSpPr>
-          <p:nvPr>
-            <p:ph type="dt" sz="half" idx="10"/>
-          </p:nvPr>
-        </p:nvSpPr>
-        <p:spPr/>
-        <p:txBody>
-          <a:bodyPr/>
-          <a:lstStyle/>
-          <a:p>
-            <a:fld id="{A73F672F-A5FB-5745-934A-1BF51CA5539C}" type="datetime1">
-              <a:rPr lang="en-US" smtClean="0"/>
-              <a:pPr/>
-              <a:t>1/30/14</a:t>
-            </a:fld>
-            <a:endParaRPr lang="en-US"/>
-          </a:p>
-        </p:txBody>
-      </p:sp>
-      <p:sp>
-        <p:nvSpPr>
-          <p:cNvPr id="8" name="Footer Placeholder 7"/>
-          <p:cNvSpPr>
-            <a:spLocks noGrp="1"/>
-          </p:cNvSpPr>
-          <p:nvPr>
-            <p:ph type="ftr" sz="quarter" idx="11"/>
-          </p:nvPr>
-        </p:nvSpPr>
-        <p:spPr/>
-        <p:txBody>
-          <a:bodyPr/>
-          <a:lstStyle/>
-          <a:p>
-            <a:endParaRPr lang="en-US" dirty="0"/>
-          </a:p>
-        </p:txBody>
-      </p:sp>
-      <p:sp>
-        <p:nvSpPr>
-          <p:cNvPr id="9" name="Slide Number Placeholder 8"/>
-          <p:cNvSpPr>
-            <a:spLocks noGrp="1"/>
-          </p:cNvSpPr>
-          <p:nvPr>
-            <p:ph type="sldNum" sz="quarter" idx="12"/>
-          </p:nvPr>
-        </p:nvSpPr>
-        <p:spPr/>
-        <p:txBody>
-          <a:bodyPr/>
-          <a:lstStyle/>
-          <a:p>
-            <a:fld id="{17E276FA-8F89-B34D-A726-BE3FA1F8DD97}" type="slidenum">
-              <a:rPr lang="en-US" smtClean="0"/>
-              <a:pPr/>
-              <a:t>30</a:t>
-            </a:fld>
-            <a:endParaRPr lang="en-US" dirty="0"/>
-          </a:p>
-        </p:txBody>
-      </p:sp>
-    </p:spTree>
-    <p:extLst>
-      <p:ext uri="{BB962C8B-B14F-4D97-AF65-F5344CB8AC3E}">
-        <p14:creationId xmlns:p14="http://schemas.microsoft.com/office/powerpoint/2010/main" val="1535357585"/>
-      </p:ext>
-    </p:extLst>
-  </p:cSld>
-  <p:clrMapOvr>
-    <a:masterClrMapping/>
-  </p:clrMapOvr>
-  <p:timing>
-    <p:tnLst>
-      <p:par>
-        <p:cTn xmlns:p14="http://schemas.microsoft.com/office/powerpoint/2010/main" id="1" dur="indefinite" restart="never" nodeType="tmRoot"/>
-      </p:par>
-    </p:tnLst>
-  </p:timing>
-</p:sld>
-</file>
-
-<file path=ppt/slides/slide31.xml><?xml version="1.0" encoding="utf-8"?>
-<p:sld xmlns:a="http://schemas.openxmlformats.org/drawingml/2006/main" xmlns:r="http://schemas.openxmlformats.org/officeDocument/2006/relationships" xmlns:p="http://schemas.openxmlformats.org/presentationml/2006/main">
-  <p:cSld>
-    <p:spTree>
-      <p:nvGrpSpPr>
-        <p:cNvPr id="1" name=""/>
-        <p:cNvGrpSpPr/>
-        <p:nvPr/>
-      </p:nvGrpSpPr>
-      <p:grpSpPr>
-        <a:xfrm>
-          <a:off x="0" y="0"/>
-          <a:ext cx="0" cy="0"/>
-          <a:chOff x="0" y="0"/>
-          <a:chExt cx="0" cy="0"/>
-        </a:xfrm>
-      </p:grpSpPr>
-      <p:sp>
-        <p:nvSpPr>
           <p:cNvPr id="2" name="Title 1"/>
           <p:cNvSpPr>
             <a:spLocks noGrp="1"/>
@@ -24545,7 +24315,7 @@
           <a:p>
             <a:fld id="{17E276FA-8F89-B34D-A726-BE3FA1F8DD97}" type="slidenum">
               <a:rPr lang="en-US" smtClean="0"/>
-              <a:t>31</a:t>
+              <a:t>30</a:t>
             </a:fld>
             <a:endParaRPr lang="en-US" dirty="0"/>
           </a:p>
@@ -24997,7 +24767,7 @@
 </p:sld>
 </file>
 
-<file path=ppt/slides/slide32.xml><?xml version="1.0" encoding="utf-8"?>
+<file path=ppt/slides/slide31.xml><?xml version="1.0" encoding="utf-8"?>
 <p:sld xmlns:a="http://schemas.openxmlformats.org/drawingml/2006/main" xmlns:r="http://schemas.openxmlformats.org/officeDocument/2006/relationships" xmlns:p="http://schemas.openxmlformats.org/presentationml/2006/main">
   <p:cSld>
     <p:spTree>
@@ -25103,7 +24873,7 @@
           <a:p>
             <a:fld id="{17E276FA-8F89-B34D-A726-BE3FA1F8DD97}" type="slidenum">
               <a:rPr lang="en-US" smtClean="0"/>
-              <a:t>32</a:t>
+              <a:t>31</a:t>
             </a:fld>
             <a:endParaRPr lang="en-US" dirty="0"/>
           </a:p>
@@ -25509,7 +25279,7 @@
 </p:sld>
 </file>
 
-<file path=ppt/slides/slide33.xml><?xml version="1.0" encoding="utf-8"?>
+<file path=ppt/slides/slide32.xml><?xml version="1.0" encoding="utf-8"?>
 <p:sld xmlns:a="http://schemas.openxmlformats.org/drawingml/2006/main" xmlns:r="http://schemas.openxmlformats.org/officeDocument/2006/relationships" xmlns:p="http://schemas.openxmlformats.org/presentationml/2006/main">
   <p:cSld>
     <p:spTree>
@@ -25608,7 +25378,7 @@
           <a:p>
             <a:fld id="{17E276FA-8F89-B34D-A726-BE3FA1F8DD97}" type="slidenum">
               <a:rPr lang="en-US" smtClean="0"/>
-              <a:t>33</a:t>
+              <a:t>32</a:t>
             </a:fld>
             <a:endParaRPr lang="en-US" dirty="0"/>
           </a:p>
@@ -25989,7 +25759,7 @@
 </p:sld>
 </file>
 
-<file path=ppt/slides/slide34.xml><?xml version="1.0" encoding="utf-8"?>
+<file path=ppt/slides/slide33.xml><?xml version="1.0" encoding="utf-8"?>
 <p:sld xmlns:a="http://schemas.openxmlformats.org/drawingml/2006/main" xmlns:r="http://schemas.openxmlformats.org/officeDocument/2006/relationships" xmlns:p="http://schemas.openxmlformats.org/presentationml/2006/main">
   <p:cSld>
     <p:spTree>
@@ -26120,7 +25890,7 @@
             <a:fld id="{17E276FA-8F89-B34D-A726-BE3FA1F8DD97}" type="slidenum">
               <a:rPr lang="en-US" smtClean="0"/>
               <a:pPr/>
-              <a:t>34</a:t>
+              <a:t>33</a:t>
             </a:fld>
             <a:endParaRPr lang="en-US" dirty="0"/>
           </a:p>
@@ -26198,6 +25968,174 @@
     <p:extLst>
       <p:ext uri="{BB962C8B-B14F-4D97-AF65-F5344CB8AC3E}">
         <p14:creationId xmlns:p14="http://schemas.microsoft.com/office/powerpoint/2010/main" val="2762598272"/>
+      </p:ext>
+    </p:extLst>
+  </p:cSld>
+  <p:clrMapOvr>
+    <a:masterClrMapping/>
+  </p:clrMapOvr>
+  <p:timing>
+    <p:tnLst>
+      <p:par>
+        <p:cTn xmlns:p14="http://schemas.microsoft.com/office/powerpoint/2010/main" id="1" dur="indefinite" restart="never" nodeType="tmRoot"/>
+      </p:par>
+    </p:tnLst>
+  </p:timing>
+</p:sld>
+</file>
+
+<file path=ppt/slides/slide34.xml><?xml version="1.0" encoding="utf-8"?>
+<p:sld xmlns:a="http://schemas.openxmlformats.org/drawingml/2006/main" xmlns:r="http://schemas.openxmlformats.org/officeDocument/2006/relationships" xmlns:p="http://schemas.openxmlformats.org/presentationml/2006/main">
+  <p:cSld>
+    <p:spTree>
+      <p:nvGrpSpPr>
+        <p:cNvPr id="1" name=""/>
+        <p:cNvGrpSpPr/>
+        <p:nvPr/>
+      </p:nvGrpSpPr>
+      <p:grpSpPr>
+        <a:xfrm>
+          <a:off x="0" y="0"/>
+          <a:ext cx="0" cy="0"/>
+          <a:chOff x="0" y="0"/>
+          <a:chExt cx="0" cy="0"/>
+        </a:xfrm>
+      </p:grpSpPr>
+      <p:sp>
+        <p:nvSpPr>
+          <p:cNvPr id="2" name="Title 1"/>
+          <p:cNvSpPr>
+            <a:spLocks noGrp="1"/>
+          </p:cNvSpPr>
+          <p:nvPr>
+            <p:ph type="title"/>
+          </p:nvPr>
+        </p:nvSpPr>
+        <p:spPr/>
+        <p:txBody>
+          <a:bodyPr/>
+          <a:lstStyle/>
+          <a:p>
+            <a:r>
+              <a:rPr lang="en-US" dirty="0" smtClean="0"/>
+              <a:t>Value of Histograms</a:t>
+            </a:r>
+            <a:endParaRPr lang="en-US" dirty="0"/>
+          </a:p>
+        </p:txBody>
+      </p:sp>
+      <p:sp>
+        <p:nvSpPr>
+          <p:cNvPr id="3" name="Content Placeholder 2"/>
+          <p:cNvSpPr>
+            <a:spLocks noGrp="1"/>
+          </p:cNvSpPr>
+          <p:nvPr>
+            <p:ph idx="1"/>
+          </p:nvPr>
+        </p:nvSpPr>
+        <p:spPr/>
+        <p:txBody>
+          <a:bodyPr/>
+          <a:lstStyle/>
+          <a:p>
+            <a:pPr marL="0" indent="0">
+              <a:buNone/>
+            </a:pPr>
+            <a:r>
+              <a:rPr lang="en-US" dirty="0" smtClean="0"/>
+              <a:t>Helps you check: Do assumptions match your data?</a:t>
+            </a:r>
+          </a:p>
+          <a:p>
+            <a:pPr marL="0" indent="0">
+              <a:buNone/>
+            </a:pPr>
+            <a:r>
+              <a:rPr lang="en-US" dirty="0" smtClean="0"/>
+              <a:t>Gives a sense of the distribution</a:t>
+            </a:r>
+          </a:p>
+          <a:p>
+            <a:pPr marL="0" indent="0">
+              <a:buNone/>
+            </a:pPr>
+            <a:endParaRPr lang="en-US" dirty="0" smtClean="0"/>
+          </a:p>
+          <a:p>
+            <a:endParaRPr lang="en-US" dirty="0"/>
+          </a:p>
+        </p:txBody>
+      </p:sp>
+      <p:sp>
+        <p:nvSpPr>
+          <p:cNvPr id="4" name="Date Placeholder 3"/>
+          <p:cNvSpPr>
+            <a:spLocks noGrp="1"/>
+          </p:cNvSpPr>
+          <p:nvPr>
+            <p:ph type="dt" sz="half" idx="10"/>
+          </p:nvPr>
+        </p:nvSpPr>
+        <p:spPr/>
+        <p:txBody>
+          <a:bodyPr/>
+          <a:lstStyle/>
+          <a:p>
+            <a:fld id="{7053BEFA-1175-F644-B249-7D41D72BD3FF}" type="datetime1">
+              <a:rPr lang="en-US" smtClean="0"/>
+              <a:t>1/30/14</a:t>
+            </a:fld>
+            <a:endParaRPr lang="en-US"/>
+          </a:p>
+        </p:txBody>
+      </p:sp>
+      <p:sp>
+        <p:nvSpPr>
+          <p:cNvPr id="5" name="Footer Placeholder 4"/>
+          <p:cNvSpPr>
+            <a:spLocks noGrp="1"/>
+          </p:cNvSpPr>
+          <p:nvPr>
+            <p:ph type="ftr" sz="quarter" idx="11"/>
+          </p:nvPr>
+        </p:nvSpPr>
+        <p:spPr/>
+        <p:txBody>
+          <a:bodyPr/>
+          <a:lstStyle/>
+          <a:p>
+            <a:endParaRPr lang="en-US" dirty="0"/>
+          </a:p>
+        </p:txBody>
+      </p:sp>
+      <p:sp>
+        <p:nvSpPr>
+          <p:cNvPr id="6" name="Slide Number Placeholder 5"/>
+          <p:cNvSpPr>
+            <a:spLocks noGrp="1"/>
+          </p:cNvSpPr>
+          <p:nvPr>
+            <p:ph type="sldNum" sz="quarter" idx="12"/>
+          </p:nvPr>
+        </p:nvSpPr>
+        <p:spPr/>
+        <p:txBody>
+          <a:bodyPr/>
+          <a:lstStyle/>
+          <a:p>
+            <a:fld id="{17E276FA-8F89-B34D-A726-BE3FA1F8DD97}" type="slidenum">
+              <a:rPr lang="en-US" smtClean="0"/>
+              <a:t>34</a:t>
+            </a:fld>
+            <a:endParaRPr lang="en-US" dirty="0"/>
+          </a:p>
+        </p:txBody>
+      </p:sp>
+    </p:spTree>
+    <p:extLst>
+      <p:ext uri="{BB962C8B-B14F-4D97-AF65-F5344CB8AC3E}">
+        <p14:creationId xmlns:p14="http://schemas.microsoft.com/office/powerpoint/2010/main" val="721130924"/>
       </p:ext>
     </p:extLst>
   </p:cSld>
@@ -26247,53 +26185,9 @@
           <a:lstStyle/>
           <a:p>
             <a:r>
-              <a:rPr lang="en-US" dirty="0" smtClean="0"/>
-              <a:t>Value of Histograms</a:t>
-            </a:r>
-            <a:endParaRPr lang="en-US" dirty="0"/>
-          </a:p>
-        </p:txBody>
-      </p:sp>
-      <p:sp>
-        <p:nvSpPr>
-          <p:cNvPr id="3" name="Content Placeholder 2"/>
-          <p:cNvSpPr>
-            <a:spLocks noGrp="1"/>
-          </p:cNvSpPr>
-          <p:nvPr>
-            <p:ph idx="1"/>
-          </p:nvPr>
-        </p:nvSpPr>
-        <p:spPr/>
-        <p:txBody>
-          <a:bodyPr/>
-          <a:lstStyle/>
-          <a:p>
-            <a:pPr marL="0" indent="0">
-              <a:buNone/>
-            </a:pPr>
-            <a:r>
-              <a:rPr lang="en-US" dirty="0" smtClean="0"/>
-              <a:t>Helps you check: Do assumptions match your data?</a:t>
-            </a:r>
-          </a:p>
-          <a:p>
-            <a:pPr marL="0" indent="0">
-              <a:buNone/>
-            </a:pPr>
-            <a:r>
-              <a:rPr lang="en-US" dirty="0" smtClean="0"/>
-              <a:t>Gives a sense of the distribution</a:t>
-            </a:r>
-          </a:p>
-          <a:p>
-            <a:pPr marL="0" indent="0">
-              <a:buNone/>
-            </a:pPr>
-            <a:endParaRPr lang="en-US" dirty="0" smtClean="0"/>
-          </a:p>
-          <a:p>
-            <a:endParaRPr lang="en-US" dirty="0"/>
+              <a:rPr lang="en-US" dirty="0"/>
+              <a:t>Summary: Steps So Far</a:t>
+            </a:r>
           </a:p>
         </p:txBody>
       </p:sp>
@@ -26357,130 +26251,6 @@
             <a:fld id="{17E276FA-8F89-B34D-A726-BE3FA1F8DD97}" type="slidenum">
               <a:rPr lang="en-US" smtClean="0"/>
               <a:t>35</a:t>
-            </a:fld>
-            <a:endParaRPr lang="en-US" dirty="0"/>
-          </a:p>
-        </p:txBody>
-      </p:sp>
-    </p:spTree>
-    <p:extLst>
-      <p:ext uri="{BB962C8B-B14F-4D97-AF65-F5344CB8AC3E}">
-        <p14:creationId xmlns:p14="http://schemas.microsoft.com/office/powerpoint/2010/main" val="721130924"/>
-      </p:ext>
-    </p:extLst>
-  </p:cSld>
-  <p:clrMapOvr>
-    <a:masterClrMapping/>
-  </p:clrMapOvr>
-  <p:timing>
-    <p:tnLst>
-      <p:par>
-        <p:cTn xmlns:p14="http://schemas.microsoft.com/office/powerpoint/2010/main" id="1" dur="indefinite" restart="never" nodeType="tmRoot"/>
-      </p:par>
-    </p:tnLst>
-  </p:timing>
-</p:sld>
-</file>
-
-<file path=ppt/slides/slide36.xml><?xml version="1.0" encoding="utf-8"?>
-<p:sld xmlns:a="http://schemas.openxmlformats.org/drawingml/2006/main" xmlns:r="http://schemas.openxmlformats.org/officeDocument/2006/relationships" xmlns:p="http://schemas.openxmlformats.org/presentationml/2006/main">
-  <p:cSld>
-    <p:spTree>
-      <p:nvGrpSpPr>
-        <p:cNvPr id="1" name=""/>
-        <p:cNvGrpSpPr/>
-        <p:nvPr/>
-      </p:nvGrpSpPr>
-      <p:grpSpPr>
-        <a:xfrm>
-          <a:off x="0" y="0"/>
-          <a:ext cx="0" cy="0"/>
-          <a:chOff x="0" y="0"/>
-          <a:chExt cx="0" cy="0"/>
-        </a:xfrm>
-      </p:grpSpPr>
-      <p:sp>
-        <p:nvSpPr>
-          <p:cNvPr id="2" name="Title 1"/>
-          <p:cNvSpPr>
-            <a:spLocks noGrp="1"/>
-          </p:cNvSpPr>
-          <p:nvPr>
-            <p:ph type="title"/>
-          </p:nvPr>
-        </p:nvSpPr>
-        <p:spPr/>
-        <p:txBody>
-          <a:bodyPr/>
-          <a:lstStyle/>
-          <a:p>
-            <a:r>
-              <a:rPr lang="en-US" dirty="0"/>
-              <a:t>Summary: Steps So Far</a:t>
-            </a:r>
-          </a:p>
-        </p:txBody>
-      </p:sp>
-      <p:sp>
-        <p:nvSpPr>
-          <p:cNvPr id="4" name="Date Placeholder 3"/>
-          <p:cNvSpPr>
-            <a:spLocks noGrp="1"/>
-          </p:cNvSpPr>
-          <p:nvPr>
-            <p:ph type="dt" sz="half" idx="10"/>
-          </p:nvPr>
-        </p:nvSpPr>
-        <p:spPr/>
-        <p:txBody>
-          <a:bodyPr/>
-          <a:lstStyle/>
-          <a:p>
-            <a:fld id="{7053BEFA-1175-F644-B249-7D41D72BD3FF}" type="datetime1">
-              <a:rPr lang="en-US" smtClean="0"/>
-              <a:t>1/30/14</a:t>
-            </a:fld>
-            <a:endParaRPr lang="en-US"/>
-          </a:p>
-        </p:txBody>
-      </p:sp>
-      <p:sp>
-        <p:nvSpPr>
-          <p:cNvPr id="5" name="Footer Placeholder 4"/>
-          <p:cNvSpPr>
-            <a:spLocks noGrp="1"/>
-          </p:cNvSpPr>
-          <p:nvPr>
-            <p:ph type="ftr" sz="quarter" idx="11"/>
-          </p:nvPr>
-        </p:nvSpPr>
-        <p:spPr/>
-        <p:txBody>
-          <a:bodyPr/>
-          <a:lstStyle/>
-          <a:p>
-            <a:endParaRPr lang="en-US" dirty="0"/>
-          </a:p>
-        </p:txBody>
-      </p:sp>
-      <p:sp>
-        <p:nvSpPr>
-          <p:cNvPr id="6" name="Slide Number Placeholder 5"/>
-          <p:cNvSpPr>
-            <a:spLocks noGrp="1"/>
-          </p:cNvSpPr>
-          <p:nvPr>
-            <p:ph type="sldNum" sz="quarter" idx="12"/>
-          </p:nvPr>
-        </p:nvSpPr>
-        <p:spPr/>
-        <p:txBody>
-          <a:bodyPr/>
-          <a:lstStyle/>
-          <a:p>
-            <a:fld id="{17E276FA-8F89-B34D-A726-BE3FA1F8DD97}" type="slidenum">
-              <a:rPr lang="en-US" smtClean="0"/>
-              <a:t>36</a:t>
             </a:fld>
             <a:endParaRPr lang="en-US" dirty="0"/>
           </a:p>

--- a/Lectures/6 Exploration.pptx
+++ b/Lectures/6 Exploration.pptx
@@ -6948,11 +6948,7 @@
           <a:p>
             <a:r>
               <a:rPr lang="en-US" baseline="0" dirty="0" smtClean="0"/>
-              <a:t>Can also show certain types of unexpected structure (e.g. variance variance</a:t>
-            </a:r>
-            <a:r>
-              <a:rPr lang="en-US" baseline="0" dirty="0" smtClean="0"/>
-              <a:t>)</a:t>
+              <a:t>Can also show certain types of unexpected structure (e.g. variance variance)</a:t>
             </a:r>
           </a:p>
           <a:p>
@@ -6967,6 +6963,19 @@
             <a:r>
               <a:rPr lang="en-US" baseline="0" dirty="0" smtClean="0"/>
               <a:t>’</a:t>
+            </a:r>
+          </a:p>
+          <a:p>
+            <a:endParaRPr lang="en-US" baseline="0" dirty="0" smtClean="0"/>
+          </a:p>
+          <a:p>
+            <a:r>
+              <a:rPr lang="en-US" baseline="0" dirty="0" smtClean="0"/>
+              <a:t>Box is 25% </a:t>
+            </a:r>
+            <a:r>
+              <a:rPr lang="en-US" baseline="0" smtClean="0"/>
+              <a:t>line is 75%</a:t>
             </a:r>
             <a:endParaRPr lang="en-US" dirty="0"/>
           </a:p>
@@ -22296,11 +22305,7 @@
           <a:p>
             <a:r>
               <a:rPr lang="en-US" dirty="0" smtClean="0"/>
-              <a:t>Boxplot </a:t>
-            </a:r>
-            <a:r>
-              <a:rPr lang="en-US" dirty="0" smtClean="0"/>
-              <a:t>[Random Data; 3 times]</a:t>
+              <a:t>Boxplot [Random Data; 3 times]</a:t>
             </a:r>
             <a:endParaRPr lang="en-US" dirty="0"/>
           </a:p>

--- a/Lectures/6 Exploration.pptx
+++ b/Lectures/6 Exploration.pptx
@@ -1992,1073 +1992,6 @@
       <dsp:cNvGrpSpPr/>
     </dsp:nvGrpSpPr>
     <dsp:grpSpPr/>
-    <dsp:sp modelId="{5E1494A8-77FB-CC45-AD26-121A0E33EB57}">
-      <dsp:nvSpPr>
-        <dsp:cNvPr id="0" name=""/>
-        <dsp:cNvSpPr/>
-      </dsp:nvSpPr>
-      <dsp:spPr>
-        <a:xfrm>
-          <a:off x="6557" y="1595804"/>
-          <a:ext cx="1440811" cy="1188367"/>
-        </a:xfrm>
-        <a:prstGeom prst="roundRect">
-          <a:avLst>
-            <a:gd name="adj" fmla="val 10000"/>
-          </a:avLst>
-        </a:prstGeom>
-        <a:solidFill>
-          <a:schemeClr val="lt1">
-            <a:alpha val="90000"/>
-            <a:hueOff val="0"/>
-            <a:satOff val="0"/>
-            <a:lumOff val="0"/>
-            <a:alphaOff val="0"/>
-          </a:schemeClr>
-        </a:solidFill>
-        <a:ln w="25400" cap="flat" cmpd="sng" algn="ctr">
-          <a:solidFill>
-            <a:schemeClr val="accent1">
-              <a:hueOff val="0"/>
-              <a:satOff val="0"/>
-              <a:lumOff val="0"/>
-              <a:alphaOff val="0"/>
-            </a:schemeClr>
-          </a:solidFill>
-          <a:prstDash val="solid"/>
-        </a:ln>
-        <a:effectLst/>
-      </dsp:spPr>
-      <dsp:style>
-        <a:lnRef idx="2">
-          <a:scrgbClr r="0" g="0" b="0"/>
-        </a:lnRef>
-        <a:fillRef idx="1">
-          <a:scrgbClr r="0" g="0" b="0"/>
-        </a:fillRef>
-        <a:effectRef idx="0">
-          <a:scrgbClr r="0" g="0" b="0"/>
-        </a:effectRef>
-        <a:fontRef idx="minor"/>
-      </dsp:style>
-      <dsp:txBody>
-        <a:bodyPr spcFirstLastPara="0" vert="horz" wrap="square" lIns="20955" tIns="20955" rIns="20955" bIns="20955" numCol="1" spcCol="1270" anchor="t" anchorCtr="0">
-          <a:noAutofit/>
-        </a:bodyPr>
-        <a:lstStyle/>
-        <a:p>
-          <a:pPr marL="57150" lvl="1" indent="-57150" algn="l" defTabSz="488950">
-            <a:lnSpc>
-              <a:spcPct val="90000"/>
-            </a:lnSpc>
-            <a:spcBef>
-              <a:spcPct val="0"/>
-            </a:spcBef>
-            <a:spcAft>
-              <a:spcPct val="15000"/>
-            </a:spcAft>
-            <a:buChar char="••"/>
-          </a:pPr>
-          <a:r>
-            <a:rPr lang="en-US" sz="1100" kern="1200" dirty="0" smtClean="0"/>
-            <a:t>Is it the right question?</a:t>
-          </a:r>
-          <a:endParaRPr lang="en-US" sz="1100" kern="1200" dirty="0"/>
-        </a:p>
-        <a:p>
-          <a:pPr marL="57150" lvl="1" indent="-57150" algn="l" defTabSz="488950">
-            <a:lnSpc>
-              <a:spcPct val="90000"/>
-            </a:lnSpc>
-            <a:spcBef>
-              <a:spcPct val="0"/>
-            </a:spcBef>
-            <a:spcAft>
-              <a:spcPct val="15000"/>
-            </a:spcAft>
-            <a:buChar char="••"/>
-          </a:pPr>
-          <a:r>
-            <a:rPr lang="en-US" sz="1100" kern="1200" dirty="0" smtClean="0"/>
-            <a:t>Is it answerable?</a:t>
-          </a:r>
-          <a:endParaRPr lang="en-US" sz="1100" kern="1200" dirty="0"/>
-        </a:p>
-      </dsp:txBody>
-      <dsp:txXfrm>
-        <a:off x="33905" y="1623152"/>
-        <a:ext cx="1386115" cy="879021"/>
-      </dsp:txXfrm>
-    </dsp:sp>
-    <dsp:sp modelId="{C34A02AC-E43B-E64A-98B7-D7F0F68A5B18}">
-      <dsp:nvSpPr>
-        <dsp:cNvPr id="0" name=""/>
-        <dsp:cNvSpPr/>
-      </dsp:nvSpPr>
-      <dsp:spPr>
-        <a:xfrm>
-          <a:off x="812945" y="1866947"/>
-          <a:ext cx="1606511" cy="1606511"/>
-        </a:xfrm>
-        <a:prstGeom prst="leftCircularArrow">
-          <a:avLst>
-            <a:gd name="adj1" fmla="val 3263"/>
-            <a:gd name="adj2" fmla="val 402578"/>
-            <a:gd name="adj3" fmla="val 2178089"/>
-            <a:gd name="adj4" fmla="val 9024489"/>
-            <a:gd name="adj5" fmla="val 3807"/>
-          </a:avLst>
-        </a:prstGeom>
-        <a:solidFill>
-          <a:schemeClr val="accent1">
-            <a:tint val="60000"/>
-            <a:hueOff val="0"/>
-            <a:satOff val="0"/>
-            <a:lumOff val="0"/>
-            <a:alphaOff val="0"/>
-          </a:schemeClr>
-        </a:solidFill>
-        <a:ln>
-          <a:noFill/>
-        </a:ln>
-        <a:effectLst/>
-      </dsp:spPr>
-      <dsp:style>
-        <a:lnRef idx="0">
-          <a:scrgbClr r="0" g="0" b="0"/>
-        </a:lnRef>
-        <a:fillRef idx="1">
-          <a:scrgbClr r="0" g="0" b="0"/>
-        </a:fillRef>
-        <a:effectRef idx="0">
-          <a:scrgbClr r="0" g="0" b="0"/>
-        </a:effectRef>
-        <a:fontRef idx="minor">
-          <a:schemeClr val="lt1"/>
-        </a:fontRef>
-      </dsp:style>
-    </dsp:sp>
-    <dsp:sp modelId="{76846BB1-C877-DA42-B78C-85598899D6F0}">
-      <dsp:nvSpPr>
-        <dsp:cNvPr id="0" name=""/>
-        <dsp:cNvSpPr/>
-      </dsp:nvSpPr>
-      <dsp:spPr>
-        <a:xfrm>
-          <a:off x="326738" y="2529521"/>
-          <a:ext cx="1280721" cy="509300"/>
-        </a:xfrm>
-        <a:prstGeom prst="roundRect">
-          <a:avLst>
-            <a:gd name="adj" fmla="val 10000"/>
-          </a:avLst>
-        </a:prstGeom>
-        <a:solidFill>
-          <a:schemeClr val="accent1">
-            <a:hueOff val="0"/>
-            <a:satOff val="0"/>
-            <a:lumOff val="0"/>
-            <a:alphaOff val="0"/>
-          </a:schemeClr>
-        </a:solidFill>
-        <a:ln w="25400" cap="flat" cmpd="sng" algn="ctr">
-          <a:solidFill>
-            <a:schemeClr val="lt1">
-              <a:hueOff val="0"/>
-              <a:satOff val="0"/>
-              <a:lumOff val="0"/>
-              <a:alphaOff val="0"/>
-            </a:schemeClr>
-          </a:solidFill>
-          <a:prstDash val="solid"/>
-        </a:ln>
-        <a:effectLst/>
-      </dsp:spPr>
-      <dsp:style>
-        <a:lnRef idx="2">
-          <a:scrgbClr r="0" g="0" b="0"/>
-        </a:lnRef>
-        <a:fillRef idx="1">
-          <a:scrgbClr r="0" g="0" b="0"/>
-        </a:fillRef>
-        <a:effectRef idx="0">
-          <a:scrgbClr r="0" g="0" b="0"/>
-        </a:effectRef>
-        <a:fontRef idx="minor">
-          <a:schemeClr val="lt1"/>
-        </a:fontRef>
-      </dsp:style>
-      <dsp:txBody>
-        <a:bodyPr spcFirstLastPara="0" vert="horz" wrap="square" lIns="34290" tIns="22860" rIns="34290" bIns="22860" numCol="1" spcCol="1270" anchor="ctr" anchorCtr="0">
-          <a:noAutofit/>
-        </a:bodyPr>
-        <a:lstStyle/>
-        <a:p>
-          <a:pPr lvl="0" algn="ctr" defTabSz="800100">
-            <a:lnSpc>
-              <a:spcPct val="90000"/>
-            </a:lnSpc>
-            <a:spcBef>
-              <a:spcPct val="0"/>
-            </a:spcBef>
-            <a:spcAft>
-              <a:spcPct val="35000"/>
-            </a:spcAft>
-          </a:pPr>
-          <a:r>
-            <a:rPr lang="en-US" sz="1800" kern="1200" smtClean="0"/>
-            <a:t>Question</a:t>
-          </a:r>
-          <a:endParaRPr lang="en-US" sz="1800" kern="1200" dirty="0"/>
-        </a:p>
-      </dsp:txBody>
-      <dsp:txXfrm>
-        <a:off x="341655" y="2544438"/>
-        <a:ext cx="1250887" cy="479466"/>
-      </dsp:txXfrm>
-    </dsp:sp>
-    <dsp:sp modelId="{D8D23966-ECBC-C144-B897-AFC029FA32FB}">
-      <dsp:nvSpPr>
-        <dsp:cNvPr id="0" name=""/>
-        <dsp:cNvSpPr/>
-      </dsp:nvSpPr>
-      <dsp:spPr>
-        <a:xfrm>
-          <a:off x="1857074" y="1595804"/>
-          <a:ext cx="1440811" cy="1188367"/>
-        </a:xfrm>
-        <a:prstGeom prst="roundRect">
-          <a:avLst>
-            <a:gd name="adj" fmla="val 10000"/>
-          </a:avLst>
-        </a:prstGeom>
-        <a:solidFill>
-          <a:schemeClr val="lt1">
-            <a:alpha val="90000"/>
-            <a:hueOff val="0"/>
-            <a:satOff val="0"/>
-            <a:lumOff val="0"/>
-            <a:alphaOff val="0"/>
-          </a:schemeClr>
-        </a:solidFill>
-        <a:ln w="25400" cap="flat" cmpd="sng" algn="ctr">
-          <a:solidFill>
-            <a:schemeClr val="accent1">
-              <a:hueOff val="0"/>
-              <a:satOff val="0"/>
-              <a:lumOff val="0"/>
-              <a:alphaOff val="0"/>
-            </a:schemeClr>
-          </a:solidFill>
-          <a:prstDash val="solid"/>
-        </a:ln>
-        <a:effectLst/>
-      </dsp:spPr>
-      <dsp:style>
-        <a:lnRef idx="2">
-          <a:scrgbClr r="0" g="0" b="0"/>
-        </a:lnRef>
-        <a:fillRef idx="1">
-          <a:scrgbClr r="0" g="0" b="0"/>
-        </a:fillRef>
-        <a:effectRef idx="0">
-          <a:scrgbClr r="0" g="0" b="0"/>
-        </a:effectRef>
-        <a:fontRef idx="minor"/>
-      </dsp:style>
-      <dsp:txBody>
-        <a:bodyPr spcFirstLastPara="0" vert="horz" wrap="square" lIns="20955" tIns="20955" rIns="20955" bIns="20955" numCol="1" spcCol="1270" anchor="t" anchorCtr="0">
-          <a:noAutofit/>
-        </a:bodyPr>
-        <a:lstStyle/>
-        <a:p>
-          <a:pPr marL="57150" lvl="1" indent="-57150" algn="l" defTabSz="488950">
-            <a:lnSpc>
-              <a:spcPct val="90000"/>
-            </a:lnSpc>
-            <a:spcBef>
-              <a:spcPct val="0"/>
-            </a:spcBef>
-            <a:spcAft>
-              <a:spcPct val="15000"/>
-            </a:spcAft>
-            <a:buChar char="••"/>
-          </a:pPr>
-          <a:r>
-            <a:rPr lang="en-US" sz="1100" kern="1200" dirty="0" smtClean="0"/>
-            <a:t>Is it the right data for the question?</a:t>
-          </a:r>
-          <a:endParaRPr lang="en-US" sz="1100" kern="1200" dirty="0"/>
-        </a:p>
-        <a:p>
-          <a:pPr marL="57150" lvl="1" indent="-57150" algn="l" defTabSz="488950">
-            <a:lnSpc>
-              <a:spcPct val="90000"/>
-            </a:lnSpc>
-            <a:spcBef>
-              <a:spcPct val="0"/>
-            </a:spcBef>
-            <a:spcAft>
-              <a:spcPct val="15000"/>
-            </a:spcAft>
-            <a:buChar char="••"/>
-          </a:pPr>
-          <a:r>
-            <a:rPr lang="en-US" sz="1100" kern="1200" dirty="0" smtClean="0"/>
-            <a:t>How hard/easy is it to collect?</a:t>
-          </a:r>
-          <a:endParaRPr lang="en-US" sz="1100" kern="1200" dirty="0"/>
-        </a:p>
-        <a:p>
-          <a:pPr marL="57150" lvl="1" indent="-57150" algn="l" defTabSz="488950">
-            <a:lnSpc>
-              <a:spcPct val="90000"/>
-            </a:lnSpc>
-            <a:spcBef>
-              <a:spcPct val="0"/>
-            </a:spcBef>
-            <a:spcAft>
-              <a:spcPct val="15000"/>
-            </a:spcAft>
-            <a:buChar char="••"/>
-          </a:pPr>
-          <a:r>
-            <a:rPr lang="en-US" sz="1100" kern="1200" dirty="0" smtClean="0"/>
-            <a:t>Understand the fields</a:t>
-          </a:r>
-          <a:endParaRPr lang="en-US" sz="1100" kern="1200" dirty="0"/>
-        </a:p>
-      </dsp:txBody>
-      <dsp:txXfrm>
-        <a:off x="1884422" y="1877802"/>
-        <a:ext cx="1386115" cy="879021"/>
-      </dsp:txXfrm>
-    </dsp:sp>
-    <dsp:sp modelId="{AF52B1F5-AB63-0D48-B810-E413F876CDB0}">
-      <dsp:nvSpPr>
-        <dsp:cNvPr id="0" name=""/>
-        <dsp:cNvSpPr/>
-      </dsp:nvSpPr>
-      <dsp:spPr>
-        <a:xfrm>
-          <a:off x="2651455" y="859922"/>
-          <a:ext cx="1790614" cy="1790614"/>
-        </a:xfrm>
-        <a:prstGeom prst="circularArrow">
-          <a:avLst>
-            <a:gd name="adj1" fmla="val 2927"/>
-            <a:gd name="adj2" fmla="val 358341"/>
-            <a:gd name="adj3" fmla="val 19466149"/>
-            <a:gd name="adj4" fmla="val 12575511"/>
-            <a:gd name="adj5" fmla="val 3415"/>
-          </a:avLst>
-        </a:prstGeom>
-        <a:solidFill>
-          <a:schemeClr val="accent1">
-            <a:tint val="60000"/>
-            <a:hueOff val="0"/>
-            <a:satOff val="0"/>
-            <a:lumOff val="0"/>
-            <a:alphaOff val="0"/>
-          </a:schemeClr>
-        </a:solidFill>
-        <a:ln>
-          <a:noFill/>
-        </a:ln>
-        <a:effectLst/>
-      </dsp:spPr>
-      <dsp:style>
-        <a:lnRef idx="0">
-          <a:scrgbClr r="0" g="0" b="0"/>
-        </a:lnRef>
-        <a:fillRef idx="1">
-          <a:scrgbClr r="0" g="0" b="0"/>
-        </a:fillRef>
-        <a:effectRef idx="0">
-          <a:scrgbClr r="0" g="0" b="0"/>
-        </a:effectRef>
-        <a:fontRef idx="minor">
-          <a:schemeClr val="lt1"/>
-        </a:fontRef>
-      </dsp:style>
-    </dsp:sp>
-    <dsp:sp modelId="{0A1C6453-319F-7146-9DCF-C8845C38D472}">
-      <dsp:nvSpPr>
-        <dsp:cNvPr id="0" name=""/>
-        <dsp:cNvSpPr/>
-      </dsp:nvSpPr>
-      <dsp:spPr>
-        <a:xfrm>
-          <a:off x="2177254" y="1341153"/>
-          <a:ext cx="1280721" cy="509300"/>
-        </a:xfrm>
-        <a:prstGeom prst="roundRect">
-          <a:avLst>
-            <a:gd name="adj" fmla="val 10000"/>
-          </a:avLst>
-        </a:prstGeom>
-        <a:solidFill>
-          <a:schemeClr val="accent1">
-            <a:hueOff val="0"/>
-            <a:satOff val="0"/>
-            <a:lumOff val="0"/>
-            <a:alphaOff val="0"/>
-          </a:schemeClr>
-        </a:solidFill>
-        <a:ln w="25400" cap="flat" cmpd="sng" algn="ctr">
-          <a:solidFill>
-            <a:schemeClr val="lt1">
-              <a:hueOff val="0"/>
-              <a:satOff val="0"/>
-              <a:lumOff val="0"/>
-              <a:alphaOff val="0"/>
-            </a:schemeClr>
-          </a:solidFill>
-          <a:prstDash val="solid"/>
-        </a:ln>
-        <a:effectLst/>
-      </dsp:spPr>
-      <dsp:style>
-        <a:lnRef idx="2">
-          <a:scrgbClr r="0" g="0" b="0"/>
-        </a:lnRef>
-        <a:fillRef idx="1">
-          <a:scrgbClr r="0" g="0" b="0"/>
-        </a:fillRef>
-        <a:effectRef idx="0">
-          <a:scrgbClr r="0" g="0" b="0"/>
-        </a:effectRef>
-        <a:fontRef idx="minor">
-          <a:schemeClr val="lt1"/>
-        </a:fontRef>
-      </dsp:style>
-      <dsp:txBody>
-        <a:bodyPr spcFirstLastPara="0" vert="horz" wrap="square" lIns="34290" tIns="22860" rIns="34290" bIns="22860" numCol="1" spcCol="1270" anchor="ctr" anchorCtr="0">
-          <a:noAutofit/>
-        </a:bodyPr>
-        <a:lstStyle/>
-        <a:p>
-          <a:pPr lvl="0" algn="ctr" defTabSz="800100">
-            <a:lnSpc>
-              <a:spcPct val="90000"/>
-            </a:lnSpc>
-            <a:spcBef>
-              <a:spcPct val="0"/>
-            </a:spcBef>
-            <a:spcAft>
-              <a:spcPct val="35000"/>
-            </a:spcAft>
-          </a:pPr>
-          <a:r>
-            <a:rPr lang="en-US" sz="1800" kern="1200" dirty="0" smtClean="0"/>
-            <a:t>Collect Data </a:t>
-          </a:r>
-          <a:endParaRPr lang="en-US" sz="1800" kern="1200" dirty="0"/>
-        </a:p>
-      </dsp:txBody>
-      <dsp:txXfrm>
-        <a:off x="2192171" y="1356070"/>
-        <a:ext cx="1250887" cy="479466"/>
-      </dsp:txXfrm>
-    </dsp:sp>
-    <dsp:sp modelId="{D6870E45-591C-7C42-BE64-B49D1CBE90D5}">
-      <dsp:nvSpPr>
-        <dsp:cNvPr id="0" name=""/>
-        <dsp:cNvSpPr/>
-      </dsp:nvSpPr>
-      <dsp:spPr>
-        <a:xfrm>
-          <a:off x="3707590" y="1595804"/>
-          <a:ext cx="1440811" cy="1188367"/>
-        </a:xfrm>
-        <a:prstGeom prst="roundRect">
-          <a:avLst>
-            <a:gd name="adj" fmla="val 10000"/>
-          </a:avLst>
-        </a:prstGeom>
-        <a:solidFill>
-          <a:schemeClr val="lt1">
-            <a:alpha val="90000"/>
-            <a:hueOff val="0"/>
-            <a:satOff val="0"/>
-            <a:lumOff val="0"/>
-            <a:alphaOff val="0"/>
-          </a:schemeClr>
-        </a:solidFill>
-        <a:ln w="25400" cap="flat" cmpd="sng" algn="ctr">
-          <a:solidFill>
-            <a:schemeClr val="accent1">
-              <a:hueOff val="0"/>
-              <a:satOff val="0"/>
-              <a:lumOff val="0"/>
-              <a:alphaOff val="0"/>
-            </a:schemeClr>
-          </a:solidFill>
-          <a:prstDash val="solid"/>
-        </a:ln>
-        <a:effectLst/>
-      </dsp:spPr>
-      <dsp:style>
-        <a:lnRef idx="2">
-          <a:scrgbClr r="0" g="0" b="0"/>
-        </a:lnRef>
-        <a:fillRef idx="1">
-          <a:scrgbClr r="0" g="0" b="0"/>
-        </a:fillRef>
-        <a:effectRef idx="0">
-          <a:scrgbClr r="0" g="0" b="0"/>
-        </a:effectRef>
-        <a:fontRef idx="minor"/>
-      </dsp:style>
-      <dsp:txBody>
-        <a:bodyPr spcFirstLastPara="0" vert="horz" wrap="square" lIns="20955" tIns="20955" rIns="20955" bIns="20955" numCol="1" spcCol="1270" anchor="t" anchorCtr="0">
-          <a:noAutofit/>
-        </a:bodyPr>
-        <a:lstStyle/>
-        <a:p>
-          <a:pPr marL="57150" lvl="1" indent="-57150" algn="l" defTabSz="488950">
-            <a:lnSpc>
-              <a:spcPct val="90000"/>
-            </a:lnSpc>
-            <a:spcBef>
-              <a:spcPct val="0"/>
-            </a:spcBef>
-            <a:spcAft>
-              <a:spcPct val="15000"/>
-            </a:spcAft>
-            <a:buChar char="••"/>
-          </a:pPr>
-          <a:r>
-            <a:rPr lang="en-US" sz="1100" kern="1200" dirty="0" smtClean="0"/>
-            <a:t>What flaws exist in the data?</a:t>
-          </a:r>
-          <a:endParaRPr lang="en-US" sz="1100" kern="1200" dirty="0"/>
-        </a:p>
-        <a:p>
-          <a:pPr marL="57150" lvl="1" indent="-57150" algn="l" defTabSz="488950">
-            <a:lnSpc>
-              <a:spcPct val="90000"/>
-            </a:lnSpc>
-            <a:spcBef>
-              <a:spcPct val="0"/>
-            </a:spcBef>
-            <a:spcAft>
-              <a:spcPct val="15000"/>
-            </a:spcAft>
-            <a:buChar char="••"/>
-          </a:pPr>
-          <a:r>
-            <a:rPr lang="en-US" sz="1100" kern="1200" dirty="0" smtClean="0"/>
-            <a:t>Check and address the four Cs</a:t>
-          </a:r>
-          <a:endParaRPr lang="en-US" sz="1100" kern="1200" dirty="0"/>
-        </a:p>
-      </dsp:txBody>
-      <dsp:txXfrm>
-        <a:off x="3734938" y="1623152"/>
-        <a:ext cx="1386115" cy="879021"/>
-      </dsp:txXfrm>
-    </dsp:sp>
-    <dsp:sp modelId="{4CAF90A0-856A-FD40-B080-658D7F5A9A85}">
-      <dsp:nvSpPr>
-        <dsp:cNvPr id="0" name=""/>
-        <dsp:cNvSpPr/>
-      </dsp:nvSpPr>
-      <dsp:spPr>
-        <a:xfrm>
-          <a:off x="4513978" y="1866947"/>
-          <a:ext cx="1606511" cy="1606511"/>
-        </a:xfrm>
-        <a:prstGeom prst="leftCircularArrow">
-          <a:avLst>
-            <a:gd name="adj1" fmla="val 3263"/>
-            <a:gd name="adj2" fmla="val 402578"/>
-            <a:gd name="adj3" fmla="val 2178089"/>
-            <a:gd name="adj4" fmla="val 9024489"/>
-            <a:gd name="adj5" fmla="val 3807"/>
-          </a:avLst>
-        </a:prstGeom>
-        <a:solidFill>
-          <a:schemeClr val="accent1">
-            <a:tint val="60000"/>
-            <a:hueOff val="0"/>
-            <a:satOff val="0"/>
-            <a:lumOff val="0"/>
-            <a:alphaOff val="0"/>
-          </a:schemeClr>
-        </a:solidFill>
-        <a:ln>
-          <a:noFill/>
-        </a:ln>
-        <a:effectLst/>
-      </dsp:spPr>
-      <dsp:style>
-        <a:lnRef idx="0">
-          <a:scrgbClr r="0" g="0" b="0"/>
-        </a:lnRef>
-        <a:fillRef idx="1">
-          <a:scrgbClr r="0" g="0" b="0"/>
-        </a:fillRef>
-        <a:effectRef idx="0">
-          <a:scrgbClr r="0" g="0" b="0"/>
-        </a:effectRef>
-        <a:fontRef idx="minor">
-          <a:schemeClr val="lt1"/>
-        </a:fontRef>
-      </dsp:style>
-    </dsp:sp>
-    <dsp:sp modelId="{28D77D5E-313D-6148-8C77-DA201CE1F97F}">
-      <dsp:nvSpPr>
-        <dsp:cNvPr id="0" name=""/>
-        <dsp:cNvSpPr/>
-      </dsp:nvSpPr>
-      <dsp:spPr>
-        <a:xfrm>
-          <a:off x="4027771" y="2529521"/>
-          <a:ext cx="1280721" cy="509300"/>
-        </a:xfrm>
-        <a:prstGeom prst="roundRect">
-          <a:avLst>
-            <a:gd name="adj" fmla="val 10000"/>
-          </a:avLst>
-        </a:prstGeom>
-        <a:solidFill>
-          <a:schemeClr val="accent1">
-            <a:hueOff val="0"/>
-            <a:satOff val="0"/>
-            <a:lumOff val="0"/>
-            <a:alphaOff val="0"/>
-          </a:schemeClr>
-        </a:solidFill>
-        <a:ln w="25400" cap="flat" cmpd="sng" algn="ctr">
-          <a:solidFill>
-            <a:schemeClr val="lt1">
-              <a:hueOff val="0"/>
-              <a:satOff val="0"/>
-              <a:lumOff val="0"/>
-              <a:alphaOff val="0"/>
-            </a:schemeClr>
-          </a:solidFill>
-          <a:prstDash val="solid"/>
-        </a:ln>
-        <a:effectLst/>
-      </dsp:spPr>
-      <dsp:style>
-        <a:lnRef idx="2">
-          <a:scrgbClr r="0" g="0" b="0"/>
-        </a:lnRef>
-        <a:fillRef idx="1">
-          <a:scrgbClr r="0" g="0" b="0"/>
-        </a:fillRef>
-        <a:effectRef idx="0">
-          <a:scrgbClr r="0" g="0" b="0"/>
-        </a:effectRef>
-        <a:fontRef idx="minor">
-          <a:schemeClr val="lt1"/>
-        </a:fontRef>
-      </dsp:style>
-      <dsp:txBody>
-        <a:bodyPr spcFirstLastPara="0" vert="horz" wrap="square" lIns="34290" tIns="22860" rIns="34290" bIns="22860" numCol="1" spcCol="1270" anchor="ctr" anchorCtr="0">
-          <a:noAutofit/>
-        </a:bodyPr>
-        <a:lstStyle/>
-        <a:p>
-          <a:pPr lvl="0" algn="ctr" defTabSz="800100">
-            <a:lnSpc>
-              <a:spcPct val="90000"/>
-            </a:lnSpc>
-            <a:spcBef>
-              <a:spcPct val="0"/>
-            </a:spcBef>
-            <a:spcAft>
-              <a:spcPct val="35000"/>
-            </a:spcAft>
-          </a:pPr>
-          <a:r>
-            <a:rPr lang="en-US" sz="1800" kern="1200" dirty="0" smtClean="0"/>
-            <a:t>Clean Data</a:t>
-          </a:r>
-          <a:endParaRPr lang="en-US" sz="1800" kern="1200" dirty="0"/>
-        </a:p>
-      </dsp:txBody>
-      <dsp:txXfrm>
-        <a:off x="4042688" y="2544438"/>
-        <a:ext cx="1250887" cy="479466"/>
-      </dsp:txXfrm>
-    </dsp:sp>
-    <dsp:sp modelId="{B0DDEC13-ACE4-4742-AF15-9777191C54CE}">
-      <dsp:nvSpPr>
-        <dsp:cNvPr id="0" name=""/>
-        <dsp:cNvSpPr/>
-      </dsp:nvSpPr>
-      <dsp:spPr>
-        <a:xfrm>
-          <a:off x="5558107" y="1595804"/>
-          <a:ext cx="1440811" cy="1188367"/>
-        </a:xfrm>
-        <a:prstGeom prst="roundRect">
-          <a:avLst>
-            <a:gd name="adj" fmla="val 10000"/>
-          </a:avLst>
-        </a:prstGeom>
-        <a:solidFill>
-          <a:schemeClr val="lt1">
-            <a:alpha val="90000"/>
-            <a:hueOff val="0"/>
-            <a:satOff val="0"/>
-            <a:lumOff val="0"/>
-            <a:alphaOff val="0"/>
-          </a:schemeClr>
-        </a:solidFill>
-        <a:ln w="25400" cap="flat" cmpd="sng" algn="ctr">
-          <a:solidFill>
-            <a:schemeClr val="accent1">
-              <a:hueOff val="0"/>
-              <a:satOff val="0"/>
-              <a:lumOff val="0"/>
-              <a:alphaOff val="0"/>
-            </a:schemeClr>
-          </a:solidFill>
-          <a:prstDash val="solid"/>
-        </a:ln>
-        <a:effectLst/>
-      </dsp:spPr>
-      <dsp:style>
-        <a:lnRef idx="2">
-          <a:scrgbClr r="0" g="0" b="0"/>
-        </a:lnRef>
-        <a:fillRef idx="1">
-          <a:scrgbClr r="0" g="0" b="0"/>
-        </a:fillRef>
-        <a:effectRef idx="0">
-          <a:scrgbClr r="0" g="0" b="0"/>
-        </a:effectRef>
-        <a:fontRef idx="minor"/>
-      </dsp:style>
-      <dsp:txBody>
-        <a:bodyPr spcFirstLastPara="0" vert="horz" wrap="square" lIns="20955" tIns="20955" rIns="20955" bIns="20955" numCol="1" spcCol="1270" anchor="t" anchorCtr="0">
-          <a:noAutofit/>
-        </a:bodyPr>
-        <a:lstStyle/>
-        <a:p>
-          <a:pPr marL="57150" lvl="1" indent="-57150" algn="l" defTabSz="488950">
-            <a:lnSpc>
-              <a:spcPct val="90000"/>
-            </a:lnSpc>
-            <a:spcBef>
-              <a:spcPct val="0"/>
-            </a:spcBef>
-            <a:spcAft>
-              <a:spcPct val="15000"/>
-            </a:spcAft>
-            <a:buChar char="••"/>
-          </a:pPr>
-          <a:r>
-            <a:rPr lang="en-US" sz="1100" kern="1200" dirty="0" smtClean="0"/>
-            <a:t>Transform / delete variables</a:t>
-          </a:r>
-          <a:endParaRPr lang="en-US" sz="1100" kern="1200" dirty="0"/>
-        </a:p>
-        <a:p>
-          <a:pPr marL="57150" lvl="1" indent="-57150" algn="l" defTabSz="488950">
-            <a:lnSpc>
-              <a:spcPct val="90000"/>
-            </a:lnSpc>
-            <a:spcBef>
-              <a:spcPct val="0"/>
-            </a:spcBef>
-            <a:spcAft>
-              <a:spcPct val="15000"/>
-            </a:spcAft>
-            <a:buChar char="••"/>
-          </a:pPr>
-          <a:r>
-            <a:rPr lang="en-US" sz="1100" kern="1200" dirty="0" smtClean="0"/>
-            <a:t>Create subsets / views</a:t>
-          </a:r>
-          <a:endParaRPr lang="en-US" sz="1100" kern="1200" dirty="0"/>
-        </a:p>
-        <a:p>
-          <a:pPr marL="57150" lvl="1" indent="-57150" algn="l" defTabSz="488950">
-            <a:lnSpc>
-              <a:spcPct val="90000"/>
-            </a:lnSpc>
-            <a:spcBef>
-              <a:spcPct val="0"/>
-            </a:spcBef>
-            <a:spcAft>
-              <a:spcPct val="15000"/>
-            </a:spcAft>
-            <a:buChar char="••"/>
-          </a:pPr>
-          <a:r>
-            <a:rPr lang="en-US" sz="1100" kern="1200" dirty="0" smtClean="0"/>
-            <a:t>Visualize</a:t>
-          </a:r>
-          <a:endParaRPr lang="en-US" sz="1100" kern="1200" dirty="0"/>
-        </a:p>
-      </dsp:txBody>
-      <dsp:txXfrm>
-        <a:off x="5585455" y="1877802"/>
-        <a:ext cx="1386115" cy="879021"/>
-      </dsp:txXfrm>
-    </dsp:sp>
-    <dsp:sp modelId="{1924B303-8A8F-D04A-9B5A-F833EB6F6268}">
-      <dsp:nvSpPr>
-        <dsp:cNvPr id="0" name=""/>
-        <dsp:cNvSpPr/>
-      </dsp:nvSpPr>
-      <dsp:spPr>
-        <a:xfrm>
-          <a:off x="6352488" y="859922"/>
-          <a:ext cx="1790614" cy="1790614"/>
-        </a:xfrm>
-        <a:prstGeom prst="circularArrow">
-          <a:avLst>
-            <a:gd name="adj1" fmla="val 2927"/>
-            <a:gd name="adj2" fmla="val 358341"/>
-            <a:gd name="adj3" fmla="val 19466149"/>
-            <a:gd name="adj4" fmla="val 12575511"/>
-            <a:gd name="adj5" fmla="val 3415"/>
-          </a:avLst>
-        </a:prstGeom>
-        <a:solidFill>
-          <a:srgbClr val="FFFFFF"/>
-        </a:solidFill>
-        <a:ln>
-          <a:solidFill>
-            <a:srgbClr val="FFFFFF"/>
-          </a:solidFill>
-        </a:ln>
-        <a:effectLst/>
-      </dsp:spPr>
-      <dsp:style>
-        <a:lnRef idx="0">
-          <a:scrgbClr r="0" g="0" b="0"/>
-        </a:lnRef>
-        <a:fillRef idx="1">
-          <a:scrgbClr r="0" g="0" b="0"/>
-        </a:fillRef>
-        <a:effectRef idx="0">
-          <a:scrgbClr r="0" g="0" b="0"/>
-        </a:effectRef>
-        <a:fontRef idx="minor">
-          <a:schemeClr val="lt1"/>
-        </a:fontRef>
-      </dsp:style>
-    </dsp:sp>
-    <dsp:sp modelId="{961E70B4-4CE0-EC49-99DE-1D5C9F9F9D7C}">
-      <dsp:nvSpPr>
-        <dsp:cNvPr id="0" name=""/>
-        <dsp:cNvSpPr/>
-      </dsp:nvSpPr>
-      <dsp:spPr>
-        <a:xfrm>
-          <a:off x="5878287" y="1341153"/>
-          <a:ext cx="1280721" cy="509300"/>
-        </a:xfrm>
-        <a:prstGeom prst="roundRect">
-          <a:avLst>
-            <a:gd name="adj" fmla="val 10000"/>
-          </a:avLst>
-        </a:prstGeom>
-        <a:solidFill>
-          <a:schemeClr val="accent1">
-            <a:hueOff val="0"/>
-            <a:satOff val="0"/>
-            <a:lumOff val="0"/>
-            <a:alphaOff val="0"/>
-          </a:schemeClr>
-        </a:solidFill>
-        <a:ln w="25400" cap="flat" cmpd="sng" algn="ctr">
-          <a:solidFill>
-            <a:schemeClr val="lt1">
-              <a:hueOff val="0"/>
-              <a:satOff val="0"/>
-              <a:lumOff val="0"/>
-              <a:alphaOff val="0"/>
-            </a:schemeClr>
-          </a:solidFill>
-          <a:prstDash val="solid"/>
-        </a:ln>
-        <a:effectLst/>
-      </dsp:spPr>
-      <dsp:style>
-        <a:lnRef idx="2">
-          <a:scrgbClr r="0" g="0" b="0"/>
-        </a:lnRef>
-        <a:fillRef idx="1">
-          <a:scrgbClr r="0" g="0" b="0"/>
-        </a:fillRef>
-        <a:effectRef idx="0">
-          <a:scrgbClr r="0" g="0" b="0"/>
-        </a:effectRef>
-        <a:fontRef idx="minor">
-          <a:schemeClr val="lt1"/>
-        </a:fontRef>
-      </dsp:style>
-      <dsp:txBody>
-        <a:bodyPr spcFirstLastPara="0" vert="horz" wrap="square" lIns="34290" tIns="22860" rIns="34290" bIns="22860" numCol="1" spcCol="1270" anchor="ctr" anchorCtr="0">
-          <a:noAutofit/>
-        </a:bodyPr>
-        <a:lstStyle/>
-        <a:p>
-          <a:pPr lvl="0" algn="ctr" defTabSz="800100">
-            <a:lnSpc>
-              <a:spcPct val="90000"/>
-            </a:lnSpc>
-            <a:spcBef>
-              <a:spcPct val="0"/>
-            </a:spcBef>
-            <a:spcAft>
-              <a:spcPct val="35000"/>
-            </a:spcAft>
-          </a:pPr>
-          <a:r>
-            <a:rPr lang="en-US" sz="1800" kern="1200" dirty="0" smtClean="0"/>
-            <a:t>Explore Data</a:t>
-          </a:r>
-          <a:endParaRPr lang="en-US" sz="1800" kern="1200" dirty="0"/>
-        </a:p>
-      </dsp:txBody>
-      <dsp:txXfrm>
-        <a:off x="5893204" y="1356070"/>
-        <a:ext cx="1250887" cy="479466"/>
-      </dsp:txXfrm>
-    </dsp:sp>
-    <dsp:sp modelId="{EC4E25C6-C3D7-4B4B-8BC5-92A960D631E0}">
-      <dsp:nvSpPr>
-        <dsp:cNvPr id="0" name=""/>
-        <dsp:cNvSpPr/>
-      </dsp:nvSpPr>
-      <dsp:spPr>
-        <a:xfrm>
-          <a:off x="7408623" y="1595804"/>
-          <a:ext cx="1440811" cy="1188367"/>
-        </a:xfrm>
-        <a:prstGeom prst="roundRect">
-          <a:avLst>
-            <a:gd name="adj" fmla="val 10000"/>
-          </a:avLst>
-        </a:prstGeom>
-        <a:solidFill>
-          <a:srgbClr val="FFFFFF"/>
-        </a:solidFill>
-        <a:ln w="25400" cap="flat" cmpd="sng" algn="ctr">
-          <a:solidFill>
-            <a:srgbClr val="FFFFFF"/>
-          </a:solidFill>
-          <a:prstDash val="solid"/>
-        </a:ln>
-        <a:effectLst/>
-      </dsp:spPr>
-      <dsp:style>
-        <a:lnRef idx="2">
-          <a:scrgbClr r="0" g="0" b="0"/>
-        </a:lnRef>
-        <a:fillRef idx="1">
-          <a:scrgbClr r="0" g="0" b="0"/>
-        </a:fillRef>
-        <a:effectRef idx="0">
-          <a:scrgbClr r="0" g="0" b="0"/>
-        </a:effectRef>
-        <a:fontRef idx="minor"/>
-      </dsp:style>
-      <dsp:txBody>
-        <a:bodyPr spcFirstLastPara="0" vert="horz" wrap="square" lIns="20955" tIns="20955" rIns="20955" bIns="20955" numCol="1" spcCol="1270" anchor="t" anchorCtr="0">
-          <a:noAutofit/>
-        </a:bodyPr>
-        <a:lstStyle/>
-        <a:p>
-          <a:pPr marL="57150" lvl="1" indent="-57150" algn="l" defTabSz="488950">
-            <a:lnSpc>
-              <a:spcPct val="90000"/>
-            </a:lnSpc>
-            <a:spcBef>
-              <a:spcPct val="0"/>
-            </a:spcBef>
-            <a:spcAft>
-              <a:spcPct val="15000"/>
-            </a:spcAft>
-            <a:buChar char="••"/>
-          </a:pPr>
-          <a:endParaRPr lang="en-US" sz="1100" kern="1200" dirty="0"/>
-        </a:p>
-      </dsp:txBody>
-      <dsp:txXfrm>
-        <a:off x="7435971" y="1623152"/>
-        <a:ext cx="1386115" cy="879021"/>
-      </dsp:txXfrm>
-    </dsp:sp>
-    <dsp:sp modelId="{AF6505CF-267F-3E45-B6F3-BA7036ABB4F7}">
-      <dsp:nvSpPr>
-        <dsp:cNvPr id="0" name=""/>
-        <dsp:cNvSpPr/>
-      </dsp:nvSpPr>
-      <dsp:spPr>
-        <a:xfrm>
-          <a:off x="7728804" y="2529521"/>
-          <a:ext cx="1280721" cy="509300"/>
-        </a:xfrm>
-        <a:prstGeom prst="roundRect">
-          <a:avLst>
-            <a:gd name="adj" fmla="val 10000"/>
-          </a:avLst>
-        </a:prstGeom>
-        <a:solidFill>
-          <a:srgbClr val="FFFFFF"/>
-        </a:solidFill>
-        <a:ln w="25400" cap="flat" cmpd="sng" algn="ctr">
-          <a:solidFill>
-            <a:srgbClr val="FFFFFF"/>
-          </a:solidFill>
-          <a:prstDash val="solid"/>
-        </a:ln>
-        <a:effectLst/>
-      </dsp:spPr>
-      <dsp:style>
-        <a:lnRef idx="2">
-          <a:scrgbClr r="0" g="0" b="0"/>
-        </a:lnRef>
-        <a:fillRef idx="1">
-          <a:scrgbClr r="0" g="0" b="0"/>
-        </a:fillRef>
-        <a:effectRef idx="0">
-          <a:scrgbClr r="0" g="0" b="0"/>
-        </a:effectRef>
-        <a:fontRef idx="minor">
-          <a:schemeClr val="lt1"/>
-        </a:fontRef>
-      </dsp:style>
-      <dsp:txBody>
-        <a:bodyPr spcFirstLastPara="0" vert="horz" wrap="square" lIns="34290" tIns="22860" rIns="34290" bIns="22860" numCol="1" spcCol="1270" anchor="ctr" anchorCtr="0">
-          <a:noAutofit/>
-        </a:bodyPr>
-        <a:lstStyle/>
-        <a:p>
-          <a:pPr lvl="0" algn="ctr" defTabSz="800100">
-            <a:lnSpc>
-              <a:spcPct val="90000"/>
-            </a:lnSpc>
-            <a:spcBef>
-              <a:spcPct val="0"/>
-            </a:spcBef>
-            <a:spcAft>
-              <a:spcPct val="35000"/>
-            </a:spcAft>
-          </a:pPr>
-          <a:r>
-            <a:rPr lang="en-US" sz="1800" kern="1200" dirty="0" smtClean="0"/>
-            <a:t>Use data</a:t>
-          </a:r>
-          <a:endParaRPr lang="en-US" sz="1800" kern="1200" dirty="0"/>
-        </a:p>
-      </dsp:txBody>
-      <dsp:txXfrm>
-        <a:off x="7743721" y="2544438"/>
-        <a:ext cx="1250887" cy="479466"/>
-      </dsp:txXfrm>
-    </dsp:sp>
   </dsp:spTree>
 </dsp:drawing>
 </file>
@@ -4723,7 +3656,7 @@
           <a:p>
             <a:fld id="{D3AAB66F-B1B7-D045-B4E8-4F60236F228D}" type="datetimeFigureOut">
               <a:rPr lang="en-US" smtClean="0"/>
-              <a:t>1/30/14</a:t>
+              <a:t>2/20/14</a:t>
             </a:fld>
             <a:endParaRPr lang="en-US"/>
           </a:p>
@@ -4889,7 +3822,7 @@
           <a:p>
             <a:fld id="{BCCF8E76-06A6-164E-A6FA-EC32C13EB232}" type="datetimeFigureOut">
               <a:rPr lang="en-US" smtClean="0"/>
-              <a:t>1/30/14</a:t>
+              <a:t>2/20/14</a:t>
             </a:fld>
             <a:endParaRPr lang="en-US"/>
           </a:p>
@@ -6973,11 +5906,28 @@
               <a:rPr lang="en-US" baseline="0" dirty="0" smtClean="0"/>
               <a:t>Box is 25% </a:t>
             </a:r>
+          </a:p>
+          <a:p>
+            <a:r>
+              <a:rPr lang="en-US" baseline="0" dirty="0" smtClean="0"/>
+              <a:t>Line is median</a:t>
+            </a:r>
+          </a:p>
+          <a:p>
             <a:r>
               <a:rPr lang="en-US" baseline="0" smtClean="0"/>
-              <a:t>line is 75%</a:t>
-            </a:r>
-            <a:endParaRPr lang="en-US" dirty="0"/>
+              <a:t>Dots are </a:t>
+            </a:r>
+            <a:r>
+              <a:rPr lang="en-US" baseline="0" dirty="0" smtClean="0"/>
+              <a:t>outliers</a:t>
+            </a:r>
+          </a:p>
+          <a:p>
+            <a:r>
+              <a:rPr lang="en-US" baseline="0" dirty="0" smtClean="0"/>
+              <a:t>Xx update</a:t>
+            </a:r>
           </a:p>
         </p:txBody>
       </p:sp>
@@ -7534,7 +6484,7 @@
             <a:fld id="{FA3C144B-2939-9A49-B014-915EC3E81866}" type="datetime1">
               <a:rPr lang="en-US" smtClean="0"/>
               <a:pPr/>
-              <a:t>1/30/14</a:t>
+              <a:t>2/20/14</a:t>
             </a:fld>
             <a:endParaRPr lang="en-US" dirty="0"/>
           </a:p>
@@ -7963,7 +6913,7 @@
           <a:p>
             <a:fld id="{76838339-A875-5E45-AB3F-AAABD270346A}" type="datetime1">
               <a:rPr lang="en-US" smtClean="0"/>
-              <a:t>1/30/14</a:t>
+              <a:t>2/20/14</a:t>
             </a:fld>
             <a:endParaRPr lang="en-US"/>
           </a:p>
@@ -8249,7 +7199,7 @@
             <a:fld id="{FA3C144B-2939-9A49-B014-915EC3E81866}" type="datetime1">
               <a:rPr lang="en-US" smtClean="0"/>
               <a:pPr/>
-              <a:t>1/30/14</a:t>
+              <a:t>2/20/14</a:t>
             </a:fld>
             <a:endParaRPr lang="en-US" dirty="0"/>
           </a:p>
@@ -8731,7 +7681,7 @@
           <a:p>
             <a:fld id="{A73F672F-A5FB-5745-934A-1BF51CA5539C}" type="datetime1">
               <a:rPr lang="en-US" smtClean="0"/>
-              <a:t>1/30/14</a:t>
+              <a:t>2/20/14</a:t>
             </a:fld>
             <a:endParaRPr lang="en-US"/>
           </a:p>
@@ -9073,7 +8023,7 @@
             <a:fld id="{FA3C144B-2939-9A49-B014-915EC3E81866}" type="datetime1">
               <a:rPr lang="en-US" smtClean="0"/>
               <a:pPr/>
-              <a:t>1/30/14</a:t>
+              <a:t>2/20/14</a:t>
             </a:fld>
             <a:endParaRPr lang="en-US" dirty="0"/>
           </a:p>
@@ -9537,7 +8487,7 @@
           <a:p>
             <a:fld id="{6AFE6A63-5EBE-3E48-B0AE-DF655A1ECE76}" type="datetime1">
               <a:rPr lang="en-US" smtClean="0"/>
-              <a:t>1/30/14</a:t>
+              <a:t>2/20/14</a:t>
             </a:fld>
             <a:endParaRPr lang="en-US"/>
           </a:p>
@@ -9856,7 +8806,7 @@
           <a:p>
             <a:fld id="{4A019F0C-9D18-B54A-9AC9-18AA74EDB034}" type="datetime1">
               <a:rPr lang="en-US" smtClean="0"/>
-              <a:t>1/30/14</a:t>
+              <a:t>2/20/14</a:t>
             </a:fld>
             <a:endParaRPr lang="en-US"/>
           </a:p>
@@ -10166,7 +9116,7 @@
             <a:fld id="{FA3C144B-2939-9A49-B014-915EC3E81866}" type="datetime1">
               <a:rPr lang="en-US" smtClean="0"/>
               <a:pPr/>
-              <a:t>1/30/14</a:t>
+              <a:t>2/20/14</a:t>
             </a:fld>
             <a:endParaRPr lang="en-US" dirty="0"/>
           </a:p>
@@ -10429,7 +9379,7 @@
           <a:p>
             <a:fld id="{FA3C144B-2939-9A49-B014-915EC3E81866}" type="datetime1">
               <a:rPr lang="en-US" smtClean="0"/>
-              <a:t>1/30/14</a:t>
+              <a:t>2/20/14</a:t>
             </a:fld>
             <a:endParaRPr lang="en-US" dirty="0"/>
           </a:p>
@@ -10797,7 +9747,7 @@
           <a:p>
             <a:fld id="{7053BEFA-1175-F644-B249-7D41D72BD3FF}" type="datetime1">
               <a:rPr lang="en-US" smtClean="0"/>
-              <a:t>1/30/14</a:t>
+              <a:t>2/20/14</a:t>
             </a:fld>
             <a:endParaRPr lang="en-US"/>
           </a:p>
@@ -10916,7 +9866,7 @@
             <a:fld id="{FA3C144B-2939-9A49-B014-915EC3E81866}" type="datetime1">
               <a:rPr lang="en-US" smtClean="0"/>
               <a:pPr/>
-              <a:t>1/30/14</a:t>
+              <a:t>2/20/14</a:t>
             </a:fld>
             <a:endParaRPr lang="en-US" dirty="0"/>
           </a:p>
@@ -11133,7 +10083,7 @@
             <a:fld id="{FA3C144B-2939-9A49-B014-915EC3E81866}" type="datetime1">
               <a:rPr lang="en-US" smtClean="0"/>
               <a:pPr/>
-              <a:t>1/30/14</a:t>
+              <a:t>2/20/14</a:t>
             </a:fld>
             <a:endParaRPr lang="en-US" dirty="0"/>
           </a:p>
@@ -11378,7 +10328,7 @@
             <a:fld id="{FA3C144B-2939-9A49-B014-915EC3E81866}" type="datetime1">
               <a:rPr lang="en-US" smtClean="0"/>
               <a:pPr/>
-              <a:t>1/30/14</a:t>
+              <a:t>2/20/14</a:t>
             </a:fld>
             <a:endParaRPr lang="en-US" dirty="0"/>
           </a:p>
@@ -11756,7 +10706,7 @@
           <a:p>
             <a:fld id="{111EEF3B-ABF2-AA4E-9E24-0C6256942674}" type="datetime1">
               <a:rPr lang="en-US" smtClean="0"/>
-              <a:t>1/30/14</a:t>
+              <a:t>2/20/14</a:t>
             </a:fld>
             <a:endParaRPr lang="en-US"/>
           </a:p>
@@ -11920,7 +10870,7 @@
             <a:fld id="{FA3C144B-2939-9A49-B014-915EC3E81866}" type="datetime1">
               <a:rPr lang="en-US" smtClean="0"/>
               <a:pPr/>
-              <a:t>1/30/14</a:t>
+              <a:t>2/20/14</a:t>
             </a:fld>
             <a:endParaRPr lang="en-US" dirty="0"/>
           </a:p>
@@ -12337,7 +11287,7 @@
             <a:fld id="{FA3C144B-2939-9A49-B014-915EC3E81866}" type="datetime1">
               <a:rPr lang="en-US" smtClean="0"/>
               <a:pPr/>
-              <a:t>1/30/14</a:t>
+              <a:t>2/20/14</a:t>
             </a:fld>
             <a:endParaRPr lang="en-US" dirty="0"/>
           </a:p>
@@ -12653,7 +11603,7 @@
             <a:fld id="{FA3C144B-2939-9A49-B014-915EC3E81866}" type="datetime1">
               <a:rPr lang="en-US" smtClean="0"/>
               <a:pPr/>
-              <a:t>1/30/14</a:t>
+              <a:t>2/20/14</a:t>
             </a:fld>
             <a:endParaRPr lang="en-US" dirty="0"/>
           </a:p>
@@ -13319,7 +12269,7 @@
             <a:fld id="{FA3C144B-2939-9A49-B014-915EC3E81866}" type="datetime1">
               <a:rPr lang="en-US" smtClean="0"/>
               <a:pPr/>
-              <a:t>1/30/14</a:t>
+              <a:t>2/20/14</a:t>
             </a:fld>
             <a:endParaRPr lang="en-US" dirty="0"/>
           </a:p>
@@ -14527,7 +13477,7 @@
           <a:p>
             <a:fld id="{7053BEFA-1175-F644-B249-7D41D72BD3FF}" type="datetime1">
               <a:rPr lang="en-US" smtClean="0"/>
-              <a:t>1/30/14</a:t>
+              <a:t>2/20/14</a:t>
             </a:fld>
             <a:endParaRPr lang="en-US"/>
           </a:p>
@@ -14741,7 +13691,7 @@
           <a:p>
             <a:fld id="{7053BEFA-1175-F644-B249-7D41D72BD3FF}" type="datetime1">
               <a:rPr lang="en-US" smtClean="0"/>
-              <a:t>1/30/14</a:t>
+              <a:t>2/20/14</a:t>
             </a:fld>
             <a:endParaRPr lang="en-US"/>
           </a:p>
@@ -14891,7 +13841,7 @@
           <a:p>
             <a:fld id="{7053BEFA-1175-F644-B249-7D41D72BD3FF}" type="datetime1">
               <a:rPr lang="en-US" smtClean="0"/>
-              <a:t>1/30/14</a:t>
+              <a:t>2/20/14</a:t>
             </a:fld>
             <a:endParaRPr lang="en-US"/>
           </a:p>
@@ -15152,7 +14102,7 @@
           <a:p>
             <a:fld id="{7053BEFA-1175-F644-B249-7D41D72BD3FF}" type="datetime1">
               <a:rPr lang="en-US" smtClean="0"/>
-              <a:t>1/30/14</a:t>
+              <a:t>2/20/14</a:t>
             </a:fld>
             <a:endParaRPr lang="en-US"/>
           </a:p>
@@ -15359,7 +14309,7 @@
           <a:p>
             <a:fld id="{7053BEFA-1175-F644-B249-7D41D72BD3FF}" type="datetime1">
               <a:rPr lang="en-US" smtClean="0"/>
-              <a:t>1/30/14</a:t>
+              <a:t>2/20/14</a:t>
             </a:fld>
             <a:endParaRPr lang="en-US"/>
           </a:p>
@@ -15572,7 +14522,7 @@
           <a:p>
             <a:fld id="{7053BEFA-1175-F644-B249-7D41D72BD3FF}" type="datetime1">
               <a:rPr lang="en-US" smtClean="0"/>
-              <a:t>1/30/14</a:t>
+              <a:t>2/20/14</a:t>
             </a:fld>
             <a:endParaRPr lang="en-US"/>
           </a:p>
@@ -16400,7 +15350,7 @@
           <a:p>
             <a:fld id="{7053BEFA-1175-F644-B249-7D41D72BD3FF}" type="datetime1">
               <a:rPr lang="en-US" smtClean="0"/>
-              <a:t>1/30/14</a:t>
+              <a:t>2/20/14</a:t>
             </a:fld>
             <a:endParaRPr lang="en-US"/>
           </a:p>
@@ -17856,7 +16806,7 @@
           <a:p>
             <a:fld id="{7053BEFA-1175-F644-B249-7D41D72BD3FF}" type="datetime1">
               <a:rPr lang="en-US" smtClean="0"/>
-              <a:t>1/30/14</a:t>
+              <a:t>2/20/14</a:t>
             </a:fld>
             <a:endParaRPr lang="en-US"/>
           </a:p>
@@ -21726,7 +20676,7 @@
           <a:p>
             <a:fld id="{7053BEFA-1175-F644-B249-7D41D72BD3FF}" type="datetime1">
               <a:rPr lang="en-US" smtClean="0"/>
-              <a:t>1/30/14</a:t>
+              <a:t>2/20/14</a:t>
             </a:fld>
             <a:endParaRPr lang="en-US"/>
           </a:p>
@@ -21870,7 +20820,7 @@
           <a:p>
             <a:fld id="{111EEF3B-ABF2-AA4E-9E24-0C6256942674}" type="datetime1">
               <a:rPr lang="en-US" smtClean="0"/>
-              <a:t>1/30/14</a:t>
+              <a:t>2/20/14</a:t>
             </a:fld>
             <a:endParaRPr lang="en-US"/>
           </a:p>
@@ -22001,7 +20951,7 @@
           <a:p>
             <a:fld id="{7053BEFA-1175-F644-B249-7D41D72BD3FF}" type="datetime1">
               <a:rPr lang="en-US" smtClean="0"/>
-              <a:t>1/30/14</a:t>
+              <a:t>2/20/14</a:t>
             </a:fld>
             <a:endParaRPr lang="en-US"/>
           </a:p>
@@ -22203,7 +21153,7 @@
           <a:p>
             <a:fld id="{7053BEFA-1175-F644-B249-7D41D72BD3FF}" type="datetime1">
               <a:rPr lang="en-US" smtClean="0"/>
-              <a:t>1/30/14</a:t>
+              <a:t>2/20/14</a:t>
             </a:fld>
             <a:endParaRPr lang="en-US"/>
           </a:p>
@@ -22328,7 +21278,7 @@
           <a:p>
             <a:fld id="{7053BEFA-1175-F644-B249-7D41D72BD3FF}" type="datetime1">
               <a:rPr lang="en-US" smtClean="0"/>
-              <a:t>1/30/14</a:t>
+              <a:t>2/20/14</a:t>
             </a:fld>
             <a:endParaRPr lang="en-US"/>
           </a:p>
@@ -22404,6 +21354,53 @@
           </a:xfrm>
         </p:spPr>
       </p:pic>
+      <p:sp>
+        <p:nvSpPr>
+          <p:cNvPr id="3" name="TextBox 2"/>
+          <p:cNvSpPr txBox="1"/>
+          <p:nvPr/>
+        </p:nvSpPr>
+        <p:spPr>
+          <a:xfrm>
+            <a:off x="465996" y="5064047"/>
+            <a:ext cx="8032968" cy="646331"/>
+          </a:xfrm>
+          <a:prstGeom prst="rect">
+            <a:avLst/>
+          </a:prstGeom>
+          <a:noFill/>
+        </p:spPr>
+        <p:txBody>
+          <a:bodyPr wrap="none" rtlCol="0">
+            <a:spAutoFit/>
+          </a:bodyPr>
+          <a:lstStyle/>
+          <a:p>
+            <a:r>
+              <a:rPr lang="en-US" dirty="0" smtClean="0"/>
+              <a:t>Xx update with</a:t>
+            </a:r>
+          </a:p>
+          <a:p>
+            <a:r>
+              <a:rPr lang="en-US" dirty="0" smtClean="0"/>
+              <a:t>http</a:t>
+            </a:r>
+            <a:r>
+              <a:rPr lang="en-US" dirty="0"/>
+              <a:t>://</a:t>
+            </a:r>
+            <a:r>
+              <a:rPr lang="en-US" dirty="0" err="1"/>
+              <a:t>flowingdata.com</a:t>
+            </a:r>
+            <a:r>
+              <a:rPr lang="en-US" dirty="0"/>
+              <a:t>/2008/02/15/how-to-read-and-use-a-box-and-whisker-plot/</a:t>
+            </a:r>
+          </a:p>
+        </p:txBody>
+      </p:sp>
     </p:spTree>
     <p:extLst>
       <p:ext uri="{BB962C8B-B14F-4D97-AF65-F5344CB8AC3E}">
@@ -22512,7 +21509,7 @@
           <a:p>
             <a:fld id="{7053BEFA-1175-F644-B249-7D41D72BD3FF}" type="datetime1">
               <a:rPr lang="en-US" smtClean="0"/>
-              <a:t>1/30/14</a:t>
+              <a:t>2/20/14</a:t>
             </a:fld>
             <a:endParaRPr lang="en-US"/>
           </a:p>
@@ -22676,7 +21673,7 @@
           <a:p>
             <a:fld id="{7053BEFA-1175-F644-B249-7D41D72BD3FF}" type="datetime1">
               <a:rPr lang="en-US" smtClean="0"/>
-              <a:t>1/30/14</a:t>
+              <a:t>2/20/14</a:t>
             </a:fld>
             <a:endParaRPr lang="en-US"/>
           </a:p>
@@ -22963,7 +21960,7 @@
           <a:p>
             <a:fld id="{7053BEFA-1175-F644-B249-7D41D72BD3FF}" type="datetime1">
               <a:rPr lang="en-US" smtClean="0"/>
-              <a:t>1/30/14</a:t>
+              <a:t>2/20/14</a:t>
             </a:fld>
             <a:endParaRPr lang="en-US"/>
           </a:p>
@@ -23300,7 +22297,7 @@
           <a:p>
             <a:fld id="{7053BEFA-1175-F644-B249-7D41D72BD3FF}" type="datetime1">
               <a:rPr lang="en-US" smtClean="0"/>
-              <a:t>1/30/14</a:t>
+              <a:t>2/20/14</a:t>
             </a:fld>
             <a:endParaRPr lang="en-US"/>
           </a:p>
@@ -23490,7 +22487,7 @@
           <a:p>
             <a:fld id="{7053BEFA-1175-F644-B249-7D41D72BD3FF}" type="datetime1">
               <a:rPr lang="en-US" smtClean="0"/>
-              <a:t>1/30/14</a:t>
+              <a:t>2/20/14</a:t>
             </a:fld>
             <a:endParaRPr lang="en-US"/>
           </a:p>
@@ -23715,7 +22712,7 @@
           <a:p>
             <a:fld id="{7053BEFA-1175-F644-B249-7D41D72BD3FF}" type="datetime1">
               <a:rPr lang="en-US" smtClean="0"/>
-              <a:t>1/30/14</a:t>
+              <a:t>2/20/14</a:t>
             </a:fld>
             <a:endParaRPr lang="en-US"/>
           </a:p>
@@ -23941,7 +22938,7 @@
             <a:fld id="{A73F672F-A5FB-5745-934A-1BF51CA5539C}" type="datetime1">
               <a:rPr lang="en-US" smtClean="0"/>
               <a:pPr/>
-              <a:t>1/30/14</a:t>
+              <a:t>2/20/14</a:t>
             </a:fld>
             <a:endParaRPr lang="en-US"/>
           </a:p>
@@ -24153,7 +23150,7 @@
           <a:p>
             <a:fld id="{7053BEFA-1175-F644-B249-7D41D72BD3FF}" type="datetime1">
               <a:rPr lang="en-US" smtClean="0"/>
-              <a:t>1/30/14</a:t>
+              <a:t>2/20/14</a:t>
             </a:fld>
             <a:endParaRPr lang="en-US"/>
           </a:p>
@@ -24278,7 +23275,7 @@
           <a:p>
             <a:fld id="{7053BEFA-1175-F644-B249-7D41D72BD3FF}" type="datetime1">
               <a:rPr lang="en-US" smtClean="0"/>
-              <a:t>1/30/14</a:t>
+              <a:t>2/20/14</a:t>
             </a:fld>
             <a:endParaRPr lang="en-US"/>
           </a:p>
@@ -24836,7 +23833,7 @@
           <a:p>
             <a:fld id="{7053BEFA-1175-F644-B249-7D41D72BD3FF}" type="datetime1">
               <a:rPr lang="en-US" smtClean="0"/>
-              <a:t>1/30/14</a:t>
+              <a:t>2/20/14</a:t>
             </a:fld>
             <a:endParaRPr lang="en-US"/>
           </a:p>
@@ -25341,7 +24338,7 @@
           <a:p>
             <a:fld id="{7053BEFA-1175-F644-B249-7D41D72BD3FF}" type="datetime1">
               <a:rPr lang="en-US" smtClean="0"/>
-              <a:t>1/30/14</a:t>
+              <a:t>2/20/14</a:t>
             </a:fld>
             <a:endParaRPr lang="en-US"/>
           </a:p>
@@ -25852,7 +24849,7 @@
             <a:fld id="{FA3C144B-2939-9A49-B014-915EC3E81866}" type="datetime1">
               <a:rPr lang="en-US" smtClean="0"/>
               <a:pPr/>
-              <a:t>1/30/14</a:t>
+              <a:t>2/20/14</a:t>
             </a:fld>
             <a:endParaRPr lang="en-US" dirty="0"/>
           </a:p>
@@ -26089,7 +25086,7 @@
           <a:p>
             <a:fld id="{7053BEFA-1175-F644-B249-7D41D72BD3FF}" type="datetime1">
               <a:rPr lang="en-US" smtClean="0"/>
-              <a:t>1/30/14</a:t>
+              <a:t>2/20/14</a:t>
             </a:fld>
             <a:endParaRPr lang="en-US"/>
           </a:p>
@@ -26213,7 +25210,7 @@
           <a:p>
             <a:fld id="{7053BEFA-1175-F644-B249-7D41D72BD3FF}" type="datetime1">
               <a:rPr lang="en-US" smtClean="0"/>
-              <a:t>1/30/14</a:t>
+              <a:t>2/20/14</a:t>
             </a:fld>
             <a:endParaRPr lang="en-US"/>
           </a:p>
@@ -26414,7 +25411,7 @@
           <a:p>
             <a:fld id="{111EEF3B-ABF2-AA4E-9E24-0C6256942674}" type="datetime1">
               <a:rPr lang="en-US" smtClean="0"/>
-              <a:t>1/30/14</a:t>
+              <a:t>2/20/14</a:t>
             </a:fld>
             <a:endParaRPr lang="en-US"/>
           </a:p>
@@ -26604,7 +25601,7 @@
           <a:p>
             <a:fld id="{111EEF3B-ABF2-AA4E-9E24-0C6256942674}" type="datetime1">
               <a:rPr lang="en-US" smtClean="0"/>
-              <a:t>1/30/14</a:t>
+              <a:t>2/20/14</a:t>
             </a:fld>
             <a:endParaRPr lang="en-US"/>
           </a:p>
@@ -26759,7 +25756,7 @@
           <a:p>
             <a:fld id="{7053BEFA-1175-F644-B249-7D41D72BD3FF}" type="datetime1">
               <a:rPr lang="en-US" smtClean="0"/>
-              <a:t>1/30/14</a:t>
+              <a:t>2/20/14</a:t>
             </a:fld>
             <a:endParaRPr lang="en-US"/>
           </a:p>
@@ -26903,7 +25900,7 @@
           <a:p>
             <a:fld id="{7053BEFA-1175-F644-B249-7D41D72BD3FF}" type="datetime1">
               <a:rPr lang="en-US" smtClean="0"/>
-              <a:t>1/30/14</a:t>
+              <a:t>2/20/14</a:t>
             </a:fld>
             <a:endParaRPr lang="en-US"/>
           </a:p>
@@ -27047,7 +26044,7 @@
           <a:p>
             <a:fld id="{7053BEFA-1175-F644-B249-7D41D72BD3FF}" type="datetime1">
               <a:rPr lang="en-US" smtClean="0"/>
-              <a:t>1/30/14</a:t>
+              <a:t>2/20/14</a:t>
             </a:fld>
             <a:endParaRPr lang="en-US"/>
           </a:p>
@@ -27214,7 +26211,7 @@
           <a:p>
             <a:fld id="{7053BEFA-1175-F644-B249-7D41D72BD3FF}" type="datetime1">
               <a:rPr lang="en-US" smtClean="0"/>
-              <a:t>1/30/14</a:t>
+              <a:t>2/20/14</a:t>
             </a:fld>
             <a:endParaRPr lang="en-US"/>
           </a:p>

--- a/Lectures/6 Exploration.pptx
+++ b/Lectures/6 Exploration.pptx
@@ -4723,7 +4723,7 @@
           <a:p>
             <a:fld id="{D3AAB66F-B1B7-D045-B4E8-4F60236F228D}" type="datetimeFigureOut">
               <a:rPr lang="en-US" smtClean="0"/>
-              <a:t>1/26/15</a:t>
+              <a:t>1/29/15</a:t>
             </a:fld>
             <a:endParaRPr lang="en-US"/>
           </a:p>
@@ -4889,7 +4889,7 @@
           <a:p>
             <a:fld id="{BCCF8E76-06A6-164E-A6FA-EC32C13EB232}" type="datetimeFigureOut">
               <a:rPr lang="en-US" smtClean="0"/>
-              <a:t>1/26/15</a:t>
+              <a:t>1/29/15</a:t>
             </a:fld>
             <a:endParaRPr lang="en-US"/>
           </a:p>
@@ -5202,19 +5202,19 @@
           <a:bodyPr/>
           <a:lstStyle/>
           <a:p>
-            <a:r>
-              <a:rPr lang="en-US" dirty="0" smtClean="0"/>
-              <a:t>Have them do an</a:t>
-            </a:r>
-            <a:r>
-              <a:rPr lang="en-US" baseline="0" dirty="0" smtClean="0"/>
-              <a:t> exercise </a:t>
-            </a:r>
-            <a:r>
-              <a:rPr lang="en-US" baseline="0" smtClean="0"/>
-              <a:t>in class</a:t>
-            </a:r>
             <a:endParaRPr lang="en-US"/>
+          </a:p>
+          <a:p>
+            <a:r>
+              <a:rPr lang="en-US"/>
+              <a:t>----- Meeting Notes (1/29/15 10:06) -----</a:t>
+            </a:r>
+          </a:p>
+          <a:p>
+            <a:r>
+              <a:rPr lang="en-US"/>
+              <a:t>move to where it is relevant to the data analysis process instead of here.</a:t>
+            </a:r>
           </a:p>
         </p:txBody>
       </p:sp>
@@ -5235,7 +5235,7 @@
           <a:p>
             <a:fld id="{FD66F34B-9C4D-8640-BB34-4C24A79C9FFB}" type="slidenum">
               <a:rPr lang="en-US" smtClean="0"/>
-              <a:t>10</a:t>
+              <a:t>7</a:t>
             </a:fld>
             <a:endParaRPr lang="en-US"/>
           </a:p>
@@ -5244,7 +5244,7 @@
     </p:spTree>
     <p:extLst>
       <p:ext uri="{BB962C8B-B14F-4D97-AF65-F5344CB8AC3E}">
-        <p14:creationId xmlns:p14="http://schemas.microsoft.com/office/powerpoint/2010/main" val="352581229"/>
+        <p14:creationId xmlns:p14="http://schemas.microsoft.com/office/powerpoint/2010/main" val="599156157"/>
       </p:ext>
     </p:extLst>
   </p:cSld>
@@ -5299,10 +5299,56 @@
           <a:lstStyle/>
           <a:p>
             <a:r>
-              <a:rPr lang="en-US" dirty="0" smtClean="0"/>
-              <a:t>Example </a:t>
-            </a:r>
-            <a:endParaRPr lang="en-US" dirty="0"/>
+              <a:rPr lang="en-US" baseline="0" dirty="0" smtClean="0"/>
+              <a:t>Boxplots make comparison really easy … </a:t>
+            </a:r>
+          </a:p>
+          <a:p>
+            <a:r>
+              <a:rPr lang="en-US" baseline="0" dirty="0" smtClean="0"/>
+              <a:t>Can also show certain types of unexpected structure (e.g. variance variance)</a:t>
+            </a:r>
+          </a:p>
+          <a:p>
+            <a:r>
+              <a:rPr lang="en-US" baseline="0" dirty="0" smtClean="0"/>
+              <a:t>Created with ‘boxplot-</a:t>
+            </a:r>
+            <a:r>
+              <a:rPr lang="en-US" baseline="0" dirty="0" err="1" smtClean="0"/>
+              <a:t>demo.py</a:t>
+            </a:r>
+            <a:r>
+              <a:rPr lang="en-US" baseline="0" dirty="0" smtClean="0"/>
+              <a:t>’</a:t>
+            </a:r>
+          </a:p>
+          <a:p>
+            <a:endParaRPr lang="en-US" baseline="0" dirty="0" smtClean="0"/>
+          </a:p>
+          <a:p>
+            <a:r>
+              <a:rPr lang="en-US" baseline="0" dirty="0" smtClean="0"/>
+              <a:t>Box is 25% </a:t>
+            </a:r>
+          </a:p>
+          <a:p>
+            <a:r>
+              <a:rPr lang="en-US" baseline="0" dirty="0" smtClean="0"/>
+              <a:t>Line is median</a:t>
+            </a:r>
+          </a:p>
+          <a:p>
+            <a:r>
+              <a:rPr lang="en-US" baseline="0" dirty="0" smtClean="0"/>
+              <a:t>Dots are outliers</a:t>
+            </a:r>
+          </a:p>
+          <a:p>
+            <a:r>
+              <a:rPr lang="en-US" baseline="0" dirty="0" smtClean="0"/>
+              <a:t>Xx update</a:t>
+            </a:r>
           </a:p>
         </p:txBody>
       </p:sp>
@@ -5323,7 +5369,7 @@
           <a:p>
             <a:fld id="{FD66F34B-9C4D-8640-BB34-4C24A79C9FFB}" type="slidenum">
               <a:rPr lang="en-US" smtClean="0"/>
-              <a:t>23</a:t>
+              <a:t>22</a:t>
             </a:fld>
             <a:endParaRPr lang="en-US"/>
           </a:p>
@@ -5332,7 +5378,7 @@
     </p:spTree>
     <p:extLst>
       <p:ext uri="{BB962C8B-B14F-4D97-AF65-F5344CB8AC3E}">
-        <p14:creationId xmlns:p14="http://schemas.microsoft.com/office/powerpoint/2010/main" val="3163214532"/>
+        <p14:creationId xmlns:p14="http://schemas.microsoft.com/office/powerpoint/2010/main" val="654282882"/>
       </p:ext>
     </p:extLst>
   </p:cSld>
@@ -5411,7 +5457,7 @@
           <a:p>
             <a:fld id="{FD66F34B-9C4D-8640-BB34-4C24A79C9FFB}" type="slidenum">
               <a:rPr lang="en-US" smtClean="0"/>
-              <a:t>24</a:t>
+              <a:t>23</a:t>
             </a:fld>
             <a:endParaRPr lang="en-US"/>
           </a:p>
@@ -5476,45 +5522,9 @@
           <a:p>
             <a:r>
               <a:rPr lang="en-US" dirty="0" smtClean="0"/>
-              <a:t>http://</a:t>
-            </a:r>
-            <a:r>
-              <a:rPr lang="en-US" dirty="0" err="1" smtClean="0"/>
-              <a:t>www.physics.csbsju.edu</a:t>
-            </a:r>
-            <a:r>
-              <a:rPr lang="en-US" dirty="0" smtClean="0"/>
-              <a:t>/stats/KS-</a:t>
-            </a:r>
-            <a:r>
-              <a:rPr lang="en-US" dirty="0" err="1" smtClean="0"/>
-              <a:t>test.html</a:t>
-            </a:r>
-            <a:endParaRPr lang="en-US" dirty="0" smtClean="0"/>
-          </a:p>
-          <a:p>
-            <a:endParaRPr lang="en-US" dirty="0" smtClean="0"/>
-          </a:p>
-          <a:p>
-            <a:r>
-              <a:rPr lang="en-US" dirty="0" smtClean="0"/>
-              <a:t>One of the advantages of the KS-test is that it leads to a graphical presentation of the data, which enables the user to detect normal distributions (see below). </a:t>
-            </a:r>
-            <a:endParaRPr lang="en-US" dirty="0" smtClean="0"/>
-          </a:p>
-          <a:p>
-            <a:r>
-              <a:rPr lang="en-US" dirty="0" smtClean="0"/>
-              <a:t>The </a:t>
-            </a:r>
-            <a:r>
-              <a:rPr lang="en-US" dirty="0" smtClean="0"/>
-              <a:t>KS-test is a robust test that cares only about the relative distribution of the data. </a:t>
-            </a:r>
-            <a:endParaRPr lang="en-US" dirty="0" smtClean="0"/>
-          </a:p>
-          <a:p>
-            <a:endParaRPr lang="en-US" dirty="0" smtClean="0"/>
+              <a:t>Example </a:t>
+            </a:r>
+            <a:endParaRPr lang="en-US" dirty="0"/>
           </a:p>
         </p:txBody>
       </p:sp>
@@ -5535,7 +5545,7 @@
           <a:p>
             <a:fld id="{FD66F34B-9C4D-8640-BB34-4C24A79C9FFB}" type="slidenum">
               <a:rPr lang="en-US" smtClean="0"/>
-              <a:t>27</a:t>
+              <a:t>24</a:t>
             </a:fld>
             <a:endParaRPr lang="en-US"/>
           </a:p>
@@ -5544,7 +5554,7 @@
     </p:spTree>
     <p:extLst>
       <p:ext uri="{BB962C8B-B14F-4D97-AF65-F5344CB8AC3E}">
-        <p14:creationId xmlns:p14="http://schemas.microsoft.com/office/powerpoint/2010/main" val="4269850727"/>
+        <p14:creationId xmlns:p14="http://schemas.microsoft.com/office/powerpoint/2010/main" val="3163214532"/>
       </p:ext>
     </p:extLst>
   </p:cSld>
@@ -5598,59 +5608,40 @@
           <a:bodyPr/>
           <a:lstStyle/>
           <a:p>
-            <a:pPr lvl="1"/>
-            <a:r>
-              <a:rPr lang="en-US" dirty="0" smtClean="0"/>
-              <a:t>Discrete values (“Probability Mass Function”) - typically values and weights</a:t>
-            </a:r>
-          </a:p>
-          <a:p>
-            <a:pPr lvl="1"/>
-            <a:r>
-              <a:rPr lang="en-US" dirty="0" smtClean="0"/>
-              <a:t>Continues values (“Probability Density Function”) – typically a function</a:t>
-            </a:r>
-          </a:p>
-          <a:p>
-            <a:pPr marL="457200" marR="0" lvl="1" indent="0" algn="l" defTabSz="457200" rtl="0" eaLnBrk="1" fontAlgn="auto" latinLnBrk="0" hangingPunct="1">
-              <a:lnSpc>
-                <a:spcPct val="100000"/>
-              </a:lnSpc>
-              <a:spcBef>
-                <a:spcPts val="0"/>
-              </a:spcBef>
-              <a:spcAft>
-                <a:spcPts val="0"/>
-              </a:spcAft>
-              <a:buClrTx/>
-              <a:buSzTx/>
-              <a:buFontTx/>
-              <a:buNone/>
-              <a:tabLst/>
-              <a:defRPr/>
-            </a:pPr>
-            <a:r>
-              <a:rPr lang="en-US" dirty="0" smtClean="0"/>
-              <a:t>Affects how we model the variable </a:t>
-            </a:r>
-          </a:p>
-          <a:p>
-            <a:pPr lvl="1"/>
-            <a:r>
-              <a:rPr lang="en-US" dirty="0" smtClean="0"/>
-              <a:t>Insurance</a:t>
-            </a:r>
-            <a:r>
-              <a:rPr lang="en-US" baseline="0" dirty="0" smtClean="0"/>
-              <a:t> claims: Not independent when an epidemic hits the local population (common location affects health)</a:t>
-            </a:r>
-          </a:p>
-          <a:p>
-            <a:pPr lvl="1"/>
-            <a:r>
-              <a:rPr lang="en-US" baseline="0" dirty="0" smtClean="0"/>
-              <a:t>Identical distributions not the same in terms of chance of being sick when one person has higher likelihood of inheriting a disease or is in a socioeconomic class more at risk for disease</a:t>
-            </a:r>
+            <a:r>
+              <a:rPr lang="en-US" dirty="0" smtClean="0"/>
+              <a:t>http://</a:t>
+            </a:r>
+            <a:r>
+              <a:rPr lang="en-US" dirty="0" err="1" smtClean="0"/>
+              <a:t>www.physics.csbsju.edu</a:t>
+            </a:r>
+            <a:r>
+              <a:rPr lang="en-US" dirty="0" smtClean="0"/>
+              <a:t>/stats/KS-</a:t>
+            </a:r>
+            <a:r>
+              <a:rPr lang="en-US" dirty="0" err="1" smtClean="0"/>
+              <a:t>test.html</a:t>
+            </a:r>
+            <a:endParaRPr lang="en-US" dirty="0" smtClean="0"/>
+          </a:p>
+          <a:p>
+            <a:endParaRPr lang="en-US" dirty="0" smtClean="0"/>
+          </a:p>
+          <a:p>
+            <a:r>
+              <a:rPr lang="en-US" dirty="0" smtClean="0"/>
+              <a:t>One of the advantages of the KS-test is that it leads to a graphical presentation of the data, which enables the user to detect normal distributions (see below). </a:t>
+            </a:r>
+          </a:p>
+          <a:p>
+            <a:r>
+              <a:rPr lang="en-US" dirty="0" smtClean="0"/>
+              <a:t>The KS-test is a robust test that cares only about the relative distribution of the data. </a:t>
+            </a:r>
+          </a:p>
+          <a:p>
             <a:endParaRPr lang="en-US" dirty="0" smtClean="0"/>
           </a:p>
         </p:txBody>
@@ -5672,7 +5663,7 @@
           <a:p>
             <a:fld id="{FD66F34B-9C4D-8640-BB34-4C24A79C9FFB}" type="slidenum">
               <a:rPr lang="en-US" smtClean="0"/>
-              <a:t>28</a:t>
+              <a:t>27</a:t>
             </a:fld>
             <a:endParaRPr lang="en-US"/>
           </a:p>
@@ -5681,7 +5672,7 @@
     </p:spTree>
     <p:extLst>
       <p:ext uri="{BB962C8B-B14F-4D97-AF65-F5344CB8AC3E}">
-        <p14:creationId xmlns:p14="http://schemas.microsoft.com/office/powerpoint/2010/main" val="3238829522"/>
+        <p14:creationId xmlns:p14="http://schemas.microsoft.com/office/powerpoint/2010/main" val="4269850727"/>
       </p:ext>
     </p:extLst>
   </p:cSld>
@@ -5735,11 +5726,60 @@
           <a:bodyPr/>
           <a:lstStyle/>
           <a:p>
-            <a:r>
-              <a:rPr lang="en-US" dirty="0" smtClean="0"/>
-              <a:t>Example </a:t>
-            </a:r>
-            <a:endParaRPr lang="en-US" dirty="0"/>
+            <a:pPr lvl="1"/>
+            <a:r>
+              <a:rPr lang="en-US" dirty="0" smtClean="0"/>
+              <a:t>Discrete values (“Probability Mass Function”) - typically values and weights</a:t>
+            </a:r>
+          </a:p>
+          <a:p>
+            <a:pPr lvl="1"/>
+            <a:r>
+              <a:rPr lang="en-US" dirty="0" smtClean="0"/>
+              <a:t>Continues values (“Probability Density Function”) – typically a function</a:t>
+            </a:r>
+          </a:p>
+          <a:p>
+            <a:pPr marL="457200" marR="0" lvl="1" indent="0" algn="l" defTabSz="457200" rtl="0" eaLnBrk="1" fontAlgn="auto" latinLnBrk="0" hangingPunct="1">
+              <a:lnSpc>
+                <a:spcPct val="100000"/>
+              </a:lnSpc>
+              <a:spcBef>
+                <a:spcPts val="0"/>
+              </a:spcBef>
+              <a:spcAft>
+                <a:spcPts val="0"/>
+              </a:spcAft>
+              <a:buClrTx/>
+              <a:buSzTx/>
+              <a:buFontTx/>
+              <a:buNone/>
+              <a:tabLst/>
+              <a:defRPr/>
+            </a:pPr>
+            <a:r>
+              <a:rPr lang="en-US" dirty="0" smtClean="0"/>
+              <a:t>Affects how we model the variable </a:t>
+            </a:r>
+          </a:p>
+          <a:p>
+            <a:pPr lvl="1"/>
+            <a:r>
+              <a:rPr lang="en-US" dirty="0" smtClean="0"/>
+              <a:t>Insurance</a:t>
+            </a:r>
+            <a:r>
+              <a:rPr lang="en-US" baseline="0" dirty="0" smtClean="0"/>
+              <a:t> claims: Not independent when an epidemic hits the local population (common location affects health)</a:t>
+            </a:r>
+          </a:p>
+          <a:p>
+            <a:pPr lvl="1"/>
+            <a:r>
+              <a:rPr lang="en-US" baseline="0" dirty="0" smtClean="0"/>
+              <a:t>Identical distributions not the same in terms of chance of being sick when one person has higher likelihood of inheriting a disease or is in a socioeconomic class more at risk for disease</a:t>
+            </a:r>
+            <a:endParaRPr lang="en-US" dirty="0" smtClean="0"/>
           </a:p>
         </p:txBody>
       </p:sp>
@@ -5760,7 +5800,7 @@
           <a:p>
             <a:fld id="{FD66F34B-9C4D-8640-BB34-4C24A79C9FFB}" type="slidenum">
               <a:rPr lang="en-US" smtClean="0"/>
-              <a:t>29</a:t>
+              <a:t>28</a:t>
             </a:fld>
             <a:endParaRPr lang="en-US"/>
           </a:p>
@@ -5769,7 +5809,7 @@
     </p:spTree>
     <p:extLst>
       <p:ext uri="{BB962C8B-B14F-4D97-AF65-F5344CB8AC3E}">
-        <p14:creationId xmlns:p14="http://schemas.microsoft.com/office/powerpoint/2010/main" val="3163214532"/>
+        <p14:creationId xmlns:p14="http://schemas.microsoft.com/office/powerpoint/2010/main" val="3238829522"/>
       </p:ext>
     </p:extLst>
   </p:cSld>
@@ -5823,125 +5863,10 @@
           <a:bodyPr/>
           <a:lstStyle/>
           <a:p>
-            <a:pPr marL="0" marR="0" indent="0" algn="l" defTabSz="457200" rtl="0" eaLnBrk="1" fontAlgn="auto" latinLnBrk="0" hangingPunct="1">
-              <a:lnSpc>
-                <a:spcPct val="100000"/>
-              </a:lnSpc>
-              <a:spcBef>
-                <a:spcPts val="0"/>
-              </a:spcBef>
-              <a:spcAft>
-                <a:spcPts val="0"/>
-              </a:spcAft>
-              <a:buClrTx/>
-              <a:buSzTx/>
-              <a:buFontTx/>
-              <a:buNone/>
-              <a:tabLst/>
-              <a:defRPr/>
-            </a:pPr>
-            <a:r>
-              <a:rPr lang="en-US" dirty="0" smtClean="0"/>
-              <a:t>A variable might be modeled as log-normal if it can be thought of as the multiplicative product of many independent random variables each of which is positive. (This is justified by considering the central limit theorem in the log-domain.) For example, in finance, the variable could represent the compound return from a sequence of many trades (each expressed as its return + 1); or a long-term discount factor can be derived from the product of short-term discount factors. In wireless communication, the </a:t>
-            </a:r>
-            <a:r>
-              <a:rPr lang="en-US" dirty="0" err="1" smtClean="0"/>
-              <a:t>sas</a:t>
-            </a:r>
-            <a:r>
-              <a:rPr lang="en-US" dirty="0" smtClean="0"/>
-              <a:t> caused by shadowing or slow fading from random objects is often assumed to be log-normally distributed: see log-distance path loss model.</a:t>
-            </a:r>
-          </a:p>
-          <a:p>
-            <a:pPr marL="0" marR="0" indent="0" algn="l" defTabSz="457200" rtl="0" eaLnBrk="1" fontAlgn="auto" latinLnBrk="0" hangingPunct="1">
-              <a:lnSpc>
-                <a:spcPct val="100000"/>
-              </a:lnSpc>
-              <a:spcBef>
-                <a:spcPts val="0"/>
-              </a:spcBef>
-              <a:spcAft>
-                <a:spcPts val="0"/>
-              </a:spcAft>
-              <a:buClrTx/>
-              <a:buSzTx/>
-              <a:buFontTx/>
-              <a:buNone/>
-              <a:tabLst/>
-              <a:defRPr/>
-            </a:pPr>
-            <a:endParaRPr lang="en-US" dirty="0" smtClean="0"/>
-          </a:p>
-          <a:p>
-            <a:pPr marL="0" marR="0" indent="0" algn="l" defTabSz="457200" rtl="0" eaLnBrk="1" fontAlgn="auto" latinLnBrk="0" hangingPunct="1">
-              <a:lnSpc>
-                <a:spcPct val="100000"/>
-              </a:lnSpc>
-              <a:spcBef>
-                <a:spcPts val="0"/>
-              </a:spcBef>
-              <a:spcAft>
-                <a:spcPts val="0"/>
-              </a:spcAft>
-              <a:buClrTx/>
-              <a:buSzTx/>
-              <a:buFontTx/>
-              <a:buNone/>
-              <a:tabLst/>
-              <a:defRPr/>
-            </a:pPr>
-            <a:endParaRPr lang="en-US" dirty="0" smtClean="0"/>
-          </a:p>
-          <a:p>
-            <a:pPr marL="0" marR="0" indent="0" algn="l" defTabSz="457200" rtl="0" eaLnBrk="1" fontAlgn="auto" latinLnBrk="0" hangingPunct="1">
-              <a:lnSpc>
-                <a:spcPct val="100000"/>
-              </a:lnSpc>
-              <a:spcBef>
-                <a:spcPts val="0"/>
-              </a:spcBef>
-              <a:spcAft>
-                <a:spcPts val="0"/>
-              </a:spcAft>
-              <a:buClrTx/>
-              <a:buSzTx/>
-              <a:buFontTx/>
-              <a:buNone/>
-              <a:tabLst/>
-              <a:defRPr/>
-            </a:pPr>
-            <a:r>
-              <a:rPr lang="en-US" dirty="0" smtClean="0"/>
-              <a:t>What part of </a:t>
-            </a:r>
-            <a:r>
-              <a:rPr lang="en-US" dirty="0" err="1" smtClean="0"/>
-              <a:t>amy’s</a:t>
-            </a:r>
-            <a:r>
-              <a:rPr lang="en-US" dirty="0" smtClean="0"/>
-              <a:t> data might match a log distribution?</a:t>
-            </a:r>
-          </a:p>
-          <a:p>
-            <a:pPr marL="0" marR="0" indent="0" algn="l" defTabSz="457200" rtl="0" eaLnBrk="1" fontAlgn="auto" latinLnBrk="0" hangingPunct="1">
-              <a:lnSpc>
-                <a:spcPct val="100000"/>
-              </a:lnSpc>
-              <a:spcBef>
-                <a:spcPts val="0"/>
-              </a:spcBef>
-              <a:spcAft>
-                <a:spcPts val="0"/>
-              </a:spcAft>
-              <a:buClrTx/>
-              <a:buSzTx/>
-              <a:buFontTx/>
-              <a:buNone/>
-              <a:tabLst/>
-              <a:defRPr/>
-            </a:pPr>
+            <a:r>
+              <a:rPr lang="en-US" dirty="0" smtClean="0"/>
+              <a:t>Example </a:t>
+            </a:r>
             <a:endParaRPr lang="en-US" dirty="0"/>
           </a:p>
         </p:txBody>
@@ -5963,7 +5888,7 @@
           <a:p>
             <a:fld id="{FD66F34B-9C4D-8640-BB34-4C24A79C9FFB}" type="slidenum">
               <a:rPr lang="en-US" smtClean="0"/>
-              <a:t>30</a:t>
+              <a:t>29</a:t>
             </a:fld>
             <a:endParaRPr lang="en-US"/>
           </a:p>
@@ -6026,23 +5951,125 @@
           <a:bodyPr/>
           <a:lstStyle/>
           <a:p>
-            <a:r>
-              <a:rPr lang="en-US" dirty="0" smtClean="0"/>
-              <a:t>For instance, suppose someone typically gets 4 pieces of mail per day on average. There will be, however, a certain spread: sometimes a little more, sometimes a little fewer, once in a while nothing at all.[2] Given only the average rate, for a certain period of observation (pieces of mail per day, </a:t>
+            <a:pPr marL="0" marR="0" indent="0" algn="l" defTabSz="457200" rtl="0" eaLnBrk="1" fontAlgn="auto" latinLnBrk="0" hangingPunct="1">
+              <a:lnSpc>
+                <a:spcPct val="100000"/>
+              </a:lnSpc>
+              <a:spcBef>
+                <a:spcPts val="0"/>
+              </a:spcBef>
+              <a:spcAft>
+                <a:spcPts val="0"/>
+              </a:spcAft>
+              <a:buClrTx/>
+              <a:buSzTx/>
+              <a:buFontTx/>
+              <a:buNone/>
+              <a:tabLst/>
+              <a:defRPr/>
+            </a:pPr>
+            <a:r>
+              <a:rPr lang="en-US" dirty="0" smtClean="0"/>
+              <a:t>A variable might be modeled as log-normal if it can be thought of as the multiplicative product of many independent random variables each of which is positive. (This is justified by considering the central limit theorem in the log-domain.) For example, in finance, the variable could represent the compound return from a sequence of many trades (each expressed as its return + 1); or a long-term discount factor can be derived from the product of short-term discount factors. In wireless communication, the </a:t>
             </a:r>
             <a:r>
               <a:rPr lang="en-US" dirty="0" err="1" smtClean="0"/>
-              <a:t>phonecalls</a:t>
-            </a:r>
-            <a:r>
-              <a:rPr lang="en-US" dirty="0" smtClean="0"/>
-              <a:t> per hour, etc.), and assuming that the process, or mix of processes, that produces the event flow is essentially random, the Poisson distribution specifies how likely it is that the count will be 3, or 5, or 10, or any other number, during one period of observation. That is, it predicts the degree of spread around a known average rate of occurrence.[2]</a:t>
-            </a:r>
-          </a:p>
-          <a:p>
+              <a:t>sas</a:t>
+            </a:r>
+            <a:r>
+              <a:rPr lang="en-US" dirty="0" smtClean="0"/>
+              <a:t> caused by shadowing or slow fading from random objects is often assumed to be log-normally distributed: see log-distance path loss model.</a:t>
+            </a:r>
+          </a:p>
+          <a:p>
+            <a:pPr marL="0" marR="0" indent="0" algn="l" defTabSz="457200" rtl="0" eaLnBrk="1" fontAlgn="auto" latinLnBrk="0" hangingPunct="1">
+              <a:lnSpc>
+                <a:spcPct val="100000"/>
+              </a:lnSpc>
+              <a:spcBef>
+                <a:spcPts val="0"/>
+              </a:spcBef>
+              <a:spcAft>
+                <a:spcPts val="0"/>
+              </a:spcAft>
+              <a:buClrTx/>
+              <a:buSzTx/>
+              <a:buFontTx/>
+              <a:buNone/>
+              <a:tabLst/>
+              <a:defRPr/>
+            </a:pPr>
             <a:endParaRPr lang="en-US" dirty="0" smtClean="0"/>
           </a:p>
           <a:p>
+            <a:pPr marL="0" marR="0" indent="0" algn="l" defTabSz="457200" rtl="0" eaLnBrk="1" fontAlgn="auto" latinLnBrk="0" hangingPunct="1">
+              <a:lnSpc>
+                <a:spcPct val="100000"/>
+              </a:lnSpc>
+              <a:spcBef>
+                <a:spcPts val="0"/>
+              </a:spcBef>
+              <a:spcAft>
+                <a:spcPts val="0"/>
+              </a:spcAft>
+              <a:buClrTx/>
+              <a:buSzTx/>
+              <a:buFontTx/>
+              <a:buNone/>
+              <a:tabLst/>
+              <a:defRPr/>
+            </a:pPr>
+            <a:endParaRPr lang="en-US" dirty="0" smtClean="0"/>
+          </a:p>
+          <a:p>
+            <a:pPr marL="0" marR="0" indent="0" algn="l" defTabSz="457200" rtl="0" eaLnBrk="1" fontAlgn="auto" latinLnBrk="0" hangingPunct="1">
+              <a:lnSpc>
+                <a:spcPct val="100000"/>
+              </a:lnSpc>
+              <a:spcBef>
+                <a:spcPts val="0"/>
+              </a:spcBef>
+              <a:spcAft>
+                <a:spcPts val="0"/>
+              </a:spcAft>
+              <a:buClrTx/>
+              <a:buSzTx/>
+              <a:buFontTx/>
+              <a:buNone/>
+              <a:tabLst/>
+              <a:defRPr/>
+            </a:pPr>
+            <a:r>
+              <a:rPr lang="en-US" dirty="0" smtClean="0"/>
+              <a:t>What part of </a:t>
+            </a:r>
+            <a:r>
+              <a:rPr lang="en-US" dirty="0" err="1" smtClean="0"/>
+              <a:t>amy’s</a:t>
+            </a:r>
+            <a:r>
+              <a:rPr lang="en-US" dirty="0" smtClean="0"/>
+              <a:t> data might match a log distribution?</a:t>
+            </a:r>
+          </a:p>
+          <a:p>
+            <a:pPr marL="0" marR="0" indent="0" algn="l" defTabSz="457200" rtl="0" eaLnBrk="1" fontAlgn="auto" latinLnBrk="0" hangingPunct="1">
+              <a:lnSpc>
+                <a:spcPct val="100000"/>
+              </a:lnSpc>
+              <a:spcBef>
+                <a:spcPts val="0"/>
+              </a:spcBef>
+              <a:spcAft>
+                <a:spcPts val="0"/>
+              </a:spcAft>
+              <a:buClrTx/>
+              <a:buSzTx/>
+              <a:buFontTx/>
+              <a:buNone/>
+              <a:tabLst/>
+              <a:defRPr/>
+            </a:pPr>
             <a:endParaRPr lang="en-US" dirty="0"/>
           </a:p>
         </p:txBody>
@@ -6064,7 +6091,7 @@
           <a:p>
             <a:fld id="{FD66F34B-9C4D-8640-BB34-4C24A79C9FFB}" type="slidenum">
               <a:rPr lang="en-US" smtClean="0"/>
-              <a:t>31</a:t>
+              <a:t>30</a:t>
             </a:fld>
             <a:endParaRPr lang="en-US"/>
           </a:p>
@@ -6129,6 +6156,107 @@
           <a:p>
             <a:r>
               <a:rPr lang="en-US" dirty="0" smtClean="0"/>
+              <a:t>For instance, suppose someone typically gets 4 pieces of mail per day on average. There will be, however, a certain spread: sometimes a little more, sometimes a little fewer, once in a while nothing at all.[2] Given only the average rate, for a certain period of observation (pieces of mail per day, </a:t>
+            </a:r>
+            <a:r>
+              <a:rPr lang="en-US" dirty="0" err="1" smtClean="0"/>
+              <a:t>phonecalls</a:t>
+            </a:r>
+            <a:r>
+              <a:rPr lang="en-US" dirty="0" smtClean="0"/>
+              <a:t> per hour, etc.), and assuming that the process, or mix of processes, that produces the event flow is essentially random, the Poisson distribution specifies how likely it is that the count will be 3, or 5, or 10, or any other number, during one period of observation. That is, it predicts the degree of spread around a known average rate of occurrence.[2]</a:t>
+            </a:r>
+          </a:p>
+          <a:p>
+            <a:endParaRPr lang="en-US" dirty="0" smtClean="0"/>
+          </a:p>
+          <a:p>
+            <a:endParaRPr lang="en-US" dirty="0"/>
+          </a:p>
+        </p:txBody>
+      </p:sp>
+      <p:sp>
+        <p:nvSpPr>
+          <p:cNvPr id="4" name="Slide Number Placeholder 3"/>
+          <p:cNvSpPr>
+            <a:spLocks noGrp="1"/>
+          </p:cNvSpPr>
+          <p:nvPr>
+            <p:ph type="sldNum" sz="quarter" idx="10"/>
+          </p:nvPr>
+        </p:nvSpPr>
+        <p:spPr/>
+        <p:txBody>
+          <a:bodyPr/>
+          <a:lstStyle/>
+          <a:p>
+            <a:fld id="{FD66F34B-9C4D-8640-BB34-4C24A79C9FFB}" type="slidenum">
+              <a:rPr lang="en-US" smtClean="0"/>
+              <a:t>31</a:t>
+            </a:fld>
+            <a:endParaRPr lang="en-US"/>
+          </a:p>
+        </p:txBody>
+      </p:sp>
+    </p:spTree>
+    <p:extLst>
+      <p:ext uri="{BB962C8B-B14F-4D97-AF65-F5344CB8AC3E}">
+        <p14:creationId xmlns:p14="http://schemas.microsoft.com/office/powerpoint/2010/main" val="3163214532"/>
+      </p:ext>
+    </p:extLst>
+  </p:cSld>
+  <p:clrMapOvr>
+    <a:masterClrMapping/>
+  </p:clrMapOvr>
+</p:notes>
+</file>
+
+<file path=ppt/notesSlides/notesSlide18.xml><?xml version="1.0" encoding="utf-8"?>
+<p:notes xmlns:a="http://schemas.openxmlformats.org/drawingml/2006/main" xmlns:r="http://schemas.openxmlformats.org/officeDocument/2006/relationships" xmlns:p="http://schemas.openxmlformats.org/presentationml/2006/main">
+  <p:cSld>
+    <p:spTree>
+      <p:nvGrpSpPr>
+        <p:cNvPr id="1" name=""/>
+        <p:cNvGrpSpPr/>
+        <p:nvPr/>
+      </p:nvGrpSpPr>
+      <p:grpSpPr>
+        <a:xfrm>
+          <a:off x="0" y="0"/>
+          <a:ext cx="0" cy="0"/>
+          <a:chOff x="0" y="0"/>
+          <a:chExt cx="0" cy="0"/>
+        </a:xfrm>
+      </p:grpSpPr>
+      <p:sp>
+        <p:nvSpPr>
+          <p:cNvPr id="2" name="Slide Image Placeholder 1"/>
+          <p:cNvSpPr>
+            <a:spLocks noGrp="1" noRot="1" noChangeAspect="1"/>
+          </p:cNvSpPr>
+          <p:nvPr>
+            <p:ph type="sldImg"/>
+          </p:nvPr>
+        </p:nvSpPr>
+        <p:spPr/>
+      </p:sp>
+      <p:sp>
+        <p:nvSpPr>
+          <p:cNvPr id="3" name="Notes Placeholder 2"/>
+          <p:cNvSpPr>
+            <a:spLocks noGrp="1"/>
+          </p:cNvSpPr>
+          <p:nvPr>
+            <p:ph type="body" idx="1"/>
+          </p:nvPr>
+        </p:nvSpPr>
+        <p:spPr/>
+        <p:txBody>
+          <a:bodyPr/>
+          <a:lstStyle/>
+          <a:p>
+            <a:r>
+              <a:rPr lang="en-US" dirty="0" smtClean="0"/>
               <a:t>Fig. 17. Velocity proﬁles over time using the mouse for (</a:t>
             </a:r>
             <a:r>
@@ -6284,7 +6412,7 @@
           <a:p>
             <a:fld id="{FD66F34B-9C4D-8640-BB34-4C24A79C9FFB}" type="slidenum">
               <a:rPr lang="en-US" smtClean="0"/>
-              <a:t>11</a:t>
+              <a:t>10</a:t>
             </a:fld>
             <a:endParaRPr lang="en-US"/>
           </a:p>
@@ -6349,27 +6477,17 @@
           <a:p>
             <a:r>
               <a:rPr lang="en-US" dirty="0" smtClean="0"/>
-              <a:t>-</a:t>
+              <a:t>Have them do an</a:t>
             </a:r>
             <a:r>
               <a:rPr lang="en-US" baseline="0" dirty="0" smtClean="0"/>
-              <a:t> C</a:t>
-            </a:r>
-            <a:r>
-              <a:rPr lang="en-US" dirty="0" smtClean="0"/>
-              <a:t>ould represent using 10s or 100s per ‘digit’ (but what</a:t>
-            </a:r>
-            <a:r>
-              <a:rPr lang="en-US" baseline="0" dirty="0" smtClean="0"/>
-              <a:t> do we do about 2 digits in this case? Round to 0?) </a:t>
-            </a:r>
-          </a:p>
-          <a:p>
-            <a:r>
-              <a:rPr lang="en-US" baseline="0" dirty="0" smtClean="0"/>
-              <a:t>- Other ideas?</a:t>
-            </a:r>
-            <a:endParaRPr lang="en-US" dirty="0"/>
+              <a:t> exercise </a:t>
+            </a:r>
+            <a:r>
+              <a:rPr lang="en-US" baseline="0" smtClean="0"/>
+              <a:t>in class</a:t>
+            </a:r>
+            <a:endParaRPr lang="en-US"/>
           </a:p>
         </p:txBody>
       </p:sp>
@@ -6390,7 +6508,7 @@
           <a:p>
             <a:fld id="{FD66F34B-9C4D-8640-BB34-4C24A79C9FFB}" type="slidenum">
               <a:rPr lang="en-US" smtClean="0"/>
-              <a:t>13</a:t>
+              <a:t>11</a:t>
             </a:fld>
             <a:endParaRPr lang="en-US"/>
           </a:p>
@@ -6496,7 +6614,7 @@
           <a:p>
             <a:fld id="{FD66F34B-9C4D-8640-BB34-4C24A79C9FFB}" type="slidenum">
               <a:rPr lang="en-US" smtClean="0"/>
-              <a:t>14</a:t>
+              <a:t>13</a:t>
             </a:fld>
             <a:endParaRPr lang="en-US"/>
           </a:p>
@@ -6602,7 +6720,7 @@
           <a:p>
             <a:fld id="{FD66F34B-9C4D-8640-BB34-4C24A79C9FFB}" type="slidenum">
               <a:rPr lang="en-US" smtClean="0"/>
-              <a:t>15</a:t>
+              <a:t>14</a:t>
             </a:fld>
             <a:endParaRPr lang="en-US"/>
           </a:p>
@@ -6665,53 +6783,28 @@
           <a:bodyPr/>
           <a:lstStyle/>
           <a:p>
-            <a:pPr marL="171450" indent="-171450">
-              <a:buFontTx/>
-              <a:buChar char="-"/>
-            </a:pPr>
+            <a:r>
+              <a:rPr lang="en-US" dirty="0" smtClean="0"/>
+              <a:t>-</a:t>
+            </a:r>
             <a:r>
               <a:rPr lang="en-US" baseline="0" dirty="0" smtClean="0"/>
-              <a:t>C</a:t>
-            </a:r>
-            <a:r>
-              <a:rPr lang="en-US" dirty="0" smtClean="0"/>
-              <a:t>ould </a:t>
-            </a:r>
-            <a:r>
-              <a:rPr lang="en-US" dirty="0" smtClean="0"/>
-              <a:t>represent using 10s </a:t>
-            </a:r>
-            <a:r>
-              <a:rPr lang="en-US" dirty="0" smtClean="0"/>
-              <a:t>this way too… or thousands</a:t>
-            </a:r>
-          </a:p>
-          <a:p>
-            <a:pPr marL="171450" indent="-171450">
-              <a:buFontTx/>
-              <a:buChar char="-"/>
-            </a:pPr>
+              <a:t> C</a:t>
+            </a:r>
+            <a:r>
+              <a:rPr lang="en-US" dirty="0" smtClean="0"/>
+              <a:t>ould represent using 10s or 100s per ‘digit’ (but what</a:t>
+            </a:r>
             <a:r>
               <a:rPr lang="en-US" baseline="0" dirty="0" smtClean="0"/>
-              <a:t>What do we do when the range is so big?</a:t>
-            </a:r>
-          </a:p>
-          <a:p>
-            <a:pPr marL="171450" indent="-171450">
-              <a:buFontTx/>
-              <a:buChar char="-"/>
-            </a:pPr>
+              <a:t> do we do about 2 digits in this case? Round to 0?) </a:t>
+            </a:r>
+          </a:p>
+          <a:p>
             <a:r>
               <a:rPr lang="en-US" baseline="0" dirty="0" smtClean="0"/>
-              <a:t>What do we do about the long tail?</a:t>
-            </a:r>
-            <a:endParaRPr lang="en-US" baseline="0" dirty="0" smtClean="0"/>
-          </a:p>
-          <a:p>
-            <a:pPr marL="171450" indent="-171450">
-              <a:buFontTx/>
-              <a:buChar char="-"/>
-            </a:pPr>
+              <a:t>- Other ideas?</a:t>
+            </a:r>
             <a:endParaRPr lang="en-US" dirty="0"/>
           </a:p>
         </p:txBody>
@@ -6733,7 +6826,7 @@
           <a:p>
             <a:fld id="{FD66F34B-9C4D-8640-BB34-4C24A79C9FFB}" type="slidenum">
               <a:rPr lang="en-US" smtClean="0"/>
-              <a:t>16</a:t>
+              <a:t>15</a:t>
             </a:fld>
             <a:endParaRPr lang="en-US"/>
           </a:p>
@@ -6806,15 +6899,7 @@
             </a:r>
             <a:r>
               <a:rPr lang="en-US" dirty="0" smtClean="0"/>
-              <a:t>ould </a:t>
-            </a:r>
-            <a:r>
-              <a:rPr lang="en-US" dirty="0" smtClean="0"/>
-              <a:t>represent using 10s </a:t>
-            </a:r>
-            <a:r>
-              <a:rPr lang="en-US" dirty="0" smtClean="0"/>
-              <a:t>this way too… or thousands</a:t>
+              <a:t>ould represent using 10s this way too… or thousands</a:t>
             </a:r>
           </a:p>
           <a:p>
@@ -6836,7 +6921,6 @@
               <a:rPr lang="en-US" baseline="0" dirty="0" smtClean="0"/>
               <a:t>What do we do about the long tail?</a:t>
             </a:r>
-            <a:endParaRPr lang="en-US" baseline="0" dirty="0" smtClean="0"/>
           </a:p>
           <a:p>
             <a:pPr marL="171450" indent="-171450">
@@ -6864,7 +6948,7 @@
           <a:p>
             <a:fld id="{FD66F34B-9C4D-8640-BB34-4C24A79C9FFB}" type="slidenum">
               <a:rPr lang="en-US" smtClean="0"/>
-              <a:t>17</a:t>
+              <a:t>16</a:t>
             </a:fld>
             <a:endParaRPr lang="en-US"/>
           </a:p>
@@ -6927,42 +7011,45 @@
           <a:bodyPr/>
           <a:lstStyle/>
           <a:p>
+            <a:pPr marL="171450" indent="-171450">
+              <a:buFontTx/>
+              <a:buChar char="-"/>
+            </a:pPr>
             <a:r>
               <a:rPr lang="en-US" baseline="0" dirty="0" smtClean="0"/>
-              <a:t>Can show </a:t>
-            </a:r>
+              <a:t>C</a:t>
+            </a:r>
+            <a:r>
+              <a:rPr lang="en-US" dirty="0" smtClean="0"/>
+              <a:t>ould represent using 10s this way too… or thousands</a:t>
+            </a:r>
+          </a:p>
+          <a:p>
+            <a:pPr marL="171450" indent="-171450">
+              <a:buFontTx/>
+              <a:buChar char="-"/>
+            </a:pPr>
             <a:r>
               <a:rPr lang="en-US" baseline="0" dirty="0" smtClean="0"/>
-              <a:t>certain types of unexpected structure (e.g. </a:t>
-            </a:r>
+              <a:t>What do we do when the range is so big?</a:t>
+            </a:r>
+          </a:p>
+          <a:p>
+            <a:pPr marL="171450" indent="-171450">
+              <a:buFontTx/>
+              <a:buChar char="-"/>
+            </a:pPr>
             <a:r>
               <a:rPr lang="en-US" baseline="0" dirty="0" smtClean="0"/>
-              <a:t>variance)</a:t>
-            </a:r>
-            <a:endParaRPr lang="en-US" baseline="0" dirty="0" smtClean="0"/>
-          </a:p>
-          <a:p>
-            <a:r>
-              <a:rPr lang="en-US" baseline="0" dirty="0" smtClean="0"/>
-              <a:t>You can also see which way the data sways. For example, if there are more people who eat a lot of burgers than eat a few, the median is going to be higher or the top whisker could be longer than the bottom one. </a:t>
-            </a:r>
-            <a:br>
-              <a:rPr lang="en-US" baseline="0" dirty="0" smtClean="0"/>
-            </a:br>
-            <a:r>
-              <a:rPr lang="en-US" baseline="0" dirty="0" smtClean="0"/>
-              <a:t>Basically, it gives you a good overview of the data's distribution.</a:t>
-            </a:r>
-          </a:p>
-          <a:p>
-            <a:endParaRPr lang="en-US" baseline="0" dirty="0" smtClean="0"/>
-          </a:p>
-          <a:p>
-            <a:r>
-              <a:rPr lang="en-US" baseline="0" dirty="0" smtClean="0"/>
-              <a:t>Some variation in how these are assigned…</a:t>
-            </a:r>
-            <a:endParaRPr lang="en-US" baseline="0" dirty="0" smtClean="0"/>
+              <a:t>What do we do about the long tail?</a:t>
+            </a:r>
+          </a:p>
+          <a:p>
+            <a:pPr marL="171450" indent="-171450">
+              <a:buFontTx/>
+              <a:buChar char="-"/>
+            </a:pPr>
+            <a:endParaRPr lang="en-US" dirty="0"/>
           </a:p>
         </p:txBody>
       </p:sp>
@@ -6983,7 +7070,7 @@
           <a:p>
             <a:fld id="{FD66F34B-9C4D-8640-BB34-4C24A79C9FFB}" type="slidenum">
               <a:rPr lang="en-US" smtClean="0"/>
-              <a:t>21</a:t>
+              <a:t>17</a:t>
             </a:fld>
             <a:endParaRPr lang="en-US"/>
           </a:p>
@@ -6992,7 +7079,7 @@
     </p:spTree>
     <p:extLst>
       <p:ext uri="{BB962C8B-B14F-4D97-AF65-F5344CB8AC3E}">
-        <p14:creationId xmlns:p14="http://schemas.microsoft.com/office/powerpoint/2010/main" val="654282882"/>
+        <p14:creationId xmlns:p14="http://schemas.microsoft.com/office/powerpoint/2010/main" val="352581229"/>
       </p:ext>
     </p:extLst>
   </p:cSld>
@@ -7048,58 +7135,29 @@
           <a:p>
             <a:r>
               <a:rPr lang="en-US" baseline="0" dirty="0" smtClean="0"/>
-              <a:t>Boxplots </a:t>
-            </a:r>
+              <a:t>Can show certain types of unexpected structure (e.g. variance)</a:t>
+            </a:r>
+          </a:p>
+          <a:p>
             <a:r>
               <a:rPr lang="en-US" baseline="0" dirty="0" smtClean="0"/>
-              <a:t>make comparison really easy … </a:t>
-            </a:r>
-          </a:p>
-          <a:p>
-            <a:r>
+              <a:t>You can also see which way the data sways. For example, if there are more people who eat a lot of burgers than eat a few, the median is going to be higher or the top whisker could be longer than the bottom one. </a:t>
+            </a:r>
+            <a:br>
               <a:rPr lang="en-US" baseline="0" dirty="0" smtClean="0"/>
-              <a:t>Can also show certain types of unexpected structure (e.g. variance variance)</a:t>
-            </a:r>
-          </a:p>
-          <a:p>
+            </a:br>
             <a:r>
               <a:rPr lang="en-US" baseline="0" dirty="0" smtClean="0"/>
-              <a:t>Created with ‘boxplot-</a:t>
-            </a:r>
-            <a:r>
-              <a:rPr lang="en-US" baseline="0" dirty="0" err="1" smtClean="0"/>
-              <a:t>demo.py</a:t>
-            </a:r>
+              <a:t>Basically, it gives you a good overview of the data's distribution.</a:t>
+            </a:r>
+          </a:p>
+          <a:p>
+            <a:endParaRPr lang="en-US" baseline="0" dirty="0" smtClean="0"/>
+          </a:p>
+          <a:p>
             <a:r>
               <a:rPr lang="en-US" baseline="0" dirty="0" smtClean="0"/>
-              <a:t>’</a:t>
-            </a:r>
-          </a:p>
-          <a:p>
-            <a:endParaRPr lang="en-US" baseline="0" dirty="0" smtClean="0"/>
-          </a:p>
-          <a:p>
-            <a:r>
-              <a:rPr lang="en-US" baseline="0" dirty="0" smtClean="0"/>
-              <a:t>Box is 25% </a:t>
-            </a:r>
-          </a:p>
-          <a:p>
-            <a:r>
-              <a:rPr lang="en-US" baseline="0" dirty="0" smtClean="0"/>
-              <a:t>Line is median</a:t>
-            </a:r>
-          </a:p>
-          <a:p>
-            <a:r>
-              <a:rPr lang="en-US" baseline="0" dirty="0" smtClean="0"/>
-              <a:t>Dots are outliers</a:t>
-            </a:r>
-          </a:p>
-          <a:p>
-            <a:r>
-              <a:rPr lang="en-US" baseline="0" dirty="0" smtClean="0"/>
-              <a:t>Xx update</a:t>
+              <a:t>Some variation in how these are assigned…</a:t>
             </a:r>
           </a:p>
         </p:txBody>
@@ -7121,7 +7179,7 @@
           <a:p>
             <a:fld id="{FD66F34B-9C4D-8640-BB34-4C24A79C9FFB}" type="slidenum">
               <a:rPr lang="en-US" smtClean="0"/>
-              <a:t>22</a:t>
+              <a:t>21</a:t>
             </a:fld>
             <a:endParaRPr lang="en-US"/>
           </a:p>
@@ -7657,7 +7715,7 @@
             <a:fld id="{FA3C144B-2939-9A49-B014-915EC3E81866}" type="datetime1">
               <a:rPr lang="en-US" smtClean="0"/>
               <a:pPr/>
-              <a:t>1/26/15</a:t>
+              <a:t>1/29/15</a:t>
             </a:fld>
             <a:endParaRPr lang="en-US" dirty="0"/>
           </a:p>
@@ -8086,7 +8144,7 @@
           <a:p>
             <a:fld id="{76838339-A875-5E45-AB3F-AAABD270346A}" type="datetime1">
               <a:rPr lang="en-US" smtClean="0"/>
-              <a:t>1/26/15</a:t>
+              <a:t>1/29/15</a:t>
             </a:fld>
             <a:endParaRPr lang="en-US"/>
           </a:p>
@@ -8372,7 +8430,7 @@
             <a:fld id="{FA3C144B-2939-9A49-B014-915EC3E81866}" type="datetime1">
               <a:rPr lang="en-US" smtClean="0"/>
               <a:pPr/>
-              <a:t>1/26/15</a:t>
+              <a:t>1/29/15</a:t>
             </a:fld>
             <a:endParaRPr lang="en-US" dirty="0"/>
           </a:p>
@@ -8854,7 +8912,7 @@
           <a:p>
             <a:fld id="{A73F672F-A5FB-5745-934A-1BF51CA5539C}" type="datetime1">
               <a:rPr lang="en-US" smtClean="0"/>
-              <a:t>1/26/15</a:t>
+              <a:t>1/29/15</a:t>
             </a:fld>
             <a:endParaRPr lang="en-US"/>
           </a:p>
@@ -9196,7 +9254,7 @@
             <a:fld id="{FA3C144B-2939-9A49-B014-915EC3E81866}" type="datetime1">
               <a:rPr lang="en-US" smtClean="0"/>
               <a:pPr/>
-              <a:t>1/26/15</a:t>
+              <a:t>1/29/15</a:t>
             </a:fld>
             <a:endParaRPr lang="en-US" dirty="0"/>
           </a:p>
@@ -9660,7 +9718,7 @@
           <a:p>
             <a:fld id="{6AFE6A63-5EBE-3E48-B0AE-DF655A1ECE76}" type="datetime1">
               <a:rPr lang="en-US" smtClean="0"/>
-              <a:t>1/26/15</a:t>
+              <a:t>1/29/15</a:t>
             </a:fld>
             <a:endParaRPr lang="en-US"/>
           </a:p>
@@ -9979,7 +10037,7 @@
           <a:p>
             <a:fld id="{4A019F0C-9D18-B54A-9AC9-18AA74EDB034}" type="datetime1">
               <a:rPr lang="en-US" smtClean="0"/>
-              <a:t>1/26/15</a:t>
+              <a:t>1/29/15</a:t>
             </a:fld>
             <a:endParaRPr lang="en-US"/>
           </a:p>
@@ -10289,7 +10347,7 @@
             <a:fld id="{FA3C144B-2939-9A49-B014-915EC3E81866}" type="datetime1">
               <a:rPr lang="en-US" smtClean="0"/>
               <a:pPr/>
-              <a:t>1/26/15</a:t>
+              <a:t>1/29/15</a:t>
             </a:fld>
             <a:endParaRPr lang="en-US" dirty="0"/>
           </a:p>
@@ -10552,7 +10610,7 @@
           <a:p>
             <a:fld id="{FA3C144B-2939-9A49-B014-915EC3E81866}" type="datetime1">
               <a:rPr lang="en-US" smtClean="0"/>
-              <a:t>1/26/15</a:t>
+              <a:t>1/29/15</a:t>
             </a:fld>
             <a:endParaRPr lang="en-US" dirty="0"/>
           </a:p>
@@ -10920,7 +10978,7 @@
           <a:p>
             <a:fld id="{7053BEFA-1175-F644-B249-7D41D72BD3FF}" type="datetime1">
               <a:rPr lang="en-US" smtClean="0"/>
-              <a:t>1/26/15</a:t>
+              <a:t>1/29/15</a:t>
             </a:fld>
             <a:endParaRPr lang="en-US"/>
           </a:p>
@@ -11039,7 +11097,7 @@
             <a:fld id="{FA3C144B-2939-9A49-B014-915EC3E81866}" type="datetime1">
               <a:rPr lang="en-US" smtClean="0"/>
               <a:pPr/>
-              <a:t>1/26/15</a:t>
+              <a:t>1/29/15</a:t>
             </a:fld>
             <a:endParaRPr lang="en-US" dirty="0"/>
           </a:p>
@@ -11256,7 +11314,7 @@
             <a:fld id="{FA3C144B-2939-9A49-B014-915EC3E81866}" type="datetime1">
               <a:rPr lang="en-US" smtClean="0"/>
               <a:pPr/>
-              <a:t>1/26/15</a:t>
+              <a:t>1/29/15</a:t>
             </a:fld>
             <a:endParaRPr lang="en-US" dirty="0"/>
           </a:p>
@@ -11501,7 +11559,7 @@
             <a:fld id="{FA3C144B-2939-9A49-B014-915EC3E81866}" type="datetime1">
               <a:rPr lang="en-US" smtClean="0"/>
               <a:pPr/>
-              <a:t>1/26/15</a:t>
+              <a:t>1/29/15</a:t>
             </a:fld>
             <a:endParaRPr lang="en-US" dirty="0"/>
           </a:p>
@@ -11879,7 +11937,7 @@
           <a:p>
             <a:fld id="{111EEF3B-ABF2-AA4E-9E24-0C6256942674}" type="datetime1">
               <a:rPr lang="en-US" smtClean="0"/>
-              <a:t>1/26/15</a:t>
+              <a:t>1/29/15</a:t>
             </a:fld>
             <a:endParaRPr lang="en-US"/>
           </a:p>
@@ -12043,7 +12101,7 @@
             <a:fld id="{FA3C144B-2939-9A49-B014-915EC3E81866}" type="datetime1">
               <a:rPr lang="en-US" smtClean="0"/>
               <a:pPr/>
-              <a:t>1/26/15</a:t>
+              <a:t>1/29/15</a:t>
             </a:fld>
             <a:endParaRPr lang="en-US" dirty="0"/>
           </a:p>
@@ -12460,7 +12518,7 @@
             <a:fld id="{FA3C144B-2939-9A49-B014-915EC3E81866}" type="datetime1">
               <a:rPr lang="en-US" smtClean="0"/>
               <a:pPr/>
-              <a:t>1/26/15</a:t>
+              <a:t>1/29/15</a:t>
             </a:fld>
             <a:endParaRPr lang="en-US" dirty="0"/>
           </a:p>
@@ -12776,7 +12834,7 @@
             <a:fld id="{FA3C144B-2939-9A49-B014-915EC3E81866}" type="datetime1">
               <a:rPr lang="en-US" smtClean="0"/>
               <a:pPr/>
-              <a:t>1/26/15</a:t>
+              <a:t>1/29/15</a:t>
             </a:fld>
             <a:endParaRPr lang="en-US" dirty="0"/>
           </a:p>
@@ -13442,7 +13500,7 @@
             <a:fld id="{FA3C144B-2939-9A49-B014-915EC3E81866}" type="datetime1">
               <a:rPr lang="en-US" smtClean="0"/>
               <a:pPr/>
-              <a:t>1/26/15</a:t>
+              <a:t>1/29/15</a:t>
             </a:fld>
             <a:endParaRPr lang="en-US" dirty="0"/>
           </a:p>
@@ -14561,11 +14619,7 @@
             </a:pPr>
             <a:r>
               <a:rPr lang="en-US" dirty="0" smtClean="0"/>
-              <a:t>Printout of summary </a:t>
-            </a:r>
-            <a:r>
-              <a:rPr lang="en-US" dirty="0" smtClean="0"/>
-              <a:t>.</a:t>
+              <a:t>Printout of summary .</a:t>
             </a:r>
             <a:r>
               <a:rPr lang="en-US" dirty="0" err="1" smtClean="0"/>
@@ -14573,17 +14627,8 @@
             </a:r>
             <a:r>
               <a:rPr lang="en-US" dirty="0" smtClean="0"/>
-              <a:t> </a:t>
-            </a:r>
-            <a:r>
-              <a:rPr lang="en-US" dirty="0" smtClean="0"/>
-              <a:t>file for you (already done half the work here</a:t>
-            </a:r>
-            <a:r>
-              <a:rPr lang="en-US" dirty="0" smtClean="0"/>
-              <a:t>). Look at columns 5/6 </a:t>
-            </a:r>
-            <a:endParaRPr lang="en-US" dirty="0" smtClean="0"/>
+              <a:t> file for you (already done half the work here). Look at columns 5/6 </a:t>
+            </a:r>
           </a:p>
           <a:p>
             <a:pPr marL="0" indent="0">
@@ -14597,11 +14642,7 @@
             </a:pPr>
             <a:r>
               <a:rPr lang="en-US" dirty="0" smtClean="0"/>
-              <a:t>40175  </a:t>
-            </a:r>
-            <a:r>
-              <a:rPr lang="en-US" dirty="0" smtClean="0"/>
-              <a:t>x x x </a:t>
+              <a:t>40175  x x x </a:t>
             </a:r>
           </a:p>
           <a:p>
@@ -14610,15 +14651,7 @@
             </a:pPr>
             <a:r>
               <a:rPr lang="en-US" dirty="0" smtClean="0"/>
-              <a:t>40201  </a:t>
-            </a:r>
-            <a:r>
-              <a:rPr lang="en-US" dirty="0" smtClean="0"/>
-              <a:t>x x </a:t>
-            </a:r>
-            <a:r>
-              <a:rPr lang="en-US" dirty="0" smtClean="0"/>
-              <a:t>x</a:t>
+              <a:t>40201  x x x</a:t>
             </a:r>
           </a:p>
           <a:p>
@@ -14629,7 +14662,6 @@
               <a:rPr lang="en-US" dirty="0" smtClean="0"/>
               <a:t>40224  x x x </a:t>
             </a:r>
-            <a:endParaRPr lang="en-US" dirty="0" smtClean="0"/>
           </a:p>
           <a:p>
             <a:pPr marL="0" indent="0">
@@ -14639,7 +14671,6 @@
               <a:rPr lang="en-US" dirty="0" smtClean="0"/>
               <a:t>37013  x …</a:t>
             </a:r>
-            <a:endParaRPr lang="en-US" dirty="0" smtClean="0"/>
           </a:p>
           <a:p>
             <a:pPr marL="0" indent="0">
@@ -14682,7 +14713,7 @@
           <a:p>
             <a:fld id="{7053BEFA-1175-F644-B249-7D41D72BD3FF}" type="datetime1">
               <a:rPr lang="en-US" smtClean="0"/>
-              <a:t>1/26/15</a:t>
+              <a:t>1/29/15</a:t>
             </a:fld>
             <a:endParaRPr lang="en-US"/>
           </a:p>
@@ -14815,15 +14846,7 @@
             </a:pPr>
             <a:r>
               <a:rPr lang="en-US" dirty="0" smtClean="0"/>
-              <a:t>Alternative: Digit </a:t>
-            </a:r>
-            <a:r>
-              <a:rPr lang="en-US" dirty="0" smtClean="0"/>
-              <a:t>reminder </a:t>
-            </a:r>
-            <a:r>
-              <a:rPr lang="en-US" dirty="0" smtClean="0"/>
-              <a:t>representation </a:t>
+              <a:t>Alternative: Digit reminder representation </a:t>
             </a:r>
             <a:br>
               <a:rPr lang="en-US" dirty="0" smtClean="0"/>
@@ -14842,7 +14865,6 @@
               <a:rPr lang="en-US" dirty="0" smtClean="0"/>
               <a:t>400*  33 55 57 68 08 08 19 19</a:t>
             </a:r>
-            <a:endParaRPr lang="en-US" dirty="0" smtClean="0"/>
           </a:p>
           <a:p>
             <a:pPr marL="0" indent="0">
@@ -14852,7 +14874,6 @@
               <a:rPr lang="en-US" dirty="0" smtClean="0"/>
               <a:t>401*  04 08 76 95 75 75 75 19 19 50 50 85 85</a:t>
             </a:r>
-            <a:endParaRPr lang="en-US" dirty="0" smtClean="0"/>
           </a:p>
           <a:p>
             <a:pPr marL="514350" indent="-514350">
@@ -14896,7 +14917,6 @@
               <a:rPr lang="en-US" dirty="0" smtClean="0"/>
               <a:t>…</a:t>
             </a:r>
-            <a:endParaRPr lang="en-US" dirty="0" smtClean="0"/>
           </a:p>
           <a:p>
             <a:pPr marL="0" indent="0">
@@ -14939,7 +14959,7 @@
           <a:p>
             <a:fld id="{7053BEFA-1175-F644-B249-7D41D72BD3FF}" type="datetime1">
               <a:rPr lang="en-US" smtClean="0"/>
-              <a:t>1/26/15</a:t>
+              <a:t>1/29/15</a:t>
             </a:fld>
             <a:endParaRPr lang="en-US"/>
           </a:p>
@@ -15089,7 +15109,7 @@
           <a:p>
             <a:fld id="{7053BEFA-1175-F644-B249-7D41D72BD3FF}" type="datetime1">
               <a:rPr lang="en-US" smtClean="0"/>
-              <a:t>1/26/15</a:t>
+              <a:t>1/29/15</a:t>
             </a:fld>
             <a:endParaRPr lang="en-US"/>
           </a:p>
@@ -15222,13 +15242,8 @@
             </a:pPr>
             <a:r>
               <a:rPr lang="en-US" dirty="0" smtClean="0"/>
-              <a:t>			What about </a:t>
-            </a:r>
-            <a:r>
-              <a:rPr lang="en-US" dirty="0" smtClean="0"/>
-              <a:t>column 1-4’- data? </a:t>
-            </a:r>
-            <a:endParaRPr lang="en-US" dirty="0" smtClean="0"/>
+              <a:t>			What about column 1-4’- data? </a:t>
+            </a:r>
           </a:p>
           <a:p>
             <a:pPr marL="0" indent="0">
@@ -15244,7 +15259,6 @@
               <a:rPr lang="en-US" dirty="0" smtClean="0"/>
               <a:t>402*: 15 15 15 15 15 15 15 15 … 2034 times; 16 … 640 times; … </a:t>
             </a:r>
-            <a:endParaRPr lang="en-US" dirty="0" smtClean="0"/>
           </a:p>
           <a:p>
             <a:pPr marL="0" indent="0">
@@ -15302,7 +15316,7 @@
           <a:p>
             <a:fld id="{7053BEFA-1175-F644-B249-7D41D72BD3FF}" type="datetime1">
               <a:rPr lang="en-US" smtClean="0"/>
-              <a:t>1/26/15</a:t>
+              <a:t>1/29/15</a:t>
             </a:fld>
             <a:endParaRPr lang="en-US"/>
           </a:p>
@@ -15435,13 +15449,8 @@
             </a:pPr>
             <a:r>
               <a:rPr lang="en-US" dirty="0" smtClean="0"/>
-              <a:t>			What about </a:t>
-            </a:r>
-            <a:r>
-              <a:rPr lang="en-US" dirty="0" smtClean="0"/>
-              <a:t>column 1-4’- data? </a:t>
-            </a:r>
-            <a:endParaRPr lang="en-US" dirty="0" smtClean="0"/>
+              <a:t>			What about column 1-4’- data? </a:t>
+            </a:r>
           </a:p>
           <a:p>
             <a:pPr marL="0" indent="0">
@@ -15457,7 +15466,6 @@
               <a:rPr lang="en-US" dirty="0" smtClean="0"/>
               <a:t>402*: 15 15 15 15 15 15 15 15 … 2034 times; 16 … 640 times; … </a:t>
             </a:r>
-            <a:endParaRPr lang="en-US" dirty="0" smtClean="0"/>
           </a:p>
           <a:p>
             <a:pPr marL="0" indent="0">
@@ -15467,7 +15475,6 @@
               <a:rPr lang="en-US" dirty="0" smtClean="0"/>
               <a:t>1000s? (round up?)</a:t>
             </a:r>
-            <a:endParaRPr lang="en-US" dirty="0" smtClean="0"/>
           </a:p>
           <a:p>
             <a:pPr marL="0" indent="0">
@@ -15507,7 +15514,7 @@
           <a:p>
             <a:fld id="{7053BEFA-1175-F644-B249-7D41D72BD3FF}" type="datetime1">
               <a:rPr lang="en-US" smtClean="0"/>
-              <a:t>1/26/15</a:t>
+              <a:t>1/29/15</a:t>
             </a:fld>
             <a:endParaRPr lang="en-US"/>
           </a:p>
@@ -15640,13 +15647,8 @@
             </a:pPr>
             <a:r>
               <a:rPr lang="en-US" dirty="0" smtClean="0"/>
-              <a:t>			What about </a:t>
-            </a:r>
-            <a:r>
-              <a:rPr lang="en-US" dirty="0" smtClean="0"/>
-              <a:t>column 1-4’- data? </a:t>
-            </a:r>
-            <a:endParaRPr lang="en-US" dirty="0" smtClean="0"/>
+              <a:t>			What about column 1-4’- data? </a:t>
+            </a:r>
           </a:p>
           <a:p>
             <a:pPr marL="0" indent="0">
@@ -15662,7 +15664,6 @@
               <a:rPr lang="en-US" dirty="0" smtClean="0"/>
               <a:t>402*: 15 15 15 15 15 15 15 15 … 2034 times; 16 … 640 times; … </a:t>
             </a:r>
-            <a:endParaRPr lang="en-US" dirty="0" smtClean="0"/>
           </a:p>
           <a:p>
             <a:pPr marL="0" indent="0">
@@ -15672,7 +15673,6 @@
               <a:rPr lang="en-US" dirty="0" smtClean="0"/>
               <a:t>1000s? (round up?)</a:t>
             </a:r>
-            <a:endParaRPr lang="en-US" dirty="0" smtClean="0"/>
           </a:p>
           <a:p>
             <a:pPr marL="0" indent="0">
@@ -15712,7 +15712,7 @@
           <a:p>
             <a:fld id="{7053BEFA-1175-F644-B249-7D41D72BD3FF}" type="datetime1">
               <a:rPr lang="en-US" smtClean="0"/>
-              <a:t>1/26/15</a:t>
+              <a:t>1/29/15</a:t>
             </a:fld>
             <a:endParaRPr lang="en-US"/>
           </a:p>
@@ -15797,13 +15797,8 @@
           <a:p>
             <a:r>
               <a:rPr lang="en-US" sz="2800" dirty="0" smtClean="0"/>
-              <a:t>Counting to </a:t>
-            </a:r>
-            <a:r>
-              <a:rPr lang="en-US" sz="2800" dirty="0" smtClean="0"/>
-              <a:t>10 (or 100):</a:t>
-            </a:r>
-            <a:endParaRPr lang="en-US" sz="2800" dirty="0" smtClean="0"/>
+              <a:t>Counting to 10 (or 100):</a:t>
+            </a:r>
           </a:p>
           <a:p>
             <a:endParaRPr lang="en-US" dirty="0" smtClean="0"/>
@@ -16235,7 +16230,7 @@
           <a:p>
             <a:fld id="{7053BEFA-1175-F644-B249-7D41D72BD3FF}" type="datetime1">
               <a:rPr lang="en-US" smtClean="0"/>
-              <a:t>1/26/15</a:t>
+              <a:t>1/29/15</a:t>
             </a:fld>
             <a:endParaRPr lang="en-US"/>
           </a:p>
@@ -17844,7 +17839,7 @@
           <a:p>
             <a:fld id="{7053BEFA-1175-F644-B249-7D41D72BD3FF}" type="datetime1">
               <a:rPr lang="en-US" smtClean="0"/>
-              <a:t>1/26/15</a:t>
+              <a:t>1/29/15</a:t>
             </a:fld>
             <a:endParaRPr lang="en-US"/>
           </a:p>
@@ -21973,7 +21968,7 @@
           <a:p>
             <a:fld id="{7053BEFA-1175-F644-B249-7D41D72BD3FF}" type="datetime1">
               <a:rPr lang="en-US" smtClean="0"/>
-              <a:t>1/26/15</a:t>
+              <a:t>1/29/15</a:t>
             </a:fld>
             <a:endParaRPr lang="en-US"/>
           </a:p>
@@ -22123,7 +22118,7 @@
           <a:p>
             <a:fld id="{7053BEFA-1175-F644-B249-7D41D72BD3FF}" type="datetime1">
               <a:rPr lang="en-US" smtClean="0"/>
-              <a:t>1/26/15</a:t>
+              <a:t>1/29/15</a:t>
             </a:fld>
             <a:endParaRPr lang="en-US"/>
           </a:p>
@@ -22267,7 +22262,7 @@
           <a:p>
             <a:fld id="{111EEF3B-ABF2-AA4E-9E24-0C6256942674}" type="datetime1">
               <a:rPr lang="en-US" smtClean="0"/>
-              <a:t>1/26/15</a:t>
+              <a:t>1/29/15</a:t>
             </a:fld>
             <a:endParaRPr lang="en-US"/>
           </a:p>
@@ -22450,7 +22445,7 @@
           <a:p>
             <a:fld id="{7053BEFA-1175-F644-B249-7D41D72BD3FF}" type="datetime1">
               <a:rPr lang="en-US" smtClean="0"/>
-              <a:t>1/26/15</a:t>
+              <a:t>1/29/15</a:t>
             </a:fld>
             <a:endParaRPr lang="en-US"/>
           </a:p>
@@ -22615,7 +22610,7 @@
           <a:p>
             <a:fld id="{7053BEFA-1175-F644-B249-7D41D72BD3FF}" type="datetime1">
               <a:rPr lang="en-US" smtClean="0"/>
-              <a:t>1/26/15</a:t>
+              <a:t>1/29/15</a:t>
             </a:fld>
             <a:endParaRPr lang="en-US"/>
           </a:p>
@@ -22785,7 +22780,7 @@
           <a:p>
             <a:fld id="{7053BEFA-1175-F644-B249-7D41D72BD3FF}" type="datetime1">
               <a:rPr lang="en-US" smtClean="0"/>
-              <a:t>1/26/15</a:t>
+              <a:t>1/29/15</a:t>
             </a:fld>
             <a:endParaRPr lang="en-US"/>
           </a:p>
@@ -22977,7 +22972,7 @@
           <a:p>
             <a:fld id="{7053BEFA-1175-F644-B249-7D41D72BD3FF}" type="datetime1">
               <a:rPr lang="en-US" smtClean="0"/>
-              <a:t>1/26/15</a:t>
+              <a:t>1/29/15</a:t>
             </a:fld>
             <a:endParaRPr lang="en-US"/>
           </a:p>
@@ -23264,7 +23259,7 @@
           <a:p>
             <a:fld id="{7053BEFA-1175-F644-B249-7D41D72BD3FF}" type="datetime1">
               <a:rPr lang="en-US" smtClean="0"/>
-              <a:t>1/26/15</a:t>
+              <a:t>1/29/15</a:t>
             </a:fld>
             <a:endParaRPr lang="en-US"/>
           </a:p>
@@ -23601,7 +23596,7 @@
           <a:p>
             <a:fld id="{7053BEFA-1175-F644-B249-7D41D72BD3FF}" type="datetime1">
               <a:rPr lang="en-US" smtClean="0"/>
-              <a:t>1/26/15</a:t>
+              <a:t>1/29/15</a:t>
             </a:fld>
             <a:endParaRPr lang="en-US"/>
           </a:p>
@@ -23791,7 +23786,7 @@
           <a:p>
             <a:fld id="{7053BEFA-1175-F644-B249-7D41D72BD3FF}" type="datetime1">
               <a:rPr lang="en-US" smtClean="0"/>
-              <a:t>1/26/15</a:t>
+              <a:t>1/29/15</a:t>
             </a:fld>
             <a:endParaRPr lang="en-US"/>
           </a:p>
@@ -24016,7 +24011,7 @@
           <a:p>
             <a:fld id="{7053BEFA-1175-F644-B249-7D41D72BD3FF}" type="datetime1">
               <a:rPr lang="en-US" smtClean="0"/>
-              <a:t>1/26/15</a:t>
+              <a:t>1/29/15</a:t>
             </a:fld>
             <a:endParaRPr lang="en-US"/>
           </a:p>
@@ -24242,7 +24237,7 @@
             <a:fld id="{A73F672F-A5FB-5745-934A-1BF51CA5539C}" type="datetime1">
               <a:rPr lang="en-US" smtClean="0"/>
               <a:pPr/>
-              <a:t>1/26/15</a:t>
+              <a:t>1/29/15</a:t>
             </a:fld>
             <a:endParaRPr lang="en-US"/>
           </a:p>
@@ -24368,7 +24363,7 @@
           <a:p>
             <a:fld id="{7053BEFA-1175-F644-B249-7D41D72BD3FF}" type="datetime1">
               <a:rPr lang="en-US" smtClean="0"/>
-              <a:t>1/26/15</a:t>
+              <a:t>1/29/15</a:t>
             </a:fld>
             <a:endParaRPr lang="en-US"/>
           </a:p>
@@ -25005,7 +25000,7 @@
           <a:p>
             <a:fld id="{7053BEFA-1175-F644-B249-7D41D72BD3FF}" type="datetime1">
               <a:rPr lang="en-US" smtClean="0"/>
-              <a:t>1/26/15</a:t>
+              <a:t>1/29/15</a:t>
             </a:fld>
             <a:endParaRPr lang="en-US"/>
           </a:p>
@@ -25137,7 +25132,7 @@
           <a:p>
             <a:fld id="{7053BEFA-1175-F644-B249-7D41D72BD3FF}" type="datetime1">
               <a:rPr lang="en-US" smtClean="0"/>
-              <a:t>1/26/15</a:t>
+              <a:t>1/29/15</a:t>
             </a:fld>
             <a:endParaRPr lang="en-US"/>
           </a:p>
@@ -25642,7 +25637,7 @@
           <a:p>
             <a:fld id="{7053BEFA-1175-F644-B249-7D41D72BD3FF}" type="datetime1">
               <a:rPr lang="en-US" smtClean="0"/>
-              <a:t>1/26/15</a:t>
+              <a:t>1/29/15</a:t>
             </a:fld>
             <a:endParaRPr lang="en-US"/>
           </a:p>
@@ -26153,7 +26148,7 @@
             <a:fld id="{FA3C144B-2939-9A49-B014-915EC3E81866}" type="datetime1">
               <a:rPr lang="en-US" smtClean="0"/>
               <a:pPr/>
-              <a:t>1/26/15</a:t>
+              <a:t>1/29/15</a:t>
             </a:fld>
             <a:endParaRPr lang="en-US" dirty="0"/>
           </a:p>
@@ -26390,7 +26385,7 @@
           <a:p>
             <a:fld id="{7053BEFA-1175-F644-B249-7D41D72BD3FF}" type="datetime1">
               <a:rPr lang="en-US" smtClean="0"/>
-              <a:t>1/26/15</a:t>
+              <a:t>1/29/15</a:t>
             </a:fld>
             <a:endParaRPr lang="en-US"/>
           </a:p>
@@ -26514,7 +26509,7 @@
           <a:p>
             <a:fld id="{7053BEFA-1175-F644-B249-7D41D72BD3FF}" type="datetime1">
               <a:rPr lang="en-US" smtClean="0"/>
-              <a:t>1/26/15</a:t>
+              <a:t>1/29/15</a:t>
             </a:fld>
             <a:endParaRPr lang="en-US"/>
           </a:p>
@@ -26707,7 +26702,7 @@
           <a:p>
             <a:fld id="{7053BEFA-1175-F644-B249-7D41D72BD3FF}" type="datetime1">
               <a:rPr lang="en-US" smtClean="0"/>
-              <a:t>1/26/15</a:t>
+              <a:t>1/29/15</a:t>
             </a:fld>
             <a:endParaRPr lang="en-US"/>
           </a:p>
@@ -26765,6 +26760,13 @@
   <p:clrMapOvr>
     <a:masterClrMapping/>
   </p:clrMapOvr>
+  <p:timing>
+    <p:tnLst>
+      <p:par>
+        <p:cTn xmlns:p14="http://schemas.microsoft.com/office/powerpoint/2010/main" id="1" dur="indefinite" restart="never" nodeType="tmRoot"/>
+      </p:par>
+    </p:tnLst>
+  </p:timing>
 </p:sld>
 </file>
 
@@ -26859,11 +26861,7 @@
             </a:r>
             <a:r>
               <a:rPr lang="en-US" i="1" dirty="0" smtClean="0"/>
-              <a:t>e.g</a:t>
-            </a:r>
-            <a:r>
-              <a:rPr lang="en-US" i="1" dirty="0" smtClean="0"/>
-              <a:t>., </a:t>
+              <a:t>e.g., </a:t>
             </a:r>
             <a:r>
               <a:rPr lang="en-US" dirty="0" smtClean="0"/>
@@ -26889,7 +26887,7 @@
           <a:p>
             <a:fld id="{111EEF3B-ABF2-AA4E-9E24-0C6256942674}" type="datetime1">
               <a:rPr lang="en-US" smtClean="0"/>
-              <a:t>1/26/15</a:t>
+              <a:t>1/29/15</a:t>
             </a:fld>
             <a:endParaRPr lang="en-US"/>
           </a:p>
@@ -27079,7 +27077,7 @@
           <a:p>
             <a:fld id="{111EEF3B-ABF2-AA4E-9E24-0C6256942674}" type="datetime1">
               <a:rPr lang="en-US" smtClean="0"/>
-              <a:t>1/26/15</a:t>
+              <a:t>1/29/15</a:t>
             </a:fld>
             <a:endParaRPr lang="en-US"/>
           </a:p>
@@ -27234,7 +27232,7 @@
           <a:p>
             <a:fld id="{7053BEFA-1175-F644-B249-7D41D72BD3FF}" type="datetime1">
               <a:rPr lang="en-US" smtClean="0"/>
-              <a:t>1/26/15</a:t>
+              <a:t>1/29/15</a:t>
             </a:fld>
             <a:endParaRPr lang="en-US"/>
           </a:p>
@@ -27378,7 +27376,7 @@
           <a:p>
             <a:fld id="{7053BEFA-1175-F644-B249-7D41D72BD3FF}" type="datetime1">
               <a:rPr lang="en-US" smtClean="0"/>
-              <a:t>1/26/15</a:t>
+              <a:t>1/29/15</a:t>
             </a:fld>
             <a:endParaRPr lang="en-US"/>
           </a:p>
@@ -27522,7 +27520,7 @@
           <a:p>
             <a:fld id="{7053BEFA-1175-F644-B249-7D41D72BD3FF}" type="datetime1">
               <a:rPr lang="en-US" smtClean="0"/>
-              <a:t>1/26/15</a:t>
+              <a:t>1/29/15</a:t>
             </a:fld>
             <a:endParaRPr lang="en-US"/>
           </a:p>
@@ -27689,7 +27687,7 @@
           <a:p>
             <a:fld id="{7053BEFA-1175-F644-B249-7D41D72BD3FF}" type="datetime1">
               <a:rPr lang="en-US" smtClean="0"/>
-              <a:t>1/26/15</a:t>
+              <a:t>1/29/15</a:t>
             </a:fld>
             <a:endParaRPr lang="en-US"/>
           </a:p>

--- a/Lectures/6 Exploration.pptx
+++ b/Lectures/6 Exploration.pptx
@@ -5,47 +5,48 @@
     <p:sldMasterId id="2147483648" r:id="rId1"/>
   </p:sldMasterIdLst>
   <p:notesMasterIdLst>
-    <p:notesMasterId r:id="rId37"/>
+    <p:notesMasterId r:id="rId38"/>
   </p:notesMasterIdLst>
   <p:handoutMasterIdLst>
-    <p:handoutMasterId r:id="rId38"/>
+    <p:handoutMasterId r:id="rId39"/>
   </p:handoutMasterIdLst>
   <p:sldIdLst>
     <p:sldId id="258" r:id="rId2"/>
-    <p:sldId id="287" r:id="rId3"/>
-    <p:sldId id="296" r:id="rId4"/>
-    <p:sldId id="288" r:id="rId5"/>
-    <p:sldId id="289" r:id="rId6"/>
-    <p:sldId id="290" r:id="rId7"/>
-    <p:sldId id="291" r:id="rId8"/>
-    <p:sldId id="297" r:id="rId9"/>
-    <p:sldId id="293" r:id="rId10"/>
-    <p:sldId id="295" r:id="rId11"/>
-    <p:sldId id="307" r:id="rId12"/>
-    <p:sldId id="306" r:id="rId13"/>
-    <p:sldId id="302" r:id="rId14"/>
-    <p:sldId id="326" r:id="rId15"/>
-    <p:sldId id="327" r:id="rId16"/>
-    <p:sldId id="328" r:id="rId17"/>
-    <p:sldId id="329" r:id="rId18"/>
-    <p:sldId id="305" r:id="rId19"/>
-    <p:sldId id="309" r:id="rId20"/>
-    <p:sldId id="308" r:id="rId21"/>
-    <p:sldId id="310" r:id="rId22"/>
-    <p:sldId id="330" r:id="rId23"/>
-    <p:sldId id="314" r:id="rId24"/>
-    <p:sldId id="315" r:id="rId25"/>
-    <p:sldId id="316" r:id="rId26"/>
-    <p:sldId id="317" r:id="rId27"/>
-    <p:sldId id="318" r:id="rId28"/>
-    <p:sldId id="319" r:id="rId29"/>
-    <p:sldId id="320" r:id="rId30"/>
-    <p:sldId id="321" r:id="rId31"/>
-    <p:sldId id="322" r:id="rId32"/>
-    <p:sldId id="323" r:id="rId33"/>
-    <p:sldId id="324" r:id="rId34"/>
-    <p:sldId id="294" r:id="rId35"/>
-    <p:sldId id="331" r:id="rId36"/>
+    <p:sldId id="332" r:id="rId3"/>
+    <p:sldId id="287" r:id="rId4"/>
+    <p:sldId id="296" r:id="rId5"/>
+    <p:sldId id="288" r:id="rId6"/>
+    <p:sldId id="289" r:id="rId7"/>
+    <p:sldId id="290" r:id="rId8"/>
+    <p:sldId id="291" r:id="rId9"/>
+    <p:sldId id="297" r:id="rId10"/>
+    <p:sldId id="293" r:id="rId11"/>
+    <p:sldId id="295" r:id="rId12"/>
+    <p:sldId id="307" r:id="rId13"/>
+    <p:sldId id="306" r:id="rId14"/>
+    <p:sldId id="302" r:id="rId15"/>
+    <p:sldId id="326" r:id="rId16"/>
+    <p:sldId id="327" r:id="rId17"/>
+    <p:sldId id="328" r:id="rId18"/>
+    <p:sldId id="329" r:id="rId19"/>
+    <p:sldId id="305" r:id="rId20"/>
+    <p:sldId id="309" r:id="rId21"/>
+    <p:sldId id="308" r:id="rId22"/>
+    <p:sldId id="310" r:id="rId23"/>
+    <p:sldId id="330" r:id="rId24"/>
+    <p:sldId id="314" r:id="rId25"/>
+    <p:sldId id="315" r:id="rId26"/>
+    <p:sldId id="316" r:id="rId27"/>
+    <p:sldId id="317" r:id="rId28"/>
+    <p:sldId id="318" r:id="rId29"/>
+    <p:sldId id="319" r:id="rId30"/>
+    <p:sldId id="320" r:id="rId31"/>
+    <p:sldId id="321" r:id="rId32"/>
+    <p:sldId id="322" r:id="rId33"/>
+    <p:sldId id="323" r:id="rId34"/>
+    <p:sldId id="324" r:id="rId35"/>
+    <p:sldId id="294" r:id="rId36"/>
+    <p:sldId id="331" r:id="rId37"/>
   </p:sldIdLst>
   <p:sldSz cx="9144000" cy="6858000" type="screen4x3"/>
   <p:notesSz cx="6858000" cy="9144000"/>
@@ -4723,7 +4724,7 @@
           <a:p>
             <a:fld id="{D3AAB66F-B1B7-D045-B4E8-4F60236F228D}" type="datetimeFigureOut">
               <a:rPr lang="en-US" smtClean="0"/>
-              <a:t>1/29/15</a:t>
+              <a:t>2/14/15</a:t>
             </a:fld>
             <a:endParaRPr lang="en-US"/>
           </a:p>
@@ -4889,7 +4890,7 @@
           <a:p>
             <a:fld id="{BCCF8E76-06A6-164E-A6FA-EC32C13EB232}" type="datetimeFigureOut">
               <a:rPr lang="en-US" smtClean="0"/>
-              <a:t>1/29/15</a:t>
+              <a:t>2/14/15</a:t>
             </a:fld>
             <a:endParaRPr lang="en-US"/>
           </a:p>
@@ -5235,7 +5236,7 @@
           <a:p>
             <a:fld id="{FD66F34B-9C4D-8640-BB34-4C24A79C9FFB}" type="slidenum">
               <a:rPr lang="en-US" smtClean="0"/>
-              <a:t>7</a:t>
+              <a:t>8</a:t>
             </a:fld>
             <a:endParaRPr lang="en-US"/>
           </a:p>
@@ -5369,7 +5370,7 @@
           <a:p>
             <a:fld id="{FD66F34B-9C4D-8640-BB34-4C24A79C9FFB}" type="slidenum">
               <a:rPr lang="en-US" smtClean="0"/>
-              <a:t>22</a:t>
+              <a:t>23</a:t>
             </a:fld>
             <a:endParaRPr lang="en-US"/>
           </a:p>
@@ -5457,7 +5458,7 @@
           <a:p>
             <a:fld id="{FD66F34B-9C4D-8640-BB34-4C24A79C9FFB}" type="slidenum">
               <a:rPr lang="en-US" smtClean="0"/>
-              <a:t>23</a:t>
+              <a:t>24</a:t>
             </a:fld>
             <a:endParaRPr lang="en-US"/>
           </a:p>
@@ -5545,7 +5546,7 @@
           <a:p>
             <a:fld id="{FD66F34B-9C4D-8640-BB34-4C24A79C9FFB}" type="slidenum">
               <a:rPr lang="en-US" smtClean="0"/>
-              <a:t>24</a:t>
+              <a:t>25</a:t>
             </a:fld>
             <a:endParaRPr lang="en-US"/>
           </a:p>
@@ -5663,7 +5664,7 @@
           <a:p>
             <a:fld id="{FD66F34B-9C4D-8640-BB34-4C24A79C9FFB}" type="slidenum">
               <a:rPr lang="en-US" smtClean="0"/>
-              <a:t>27</a:t>
+              <a:t>28</a:t>
             </a:fld>
             <a:endParaRPr lang="en-US"/>
           </a:p>
@@ -5800,7 +5801,7 @@
           <a:p>
             <a:fld id="{FD66F34B-9C4D-8640-BB34-4C24A79C9FFB}" type="slidenum">
               <a:rPr lang="en-US" smtClean="0"/>
-              <a:t>28</a:t>
+              <a:t>29</a:t>
             </a:fld>
             <a:endParaRPr lang="en-US"/>
           </a:p>
@@ -5888,7 +5889,7 @@
           <a:p>
             <a:fld id="{FD66F34B-9C4D-8640-BB34-4C24A79C9FFB}" type="slidenum">
               <a:rPr lang="en-US" smtClean="0"/>
-              <a:t>29</a:t>
+              <a:t>30</a:t>
             </a:fld>
             <a:endParaRPr lang="en-US"/>
           </a:p>
@@ -6091,7 +6092,7 @@
           <a:p>
             <a:fld id="{FD66F34B-9C4D-8640-BB34-4C24A79C9FFB}" type="slidenum">
               <a:rPr lang="en-US" smtClean="0"/>
-              <a:t>30</a:t>
+              <a:t>31</a:t>
             </a:fld>
             <a:endParaRPr lang="en-US"/>
           </a:p>
@@ -6192,7 +6193,7 @@
           <a:p>
             <a:fld id="{FD66F34B-9C4D-8640-BB34-4C24A79C9FFB}" type="slidenum">
               <a:rPr lang="en-US" smtClean="0"/>
-              <a:t>31</a:t>
+              <a:t>32</a:t>
             </a:fld>
             <a:endParaRPr lang="en-US"/>
           </a:p>
@@ -6316,7 +6317,7 @@
           <a:p>
             <a:fld id="{FD66F34B-9C4D-8640-BB34-4C24A79C9FFB}" type="slidenum">
               <a:rPr lang="en-US" smtClean="0"/>
-              <a:t>32</a:t>
+              <a:t>33</a:t>
             </a:fld>
             <a:endParaRPr lang="en-US"/>
           </a:p>
@@ -6412,7 +6413,7 @@
           <a:p>
             <a:fld id="{FD66F34B-9C4D-8640-BB34-4C24A79C9FFB}" type="slidenum">
               <a:rPr lang="en-US" smtClean="0"/>
-              <a:t>10</a:t>
+              <a:t>11</a:t>
             </a:fld>
             <a:endParaRPr lang="en-US"/>
           </a:p>
@@ -6508,7 +6509,7 @@
           <a:p>
             <a:fld id="{FD66F34B-9C4D-8640-BB34-4C24A79C9FFB}" type="slidenum">
               <a:rPr lang="en-US" smtClean="0"/>
-              <a:t>11</a:t>
+              <a:t>12</a:t>
             </a:fld>
             <a:endParaRPr lang="en-US"/>
           </a:p>
@@ -6614,7 +6615,7 @@
           <a:p>
             <a:fld id="{FD66F34B-9C4D-8640-BB34-4C24A79C9FFB}" type="slidenum">
               <a:rPr lang="en-US" smtClean="0"/>
-              <a:t>13</a:t>
+              <a:t>14</a:t>
             </a:fld>
             <a:endParaRPr lang="en-US"/>
           </a:p>
@@ -6720,7 +6721,7 @@
           <a:p>
             <a:fld id="{FD66F34B-9C4D-8640-BB34-4C24A79C9FFB}" type="slidenum">
               <a:rPr lang="en-US" smtClean="0"/>
-              <a:t>14</a:t>
+              <a:t>15</a:t>
             </a:fld>
             <a:endParaRPr lang="en-US"/>
           </a:p>
@@ -6826,7 +6827,7 @@
           <a:p>
             <a:fld id="{FD66F34B-9C4D-8640-BB34-4C24A79C9FFB}" type="slidenum">
               <a:rPr lang="en-US" smtClean="0"/>
-              <a:t>15</a:t>
+              <a:t>16</a:t>
             </a:fld>
             <a:endParaRPr lang="en-US"/>
           </a:p>
@@ -6948,7 +6949,7 @@
           <a:p>
             <a:fld id="{FD66F34B-9C4D-8640-BB34-4C24A79C9FFB}" type="slidenum">
               <a:rPr lang="en-US" smtClean="0"/>
-              <a:t>16</a:t>
+              <a:t>17</a:t>
             </a:fld>
             <a:endParaRPr lang="en-US"/>
           </a:p>
@@ -7070,7 +7071,7 @@
           <a:p>
             <a:fld id="{FD66F34B-9C4D-8640-BB34-4C24A79C9FFB}" type="slidenum">
               <a:rPr lang="en-US" smtClean="0"/>
-              <a:t>17</a:t>
+              <a:t>18</a:t>
             </a:fld>
             <a:endParaRPr lang="en-US"/>
           </a:p>
@@ -7179,7 +7180,7 @@
           <a:p>
             <a:fld id="{FD66F34B-9C4D-8640-BB34-4C24A79C9FFB}" type="slidenum">
               <a:rPr lang="en-US" smtClean="0"/>
-              <a:t>21</a:t>
+              <a:t>22</a:t>
             </a:fld>
             <a:endParaRPr lang="en-US"/>
           </a:p>
@@ -7715,7 +7716,7 @@
             <a:fld id="{FA3C144B-2939-9A49-B014-915EC3E81866}" type="datetime1">
               <a:rPr lang="en-US" smtClean="0"/>
               <a:pPr/>
-              <a:t>1/29/15</a:t>
+              <a:t>2/14/15</a:t>
             </a:fld>
             <a:endParaRPr lang="en-US" dirty="0"/>
           </a:p>
@@ -8144,7 +8145,7 @@
           <a:p>
             <a:fld id="{76838339-A875-5E45-AB3F-AAABD270346A}" type="datetime1">
               <a:rPr lang="en-US" smtClean="0"/>
-              <a:t>1/29/15</a:t>
+              <a:t>2/14/15</a:t>
             </a:fld>
             <a:endParaRPr lang="en-US"/>
           </a:p>
@@ -8430,7 +8431,7 @@
             <a:fld id="{FA3C144B-2939-9A49-B014-915EC3E81866}" type="datetime1">
               <a:rPr lang="en-US" smtClean="0"/>
               <a:pPr/>
-              <a:t>1/29/15</a:t>
+              <a:t>2/14/15</a:t>
             </a:fld>
             <a:endParaRPr lang="en-US" dirty="0"/>
           </a:p>
@@ -8912,7 +8913,7 @@
           <a:p>
             <a:fld id="{A73F672F-A5FB-5745-934A-1BF51CA5539C}" type="datetime1">
               <a:rPr lang="en-US" smtClean="0"/>
-              <a:t>1/29/15</a:t>
+              <a:t>2/14/15</a:t>
             </a:fld>
             <a:endParaRPr lang="en-US"/>
           </a:p>
@@ -9254,7 +9255,7 @@
             <a:fld id="{FA3C144B-2939-9A49-B014-915EC3E81866}" type="datetime1">
               <a:rPr lang="en-US" smtClean="0"/>
               <a:pPr/>
-              <a:t>1/29/15</a:t>
+              <a:t>2/14/15</a:t>
             </a:fld>
             <a:endParaRPr lang="en-US" dirty="0"/>
           </a:p>
@@ -9718,7 +9719,7 @@
           <a:p>
             <a:fld id="{6AFE6A63-5EBE-3E48-B0AE-DF655A1ECE76}" type="datetime1">
               <a:rPr lang="en-US" smtClean="0"/>
-              <a:t>1/29/15</a:t>
+              <a:t>2/14/15</a:t>
             </a:fld>
             <a:endParaRPr lang="en-US"/>
           </a:p>
@@ -10037,7 +10038,7 @@
           <a:p>
             <a:fld id="{4A019F0C-9D18-B54A-9AC9-18AA74EDB034}" type="datetime1">
               <a:rPr lang="en-US" smtClean="0"/>
-              <a:t>1/29/15</a:t>
+              <a:t>2/14/15</a:t>
             </a:fld>
             <a:endParaRPr lang="en-US"/>
           </a:p>
@@ -10347,7 +10348,7 @@
             <a:fld id="{FA3C144B-2939-9A49-B014-915EC3E81866}" type="datetime1">
               <a:rPr lang="en-US" smtClean="0"/>
               <a:pPr/>
-              <a:t>1/29/15</a:t>
+              <a:t>2/14/15</a:t>
             </a:fld>
             <a:endParaRPr lang="en-US" dirty="0"/>
           </a:p>
@@ -10610,7 +10611,7 @@
           <a:p>
             <a:fld id="{FA3C144B-2939-9A49-B014-915EC3E81866}" type="datetime1">
               <a:rPr lang="en-US" smtClean="0"/>
-              <a:t>1/29/15</a:t>
+              <a:t>2/14/15</a:t>
             </a:fld>
             <a:endParaRPr lang="en-US" dirty="0"/>
           </a:p>
@@ -10978,7 +10979,7 @@
           <a:p>
             <a:fld id="{7053BEFA-1175-F644-B249-7D41D72BD3FF}" type="datetime1">
               <a:rPr lang="en-US" smtClean="0"/>
-              <a:t>1/29/15</a:t>
+              <a:t>2/14/15</a:t>
             </a:fld>
             <a:endParaRPr lang="en-US"/>
           </a:p>
@@ -11097,7 +11098,7 @@
             <a:fld id="{FA3C144B-2939-9A49-B014-915EC3E81866}" type="datetime1">
               <a:rPr lang="en-US" smtClean="0"/>
               <a:pPr/>
-              <a:t>1/29/15</a:t>
+              <a:t>2/14/15</a:t>
             </a:fld>
             <a:endParaRPr lang="en-US" dirty="0"/>
           </a:p>
@@ -11314,7 +11315,7 @@
             <a:fld id="{FA3C144B-2939-9A49-B014-915EC3E81866}" type="datetime1">
               <a:rPr lang="en-US" smtClean="0"/>
               <a:pPr/>
-              <a:t>1/29/15</a:t>
+              <a:t>2/14/15</a:t>
             </a:fld>
             <a:endParaRPr lang="en-US" dirty="0"/>
           </a:p>
@@ -11559,7 +11560,7 @@
             <a:fld id="{FA3C144B-2939-9A49-B014-915EC3E81866}" type="datetime1">
               <a:rPr lang="en-US" smtClean="0"/>
               <a:pPr/>
-              <a:t>1/29/15</a:t>
+              <a:t>2/14/15</a:t>
             </a:fld>
             <a:endParaRPr lang="en-US" dirty="0"/>
           </a:p>
@@ -11937,7 +11938,7 @@
           <a:p>
             <a:fld id="{111EEF3B-ABF2-AA4E-9E24-0C6256942674}" type="datetime1">
               <a:rPr lang="en-US" smtClean="0"/>
-              <a:t>1/29/15</a:t>
+              <a:t>2/14/15</a:t>
             </a:fld>
             <a:endParaRPr lang="en-US"/>
           </a:p>
@@ -12101,7 +12102,7 @@
             <a:fld id="{FA3C144B-2939-9A49-B014-915EC3E81866}" type="datetime1">
               <a:rPr lang="en-US" smtClean="0"/>
               <a:pPr/>
-              <a:t>1/29/15</a:t>
+              <a:t>2/14/15</a:t>
             </a:fld>
             <a:endParaRPr lang="en-US" dirty="0"/>
           </a:p>
@@ -12518,7 +12519,7 @@
             <a:fld id="{FA3C144B-2939-9A49-B014-915EC3E81866}" type="datetime1">
               <a:rPr lang="en-US" smtClean="0"/>
               <a:pPr/>
-              <a:t>1/29/15</a:t>
+              <a:t>2/14/15</a:t>
             </a:fld>
             <a:endParaRPr lang="en-US" dirty="0"/>
           </a:p>
@@ -12834,7 +12835,7 @@
             <a:fld id="{FA3C144B-2939-9A49-B014-915EC3E81866}" type="datetime1">
               <a:rPr lang="en-US" smtClean="0"/>
               <a:pPr/>
-              <a:t>1/29/15</a:t>
+              <a:t>2/14/15</a:t>
             </a:fld>
             <a:endParaRPr lang="en-US" dirty="0"/>
           </a:p>
@@ -13500,7 +13501,7 @@
             <a:fld id="{FA3C144B-2939-9A49-B014-915EC3E81866}" type="datetime1">
               <a:rPr lang="en-US" smtClean="0"/>
               <a:pPr/>
-              <a:t>1/29/15</a:t>
+              <a:t>2/14/15</a:t>
             </a:fld>
             <a:endParaRPr lang="en-US" dirty="0"/>
           </a:p>
@@ -14588,7 +14589,7 @@
           <a:p>
             <a:r>
               <a:rPr lang="en-US" dirty="0" smtClean="0"/>
-              <a:t>Exercise: Stem and Leaf of Zip?</a:t>
+              <a:t>Visual Tool Chest: Stem and Leaf</a:t>
             </a:r>
             <a:endParaRPr lang="en-US" dirty="0"/>
           </a:p>
@@ -14604,12 +14605,7 @@
             <p:ph idx="1"/>
           </p:nvPr>
         </p:nvSpPr>
-        <p:spPr>
-          <a:xfrm>
-            <a:off x="1128943" y="1847153"/>
-            <a:ext cx="7659224" cy="4379976"/>
-          </a:xfrm>
-        </p:spPr>
+        <p:spPr/>
         <p:txBody>
           <a:bodyPr/>
           <a:lstStyle/>
@@ -14618,16 +14614,38 @@
               <a:buNone/>
             </a:pPr>
             <a:r>
-              <a:rPr lang="en-US" dirty="0" smtClean="0"/>
-              <a:t>Printout of summary .</a:t>
-            </a:r>
-            <a:r>
               <a:rPr lang="en-US" dirty="0" err="1" smtClean="0"/>
-              <a:t>csv</a:t>
-            </a:r>
-            <a:r>
-              <a:rPr lang="en-US" dirty="0" smtClean="0"/>
-              <a:t> file for you (already done half the work here). Look at columns 5/6 </a:t>
+              <a:t>Tukey’s</a:t>
+            </a:r>
+            <a:r>
+              <a:rPr lang="en-US" dirty="0" smtClean="0"/>
+              <a:t> tool of choice first</a:t>
+            </a:r>
+          </a:p>
+          <a:p>
+            <a:pPr marL="0" indent="0">
+              <a:buNone/>
+            </a:pPr>
+            <a:r>
+              <a:rPr lang="en-US" dirty="0"/>
+              <a:t>	</a:t>
+            </a:r>
+            <a:r>
+              <a:rPr lang="en-US" dirty="0" smtClean="0"/>
+              <a:t>	 Easy to do by hand</a:t>
+            </a:r>
+          </a:p>
+          <a:p>
+            <a:pPr marL="0" indent="0">
+              <a:buNone/>
+            </a:pPr>
+            <a:r>
+              <a:rPr lang="en-US" dirty="0"/>
+              <a:t>	</a:t>
+            </a:r>
+            <a:r>
+              <a:rPr lang="en-US" dirty="0" smtClean="0"/>
+              <a:t>	 Careful design adds value</a:t>
             </a:r>
           </a:p>
           <a:p>
@@ -14636,64 +14654,6 @@
             </a:pPr>
             <a:endParaRPr lang="en-US" dirty="0"/>
           </a:p>
-          <a:p>
-            <a:pPr marL="0" indent="0">
-              <a:buNone/>
-            </a:pPr>
-            <a:r>
-              <a:rPr lang="en-US" dirty="0" smtClean="0"/>
-              <a:t>40175  x x x </a:t>
-            </a:r>
-          </a:p>
-          <a:p>
-            <a:pPr marL="0" indent="0">
-              <a:buNone/>
-            </a:pPr>
-            <a:r>
-              <a:rPr lang="en-US" dirty="0" smtClean="0"/>
-              <a:t>40201  x x x</a:t>
-            </a:r>
-          </a:p>
-          <a:p>
-            <a:pPr marL="0" indent="0">
-              <a:buNone/>
-            </a:pPr>
-            <a:r>
-              <a:rPr lang="en-US" dirty="0" smtClean="0"/>
-              <a:t>40224  x x x </a:t>
-            </a:r>
-          </a:p>
-          <a:p>
-            <a:pPr marL="0" indent="0">
-              <a:buNone/>
-            </a:pPr>
-            <a:r>
-              <a:rPr lang="en-US" dirty="0" smtClean="0"/>
-              <a:t>37013  x …</a:t>
-            </a:r>
-          </a:p>
-          <a:p>
-            <a:pPr marL="0" indent="0">
-              <a:buNone/>
-            </a:pPr>
-            <a:endParaRPr lang="en-US" dirty="0" smtClean="0"/>
-          </a:p>
-          <a:p>
-            <a:pPr marL="0" indent="0">
-              <a:buNone/>
-            </a:pPr>
-            <a:endParaRPr lang="en-US" dirty="0" smtClean="0"/>
-          </a:p>
-          <a:p>
-            <a:pPr marL="0" indent="0">
-              <a:buNone/>
-            </a:pPr>
-            <a:r>
-              <a:rPr lang="en-US" dirty="0" smtClean="0"/>
-              <a:t> </a:t>
-            </a:r>
-            <a:endParaRPr lang="en-US" dirty="0"/>
-          </a:p>
         </p:txBody>
       </p:sp>
       <p:sp>
@@ -14713,7 +14673,7 @@
           <a:p>
             <a:fld id="{7053BEFA-1175-F644-B249-7D41D72BD3FF}" type="datetime1">
               <a:rPr lang="en-US" smtClean="0"/>
-              <a:t>1/29/15</a:t>
+              <a:t>2/14/15</a:t>
             </a:fld>
             <a:endParaRPr lang="en-US"/>
           </a:p>
@@ -14761,10 +14721,34 @@
           </a:p>
         </p:txBody>
       </p:sp>
+      <p:pic>
+        <p:nvPicPr>
+          <p:cNvPr id="8" name="Picture 7"/>
+          <p:cNvPicPr>
+            <a:picLocks noChangeAspect="1"/>
+          </p:cNvPicPr>
+          <p:nvPr/>
+        </p:nvPicPr>
+        <p:blipFill>
+          <a:blip r:embed="rId2"/>
+          <a:stretch>
+            <a:fillRect/>
+          </a:stretch>
+        </p:blipFill>
+        <p:spPr>
+          <a:xfrm>
+            <a:off x="222555" y="2486604"/>
+            <a:ext cx="1812775" cy="2635496"/>
+          </a:xfrm>
+          <a:prstGeom prst="rect">
+            <a:avLst/>
+          </a:prstGeom>
+        </p:spPr>
+      </p:pic>
     </p:spTree>
     <p:extLst>
       <p:ext uri="{BB962C8B-B14F-4D97-AF65-F5344CB8AC3E}">
-        <p14:creationId xmlns:p14="http://schemas.microsoft.com/office/powerpoint/2010/main" val="2492019593"/>
+        <p14:creationId xmlns:p14="http://schemas.microsoft.com/office/powerpoint/2010/main" val="3480428170"/>
       </p:ext>
     </p:extLst>
   </p:cSld>
@@ -14833,8 +14817,8 @@
         </p:nvSpPr>
         <p:spPr>
           <a:xfrm>
-            <a:off x="160581" y="1847153"/>
-            <a:ext cx="8423210" cy="4379976"/>
+            <a:off x="1128943" y="1847153"/>
+            <a:ext cx="7659224" cy="4379976"/>
           </a:xfrm>
         </p:spPr>
         <p:txBody>
@@ -14846,25 +14830,22 @@
             </a:pPr>
             <a:r>
               <a:rPr lang="en-US" dirty="0" smtClean="0"/>
-              <a:t>Alternative: Digit reminder representation </a:t>
-            </a:r>
-            <a:br>
-              <a:rPr lang="en-US" dirty="0" smtClean="0"/>
-            </a:br>
-            <a:r>
-              <a:rPr lang="en-US" dirty="0" smtClean="0"/>
-              <a:t>(columns 5-8 only here):</a:t>
-            </a:r>
-            <a:endParaRPr lang="en-US" dirty="0"/>
+              <a:t>Printout of summary .</a:t>
+            </a:r>
+            <a:r>
+              <a:rPr lang="en-US" dirty="0" err="1" smtClean="0"/>
+              <a:t>csv</a:t>
+            </a:r>
+            <a:r>
+              <a:rPr lang="en-US" dirty="0" smtClean="0"/>
+              <a:t> file for you (already done half the work here). Look at columns 5/6 </a:t>
+            </a:r>
           </a:p>
           <a:p>
             <a:pPr marL="0" indent="0">
               <a:buNone/>
             </a:pPr>
-            <a:r>
-              <a:rPr lang="en-US" dirty="0" smtClean="0"/>
-              <a:t>400*  33 55 57 68 08 08 19 19</a:t>
-            </a:r>
+            <a:endParaRPr lang="en-US" dirty="0"/>
           </a:p>
           <a:p>
             <a:pPr marL="0" indent="0">
@@ -14872,32 +14853,7 @@
             </a:pPr>
             <a:r>
               <a:rPr lang="en-US" dirty="0" smtClean="0"/>
-              <a:t>401*  04 08 76 95 75 75 75 19 19 50 50 85 85</a:t>
-            </a:r>
-          </a:p>
-          <a:p>
-            <a:pPr marL="514350" indent="-514350">
-              <a:buAutoNum type="arabicPlain" startAt="402"/>
-            </a:pPr>
-            <a:r>
-              <a:rPr lang="en-US" dirty="0" smtClean="0"/>
-              <a:t>*  53 65 70 77 79 01 01 01 24 24 24 27 27 56 56   </a:t>
-            </a:r>
-            <a:br>
-              <a:rPr lang="en-US" dirty="0" smtClean="0"/>
-            </a:br>
-            <a:r>
-              <a:rPr lang="en-US" dirty="0" smtClean="0"/>
-              <a:t>   71 17 95 95  </a:t>
-            </a:r>
-          </a:p>
-          <a:p>
-            <a:pPr marL="514350" indent="-514350">
-              <a:buAutoNum type="arabicPlain" startAt="402"/>
-            </a:pPr>
-            <a:r>
-              <a:rPr lang="en-US" dirty="0" smtClean="0"/>
-              <a:t>*  90</a:t>
+              <a:t>40175  x x x </a:t>
             </a:r>
           </a:p>
           <a:p>
@@ -14906,7 +14862,7 @@
             </a:pPr>
             <a:r>
               <a:rPr lang="en-US" dirty="0" smtClean="0"/>
-              <a:t>405*  03 05 11 15</a:t>
+              <a:t>40201  x x x</a:t>
             </a:r>
           </a:p>
           <a:p>
@@ -14915,7 +14871,16 @@
             </a:pPr>
             <a:r>
               <a:rPr lang="en-US" dirty="0" smtClean="0"/>
-              <a:t>…</a:t>
+              <a:t>40224  x x x </a:t>
+            </a:r>
+          </a:p>
+          <a:p>
+            <a:pPr marL="0" indent="0">
+              <a:buNone/>
+            </a:pPr>
+            <a:r>
+              <a:rPr lang="en-US" dirty="0" smtClean="0"/>
+              <a:t>37013  x …</a:t>
             </a:r>
           </a:p>
           <a:p>
@@ -14959,7 +14924,7 @@
           <a:p>
             <a:fld id="{7053BEFA-1175-F644-B249-7D41D72BD3FF}" type="datetime1">
               <a:rPr lang="en-US" smtClean="0"/>
-              <a:t>1/29/15</a:t>
+              <a:t>2/14/15</a:t>
             </a:fld>
             <a:endParaRPr lang="en-US"/>
           </a:p>
@@ -15010,7 +14975,7 @@
     </p:spTree>
     <p:extLst>
       <p:ext uri="{BB962C8B-B14F-4D97-AF65-F5344CB8AC3E}">
-        <p14:creationId xmlns:p14="http://schemas.microsoft.com/office/powerpoint/2010/main" val="479196364"/>
+        <p14:creationId xmlns:p14="http://schemas.microsoft.com/office/powerpoint/2010/main" val="2492019593"/>
       </p:ext>
     </p:extLst>
   </p:cSld>
@@ -15061,37 +15026,133 @@
           <a:p>
             <a:r>
               <a:rPr lang="en-US" dirty="0" smtClean="0"/>
-              <a:t>Aside – what do we expect to see?</a:t>
+              <a:t>Exercise: Stem and Leaf of Zip?</a:t>
             </a:r>
             <a:endParaRPr lang="en-US" dirty="0"/>
           </a:p>
         </p:txBody>
       </p:sp>
-      <p:pic>
-        <p:nvPicPr>
-          <p:cNvPr id="7" name="Content Placeholder 6" descr="Screen Shot 2014-01-26 at 8.39.18 PM.png"/>
-          <p:cNvPicPr>
-            <a:picLocks noGrp="1" noChangeAspect="1"/>
-          </p:cNvPicPr>
+      <p:sp>
+        <p:nvSpPr>
+          <p:cNvPr id="3" name="Content Placeholder 2"/>
+          <p:cNvSpPr>
+            <a:spLocks noGrp="1"/>
+          </p:cNvSpPr>
           <p:nvPr>
             <p:ph idx="1"/>
           </p:nvPr>
-        </p:nvPicPr>
-        <p:blipFill>
-          <a:blip r:embed="rId2">
-            <a:extLst>
-              <a:ext uri="{28A0092B-C50C-407E-A947-70E740481C1C}">
-                <a14:useLocalDpi xmlns:a14="http://schemas.microsoft.com/office/drawing/2010/main" val="0"/>
-              </a:ext>
-            </a:extLst>
-          </a:blip>
-          <a:srcRect t="5721" b="5721"/>
-          <a:stretch>
-            <a:fillRect/>
-          </a:stretch>
-        </p:blipFill>
-        <p:spPr/>
-      </p:pic>
+        </p:nvSpPr>
+        <p:spPr>
+          <a:xfrm>
+            <a:off x="160581" y="1847153"/>
+            <a:ext cx="8423210" cy="4379976"/>
+          </a:xfrm>
+        </p:spPr>
+        <p:txBody>
+          <a:bodyPr/>
+          <a:lstStyle/>
+          <a:p>
+            <a:pPr marL="0" indent="0">
+              <a:buNone/>
+            </a:pPr>
+            <a:r>
+              <a:rPr lang="en-US" dirty="0" smtClean="0"/>
+              <a:t>Alternative: Digit reminder representation </a:t>
+            </a:r>
+            <a:br>
+              <a:rPr lang="en-US" dirty="0" smtClean="0"/>
+            </a:br>
+            <a:r>
+              <a:rPr lang="en-US" dirty="0" smtClean="0"/>
+              <a:t>(columns 5-8 only here):</a:t>
+            </a:r>
+            <a:endParaRPr lang="en-US" dirty="0"/>
+          </a:p>
+          <a:p>
+            <a:pPr marL="0" indent="0">
+              <a:buNone/>
+            </a:pPr>
+            <a:r>
+              <a:rPr lang="en-US" dirty="0" smtClean="0"/>
+              <a:t>400*  33 55 57 68 08 08 19 19</a:t>
+            </a:r>
+          </a:p>
+          <a:p>
+            <a:pPr marL="0" indent="0">
+              <a:buNone/>
+            </a:pPr>
+            <a:r>
+              <a:rPr lang="en-US" dirty="0" smtClean="0"/>
+              <a:t>401*  04 08 76 95 75 75 75 19 19 50 50 85 85</a:t>
+            </a:r>
+          </a:p>
+          <a:p>
+            <a:pPr marL="514350" indent="-514350">
+              <a:buAutoNum type="arabicPlain" startAt="402"/>
+            </a:pPr>
+            <a:r>
+              <a:rPr lang="en-US" dirty="0" smtClean="0"/>
+              <a:t>*  53 65 70 77 79 01 01 01 24 24 24 27 27 56 56   </a:t>
+            </a:r>
+            <a:br>
+              <a:rPr lang="en-US" dirty="0" smtClean="0"/>
+            </a:br>
+            <a:r>
+              <a:rPr lang="en-US" dirty="0" smtClean="0"/>
+              <a:t>   71 17 95 95  </a:t>
+            </a:r>
+          </a:p>
+          <a:p>
+            <a:pPr marL="514350" indent="-514350">
+              <a:buAutoNum type="arabicPlain" startAt="402"/>
+            </a:pPr>
+            <a:r>
+              <a:rPr lang="en-US" dirty="0" smtClean="0"/>
+              <a:t>*  90</a:t>
+            </a:r>
+          </a:p>
+          <a:p>
+            <a:pPr marL="0" indent="0">
+              <a:buNone/>
+            </a:pPr>
+            <a:r>
+              <a:rPr lang="en-US" dirty="0" smtClean="0"/>
+              <a:t>405*  03 05 11 15</a:t>
+            </a:r>
+          </a:p>
+          <a:p>
+            <a:pPr marL="0" indent="0">
+              <a:buNone/>
+            </a:pPr>
+            <a:r>
+              <a:rPr lang="en-US" dirty="0" smtClean="0"/>
+              <a:t>…</a:t>
+            </a:r>
+          </a:p>
+          <a:p>
+            <a:pPr marL="0" indent="0">
+              <a:buNone/>
+            </a:pPr>
+            <a:endParaRPr lang="en-US" dirty="0" smtClean="0"/>
+          </a:p>
+          <a:p>
+            <a:pPr marL="0" indent="0">
+              <a:buNone/>
+            </a:pPr>
+            <a:endParaRPr lang="en-US" dirty="0" smtClean="0"/>
+          </a:p>
+          <a:p>
+            <a:pPr marL="0" indent="0">
+              <a:buNone/>
+            </a:pPr>
+            <a:r>
+              <a:rPr lang="en-US" dirty="0" smtClean="0"/>
+              <a:t> </a:t>
+            </a:r>
+            <a:endParaRPr lang="en-US" dirty="0"/>
+          </a:p>
+        </p:txBody>
+      </p:sp>
       <p:sp>
         <p:nvSpPr>
           <p:cNvPr id="4" name="Date Placeholder 3"/>
@@ -15109,7 +15170,7 @@
           <a:p>
             <a:fld id="{7053BEFA-1175-F644-B249-7D41D72BD3FF}" type="datetime1">
               <a:rPr lang="en-US" smtClean="0"/>
-              <a:t>1/29/15</a:t>
+              <a:t>2/14/15</a:t>
             </a:fld>
             <a:endParaRPr lang="en-US"/>
           </a:p>
@@ -15160,7 +15221,7 @@
     </p:spTree>
     <p:extLst>
       <p:ext uri="{BB962C8B-B14F-4D97-AF65-F5344CB8AC3E}">
-        <p14:creationId xmlns:p14="http://schemas.microsoft.com/office/powerpoint/2010/main" val="2830527717"/>
+        <p14:creationId xmlns:p14="http://schemas.microsoft.com/office/powerpoint/2010/main" val="479196364"/>
       </p:ext>
     </p:extLst>
   </p:cSld>
@@ -15211,94 +15272,37 @@
           <a:p>
             <a:r>
               <a:rPr lang="en-US" dirty="0" smtClean="0"/>
-              <a:t>Exercise: Stem and Leaf of Zip?</a:t>
+              <a:t>Aside – what do we expect to see?</a:t>
             </a:r>
             <a:endParaRPr lang="en-US" dirty="0"/>
           </a:p>
         </p:txBody>
       </p:sp>
-      <p:sp>
-        <p:nvSpPr>
-          <p:cNvPr id="3" name="Content Placeholder 2"/>
-          <p:cNvSpPr>
-            <a:spLocks noGrp="1"/>
-          </p:cNvSpPr>
+      <p:pic>
+        <p:nvPicPr>
+          <p:cNvPr id="7" name="Content Placeholder 6" descr="Screen Shot 2014-01-26 at 8.39.18 PM.png"/>
+          <p:cNvPicPr>
+            <a:picLocks noGrp="1" noChangeAspect="1"/>
+          </p:cNvPicPr>
           <p:nvPr>
             <p:ph idx="1"/>
           </p:nvPr>
-        </p:nvSpPr>
-        <p:spPr>
-          <a:xfrm>
-            <a:off x="176526" y="1847153"/>
-            <a:ext cx="9215503" cy="4379976"/>
-          </a:xfrm>
-        </p:spPr>
-        <p:txBody>
-          <a:bodyPr/>
-          <a:lstStyle/>
-          <a:p>
-            <a:pPr marL="0" indent="0">
-              <a:buNone/>
-            </a:pPr>
-            <a:r>
-              <a:rPr lang="en-US" dirty="0" smtClean="0"/>
-              <a:t>			What about column 1-4’- data? </a:t>
-            </a:r>
-          </a:p>
-          <a:p>
-            <a:pPr marL="0" indent="0">
-              <a:buNone/>
-            </a:pPr>
-            <a:endParaRPr lang="en-US" dirty="0"/>
-          </a:p>
-          <a:p>
-            <a:pPr marL="0" indent="0">
-              <a:buNone/>
-            </a:pPr>
-            <a:r>
-              <a:rPr lang="en-US" dirty="0" smtClean="0"/>
-              <a:t>402*: 15 15 15 15 15 15 15 15 … 2034 times; 16 … 640 times; … </a:t>
-            </a:r>
-          </a:p>
-          <a:p>
-            <a:pPr marL="0" indent="0">
-              <a:buNone/>
-            </a:pPr>
-            <a:endParaRPr lang="en-US" dirty="0" smtClean="0"/>
-          </a:p>
-          <a:p>
-            <a:pPr marL="0" indent="0">
-              <a:buNone/>
-            </a:pPr>
-            <a:r>
-              <a:rPr lang="en-US" dirty="0" smtClean="0"/>
-              <a:t>How could we represent that?</a:t>
-            </a:r>
-          </a:p>
-          <a:p>
-            <a:pPr marL="0" indent="0">
-              <a:buNone/>
-            </a:pPr>
-            <a:endParaRPr lang="en-US" dirty="0" smtClean="0"/>
-          </a:p>
-          <a:p>
-            <a:pPr marL="0" indent="0">
-              <a:buNone/>
-            </a:pPr>
-            <a:endParaRPr lang="en-US" dirty="0" smtClean="0"/>
-          </a:p>
-          <a:p>
-            <a:pPr marL="0" indent="0">
-              <a:buNone/>
-            </a:pPr>
-            <a:r>
-              <a:rPr lang="en-US" dirty="0" smtClean="0"/>
-              <a:t> </a:t>
-            </a:r>
-            <a:endParaRPr lang="en-US" dirty="0"/>
-          </a:p>
-        </p:txBody>
-      </p:sp>
+        </p:nvPicPr>
+        <p:blipFill>
+          <a:blip r:embed="rId2">
+            <a:extLst>
+              <a:ext uri="{28A0092B-C50C-407E-A947-70E740481C1C}">
+                <a14:useLocalDpi xmlns:a14="http://schemas.microsoft.com/office/drawing/2010/main" val="0"/>
+              </a:ext>
+            </a:extLst>
+          </a:blip>
+          <a:srcRect t="5721" b="5721"/>
+          <a:stretch>
+            <a:fillRect/>
+          </a:stretch>
+        </p:blipFill>
+        <p:spPr/>
+      </p:pic>
       <p:sp>
         <p:nvSpPr>
           <p:cNvPr id="4" name="Date Placeholder 3"/>
@@ -15316,7 +15320,7 @@
           <a:p>
             <a:fld id="{7053BEFA-1175-F644-B249-7D41D72BD3FF}" type="datetime1">
               <a:rPr lang="en-US" smtClean="0"/>
-              <a:t>1/29/15</a:t>
+              <a:t>2/14/15</a:t>
             </a:fld>
             <a:endParaRPr lang="en-US"/>
           </a:p>
@@ -15367,7 +15371,7 @@
     </p:spTree>
     <p:extLst>
       <p:ext uri="{BB962C8B-B14F-4D97-AF65-F5344CB8AC3E}">
-        <p14:creationId xmlns:p14="http://schemas.microsoft.com/office/powerpoint/2010/main" val="3754728978"/>
+        <p14:creationId xmlns:p14="http://schemas.microsoft.com/office/powerpoint/2010/main" val="2830527717"/>
       </p:ext>
     </p:extLst>
   </p:cSld>
@@ -15471,10 +15475,7 @@
             <a:pPr marL="0" indent="0">
               <a:buNone/>
             </a:pPr>
-            <a:r>
-              <a:rPr lang="en-US" dirty="0" smtClean="0"/>
-              <a:t>1000s? (round up?)</a:t>
-            </a:r>
+            <a:endParaRPr lang="en-US" dirty="0" smtClean="0"/>
           </a:p>
           <a:p>
             <a:pPr marL="0" indent="0">
@@ -15482,13 +15483,25 @@
             </a:pPr>
             <a:r>
               <a:rPr lang="en-US" dirty="0" smtClean="0"/>
-              <a:t>402*: 15 15 16 …</a:t>
+              <a:t>How could we represent that?</a:t>
             </a:r>
           </a:p>
           <a:p>
             <a:pPr marL="0" indent="0">
               <a:buNone/>
             </a:pPr>
+            <a:endParaRPr lang="en-US" dirty="0" smtClean="0"/>
+          </a:p>
+          <a:p>
+            <a:pPr marL="0" indent="0">
+              <a:buNone/>
+            </a:pPr>
+            <a:endParaRPr lang="en-US" dirty="0" smtClean="0"/>
+          </a:p>
+          <a:p>
+            <a:pPr marL="0" indent="0">
+              <a:buNone/>
+            </a:pPr>
             <a:r>
               <a:rPr lang="en-US" dirty="0" smtClean="0"/>
               <a:t> </a:t>
@@ -15514,7 +15527,7 @@
           <a:p>
             <a:fld id="{7053BEFA-1175-F644-B249-7D41D72BD3FF}" type="datetime1">
               <a:rPr lang="en-US" smtClean="0"/>
-              <a:t>1/29/15</a:t>
+              <a:t>2/14/15</a:t>
             </a:fld>
             <a:endParaRPr lang="en-US"/>
           </a:p>
@@ -15565,7 +15578,7 @@
     </p:spTree>
     <p:extLst>
       <p:ext uri="{BB962C8B-B14F-4D97-AF65-F5344CB8AC3E}">
-        <p14:creationId xmlns:p14="http://schemas.microsoft.com/office/powerpoint/2010/main" val="2682100483"/>
+        <p14:creationId xmlns:p14="http://schemas.microsoft.com/office/powerpoint/2010/main" val="3754728978"/>
       </p:ext>
     </p:extLst>
   </p:cSld>
@@ -15712,7 +15725,7 @@
           <a:p>
             <a:fld id="{7053BEFA-1175-F644-B249-7D41D72BD3FF}" type="datetime1">
               <a:rPr lang="en-US" smtClean="0"/>
-              <a:t>1/29/15</a:t>
+              <a:t>2/14/15</a:t>
             </a:fld>
             <a:endParaRPr lang="en-US"/>
           </a:p>
@@ -15755,6 +15768,204 @@
             <a:fld id="{17E276FA-8F89-B34D-A726-BE3FA1F8DD97}" type="slidenum">
               <a:rPr lang="en-US" smtClean="0"/>
               <a:t>15</a:t>
+            </a:fld>
+            <a:endParaRPr lang="en-US" dirty="0"/>
+          </a:p>
+        </p:txBody>
+      </p:sp>
+    </p:spTree>
+    <p:extLst>
+      <p:ext uri="{BB962C8B-B14F-4D97-AF65-F5344CB8AC3E}">
+        <p14:creationId xmlns:p14="http://schemas.microsoft.com/office/powerpoint/2010/main" val="2682100483"/>
+      </p:ext>
+    </p:extLst>
+  </p:cSld>
+  <p:clrMapOvr>
+    <a:masterClrMapping/>
+  </p:clrMapOvr>
+  <p:timing>
+    <p:tnLst>
+      <p:par>
+        <p:cTn xmlns:p14="http://schemas.microsoft.com/office/powerpoint/2010/main" id="1" dur="indefinite" restart="never" nodeType="tmRoot"/>
+      </p:par>
+    </p:tnLst>
+  </p:timing>
+</p:sld>
+</file>
+
+<file path=ppt/slides/slide16.xml><?xml version="1.0" encoding="utf-8"?>
+<p:sld xmlns:a="http://schemas.openxmlformats.org/drawingml/2006/main" xmlns:r="http://schemas.openxmlformats.org/officeDocument/2006/relationships" xmlns:p="http://schemas.openxmlformats.org/presentationml/2006/main">
+  <p:cSld>
+    <p:spTree>
+      <p:nvGrpSpPr>
+        <p:cNvPr id="1" name=""/>
+        <p:cNvGrpSpPr/>
+        <p:nvPr/>
+      </p:nvGrpSpPr>
+      <p:grpSpPr>
+        <a:xfrm>
+          <a:off x="0" y="0"/>
+          <a:ext cx="0" cy="0"/>
+          <a:chOff x="0" y="0"/>
+          <a:chExt cx="0" cy="0"/>
+        </a:xfrm>
+      </p:grpSpPr>
+      <p:sp>
+        <p:nvSpPr>
+          <p:cNvPr id="2" name="Title 1"/>
+          <p:cNvSpPr>
+            <a:spLocks noGrp="1"/>
+          </p:cNvSpPr>
+          <p:nvPr>
+            <p:ph type="title"/>
+          </p:nvPr>
+        </p:nvSpPr>
+        <p:spPr/>
+        <p:txBody>
+          <a:bodyPr/>
+          <a:lstStyle/>
+          <a:p>
+            <a:r>
+              <a:rPr lang="en-US" dirty="0" smtClean="0"/>
+              <a:t>Exercise: Stem and Leaf of Zip?</a:t>
+            </a:r>
+            <a:endParaRPr lang="en-US" dirty="0"/>
+          </a:p>
+        </p:txBody>
+      </p:sp>
+      <p:sp>
+        <p:nvSpPr>
+          <p:cNvPr id="3" name="Content Placeholder 2"/>
+          <p:cNvSpPr>
+            <a:spLocks noGrp="1"/>
+          </p:cNvSpPr>
+          <p:nvPr>
+            <p:ph idx="1"/>
+          </p:nvPr>
+        </p:nvSpPr>
+        <p:spPr>
+          <a:xfrm>
+            <a:off x="176526" y="1847153"/>
+            <a:ext cx="9215503" cy="4379976"/>
+          </a:xfrm>
+        </p:spPr>
+        <p:txBody>
+          <a:bodyPr/>
+          <a:lstStyle/>
+          <a:p>
+            <a:pPr marL="0" indent="0">
+              <a:buNone/>
+            </a:pPr>
+            <a:r>
+              <a:rPr lang="en-US" dirty="0" smtClean="0"/>
+              <a:t>			What about column 1-4’- data? </a:t>
+            </a:r>
+          </a:p>
+          <a:p>
+            <a:pPr marL="0" indent="0">
+              <a:buNone/>
+            </a:pPr>
+            <a:endParaRPr lang="en-US" dirty="0"/>
+          </a:p>
+          <a:p>
+            <a:pPr marL="0" indent="0">
+              <a:buNone/>
+            </a:pPr>
+            <a:r>
+              <a:rPr lang="en-US" dirty="0" smtClean="0"/>
+              <a:t>402*: 15 15 15 15 15 15 15 15 … 2034 times; 16 … 640 times; … </a:t>
+            </a:r>
+          </a:p>
+          <a:p>
+            <a:pPr marL="0" indent="0">
+              <a:buNone/>
+            </a:pPr>
+            <a:r>
+              <a:rPr lang="en-US" dirty="0" smtClean="0"/>
+              <a:t>1000s? (round up?)</a:t>
+            </a:r>
+          </a:p>
+          <a:p>
+            <a:pPr marL="0" indent="0">
+              <a:buNone/>
+            </a:pPr>
+            <a:r>
+              <a:rPr lang="en-US" dirty="0" smtClean="0"/>
+              <a:t>402*: 15 15 16 …</a:t>
+            </a:r>
+          </a:p>
+          <a:p>
+            <a:pPr marL="0" indent="0">
+              <a:buNone/>
+            </a:pPr>
+            <a:r>
+              <a:rPr lang="en-US" dirty="0" smtClean="0"/>
+              <a:t> </a:t>
+            </a:r>
+            <a:endParaRPr lang="en-US" dirty="0"/>
+          </a:p>
+        </p:txBody>
+      </p:sp>
+      <p:sp>
+        <p:nvSpPr>
+          <p:cNvPr id="4" name="Date Placeholder 3"/>
+          <p:cNvSpPr>
+            <a:spLocks noGrp="1"/>
+          </p:cNvSpPr>
+          <p:nvPr>
+            <p:ph type="dt" sz="half" idx="10"/>
+          </p:nvPr>
+        </p:nvSpPr>
+        <p:spPr/>
+        <p:txBody>
+          <a:bodyPr/>
+          <a:lstStyle/>
+          <a:p>
+            <a:fld id="{7053BEFA-1175-F644-B249-7D41D72BD3FF}" type="datetime1">
+              <a:rPr lang="en-US" smtClean="0"/>
+              <a:t>2/14/15</a:t>
+            </a:fld>
+            <a:endParaRPr lang="en-US"/>
+          </a:p>
+        </p:txBody>
+      </p:sp>
+      <p:sp>
+        <p:nvSpPr>
+          <p:cNvPr id="5" name="Footer Placeholder 4"/>
+          <p:cNvSpPr>
+            <a:spLocks noGrp="1"/>
+          </p:cNvSpPr>
+          <p:nvPr>
+            <p:ph type="ftr" sz="quarter" idx="11"/>
+          </p:nvPr>
+        </p:nvSpPr>
+        <p:spPr/>
+        <p:txBody>
+          <a:bodyPr/>
+          <a:lstStyle/>
+          <a:p>
+            <a:endParaRPr lang="en-US" dirty="0"/>
+          </a:p>
+        </p:txBody>
+      </p:sp>
+      <p:sp>
+        <p:nvSpPr>
+          <p:cNvPr id="6" name="Slide Number Placeholder 5"/>
+          <p:cNvSpPr>
+            <a:spLocks noGrp="1"/>
+          </p:cNvSpPr>
+          <p:nvPr>
+            <p:ph type="sldNum" sz="quarter" idx="12"/>
+          </p:nvPr>
+        </p:nvSpPr>
+        <p:spPr/>
+        <p:txBody>
+          <a:bodyPr/>
+          <a:lstStyle/>
+          <a:p>
+            <a:fld id="{17E276FA-8F89-B34D-A726-BE3FA1F8DD97}" type="slidenum">
+              <a:rPr lang="en-US" smtClean="0"/>
+              <a:t>16</a:t>
             </a:fld>
             <a:endParaRPr lang="en-US" dirty="0"/>
           </a:p>
@@ -16173,7 +16384,7 @@
 </p:sld>
 </file>
 
-<file path=ppt/slides/slide16.xml><?xml version="1.0" encoding="utf-8"?>
+<file path=ppt/slides/slide17.xml><?xml version="1.0" encoding="utf-8"?>
 <p:sld xmlns:a="http://schemas.openxmlformats.org/drawingml/2006/main" xmlns:r="http://schemas.openxmlformats.org/officeDocument/2006/relationships" xmlns:p="http://schemas.openxmlformats.org/presentationml/2006/main">
   <p:cSld>
     <p:spTree>
@@ -16230,7 +16441,7 @@
           <a:p>
             <a:fld id="{7053BEFA-1175-F644-B249-7D41D72BD3FF}" type="datetime1">
               <a:rPr lang="en-US" smtClean="0"/>
-              <a:t>1/29/15</a:t>
+              <a:t>2/14/15</a:t>
             </a:fld>
             <a:endParaRPr lang="en-US"/>
           </a:p>
@@ -16272,7 +16483,7 @@
           <a:p>
             <a:fld id="{17E276FA-8F89-B34D-A726-BE3FA1F8DD97}" type="slidenum">
               <a:rPr lang="en-US" smtClean="0"/>
-              <a:t>16</a:t>
+              <a:t>17</a:t>
             </a:fld>
             <a:endParaRPr lang="en-US" dirty="0"/>
           </a:p>
@@ -17782,7 +17993,7 @@
 </p:sld>
 </file>
 
-<file path=ppt/slides/slide17.xml><?xml version="1.0" encoding="utf-8"?>
+<file path=ppt/slides/slide18.xml><?xml version="1.0" encoding="utf-8"?>
 <p:sld xmlns:a="http://schemas.openxmlformats.org/drawingml/2006/main" xmlns:r="http://schemas.openxmlformats.org/officeDocument/2006/relationships" xmlns:p="http://schemas.openxmlformats.org/presentationml/2006/main">
   <p:cSld>
     <p:spTree>
@@ -17839,7 +18050,7 @@
           <a:p>
             <a:fld id="{7053BEFA-1175-F644-B249-7D41D72BD3FF}" type="datetime1">
               <a:rPr lang="en-US" smtClean="0"/>
-              <a:t>1/29/15</a:t>
+              <a:t>2/14/15</a:t>
             </a:fld>
             <a:endParaRPr lang="en-US"/>
           </a:p>
@@ -17881,7 +18092,7 @@
           <a:p>
             <a:fld id="{17E276FA-8F89-B34D-A726-BE3FA1F8DD97}" type="slidenum">
               <a:rPr lang="en-US" smtClean="0"/>
-              <a:t>17</a:t>
+              <a:t>18</a:t>
             </a:fld>
             <a:endParaRPr lang="en-US" dirty="0"/>
           </a:p>
@@ -19486,7 +19697,7 @@
 </p:sld>
 </file>
 
-<file path=ppt/slides/slide18.xml><?xml version="1.0" encoding="utf-8"?>
+<file path=ppt/slides/slide19.xml><?xml version="1.0" encoding="utf-8"?>
 <p:sld xmlns:a="http://schemas.openxmlformats.org/drawingml/2006/main" xmlns:r="http://schemas.openxmlformats.org/officeDocument/2006/relationships" xmlns:p="http://schemas.openxmlformats.org/presentationml/2006/main">
   <p:cSld>
     <p:spTree>
@@ -21968,157 +22179,7 @@
           <a:p>
             <a:fld id="{7053BEFA-1175-F644-B249-7D41D72BD3FF}" type="datetime1">
               <a:rPr lang="en-US" smtClean="0"/>
-              <a:t>1/29/15</a:t>
-            </a:fld>
-            <a:endParaRPr lang="en-US"/>
-          </a:p>
-        </p:txBody>
-      </p:sp>
-      <p:sp>
-        <p:nvSpPr>
-          <p:cNvPr id="5" name="Footer Placeholder 4"/>
-          <p:cNvSpPr>
-            <a:spLocks noGrp="1"/>
-          </p:cNvSpPr>
-          <p:nvPr>
-            <p:ph type="ftr" sz="quarter" idx="11"/>
-          </p:nvPr>
-        </p:nvSpPr>
-        <p:spPr/>
-        <p:txBody>
-          <a:bodyPr/>
-          <a:lstStyle/>
-          <a:p>
-            <a:endParaRPr lang="en-US" dirty="0"/>
-          </a:p>
-        </p:txBody>
-      </p:sp>
-      <p:sp>
-        <p:nvSpPr>
-          <p:cNvPr id="6" name="Slide Number Placeholder 5"/>
-          <p:cNvSpPr>
-            <a:spLocks noGrp="1"/>
-          </p:cNvSpPr>
-          <p:nvPr>
-            <p:ph type="sldNum" sz="quarter" idx="12"/>
-          </p:nvPr>
-        </p:nvSpPr>
-        <p:spPr/>
-        <p:txBody>
-          <a:bodyPr/>
-          <a:lstStyle/>
-          <a:p>
-            <a:fld id="{17E276FA-8F89-B34D-A726-BE3FA1F8DD97}" type="slidenum">
-              <a:rPr lang="en-US" smtClean="0"/>
-              <a:t>18</a:t>
-            </a:fld>
-            <a:endParaRPr lang="en-US" dirty="0"/>
-          </a:p>
-        </p:txBody>
-      </p:sp>
-    </p:spTree>
-    <p:extLst>
-      <p:ext uri="{BB962C8B-B14F-4D97-AF65-F5344CB8AC3E}">
-        <p14:creationId xmlns:p14="http://schemas.microsoft.com/office/powerpoint/2010/main" val="3496005370"/>
-      </p:ext>
-    </p:extLst>
-  </p:cSld>
-  <p:clrMapOvr>
-    <a:masterClrMapping/>
-  </p:clrMapOvr>
-  <p:timing>
-    <p:tnLst>
-      <p:par>
-        <p:cTn xmlns:p14="http://schemas.microsoft.com/office/powerpoint/2010/main" id="1" dur="indefinite" restart="never" nodeType="tmRoot"/>
-      </p:par>
-    </p:tnLst>
-  </p:timing>
-</p:sld>
-</file>
-
-<file path=ppt/slides/slide19.xml><?xml version="1.0" encoding="utf-8"?>
-<p:sld xmlns:a="http://schemas.openxmlformats.org/drawingml/2006/main" xmlns:r="http://schemas.openxmlformats.org/officeDocument/2006/relationships" xmlns:p="http://schemas.openxmlformats.org/presentationml/2006/main">
-  <p:cSld>
-    <p:spTree>
-      <p:nvGrpSpPr>
-        <p:cNvPr id="1" name=""/>
-        <p:cNvGrpSpPr/>
-        <p:nvPr/>
-      </p:nvGrpSpPr>
-      <p:grpSpPr>
-        <a:xfrm>
-          <a:off x="0" y="0"/>
-          <a:ext cx="0" cy="0"/>
-          <a:chOff x="0" y="0"/>
-          <a:chExt cx="0" cy="0"/>
-        </a:xfrm>
-      </p:grpSpPr>
-      <p:sp>
-        <p:nvSpPr>
-          <p:cNvPr id="2" name="Title 1"/>
-          <p:cNvSpPr>
-            <a:spLocks noGrp="1"/>
-          </p:cNvSpPr>
-          <p:nvPr>
-            <p:ph type="title"/>
-          </p:nvPr>
-        </p:nvSpPr>
-        <p:spPr/>
-        <p:txBody>
-          <a:bodyPr/>
-          <a:lstStyle/>
-          <a:p>
-            <a:r>
-              <a:rPr lang="en-US" dirty="0" smtClean="0"/>
-              <a:t>Example of comparison</a:t>
-            </a:r>
-            <a:endParaRPr lang="en-US" dirty="0"/>
-          </a:p>
-        </p:txBody>
-      </p:sp>
-      <p:pic>
-        <p:nvPicPr>
-          <p:cNvPr id="7" name="Content Placeholder 6" descr="Screen Shot 2014-01-26 at 9.49.16 PM.png"/>
-          <p:cNvPicPr>
-            <a:picLocks noGrp="1" noChangeAspect="1"/>
-          </p:cNvPicPr>
-          <p:nvPr>
-            <p:ph idx="1"/>
-          </p:nvPr>
-        </p:nvPicPr>
-        <p:blipFill>
-          <a:blip r:embed="rId2">
-            <a:extLst>
-              <a:ext uri="{28A0092B-C50C-407E-A947-70E740481C1C}">
-                <a14:useLocalDpi xmlns:a14="http://schemas.microsoft.com/office/drawing/2010/main" val="0"/>
-              </a:ext>
-            </a:extLst>
-          </a:blip>
-          <a:srcRect l="5818" r="5818"/>
-          <a:stretch>
-            <a:fillRect/>
-          </a:stretch>
-        </p:blipFill>
-        <p:spPr/>
-      </p:pic>
-      <p:sp>
-        <p:nvSpPr>
-          <p:cNvPr id="4" name="Date Placeholder 3"/>
-          <p:cNvSpPr>
-            <a:spLocks noGrp="1"/>
-          </p:cNvSpPr>
-          <p:nvPr>
-            <p:ph type="dt" sz="half" idx="10"/>
-          </p:nvPr>
-        </p:nvSpPr>
-        <p:spPr/>
-        <p:txBody>
-          <a:bodyPr/>
-          <a:lstStyle/>
-          <a:p>
-            <a:fld id="{7053BEFA-1175-F644-B249-7D41D72BD3FF}" type="datetime1">
-              <a:rPr lang="en-US" smtClean="0"/>
-              <a:t>1/29/15</a:t>
+              <a:t>2/14/15</a:t>
             </a:fld>
             <a:endParaRPr lang="en-US"/>
           </a:p>
@@ -22169,7 +22230,7 @@
     </p:spTree>
     <p:extLst>
       <p:ext uri="{BB962C8B-B14F-4D97-AF65-F5344CB8AC3E}">
-        <p14:creationId xmlns:p14="http://schemas.microsoft.com/office/powerpoint/2010/main" val="1712180392"/>
+        <p14:creationId xmlns:p14="http://schemas.microsoft.com/office/powerpoint/2010/main" val="3496005370"/>
       </p:ext>
     </p:extLst>
   </p:cSld>
@@ -22205,9 +22266,9 @@
       </p:grpSpPr>
       <p:sp>
         <p:nvSpPr>
-          <p:cNvPr id="2" name="Title 1"/>
-          <p:cNvSpPr>
-            <a:spLocks noGrp="1"/>
+          <p:cNvPr id="5122" name="Rectangle 2"/>
+          <p:cNvSpPr>
+            <a:spLocks noGrp="1" noChangeArrowheads="1"/>
           </p:cNvSpPr>
           <p:nvPr>
             <p:ph type="title"/>
@@ -22219,74 +22280,160 @@
           <a:lstStyle/>
           <a:p>
             <a:r>
-              <a:rPr lang="en-US" dirty="0" smtClean="0"/>
-              <a:t>Preparing for Analysis / Visualization</a:t>
-            </a:r>
-            <a:endParaRPr lang="en-US" dirty="0"/>
-          </a:p>
-        </p:txBody>
-      </p:sp>
-      <p:sp>
-        <p:nvSpPr>
-          <p:cNvPr id="3" name="Text Placeholder 2"/>
-          <p:cNvSpPr>
-            <a:spLocks noGrp="1"/>
-          </p:cNvSpPr>
-          <p:nvPr>
-            <p:ph type="body" idx="1"/>
-          </p:nvPr>
-        </p:nvSpPr>
-        <p:spPr/>
-        <p:txBody>
-          <a:bodyPr/>
-          <a:lstStyle/>
-          <a:p>
-            <a:endParaRPr lang="en-US" dirty="0"/>
-          </a:p>
-        </p:txBody>
-      </p:sp>
-      <p:sp>
-        <p:nvSpPr>
-          <p:cNvPr id="4" name="Date Placeholder 3"/>
-          <p:cNvSpPr>
-            <a:spLocks noGrp="1"/>
-          </p:cNvSpPr>
-          <p:nvPr>
-            <p:ph type="dt" sz="half" idx="10"/>
-          </p:nvPr>
-        </p:nvSpPr>
-        <p:spPr/>
-        <p:txBody>
-          <a:bodyPr/>
-          <a:lstStyle/>
-          <a:p>
-            <a:fld id="{111EEF3B-ABF2-AA4E-9E24-0C6256942674}" type="datetime1">
-              <a:rPr lang="en-US" smtClean="0"/>
-              <a:t>1/29/15</a:t>
-            </a:fld>
-            <a:endParaRPr lang="en-US"/>
-          </a:p>
-        </p:txBody>
-      </p:sp>
-      <p:sp>
-        <p:nvSpPr>
-          <p:cNvPr id="5" name="Slide Number Placeholder 4"/>
-          <p:cNvSpPr>
-            <a:spLocks noGrp="1"/>
-          </p:cNvSpPr>
-          <p:nvPr>
-            <p:ph type="sldNum" sz="quarter" idx="12"/>
-          </p:nvPr>
-        </p:nvSpPr>
-        <p:spPr/>
-        <p:txBody>
-          <a:bodyPr/>
-          <a:lstStyle/>
-          <a:p>
-            <a:fld id="{17E276FA-8F89-B34D-A726-BE3FA1F8DD97}" type="slidenum">
-              <a:rPr lang="en-US" smtClean="0"/>
-              <a:t>2</a:t>
-            </a:fld>
+              <a:rPr lang="en-US"/>
+              <a:t>Goals</a:t>
+            </a:r>
+          </a:p>
+        </p:txBody>
+      </p:sp>
+      <p:sp>
+        <p:nvSpPr>
+          <p:cNvPr id="5123" name="Rectangle 3"/>
+          <p:cNvSpPr>
+            <a:spLocks noGrp="1" noChangeArrowheads="1"/>
+          </p:cNvSpPr>
+          <p:nvPr>
+            <p:ph idx="1"/>
+          </p:nvPr>
+        </p:nvSpPr>
+        <p:spPr>
+          <a:xfrm>
+            <a:off x="1128943" y="1847153"/>
+            <a:ext cx="7048804" cy="4082143"/>
+          </a:xfrm>
+          <a:noFill/>
+        </p:spPr>
+        <p:txBody>
+          <a:bodyPr>
+            <a:spAutoFit/>
+          </a:bodyPr>
+          <a:lstStyle/>
+          <a:p>
+            <a:pPr marL="320675" indent="-320675" defTabSz="852488">
+              <a:lnSpc>
+                <a:spcPct val="110000"/>
+              </a:lnSpc>
+              <a:buFontTx/>
+              <a:buNone/>
+            </a:pPr>
+            <a:r>
+              <a:rPr lang="en-US" b="1" dirty="0"/>
+              <a:t>After </a:t>
+            </a:r>
+            <a:r>
+              <a:rPr lang="en-US" b="1" dirty="0" smtClean="0"/>
+              <a:t>this, </a:t>
+            </a:r>
+            <a:r>
+              <a:rPr lang="en-US" b="1" dirty="0"/>
+              <a:t>you should be able to:</a:t>
+            </a:r>
+            <a:r>
+              <a:rPr lang="en-US" sz="3600" dirty="0"/>
+              <a:t> </a:t>
+            </a:r>
+            <a:endParaRPr lang="en-US" sz="1200" dirty="0"/>
+          </a:p>
+          <a:p>
+            <a:pPr marL="320675" indent="-320675" defTabSz="852488">
+              <a:spcBef>
+                <a:spcPct val="25000"/>
+              </a:spcBef>
+              <a:buSzPct val="80000"/>
+            </a:pPr>
+            <a:r>
+              <a:rPr lang="en-US" dirty="0" smtClean="0"/>
+              <a:t>Describe data types and how to transform among them</a:t>
+            </a:r>
+          </a:p>
+          <a:p>
+            <a:pPr marL="320675" indent="-320675" defTabSz="852488">
+              <a:spcBef>
+                <a:spcPct val="25000"/>
+              </a:spcBef>
+              <a:buSzPct val="80000"/>
+            </a:pPr>
+            <a:r>
+              <a:rPr lang="en-US" sz="2800" dirty="0" smtClean="0"/>
+              <a:t>Draw a stem and leaf plot for a data set</a:t>
+            </a:r>
+          </a:p>
+          <a:p>
+            <a:pPr marL="320675" indent="-320675" defTabSz="852488">
+              <a:spcBef>
+                <a:spcPct val="25000"/>
+              </a:spcBef>
+              <a:buSzPct val="80000"/>
+            </a:pPr>
+            <a:r>
+              <a:rPr lang="en-US" dirty="0" smtClean="0"/>
+              <a:t>Explain how a box plot works</a:t>
+            </a:r>
+          </a:p>
+          <a:p>
+            <a:pPr marL="320675" indent="-320675" defTabSz="852488">
+              <a:spcBef>
+                <a:spcPct val="25000"/>
+              </a:spcBef>
+              <a:buSzPct val="80000"/>
+            </a:pPr>
+            <a:r>
+              <a:rPr lang="en-US" sz="2800" dirty="0" smtClean="0"/>
+              <a:t>Recognize common types of distributions and the assumptions that lie behind them</a:t>
+            </a:r>
+            <a:endParaRPr lang="en-US" sz="2800" dirty="0" smtClean="0"/>
+          </a:p>
+        </p:txBody>
+      </p:sp>
+      <p:sp>
+        <p:nvSpPr>
+          <p:cNvPr id="2" name="Rectangle 1"/>
+          <p:cNvSpPr/>
+          <p:nvPr/>
+        </p:nvSpPr>
+        <p:spPr>
+          <a:xfrm>
+            <a:off x="0" y="6488668"/>
+            <a:ext cx="7101749" cy="369332"/>
+          </a:xfrm>
+          <a:prstGeom prst="rect">
+            <a:avLst/>
+          </a:prstGeom>
+        </p:spPr>
+        <p:txBody>
+          <a:bodyPr wrap="none">
+            <a:spAutoFit/>
+          </a:bodyPr>
+          <a:lstStyle/>
+          <a:p>
+            <a:r>
+              <a:rPr lang="en-US" dirty="0" smtClean="0"/>
+              <a:t>Adapted from http</a:t>
+            </a:r>
+            <a:r>
+              <a:rPr lang="en-US" dirty="0"/>
+              <a:t>://</a:t>
+            </a:r>
+            <a:r>
+              <a:rPr lang="en-US" dirty="0" err="1"/>
+              <a:t>www.fordham.edu</a:t>
+            </a:r>
+            <a:r>
+              <a:rPr lang="en-US" dirty="0"/>
+              <a:t>/economics/</a:t>
+            </a:r>
+            <a:r>
+              <a:rPr lang="en-US" dirty="0" err="1"/>
+              <a:t>Vinod</a:t>
+            </a:r>
+            <a:r>
+              <a:rPr lang="en-US" dirty="0" smtClean="0"/>
+              <a:t>/</a:t>
+            </a:r>
+            <a:r>
+              <a:rPr lang="en-US" dirty="0" err="1" smtClean="0"/>
+              <a:t>correl-regr.ppt</a:t>
+            </a:r>
             <a:endParaRPr lang="en-US" dirty="0"/>
           </a:p>
         </p:txBody>
@@ -22294,7 +22441,7 @@
     </p:spTree>
     <p:extLst>
       <p:ext uri="{BB962C8B-B14F-4D97-AF65-F5344CB8AC3E}">
-        <p14:creationId xmlns:p14="http://schemas.microsoft.com/office/powerpoint/2010/main" val="1343791109"/>
+        <p14:creationId xmlns:p14="http://schemas.microsoft.com/office/powerpoint/2010/main" val="989141572"/>
       </p:ext>
     </p:extLst>
   </p:cSld>
@@ -22345,89 +22492,37 @@
           <a:p>
             <a:r>
               <a:rPr lang="en-US" dirty="0" smtClean="0"/>
-              <a:t>Benefits of Steam + Leaf</a:t>
+              <a:t>Example of comparison</a:t>
             </a:r>
             <a:endParaRPr lang="en-US" dirty="0"/>
           </a:p>
         </p:txBody>
       </p:sp>
-      <p:sp>
-        <p:nvSpPr>
-          <p:cNvPr id="3" name="Content Placeholder 2"/>
-          <p:cNvSpPr>
-            <a:spLocks noGrp="1"/>
-          </p:cNvSpPr>
+      <p:pic>
+        <p:nvPicPr>
+          <p:cNvPr id="7" name="Content Placeholder 6" descr="Screen Shot 2014-01-26 at 9.49.16 PM.png"/>
+          <p:cNvPicPr>
+            <a:picLocks noGrp="1" noChangeAspect="1"/>
+          </p:cNvPicPr>
           <p:nvPr>
             <p:ph idx="1"/>
           </p:nvPr>
-        </p:nvSpPr>
+        </p:nvPicPr>
+        <p:blipFill>
+          <a:blip r:embed="rId2">
+            <a:extLst>
+              <a:ext uri="{28A0092B-C50C-407E-A947-70E740481C1C}">
+                <a14:useLocalDpi xmlns:a14="http://schemas.microsoft.com/office/drawing/2010/main" val="0"/>
+              </a:ext>
+            </a:extLst>
+          </a:blip>
+          <a:srcRect l="5818" r="5818"/>
+          <a:stretch>
+            <a:fillRect/>
+          </a:stretch>
+        </p:blipFill>
         <p:spPr/>
-        <p:txBody>
-          <a:bodyPr/>
-          <a:lstStyle/>
-          <a:p>
-            <a:r>
-              <a:rPr lang="en-US" dirty="0" smtClean="0"/>
-              <a:t>Quick &amp; easy to produce; very flexible</a:t>
-            </a:r>
-          </a:p>
-          <a:p>
-            <a:r>
-              <a:rPr lang="en-US" dirty="0" smtClean="0"/>
-              <a:t>Easy to annotate in all sorts of ways; use for comparison (of different samples); </a:t>
-            </a:r>
-            <a:r>
-              <a:rPr lang="en-US" dirty="0" err="1" smtClean="0"/>
-              <a:t>etc</a:t>
-            </a:r>
-            <a:endParaRPr lang="en-US" dirty="0" smtClean="0"/>
-          </a:p>
-          <a:p>
-            <a:endParaRPr lang="en-US" dirty="0" smtClean="0"/>
-          </a:p>
-          <a:p>
-            <a:r>
-              <a:rPr lang="en-US" dirty="0" smtClean="0"/>
-              <a:t>Help to highlight </a:t>
-            </a:r>
-            <a:r>
-              <a:rPr lang="en-US" dirty="0" err="1" smtClean="0"/>
-              <a:t>unsymmetric</a:t>
-            </a:r>
-            <a:r>
-              <a:rPr lang="en-US" dirty="0" smtClean="0"/>
-              <a:t> trailing off</a:t>
-            </a:r>
-          </a:p>
-          <a:p>
-            <a:r>
-              <a:rPr lang="en-US" dirty="0" smtClean="0"/>
-              <a:t>Help to highlight popular/unpopular values</a:t>
-            </a:r>
-          </a:p>
-          <a:p>
-            <a:r>
-              <a:rPr lang="en-US" dirty="0" smtClean="0"/>
-              <a:t>About where values are ‘centered’</a:t>
-            </a:r>
-          </a:p>
-          <a:p>
-            <a:r>
-              <a:rPr lang="en-US" dirty="0" smtClean="0"/>
-              <a:t>About how widely values are ‘spread’</a:t>
-            </a:r>
-          </a:p>
-          <a:p>
-            <a:endParaRPr lang="en-US" dirty="0"/>
-          </a:p>
-          <a:p>
-            <a:pPr marL="0" indent="0">
-              <a:buNone/>
-            </a:pPr>
-            <a:endParaRPr lang="en-US" dirty="0"/>
-          </a:p>
-        </p:txBody>
-      </p:sp>
+      </p:pic>
       <p:sp>
         <p:nvSpPr>
           <p:cNvPr id="4" name="Date Placeholder 3"/>
@@ -22445,7 +22540,7 @@
           <a:p>
             <a:fld id="{7053BEFA-1175-F644-B249-7D41D72BD3FF}" type="datetime1">
               <a:rPr lang="en-US" smtClean="0"/>
-              <a:t>1/29/15</a:t>
+              <a:t>2/14/15</a:t>
             </a:fld>
             <a:endParaRPr lang="en-US"/>
           </a:p>
@@ -22496,7 +22591,7 @@
     </p:spTree>
     <p:extLst>
       <p:ext uri="{BB962C8B-B14F-4D97-AF65-F5344CB8AC3E}">
-        <p14:creationId xmlns:p14="http://schemas.microsoft.com/office/powerpoint/2010/main" val="310164472"/>
+        <p14:creationId xmlns:p14="http://schemas.microsoft.com/office/powerpoint/2010/main" val="1712180392"/>
       </p:ext>
     </p:extLst>
   </p:cSld>
@@ -22540,55 +22635,92 @@
             <p:ph type="title"/>
           </p:nvPr>
         </p:nvSpPr>
-        <p:spPr>
-          <a:xfrm>
-            <a:off x="954132" y="310162"/>
-            <a:ext cx="7921625" cy="990107"/>
-          </a:xfrm>
-        </p:spPr>
+        <p:spPr/>
         <p:txBody>
           <a:bodyPr/>
           <a:lstStyle/>
           <a:p>
             <a:r>
               <a:rPr lang="en-US" dirty="0" smtClean="0"/>
-              <a:t>Boxplot (invented by </a:t>
+              <a:t>Benefits of Steam + Leaf</a:t>
+            </a:r>
+            <a:endParaRPr lang="en-US" dirty="0"/>
+          </a:p>
+        </p:txBody>
+      </p:sp>
+      <p:sp>
+        <p:nvSpPr>
+          <p:cNvPr id="3" name="Content Placeholder 2"/>
+          <p:cNvSpPr>
+            <a:spLocks noGrp="1"/>
+          </p:cNvSpPr>
+          <p:nvPr>
+            <p:ph idx="1"/>
+          </p:nvPr>
+        </p:nvSpPr>
+        <p:spPr/>
+        <p:txBody>
+          <a:bodyPr/>
+          <a:lstStyle/>
+          <a:p>
+            <a:r>
+              <a:rPr lang="en-US" dirty="0" smtClean="0"/>
+              <a:t>Quick &amp; easy to produce; very flexible</a:t>
+            </a:r>
+          </a:p>
+          <a:p>
+            <a:r>
+              <a:rPr lang="en-US" dirty="0" smtClean="0"/>
+              <a:t>Easy to annotate in all sorts of ways; use for comparison (of different samples); </a:t>
             </a:r>
             <a:r>
               <a:rPr lang="en-US" dirty="0" err="1" smtClean="0"/>
-              <a:t>Tukey</a:t>
-            </a:r>
-            <a:r>
-              <a:rPr lang="en-US" dirty="0" smtClean="0"/>
-              <a:t>) </a:t>
-            </a:r>
-            <a:r>
-              <a:rPr lang="en-US" dirty="0"/>
-              <a:t/>
-            </a:r>
-            <a:br>
-              <a:rPr lang="en-US" dirty="0"/>
-            </a:br>
-            <a:r>
-              <a:rPr lang="en-US" dirty="0"/>
-              <a:t>[image from </a:t>
-            </a:r>
-            <a:r>
-              <a:rPr lang="en-US" sz="1200" dirty="0" err="1" smtClean="0"/>
-              <a:t>flowingdata.com</a:t>
-            </a:r>
-            <a:r>
-              <a:rPr lang="en-US" sz="1200" dirty="0"/>
-              <a:t>/2008/02/15/how-to-read-and-use-a-box-and-whisker-plot</a:t>
-            </a:r>
-            <a:r>
-              <a:rPr lang="en-US" sz="1200" dirty="0" smtClean="0"/>
-              <a:t>/</a:t>
-            </a:r>
-            <a:r>
-              <a:rPr lang="en-US" dirty="0" smtClean="0"/>
-              <a:t>]</a:t>
-            </a:r>
+              <a:t>etc</a:t>
+            </a:r>
+            <a:endParaRPr lang="en-US" dirty="0" smtClean="0"/>
+          </a:p>
+          <a:p>
+            <a:endParaRPr lang="en-US" dirty="0" smtClean="0"/>
+          </a:p>
+          <a:p>
+            <a:r>
+              <a:rPr lang="en-US" dirty="0" smtClean="0"/>
+              <a:t>Help to highlight </a:t>
+            </a:r>
+            <a:r>
+              <a:rPr lang="en-US" dirty="0" err="1" smtClean="0"/>
+              <a:t>unsymmetric</a:t>
+            </a:r>
+            <a:r>
+              <a:rPr lang="en-US" dirty="0" smtClean="0"/>
+              <a:t> trailing off</a:t>
+            </a:r>
+          </a:p>
+          <a:p>
+            <a:r>
+              <a:rPr lang="en-US" dirty="0" smtClean="0"/>
+              <a:t>Help to highlight popular/unpopular values</a:t>
+            </a:r>
+          </a:p>
+          <a:p>
+            <a:r>
+              <a:rPr lang="en-US" dirty="0" smtClean="0"/>
+              <a:t>About where values are ‘centered’</a:t>
+            </a:r>
+          </a:p>
+          <a:p>
+            <a:r>
+              <a:rPr lang="en-US" dirty="0" smtClean="0"/>
+              <a:t>About how widely values are ‘spread’</a:t>
+            </a:r>
+          </a:p>
+          <a:p>
+            <a:endParaRPr lang="en-US" dirty="0"/>
+          </a:p>
+          <a:p>
+            <a:pPr marL="0" indent="0">
+              <a:buNone/>
+            </a:pPr>
             <a:endParaRPr lang="en-US" dirty="0"/>
           </a:p>
         </p:txBody>
@@ -22610,7 +22742,7 @@
           <a:p>
             <a:fld id="{7053BEFA-1175-F644-B249-7D41D72BD3FF}" type="datetime1">
               <a:rPr lang="en-US" smtClean="0"/>
-              <a:t>1/29/15</a:t>
+              <a:t>2/14/15</a:t>
             </a:fld>
             <a:endParaRPr lang="en-US"/>
           </a:p>
@@ -22658,55 +22790,10 @@
           </a:p>
         </p:txBody>
       </p:sp>
-      <p:sp>
-        <p:nvSpPr>
-          <p:cNvPr id="3" name="TextBox 2"/>
-          <p:cNvSpPr txBox="1"/>
-          <p:nvPr/>
-        </p:nvSpPr>
-        <p:spPr>
-          <a:xfrm>
-            <a:off x="465996" y="5064047"/>
-            <a:ext cx="184666" cy="369332"/>
-          </a:xfrm>
-          <a:prstGeom prst="rect">
-            <a:avLst/>
-          </a:prstGeom>
-          <a:noFill/>
-        </p:spPr>
-        <p:txBody>
-          <a:bodyPr wrap="none" rtlCol="0">
-            <a:spAutoFit/>
-          </a:bodyPr>
-          <a:lstStyle/>
-          <a:p>
-            <a:endParaRPr lang="en-US" dirty="0"/>
-          </a:p>
-        </p:txBody>
-      </p:sp>
-      <p:pic>
-        <p:nvPicPr>
-          <p:cNvPr id="11" name="Content Placeholder 10"/>
-          <p:cNvPicPr>
-            <a:picLocks noGrp="1" noChangeAspect="1"/>
-          </p:cNvPicPr>
-          <p:nvPr>
-            <p:ph idx="1"/>
-          </p:nvPr>
-        </p:nvPicPr>
-        <p:blipFill>
-          <a:blip r:embed="rId3"/>
-          <a:srcRect l="-95411" r="-95411"/>
-          <a:stretch>
-            <a:fillRect/>
-          </a:stretch>
-        </p:blipFill>
-        <p:spPr/>
-      </p:pic>
     </p:spTree>
     <p:extLst>
       <p:ext uri="{BB962C8B-B14F-4D97-AF65-F5344CB8AC3E}">
-        <p14:creationId xmlns:p14="http://schemas.microsoft.com/office/powerpoint/2010/main" val="761209740"/>
+        <p14:creationId xmlns:p14="http://schemas.microsoft.com/office/powerpoint/2010/main" val="310164472"/>
       </p:ext>
     </p:extLst>
   </p:cSld>
@@ -22750,14 +22837,54 @@
             <p:ph type="title"/>
           </p:nvPr>
         </p:nvSpPr>
-        <p:spPr/>
+        <p:spPr>
+          <a:xfrm>
+            <a:off x="954132" y="310162"/>
+            <a:ext cx="7921625" cy="990107"/>
+          </a:xfrm>
+        </p:spPr>
         <p:txBody>
           <a:bodyPr/>
           <a:lstStyle/>
           <a:p>
             <a:r>
               <a:rPr lang="en-US" dirty="0" smtClean="0"/>
-              <a:t>Boxplot [Random Data; 3 times]</a:t>
+              <a:t>Boxplot (invented by </a:t>
+            </a:r>
+            <a:r>
+              <a:rPr lang="en-US" dirty="0" err="1" smtClean="0"/>
+              <a:t>Tukey</a:t>
+            </a:r>
+            <a:r>
+              <a:rPr lang="en-US" dirty="0" smtClean="0"/>
+              <a:t>) </a:t>
+            </a:r>
+            <a:r>
+              <a:rPr lang="en-US" dirty="0"/>
+              <a:t/>
+            </a:r>
+            <a:br>
+              <a:rPr lang="en-US" dirty="0"/>
+            </a:br>
+            <a:r>
+              <a:rPr lang="en-US" dirty="0"/>
+              <a:t>[image from </a:t>
+            </a:r>
+            <a:r>
+              <a:rPr lang="en-US" sz="1200" dirty="0" err="1" smtClean="0"/>
+              <a:t>flowingdata.com</a:t>
+            </a:r>
+            <a:r>
+              <a:rPr lang="en-US" sz="1200" dirty="0"/>
+              <a:t>/2008/02/15/how-to-read-and-use-a-box-and-whisker-plot</a:t>
+            </a:r>
+            <a:r>
+              <a:rPr lang="en-US" sz="1200" dirty="0" smtClean="0"/>
+              <a:t>/</a:t>
+            </a:r>
+            <a:r>
+              <a:rPr lang="en-US" dirty="0" smtClean="0"/>
+              <a:t>]</a:t>
             </a:r>
             <a:endParaRPr lang="en-US" dirty="0"/>
           </a:p>
@@ -22780,7 +22907,7 @@
           <a:p>
             <a:fld id="{7053BEFA-1175-F644-B249-7D41D72BD3FF}" type="datetime1">
               <a:rPr lang="en-US" smtClean="0"/>
-              <a:t>1/29/15</a:t>
+              <a:t>2/14/15</a:t>
             </a:fld>
             <a:endParaRPr lang="en-US"/>
           </a:p>
@@ -22823,6 +22950,176 @@
             <a:fld id="{17E276FA-8F89-B34D-A726-BE3FA1F8DD97}" type="slidenum">
               <a:rPr lang="en-US" smtClean="0"/>
               <a:t>22</a:t>
+            </a:fld>
+            <a:endParaRPr lang="en-US" dirty="0"/>
+          </a:p>
+        </p:txBody>
+      </p:sp>
+      <p:sp>
+        <p:nvSpPr>
+          <p:cNvPr id="3" name="TextBox 2"/>
+          <p:cNvSpPr txBox="1"/>
+          <p:nvPr/>
+        </p:nvSpPr>
+        <p:spPr>
+          <a:xfrm>
+            <a:off x="465996" y="5064047"/>
+            <a:ext cx="184666" cy="369332"/>
+          </a:xfrm>
+          <a:prstGeom prst="rect">
+            <a:avLst/>
+          </a:prstGeom>
+          <a:noFill/>
+        </p:spPr>
+        <p:txBody>
+          <a:bodyPr wrap="none" rtlCol="0">
+            <a:spAutoFit/>
+          </a:bodyPr>
+          <a:lstStyle/>
+          <a:p>
+            <a:endParaRPr lang="en-US" dirty="0"/>
+          </a:p>
+        </p:txBody>
+      </p:sp>
+      <p:pic>
+        <p:nvPicPr>
+          <p:cNvPr id="11" name="Content Placeholder 10"/>
+          <p:cNvPicPr>
+            <a:picLocks noGrp="1" noChangeAspect="1"/>
+          </p:cNvPicPr>
+          <p:nvPr>
+            <p:ph idx="1"/>
+          </p:nvPr>
+        </p:nvPicPr>
+        <p:blipFill>
+          <a:blip r:embed="rId3"/>
+          <a:srcRect l="-95411" r="-95411"/>
+          <a:stretch>
+            <a:fillRect/>
+          </a:stretch>
+        </p:blipFill>
+        <p:spPr/>
+      </p:pic>
+    </p:spTree>
+    <p:extLst>
+      <p:ext uri="{BB962C8B-B14F-4D97-AF65-F5344CB8AC3E}">
+        <p14:creationId xmlns:p14="http://schemas.microsoft.com/office/powerpoint/2010/main" val="761209740"/>
+      </p:ext>
+    </p:extLst>
+  </p:cSld>
+  <p:clrMapOvr>
+    <a:masterClrMapping/>
+  </p:clrMapOvr>
+  <p:timing>
+    <p:tnLst>
+      <p:par>
+        <p:cTn xmlns:p14="http://schemas.microsoft.com/office/powerpoint/2010/main" id="1" dur="indefinite" restart="never" nodeType="tmRoot"/>
+      </p:par>
+    </p:tnLst>
+  </p:timing>
+</p:sld>
+</file>
+
+<file path=ppt/slides/slide23.xml><?xml version="1.0" encoding="utf-8"?>
+<p:sld xmlns:a="http://schemas.openxmlformats.org/drawingml/2006/main" xmlns:r="http://schemas.openxmlformats.org/officeDocument/2006/relationships" xmlns:p="http://schemas.openxmlformats.org/presentationml/2006/main">
+  <p:cSld>
+    <p:spTree>
+      <p:nvGrpSpPr>
+        <p:cNvPr id="1" name=""/>
+        <p:cNvGrpSpPr/>
+        <p:nvPr/>
+      </p:nvGrpSpPr>
+      <p:grpSpPr>
+        <a:xfrm>
+          <a:off x="0" y="0"/>
+          <a:ext cx="0" cy="0"/>
+          <a:chOff x="0" y="0"/>
+          <a:chExt cx="0" cy="0"/>
+        </a:xfrm>
+      </p:grpSpPr>
+      <p:sp>
+        <p:nvSpPr>
+          <p:cNvPr id="2" name="Title 1"/>
+          <p:cNvSpPr>
+            <a:spLocks noGrp="1"/>
+          </p:cNvSpPr>
+          <p:nvPr>
+            <p:ph type="title"/>
+          </p:nvPr>
+        </p:nvSpPr>
+        <p:spPr/>
+        <p:txBody>
+          <a:bodyPr/>
+          <a:lstStyle/>
+          <a:p>
+            <a:r>
+              <a:rPr lang="en-US" dirty="0" smtClean="0"/>
+              <a:t>Boxplot [Random Data; 3 times]</a:t>
+            </a:r>
+            <a:endParaRPr lang="en-US" dirty="0"/>
+          </a:p>
+        </p:txBody>
+      </p:sp>
+      <p:sp>
+        <p:nvSpPr>
+          <p:cNvPr id="4" name="Date Placeholder 3"/>
+          <p:cNvSpPr>
+            <a:spLocks noGrp="1"/>
+          </p:cNvSpPr>
+          <p:nvPr>
+            <p:ph type="dt" sz="half" idx="10"/>
+          </p:nvPr>
+        </p:nvSpPr>
+        <p:spPr/>
+        <p:txBody>
+          <a:bodyPr/>
+          <a:lstStyle/>
+          <a:p>
+            <a:fld id="{7053BEFA-1175-F644-B249-7D41D72BD3FF}" type="datetime1">
+              <a:rPr lang="en-US" smtClean="0"/>
+              <a:t>2/14/15</a:t>
+            </a:fld>
+            <a:endParaRPr lang="en-US"/>
+          </a:p>
+        </p:txBody>
+      </p:sp>
+      <p:sp>
+        <p:nvSpPr>
+          <p:cNvPr id="5" name="Footer Placeholder 4"/>
+          <p:cNvSpPr>
+            <a:spLocks noGrp="1"/>
+          </p:cNvSpPr>
+          <p:nvPr>
+            <p:ph type="ftr" sz="quarter" idx="11"/>
+          </p:nvPr>
+        </p:nvSpPr>
+        <p:spPr/>
+        <p:txBody>
+          <a:bodyPr/>
+          <a:lstStyle/>
+          <a:p>
+            <a:endParaRPr lang="en-US" dirty="0"/>
+          </a:p>
+        </p:txBody>
+      </p:sp>
+      <p:sp>
+        <p:nvSpPr>
+          <p:cNvPr id="6" name="Slide Number Placeholder 5"/>
+          <p:cNvSpPr>
+            <a:spLocks noGrp="1"/>
+          </p:cNvSpPr>
+          <p:nvPr>
+            <p:ph type="sldNum" sz="quarter" idx="12"/>
+          </p:nvPr>
+        </p:nvSpPr>
+        <p:spPr/>
+        <p:txBody>
+          <a:bodyPr/>
+          <a:lstStyle/>
+          <a:p>
+            <a:fld id="{17E276FA-8F89-B34D-A726-BE3FA1F8DD97}" type="slidenum">
+              <a:rPr lang="en-US" smtClean="0"/>
+              <a:t>23</a:t>
             </a:fld>
             <a:endParaRPr lang="en-US" dirty="0"/>
           </a:p>
@@ -22876,7 +23173,7 @@
 </p:sld>
 </file>
 
-<file path=ppt/slides/slide23.xml><?xml version="1.0" encoding="utf-8"?>
+<file path=ppt/slides/slide24.xml><?xml version="1.0" encoding="utf-8"?>
 <p:sld xmlns:a="http://schemas.openxmlformats.org/drawingml/2006/main" xmlns:r="http://schemas.openxmlformats.org/officeDocument/2006/relationships" xmlns:p="http://schemas.openxmlformats.org/presentationml/2006/main">
   <p:cSld>
     <p:spTree>
@@ -22972,7 +23269,7 @@
           <a:p>
             <a:fld id="{7053BEFA-1175-F644-B249-7D41D72BD3FF}" type="datetime1">
               <a:rPr lang="en-US" smtClean="0"/>
-              <a:t>1/29/15</a:t>
+              <a:t>2/14/15</a:t>
             </a:fld>
             <a:endParaRPr lang="en-US"/>
           </a:p>
@@ -23014,7 +23311,7 @@
           <a:p>
             <a:fld id="{17E276FA-8F89-B34D-A726-BE3FA1F8DD97}" type="slidenum">
               <a:rPr lang="en-US" smtClean="0"/>
-              <a:t>23</a:t>
+              <a:t>24</a:t>
             </a:fld>
             <a:endParaRPr lang="en-US" dirty="0"/>
           </a:p>
@@ -23202,7 +23499,7 @@
 </p:sld>
 </file>
 
-<file path=ppt/slides/slide24.xml><?xml version="1.0" encoding="utf-8"?>
+<file path=ppt/slides/slide25.xml><?xml version="1.0" encoding="utf-8"?>
 <p:sld xmlns:a="http://schemas.openxmlformats.org/drawingml/2006/main" xmlns:r="http://schemas.openxmlformats.org/officeDocument/2006/relationships" xmlns:p="http://schemas.openxmlformats.org/presentationml/2006/main">
   <p:cSld>
     <p:spTree>
@@ -23259,7 +23556,7 @@
           <a:p>
             <a:fld id="{7053BEFA-1175-F644-B249-7D41D72BD3FF}" type="datetime1">
               <a:rPr lang="en-US" smtClean="0"/>
-              <a:t>1/29/15</a:t>
+              <a:t>2/14/15</a:t>
             </a:fld>
             <a:endParaRPr lang="en-US"/>
           </a:p>
@@ -23301,7 +23598,7 @@
           <a:p>
             <a:fld id="{17E276FA-8F89-B34D-A726-BE3FA1F8DD97}" type="slidenum">
               <a:rPr lang="en-US" smtClean="0"/>
-              <a:t>24</a:t>
+              <a:t>25</a:t>
             </a:fld>
             <a:endParaRPr lang="en-US" dirty="0"/>
           </a:p>
@@ -23472,182 +23769,6 @@
     <p:extLst>
       <p:ext uri="{BB962C8B-B14F-4D97-AF65-F5344CB8AC3E}">
         <p14:creationId xmlns:p14="http://schemas.microsoft.com/office/powerpoint/2010/main" val="3035987725"/>
-      </p:ext>
-    </p:extLst>
-  </p:cSld>
-  <p:clrMapOvr>
-    <a:masterClrMapping/>
-  </p:clrMapOvr>
-  <p:timing>
-    <p:tnLst>
-      <p:par>
-        <p:cTn xmlns:p14="http://schemas.microsoft.com/office/powerpoint/2010/main" id="1" dur="indefinite" restart="never" nodeType="tmRoot"/>
-      </p:par>
-    </p:tnLst>
-  </p:timing>
-</p:sld>
-</file>
-
-<file path=ppt/slides/slide25.xml><?xml version="1.0" encoding="utf-8"?>
-<p:sld xmlns:a="http://schemas.openxmlformats.org/drawingml/2006/main" xmlns:r="http://schemas.openxmlformats.org/officeDocument/2006/relationships" xmlns:p="http://schemas.openxmlformats.org/presentationml/2006/main">
-  <p:cSld>
-    <p:spTree>
-      <p:nvGrpSpPr>
-        <p:cNvPr id="1" name=""/>
-        <p:cNvGrpSpPr/>
-        <p:nvPr/>
-      </p:nvGrpSpPr>
-      <p:grpSpPr>
-        <a:xfrm>
-          <a:off x="0" y="0"/>
-          <a:ext cx="0" cy="0"/>
-          <a:chOff x="0" y="0"/>
-          <a:chExt cx="0" cy="0"/>
-        </a:xfrm>
-      </p:grpSpPr>
-      <p:sp>
-        <p:nvSpPr>
-          <p:cNvPr id="2" name="Title 1"/>
-          <p:cNvSpPr>
-            <a:spLocks noGrp="1"/>
-          </p:cNvSpPr>
-          <p:nvPr>
-            <p:ph type="title"/>
-          </p:nvPr>
-        </p:nvSpPr>
-        <p:spPr/>
-        <p:txBody>
-          <a:bodyPr/>
-          <a:lstStyle/>
-          <a:p>
-            <a:r>
-              <a:rPr lang="en-US" dirty="0" smtClean="0"/>
-              <a:t>When might we expect a Normal distribution?</a:t>
-            </a:r>
-            <a:endParaRPr lang="en-US" dirty="0"/>
-          </a:p>
-        </p:txBody>
-      </p:sp>
-      <p:sp>
-        <p:nvSpPr>
-          <p:cNvPr id="7" name="Content Placeholder 6"/>
-          <p:cNvSpPr>
-            <a:spLocks noGrp="1"/>
-          </p:cNvSpPr>
-          <p:nvPr>
-            <p:ph idx="1"/>
-          </p:nvPr>
-        </p:nvSpPr>
-        <p:spPr/>
-        <p:txBody>
-          <a:bodyPr/>
-          <a:lstStyle/>
-          <a:p>
-            <a:pPr marL="0" indent="0">
-              <a:buNone/>
-            </a:pPr>
-            <a:r>
-              <a:rPr lang="en-US" dirty="0"/>
-              <a:t>Central limit theorem: Sum of </a:t>
-            </a:r>
-            <a:r>
-              <a:rPr lang="en-US" i="1" dirty="0"/>
-              <a:t>independent </a:t>
-            </a:r>
-            <a:r>
-              <a:rPr lang="en-US" dirty="0"/>
-              <a:t>and </a:t>
-            </a:r>
-            <a:r>
-              <a:rPr lang="en-US" i="1" dirty="0"/>
-              <a:t>identically distributed </a:t>
-            </a:r>
-            <a:r>
-              <a:rPr lang="en-US" b="1" i="1" dirty="0"/>
-              <a:t>random variables </a:t>
-            </a:r>
-            <a:r>
-              <a:rPr lang="en-US" dirty="0"/>
-              <a:t>will converge to normal</a:t>
-            </a:r>
-          </a:p>
-          <a:p>
-            <a:pPr marL="0" indent="0">
-              <a:buNone/>
-            </a:pPr>
-            <a:endParaRPr lang="en-US" dirty="0"/>
-          </a:p>
-        </p:txBody>
-      </p:sp>
-      <p:sp>
-        <p:nvSpPr>
-          <p:cNvPr id="4" name="Date Placeholder 3"/>
-          <p:cNvSpPr>
-            <a:spLocks noGrp="1"/>
-          </p:cNvSpPr>
-          <p:nvPr>
-            <p:ph type="dt" sz="half" idx="10"/>
-          </p:nvPr>
-        </p:nvSpPr>
-        <p:spPr/>
-        <p:txBody>
-          <a:bodyPr/>
-          <a:lstStyle/>
-          <a:p>
-            <a:fld id="{7053BEFA-1175-F644-B249-7D41D72BD3FF}" type="datetime1">
-              <a:rPr lang="en-US" smtClean="0"/>
-              <a:t>1/29/15</a:t>
-            </a:fld>
-            <a:endParaRPr lang="en-US"/>
-          </a:p>
-        </p:txBody>
-      </p:sp>
-      <p:sp>
-        <p:nvSpPr>
-          <p:cNvPr id="5" name="Footer Placeholder 4"/>
-          <p:cNvSpPr>
-            <a:spLocks noGrp="1"/>
-          </p:cNvSpPr>
-          <p:nvPr>
-            <p:ph type="ftr" sz="quarter" idx="11"/>
-          </p:nvPr>
-        </p:nvSpPr>
-        <p:spPr/>
-        <p:txBody>
-          <a:bodyPr/>
-          <a:lstStyle/>
-          <a:p>
-            <a:endParaRPr lang="en-US" dirty="0"/>
-          </a:p>
-        </p:txBody>
-      </p:sp>
-      <p:sp>
-        <p:nvSpPr>
-          <p:cNvPr id="6" name="Slide Number Placeholder 5"/>
-          <p:cNvSpPr>
-            <a:spLocks noGrp="1"/>
-          </p:cNvSpPr>
-          <p:nvPr>
-            <p:ph type="sldNum" sz="quarter" idx="12"/>
-          </p:nvPr>
-        </p:nvSpPr>
-        <p:spPr/>
-        <p:txBody>
-          <a:bodyPr/>
-          <a:lstStyle/>
-          <a:p>
-            <a:fld id="{17E276FA-8F89-B34D-A726-BE3FA1F8DD97}" type="slidenum">
-              <a:rPr lang="en-US" smtClean="0"/>
-              <a:t>25</a:t>
-            </a:fld>
-            <a:endParaRPr lang="en-US" dirty="0"/>
-          </a:p>
-        </p:txBody>
-      </p:sp>
-    </p:spTree>
-    <p:extLst>
-      <p:ext uri="{BB962C8B-B14F-4D97-AF65-F5344CB8AC3E}">
-        <p14:creationId xmlns:p14="http://schemas.microsoft.com/office/powerpoint/2010/main" val="384715267"/>
       </p:ext>
     </p:extLst>
   </p:cSld>
@@ -23698,7 +23819,7 @@
           <a:p>
             <a:r>
               <a:rPr lang="en-US" dirty="0" smtClean="0"/>
-              <a:t>Random Variable</a:t>
+              <a:t>When might we expect a Normal distribution?</a:t>
             </a:r>
             <a:endParaRPr lang="en-US" dirty="0"/>
           </a:p>
@@ -23706,7 +23827,7 @@
       </p:sp>
       <p:sp>
         <p:nvSpPr>
-          <p:cNvPr id="3" name="Content Placeholder 2"/>
+          <p:cNvPr id="7" name="Content Placeholder 6"/>
           <p:cNvSpPr>
             <a:spLocks noGrp="1"/>
           </p:cNvSpPr>
@@ -23714,12 +23835,7 @@
             <p:ph idx="1"/>
           </p:nvPr>
         </p:nvSpPr>
-        <p:spPr>
-          <a:xfrm>
-            <a:off x="954132" y="1847153"/>
-            <a:ext cx="7223615" cy="4379976"/>
-          </a:xfrm>
-        </p:spPr>
+        <p:spPr/>
         <p:txBody>
           <a:bodyPr/>
           <a:lstStyle/>
@@ -23728,44 +23844,35 @@
               <a:buNone/>
             </a:pPr>
             <a:r>
-              <a:rPr lang="en-US" dirty="0" smtClean="0"/>
-              <a:t>Value varies (</a:t>
-            </a:r>
-            <a:r>
-              <a:rPr lang="en-US" i="1" dirty="0" smtClean="0"/>
-              <a:t>e.g. </a:t>
-            </a:r>
-            <a:r>
-              <a:rPr lang="en-US" dirty="0" smtClean="0"/>
-              <a:t>possible outcomes of an experiment)</a:t>
+              <a:rPr lang="en-US" dirty="0"/>
+              <a:t>Central limit theorem: Sum of </a:t>
+            </a:r>
+            <a:r>
+              <a:rPr lang="en-US" i="1" dirty="0"/>
+              <a:t>independent </a:t>
+            </a:r>
+            <a:r>
+              <a:rPr lang="en-US" dirty="0"/>
+              <a:t>and </a:t>
+            </a:r>
+            <a:r>
+              <a:rPr lang="en-US" i="1" dirty="0"/>
+              <a:t>identically distributed </a:t>
+            </a:r>
+            <a:r>
+              <a:rPr lang="en-US" b="1" i="1" dirty="0"/>
+              <a:t>random variables </a:t>
+            </a:r>
+            <a:r>
+              <a:rPr lang="en-US" dirty="0"/>
+              <a:t>will converge to normal</a:t>
             </a:r>
           </a:p>
           <a:p>
             <a:pPr marL="0" indent="0">
               <a:buNone/>
             </a:pPr>
-            <a:r>
-              <a:rPr lang="en-US" dirty="0" smtClean="0"/>
-              <a:t>Modeled as a </a:t>
-            </a:r>
-            <a:r>
-              <a:rPr lang="en-US" i="1" dirty="0" smtClean="0"/>
-              <a:t>distribution</a:t>
-            </a:r>
-          </a:p>
-          <a:p>
-            <a:pPr lvl="1"/>
-            <a:r>
-              <a:rPr lang="en-US" dirty="0" smtClean="0"/>
-              <a:t>Discrete values (“Probability Mass Function”) - typically values and weights</a:t>
-            </a:r>
-          </a:p>
-          <a:p>
-            <a:pPr lvl="1"/>
-            <a:r>
-              <a:rPr lang="en-US" dirty="0" smtClean="0"/>
-              <a:t>Continues values (“Probability Density Function”) – typically a function</a:t>
-            </a:r>
+            <a:endParaRPr lang="en-US" dirty="0"/>
           </a:p>
         </p:txBody>
       </p:sp>
@@ -23786,7 +23893,7 @@
           <a:p>
             <a:fld id="{7053BEFA-1175-F644-B249-7D41D72BD3FF}" type="datetime1">
               <a:rPr lang="en-US" smtClean="0"/>
-              <a:t>1/29/15</a:t>
+              <a:t>2/14/15</a:t>
             </a:fld>
             <a:endParaRPr lang="en-US"/>
           </a:p>
@@ -23837,7 +23944,7 @@
     </p:spTree>
     <p:extLst>
       <p:ext uri="{BB962C8B-B14F-4D97-AF65-F5344CB8AC3E}">
-        <p14:creationId xmlns:p14="http://schemas.microsoft.com/office/powerpoint/2010/main" val="3092281358"/>
+        <p14:creationId xmlns:p14="http://schemas.microsoft.com/office/powerpoint/2010/main" val="384715267"/>
       </p:ext>
     </p:extLst>
   </p:cSld>
@@ -23873,43 +23980,43 @@
       </p:grpSpPr>
       <p:sp>
         <p:nvSpPr>
-          <p:cNvPr id="10" name="Title 9"/>
+          <p:cNvPr id="2" name="Title 1"/>
           <p:cNvSpPr>
             <a:spLocks noGrp="1"/>
           </p:cNvSpPr>
           <p:nvPr>
             <p:ph type="title"/>
+          </p:nvPr>
+        </p:nvSpPr>
+        <p:spPr/>
+        <p:txBody>
+          <a:bodyPr/>
+          <a:lstStyle/>
+          <a:p>
+            <a:r>
+              <a:rPr lang="en-US" dirty="0" smtClean="0"/>
+              <a:t>Random Variable</a:t>
+            </a:r>
+            <a:endParaRPr lang="en-US" dirty="0"/>
+          </a:p>
+        </p:txBody>
+      </p:sp>
+      <p:sp>
+        <p:nvSpPr>
+          <p:cNvPr id="3" name="Content Placeholder 2"/>
+          <p:cNvSpPr>
+            <a:spLocks noGrp="1"/>
+          </p:cNvSpPr>
+          <p:nvPr>
+            <p:ph idx="1"/>
           </p:nvPr>
         </p:nvSpPr>
         <p:spPr>
           <a:xfrm>
-            <a:off x="465996" y="310162"/>
-            <a:ext cx="7882681" cy="990107"/>
+            <a:off x="954132" y="1847153"/>
+            <a:ext cx="7223615" cy="4379976"/>
           </a:xfrm>
         </p:spPr>
-        <p:txBody>
-          <a:bodyPr/>
-          <a:lstStyle/>
-          <a:p>
-            <a:r>
-              <a:rPr lang="en-US" dirty="0" smtClean="0"/>
-              <a:t>Independent				Identically Distributed</a:t>
-            </a:r>
-            <a:endParaRPr lang="en-US" dirty="0"/>
-          </a:p>
-        </p:txBody>
-      </p:sp>
-      <p:sp>
-        <p:nvSpPr>
-          <p:cNvPr id="3" name="Content Placeholder 2"/>
-          <p:cNvSpPr>
-            <a:spLocks noGrp="1"/>
-          </p:cNvSpPr>
-          <p:nvPr>
-            <p:ph sz="half" idx="1"/>
-          </p:nvPr>
-        </p:nvSpPr>
-        <p:spPr/>
         <p:txBody>
           <a:bodyPr/>
           <a:lstStyle/>
@@ -23918,79 +24025,44 @@
               <a:buNone/>
             </a:pPr>
             <a:r>
-              <a:rPr lang="en-US" sz="2800" dirty="0" smtClean="0"/>
-              <a:t>Are the observations independent of each other? </a:t>
-            </a:r>
-          </a:p>
-          <a:p>
-            <a:pPr lvl="1"/>
-            <a:r>
-              <a:rPr lang="en-US" sz="2400" dirty="0" smtClean="0"/>
-              <a:t>Do they directly influence each other </a:t>
-            </a:r>
-          </a:p>
-          <a:p>
-            <a:pPr lvl="1"/>
-            <a:r>
-              <a:rPr lang="en-US" sz="2400" dirty="0" smtClean="0"/>
-              <a:t>Are they both influenced by a shared hidden confounding variable?</a:t>
-            </a:r>
-          </a:p>
-        </p:txBody>
-      </p:sp>
-      <p:sp>
-        <p:nvSpPr>
-          <p:cNvPr id="9" name="Content Placeholder 8"/>
-          <p:cNvSpPr>
-            <a:spLocks noGrp="1"/>
-          </p:cNvSpPr>
-          <p:nvPr>
-            <p:ph sz="half" idx="2"/>
-          </p:nvPr>
-        </p:nvSpPr>
-        <p:spPr/>
-        <p:txBody>
-          <a:bodyPr/>
-          <a:lstStyle/>
+              <a:rPr lang="en-US" dirty="0" smtClean="0"/>
+              <a:t>Value varies (</a:t>
+            </a:r>
+            <a:r>
+              <a:rPr lang="en-US" i="1" dirty="0" smtClean="0"/>
+              <a:t>e.g. </a:t>
+            </a:r>
+            <a:r>
+              <a:rPr lang="en-US" dirty="0" smtClean="0"/>
+              <a:t>possible outcomes of an experiment)</a:t>
+            </a:r>
+          </a:p>
           <a:p>
             <a:pPr marL="0" indent="0">
               <a:buNone/>
             </a:pPr>
             <a:r>
-              <a:rPr lang="en-US" sz="2800" dirty="0" smtClean="0"/>
-              <a:t>Are the random variables identically distributed? </a:t>
-            </a:r>
-          </a:p>
-          <a:p>
-            <a:pPr lvl="2"/>
-            <a:r>
-              <a:rPr lang="en-US" sz="2400" dirty="0" smtClean="0"/>
-              <a:t>Is the variance equivalent</a:t>
-            </a:r>
-          </a:p>
-          <a:p>
-            <a:pPr lvl="2"/>
-            <a:r>
-              <a:rPr lang="en-US" sz="2400" dirty="0" smtClean="0"/>
-              <a:t>Are the min/max/SD equivalent</a:t>
-            </a:r>
-          </a:p>
-          <a:p>
-            <a:pPr lvl="2"/>
-            <a:r>
-              <a:rPr lang="en-US" sz="2400" dirty="0" smtClean="0"/>
-              <a:t>Kolmogorov-Smirnov Test</a:t>
-            </a:r>
-          </a:p>
-          <a:p>
-            <a:pPr lvl="2"/>
-            <a:endParaRPr lang="en-US" sz="2400" dirty="0" smtClean="0"/>
-          </a:p>
-          <a:p>
-            <a:pPr marL="0" indent="0">
-              <a:buNone/>
-            </a:pPr>
-            <a:endParaRPr lang="en-US" sz="2800" dirty="0"/>
+              <a:rPr lang="en-US" dirty="0" smtClean="0"/>
+              <a:t>Modeled as a </a:t>
+            </a:r>
+            <a:r>
+              <a:rPr lang="en-US" i="1" dirty="0" smtClean="0"/>
+              <a:t>distribution</a:t>
+            </a:r>
+          </a:p>
+          <a:p>
+            <a:pPr lvl="1"/>
+            <a:r>
+              <a:rPr lang="en-US" dirty="0" smtClean="0"/>
+              <a:t>Discrete values (“Probability Mass Function”) - typically values and weights</a:t>
+            </a:r>
+          </a:p>
+          <a:p>
+            <a:pPr lvl="1"/>
+            <a:r>
+              <a:rPr lang="en-US" dirty="0" smtClean="0"/>
+              <a:t>Continues values (“Probability Density Function”) – typically a function</a:t>
+            </a:r>
           </a:p>
         </p:txBody>
       </p:sp>
@@ -24011,7 +24083,7 @@
           <a:p>
             <a:fld id="{7053BEFA-1175-F644-B249-7D41D72BD3FF}" type="datetime1">
               <a:rPr lang="en-US" smtClean="0"/>
-              <a:t>1/29/15</a:t>
+              <a:t>2/14/15</a:t>
             </a:fld>
             <a:endParaRPr lang="en-US"/>
           </a:p>
@@ -24062,7 +24134,7 @@
     </p:spTree>
     <p:extLst>
       <p:ext uri="{BB962C8B-B14F-4D97-AF65-F5344CB8AC3E}">
-        <p14:creationId xmlns:p14="http://schemas.microsoft.com/office/powerpoint/2010/main" val="168153640"/>
+        <p14:creationId xmlns:p14="http://schemas.microsoft.com/office/powerpoint/2010/main" val="3092281358"/>
       </p:ext>
     </p:extLst>
   </p:cSld>
@@ -24106,32 +24178,35 @@
             <p:ph type="title"/>
           </p:nvPr>
         </p:nvSpPr>
+        <p:spPr>
+          <a:xfrm>
+            <a:off x="465996" y="310162"/>
+            <a:ext cx="7882681" cy="990107"/>
+          </a:xfrm>
+        </p:spPr>
+        <p:txBody>
+          <a:bodyPr/>
+          <a:lstStyle/>
+          <a:p>
+            <a:r>
+              <a:rPr lang="en-US" dirty="0" smtClean="0"/>
+              <a:t>Independent				Identically Distributed</a:t>
+            </a:r>
+            <a:endParaRPr lang="en-US" dirty="0"/>
+          </a:p>
+        </p:txBody>
+      </p:sp>
+      <p:sp>
+        <p:nvSpPr>
+          <p:cNvPr id="3" name="Content Placeholder 2"/>
+          <p:cNvSpPr>
+            <a:spLocks noGrp="1"/>
+          </p:cNvSpPr>
+          <p:nvPr>
+            <p:ph sz="half" idx="1"/>
+          </p:nvPr>
+        </p:nvSpPr>
         <p:spPr/>
-        <p:txBody>
-          <a:bodyPr/>
-          <a:lstStyle/>
-          <a:p>
-            <a:r>
-              <a:rPr lang="en-US" dirty="0" smtClean="0"/>
-              <a:t>Example: Mouse Motion Length</a:t>
-            </a:r>
-            <a:endParaRPr lang="en-US" dirty="0"/>
-          </a:p>
-        </p:txBody>
-      </p:sp>
-      <p:sp>
-        <p:nvSpPr>
-          <p:cNvPr id="16" name="Content Placeholder 15"/>
-          <p:cNvSpPr>
-            <a:spLocks noGrp="1"/>
-          </p:cNvSpPr>
-          <p:nvPr>
-            <p:ph idx="1"/>
-          </p:nvPr>
-        </p:nvSpPr>
-        <p:spPr>
-          <a:noFill/>
-        </p:spPr>
         <p:txBody>
           <a:bodyPr/>
           <a:lstStyle/>
@@ -24140,88 +24215,85 @@
               <a:buNone/>
             </a:pPr>
             <a:r>
-              <a:rPr lang="en-US" sz="3200" dirty="0"/>
-              <a:t>Normal Distribution: </a:t>
-            </a:r>
-            <a:r>
-              <a:rPr lang="en-US" sz="3200" dirty="0" smtClean="0"/>
-              <a:t>Mouse Motion Length across all interactions</a:t>
-            </a:r>
-            <a:endParaRPr lang="en-US" sz="3200" dirty="0"/>
-          </a:p>
+              <a:rPr lang="en-US" sz="2800" dirty="0" smtClean="0"/>
+              <a:t>Are the observations independent of each other? </a:t>
+            </a:r>
+          </a:p>
+          <a:p>
+            <a:pPr lvl="1"/>
+            <a:r>
+              <a:rPr lang="en-US" sz="2400" dirty="0" smtClean="0"/>
+              <a:t>Do they directly influence each other </a:t>
+            </a:r>
+          </a:p>
+          <a:p>
+            <a:pPr lvl="1"/>
+            <a:r>
+              <a:rPr lang="en-US" sz="2400" dirty="0" smtClean="0"/>
+              <a:t>Are they both influenced by a shared hidden confounding variable?</a:t>
+            </a:r>
+          </a:p>
+        </p:txBody>
+      </p:sp>
+      <p:sp>
+        <p:nvSpPr>
+          <p:cNvPr id="9" name="Content Placeholder 8"/>
+          <p:cNvSpPr>
+            <a:spLocks noGrp="1"/>
+          </p:cNvSpPr>
+          <p:nvPr>
+            <p:ph sz="half" idx="2"/>
+          </p:nvPr>
+        </p:nvSpPr>
+        <p:spPr/>
+        <p:txBody>
+          <a:bodyPr/>
+          <a:lstStyle/>
           <a:p>
             <a:pPr marL="0" indent="0">
               <a:buNone/>
             </a:pPr>
             <a:r>
-              <a:rPr lang="en-US" sz="3200" dirty="0" smtClean="0"/>
-              <a:t>Random Variable:  An interaction</a:t>
-            </a:r>
+              <a:rPr lang="en-US" sz="2800" dirty="0" smtClean="0"/>
+              <a:t>Are the random variables identically distributed? </a:t>
+            </a:r>
+          </a:p>
+          <a:p>
+            <a:pPr lvl="2"/>
+            <a:r>
+              <a:rPr lang="en-US" sz="2400" dirty="0" smtClean="0"/>
+              <a:t>Is the variance equivalent</a:t>
+            </a:r>
+          </a:p>
+          <a:p>
+            <a:pPr lvl="2"/>
+            <a:r>
+              <a:rPr lang="en-US" sz="2400" dirty="0" smtClean="0"/>
+              <a:t>Are the min/max/SD equivalent</a:t>
+            </a:r>
+          </a:p>
+          <a:p>
+            <a:pPr lvl="2"/>
+            <a:r>
+              <a:rPr lang="en-US" sz="2400" dirty="0" smtClean="0"/>
+              <a:t>Kolmogorov-Smirnov Test</a:t>
+            </a:r>
+          </a:p>
+          <a:p>
+            <a:pPr lvl="2"/>
+            <a:endParaRPr lang="en-US" sz="2400" dirty="0" smtClean="0"/>
           </a:p>
           <a:p>
             <a:pPr marL="0" indent="0">
               <a:buNone/>
             </a:pPr>
-            <a:r>
-              <a:rPr lang="en-US" sz="3200" dirty="0"/>
-              <a:t>	</a:t>
-            </a:r>
-            <a:r>
-              <a:rPr lang="en-US" sz="3200" i="1" dirty="0" smtClean="0"/>
-              <a:t>Discrete </a:t>
-            </a:r>
-            <a:r>
-              <a:rPr lang="en-US" sz="3200" dirty="0" smtClean="0"/>
-              <a:t>or </a:t>
-            </a:r>
-            <a:r>
-              <a:rPr lang="en-US" sz="3200" i="1" dirty="0" smtClean="0"/>
-              <a:t>Continuous?</a:t>
-            </a:r>
-            <a:endParaRPr lang="en-US" sz="3200" dirty="0" smtClean="0"/>
-          </a:p>
-          <a:p>
-            <a:pPr marL="0" indent="0">
-              <a:buNone/>
-            </a:pPr>
-            <a:r>
-              <a:rPr lang="en-US" sz="3200" dirty="0" smtClean="0"/>
-              <a:t>Independence? </a:t>
-            </a:r>
-            <a:br>
-              <a:rPr lang="en-US" sz="3200" dirty="0" smtClean="0"/>
-            </a:br>
-            <a:r>
-              <a:rPr lang="en-US" sz="3200" dirty="0" smtClean="0"/>
-              <a:t>	When might this be true/untrue?</a:t>
-            </a:r>
-          </a:p>
-          <a:p>
-            <a:pPr marL="0" indent="0">
-              <a:buNone/>
-            </a:pPr>
-            <a:r>
-              <a:rPr lang="en-US" sz="3200" dirty="0" smtClean="0"/>
-              <a:t>Identical Distributions?</a:t>
-            </a:r>
-          </a:p>
-          <a:p>
-            <a:pPr marL="0" indent="0">
-              <a:buNone/>
-            </a:pPr>
-            <a:endParaRPr lang="en-US" sz="3200" dirty="0" smtClean="0"/>
-          </a:p>
-          <a:p>
-            <a:pPr marL="0" indent="0">
-              <a:buNone/>
-            </a:pPr>
-            <a:endParaRPr lang="en-US" sz="3200" dirty="0"/>
-          </a:p>
-        </p:txBody>
-      </p:sp>
-      <p:sp>
-        <p:nvSpPr>
-          <p:cNvPr id="7" name="Date Placeholder 6"/>
+            <a:endParaRPr lang="en-US" sz="2800" dirty="0"/>
+          </a:p>
+        </p:txBody>
+      </p:sp>
+      <p:sp>
+        <p:nvSpPr>
+          <p:cNvPr id="4" name="Date Placeholder 3"/>
           <p:cNvSpPr>
             <a:spLocks noGrp="1"/>
           </p:cNvSpPr>
@@ -24234,10 +24306,9 @@
           <a:bodyPr/>
           <a:lstStyle/>
           <a:p>
-            <a:fld id="{A73F672F-A5FB-5745-934A-1BF51CA5539C}" type="datetime1">
+            <a:fld id="{7053BEFA-1175-F644-B249-7D41D72BD3FF}" type="datetime1">
               <a:rPr lang="en-US" smtClean="0"/>
-              <a:pPr/>
-              <a:t>1/29/15</a:t>
+              <a:t>2/14/15</a:t>
             </a:fld>
             <a:endParaRPr lang="en-US"/>
           </a:p>
@@ -24245,7 +24316,7 @@
       </p:sp>
       <p:sp>
         <p:nvSpPr>
-          <p:cNvPr id="8" name="Footer Placeholder 7"/>
+          <p:cNvPr id="5" name="Footer Placeholder 4"/>
           <p:cNvSpPr>
             <a:spLocks noGrp="1"/>
           </p:cNvSpPr>
@@ -24264,7 +24335,7 @@
       </p:sp>
       <p:sp>
         <p:nvSpPr>
-          <p:cNvPr id="9" name="Slide Number Placeholder 8"/>
+          <p:cNvPr id="6" name="Slide Number Placeholder 5"/>
           <p:cNvSpPr>
             <a:spLocks noGrp="1"/>
           </p:cNvSpPr>
@@ -24279,7 +24350,6 @@
           <a:p>
             <a:fld id="{17E276FA-8F89-B34D-A726-BE3FA1F8DD97}" type="slidenum">
               <a:rPr lang="en-US" smtClean="0"/>
-              <a:pPr/>
               <a:t>28</a:t>
             </a:fld>
             <a:endParaRPr lang="en-US" dirty="0"/>
@@ -24289,7 +24359,7 @@
     </p:spTree>
     <p:extLst>
       <p:ext uri="{BB962C8B-B14F-4D97-AF65-F5344CB8AC3E}">
-        <p14:creationId xmlns:p14="http://schemas.microsoft.com/office/powerpoint/2010/main" val="1535357585"/>
+        <p14:creationId xmlns:p14="http://schemas.microsoft.com/office/powerpoint/2010/main" val="168153640"/>
       </p:ext>
     </p:extLst>
   </p:cSld>
@@ -24325,6 +24395,358 @@
       </p:grpSpPr>
       <p:sp>
         <p:nvSpPr>
+          <p:cNvPr id="10" name="Title 9"/>
+          <p:cNvSpPr>
+            <a:spLocks noGrp="1"/>
+          </p:cNvSpPr>
+          <p:nvPr>
+            <p:ph type="title"/>
+          </p:nvPr>
+        </p:nvSpPr>
+        <p:spPr/>
+        <p:txBody>
+          <a:bodyPr/>
+          <a:lstStyle/>
+          <a:p>
+            <a:r>
+              <a:rPr lang="en-US" dirty="0" smtClean="0"/>
+              <a:t>Example: Mouse Motion Length</a:t>
+            </a:r>
+            <a:endParaRPr lang="en-US" dirty="0"/>
+          </a:p>
+        </p:txBody>
+      </p:sp>
+      <p:sp>
+        <p:nvSpPr>
+          <p:cNvPr id="16" name="Content Placeholder 15"/>
+          <p:cNvSpPr>
+            <a:spLocks noGrp="1"/>
+          </p:cNvSpPr>
+          <p:nvPr>
+            <p:ph idx="1"/>
+          </p:nvPr>
+        </p:nvSpPr>
+        <p:spPr>
+          <a:noFill/>
+        </p:spPr>
+        <p:txBody>
+          <a:bodyPr/>
+          <a:lstStyle/>
+          <a:p>
+            <a:pPr marL="0" indent="0">
+              <a:buNone/>
+            </a:pPr>
+            <a:r>
+              <a:rPr lang="en-US" sz="3200" dirty="0"/>
+              <a:t>Normal Distribution: </a:t>
+            </a:r>
+            <a:r>
+              <a:rPr lang="en-US" sz="3200" dirty="0" smtClean="0"/>
+              <a:t>Mouse Motion Length across all interactions</a:t>
+            </a:r>
+            <a:endParaRPr lang="en-US" sz="3200" dirty="0"/>
+          </a:p>
+          <a:p>
+            <a:pPr marL="0" indent="0">
+              <a:buNone/>
+            </a:pPr>
+            <a:r>
+              <a:rPr lang="en-US" sz="3200" dirty="0" smtClean="0"/>
+              <a:t>Random Variable:  An interaction</a:t>
+            </a:r>
+          </a:p>
+          <a:p>
+            <a:pPr marL="0" indent="0">
+              <a:buNone/>
+            </a:pPr>
+            <a:r>
+              <a:rPr lang="en-US" sz="3200" dirty="0"/>
+              <a:t>	</a:t>
+            </a:r>
+            <a:r>
+              <a:rPr lang="en-US" sz="3200" i="1" dirty="0" smtClean="0"/>
+              <a:t>Discrete </a:t>
+            </a:r>
+            <a:r>
+              <a:rPr lang="en-US" sz="3200" dirty="0" smtClean="0"/>
+              <a:t>or </a:t>
+            </a:r>
+            <a:r>
+              <a:rPr lang="en-US" sz="3200" i="1" dirty="0" smtClean="0"/>
+              <a:t>Continuous?</a:t>
+            </a:r>
+            <a:endParaRPr lang="en-US" sz="3200" dirty="0" smtClean="0"/>
+          </a:p>
+          <a:p>
+            <a:pPr marL="0" indent="0">
+              <a:buNone/>
+            </a:pPr>
+            <a:r>
+              <a:rPr lang="en-US" sz="3200" dirty="0" smtClean="0"/>
+              <a:t>Independence? </a:t>
+            </a:r>
+            <a:br>
+              <a:rPr lang="en-US" sz="3200" dirty="0" smtClean="0"/>
+            </a:br>
+            <a:r>
+              <a:rPr lang="en-US" sz="3200" dirty="0" smtClean="0"/>
+              <a:t>	When might this be true/untrue?</a:t>
+            </a:r>
+          </a:p>
+          <a:p>
+            <a:pPr marL="0" indent="0">
+              <a:buNone/>
+            </a:pPr>
+            <a:r>
+              <a:rPr lang="en-US" sz="3200" dirty="0" smtClean="0"/>
+              <a:t>Identical Distributions?</a:t>
+            </a:r>
+          </a:p>
+          <a:p>
+            <a:pPr marL="0" indent="0">
+              <a:buNone/>
+            </a:pPr>
+            <a:endParaRPr lang="en-US" sz="3200" dirty="0" smtClean="0"/>
+          </a:p>
+          <a:p>
+            <a:pPr marL="0" indent="0">
+              <a:buNone/>
+            </a:pPr>
+            <a:endParaRPr lang="en-US" sz="3200" dirty="0"/>
+          </a:p>
+        </p:txBody>
+      </p:sp>
+      <p:sp>
+        <p:nvSpPr>
+          <p:cNvPr id="7" name="Date Placeholder 6"/>
+          <p:cNvSpPr>
+            <a:spLocks noGrp="1"/>
+          </p:cNvSpPr>
+          <p:nvPr>
+            <p:ph type="dt" sz="half" idx="10"/>
+          </p:nvPr>
+        </p:nvSpPr>
+        <p:spPr/>
+        <p:txBody>
+          <a:bodyPr/>
+          <a:lstStyle/>
+          <a:p>
+            <a:fld id="{A73F672F-A5FB-5745-934A-1BF51CA5539C}" type="datetime1">
+              <a:rPr lang="en-US" smtClean="0"/>
+              <a:pPr/>
+              <a:t>2/14/15</a:t>
+            </a:fld>
+            <a:endParaRPr lang="en-US"/>
+          </a:p>
+        </p:txBody>
+      </p:sp>
+      <p:sp>
+        <p:nvSpPr>
+          <p:cNvPr id="8" name="Footer Placeholder 7"/>
+          <p:cNvSpPr>
+            <a:spLocks noGrp="1"/>
+          </p:cNvSpPr>
+          <p:nvPr>
+            <p:ph type="ftr" sz="quarter" idx="11"/>
+          </p:nvPr>
+        </p:nvSpPr>
+        <p:spPr/>
+        <p:txBody>
+          <a:bodyPr/>
+          <a:lstStyle/>
+          <a:p>
+            <a:endParaRPr lang="en-US" dirty="0"/>
+          </a:p>
+        </p:txBody>
+      </p:sp>
+      <p:sp>
+        <p:nvSpPr>
+          <p:cNvPr id="9" name="Slide Number Placeholder 8"/>
+          <p:cNvSpPr>
+            <a:spLocks noGrp="1"/>
+          </p:cNvSpPr>
+          <p:nvPr>
+            <p:ph type="sldNum" sz="quarter" idx="12"/>
+          </p:nvPr>
+        </p:nvSpPr>
+        <p:spPr/>
+        <p:txBody>
+          <a:bodyPr/>
+          <a:lstStyle/>
+          <a:p>
+            <a:fld id="{17E276FA-8F89-B34D-A726-BE3FA1F8DD97}" type="slidenum">
+              <a:rPr lang="en-US" smtClean="0"/>
+              <a:pPr/>
+              <a:t>29</a:t>
+            </a:fld>
+            <a:endParaRPr lang="en-US" dirty="0"/>
+          </a:p>
+        </p:txBody>
+      </p:sp>
+    </p:spTree>
+    <p:extLst>
+      <p:ext uri="{BB962C8B-B14F-4D97-AF65-F5344CB8AC3E}">
+        <p14:creationId xmlns:p14="http://schemas.microsoft.com/office/powerpoint/2010/main" val="1535357585"/>
+      </p:ext>
+    </p:extLst>
+  </p:cSld>
+  <p:clrMapOvr>
+    <a:masterClrMapping/>
+  </p:clrMapOvr>
+  <p:timing>
+    <p:tnLst>
+      <p:par>
+        <p:cTn xmlns:p14="http://schemas.microsoft.com/office/powerpoint/2010/main" id="1" dur="indefinite" restart="never" nodeType="tmRoot"/>
+      </p:par>
+    </p:tnLst>
+  </p:timing>
+</p:sld>
+</file>
+
+<file path=ppt/slides/slide3.xml><?xml version="1.0" encoding="utf-8"?>
+<p:sld xmlns:a="http://schemas.openxmlformats.org/drawingml/2006/main" xmlns:r="http://schemas.openxmlformats.org/officeDocument/2006/relationships" xmlns:p="http://schemas.openxmlformats.org/presentationml/2006/main">
+  <p:cSld>
+    <p:spTree>
+      <p:nvGrpSpPr>
+        <p:cNvPr id="1" name=""/>
+        <p:cNvGrpSpPr/>
+        <p:nvPr/>
+      </p:nvGrpSpPr>
+      <p:grpSpPr>
+        <a:xfrm>
+          <a:off x="0" y="0"/>
+          <a:ext cx="0" cy="0"/>
+          <a:chOff x="0" y="0"/>
+          <a:chExt cx="0" cy="0"/>
+        </a:xfrm>
+      </p:grpSpPr>
+      <p:sp>
+        <p:nvSpPr>
+          <p:cNvPr id="2" name="Title 1"/>
+          <p:cNvSpPr>
+            <a:spLocks noGrp="1"/>
+          </p:cNvSpPr>
+          <p:nvPr>
+            <p:ph type="title"/>
+          </p:nvPr>
+        </p:nvSpPr>
+        <p:spPr/>
+        <p:txBody>
+          <a:bodyPr/>
+          <a:lstStyle/>
+          <a:p>
+            <a:r>
+              <a:rPr lang="en-US" dirty="0" smtClean="0"/>
+              <a:t>Preparing for Analysis / Visualization</a:t>
+            </a:r>
+            <a:endParaRPr lang="en-US" dirty="0"/>
+          </a:p>
+        </p:txBody>
+      </p:sp>
+      <p:sp>
+        <p:nvSpPr>
+          <p:cNvPr id="3" name="Text Placeholder 2"/>
+          <p:cNvSpPr>
+            <a:spLocks noGrp="1"/>
+          </p:cNvSpPr>
+          <p:nvPr>
+            <p:ph type="body" idx="1"/>
+          </p:nvPr>
+        </p:nvSpPr>
+        <p:spPr/>
+        <p:txBody>
+          <a:bodyPr/>
+          <a:lstStyle/>
+          <a:p>
+            <a:endParaRPr lang="en-US" dirty="0"/>
+          </a:p>
+        </p:txBody>
+      </p:sp>
+      <p:sp>
+        <p:nvSpPr>
+          <p:cNvPr id="4" name="Date Placeholder 3"/>
+          <p:cNvSpPr>
+            <a:spLocks noGrp="1"/>
+          </p:cNvSpPr>
+          <p:nvPr>
+            <p:ph type="dt" sz="half" idx="10"/>
+          </p:nvPr>
+        </p:nvSpPr>
+        <p:spPr/>
+        <p:txBody>
+          <a:bodyPr/>
+          <a:lstStyle/>
+          <a:p>
+            <a:fld id="{111EEF3B-ABF2-AA4E-9E24-0C6256942674}" type="datetime1">
+              <a:rPr lang="en-US" smtClean="0"/>
+              <a:t>2/14/15</a:t>
+            </a:fld>
+            <a:endParaRPr lang="en-US"/>
+          </a:p>
+        </p:txBody>
+      </p:sp>
+      <p:sp>
+        <p:nvSpPr>
+          <p:cNvPr id="5" name="Slide Number Placeholder 4"/>
+          <p:cNvSpPr>
+            <a:spLocks noGrp="1"/>
+          </p:cNvSpPr>
+          <p:nvPr>
+            <p:ph type="sldNum" sz="quarter" idx="12"/>
+          </p:nvPr>
+        </p:nvSpPr>
+        <p:spPr/>
+        <p:txBody>
+          <a:bodyPr/>
+          <a:lstStyle/>
+          <a:p>
+            <a:fld id="{17E276FA-8F89-B34D-A726-BE3FA1F8DD97}" type="slidenum">
+              <a:rPr lang="en-US" smtClean="0"/>
+              <a:t>3</a:t>
+            </a:fld>
+            <a:endParaRPr lang="en-US" dirty="0"/>
+          </a:p>
+        </p:txBody>
+      </p:sp>
+    </p:spTree>
+    <p:extLst>
+      <p:ext uri="{BB962C8B-B14F-4D97-AF65-F5344CB8AC3E}">
+        <p14:creationId xmlns:p14="http://schemas.microsoft.com/office/powerpoint/2010/main" val="1343791109"/>
+      </p:ext>
+    </p:extLst>
+  </p:cSld>
+  <p:clrMapOvr>
+    <a:masterClrMapping/>
+  </p:clrMapOvr>
+  <p:timing>
+    <p:tnLst>
+      <p:par>
+        <p:cTn xmlns:p14="http://schemas.microsoft.com/office/powerpoint/2010/main" id="1" dur="indefinite" restart="never" nodeType="tmRoot"/>
+      </p:par>
+    </p:tnLst>
+  </p:timing>
+</p:sld>
+</file>
+
+<file path=ppt/slides/slide30.xml><?xml version="1.0" encoding="utf-8"?>
+<p:sld xmlns:a="http://schemas.openxmlformats.org/drawingml/2006/main" xmlns:r="http://schemas.openxmlformats.org/officeDocument/2006/relationships" xmlns:p="http://schemas.openxmlformats.org/presentationml/2006/main">
+  <p:cSld>
+    <p:spTree>
+      <p:nvGrpSpPr>
+        <p:cNvPr id="1" name=""/>
+        <p:cNvGrpSpPr/>
+        <p:nvPr/>
+      </p:nvGrpSpPr>
+      <p:grpSpPr>
+        <a:xfrm>
+          <a:off x="0" y="0"/>
+          <a:ext cx="0" cy="0"/>
+          <a:chOff x="0" y="0"/>
+          <a:chExt cx="0" cy="0"/>
+        </a:xfrm>
+      </p:grpSpPr>
+      <p:sp>
+        <p:nvSpPr>
           <p:cNvPr id="2" name="Title 1"/>
           <p:cNvSpPr>
             <a:spLocks noGrp="1"/>
@@ -24363,7 +24785,7 @@
           <a:p>
             <a:fld id="{7053BEFA-1175-F644-B249-7D41D72BD3FF}" type="datetime1">
               <a:rPr lang="en-US" smtClean="0"/>
-              <a:t>1/29/15</a:t>
+              <a:t>2/14/15</a:t>
             </a:fld>
             <a:endParaRPr lang="en-US"/>
           </a:p>
@@ -24405,7 +24827,7 @@
           <a:p>
             <a:fld id="{17E276FA-8F89-B34D-A726-BE3FA1F8DD97}" type="slidenum">
               <a:rPr lang="en-US" smtClean="0"/>
-              <a:t>29</a:t>
+              <a:t>30</a:t>
             </a:fld>
             <a:endParaRPr lang="en-US" dirty="0"/>
           </a:p>
@@ -24857,7 +25279,7 @@
 </p:sld>
 </file>
 
-<file path=ppt/slides/slide3.xml><?xml version="1.0" encoding="utf-8"?>
+<file path=ppt/slides/slide31.xml><?xml version="1.0" encoding="utf-8"?>
 <p:sld xmlns:a="http://schemas.openxmlformats.org/drawingml/2006/main" xmlns:r="http://schemas.openxmlformats.org/officeDocument/2006/relationships" xmlns:p="http://schemas.openxmlformats.org/presentationml/2006/main">
   <p:cSld>
     <p:spTree>
@@ -24891,93 +25313,14 @@
           <a:p>
             <a:r>
               <a:rPr lang="en-US" dirty="0" smtClean="0"/>
-              <a:t>Goals</a:t>
-            </a:r>
-            <a:endParaRPr lang="en-US" dirty="0"/>
-          </a:p>
-        </p:txBody>
-      </p:sp>
-      <p:sp>
-        <p:nvSpPr>
-          <p:cNvPr id="3" name="Content Placeholder 2"/>
-          <p:cNvSpPr>
-            <a:spLocks noGrp="1"/>
-          </p:cNvSpPr>
-          <p:nvPr>
-            <p:ph idx="1"/>
-          </p:nvPr>
-        </p:nvSpPr>
-        <p:spPr/>
-        <p:txBody>
-          <a:bodyPr/>
-          <a:lstStyle/>
-          <a:p>
-            <a:r>
-              <a:rPr lang="en-US" dirty="0" smtClean="0"/>
-              <a:t>Summarizing the Data</a:t>
-            </a:r>
-          </a:p>
-          <a:p>
-            <a:pPr lvl="1"/>
-            <a:r>
-              <a:rPr lang="en-US" dirty="0" smtClean="0"/>
-              <a:t>Summary Tables</a:t>
-            </a:r>
-          </a:p>
-          <a:p>
-            <a:pPr lvl="1"/>
-            <a:r>
-              <a:rPr lang="en-US" dirty="0"/>
-              <a:t>Descriptive </a:t>
-            </a:r>
-            <a:r>
-              <a:rPr lang="en-US" dirty="0" smtClean="0"/>
-              <a:t>statistics</a:t>
-            </a:r>
-          </a:p>
-          <a:p>
-            <a:pPr lvl="1"/>
-            <a:r>
-              <a:rPr lang="en-US" dirty="0" smtClean="0"/>
-              <a:t>Graphs</a:t>
-            </a:r>
-            <a:endParaRPr lang="en-US" dirty="0"/>
-          </a:p>
-          <a:p>
-            <a:r>
-              <a:rPr lang="en-US" dirty="0" smtClean="0"/>
-              <a:t>Finding Hidden Relationships</a:t>
-            </a:r>
-          </a:p>
-          <a:p>
-            <a:pPr lvl="1"/>
-            <a:r>
-              <a:rPr lang="en-US" dirty="0"/>
-              <a:t>Asking specific </a:t>
-            </a:r>
-            <a:r>
-              <a:rPr lang="en-US" dirty="0" smtClean="0"/>
-              <a:t>questions</a:t>
-            </a:r>
-          </a:p>
-          <a:p>
-            <a:pPr lvl="1"/>
-            <a:r>
-              <a:rPr lang="en-US" dirty="0"/>
-              <a:t>Correlations</a:t>
-            </a:r>
-          </a:p>
-          <a:p>
-            <a:pPr lvl="1"/>
-            <a:r>
-              <a:rPr lang="en-US" dirty="0" smtClean="0"/>
-              <a:t>Grouping</a:t>
-            </a:r>
-          </a:p>
-          <a:p>
-            <a:r>
-              <a:rPr lang="en-US" dirty="0" smtClean="0"/>
-              <a:t>[eventually] Making Predictions</a:t>
+              <a:t>What your distribution implies: </a:t>
+            </a:r>
+            <a:br>
+              <a:rPr lang="en-US" dirty="0" smtClean="0"/>
+            </a:br>
+            <a:r>
+              <a:rPr lang="en-US" dirty="0" smtClean="0"/>
+              <a:t>Log Normal Distribution</a:t>
             </a:r>
             <a:endParaRPr lang="en-US" dirty="0"/>
           </a:p>
@@ -25000,7 +25343,7 @@
           <a:p>
             <a:fld id="{7053BEFA-1175-F644-B249-7D41D72BD3FF}" type="datetime1">
               <a:rPr lang="en-US" smtClean="0"/>
-              <a:t>1/29/15</a:t>
+              <a:t>2/14/15</a:t>
             </a:fld>
             <a:endParaRPr lang="en-US"/>
           </a:p>
@@ -25042,139 +25385,7 @@
           <a:p>
             <a:fld id="{17E276FA-8F89-B34D-A726-BE3FA1F8DD97}" type="slidenum">
               <a:rPr lang="en-US" smtClean="0"/>
-              <a:t>3</a:t>
-            </a:fld>
-            <a:endParaRPr lang="en-US" dirty="0"/>
-          </a:p>
-        </p:txBody>
-      </p:sp>
-    </p:spTree>
-    <p:extLst>
-      <p:ext uri="{BB962C8B-B14F-4D97-AF65-F5344CB8AC3E}">
-        <p14:creationId xmlns:p14="http://schemas.microsoft.com/office/powerpoint/2010/main" val="745023266"/>
-      </p:ext>
-    </p:extLst>
-  </p:cSld>
-  <p:clrMapOvr>
-    <a:masterClrMapping/>
-  </p:clrMapOvr>
-  <p:timing>
-    <p:tnLst>
-      <p:par>
-        <p:cTn xmlns:p14="http://schemas.microsoft.com/office/powerpoint/2010/main" id="1" dur="indefinite" restart="never" nodeType="tmRoot"/>
-      </p:par>
-    </p:tnLst>
-  </p:timing>
-</p:sld>
-</file>
-
-<file path=ppt/slides/slide30.xml><?xml version="1.0" encoding="utf-8"?>
-<p:sld xmlns:a="http://schemas.openxmlformats.org/drawingml/2006/main" xmlns:r="http://schemas.openxmlformats.org/officeDocument/2006/relationships" xmlns:p="http://schemas.openxmlformats.org/presentationml/2006/main">
-  <p:cSld>
-    <p:spTree>
-      <p:nvGrpSpPr>
-        <p:cNvPr id="1" name=""/>
-        <p:cNvGrpSpPr/>
-        <p:nvPr/>
-      </p:nvGrpSpPr>
-      <p:grpSpPr>
-        <a:xfrm>
-          <a:off x="0" y="0"/>
-          <a:ext cx="0" cy="0"/>
-          <a:chOff x="0" y="0"/>
-          <a:chExt cx="0" cy="0"/>
-        </a:xfrm>
-      </p:grpSpPr>
-      <p:sp>
-        <p:nvSpPr>
-          <p:cNvPr id="2" name="Title 1"/>
-          <p:cNvSpPr>
-            <a:spLocks noGrp="1"/>
-          </p:cNvSpPr>
-          <p:nvPr>
-            <p:ph type="title"/>
-          </p:nvPr>
-        </p:nvSpPr>
-        <p:spPr/>
-        <p:txBody>
-          <a:bodyPr/>
-          <a:lstStyle/>
-          <a:p>
-            <a:r>
-              <a:rPr lang="en-US" dirty="0" smtClean="0"/>
-              <a:t>What your distribution implies: </a:t>
-            </a:r>
-            <a:br>
-              <a:rPr lang="en-US" dirty="0" smtClean="0"/>
-            </a:br>
-            <a:r>
-              <a:rPr lang="en-US" dirty="0" smtClean="0"/>
-              <a:t>Log Normal Distribution</a:t>
-            </a:r>
-            <a:endParaRPr lang="en-US" dirty="0"/>
-          </a:p>
-        </p:txBody>
-      </p:sp>
-      <p:sp>
-        <p:nvSpPr>
-          <p:cNvPr id="4" name="Date Placeholder 3"/>
-          <p:cNvSpPr>
-            <a:spLocks noGrp="1"/>
-          </p:cNvSpPr>
-          <p:nvPr>
-            <p:ph type="dt" sz="half" idx="10"/>
-          </p:nvPr>
-        </p:nvSpPr>
-        <p:spPr/>
-        <p:txBody>
-          <a:bodyPr/>
-          <a:lstStyle/>
-          <a:p>
-            <a:fld id="{7053BEFA-1175-F644-B249-7D41D72BD3FF}" type="datetime1">
-              <a:rPr lang="en-US" smtClean="0"/>
-              <a:t>1/29/15</a:t>
-            </a:fld>
-            <a:endParaRPr lang="en-US"/>
-          </a:p>
-        </p:txBody>
-      </p:sp>
-      <p:sp>
-        <p:nvSpPr>
-          <p:cNvPr id="5" name="Footer Placeholder 4"/>
-          <p:cNvSpPr>
-            <a:spLocks noGrp="1"/>
-          </p:cNvSpPr>
-          <p:nvPr>
-            <p:ph type="ftr" sz="quarter" idx="11"/>
-          </p:nvPr>
-        </p:nvSpPr>
-        <p:spPr/>
-        <p:txBody>
-          <a:bodyPr/>
-          <a:lstStyle/>
-          <a:p>
-            <a:endParaRPr lang="en-US" dirty="0"/>
-          </a:p>
-        </p:txBody>
-      </p:sp>
-      <p:sp>
-        <p:nvSpPr>
-          <p:cNvPr id="6" name="Slide Number Placeholder 5"/>
-          <p:cNvSpPr>
-            <a:spLocks noGrp="1"/>
-          </p:cNvSpPr>
-          <p:nvPr>
-            <p:ph type="sldNum" sz="quarter" idx="12"/>
-          </p:nvPr>
-        </p:nvSpPr>
-        <p:spPr/>
-        <p:txBody>
-          <a:bodyPr/>
-          <a:lstStyle/>
-          <a:p>
-            <a:fld id="{17E276FA-8F89-B34D-A726-BE3FA1F8DD97}" type="slidenum">
-              <a:rPr lang="en-US" smtClean="0"/>
-              <a:t>30</a:t>
+              <a:t>31</a:t>
             </a:fld>
             <a:endParaRPr lang="en-US" dirty="0"/>
           </a:p>
@@ -25580,7 +25791,7 @@
 </p:sld>
 </file>
 
-<file path=ppt/slides/slide31.xml><?xml version="1.0" encoding="utf-8"?>
+<file path=ppt/slides/slide32.xml><?xml version="1.0" encoding="utf-8"?>
 <p:sld xmlns:a="http://schemas.openxmlformats.org/drawingml/2006/main" xmlns:r="http://schemas.openxmlformats.org/officeDocument/2006/relationships" xmlns:p="http://schemas.openxmlformats.org/presentationml/2006/main">
   <p:cSld>
     <p:spTree>
@@ -25637,7 +25848,7 @@
           <a:p>
             <a:fld id="{7053BEFA-1175-F644-B249-7D41D72BD3FF}" type="datetime1">
               <a:rPr lang="en-US" smtClean="0"/>
-              <a:t>1/29/15</a:t>
+              <a:t>2/14/15</a:t>
             </a:fld>
             <a:endParaRPr lang="en-US"/>
           </a:p>
@@ -25679,7 +25890,7 @@
           <a:p>
             <a:fld id="{17E276FA-8F89-B34D-A726-BE3FA1F8DD97}" type="slidenum">
               <a:rPr lang="en-US" smtClean="0"/>
-              <a:t>31</a:t>
+              <a:t>32</a:t>
             </a:fld>
             <a:endParaRPr lang="en-US" dirty="0"/>
           </a:p>
@@ -26060,7 +26271,7 @@
 </p:sld>
 </file>
 
-<file path=ppt/slides/slide32.xml><?xml version="1.0" encoding="utf-8"?>
+<file path=ppt/slides/slide33.xml><?xml version="1.0" encoding="utf-8"?>
 <p:sld xmlns:a="http://schemas.openxmlformats.org/drawingml/2006/main" xmlns:r="http://schemas.openxmlformats.org/officeDocument/2006/relationships" xmlns:p="http://schemas.openxmlformats.org/presentationml/2006/main">
   <p:cSld>
     <p:spTree>
@@ -26148,7 +26359,7 @@
             <a:fld id="{FA3C144B-2939-9A49-B014-915EC3E81866}" type="datetime1">
               <a:rPr lang="en-US" smtClean="0"/>
               <a:pPr/>
-              <a:t>1/29/15</a:t>
+              <a:t>2/14/15</a:t>
             </a:fld>
             <a:endParaRPr lang="en-US" dirty="0"/>
           </a:p>
@@ -26191,7 +26402,7 @@
             <a:fld id="{17E276FA-8F89-B34D-A726-BE3FA1F8DD97}" type="slidenum">
               <a:rPr lang="en-US" smtClean="0"/>
               <a:pPr/>
-              <a:t>32</a:t>
+              <a:t>33</a:t>
             </a:fld>
             <a:endParaRPr lang="en-US" dirty="0"/>
           </a:p>
@@ -26269,174 +26480,6 @@
     <p:extLst>
       <p:ext uri="{BB962C8B-B14F-4D97-AF65-F5344CB8AC3E}">
         <p14:creationId xmlns:p14="http://schemas.microsoft.com/office/powerpoint/2010/main" val="2762598272"/>
-      </p:ext>
-    </p:extLst>
-  </p:cSld>
-  <p:clrMapOvr>
-    <a:masterClrMapping/>
-  </p:clrMapOvr>
-  <p:timing>
-    <p:tnLst>
-      <p:par>
-        <p:cTn xmlns:p14="http://schemas.microsoft.com/office/powerpoint/2010/main" id="1" dur="indefinite" restart="never" nodeType="tmRoot"/>
-      </p:par>
-    </p:tnLst>
-  </p:timing>
-</p:sld>
-</file>
-
-<file path=ppt/slides/slide33.xml><?xml version="1.0" encoding="utf-8"?>
-<p:sld xmlns:a="http://schemas.openxmlformats.org/drawingml/2006/main" xmlns:r="http://schemas.openxmlformats.org/officeDocument/2006/relationships" xmlns:p="http://schemas.openxmlformats.org/presentationml/2006/main">
-  <p:cSld>
-    <p:spTree>
-      <p:nvGrpSpPr>
-        <p:cNvPr id="1" name=""/>
-        <p:cNvGrpSpPr/>
-        <p:nvPr/>
-      </p:nvGrpSpPr>
-      <p:grpSpPr>
-        <a:xfrm>
-          <a:off x="0" y="0"/>
-          <a:ext cx="0" cy="0"/>
-          <a:chOff x="0" y="0"/>
-          <a:chExt cx="0" cy="0"/>
-        </a:xfrm>
-      </p:grpSpPr>
-      <p:sp>
-        <p:nvSpPr>
-          <p:cNvPr id="2" name="Title 1"/>
-          <p:cNvSpPr>
-            <a:spLocks noGrp="1"/>
-          </p:cNvSpPr>
-          <p:nvPr>
-            <p:ph type="title"/>
-          </p:nvPr>
-        </p:nvSpPr>
-        <p:spPr/>
-        <p:txBody>
-          <a:bodyPr/>
-          <a:lstStyle/>
-          <a:p>
-            <a:r>
-              <a:rPr lang="en-US" dirty="0" smtClean="0"/>
-              <a:t>Value of Histograms</a:t>
-            </a:r>
-            <a:endParaRPr lang="en-US" dirty="0"/>
-          </a:p>
-        </p:txBody>
-      </p:sp>
-      <p:sp>
-        <p:nvSpPr>
-          <p:cNvPr id="3" name="Content Placeholder 2"/>
-          <p:cNvSpPr>
-            <a:spLocks noGrp="1"/>
-          </p:cNvSpPr>
-          <p:nvPr>
-            <p:ph idx="1"/>
-          </p:nvPr>
-        </p:nvSpPr>
-        <p:spPr/>
-        <p:txBody>
-          <a:bodyPr/>
-          <a:lstStyle/>
-          <a:p>
-            <a:pPr marL="0" indent="0">
-              <a:buNone/>
-            </a:pPr>
-            <a:r>
-              <a:rPr lang="en-US" dirty="0" smtClean="0"/>
-              <a:t>Helps you check: Do assumptions match your data?</a:t>
-            </a:r>
-          </a:p>
-          <a:p>
-            <a:pPr marL="0" indent="0">
-              <a:buNone/>
-            </a:pPr>
-            <a:r>
-              <a:rPr lang="en-US" dirty="0" smtClean="0"/>
-              <a:t>Gives a sense of the distribution</a:t>
-            </a:r>
-          </a:p>
-          <a:p>
-            <a:pPr marL="0" indent="0">
-              <a:buNone/>
-            </a:pPr>
-            <a:endParaRPr lang="en-US" dirty="0" smtClean="0"/>
-          </a:p>
-          <a:p>
-            <a:endParaRPr lang="en-US" dirty="0"/>
-          </a:p>
-        </p:txBody>
-      </p:sp>
-      <p:sp>
-        <p:nvSpPr>
-          <p:cNvPr id="4" name="Date Placeholder 3"/>
-          <p:cNvSpPr>
-            <a:spLocks noGrp="1"/>
-          </p:cNvSpPr>
-          <p:nvPr>
-            <p:ph type="dt" sz="half" idx="10"/>
-          </p:nvPr>
-        </p:nvSpPr>
-        <p:spPr/>
-        <p:txBody>
-          <a:bodyPr/>
-          <a:lstStyle/>
-          <a:p>
-            <a:fld id="{7053BEFA-1175-F644-B249-7D41D72BD3FF}" type="datetime1">
-              <a:rPr lang="en-US" smtClean="0"/>
-              <a:t>1/29/15</a:t>
-            </a:fld>
-            <a:endParaRPr lang="en-US"/>
-          </a:p>
-        </p:txBody>
-      </p:sp>
-      <p:sp>
-        <p:nvSpPr>
-          <p:cNvPr id="5" name="Footer Placeholder 4"/>
-          <p:cNvSpPr>
-            <a:spLocks noGrp="1"/>
-          </p:cNvSpPr>
-          <p:nvPr>
-            <p:ph type="ftr" sz="quarter" idx="11"/>
-          </p:nvPr>
-        </p:nvSpPr>
-        <p:spPr/>
-        <p:txBody>
-          <a:bodyPr/>
-          <a:lstStyle/>
-          <a:p>
-            <a:endParaRPr lang="en-US" dirty="0"/>
-          </a:p>
-        </p:txBody>
-      </p:sp>
-      <p:sp>
-        <p:nvSpPr>
-          <p:cNvPr id="6" name="Slide Number Placeholder 5"/>
-          <p:cNvSpPr>
-            <a:spLocks noGrp="1"/>
-          </p:cNvSpPr>
-          <p:nvPr>
-            <p:ph type="sldNum" sz="quarter" idx="12"/>
-          </p:nvPr>
-        </p:nvSpPr>
-        <p:spPr/>
-        <p:txBody>
-          <a:bodyPr/>
-          <a:lstStyle/>
-          <a:p>
-            <a:fld id="{17E276FA-8F89-B34D-A726-BE3FA1F8DD97}" type="slidenum">
-              <a:rPr lang="en-US" smtClean="0"/>
-              <a:t>33</a:t>
-            </a:fld>
-            <a:endParaRPr lang="en-US" dirty="0"/>
-          </a:p>
-        </p:txBody>
-      </p:sp>
-    </p:spTree>
-    <p:extLst>
-      <p:ext uri="{BB962C8B-B14F-4D97-AF65-F5344CB8AC3E}">
-        <p14:creationId xmlns:p14="http://schemas.microsoft.com/office/powerpoint/2010/main" val="721130924"/>
       </p:ext>
     </p:extLst>
   </p:cSld>
@@ -26486,9 +26529,53 @@
           <a:lstStyle/>
           <a:p>
             <a:r>
-              <a:rPr lang="en-US" dirty="0"/>
-              <a:t>Summary: Steps So Far</a:t>
-            </a:r>
+              <a:rPr lang="en-US" dirty="0" smtClean="0"/>
+              <a:t>Value of Histograms</a:t>
+            </a:r>
+            <a:endParaRPr lang="en-US" dirty="0"/>
+          </a:p>
+        </p:txBody>
+      </p:sp>
+      <p:sp>
+        <p:nvSpPr>
+          <p:cNvPr id="3" name="Content Placeholder 2"/>
+          <p:cNvSpPr>
+            <a:spLocks noGrp="1"/>
+          </p:cNvSpPr>
+          <p:nvPr>
+            <p:ph idx="1"/>
+          </p:nvPr>
+        </p:nvSpPr>
+        <p:spPr/>
+        <p:txBody>
+          <a:bodyPr/>
+          <a:lstStyle/>
+          <a:p>
+            <a:pPr marL="0" indent="0">
+              <a:buNone/>
+            </a:pPr>
+            <a:r>
+              <a:rPr lang="en-US" dirty="0" smtClean="0"/>
+              <a:t>Helps you check: Do assumptions match your data?</a:t>
+            </a:r>
+          </a:p>
+          <a:p>
+            <a:pPr marL="0" indent="0">
+              <a:buNone/>
+            </a:pPr>
+            <a:r>
+              <a:rPr lang="en-US" dirty="0" smtClean="0"/>
+              <a:t>Gives a sense of the distribution</a:t>
+            </a:r>
+          </a:p>
+          <a:p>
+            <a:pPr marL="0" indent="0">
+              <a:buNone/>
+            </a:pPr>
+            <a:endParaRPr lang="en-US" dirty="0" smtClean="0"/>
+          </a:p>
+          <a:p>
+            <a:endParaRPr lang="en-US" dirty="0"/>
           </a:p>
         </p:txBody>
       </p:sp>
@@ -26509,7 +26596,7 @@
           <a:p>
             <a:fld id="{7053BEFA-1175-F644-B249-7D41D72BD3FF}" type="datetime1">
               <a:rPr lang="en-US" smtClean="0"/>
-              <a:t>1/29/15</a:t>
+              <a:t>2/14/15</a:t>
             </a:fld>
             <a:endParaRPr lang="en-US"/>
           </a:p>
@@ -26557,34 +26644,10 @@
           </a:p>
         </p:txBody>
       </p:sp>
-      <p:graphicFrame>
-        <p:nvGraphicFramePr>
-          <p:cNvPr id="7" name="Content Placeholder 7"/>
-          <p:cNvGraphicFramePr>
-            <a:graphicFrameLocks/>
-          </p:cNvGraphicFramePr>
-          <p:nvPr>
-            <p:extLst>
-              <p:ext uri="{D42A27DB-BD31-4B8C-83A1-F6EECF244321}">
-                <p14:modId xmlns:p14="http://schemas.microsoft.com/office/powerpoint/2010/main" val="1021544237"/>
-              </p:ext>
-            </p:extLst>
-          </p:nvPr>
-        </p:nvGraphicFramePr>
-        <p:xfrm>
-          <a:off x="141084" y="1847153"/>
-          <a:ext cx="9016083" cy="4379976"/>
-        </p:xfrm>
-        <a:graphic>
-          <a:graphicData uri="http://schemas.openxmlformats.org/drawingml/2006/diagram">
-            <dgm:relIds xmlns:dgm="http://schemas.openxmlformats.org/drawingml/2006/diagram" xmlns:r="http://schemas.openxmlformats.org/officeDocument/2006/relationships" r:dm="rId2" r:lo="rId3" r:qs="rId4" r:cs="rId5"/>
-          </a:graphicData>
-        </a:graphic>
-      </p:graphicFrame>
     </p:spTree>
     <p:extLst>
       <p:ext uri="{BB962C8B-B14F-4D97-AF65-F5344CB8AC3E}">
-        <p14:creationId xmlns:p14="http://schemas.microsoft.com/office/powerpoint/2010/main" val="2970126729"/>
+        <p14:creationId xmlns:p14="http://schemas.microsoft.com/office/powerpoint/2010/main" val="721130924"/>
       </p:ext>
     </p:extLst>
   </p:cSld>
@@ -26634,6 +26697,154 @@
           <a:lstStyle/>
           <a:p>
             <a:r>
+              <a:rPr lang="en-US" dirty="0"/>
+              <a:t>Summary: Steps So Far</a:t>
+            </a:r>
+          </a:p>
+        </p:txBody>
+      </p:sp>
+      <p:sp>
+        <p:nvSpPr>
+          <p:cNvPr id="4" name="Date Placeholder 3"/>
+          <p:cNvSpPr>
+            <a:spLocks noGrp="1"/>
+          </p:cNvSpPr>
+          <p:nvPr>
+            <p:ph type="dt" sz="half" idx="10"/>
+          </p:nvPr>
+        </p:nvSpPr>
+        <p:spPr/>
+        <p:txBody>
+          <a:bodyPr/>
+          <a:lstStyle/>
+          <a:p>
+            <a:fld id="{7053BEFA-1175-F644-B249-7D41D72BD3FF}" type="datetime1">
+              <a:rPr lang="en-US" smtClean="0"/>
+              <a:t>2/14/15</a:t>
+            </a:fld>
+            <a:endParaRPr lang="en-US"/>
+          </a:p>
+        </p:txBody>
+      </p:sp>
+      <p:sp>
+        <p:nvSpPr>
+          <p:cNvPr id="5" name="Footer Placeholder 4"/>
+          <p:cNvSpPr>
+            <a:spLocks noGrp="1"/>
+          </p:cNvSpPr>
+          <p:nvPr>
+            <p:ph type="ftr" sz="quarter" idx="11"/>
+          </p:nvPr>
+        </p:nvSpPr>
+        <p:spPr/>
+        <p:txBody>
+          <a:bodyPr/>
+          <a:lstStyle/>
+          <a:p>
+            <a:endParaRPr lang="en-US" dirty="0"/>
+          </a:p>
+        </p:txBody>
+      </p:sp>
+      <p:sp>
+        <p:nvSpPr>
+          <p:cNvPr id="6" name="Slide Number Placeholder 5"/>
+          <p:cNvSpPr>
+            <a:spLocks noGrp="1"/>
+          </p:cNvSpPr>
+          <p:nvPr>
+            <p:ph type="sldNum" sz="quarter" idx="12"/>
+          </p:nvPr>
+        </p:nvSpPr>
+        <p:spPr/>
+        <p:txBody>
+          <a:bodyPr/>
+          <a:lstStyle/>
+          <a:p>
+            <a:fld id="{17E276FA-8F89-B34D-A726-BE3FA1F8DD97}" type="slidenum">
+              <a:rPr lang="en-US" smtClean="0"/>
+              <a:t>35</a:t>
+            </a:fld>
+            <a:endParaRPr lang="en-US" dirty="0"/>
+          </a:p>
+        </p:txBody>
+      </p:sp>
+      <p:graphicFrame>
+        <p:nvGraphicFramePr>
+          <p:cNvPr id="7" name="Content Placeholder 7"/>
+          <p:cNvGraphicFramePr>
+            <a:graphicFrameLocks/>
+          </p:cNvGraphicFramePr>
+          <p:nvPr>
+            <p:extLst>
+              <p:ext uri="{D42A27DB-BD31-4B8C-83A1-F6EECF244321}">
+                <p14:modId xmlns:p14="http://schemas.microsoft.com/office/powerpoint/2010/main" val="1021544237"/>
+              </p:ext>
+            </p:extLst>
+          </p:nvPr>
+        </p:nvGraphicFramePr>
+        <p:xfrm>
+          <a:off x="141084" y="1847153"/>
+          <a:ext cx="9016083" cy="4379976"/>
+        </p:xfrm>
+        <a:graphic>
+          <a:graphicData uri="http://schemas.openxmlformats.org/drawingml/2006/diagram">
+            <dgm:relIds xmlns:dgm="http://schemas.openxmlformats.org/drawingml/2006/diagram" xmlns:r="http://schemas.openxmlformats.org/officeDocument/2006/relationships" r:dm="rId2" r:lo="rId3" r:qs="rId4" r:cs="rId5"/>
+          </a:graphicData>
+        </a:graphic>
+      </p:graphicFrame>
+    </p:spTree>
+    <p:extLst>
+      <p:ext uri="{BB962C8B-B14F-4D97-AF65-F5344CB8AC3E}">
+        <p14:creationId xmlns:p14="http://schemas.microsoft.com/office/powerpoint/2010/main" val="2970126729"/>
+      </p:ext>
+    </p:extLst>
+  </p:cSld>
+  <p:clrMapOvr>
+    <a:masterClrMapping/>
+  </p:clrMapOvr>
+  <p:timing>
+    <p:tnLst>
+      <p:par>
+        <p:cTn xmlns:p14="http://schemas.microsoft.com/office/powerpoint/2010/main" id="1" dur="indefinite" restart="never" nodeType="tmRoot"/>
+      </p:par>
+    </p:tnLst>
+  </p:timing>
+</p:sld>
+</file>
+
+<file path=ppt/slides/slide36.xml><?xml version="1.0" encoding="utf-8"?>
+<p:sld xmlns:a="http://schemas.openxmlformats.org/drawingml/2006/main" xmlns:r="http://schemas.openxmlformats.org/officeDocument/2006/relationships" xmlns:p="http://schemas.openxmlformats.org/presentationml/2006/main">
+  <p:cSld>
+    <p:spTree>
+      <p:nvGrpSpPr>
+        <p:cNvPr id="1" name=""/>
+        <p:cNvGrpSpPr/>
+        <p:nvPr/>
+      </p:nvGrpSpPr>
+      <p:grpSpPr>
+        <a:xfrm>
+          <a:off x="0" y="0"/>
+          <a:ext cx="0" cy="0"/>
+          <a:chOff x="0" y="0"/>
+          <a:chExt cx="0" cy="0"/>
+        </a:xfrm>
+      </p:grpSpPr>
+      <p:sp>
+        <p:nvSpPr>
+          <p:cNvPr id="2" name="Title 1"/>
+          <p:cNvSpPr>
+            <a:spLocks noGrp="1"/>
+          </p:cNvSpPr>
+          <p:nvPr>
+            <p:ph type="title"/>
+          </p:nvPr>
+        </p:nvSpPr>
+        <p:spPr/>
+        <p:txBody>
+          <a:bodyPr/>
+          <a:lstStyle/>
+          <a:p>
+            <a:r>
               <a:rPr lang="en-US" dirty="0" smtClean="0"/>
               <a:t>Things we talked about</a:t>
             </a:r>
@@ -26702,7 +26913,7 @@
           <a:p>
             <a:fld id="{7053BEFA-1175-F644-B249-7D41D72BD3FF}" type="datetime1">
               <a:rPr lang="en-US" smtClean="0"/>
-              <a:t>1/29/15</a:t>
+              <a:t>2/14/15</a:t>
             </a:fld>
             <a:endParaRPr lang="en-US"/>
           </a:p>
@@ -26744,7 +26955,7 @@
           <a:p>
             <a:fld id="{17E276FA-8F89-B34D-A726-BE3FA1F8DD97}" type="slidenum">
               <a:rPr lang="en-US" smtClean="0"/>
-              <a:t>35</a:t>
+              <a:t>36</a:t>
             </a:fld>
             <a:endParaRPr lang="en-US" dirty="0"/>
           </a:p>
@@ -26789,7 +27000,7 @@
       </p:grpSpPr>
       <p:sp>
         <p:nvSpPr>
-          <p:cNvPr id="6" name="Title 5"/>
+          <p:cNvPr id="2" name="Title 1"/>
           <p:cNvSpPr>
             <a:spLocks noGrp="1"/>
           </p:cNvSpPr>
@@ -26804,7 +27015,7 @@
           <a:p>
             <a:r>
               <a:rPr lang="en-US" dirty="0" smtClean="0"/>
-              <a:t>Transforming your data: Normalization</a:t>
+              <a:t>Goals</a:t>
             </a:r>
             <a:endParaRPr lang="en-US" dirty="0"/>
           </a:p>
@@ -26812,7 +27023,7 @@
       </p:sp>
       <p:sp>
         <p:nvSpPr>
-          <p:cNvPr id="7" name="Content Placeholder 6"/>
+          <p:cNvPr id="3" name="Content Placeholder 2"/>
           <p:cNvSpPr>
             <a:spLocks noGrp="1"/>
           </p:cNvSpPr>
@@ -26825,48 +27036,74 @@
           <a:bodyPr/>
           <a:lstStyle/>
           <a:p>
-            <a:pPr marL="0" indent="0">
-              <a:buNone/>
-            </a:pPr>
-            <a:r>
-              <a:rPr lang="en-US" dirty="0" smtClean="0"/>
-              <a:t>Allows different fields to be compared </a:t>
-            </a:r>
-          </a:p>
-          <a:p>
-            <a:pPr marL="0" indent="0">
-              <a:buNone/>
-            </a:pPr>
-            <a:r>
-              <a:rPr lang="en-US" dirty="0" smtClean="0"/>
-              <a:t>Avoids undue influence of a column that happens to have large values</a:t>
-            </a:r>
-          </a:p>
-          <a:p>
-            <a:pPr marL="0" indent="0">
-              <a:buNone/>
-            </a:pPr>
-            <a:r>
-              <a:rPr lang="en-US" dirty="0" smtClean="0"/>
-              <a:t>Often moves data to 0-1 range</a:t>
-            </a:r>
-          </a:p>
-          <a:p>
-            <a:pPr marL="0" indent="0">
-              <a:buNone/>
-            </a:pPr>
-            <a:r>
-              <a:rPr lang="en-US" dirty="0" smtClean="0"/>
-              <a:t>Non-linear transformations (</a:t>
-            </a:r>
-            <a:r>
-              <a:rPr lang="en-US" i="1" dirty="0" smtClean="0"/>
-              <a:t>e.g., </a:t>
-            </a:r>
-            <a:r>
-              <a:rPr lang="en-US" dirty="0" smtClean="0"/>
-              <a:t>transforming log-normal data to a normal scale by taking the log)</a:t>
-            </a:r>
+            <a:r>
+              <a:rPr lang="en-US" dirty="0" smtClean="0"/>
+              <a:t>Summarizing the Data</a:t>
+            </a:r>
+          </a:p>
+          <a:p>
+            <a:pPr lvl="1"/>
+            <a:r>
+              <a:rPr lang="en-US" dirty="0" smtClean="0"/>
+              <a:t>Summary Tables</a:t>
+            </a:r>
+          </a:p>
+          <a:p>
+            <a:pPr lvl="1"/>
+            <a:r>
+              <a:rPr lang="en-US" dirty="0"/>
+              <a:t>Descriptive </a:t>
+            </a:r>
+            <a:r>
+              <a:rPr lang="en-US" dirty="0" smtClean="0"/>
+              <a:t>statistics</a:t>
+            </a:r>
+          </a:p>
+          <a:p>
+            <a:pPr lvl="1"/>
+            <a:r>
+              <a:rPr lang="en-US" dirty="0" smtClean="0"/>
+              <a:t>Graphs</a:t>
+            </a:r>
+            <a:endParaRPr lang="en-US" dirty="0"/>
+          </a:p>
+          <a:p>
+            <a:r>
+              <a:rPr lang="en-US" dirty="0" smtClean="0"/>
+              <a:t>Finding Hidden Relationships</a:t>
+            </a:r>
+          </a:p>
+          <a:p>
+            <a:pPr lvl="1"/>
+            <a:r>
+              <a:rPr lang="en-US" dirty="0"/>
+              <a:t>Asking specific </a:t>
+            </a:r>
+            <a:r>
+              <a:rPr lang="en-US" dirty="0" smtClean="0"/>
+              <a:t>questions</a:t>
+            </a:r>
+          </a:p>
+          <a:p>
+            <a:pPr lvl="1"/>
+            <a:r>
+              <a:rPr lang="en-US" dirty="0"/>
+              <a:t>Correlations</a:t>
+            </a:r>
+          </a:p>
+          <a:p>
+            <a:pPr lvl="1"/>
+            <a:r>
+              <a:rPr lang="en-US" dirty="0" smtClean="0"/>
+              <a:t>Grouping</a:t>
+            </a:r>
+          </a:p>
+          <a:p>
+            <a:r>
+              <a:rPr lang="en-US" dirty="0" smtClean="0"/>
+              <a:t>[eventually] Making Predictions</a:t>
+            </a:r>
+            <a:endParaRPr lang="en-US" dirty="0"/>
           </a:p>
         </p:txBody>
       </p:sp>
@@ -26885,9 +27122,9 @@
           <a:bodyPr/>
           <a:lstStyle/>
           <a:p>
-            <a:fld id="{111EEF3B-ABF2-AA4E-9E24-0C6256942674}" type="datetime1">
+            <a:fld id="{7053BEFA-1175-F644-B249-7D41D72BD3FF}" type="datetime1">
               <a:rPr lang="en-US" smtClean="0"/>
-              <a:t>1/29/15</a:t>
+              <a:t>2/14/15</a:t>
             </a:fld>
             <a:endParaRPr lang="en-US"/>
           </a:p>
@@ -26895,7 +27132,26 @@
       </p:sp>
       <p:sp>
         <p:nvSpPr>
-          <p:cNvPr id="5" name="Slide Number Placeholder 4"/>
+          <p:cNvPr id="5" name="Footer Placeholder 4"/>
+          <p:cNvSpPr>
+            <a:spLocks noGrp="1"/>
+          </p:cNvSpPr>
+          <p:nvPr>
+            <p:ph type="ftr" sz="quarter" idx="11"/>
+          </p:nvPr>
+        </p:nvSpPr>
+        <p:spPr/>
+        <p:txBody>
+          <a:bodyPr/>
+          <a:lstStyle/>
+          <a:p>
+            <a:endParaRPr lang="en-US" dirty="0"/>
+          </a:p>
+        </p:txBody>
+      </p:sp>
+      <p:sp>
+        <p:nvSpPr>
+          <p:cNvPr id="6" name="Slide Number Placeholder 5"/>
           <p:cNvSpPr>
             <a:spLocks noGrp="1"/>
           </p:cNvSpPr>
@@ -26919,7 +27175,7 @@
     </p:spTree>
     <p:extLst>
       <p:ext uri="{BB962C8B-B14F-4D97-AF65-F5344CB8AC3E}">
-        <p14:creationId xmlns:p14="http://schemas.microsoft.com/office/powerpoint/2010/main" val="2407762631"/>
+        <p14:creationId xmlns:p14="http://schemas.microsoft.com/office/powerpoint/2010/main" val="745023266"/>
       </p:ext>
     </p:extLst>
   </p:cSld>
@@ -26970,14 +27226,7 @@
           <a:p>
             <a:r>
               <a:rPr lang="en-US" dirty="0" smtClean="0"/>
-              <a:t>Transforming your data: </a:t>
-            </a:r>
-            <a:br>
-              <a:rPr lang="en-US" dirty="0" smtClean="0"/>
-            </a:br>
-            <a:r>
-              <a:rPr lang="en-US" dirty="0" smtClean="0"/>
-              <a:t>Ordinal &lt;-&gt; Numeric</a:t>
+              <a:t>Transforming your data: Normalization</a:t>
             </a:r>
             <a:endParaRPr lang="en-US" dirty="0"/>
           </a:p>
@@ -27002,61 +27251,44 @@
               <a:buNone/>
             </a:pPr>
             <a:r>
-              <a:rPr lang="en-US" sz="3600" dirty="0"/>
-              <a:t>Value Mapping</a:t>
-            </a:r>
-          </a:p>
-          <a:p>
-            <a:pPr lvl="1"/>
-            <a:r>
-              <a:rPr lang="en-US" sz="2800" dirty="0"/>
-              <a:t>Convert ordinal values into numbers </a:t>
-            </a:r>
-            <a:endParaRPr lang="en-US" sz="2800" dirty="0" smtClean="0"/>
+              <a:rPr lang="en-US" dirty="0" smtClean="0"/>
+              <a:t>Allows different fields to be compared </a:t>
+            </a:r>
           </a:p>
           <a:p>
             <a:pPr marL="0" indent="0">
               <a:buNone/>
             </a:pPr>
             <a:r>
-              <a:rPr lang="en-US" sz="3600" dirty="0" smtClean="0"/>
-              <a:t>Discretization</a:t>
-            </a:r>
-            <a:endParaRPr lang="en-US" sz="3600" dirty="0"/>
-          </a:p>
-          <a:p>
-            <a:pPr lvl="1"/>
-            <a:r>
-              <a:rPr lang="en-US" sz="2800" dirty="0"/>
-              <a:t>Convert numbers into ordinal values (binning)</a:t>
-            </a:r>
-          </a:p>
-          <a:p>
-            <a:pPr lvl="1"/>
-            <a:r>
-              <a:rPr lang="en-US" sz="2800" dirty="0"/>
-              <a:t>Smooth data </a:t>
-            </a:r>
-            <a:endParaRPr lang="en-US" sz="2800" dirty="0" smtClean="0"/>
-          </a:p>
-          <a:p>
-            <a:pPr lvl="1"/>
-            <a:r>
-              <a:rPr lang="en-US" sz="2800" dirty="0"/>
-              <a:t>Bin Nominal data into categories</a:t>
-            </a:r>
-          </a:p>
-          <a:p>
-            <a:pPr lvl="1"/>
-            <a:endParaRPr lang="en-US" sz="2800" dirty="0"/>
-          </a:p>
-          <a:p>
-            <a:pPr lvl="1"/>
-            <a:endParaRPr lang="en-US" sz="2800" dirty="0"/>
-          </a:p>
-          <a:p>
-            <a:pPr lvl="1"/>
-            <a:endParaRPr lang="en-US" sz="2800" dirty="0"/>
+              <a:rPr lang="en-US" dirty="0" smtClean="0"/>
+              <a:t>Avoids undue influence of a column that happens to have large values</a:t>
+            </a:r>
+          </a:p>
+          <a:p>
+            <a:pPr marL="0" indent="0">
+              <a:buNone/>
+            </a:pPr>
+            <a:r>
+              <a:rPr lang="en-US" dirty="0" smtClean="0"/>
+              <a:t>Often moves data to 0-1 range</a:t>
+            </a:r>
+          </a:p>
+          <a:p>
+            <a:pPr marL="0" indent="0">
+              <a:buNone/>
+            </a:pPr>
+            <a:r>
+              <a:rPr lang="en-US" dirty="0" smtClean="0"/>
+              <a:t>Non-linear transformations (</a:t>
+            </a:r>
+            <a:r>
+              <a:rPr lang="en-US" i="1" dirty="0" smtClean="0"/>
+              <a:t>e.g., </a:t>
+            </a:r>
+            <a:r>
+              <a:rPr lang="en-US" dirty="0" smtClean="0"/>
+              <a:t>transforming log-normal data to a normal scale by taking the log)</a:t>
+            </a:r>
           </a:p>
         </p:txBody>
       </p:sp>
@@ -27077,7 +27309,7 @@
           <a:p>
             <a:fld id="{111EEF3B-ABF2-AA4E-9E24-0C6256942674}" type="datetime1">
               <a:rPr lang="en-US" smtClean="0"/>
-              <a:t>1/29/15</a:t>
+              <a:t>2/14/15</a:t>
             </a:fld>
             <a:endParaRPr lang="en-US"/>
           </a:p>
@@ -27109,7 +27341,7 @@
     </p:spTree>
     <p:extLst>
       <p:ext uri="{BB962C8B-B14F-4D97-AF65-F5344CB8AC3E}">
-        <p14:creationId xmlns:p14="http://schemas.microsoft.com/office/powerpoint/2010/main" val="3980734332"/>
+        <p14:creationId xmlns:p14="http://schemas.microsoft.com/office/powerpoint/2010/main" val="2407762631"/>
       </p:ext>
     </p:extLst>
   </p:cSld>
@@ -27145,7 +27377,7 @@
       </p:grpSpPr>
       <p:sp>
         <p:nvSpPr>
-          <p:cNvPr id="2" name="Title 1"/>
+          <p:cNvPr id="6" name="Title 5"/>
           <p:cNvSpPr>
             <a:spLocks noGrp="1"/>
           </p:cNvSpPr>
@@ -27160,7 +27392,14 @@
           <a:p>
             <a:r>
               <a:rPr lang="en-US" dirty="0" smtClean="0"/>
-              <a:t>Transforming your data: Calculations </a:t>
+              <a:t>Transforming your data: </a:t>
+            </a:r>
+            <a:br>
+              <a:rPr lang="en-US" dirty="0" smtClean="0"/>
+            </a:br>
+            <a:r>
+              <a:rPr lang="en-US" dirty="0" smtClean="0"/>
+              <a:t>Ordinal &lt;-&gt; Numeric</a:t>
             </a:r>
             <a:endParaRPr lang="en-US" dirty="0"/>
           </a:p>
@@ -27168,7 +27407,7 @@
       </p:sp>
       <p:sp>
         <p:nvSpPr>
-          <p:cNvPr id="3" name="Content Placeholder 2"/>
+          <p:cNvPr id="7" name="Content Placeholder 6"/>
           <p:cNvSpPr>
             <a:spLocks noGrp="1"/>
           </p:cNvSpPr>
@@ -27185,9 +27424,17 @@
               <a:buNone/>
             </a:pPr>
             <a:r>
-              <a:rPr lang="en-US" sz="3600" dirty="0" smtClean="0"/>
-              <a:t>Aggregation of Fields</a:t>
-            </a:r>
+              <a:rPr lang="en-US" sz="3600" dirty="0"/>
+              <a:t>Value Mapping</a:t>
+            </a:r>
+          </a:p>
+          <a:p>
+            <a:pPr lvl="1"/>
+            <a:r>
+              <a:rPr lang="en-US" sz="2800" dirty="0"/>
+              <a:t>Convert ordinal values into numbers </a:t>
+            </a:r>
+            <a:endParaRPr lang="en-US" sz="2800" dirty="0" smtClean="0"/>
           </a:p>
           <a:p>
             <a:pPr marL="0" indent="0">
@@ -27195,24 +27442,44 @@
             </a:pPr>
             <a:r>
               <a:rPr lang="en-US" sz="3600" dirty="0" smtClean="0"/>
-              <a:t>Calculation of Features</a:t>
-            </a:r>
-          </a:p>
-          <a:p>
-            <a:pPr marL="0" indent="0">
-              <a:buNone/>
-            </a:pPr>
-            <a:r>
-              <a:rPr lang="en-US" sz="3600" dirty="0" smtClean="0"/>
-              <a:t> </a:t>
-            </a:r>
-          </a:p>
-          <a:p>
-            <a:pPr marL="0" indent="0">
-              <a:buNone/>
-            </a:pPr>
+              <a:t>Discretization</a:t>
+            </a:r>
             <a:endParaRPr lang="en-US" sz="3600" dirty="0"/>
           </a:p>
+          <a:p>
+            <a:pPr lvl="1"/>
+            <a:r>
+              <a:rPr lang="en-US" sz="2800" dirty="0"/>
+              <a:t>Convert numbers into ordinal values (binning)</a:t>
+            </a:r>
+          </a:p>
+          <a:p>
+            <a:pPr lvl="1"/>
+            <a:r>
+              <a:rPr lang="en-US" sz="2800" dirty="0"/>
+              <a:t>Smooth data </a:t>
+            </a:r>
+            <a:endParaRPr lang="en-US" sz="2800" dirty="0" smtClean="0"/>
+          </a:p>
+          <a:p>
+            <a:pPr lvl="1"/>
+            <a:r>
+              <a:rPr lang="en-US" sz="2800" dirty="0"/>
+              <a:t>Bin Nominal data into categories</a:t>
+            </a:r>
+          </a:p>
+          <a:p>
+            <a:pPr lvl="1"/>
+            <a:endParaRPr lang="en-US" sz="2800" dirty="0"/>
+          </a:p>
+          <a:p>
+            <a:pPr lvl="1"/>
+            <a:endParaRPr lang="en-US" sz="2800" dirty="0"/>
+          </a:p>
+          <a:p>
+            <a:pPr lvl="1"/>
+            <a:endParaRPr lang="en-US" sz="2800" dirty="0"/>
+          </a:p>
         </p:txBody>
       </p:sp>
       <p:sp>
@@ -27230,9 +27497,9 @@
           <a:bodyPr/>
           <a:lstStyle/>
           <a:p>
-            <a:fld id="{7053BEFA-1175-F644-B249-7D41D72BD3FF}" type="datetime1">
+            <a:fld id="{111EEF3B-ABF2-AA4E-9E24-0C6256942674}" type="datetime1">
               <a:rPr lang="en-US" smtClean="0"/>
-              <a:t>1/29/15</a:t>
+              <a:t>2/14/15</a:t>
             </a:fld>
             <a:endParaRPr lang="en-US"/>
           </a:p>
@@ -27240,26 +27507,7 @@
       </p:sp>
       <p:sp>
         <p:nvSpPr>
-          <p:cNvPr id="5" name="Footer Placeholder 4"/>
-          <p:cNvSpPr>
-            <a:spLocks noGrp="1"/>
-          </p:cNvSpPr>
-          <p:nvPr>
-            <p:ph type="ftr" sz="quarter" idx="11"/>
-          </p:nvPr>
-        </p:nvSpPr>
-        <p:spPr/>
-        <p:txBody>
-          <a:bodyPr/>
-          <a:lstStyle/>
-          <a:p>
-            <a:endParaRPr lang="en-US" dirty="0"/>
-          </a:p>
-        </p:txBody>
-      </p:sp>
-      <p:sp>
-        <p:nvSpPr>
-          <p:cNvPr id="6" name="Slide Number Placeholder 5"/>
+          <p:cNvPr id="5" name="Slide Number Placeholder 4"/>
           <p:cNvSpPr>
             <a:spLocks noGrp="1"/>
           </p:cNvSpPr>
@@ -27283,7 +27531,7 @@
     </p:spTree>
     <p:extLst>
       <p:ext uri="{BB962C8B-B14F-4D97-AF65-F5344CB8AC3E}">
-        <p14:creationId xmlns:p14="http://schemas.microsoft.com/office/powerpoint/2010/main" val="2775574324"/>
+        <p14:creationId xmlns:p14="http://schemas.microsoft.com/office/powerpoint/2010/main" val="3980734332"/>
       </p:ext>
     </p:extLst>
   </p:cSld>
@@ -27334,7 +27582,7 @@
           <a:p>
             <a:r>
               <a:rPr lang="en-US" dirty="0" smtClean="0"/>
-              <a:t>Pros and Cons of Transformation</a:t>
+              <a:t>Transforming your data: Calculations </a:t>
             </a:r>
             <a:endParaRPr lang="en-US" dirty="0"/>
           </a:p>
@@ -27355,7 +27603,37 @@
           <a:bodyPr/>
           <a:lstStyle/>
           <a:p>
-            <a:endParaRPr lang="en-US" dirty="0"/>
+            <a:pPr marL="0" indent="0">
+              <a:buNone/>
+            </a:pPr>
+            <a:r>
+              <a:rPr lang="en-US" sz="3600" dirty="0" smtClean="0"/>
+              <a:t>Aggregation of Fields</a:t>
+            </a:r>
+          </a:p>
+          <a:p>
+            <a:pPr marL="0" indent="0">
+              <a:buNone/>
+            </a:pPr>
+            <a:r>
+              <a:rPr lang="en-US" sz="3600" dirty="0" smtClean="0"/>
+              <a:t>Calculation of Features</a:t>
+            </a:r>
+          </a:p>
+          <a:p>
+            <a:pPr marL="0" indent="0">
+              <a:buNone/>
+            </a:pPr>
+            <a:r>
+              <a:rPr lang="en-US" sz="3600" dirty="0" smtClean="0"/>
+              <a:t> </a:t>
+            </a:r>
+          </a:p>
+          <a:p>
+            <a:pPr marL="0" indent="0">
+              <a:buNone/>
+            </a:pPr>
+            <a:endParaRPr lang="en-US" sz="3600" dirty="0"/>
           </a:p>
         </p:txBody>
       </p:sp>
@@ -27376,7 +27654,7 @@
           <a:p>
             <a:fld id="{7053BEFA-1175-F644-B249-7D41D72BD3FF}" type="datetime1">
               <a:rPr lang="en-US" smtClean="0"/>
-              <a:t>1/29/15</a:t>
+              <a:t>2/14/15</a:t>
             </a:fld>
             <a:endParaRPr lang="en-US"/>
           </a:p>
@@ -27427,7 +27705,7 @@
     </p:spTree>
     <p:extLst>
       <p:ext uri="{BB962C8B-B14F-4D97-AF65-F5344CB8AC3E}">
-        <p14:creationId xmlns:p14="http://schemas.microsoft.com/office/powerpoint/2010/main" val="504797927"/>
+        <p14:creationId xmlns:p14="http://schemas.microsoft.com/office/powerpoint/2010/main" val="2775574324"/>
       </p:ext>
     </p:extLst>
   </p:cSld>
@@ -27478,7 +27756,7 @@
           <a:p>
             <a:r>
               <a:rPr lang="en-US" dirty="0" smtClean="0"/>
-              <a:t>Visual Representations of your Data</a:t>
+              <a:t>Pros and Cons of Transformation</a:t>
             </a:r>
             <a:endParaRPr lang="en-US" dirty="0"/>
           </a:p>
@@ -27491,7 +27769,7 @@
             <a:spLocks noGrp="1"/>
           </p:cNvSpPr>
           <p:nvPr>
-            <p:ph type="body" idx="1"/>
+            <p:ph idx="1"/>
           </p:nvPr>
         </p:nvSpPr>
         <p:spPr/>
@@ -27520,9 +27798,28 @@
           <a:p>
             <a:fld id="{7053BEFA-1175-F644-B249-7D41D72BD3FF}" type="datetime1">
               <a:rPr lang="en-US" smtClean="0"/>
-              <a:t>1/29/15</a:t>
+              <a:t>2/14/15</a:t>
             </a:fld>
             <a:endParaRPr lang="en-US"/>
+          </a:p>
+        </p:txBody>
+      </p:sp>
+      <p:sp>
+        <p:nvSpPr>
+          <p:cNvPr id="5" name="Footer Placeholder 4"/>
+          <p:cNvSpPr>
+            <a:spLocks noGrp="1"/>
+          </p:cNvSpPr>
+          <p:nvPr>
+            <p:ph type="ftr" sz="quarter" idx="11"/>
+          </p:nvPr>
+        </p:nvSpPr>
+        <p:spPr/>
+        <p:txBody>
+          <a:bodyPr/>
+          <a:lstStyle/>
+          <a:p>
+            <a:endParaRPr lang="en-US" dirty="0"/>
           </a:p>
         </p:txBody>
       </p:sp>
@@ -27552,7 +27849,7 @@
     </p:spTree>
     <p:extLst>
       <p:ext uri="{BB962C8B-B14F-4D97-AF65-F5344CB8AC3E}">
-        <p14:creationId xmlns:p14="http://schemas.microsoft.com/office/powerpoint/2010/main" val="1373896602"/>
+        <p14:creationId xmlns:p14="http://schemas.microsoft.com/office/powerpoint/2010/main" val="504797927"/>
       </p:ext>
     </p:extLst>
   </p:cSld>
@@ -27603,7 +27900,7 @@
           <a:p>
             <a:r>
               <a:rPr lang="en-US" dirty="0" smtClean="0"/>
-              <a:t>Visual Tool Chest: Stem and Leaf</a:t>
+              <a:t>Visual Representations of your Data</a:t>
             </a:r>
             <a:endParaRPr lang="en-US" dirty="0"/>
           </a:p>
@@ -27616,7 +27913,7 @@
             <a:spLocks noGrp="1"/>
           </p:cNvSpPr>
           <p:nvPr>
-            <p:ph idx="1"/>
+            <p:ph type="body" idx="1"/>
           </p:nvPr>
         </p:nvSpPr>
         <p:spPr/>
@@ -27624,48 +27921,6 @@
           <a:bodyPr/>
           <a:lstStyle/>
           <a:p>
-            <a:pPr marL="0" indent="0">
-              <a:buNone/>
-            </a:pPr>
-            <a:r>
-              <a:rPr lang="en-US" dirty="0" err="1" smtClean="0"/>
-              <a:t>Tukey’s</a:t>
-            </a:r>
-            <a:r>
-              <a:rPr lang="en-US" dirty="0" smtClean="0"/>
-              <a:t> tool of choice first</a:t>
-            </a:r>
-          </a:p>
-          <a:p>
-            <a:pPr marL="0" indent="0">
-              <a:buNone/>
-            </a:pPr>
-            <a:r>
-              <a:rPr lang="en-US" dirty="0"/>
-              <a:t>	</a:t>
-            </a:r>
-            <a:r>
-              <a:rPr lang="en-US" dirty="0" smtClean="0"/>
-              <a:t>	 Easy to do by hand</a:t>
-            </a:r>
-          </a:p>
-          <a:p>
-            <a:pPr marL="0" indent="0">
-              <a:buNone/>
-            </a:pPr>
-            <a:r>
-              <a:rPr lang="en-US" dirty="0"/>
-              <a:t>	</a:t>
-            </a:r>
-            <a:r>
-              <a:rPr lang="en-US" dirty="0" smtClean="0"/>
-              <a:t>	 Careful design adds value</a:t>
-            </a:r>
-          </a:p>
-          <a:p>
-            <a:pPr marL="0" indent="0">
-              <a:buNone/>
-            </a:pPr>
             <a:endParaRPr lang="en-US" dirty="0"/>
           </a:p>
         </p:txBody>
@@ -27687,28 +27942,9 @@
           <a:p>
             <a:fld id="{7053BEFA-1175-F644-B249-7D41D72BD3FF}" type="datetime1">
               <a:rPr lang="en-US" smtClean="0"/>
-              <a:t>1/29/15</a:t>
+              <a:t>2/14/15</a:t>
             </a:fld>
             <a:endParaRPr lang="en-US"/>
-          </a:p>
-        </p:txBody>
-      </p:sp>
-      <p:sp>
-        <p:nvSpPr>
-          <p:cNvPr id="5" name="Footer Placeholder 4"/>
-          <p:cNvSpPr>
-            <a:spLocks noGrp="1"/>
-          </p:cNvSpPr>
-          <p:nvPr>
-            <p:ph type="ftr" sz="quarter" idx="11"/>
-          </p:nvPr>
-        </p:nvSpPr>
-        <p:spPr/>
-        <p:txBody>
-          <a:bodyPr/>
-          <a:lstStyle/>
-          <a:p>
-            <a:endParaRPr lang="en-US" dirty="0"/>
           </a:p>
         </p:txBody>
       </p:sp>
@@ -27735,34 +27971,10 @@
           </a:p>
         </p:txBody>
       </p:sp>
-      <p:pic>
-        <p:nvPicPr>
-          <p:cNvPr id="8" name="Picture 7"/>
-          <p:cNvPicPr>
-            <a:picLocks noChangeAspect="1"/>
-          </p:cNvPicPr>
-          <p:nvPr/>
-        </p:nvPicPr>
-        <p:blipFill>
-          <a:blip r:embed="rId2"/>
-          <a:stretch>
-            <a:fillRect/>
-          </a:stretch>
-        </p:blipFill>
-        <p:spPr>
-          <a:xfrm>
-            <a:off x="222555" y="2486604"/>
-            <a:ext cx="1812775" cy="2635496"/>
-          </a:xfrm>
-          <a:prstGeom prst="rect">
-            <a:avLst/>
-          </a:prstGeom>
-        </p:spPr>
-      </p:pic>
     </p:spTree>
     <p:extLst>
       <p:ext uri="{BB962C8B-B14F-4D97-AF65-F5344CB8AC3E}">
-        <p14:creationId xmlns:p14="http://schemas.microsoft.com/office/powerpoint/2010/main" val="3480428170"/>
+        <p14:creationId xmlns:p14="http://schemas.microsoft.com/office/powerpoint/2010/main" val="1373896602"/>
       </p:ext>
     </p:extLst>
   </p:cSld>

--- a/Lectures/6 Exploration.pptx
+++ b/Lectures/6 Exploration.pptx
@@ -4724,7 +4724,7 @@
           <a:p>
             <a:fld id="{D3AAB66F-B1B7-D045-B4E8-4F60236F228D}" type="datetimeFigureOut">
               <a:rPr lang="en-US" smtClean="0"/>
-              <a:t>2/14/15</a:t>
+              <a:t>4/21/15</a:t>
             </a:fld>
             <a:endParaRPr lang="en-US"/>
           </a:p>
@@ -4890,7 +4890,7 @@
           <a:p>
             <a:fld id="{BCCF8E76-06A6-164E-A6FA-EC32C13EB232}" type="datetimeFigureOut">
               <a:rPr lang="en-US" smtClean="0"/>
-              <a:t>2/14/15</a:t>
+              <a:t>4/21/15</a:t>
             </a:fld>
             <a:endParaRPr lang="en-US"/>
           </a:p>
@@ -6336,6 +6336,117 @@
 </p:notes>
 </file>
 
+<file path=ppt/notesSlides/notesSlide19.xml><?xml version="1.0" encoding="utf-8"?>
+<p:notes xmlns:a="http://schemas.openxmlformats.org/drawingml/2006/main" xmlns:r="http://schemas.openxmlformats.org/officeDocument/2006/relationships" xmlns:p="http://schemas.openxmlformats.org/presentationml/2006/main">
+  <p:cSld>
+    <p:spTree>
+      <p:nvGrpSpPr>
+        <p:cNvPr id="1" name=""/>
+        <p:cNvGrpSpPr/>
+        <p:nvPr/>
+      </p:nvGrpSpPr>
+      <p:grpSpPr>
+        <a:xfrm>
+          <a:off x="0" y="0"/>
+          <a:ext cx="0" cy="0"/>
+          <a:chOff x="0" y="0"/>
+          <a:chExt cx="0" cy="0"/>
+        </a:xfrm>
+      </p:grpSpPr>
+      <p:sp>
+        <p:nvSpPr>
+          <p:cNvPr id="2" name="Slide Image Placeholder 1"/>
+          <p:cNvSpPr>
+            <a:spLocks noGrp="1" noRot="1" noChangeAspect="1"/>
+          </p:cNvSpPr>
+          <p:nvPr>
+            <p:ph type="sldImg"/>
+          </p:nvPr>
+        </p:nvSpPr>
+        <p:spPr/>
+      </p:sp>
+      <p:sp>
+        <p:nvSpPr>
+          <p:cNvPr id="3" name="Notes Placeholder 2"/>
+          <p:cNvSpPr>
+            <a:spLocks noGrp="1"/>
+          </p:cNvSpPr>
+          <p:nvPr>
+            <p:ph type="body" idx="1"/>
+          </p:nvPr>
+        </p:nvSpPr>
+        <p:spPr/>
+        <p:txBody>
+          <a:bodyPr/>
+          <a:lstStyle/>
+          <a:p>
+            <a:pPr marL="0" marR="0" indent="0" algn="l" defTabSz="457200" rtl="0" eaLnBrk="1" fontAlgn="auto" latinLnBrk="0" hangingPunct="1">
+              <a:lnSpc>
+                <a:spcPct val="100000"/>
+              </a:lnSpc>
+              <a:spcBef>
+                <a:spcPts val="0"/>
+              </a:spcBef>
+              <a:spcAft>
+                <a:spcPts val="0"/>
+              </a:spcAft>
+              <a:buClrTx/>
+              <a:buSzTx/>
+              <a:buFontTx/>
+              <a:buNone/>
+              <a:tabLst/>
+              <a:defRPr/>
+            </a:pPr>
+            <a:r>
+              <a:rPr lang="en-US" smtClean="0"/>
+              <a:t>relating distributions back </a:t>
+            </a:r>
+            <a:r>
+              <a:rPr lang="en-US" dirty="0" smtClean="0"/>
+              <a:t>to your understanding of the data</a:t>
+            </a:r>
+          </a:p>
+          <a:p>
+            <a:endParaRPr lang="en-US" dirty="0"/>
+          </a:p>
+        </p:txBody>
+      </p:sp>
+      <p:sp>
+        <p:nvSpPr>
+          <p:cNvPr id="4" name="Slide Number Placeholder 3"/>
+          <p:cNvSpPr>
+            <a:spLocks noGrp="1"/>
+          </p:cNvSpPr>
+          <p:nvPr>
+            <p:ph type="sldNum" sz="quarter" idx="10"/>
+          </p:nvPr>
+        </p:nvSpPr>
+        <p:spPr/>
+        <p:txBody>
+          <a:bodyPr/>
+          <a:lstStyle/>
+          <a:p>
+            <a:fld id="{FD66F34B-9C4D-8640-BB34-4C24A79C9FFB}" type="slidenum">
+              <a:rPr lang="en-US" smtClean="0"/>
+              <a:t>36</a:t>
+            </a:fld>
+            <a:endParaRPr lang="en-US"/>
+          </a:p>
+        </p:txBody>
+      </p:sp>
+    </p:spTree>
+    <p:extLst>
+      <p:ext uri="{BB962C8B-B14F-4D97-AF65-F5344CB8AC3E}">
+        <p14:creationId xmlns:p14="http://schemas.microsoft.com/office/powerpoint/2010/main" val="3216192021"/>
+      </p:ext>
+    </p:extLst>
+  </p:cSld>
+  <p:clrMapOvr>
+    <a:masterClrMapping/>
+  </p:clrMapOvr>
+</p:notes>
+</file>
+
 <file path=ppt/notesSlides/notesSlide2.xml><?xml version="1.0" encoding="utf-8"?>
 <p:notes xmlns:a="http://schemas.openxmlformats.org/drawingml/2006/main" xmlns:r="http://schemas.openxmlformats.org/officeDocument/2006/relationships" xmlns:p="http://schemas.openxmlformats.org/presentationml/2006/main">
   <p:cSld>
@@ -7716,7 +7827,7 @@
             <a:fld id="{FA3C144B-2939-9A49-B014-915EC3E81866}" type="datetime1">
               <a:rPr lang="en-US" smtClean="0"/>
               <a:pPr/>
-              <a:t>2/14/15</a:t>
+              <a:t>4/21/15</a:t>
             </a:fld>
             <a:endParaRPr lang="en-US" dirty="0"/>
           </a:p>
@@ -8145,7 +8256,7 @@
           <a:p>
             <a:fld id="{76838339-A875-5E45-AB3F-AAABD270346A}" type="datetime1">
               <a:rPr lang="en-US" smtClean="0"/>
-              <a:t>2/14/15</a:t>
+              <a:t>4/21/15</a:t>
             </a:fld>
             <a:endParaRPr lang="en-US"/>
           </a:p>
@@ -8431,7 +8542,7 @@
             <a:fld id="{FA3C144B-2939-9A49-B014-915EC3E81866}" type="datetime1">
               <a:rPr lang="en-US" smtClean="0"/>
               <a:pPr/>
-              <a:t>2/14/15</a:t>
+              <a:t>4/21/15</a:t>
             </a:fld>
             <a:endParaRPr lang="en-US" dirty="0"/>
           </a:p>
@@ -8913,7 +9024,7 @@
           <a:p>
             <a:fld id="{A73F672F-A5FB-5745-934A-1BF51CA5539C}" type="datetime1">
               <a:rPr lang="en-US" smtClean="0"/>
-              <a:t>2/14/15</a:t>
+              <a:t>4/21/15</a:t>
             </a:fld>
             <a:endParaRPr lang="en-US"/>
           </a:p>
@@ -9255,7 +9366,7 @@
             <a:fld id="{FA3C144B-2939-9A49-B014-915EC3E81866}" type="datetime1">
               <a:rPr lang="en-US" smtClean="0"/>
               <a:pPr/>
-              <a:t>2/14/15</a:t>
+              <a:t>4/21/15</a:t>
             </a:fld>
             <a:endParaRPr lang="en-US" dirty="0"/>
           </a:p>
@@ -9719,7 +9830,7 @@
           <a:p>
             <a:fld id="{6AFE6A63-5EBE-3E48-B0AE-DF655A1ECE76}" type="datetime1">
               <a:rPr lang="en-US" smtClean="0"/>
-              <a:t>2/14/15</a:t>
+              <a:t>4/21/15</a:t>
             </a:fld>
             <a:endParaRPr lang="en-US"/>
           </a:p>
@@ -10038,7 +10149,7 @@
           <a:p>
             <a:fld id="{4A019F0C-9D18-B54A-9AC9-18AA74EDB034}" type="datetime1">
               <a:rPr lang="en-US" smtClean="0"/>
-              <a:t>2/14/15</a:t>
+              <a:t>4/21/15</a:t>
             </a:fld>
             <a:endParaRPr lang="en-US"/>
           </a:p>
@@ -10348,7 +10459,7 @@
             <a:fld id="{FA3C144B-2939-9A49-B014-915EC3E81866}" type="datetime1">
               <a:rPr lang="en-US" smtClean="0"/>
               <a:pPr/>
-              <a:t>2/14/15</a:t>
+              <a:t>4/21/15</a:t>
             </a:fld>
             <a:endParaRPr lang="en-US" dirty="0"/>
           </a:p>
@@ -10611,7 +10722,7 @@
           <a:p>
             <a:fld id="{FA3C144B-2939-9A49-B014-915EC3E81866}" type="datetime1">
               <a:rPr lang="en-US" smtClean="0"/>
-              <a:t>2/14/15</a:t>
+              <a:t>4/21/15</a:t>
             </a:fld>
             <a:endParaRPr lang="en-US" dirty="0"/>
           </a:p>
@@ -10979,7 +11090,7 @@
           <a:p>
             <a:fld id="{7053BEFA-1175-F644-B249-7D41D72BD3FF}" type="datetime1">
               <a:rPr lang="en-US" smtClean="0"/>
-              <a:t>2/14/15</a:t>
+              <a:t>4/21/15</a:t>
             </a:fld>
             <a:endParaRPr lang="en-US"/>
           </a:p>
@@ -11098,7 +11209,7 @@
             <a:fld id="{FA3C144B-2939-9A49-B014-915EC3E81866}" type="datetime1">
               <a:rPr lang="en-US" smtClean="0"/>
               <a:pPr/>
-              <a:t>2/14/15</a:t>
+              <a:t>4/21/15</a:t>
             </a:fld>
             <a:endParaRPr lang="en-US" dirty="0"/>
           </a:p>
@@ -11315,7 +11426,7 @@
             <a:fld id="{FA3C144B-2939-9A49-B014-915EC3E81866}" type="datetime1">
               <a:rPr lang="en-US" smtClean="0"/>
               <a:pPr/>
-              <a:t>2/14/15</a:t>
+              <a:t>4/21/15</a:t>
             </a:fld>
             <a:endParaRPr lang="en-US" dirty="0"/>
           </a:p>
@@ -11560,7 +11671,7 @@
             <a:fld id="{FA3C144B-2939-9A49-B014-915EC3E81866}" type="datetime1">
               <a:rPr lang="en-US" smtClean="0"/>
               <a:pPr/>
-              <a:t>2/14/15</a:t>
+              <a:t>4/21/15</a:t>
             </a:fld>
             <a:endParaRPr lang="en-US" dirty="0"/>
           </a:p>
@@ -11938,7 +12049,7 @@
           <a:p>
             <a:fld id="{111EEF3B-ABF2-AA4E-9E24-0C6256942674}" type="datetime1">
               <a:rPr lang="en-US" smtClean="0"/>
-              <a:t>2/14/15</a:t>
+              <a:t>4/21/15</a:t>
             </a:fld>
             <a:endParaRPr lang="en-US"/>
           </a:p>
@@ -12102,7 +12213,7 @@
             <a:fld id="{FA3C144B-2939-9A49-B014-915EC3E81866}" type="datetime1">
               <a:rPr lang="en-US" smtClean="0"/>
               <a:pPr/>
-              <a:t>2/14/15</a:t>
+              <a:t>4/21/15</a:t>
             </a:fld>
             <a:endParaRPr lang="en-US" dirty="0"/>
           </a:p>
@@ -12519,7 +12630,7 @@
             <a:fld id="{FA3C144B-2939-9A49-B014-915EC3E81866}" type="datetime1">
               <a:rPr lang="en-US" smtClean="0"/>
               <a:pPr/>
-              <a:t>2/14/15</a:t>
+              <a:t>4/21/15</a:t>
             </a:fld>
             <a:endParaRPr lang="en-US" dirty="0"/>
           </a:p>
@@ -12835,7 +12946,7 @@
             <a:fld id="{FA3C144B-2939-9A49-B014-915EC3E81866}" type="datetime1">
               <a:rPr lang="en-US" smtClean="0"/>
               <a:pPr/>
-              <a:t>2/14/15</a:t>
+              <a:t>4/21/15</a:t>
             </a:fld>
             <a:endParaRPr lang="en-US" dirty="0"/>
           </a:p>
@@ -13501,7 +13612,7 @@
             <a:fld id="{FA3C144B-2939-9A49-B014-915EC3E81866}" type="datetime1">
               <a:rPr lang="en-US" smtClean="0"/>
               <a:pPr/>
-              <a:t>2/14/15</a:t>
+              <a:t>4/21/15</a:t>
             </a:fld>
             <a:endParaRPr lang="en-US" dirty="0"/>
           </a:p>
@@ -14673,7 +14784,7 @@
           <a:p>
             <a:fld id="{7053BEFA-1175-F644-B249-7D41D72BD3FF}" type="datetime1">
               <a:rPr lang="en-US" smtClean="0"/>
-              <a:t>2/14/15</a:t>
+              <a:t>4/21/15</a:t>
             </a:fld>
             <a:endParaRPr lang="en-US"/>
           </a:p>
@@ -14924,7 +15035,7 @@
           <a:p>
             <a:fld id="{7053BEFA-1175-F644-B249-7D41D72BD3FF}" type="datetime1">
               <a:rPr lang="en-US" smtClean="0"/>
-              <a:t>2/14/15</a:t>
+              <a:t>4/21/15</a:t>
             </a:fld>
             <a:endParaRPr lang="en-US"/>
           </a:p>
@@ -15170,7 +15281,7 @@
           <a:p>
             <a:fld id="{7053BEFA-1175-F644-B249-7D41D72BD3FF}" type="datetime1">
               <a:rPr lang="en-US" smtClean="0"/>
-              <a:t>2/14/15</a:t>
+              <a:t>4/21/15</a:t>
             </a:fld>
             <a:endParaRPr lang="en-US"/>
           </a:p>
@@ -15320,7 +15431,7 @@
           <a:p>
             <a:fld id="{7053BEFA-1175-F644-B249-7D41D72BD3FF}" type="datetime1">
               <a:rPr lang="en-US" smtClean="0"/>
-              <a:t>2/14/15</a:t>
+              <a:t>4/21/15</a:t>
             </a:fld>
             <a:endParaRPr lang="en-US"/>
           </a:p>
@@ -15527,7 +15638,7 @@
           <a:p>
             <a:fld id="{7053BEFA-1175-F644-B249-7D41D72BD3FF}" type="datetime1">
               <a:rPr lang="en-US" smtClean="0"/>
-              <a:t>2/14/15</a:t>
+              <a:t>4/21/15</a:t>
             </a:fld>
             <a:endParaRPr lang="en-US"/>
           </a:p>
@@ -15725,7 +15836,7 @@
           <a:p>
             <a:fld id="{7053BEFA-1175-F644-B249-7D41D72BD3FF}" type="datetime1">
               <a:rPr lang="en-US" smtClean="0"/>
-              <a:t>2/14/15</a:t>
+              <a:t>4/21/15</a:t>
             </a:fld>
             <a:endParaRPr lang="en-US"/>
           </a:p>
@@ -15923,7 +16034,7 @@
           <a:p>
             <a:fld id="{7053BEFA-1175-F644-B249-7D41D72BD3FF}" type="datetime1">
               <a:rPr lang="en-US" smtClean="0"/>
-              <a:t>2/14/15</a:t>
+              <a:t>4/21/15</a:t>
             </a:fld>
             <a:endParaRPr lang="en-US"/>
           </a:p>
@@ -16441,7 +16552,7 @@
           <a:p>
             <a:fld id="{7053BEFA-1175-F644-B249-7D41D72BD3FF}" type="datetime1">
               <a:rPr lang="en-US" smtClean="0"/>
-              <a:t>2/14/15</a:t>
+              <a:t>4/21/15</a:t>
             </a:fld>
             <a:endParaRPr lang="en-US"/>
           </a:p>
@@ -18050,7 +18161,7 @@
           <a:p>
             <a:fld id="{7053BEFA-1175-F644-B249-7D41D72BD3FF}" type="datetime1">
               <a:rPr lang="en-US" smtClean="0"/>
-              <a:t>2/14/15</a:t>
+              <a:t>4/21/15</a:t>
             </a:fld>
             <a:endParaRPr lang="en-US"/>
           </a:p>
@@ -22179,7 +22290,7 @@
           <a:p>
             <a:fld id="{7053BEFA-1175-F644-B249-7D41D72BD3FF}" type="datetime1">
               <a:rPr lang="en-US" smtClean="0"/>
-              <a:t>2/14/15</a:t>
+              <a:t>4/21/15</a:t>
             </a:fld>
             <a:endParaRPr lang="en-US"/>
           </a:p>
@@ -22381,7 +22492,6 @@
               <a:rPr lang="en-US" sz="2800" dirty="0" smtClean="0"/>
               <a:t>Recognize common types of distributions and the assumptions that lie behind them</a:t>
             </a:r>
-            <a:endParaRPr lang="en-US" sz="2800" dirty="0" smtClean="0"/>
           </a:p>
         </p:txBody>
       </p:sp>
@@ -22540,7 +22650,7 @@
           <a:p>
             <a:fld id="{7053BEFA-1175-F644-B249-7D41D72BD3FF}" type="datetime1">
               <a:rPr lang="en-US" smtClean="0"/>
-              <a:t>2/14/15</a:t>
+              <a:t>4/21/15</a:t>
             </a:fld>
             <a:endParaRPr lang="en-US"/>
           </a:p>
@@ -22742,7 +22852,7 @@
           <a:p>
             <a:fld id="{7053BEFA-1175-F644-B249-7D41D72BD3FF}" type="datetime1">
               <a:rPr lang="en-US" smtClean="0"/>
-              <a:t>2/14/15</a:t>
+              <a:t>4/21/15</a:t>
             </a:fld>
             <a:endParaRPr lang="en-US"/>
           </a:p>
@@ -22907,7 +23017,7 @@
           <a:p>
             <a:fld id="{7053BEFA-1175-F644-B249-7D41D72BD3FF}" type="datetime1">
               <a:rPr lang="en-US" smtClean="0"/>
-              <a:t>2/14/15</a:t>
+              <a:t>4/21/15</a:t>
             </a:fld>
             <a:endParaRPr lang="en-US"/>
           </a:p>
@@ -23077,7 +23187,7 @@
           <a:p>
             <a:fld id="{7053BEFA-1175-F644-B249-7D41D72BD3FF}" type="datetime1">
               <a:rPr lang="en-US" smtClean="0"/>
-              <a:t>2/14/15</a:t>
+              <a:t>4/21/15</a:t>
             </a:fld>
             <a:endParaRPr lang="en-US"/>
           </a:p>
@@ -23269,7 +23379,7 @@
           <a:p>
             <a:fld id="{7053BEFA-1175-F644-B249-7D41D72BD3FF}" type="datetime1">
               <a:rPr lang="en-US" smtClean="0"/>
-              <a:t>2/14/15</a:t>
+              <a:t>4/21/15</a:t>
             </a:fld>
             <a:endParaRPr lang="en-US"/>
           </a:p>
@@ -23556,7 +23666,7 @@
           <a:p>
             <a:fld id="{7053BEFA-1175-F644-B249-7D41D72BD3FF}" type="datetime1">
               <a:rPr lang="en-US" smtClean="0"/>
-              <a:t>2/14/15</a:t>
+              <a:t>4/21/15</a:t>
             </a:fld>
             <a:endParaRPr lang="en-US"/>
           </a:p>
@@ -23893,7 +24003,7 @@
           <a:p>
             <a:fld id="{7053BEFA-1175-F644-B249-7D41D72BD3FF}" type="datetime1">
               <a:rPr lang="en-US" smtClean="0"/>
-              <a:t>2/14/15</a:t>
+              <a:t>4/21/15</a:t>
             </a:fld>
             <a:endParaRPr lang="en-US"/>
           </a:p>
@@ -24083,7 +24193,7 @@
           <a:p>
             <a:fld id="{7053BEFA-1175-F644-B249-7D41D72BD3FF}" type="datetime1">
               <a:rPr lang="en-US" smtClean="0"/>
-              <a:t>2/14/15</a:t>
+              <a:t>4/21/15</a:t>
             </a:fld>
             <a:endParaRPr lang="en-US"/>
           </a:p>
@@ -24308,7 +24418,7 @@
           <a:p>
             <a:fld id="{7053BEFA-1175-F644-B249-7D41D72BD3FF}" type="datetime1">
               <a:rPr lang="en-US" smtClean="0"/>
-              <a:t>2/14/15</a:t>
+              <a:t>4/21/15</a:t>
             </a:fld>
             <a:endParaRPr lang="en-US"/>
           </a:p>
@@ -24534,7 +24644,7 @@
             <a:fld id="{A73F672F-A5FB-5745-934A-1BF51CA5539C}" type="datetime1">
               <a:rPr lang="en-US" smtClean="0"/>
               <a:pPr/>
-              <a:t>2/14/15</a:t>
+              <a:t>4/21/15</a:t>
             </a:fld>
             <a:endParaRPr lang="en-US"/>
           </a:p>
@@ -24679,7 +24789,7 @@
           <a:p>
             <a:fld id="{111EEF3B-ABF2-AA4E-9E24-0C6256942674}" type="datetime1">
               <a:rPr lang="en-US" smtClean="0"/>
-              <a:t>2/14/15</a:t>
+              <a:t>4/21/15</a:t>
             </a:fld>
             <a:endParaRPr lang="en-US"/>
           </a:p>
@@ -24785,7 +24895,7 @@
           <a:p>
             <a:fld id="{7053BEFA-1175-F644-B249-7D41D72BD3FF}" type="datetime1">
               <a:rPr lang="en-US" smtClean="0"/>
-              <a:t>2/14/15</a:t>
+              <a:t>4/21/15</a:t>
             </a:fld>
             <a:endParaRPr lang="en-US"/>
           </a:p>
@@ -25343,7 +25453,7 @@
           <a:p>
             <a:fld id="{7053BEFA-1175-F644-B249-7D41D72BD3FF}" type="datetime1">
               <a:rPr lang="en-US" smtClean="0"/>
-              <a:t>2/14/15</a:t>
+              <a:t>4/21/15</a:t>
             </a:fld>
             <a:endParaRPr lang="en-US"/>
           </a:p>
@@ -25848,7 +25958,7 @@
           <a:p>
             <a:fld id="{7053BEFA-1175-F644-B249-7D41D72BD3FF}" type="datetime1">
               <a:rPr lang="en-US" smtClean="0"/>
-              <a:t>2/14/15</a:t>
+              <a:t>4/21/15</a:t>
             </a:fld>
             <a:endParaRPr lang="en-US"/>
           </a:p>
@@ -26359,7 +26469,7 @@
             <a:fld id="{FA3C144B-2939-9A49-B014-915EC3E81866}" type="datetime1">
               <a:rPr lang="en-US" smtClean="0"/>
               <a:pPr/>
-              <a:t>2/14/15</a:t>
+              <a:t>4/21/15</a:t>
             </a:fld>
             <a:endParaRPr lang="en-US" dirty="0"/>
           </a:p>
@@ -26596,7 +26706,7 @@
           <a:p>
             <a:fld id="{7053BEFA-1175-F644-B249-7D41D72BD3FF}" type="datetime1">
               <a:rPr lang="en-US" smtClean="0"/>
-              <a:t>2/14/15</a:t>
+              <a:t>4/21/15</a:t>
             </a:fld>
             <a:endParaRPr lang="en-US"/>
           </a:p>
@@ -26720,7 +26830,7 @@
           <a:p>
             <a:fld id="{7053BEFA-1175-F644-B249-7D41D72BD3FF}" type="datetime1">
               <a:rPr lang="en-US" smtClean="0"/>
-              <a:t>2/14/15</a:t>
+              <a:t>4/21/15</a:t>
             </a:fld>
             <a:endParaRPr lang="en-US"/>
           </a:p>
@@ -26839,7 +26949,12 @@
             <p:ph type="title"/>
           </p:nvPr>
         </p:nvSpPr>
-        <p:spPr/>
+        <p:spPr>
+          <a:xfrm>
+            <a:off x="954132" y="87912"/>
+            <a:ext cx="6280441" cy="990107"/>
+          </a:xfrm>
+        </p:spPr>
         <p:txBody>
           <a:bodyPr/>
           <a:lstStyle/>
@@ -26862,7 +26977,12 @@
             <p:ph idx="1"/>
           </p:nvPr>
         </p:nvSpPr>
-        <p:spPr/>
+        <p:spPr>
+          <a:xfrm>
+            <a:off x="1128943" y="1180403"/>
+            <a:ext cx="7048804" cy="4379976"/>
+          </a:xfrm>
+        </p:spPr>
         <p:txBody>
           <a:bodyPr/>
           <a:lstStyle/>
@@ -26881,7 +27001,28 @@
             </a:pPr>
             <a:r>
               <a:rPr lang="en-US" dirty="0" smtClean="0"/>
-              <a:t>Plots and their value – stem &amp; leaf; boxplot; histogram</a:t>
+              <a:t>Plots and their value</a:t>
+            </a:r>
+          </a:p>
+          <a:p>
+            <a:pPr lvl="1"/>
+            <a:r>
+              <a:rPr lang="en-US" dirty="0" smtClean="0"/>
+              <a:t>stem &amp; leaf: flexible &amp; quick</a:t>
+            </a:r>
+          </a:p>
+          <a:p>
+            <a:pPr lvl="1"/>
+            <a:r>
+              <a:rPr lang="en-US" dirty="0" smtClean="0"/>
+              <a:t>boxplot: supports comparison</a:t>
+            </a:r>
+          </a:p>
+          <a:p>
+            <a:pPr lvl="1"/>
+            <a:r>
+              <a:rPr lang="en-US" dirty="0" smtClean="0"/>
+              <a:t>Histogram: check a distribution</a:t>
             </a:r>
           </a:p>
           <a:p>
@@ -26890,8 +27031,46 @@
             </a:pPr>
             <a:r>
               <a:rPr lang="en-US" dirty="0" smtClean="0"/>
-              <a:t>Distributions and some of their underlying assumptions; relating this back to your understanding of the data</a:t>
-            </a:r>
+              <a:t>Distributions</a:t>
+            </a:r>
+          </a:p>
+          <a:p>
+            <a:pPr lvl="1"/>
+            <a:r>
+              <a:rPr lang="en-US" dirty="0"/>
+              <a:t>Normal: Independent, Identically distributed random variables</a:t>
+            </a:r>
+          </a:p>
+          <a:p>
+            <a:pPr lvl="1"/>
+            <a:r>
+              <a:rPr lang="en-US" dirty="0"/>
+              <a:t>Log Normal: Multiplied independent random </a:t>
+            </a:r>
+            <a:r>
+              <a:rPr lang="en-US" dirty="0" err="1"/>
+              <a:t>vars</a:t>
+            </a:r>
+            <a:r>
+              <a:rPr lang="en-US" dirty="0"/>
+              <a:t> (intuitively: one end is fixed, e.g. timings all &gt; 0)</a:t>
+            </a:r>
+          </a:p>
+          <a:p>
+            <a:pPr lvl="1"/>
+            <a:r>
+              <a:rPr lang="en-US" dirty="0" err="1"/>
+              <a:t>Poission</a:t>
+            </a:r>
+            <a:r>
+              <a:rPr lang="en-US" dirty="0"/>
+              <a:t>: Constant rate of independent events</a:t>
+            </a:r>
+          </a:p>
+          <a:p>
+            <a:pPr marL="0" indent="0">
+              <a:buNone/>
+            </a:pPr>
             <a:endParaRPr lang="en-US" dirty="0"/>
           </a:p>
         </p:txBody>
@@ -26906,14 +27085,19 @@
             <p:ph type="dt" sz="half" idx="10"/>
           </p:nvPr>
         </p:nvSpPr>
-        <p:spPr/>
+        <p:spPr>
+          <a:xfrm>
+            <a:off x="8348677" y="6272756"/>
+            <a:ext cx="667406" cy="202372"/>
+          </a:xfrm>
+        </p:spPr>
         <p:txBody>
           <a:bodyPr/>
           <a:lstStyle/>
           <a:p>
             <a:fld id="{7053BEFA-1175-F644-B249-7D41D72BD3FF}" type="datetime1">
               <a:rPr lang="en-US" smtClean="0"/>
-              <a:t>2/14/15</a:t>
+              <a:t>4/21/15</a:t>
             </a:fld>
             <a:endParaRPr lang="en-US"/>
           </a:p>
@@ -26948,7 +27132,12 @@
             <p:ph type="sldNum" sz="quarter" idx="12"/>
           </p:nvPr>
         </p:nvSpPr>
-        <p:spPr/>
+        <p:spPr>
+          <a:xfrm>
+            <a:off x="8348677" y="5895534"/>
+            <a:ext cx="667406" cy="514261"/>
+          </a:xfrm>
+        </p:spPr>
         <p:txBody>
           <a:bodyPr/>
           <a:lstStyle/>
@@ -26961,6 +27150,78 @@
           </a:p>
         </p:txBody>
       </p:sp>
+      <p:pic>
+        <p:nvPicPr>
+          <p:cNvPr id="7" name="Picture 6"/>
+          <p:cNvPicPr>
+            <a:picLocks noChangeAspect="1"/>
+          </p:cNvPicPr>
+          <p:nvPr/>
+        </p:nvPicPr>
+        <p:blipFill>
+          <a:blip r:embed="rId3"/>
+          <a:stretch>
+            <a:fillRect/>
+          </a:stretch>
+        </p:blipFill>
+        <p:spPr>
+          <a:xfrm>
+            <a:off x="8160536" y="5740081"/>
+            <a:ext cx="855546" cy="669714"/>
+          </a:xfrm>
+          <a:prstGeom prst="rect">
+            <a:avLst/>
+          </a:prstGeom>
+        </p:spPr>
+      </p:pic>
+      <p:pic>
+        <p:nvPicPr>
+          <p:cNvPr id="8" name="Picture 7"/>
+          <p:cNvPicPr>
+            <a:picLocks noChangeAspect="1"/>
+          </p:cNvPicPr>
+          <p:nvPr/>
+        </p:nvPicPr>
+        <p:blipFill>
+          <a:blip r:embed="rId4"/>
+          <a:stretch>
+            <a:fillRect/>
+          </a:stretch>
+        </p:blipFill>
+        <p:spPr>
+          <a:xfrm>
+            <a:off x="8160536" y="5055149"/>
+            <a:ext cx="878615" cy="684932"/>
+          </a:xfrm>
+          <a:prstGeom prst="rect">
+            <a:avLst/>
+          </a:prstGeom>
+        </p:spPr>
+      </p:pic>
+      <p:pic>
+        <p:nvPicPr>
+          <p:cNvPr id="9" name="Picture 8"/>
+          <p:cNvPicPr>
+            <a:picLocks noChangeAspect="1"/>
+          </p:cNvPicPr>
+          <p:nvPr/>
+        </p:nvPicPr>
+        <p:blipFill>
+          <a:blip r:embed="rId5"/>
+          <a:stretch>
+            <a:fillRect/>
+          </a:stretch>
+        </p:blipFill>
+        <p:spPr>
+          <a:xfrm>
+            <a:off x="8160537" y="4391629"/>
+            <a:ext cx="855546" cy="663520"/>
+          </a:xfrm>
+          <a:prstGeom prst="rect">
+            <a:avLst/>
+          </a:prstGeom>
+        </p:spPr>
+      </p:pic>
     </p:spTree>
     <p:extLst>
       <p:ext uri="{BB962C8B-B14F-4D97-AF65-F5344CB8AC3E}">
@@ -27124,7 +27385,7 @@
           <a:p>
             <a:fld id="{7053BEFA-1175-F644-B249-7D41D72BD3FF}" type="datetime1">
               <a:rPr lang="en-US" smtClean="0"/>
-              <a:t>2/14/15</a:t>
+              <a:t>4/21/15</a:t>
             </a:fld>
             <a:endParaRPr lang="en-US"/>
           </a:p>
@@ -27309,7 +27570,7 @@
           <a:p>
             <a:fld id="{111EEF3B-ABF2-AA4E-9E24-0C6256942674}" type="datetime1">
               <a:rPr lang="en-US" smtClean="0"/>
-              <a:t>2/14/15</a:t>
+              <a:t>4/21/15</a:t>
             </a:fld>
             <a:endParaRPr lang="en-US"/>
           </a:p>
@@ -27499,7 +27760,7 @@
           <a:p>
             <a:fld id="{111EEF3B-ABF2-AA4E-9E24-0C6256942674}" type="datetime1">
               <a:rPr lang="en-US" smtClean="0"/>
-              <a:t>2/14/15</a:t>
+              <a:t>4/21/15</a:t>
             </a:fld>
             <a:endParaRPr lang="en-US"/>
           </a:p>
@@ -27654,7 +27915,7 @@
           <a:p>
             <a:fld id="{7053BEFA-1175-F644-B249-7D41D72BD3FF}" type="datetime1">
               <a:rPr lang="en-US" smtClean="0"/>
-              <a:t>2/14/15</a:t>
+              <a:t>4/21/15</a:t>
             </a:fld>
             <a:endParaRPr lang="en-US"/>
           </a:p>
@@ -27798,7 +28059,7 @@
           <a:p>
             <a:fld id="{7053BEFA-1175-F644-B249-7D41D72BD3FF}" type="datetime1">
               <a:rPr lang="en-US" smtClean="0"/>
-              <a:t>2/14/15</a:t>
+              <a:t>4/21/15</a:t>
             </a:fld>
             <a:endParaRPr lang="en-US"/>
           </a:p>
@@ -27942,7 +28203,7 @@
           <a:p>
             <a:fld id="{7053BEFA-1175-F644-B249-7D41D72BD3FF}" type="datetime1">
               <a:rPr lang="en-US" smtClean="0"/>
-              <a:t>2/14/15</a:t>
+              <a:t>4/21/15</a:t>
             </a:fld>
             <a:endParaRPr lang="en-US"/>
           </a:p>

--- a/Lectures/6 Exploration.pptx
+++ b/Lectures/6 Exploration.pptx
@@ -4724,7 +4724,7 @@
           <a:p>
             <a:fld id="{D3AAB66F-B1B7-D045-B4E8-4F60236F228D}" type="datetimeFigureOut">
               <a:rPr lang="en-US" smtClean="0"/>
-              <a:t>4/21/15</a:t>
+              <a:t>5/28/15</a:t>
             </a:fld>
             <a:endParaRPr lang="en-US"/>
           </a:p>
@@ -4890,7 +4890,7 @@
           <a:p>
             <a:fld id="{BCCF8E76-06A6-164E-A6FA-EC32C13EB232}" type="datetimeFigureOut">
               <a:rPr lang="en-US" smtClean="0"/>
-              <a:t>4/21/15</a:t>
+              <a:t>5/28/15</a:t>
             </a:fld>
             <a:endParaRPr lang="en-US"/>
           </a:p>
@@ -6172,6 +6172,38 @@
             <a:endParaRPr lang="en-US" dirty="0" smtClean="0"/>
           </a:p>
           <a:p>
+            <a:pPr marL="0" marR="0" indent="0" algn="l" defTabSz="457200" rtl="0" eaLnBrk="1" fontAlgn="auto" latinLnBrk="0" hangingPunct="1">
+              <a:lnSpc>
+                <a:spcPct val="100000"/>
+              </a:lnSpc>
+              <a:spcBef>
+                <a:spcPts val="0"/>
+              </a:spcBef>
+              <a:spcAft>
+                <a:spcPts val="0"/>
+              </a:spcAft>
+              <a:buClrTx/>
+              <a:buSzTx/>
+              <a:buFontTx/>
+              <a:buNone/>
+              <a:tabLst/>
+              <a:defRPr/>
+            </a:pPr>
+            <a:r>
+              <a:rPr lang="en-US" sz="1200" b="1" kern="1200" smtClean="0">
+                <a:solidFill>
+                  <a:schemeClr val="tx1"/>
+                </a:solidFill>
+                <a:effectLst/>
+                <a:latin typeface="+mn-lt"/>
+                <a:ea typeface="+mn-ea"/>
+                <a:cs typeface="+mn-cs"/>
+              </a:rPr>
+              <a:t>mean equals the variance </a:t>
+            </a:r>
+            <a:endParaRPr lang="en-US" smtClean="0"/>
+          </a:p>
+          <a:p>
             <a:endParaRPr lang="en-US" dirty="0"/>
           </a:p>
         </p:txBody>
@@ -7827,7 +7859,7 @@
             <a:fld id="{FA3C144B-2939-9A49-B014-915EC3E81866}" type="datetime1">
               <a:rPr lang="en-US" smtClean="0"/>
               <a:pPr/>
-              <a:t>4/21/15</a:t>
+              <a:t>5/28/15</a:t>
             </a:fld>
             <a:endParaRPr lang="en-US" dirty="0"/>
           </a:p>
@@ -8256,7 +8288,7 @@
           <a:p>
             <a:fld id="{76838339-A875-5E45-AB3F-AAABD270346A}" type="datetime1">
               <a:rPr lang="en-US" smtClean="0"/>
-              <a:t>4/21/15</a:t>
+              <a:t>5/28/15</a:t>
             </a:fld>
             <a:endParaRPr lang="en-US"/>
           </a:p>
@@ -8542,7 +8574,7 @@
             <a:fld id="{FA3C144B-2939-9A49-B014-915EC3E81866}" type="datetime1">
               <a:rPr lang="en-US" smtClean="0"/>
               <a:pPr/>
-              <a:t>4/21/15</a:t>
+              <a:t>5/28/15</a:t>
             </a:fld>
             <a:endParaRPr lang="en-US" dirty="0"/>
           </a:p>
@@ -9024,7 +9056,7 @@
           <a:p>
             <a:fld id="{A73F672F-A5FB-5745-934A-1BF51CA5539C}" type="datetime1">
               <a:rPr lang="en-US" smtClean="0"/>
-              <a:t>4/21/15</a:t>
+              <a:t>5/28/15</a:t>
             </a:fld>
             <a:endParaRPr lang="en-US"/>
           </a:p>
@@ -9366,7 +9398,7 @@
             <a:fld id="{FA3C144B-2939-9A49-B014-915EC3E81866}" type="datetime1">
               <a:rPr lang="en-US" smtClean="0"/>
               <a:pPr/>
-              <a:t>4/21/15</a:t>
+              <a:t>5/28/15</a:t>
             </a:fld>
             <a:endParaRPr lang="en-US" dirty="0"/>
           </a:p>
@@ -9830,7 +9862,7 @@
           <a:p>
             <a:fld id="{6AFE6A63-5EBE-3E48-B0AE-DF655A1ECE76}" type="datetime1">
               <a:rPr lang="en-US" smtClean="0"/>
-              <a:t>4/21/15</a:t>
+              <a:t>5/28/15</a:t>
             </a:fld>
             <a:endParaRPr lang="en-US"/>
           </a:p>
@@ -10149,7 +10181,7 @@
           <a:p>
             <a:fld id="{4A019F0C-9D18-B54A-9AC9-18AA74EDB034}" type="datetime1">
               <a:rPr lang="en-US" smtClean="0"/>
-              <a:t>4/21/15</a:t>
+              <a:t>5/28/15</a:t>
             </a:fld>
             <a:endParaRPr lang="en-US"/>
           </a:p>
@@ -10459,7 +10491,7 @@
             <a:fld id="{FA3C144B-2939-9A49-B014-915EC3E81866}" type="datetime1">
               <a:rPr lang="en-US" smtClean="0"/>
               <a:pPr/>
-              <a:t>4/21/15</a:t>
+              <a:t>5/28/15</a:t>
             </a:fld>
             <a:endParaRPr lang="en-US" dirty="0"/>
           </a:p>
@@ -10722,7 +10754,7 @@
           <a:p>
             <a:fld id="{FA3C144B-2939-9A49-B014-915EC3E81866}" type="datetime1">
               <a:rPr lang="en-US" smtClean="0"/>
-              <a:t>4/21/15</a:t>
+              <a:t>5/28/15</a:t>
             </a:fld>
             <a:endParaRPr lang="en-US" dirty="0"/>
           </a:p>
@@ -11090,7 +11122,7 @@
           <a:p>
             <a:fld id="{7053BEFA-1175-F644-B249-7D41D72BD3FF}" type="datetime1">
               <a:rPr lang="en-US" smtClean="0"/>
-              <a:t>4/21/15</a:t>
+              <a:t>5/28/15</a:t>
             </a:fld>
             <a:endParaRPr lang="en-US"/>
           </a:p>
@@ -11209,7 +11241,7 @@
             <a:fld id="{FA3C144B-2939-9A49-B014-915EC3E81866}" type="datetime1">
               <a:rPr lang="en-US" smtClean="0"/>
               <a:pPr/>
-              <a:t>4/21/15</a:t>
+              <a:t>5/28/15</a:t>
             </a:fld>
             <a:endParaRPr lang="en-US" dirty="0"/>
           </a:p>
@@ -11426,7 +11458,7 @@
             <a:fld id="{FA3C144B-2939-9A49-B014-915EC3E81866}" type="datetime1">
               <a:rPr lang="en-US" smtClean="0"/>
               <a:pPr/>
-              <a:t>4/21/15</a:t>
+              <a:t>5/28/15</a:t>
             </a:fld>
             <a:endParaRPr lang="en-US" dirty="0"/>
           </a:p>
@@ -11671,7 +11703,7 @@
             <a:fld id="{FA3C144B-2939-9A49-B014-915EC3E81866}" type="datetime1">
               <a:rPr lang="en-US" smtClean="0"/>
               <a:pPr/>
-              <a:t>4/21/15</a:t>
+              <a:t>5/28/15</a:t>
             </a:fld>
             <a:endParaRPr lang="en-US" dirty="0"/>
           </a:p>
@@ -12049,7 +12081,7 @@
           <a:p>
             <a:fld id="{111EEF3B-ABF2-AA4E-9E24-0C6256942674}" type="datetime1">
               <a:rPr lang="en-US" smtClean="0"/>
-              <a:t>4/21/15</a:t>
+              <a:t>5/28/15</a:t>
             </a:fld>
             <a:endParaRPr lang="en-US"/>
           </a:p>
@@ -12213,7 +12245,7 @@
             <a:fld id="{FA3C144B-2939-9A49-B014-915EC3E81866}" type="datetime1">
               <a:rPr lang="en-US" smtClean="0"/>
               <a:pPr/>
-              <a:t>4/21/15</a:t>
+              <a:t>5/28/15</a:t>
             </a:fld>
             <a:endParaRPr lang="en-US" dirty="0"/>
           </a:p>
@@ -12630,7 +12662,7 @@
             <a:fld id="{FA3C144B-2939-9A49-B014-915EC3E81866}" type="datetime1">
               <a:rPr lang="en-US" smtClean="0"/>
               <a:pPr/>
-              <a:t>4/21/15</a:t>
+              <a:t>5/28/15</a:t>
             </a:fld>
             <a:endParaRPr lang="en-US" dirty="0"/>
           </a:p>
@@ -12946,7 +12978,7 @@
             <a:fld id="{FA3C144B-2939-9A49-B014-915EC3E81866}" type="datetime1">
               <a:rPr lang="en-US" smtClean="0"/>
               <a:pPr/>
-              <a:t>4/21/15</a:t>
+              <a:t>5/28/15</a:t>
             </a:fld>
             <a:endParaRPr lang="en-US" dirty="0"/>
           </a:p>
@@ -13612,7 +13644,7 @@
             <a:fld id="{FA3C144B-2939-9A49-B014-915EC3E81866}" type="datetime1">
               <a:rPr lang="en-US" smtClean="0"/>
               <a:pPr/>
-              <a:t>4/21/15</a:t>
+              <a:t>5/28/15</a:t>
             </a:fld>
             <a:endParaRPr lang="en-US" dirty="0"/>
           </a:p>
@@ -14784,7 +14816,7 @@
           <a:p>
             <a:fld id="{7053BEFA-1175-F644-B249-7D41D72BD3FF}" type="datetime1">
               <a:rPr lang="en-US" smtClean="0"/>
-              <a:t>4/21/15</a:t>
+              <a:t>5/28/15</a:t>
             </a:fld>
             <a:endParaRPr lang="en-US"/>
           </a:p>
@@ -15035,7 +15067,7 @@
           <a:p>
             <a:fld id="{7053BEFA-1175-F644-B249-7D41D72BD3FF}" type="datetime1">
               <a:rPr lang="en-US" smtClean="0"/>
-              <a:t>4/21/15</a:t>
+              <a:t>5/28/15</a:t>
             </a:fld>
             <a:endParaRPr lang="en-US"/>
           </a:p>
@@ -15281,7 +15313,7 @@
           <a:p>
             <a:fld id="{7053BEFA-1175-F644-B249-7D41D72BD3FF}" type="datetime1">
               <a:rPr lang="en-US" smtClean="0"/>
-              <a:t>4/21/15</a:t>
+              <a:t>5/28/15</a:t>
             </a:fld>
             <a:endParaRPr lang="en-US"/>
           </a:p>
@@ -15431,7 +15463,7 @@
           <a:p>
             <a:fld id="{7053BEFA-1175-F644-B249-7D41D72BD3FF}" type="datetime1">
               <a:rPr lang="en-US" smtClean="0"/>
-              <a:t>4/21/15</a:t>
+              <a:t>5/28/15</a:t>
             </a:fld>
             <a:endParaRPr lang="en-US"/>
           </a:p>
@@ -15638,7 +15670,7 @@
           <a:p>
             <a:fld id="{7053BEFA-1175-F644-B249-7D41D72BD3FF}" type="datetime1">
               <a:rPr lang="en-US" smtClean="0"/>
-              <a:t>4/21/15</a:t>
+              <a:t>5/28/15</a:t>
             </a:fld>
             <a:endParaRPr lang="en-US"/>
           </a:p>
@@ -15836,7 +15868,7 @@
           <a:p>
             <a:fld id="{7053BEFA-1175-F644-B249-7D41D72BD3FF}" type="datetime1">
               <a:rPr lang="en-US" smtClean="0"/>
-              <a:t>4/21/15</a:t>
+              <a:t>5/28/15</a:t>
             </a:fld>
             <a:endParaRPr lang="en-US"/>
           </a:p>
@@ -16034,7 +16066,7 @@
           <a:p>
             <a:fld id="{7053BEFA-1175-F644-B249-7D41D72BD3FF}" type="datetime1">
               <a:rPr lang="en-US" smtClean="0"/>
-              <a:t>4/21/15</a:t>
+              <a:t>5/28/15</a:t>
             </a:fld>
             <a:endParaRPr lang="en-US"/>
           </a:p>
@@ -16552,7 +16584,7 @@
           <a:p>
             <a:fld id="{7053BEFA-1175-F644-B249-7D41D72BD3FF}" type="datetime1">
               <a:rPr lang="en-US" smtClean="0"/>
-              <a:t>4/21/15</a:t>
+              <a:t>5/28/15</a:t>
             </a:fld>
             <a:endParaRPr lang="en-US"/>
           </a:p>
@@ -18161,7 +18193,7 @@
           <a:p>
             <a:fld id="{7053BEFA-1175-F644-B249-7D41D72BD3FF}" type="datetime1">
               <a:rPr lang="en-US" smtClean="0"/>
-              <a:t>4/21/15</a:t>
+              <a:t>5/28/15</a:t>
             </a:fld>
             <a:endParaRPr lang="en-US"/>
           </a:p>
@@ -22290,7 +22322,7 @@
           <a:p>
             <a:fld id="{7053BEFA-1175-F644-B249-7D41D72BD3FF}" type="datetime1">
               <a:rPr lang="en-US" smtClean="0"/>
-              <a:t>4/21/15</a:t>
+              <a:t>5/28/15</a:t>
             </a:fld>
             <a:endParaRPr lang="en-US"/>
           </a:p>
@@ -22650,7 +22682,7 @@
           <a:p>
             <a:fld id="{7053BEFA-1175-F644-B249-7D41D72BD3FF}" type="datetime1">
               <a:rPr lang="en-US" smtClean="0"/>
-              <a:t>4/21/15</a:t>
+              <a:t>5/28/15</a:t>
             </a:fld>
             <a:endParaRPr lang="en-US"/>
           </a:p>
@@ -22852,7 +22884,7 @@
           <a:p>
             <a:fld id="{7053BEFA-1175-F644-B249-7D41D72BD3FF}" type="datetime1">
               <a:rPr lang="en-US" smtClean="0"/>
-              <a:t>4/21/15</a:t>
+              <a:t>5/28/15</a:t>
             </a:fld>
             <a:endParaRPr lang="en-US"/>
           </a:p>
@@ -23017,7 +23049,7 @@
           <a:p>
             <a:fld id="{7053BEFA-1175-F644-B249-7D41D72BD3FF}" type="datetime1">
               <a:rPr lang="en-US" smtClean="0"/>
-              <a:t>4/21/15</a:t>
+              <a:t>5/28/15</a:t>
             </a:fld>
             <a:endParaRPr lang="en-US"/>
           </a:p>
@@ -23187,7 +23219,7 @@
           <a:p>
             <a:fld id="{7053BEFA-1175-F644-B249-7D41D72BD3FF}" type="datetime1">
               <a:rPr lang="en-US" smtClean="0"/>
-              <a:t>4/21/15</a:t>
+              <a:t>5/28/15</a:t>
             </a:fld>
             <a:endParaRPr lang="en-US"/>
           </a:p>
@@ -23379,7 +23411,7 @@
           <a:p>
             <a:fld id="{7053BEFA-1175-F644-B249-7D41D72BD3FF}" type="datetime1">
               <a:rPr lang="en-US" smtClean="0"/>
-              <a:t>4/21/15</a:t>
+              <a:t>5/28/15</a:t>
             </a:fld>
             <a:endParaRPr lang="en-US"/>
           </a:p>
@@ -23666,7 +23698,7 @@
           <a:p>
             <a:fld id="{7053BEFA-1175-F644-B249-7D41D72BD3FF}" type="datetime1">
               <a:rPr lang="en-US" smtClean="0"/>
-              <a:t>4/21/15</a:t>
+              <a:t>5/28/15</a:t>
             </a:fld>
             <a:endParaRPr lang="en-US"/>
           </a:p>
@@ -24003,7 +24035,7 @@
           <a:p>
             <a:fld id="{7053BEFA-1175-F644-B249-7D41D72BD3FF}" type="datetime1">
               <a:rPr lang="en-US" smtClean="0"/>
-              <a:t>4/21/15</a:t>
+              <a:t>5/28/15</a:t>
             </a:fld>
             <a:endParaRPr lang="en-US"/>
           </a:p>
@@ -24193,7 +24225,7 @@
           <a:p>
             <a:fld id="{7053BEFA-1175-F644-B249-7D41D72BD3FF}" type="datetime1">
               <a:rPr lang="en-US" smtClean="0"/>
-              <a:t>4/21/15</a:t>
+              <a:t>5/28/15</a:t>
             </a:fld>
             <a:endParaRPr lang="en-US"/>
           </a:p>
@@ -24418,7 +24450,7 @@
           <a:p>
             <a:fld id="{7053BEFA-1175-F644-B249-7D41D72BD3FF}" type="datetime1">
               <a:rPr lang="en-US" smtClean="0"/>
-              <a:t>4/21/15</a:t>
+              <a:t>5/28/15</a:t>
             </a:fld>
             <a:endParaRPr lang="en-US"/>
           </a:p>
@@ -24644,7 +24676,7 @@
             <a:fld id="{A73F672F-A5FB-5745-934A-1BF51CA5539C}" type="datetime1">
               <a:rPr lang="en-US" smtClean="0"/>
               <a:pPr/>
-              <a:t>4/21/15</a:t>
+              <a:t>5/28/15</a:t>
             </a:fld>
             <a:endParaRPr lang="en-US"/>
           </a:p>
@@ -24789,7 +24821,7 @@
           <a:p>
             <a:fld id="{111EEF3B-ABF2-AA4E-9E24-0C6256942674}" type="datetime1">
               <a:rPr lang="en-US" smtClean="0"/>
-              <a:t>4/21/15</a:t>
+              <a:t>5/28/15</a:t>
             </a:fld>
             <a:endParaRPr lang="en-US"/>
           </a:p>
@@ -24895,7 +24927,7 @@
           <a:p>
             <a:fld id="{7053BEFA-1175-F644-B249-7D41D72BD3FF}" type="datetime1">
               <a:rPr lang="en-US" smtClean="0"/>
-              <a:t>4/21/15</a:t>
+              <a:t>5/28/15</a:t>
             </a:fld>
             <a:endParaRPr lang="en-US"/>
           </a:p>
@@ -25453,7 +25485,7 @@
           <a:p>
             <a:fld id="{7053BEFA-1175-F644-B249-7D41D72BD3FF}" type="datetime1">
               <a:rPr lang="en-US" smtClean="0"/>
-              <a:t>4/21/15</a:t>
+              <a:t>5/28/15</a:t>
             </a:fld>
             <a:endParaRPr lang="en-US"/>
           </a:p>
@@ -25958,7 +25990,7 @@
           <a:p>
             <a:fld id="{7053BEFA-1175-F644-B249-7D41D72BD3FF}" type="datetime1">
               <a:rPr lang="en-US" smtClean="0"/>
-              <a:t>4/21/15</a:t>
+              <a:t>5/28/15</a:t>
             </a:fld>
             <a:endParaRPr lang="en-US"/>
           </a:p>
@@ -26469,7 +26501,7 @@
             <a:fld id="{FA3C144B-2939-9A49-B014-915EC3E81866}" type="datetime1">
               <a:rPr lang="en-US" smtClean="0"/>
               <a:pPr/>
-              <a:t>4/21/15</a:t>
+              <a:t>5/28/15</a:t>
             </a:fld>
             <a:endParaRPr lang="en-US" dirty="0"/>
           </a:p>
@@ -26706,7 +26738,7 @@
           <a:p>
             <a:fld id="{7053BEFA-1175-F644-B249-7D41D72BD3FF}" type="datetime1">
               <a:rPr lang="en-US" smtClean="0"/>
-              <a:t>4/21/15</a:t>
+              <a:t>5/28/15</a:t>
             </a:fld>
             <a:endParaRPr lang="en-US"/>
           </a:p>
@@ -26830,7 +26862,7 @@
           <a:p>
             <a:fld id="{7053BEFA-1175-F644-B249-7D41D72BD3FF}" type="datetime1">
               <a:rPr lang="en-US" smtClean="0"/>
-              <a:t>4/21/15</a:t>
+              <a:t>5/28/15</a:t>
             </a:fld>
             <a:endParaRPr lang="en-US"/>
           </a:p>
@@ -27097,7 +27129,7 @@
           <a:p>
             <a:fld id="{7053BEFA-1175-F644-B249-7D41D72BD3FF}" type="datetime1">
               <a:rPr lang="en-US" smtClean="0"/>
-              <a:t>4/21/15</a:t>
+              <a:t>5/28/15</a:t>
             </a:fld>
             <a:endParaRPr lang="en-US"/>
           </a:p>
@@ -27385,7 +27417,7 @@
           <a:p>
             <a:fld id="{7053BEFA-1175-F644-B249-7D41D72BD3FF}" type="datetime1">
               <a:rPr lang="en-US" smtClean="0"/>
-              <a:t>4/21/15</a:t>
+              <a:t>5/28/15</a:t>
             </a:fld>
             <a:endParaRPr lang="en-US"/>
           </a:p>
@@ -27570,7 +27602,7 @@
           <a:p>
             <a:fld id="{111EEF3B-ABF2-AA4E-9E24-0C6256942674}" type="datetime1">
               <a:rPr lang="en-US" smtClean="0"/>
-              <a:t>4/21/15</a:t>
+              <a:t>5/28/15</a:t>
             </a:fld>
             <a:endParaRPr lang="en-US"/>
           </a:p>
@@ -27760,7 +27792,7 @@
           <a:p>
             <a:fld id="{111EEF3B-ABF2-AA4E-9E24-0C6256942674}" type="datetime1">
               <a:rPr lang="en-US" smtClean="0"/>
-              <a:t>4/21/15</a:t>
+              <a:t>5/28/15</a:t>
             </a:fld>
             <a:endParaRPr lang="en-US"/>
           </a:p>
@@ -27915,7 +27947,7 @@
           <a:p>
             <a:fld id="{7053BEFA-1175-F644-B249-7D41D72BD3FF}" type="datetime1">
               <a:rPr lang="en-US" smtClean="0"/>
-              <a:t>4/21/15</a:t>
+              <a:t>5/28/15</a:t>
             </a:fld>
             <a:endParaRPr lang="en-US"/>
           </a:p>
@@ -28059,7 +28091,7 @@
           <a:p>
             <a:fld id="{7053BEFA-1175-F644-B249-7D41D72BD3FF}" type="datetime1">
               <a:rPr lang="en-US" smtClean="0"/>
-              <a:t>4/21/15</a:t>
+              <a:t>5/28/15</a:t>
             </a:fld>
             <a:endParaRPr lang="en-US"/>
           </a:p>
@@ -28203,7 +28235,7 @@
           <a:p>
             <a:fld id="{7053BEFA-1175-F644-B249-7D41D72BD3FF}" type="datetime1">
               <a:rPr lang="en-US" smtClean="0"/>
-              <a:t>4/21/15</a:t>
+              <a:t>5/28/15</a:t>
             </a:fld>
             <a:endParaRPr lang="en-US"/>
           </a:p>
